--- a/Day_1.pptx
+++ b/Day_1.pptx
@@ -5,10 +5,10 @@
     <p:sldMasterId id="2147483648" r:id="rId4"/>
   </p:sldMasterIdLst>
   <p:notesMasterIdLst>
-    <p:notesMasterId r:id="rId27"/>
+    <p:notesMasterId r:id="rId28"/>
   </p:notesMasterIdLst>
   <p:handoutMasterIdLst>
-    <p:handoutMasterId r:id="rId28"/>
+    <p:handoutMasterId r:id="rId29"/>
   </p:handoutMasterIdLst>
   <p:sldIdLst>
     <p:sldId id="256" r:id="rId5"/>
@@ -29,10 +29,11 @@
     <p:sldId id="310" r:id="rId20"/>
     <p:sldId id="280" r:id="rId21"/>
     <p:sldId id="284" r:id="rId22"/>
-    <p:sldId id="312" r:id="rId23"/>
-    <p:sldId id="285" r:id="rId24"/>
-    <p:sldId id="282" r:id="rId25"/>
-    <p:sldId id="271" r:id="rId26"/>
+    <p:sldId id="313" r:id="rId23"/>
+    <p:sldId id="312" r:id="rId24"/>
+    <p:sldId id="285" r:id="rId25"/>
+    <p:sldId id="314" r:id="rId26"/>
+    <p:sldId id="271" r:id="rId27"/>
   </p:sldIdLst>
   <p:sldSz cx="12192000" cy="6858000"/>
   <p:notesSz cx="6858000" cy="9144000"/>
@@ -147,9 +148,3581 @@
   <p1510:revLst>
     <p1510:client id="{3303FF65-234F-5D21-F78A-528C175EA7C3}" v="1169" dt="2024-10-22T22:29:46.607"/>
     <p1510:client id="{463E9B9E-66F6-FC21-2DF0-1EA711CBAD4D}" v="376" dt="2024-10-22T23:21:23.442"/>
-    <p1510:client id="{4EB3A4A3-B2F1-BB9D-BF66-D7F72E200665}" v="665" dt="2024-10-21T17:51:33.199"/>
+    <p1510:client id="{4A1F15BD-1A24-6261-A0B1-59F81AF030C8}" v="20" dt="2024-10-24T18:35:05.172"/>
+    <p1510:client id="{6524BC2A-019D-44EC-87A8-FFB57EB4E4BB}" v="3" dt="2024-10-23T23:12:24.680"/>
   </p1510:revLst>
 </p1510:revInfo>
+</file>
+
+<file path=ppt/changesInfos/changesInfo1.xml><?xml version="1.0" encoding="utf-8"?>
+<pc:chgInfo xmlns:a="http://schemas.openxmlformats.org/drawingml/2006/main" xmlns:r="http://schemas.openxmlformats.org/officeDocument/2006/relationships" xmlns:ac="http://schemas.microsoft.com/office/drawing/2013/main/command" xmlns:pc="http://schemas.microsoft.com/office/powerpoint/2013/main/command">
+  <pc:docChgLst>
+    <pc:chgData name="Cassandra K Hui" userId="S::ckhui@unr.edu::17f71015-be1a-44f4-b604-0146d8df4a12" providerId="AD" clId="Web-{FF7CF059-0C0F-89A0-36DC-D125C6193142}"/>
+    <pc:docChg chg="addSld delSld modSld sldOrd">
+      <pc:chgData name="Cassandra K Hui" userId="S::ckhui@unr.edu::17f71015-be1a-44f4-b604-0146d8df4a12" providerId="AD" clId="Web-{FF7CF059-0C0F-89A0-36DC-D125C6193142}" dt="2024-10-17T20:44:20.109" v="220" actId="20577"/>
+      <pc:docMkLst>
+        <pc:docMk/>
+      </pc:docMkLst>
+      <pc:sldChg chg="addSp delSp modSp">
+        <pc:chgData name="Cassandra K Hui" userId="S::ckhui@unr.edu::17f71015-be1a-44f4-b604-0146d8df4a12" providerId="AD" clId="Web-{FF7CF059-0C0F-89A0-36DC-D125C6193142}" dt="2024-10-17T20:35:07.188" v="37" actId="14100"/>
+        <pc:sldMkLst>
+          <pc:docMk/>
+          <pc:sldMk cId="2586058810" sldId="256"/>
+        </pc:sldMkLst>
+        <pc:spChg chg="mod">
+          <ac:chgData name="Cassandra K Hui" userId="S::ckhui@unr.edu::17f71015-be1a-44f4-b604-0146d8df4a12" providerId="AD" clId="Web-{FF7CF059-0C0F-89A0-36DC-D125C6193142}" dt="2024-10-17T20:33:59.952" v="24" actId="14100"/>
+          <ac:spMkLst>
+            <pc:docMk/>
+            <pc:sldMk cId="2586058810" sldId="256"/>
+            <ac:spMk id="2" creationId="{CFE75451-6A4B-484B-9ED1-353CCE25B0F4}"/>
+          </ac:spMkLst>
+        </pc:spChg>
+        <pc:spChg chg="add mod">
+          <ac:chgData name="Cassandra K Hui" userId="S::ckhui@unr.edu::17f71015-be1a-44f4-b604-0146d8df4a12" providerId="AD" clId="Web-{FF7CF059-0C0F-89A0-36DC-D125C6193142}" dt="2024-10-17T20:33:52.014" v="22" actId="20577"/>
+          <ac:spMkLst>
+            <pc:docMk/>
+            <pc:sldMk cId="2586058810" sldId="256"/>
+            <ac:spMk id="6" creationId="{62A264EE-6820-BE1E-4D2D-E47AC8856985}"/>
+          </ac:spMkLst>
+        </pc:spChg>
+        <pc:picChg chg="add del mod">
+          <ac:chgData name="Cassandra K Hui" userId="S::ckhui@unr.edu::17f71015-be1a-44f4-b604-0146d8df4a12" providerId="AD" clId="Web-{FF7CF059-0C0F-89A0-36DC-D125C6193142}" dt="2024-10-17T20:32:35.918" v="7"/>
+          <ac:picMkLst>
+            <pc:docMk/>
+            <pc:sldMk cId="2586058810" sldId="256"/>
+            <ac:picMk id="3" creationId="{BB8FE10B-9412-88C3-1E4A-BB7F46930066}"/>
+          </ac:picMkLst>
+        </pc:picChg>
+        <pc:picChg chg="add del mod">
+          <ac:chgData name="Cassandra K Hui" userId="S::ckhui@unr.edu::17f71015-be1a-44f4-b604-0146d8df4a12" providerId="AD" clId="Web-{FF7CF059-0C0F-89A0-36DC-D125C6193142}" dt="2024-10-17T20:32:04.964" v="2"/>
+          <ac:picMkLst>
+            <pc:docMk/>
+            <pc:sldMk cId="2586058810" sldId="256"/>
+            <ac:picMk id="4" creationId="{FFF68B11-0933-EA10-5997-1D9F13793727}"/>
+          </ac:picMkLst>
+        </pc:picChg>
+        <pc:picChg chg="add mod">
+          <ac:chgData name="Cassandra K Hui" userId="S::ckhui@unr.edu::17f71015-be1a-44f4-b604-0146d8df4a12" providerId="AD" clId="Web-{FF7CF059-0C0F-89A0-36DC-D125C6193142}" dt="2024-10-17T20:32:52.544" v="10" actId="1076"/>
+          <ac:picMkLst>
+            <pc:docMk/>
+            <pc:sldMk cId="2586058810" sldId="256"/>
+            <ac:picMk id="5" creationId="{234D5848-B167-EDF5-91F9-F6ACDF6FE341}"/>
+          </ac:picMkLst>
+        </pc:picChg>
+        <pc:cxnChg chg="add">
+          <ac:chgData name="Cassandra K Hui" userId="S::ckhui@unr.edu::17f71015-be1a-44f4-b604-0146d8df4a12" providerId="AD" clId="Web-{FF7CF059-0C0F-89A0-36DC-D125C6193142}" dt="2024-10-17T20:33:52.139" v="23"/>
+          <ac:cxnSpMkLst>
+            <pc:docMk/>
+            <pc:sldMk cId="2586058810" sldId="256"/>
+            <ac:cxnSpMk id="7" creationId="{0784B0A5-FF1C-04DD-20B3-1678D012E580}"/>
+          </ac:cxnSpMkLst>
+        </pc:cxnChg>
+        <pc:cxnChg chg="add">
+          <ac:chgData name="Cassandra K Hui" userId="S::ckhui@unr.edu::17f71015-be1a-44f4-b604-0146d8df4a12" providerId="AD" clId="Web-{FF7CF059-0C0F-89A0-36DC-D125C6193142}" dt="2024-10-17T20:34:05.655" v="25"/>
+          <ac:cxnSpMkLst>
+            <pc:docMk/>
+            <pc:sldMk cId="2586058810" sldId="256"/>
+            <ac:cxnSpMk id="8" creationId="{D8EC80DC-13E7-19F6-976A-99C13E724C78}"/>
+          </ac:cxnSpMkLst>
+        </pc:cxnChg>
+        <pc:cxnChg chg="add mod">
+          <ac:chgData name="Cassandra K Hui" userId="S::ckhui@unr.edu::17f71015-be1a-44f4-b604-0146d8df4a12" providerId="AD" clId="Web-{FF7CF059-0C0F-89A0-36DC-D125C6193142}" dt="2024-10-17T20:35:07.188" v="37" actId="14100"/>
+          <ac:cxnSpMkLst>
+            <pc:docMk/>
+            <pc:sldMk cId="2586058810" sldId="256"/>
+            <ac:cxnSpMk id="9" creationId="{08F6D2A9-7747-E2D8-F424-51BE764972A8}"/>
+          </ac:cxnSpMkLst>
+        </pc:cxnChg>
+      </pc:sldChg>
+      <pc:sldChg chg="addSp delSp modSp mod chgLayout">
+        <pc:chgData name="Cassandra K Hui" userId="S::ckhui@unr.edu::17f71015-be1a-44f4-b604-0146d8df4a12" providerId="AD" clId="Web-{FF7CF059-0C0F-89A0-36DC-D125C6193142}" dt="2024-10-17T20:37:42.942" v="105"/>
+        <pc:sldMkLst>
+          <pc:docMk/>
+          <pc:sldMk cId="1713219598" sldId="257"/>
+        </pc:sldMkLst>
+        <pc:spChg chg="mod">
+          <ac:chgData name="Cassandra K Hui" userId="S::ckhui@unr.edu::17f71015-be1a-44f4-b604-0146d8df4a12" providerId="AD" clId="Web-{FF7CF059-0C0F-89A0-36DC-D125C6193142}" dt="2024-10-17T20:37:42.942" v="105"/>
+          <ac:spMkLst>
+            <pc:docMk/>
+            <pc:sldMk cId="1713219598" sldId="257"/>
+            <ac:spMk id="2" creationId="{1BEF5859-10C9-4588-9727-B9362E26C29D}"/>
+          </ac:spMkLst>
+        </pc:spChg>
+        <pc:spChg chg="del mod">
+          <ac:chgData name="Cassandra K Hui" userId="S::ckhui@unr.edu::17f71015-be1a-44f4-b604-0146d8df4a12" providerId="AD" clId="Web-{FF7CF059-0C0F-89A0-36DC-D125C6193142}" dt="2024-10-17T20:37:42.942" v="105"/>
+          <ac:spMkLst>
+            <pc:docMk/>
+            <pc:sldMk cId="1713219598" sldId="257"/>
+            <ac:spMk id="3" creationId="{5671D7E5-EF66-4BCD-8DAA-E9061157F0BE}"/>
+          </ac:spMkLst>
+        </pc:spChg>
+        <pc:spChg chg="mod">
+          <ac:chgData name="Cassandra K Hui" userId="S::ckhui@unr.edu::17f71015-be1a-44f4-b604-0146d8df4a12" providerId="AD" clId="Web-{FF7CF059-0C0F-89A0-36DC-D125C6193142}" dt="2024-10-17T20:37:42.942" v="105"/>
+          <ac:spMkLst>
+            <pc:docMk/>
+            <pc:sldMk cId="1713219598" sldId="257"/>
+            <ac:spMk id="5" creationId="{B02A8827-B1A1-2D2F-D6DD-E886B886C43E}"/>
+          </ac:spMkLst>
+        </pc:spChg>
+        <pc:spChg chg="add mod">
+          <ac:chgData name="Cassandra K Hui" userId="S::ckhui@unr.edu::17f71015-be1a-44f4-b604-0146d8df4a12" providerId="AD" clId="Web-{FF7CF059-0C0F-89A0-36DC-D125C6193142}" dt="2024-10-17T20:37:42.942" v="105"/>
+          <ac:spMkLst>
+            <pc:docMk/>
+            <pc:sldMk cId="1713219598" sldId="257"/>
+            <ac:spMk id="11" creationId="{F97F7D6E-E966-6C9E-2DDA-B3CE190573D4}"/>
+          </ac:spMkLst>
+        </pc:spChg>
+        <pc:graphicFrameChg chg="add mod">
+          <ac:chgData name="Cassandra K Hui" userId="S::ckhui@unr.edu::17f71015-be1a-44f4-b604-0146d8df4a12" providerId="AD" clId="Web-{FF7CF059-0C0F-89A0-36DC-D125C6193142}" dt="2024-10-17T20:37:42.942" v="105"/>
+          <ac:graphicFrameMkLst>
+            <pc:docMk/>
+            <pc:sldMk cId="1713219598" sldId="257"/>
+            <ac:graphicFrameMk id="7" creationId="{3E8C3223-CE41-2E5D-6F02-8C4C2AC1D7CC}"/>
+          </ac:graphicFrameMkLst>
+        </pc:graphicFrameChg>
+      </pc:sldChg>
+      <pc:sldChg chg="modSp">
+        <pc:chgData name="Cassandra K Hui" userId="S::ckhui@unr.edu::17f71015-be1a-44f4-b604-0146d8df4a12" providerId="AD" clId="Web-{FF7CF059-0C0F-89A0-36DC-D125C6193142}" dt="2024-10-17T20:40:55.775" v="131" actId="20577"/>
+        <pc:sldMkLst>
+          <pc:docMk/>
+          <pc:sldMk cId="3571516367" sldId="258"/>
+        </pc:sldMkLst>
+        <pc:spChg chg="mod">
+          <ac:chgData name="Cassandra K Hui" userId="S::ckhui@unr.edu::17f71015-be1a-44f4-b604-0146d8df4a12" providerId="AD" clId="Web-{FF7CF059-0C0F-89A0-36DC-D125C6193142}" dt="2024-10-17T20:40:44.103" v="128" actId="20577"/>
+          <ac:spMkLst>
+            <pc:docMk/>
+            <pc:sldMk cId="3571516367" sldId="258"/>
+            <ac:spMk id="2" creationId="{0A32731C-311B-46F7-A865-6C3AF6B09A47}"/>
+          </ac:spMkLst>
+        </pc:spChg>
+        <pc:spChg chg="mod">
+          <ac:chgData name="Cassandra K Hui" userId="S::ckhui@unr.edu::17f71015-be1a-44f4-b604-0146d8df4a12" providerId="AD" clId="Web-{FF7CF059-0C0F-89A0-36DC-D125C6193142}" dt="2024-10-17T20:40:55.775" v="131" actId="20577"/>
+          <ac:spMkLst>
+            <pc:docMk/>
+            <pc:sldMk cId="3571516367" sldId="258"/>
+            <ac:spMk id="3" creationId="{9D5232F9-FD00-464A-9F17-619C91AEF8F3}"/>
+          </ac:spMkLst>
+        </pc:spChg>
+      </pc:sldChg>
+      <pc:sldChg chg="del">
+        <pc:chgData name="Cassandra K Hui" userId="S::ckhui@unr.edu::17f71015-be1a-44f4-b604-0146d8df4a12" providerId="AD" clId="Web-{FF7CF059-0C0F-89A0-36DC-D125C6193142}" dt="2024-10-17T20:39:49.367" v="120"/>
+        <pc:sldMkLst>
+          <pc:docMk/>
+          <pc:sldMk cId="1742861620" sldId="266"/>
+        </pc:sldMkLst>
+      </pc:sldChg>
+      <pc:sldChg chg="modSp">
+        <pc:chgData name="Cassandra K Hui" userId="S::ckhui@unr.edu::17f71015-be1a-44f4-b604-0146d8df4a12" providerId="AD" clId="Web-{FF7CF059-0C0F-89A0-36DC-D125C6193142}" dt="2024-10-17T20:44:20.109" v="220" actId="20577"/>
+        <pc:sldMkLst>
+          <pc:docMk/>
+          <pc:sldMk cId="1969787568" sldId="271"/>
+        </pc:sldMkLst>
+        <pc:spChg chg="mod">
+          <ac:chgData name="Cassandra K Hui" userId="S::ckhui@unr.edu::17f71015-be1a-44f4-b604-0146d8df4a12" providerId="AD" clId="Web-{FF7CF059-0C0F-89A0-36DC-D125C6193142}" dt="2024-10-17T20:44:20.109" v="220" actId="20577"/>
+          <ac:spMkLst>
+            <pc:docMk/>
+            <pc:sldMk cId="1969787568" sldId="271"/>
+            <ac:spMk id="3" creationId="{AF64C29E-DF30-4DC6-AB95-2016F9A703B6}"/>
+          </ac:spMkLst>
+        </pc:spChg>
+      </pc:sldChg>
+      <pc:sldChg chg="addSp modSp mod modClrScheme chgLayout">
+        <pc:chgData name="Cassandra K Hui" userId="S::ckhui@unr.edu::17f71015-be1a-44f4-b604-0146d8df4a12" providerId="AD" clId="Web-{FF7CF059-0C0F-89A0-36DC-D125C6193142}" dt="2024-10-17T20:40:24.150" v="124" actId="20577"/>
+        <pc:sldMkLst>
+          <pc:docMk/>
+          <pc:sldMk cId="608796113" sldId="278"/>
+        </pc:sldMkLst>
+        <pc:spChg chg="mod">
+          <ac:chgData name="Cassandra K Hui" userId="S::ckhui@unr.edu::17f71015-be1a-44f4-b604-0146d8df4a12" providerId="AD" clId="Web-{FF7CF059-0C0F-89A0-36DC-D125C6193142}" dt="2024-10-17T20:38:41.647" v="116"/>
+          <ac:spMkLst>
+            <pc:docMk/>
+            <pc:sldMk cId="608796113" sldId="278"/>
+            <ac:spMk id="2" creationId="{9528DBD1-DB29-D44F-FD5A-3071BB37EF37}"/>
+          </ac:spMkLst>
+        </pc:spChg>
+        <pc:spChg chg="add mod">
+          <ac:chgData name="Cassandra K Hui" userId="S::ckhui@unr.edu::17f71015-be1a-44f4-b604-0146d8df4a12" providerId="AD" clId="Web-{FF7CF059-0C0F-89A0-36DC-D125C6193142}" dt="2024-10-17T20:40:24.150" v="124" actId="20577"/>
+          <ac:spMkLst>
+            <pc:docMk/>
+            <pc:sldMk cId="608796113" sldId="278"/>
+            <ac:spMk id="7" creationId="{3B636593-ABAC-7EB6-A007-71B1238BC029}"/>
+          </ac:spMkLst>
+        </pc:spChg>
+        <pc:spChg chg="add mod">
+          <ac:chgData name="Cassandra K Hui" userId="S::ckhui@unr.edu::17f71015-be1a-44f4-b604-0146d8df4a12" providerId="AD" clId="Web-{FF7CF059-0C0F-89A0-36DC-D125C6193142}" dt="2024-10-17T20:38:41.647" v="116"/>
+          <ac:spMkLst>
+            <pc:docMk/>
+            <pc:sldMk cId="608796113" sldId="278"/>
+            <ac:spMk id="9" creationId="{CC24BBF8-70DA-07B0-6141-C12DAF089909}"/>
+          </ac:spMkLst>
+        </pc:spChg>
+      </pc:sldChg>
+      <pc:sldChg chg="del">
+        <pc:chgData name="Cassandra K Hui" userId="S::ckhui@unr.edu::17f71015-be1a-44f4-b604-0146d8df4a12" providerId="AD" clId="Web-{FF7CF059-0C0F-89A0-36DC-D125C6193142}" dt="2024-10-17T20:38:10.380" v="106"/>
+        <pc:sldMkLst>
+          <pc:docMk/>
+          <pc:sldMk cId="2241459136" sldId="279"/>
+        </pc:sldMkLst>
+      </pc:sldChg>
+      <pc:sldChg chg="modSp">
+        <pc:chgData name="Cassandra K Hui" userId="S::ckhui@unr.edu::17f71015-be1a-44f4-b604-0146d8df4a12" providerId="AD" clId="Web-{FF7CF059-0C0F-89A0-36DC-D125C6193142}" dt="2024-10-17T20:39:58.836" v="123" actId="20577"/>
+        <pc:sldMkLst>
+          <pc:docMk/>
+          <pc:sldMk cId="334696707" sldId="280"/>
+        </pc:sldMkLst>
+        <pc:spChg chg="mod">
+          <ac:chgData name="Cassandra K Hui" userId="S::ckhui@unr.edu::17f71015-be1a-44f4-b604-0146d8df4a12" providerId="AD" clId="Web-{FF7CF059-0C0F-89A0-36DC-D125C6193142}" dt="2024-10-17T20:39:58.836" v="123" actId="20577"/>
+          <ac:spMkLst>
+            <pc:docMk/>
+            <pc:sldMk cId="334696707" sldId="280"/>
+            <ac:spMk id="2" creationId="{566C97BE-403B-122E-90D1-2788978A0B6F}"/>
+          </ac:spMkLst>
+        </pc:spChg>
+      </pc:sldChg>
+      <pc:sldChg chg="del">
+        <pc:chgData name="Cassandra K Hui" userId="S::ckhui@unr.edu::17f71015-be1a-44f4-b604-0146d8df4a12" providerId="AD" clId="Web-{FF7CF059-0C0F-89A0-36DC-D125C6193142}" dt="2024-10-17T20:39:50.086" v="121"/>
+        <pc:sldMkLst>
+          <pc:docMk/>
+          <pc:sldMk cId="103458723" sldId="281"/>
+        </pc:sldMkLst>
+      </pc:sldChg>
+      <pc:sldChg chg="modSp">
+        <pc:chgData name="Cassandra K Hui" userId="S::ckhui@unr.edu::17f71015-be1a-44f4-b604-0146d8df4a12" providerId="AD" clId="Web-{FF7CF059-0C0F-89A0-36DC-D125C6193142}" dt="2024-10-17T20:43:39.561" v="187" actId="20577"/>
+        <pc:sldMkLst>
+          <pc:docMk/>
+          <pc:sldMk cId="636929804" sldId="282"/>
+        </pc:sldMkLst>
+        <pc:spChg chg="mod">
+          <ac:chgData name="Cassandra K Hui" userId="S::ckhui@unr.edu::17f71015-be1a-44f4-b604-0146d8df4a12" providerId="AD" clId="Web-{FF7CF059-0C0F-89A0-36DC-D125C6193142}" dt="2024-10-17T20:42:56.138" v="170" actId="20577"/>
+          <ac:spMkLst>
+            <pc:docMk/>
+            <pc:sldMk cId="636929804" sldId="282"/>
+            <ac:spMk id="2" creationId="{8B27D9B3-B64F-656A-0D99-161A6C0F518F}"/>
+          </ac:spMkLst>
+        </pc:spChg>
+        <pc:spChg chg="mod">
+          <ac:chgData name="Cassandra K Hui" userId="S::ckhui@unr.edu::17f71015-be1a-44f4-b604-0146d8df4a12" providerId="AD" clId="Web-{FF7CF059-0C0F-89A0-36DC-D125C6193142}" dt="2024-10-17T20:43:28.639" v="184" actId="20577"/>
+          <ac:spMkLst>
+            <pc:docMk/>
+            <pc:sldMk cId="636929804" sldId="282"/>
+            <ac:spMk id="13" creationId="{7E5B6E40-3A7D-ACF7-AA38-25977D322D81}"/>
+          </ac:spMkLst>
+        </pc:spChg>
+        <pc:spChg chg="mod">
+          <ac:chgData name="Cassandra K Hui" userId="S::ckhui@unr.edu::17f71015-be1a-44f4-b604-0146d8df4a12" providerId="AD" clId="Web-{FF7CF059-0C0F-89A0-36DC-D125C6193142}" dt="2024-10-17T20:43:12.685" v="173" actId="20577"/>
+          <ac:spMkLst>
+            <pc:docMk/>
+            <pc:sldMk cId="636929804" sldId="282"/>
+            <ac:spMk id="14" creationId="{5112969F-EB84-49D5-7100-1FB28870FB30}"/>
+          </ac:spMkLst>
+        </pc:spChg>
+        <pc:spChg chg="mod">
+          <ac:chgData name="Cassandra K Hui" userId="S::ckhui@unr.edu::17f71015-be1a-44f4-b604-0146d8df4a12" providerId="AD" clId="Web-{FF7CF059-0C0F-89A0-36DC-D125C6193142}" dt="2024-10-17T20:43:18.139" v="179" actId="20577"/>
+          <ac:spMkLst>
+            <pc:docMk/>
+            <pc:sldMk cId="636929804" sldId="282"/>
+            <ac:spMk id="15" creationId="{A536BD54-EFA1-25A2-9F04-4F22C36E2A5D}"/>
+          </ac:spMkLst>
+        </pc:spChg>
+        <pc:spChg chg="mod">
+          <ac:chgData name="Cassandra K Hui" userId="S::ckhui@unr.edu::17f71015-be1a-44f4-b604-0146d8df4a12" providerId="AD" clId="Web-{FF7CF059-0C0F-89A0-36DC-D125C6193142}" dt="2024-10-17T20:43:39.561" v="187" actId="20577"/>
+          <ac:spMkLst>
+            <pc:docMk/>
+            <pc:sldMk cId="636929804" sldId="282"/>
+            <ac:spMk id="36" creationId="{E71298F0-74F1-FECA-0F02-495F9A2EBA7B}"/>
+          </ac:spMkLst>
+        </pc:spChg>
+      </pc:sldChg>
+      <pc:sldChg chg="modSp add replId">
+        <pc:chgData name="Cassandra K Hui" userId="S::ckhui@unr.edu::17f71015-be1a-44f4-b604-0146d8df4a12" providerId="AD" clId="Web-{FF7CF059-0C0F-89A0-36DC-D125C6193142}" dt="2024-10-17T20:41:23.901" v="139" actId="20577"/>
+        <pc:sldMkLst>
+          <pc:docMk/>
+          <pc:sldMk cId="23600570" sldId="283"/>
+        </pc:sldMkLst>
+        <pc:spChg chg="mod">
+          <ac:chgData name="Cassandra K Hui" userId="S::ckhui@unr.edu::17f71015-be1a-44f4-b604-0146d8df4a12" providerId="AD" clId="Web-{FF7CF059-0C0F-89A0-36DC-D125C6193142}" dt="2024-10-17T20:41:10.041" v="137" actId="20577"/>
+          <ac:spMkLst>
+            <pc:docMk/>
+            <pc:sldMk cId="23600570" sldId="283"/>
+            <ac:spMk id="2" creationId="{0A32731C-311B-46F7-A865-6C3AF6B09A47}"/>
+          </ac:spMkLst>
+        </pc:spChg>
+        <pc:spChg chg="mod">
+          <ac:chgData name="Cassandra K Hui" userId="S::ckhui@unr.edu::17f71015-be1a-44f4-b604-0146d8df4a12" providerId="AD" clId="Web-{FF7CF059-0C0F-89A0-36DC-D125C6193142}" dt="2024-10-17T20:41:23.901" v="139" actId="20577"/>
+          <ac:spMkLst>
+            <pc:docMk/>
+            <pc:sldMk cId="23600570" sldId="283"/>
+            <ac:spMk id="3" creationId="{9D5232F9-FD00-464A-9F17-619C91AEF8F3}"/>
+          </ac:spMkLst>
+        </pc:spChg>
+      </pc:sldChg>
+      <pc:sldChg chg="del">
+        <pc:chgData name="Cassandra K Hui" userId="S::ckhui@unr.edu::17f71015-be1a-44f4-b604-0146d8df4a12" providerId="AD" clId="Web-{FF7CF059-0C0F-89A0-36DC-D125C6193142}" dt="2024-10-17T20:39:48.899" v="119"/>
+        <pc:sldMkLst>
+          <pc:docMk/>
+          <pc:sldMk cId="1658164610" sldId="283"/>
+        </pc:sldMkLst>
+      </pc:sldChg>
+      <pc:sldChg chg="modSp add replId">
+        <pc:chgData name="Cassandra K Hui" userId="S::ckhui@unr.edu::17f71015-be1a-44f4-b604-0146d8df4a12" providerId="AD" clId="Web-{FF7CF059-0C0F-89A0-36DC-D125C6193142}" dt="2024-10-17T20:42:13.152" v="163" actId="20577"/>
+        <pc:sldMkLst>
+          <pc:docMk/>
+          <pc:sldMk cId="1553519612" sldId="284"/>
+        </pc:sldMkLst>
+        <pc:spChg chg="mod">
+          <ac:chgData name="Cassandra K Hui" userId="S::ckhui@unr.edu::17f71015-be1a-44f4-b604-0146d8df4a12" providerId="AD" clId="Web-{FF7CF059-0C0F-89A0-36DC-D125C6193142}" dt="2024-10-17T20:41:57.997" v="141" actId="20577"/>
+          <ac:spMkLst>
+            <pc:docMk/>
+            <pc:sldMk cId="1553519612" sldId="284"/>
+            <ac:spMk id="2" creationId="{0A32731C-311B-46F7-A865-6C3AF6B09A47}"/>
+          </ac:spMkLst>
+        </pc:spChg>
+        <pc:spChg chg="mod">
+          <ac:chgData name="Cassandra K Hui" userId="S::ckhui@unr.edu::17f71015-be1a-44f4-b604-0146d8df4a12" providerId="AD" clId="Web-{FF7CF059-0C0F-89A0-36DC-D125C6193142}" dt="2024-10-17T20:42:13.152" v="163" actId="20577"/>
+          <ac:spMkLst>
+            <pc:docMk/>
+            <pc:sldMk cId="1553519612" sldId="284"/>
+            <ac:spMk id="3" creationId="{9D5232F9-FD00-464A-9F17-619C91AEF8F3}"/>
+          </ac:spMkLst>
+        </pc:spChg>
+      </pc:sldChg>
+      <pc:sldChg chg="del">
+        <pc:chgData name="Cassandra K Hui" userId="S::ckhui@unr.edu::17f71015-be1a-44f4-b604-0146d8df4a12" providerId="AD" clId="Web-{FF7CF059-0C0F-89A0-36DC-D125C6193142}" dt="2024-10-17T20:39:47.961" v="118"/>
+        <pc:sldMkLst>
+          <pc:docMk/>
+          <pc:sldMk cId="2403577982" sldId="284"/>
+        </pc:sldMkLst>
+      </pc:sldChg>
+      <pc:sldChg chg="del">
+        <pc:chgData name="Cassandra K Hui" userId="S::ckhui@unr.edu::17f71015-be1a-44f4-b604-0146d8df4a12" providerId="AD" clId="Web-{FF7CF059-0C0F-89A0-36DC-D125C6193142}" dt="2024-10-17T20:39:41.742" v="117"/>
+        <pc:sldMkLst>
+          <pc:docMk/>
+          <pc:sldMk cId="2791821786" sldId="285"/>
+        </pc:sldMkLst>
+      </pc:sldChg>
+      <pc:sldChg chg="modSp add ord replId">
+        <pc:chgData name="Cassandra K Hui" userId="S::ckhui@unr.edu::17f71015-be1a-44f4-b604-0146d8df4a12" providerId="AD" clId="Web-{FF7CF059-0C0F-89A0-36DC-D125C6193142}" dt="2024-10-17T20:42:52.013" v="168" actId="20577"/>
+        <pc:sldMkLst>
+          <pc:docMk/>
+          <pc:sldMk cId="3679264540" sldId="285"/>
+        </pc:sldMkLst>
+        <pc:spChg chg="mod">
+          <ac:chgData name="Cassandra K Hui" userId="S::ckhui@unr.edu::17f71015-be1a-44f4-b604-0146d8df4a12" providerId="AD" clId="Web-{FF7CF059-0C0F-89A0-36DC-D125C6193142}" dt="2024-10-17T20:42:41.638" v="166" actId="20577"/>
+          <ac:spMkLst>
+            <pc:docMk/>
+            <pc:sldMk cId="3679264540" sldId="285"/>
+            <ac:spMk id="2" creationId="{0A32731C-311B-46F7-A865-6C3AF6B09A47}"/>
+          </ac:spMkLst>
+        </pc:spChg>
+        <pc:spChg chg="mod">
+          <ac:chgData name="Cassandra K Hui" userId="S::ckhui@unr.edu::17f71015-be1a-44f4-b604-0146d8df4a12" providerId="AD" clId="Web-{FF7CF059-0C0F-89A0-36DC-D125C6193142}" dt="2024-10-17T20:42:52.013" v="168" actId="20577"/>
+          <ac:spMkLst>
+            <pc:docMk/>
+            <pc:sldMk cId="3679264540" sldId="285"/>
+            <ac:spMk id="3" creationId="{9D5232F9-FD00-464A-9F17-619C91AEF8F3}"/>
+          </ac:spMkLst>
+        </pc:spChg>
+      </pc:sldChg>
+    </pc:docChg>
+  </pc:docChgLst>
+  <pc:docChgLst>
+    <pc:chgData name="Cassandra K Hui" userId="S::ckhui@unr.edu::17f71015-be1a-44f4-b604-0146d8df4a12" providerId="AD" clId="Web-{6524BC2A-019D-44EC-87A8-FFB57EB4E4BB}"/>
+    <pc:docChg chg="modSld">
+      <pc:chgData name="Cassandra K Hui" userId="S::ckhui@unr.edu::17f71015-be1a-44f4-b604-0146d8df4a12" providerId="AD" clId="Web-{6524BC2A-019D-44EC-87A8-FFB57EB4E4BB}" dt="2024-10-23T23:12:23.570" v="1" actId="20577"/>
+      <pc:docMkLst>
+        <pc:docMk/>
+      </pc:docMkLst>
+      <pc:sldChg chg="modSp">
+        <pc:chgData name="Cassandra K Hui" userId="S::ckhui@unr.edu::17f71015-be1a-44f4-b604-0146d8df4a12" providerId="AD" clId="Web-{6524BC2A-019D-44EC-87A8-FFB57EB4E4BB}" dt="2024-10-23T23:12:23.570" v="1" actId="20577"/>
+        <pc:sldMkLst>
+          <pc:docMk/>
+          <pc:sldMk cId="2586058810" sldId="256"/>
+        </pc:sldMkLst>
+        <pc:spChg chg="mod">
+          <ac:chgData name="Cassandra K Hui" userId="S::ckhui@unr.edu::17f71015-be1a-44f4-b604-0146d8df4a12" providerId="AD" clId="Web-{6524BC2A-019D-44EC-87A8-FFB57EB4E4BB}" dt="2024-10-23T23:12:23.570" v="1" actId="20577"/>
+          <ac:spMkLst>
+            <pc:docMk/>
+            <pc:sldMk cId="2586058810" sldId="256"/>
+            <ac:spMk id="2" creationId="{CFE75451-6A4B-484B-9ED1-353CCE25B0F4}"/>
+          </ac:spMkLst>
+        </pc:spChg>
+      </pc:sldChg>
+    </pc:docChg>
+  </pc:docChgLst>
+  <pc:docChgLst>
+    <pc:chgData name="Cassandra K Hui" userId="S::ckhui@unr.edu::17f71015-be1a-44f4-b604-0146d8df4a12" providerId="AD" clId="Web-{3303FF65-234F-5D21-F78A-528C175EA7C3}"/>
+    <pc:docChg chg="addSld delSld modSld sldOrd">
+      <pc:chgData name="Cassandra K Hui" userId="S::ckhui@unr.edu::17f71015-be1a-44f4-b604-0146d8df4a12" providerId="AD" clId="Web-{3303FF65-234F-5D21-F78A-528C175EA7C3}" dt="2024-10-22T22:29:41.185" v="1046" actId="20577"/>
+      <pc:docMkLst>
+        <pc:docMk/>
+      </pc:docMkLst>
+      <pc:sldChg chg="modSp">
+        <pc:chgData name="Cassandra K Hui" userId="S::ckhui@unr.edu::17f71015-be1a-44f4-b604-0146d8df4a12" providerId="AD" clId="Web-{3303FF65-234F-5D21-F78A-528C175EA7C3}" dt="2024-10-22T22:29:41.185" v="1046" actId="20577"/>
+        <pc:sldMkLst>
+          <pc:docMk/>
+          <pc:sldMk cId="1969787568" sldId="271"/>
+        </pc:sldMkLst>
+        <pc:spChg chg="mod">
+          <ac:chgData name="Cassandra K Hui" userId="S::ckhui@unr.edu::17f71015-be1a-44f4-b604-0146d8df4a12" providerId="AD" clId="Web-{3303FF65-234F-5D21-F78A-528C175EA7C3}" dt="2024-10-22T22:29:41.185" v="1046" actId="20577"/>
+          <ac:spMkLst>
+            <pc:docMk/>
+            <pc:sldMk cId="1969787568" sldId="271"/>
+            <ac:spMk id="3" creationId="{AF64C29E-DF30-4DC6-AB95-2016F9A703B6}"/>
+          </ac:spMkLst>
+        </pc:spChg>
+      </pc:sldChg>
+      <pc:sldChg chg="addSp delSp modSp">
+        <pc:chgData name="Cassandra K Hui" userId="S::ckhui@unr.edu::17f71015-be1a-44f4-b604-0146d8df4a12" providerId="AD" clId="Web-{3303FF65-234F-5D21-F78A-528C175EA7C3}" dt="2024-10-22T22:28:41.432" v="1039" actId="20577"/>
+        <pc:sldMkLst>
+          <pc:docMk/>
+          <pc:sldMk cId="636929804" sldId="282"/>
+        </pc:sldMkLst>
+        <pc:spChg chg="mod">
+          <ac:chgData name="Cassandra K Hui" userId="S::ckhui@unr.edu::17f71015-be1a-44f4-b604-0146d8df4a12" providerId="AD" clId="Web-{3303FF65-234F-5D21-F78A-528C175EA7C3}" dt="2024-10-22T22:27:42.756" v="965" actId="20577"/>
+          <ac:spMkLst>
+            <pc:docMk/>
+            <pc:sldMk cId="636929804" sldId="282"/>
+            <ac:spMk id="2" creationId="{8B27D9B3-B64F-656A-0D99-161A6C0F518F}"/>
+          </ac:spMkLst>
+        </pc:spChg>
+        <pc:spChg chg="add del mod">
+          <ac:chgData name="Cassandra K Hui" userId="S::ckhui@unr.edu::17f71015-be1a-44f4-b604-0146d8df4a12" providerId="AD" clId="Web-{3303FF65-234F-5D21-F78A-528C175EA7C3}" dt="2024-10-22T22:26:59.207" v="957"/>
+          <ac:spMkLst>
+            <pc:docMk/>
+            <pc:sldMk cId="636929804" sldId="282"/>
+            <ac:spMk id="4" creationId="{0E4BA7BB-BDCE-13EE-FF3D-1E7FDDACF29B}"/>
+          </ac:spMkLst>
+        </pc:spChg>
+        <pc:spChg chg="add del mod">
+          <ac:chgData name="Cassandra K Hui" userId="S::ckhui@unr.edu::17f71015-be1a-44f4-b604-0146d8df4a12" providerId="AD" clId="Web-{3303FF65-234F-5D21-F78A-528C175EA7C3}" dt="2024-10-22T22:26:59.676" v="958"/>
+          <ac:spMkLst>
+            <pc:docMk/>
+            <pc:sldMk cId="636929804" sldId="282"/>
+            <ac:spMk id="6" creationId="{530B96F9-0E72-4A87-814A-E10A29CCB28D}"/>
+          </ac:spMkLst>
+        </pc:spChg>
+        <pc:spChg chg="add del mod">
+          <ac:chgData name="Cassandra K Hui" userId="S::ckhui@unr.edu::17f71015-be1a-44f4-b604-0146d8df4a12" providerId="AD" clId="Web-{3303FF65-234F-5D21-F78A-528C175EA7C3}" dt="2024-10-22T22:27:16.802" v="962"/>
+          <ac:spMkLst>
+            <pc:docMk/>
+            <pc:sldMk cId="636929804" sldId="282"/>
+            <ac:spMk id="8" creationId="{544CDEA1-2276-9FA6-020E-05151E1DCB57}"/>
+          </ac:spMkLst>
+        </pc:spChg>
+        <pc:spChg chg="del">
+          <ac:chgData name="Cassandra K Hui" userId="S::ckhui@unr.edu::17f71015-be1a-44f4-b604-0146d8df4a12" providerId="AD" clId="Web-{3303FF65-234F-5D21-F78A-528C175EA7C3}" dt="2024-10-22T22:26:55.738" v="955"/>
+          <ac:spMkLst>
+            <pc:docMk/>
+            <pc:sldMk cId="636929804" sldId="282"/>
+            <ac:spMk id="13" creationId="{7E5B6E40-3A7D-ACF7-AA38-25977D322D81}"/>
+          </ac:spMkLst>
+        </pc:spChg>
+        <pc:spChg chg="mod">
+          <ac:chgData name="Cassandra K Hui" userId="S::ckhui@unr.edu::17f71015-be1a-44f4-b604-0146d8df4a12" providerId="AD" clId="Web-{3303FF65-234F-5D21-F78A-528C175EA7C3}" dt="2024-10-22T22:28:41.432" v="1039" actId="20577"/>
+          <ac:spMkLst>
+            <pc:docMk/>
+            <pc:sldMk cId="636929804" sldId="282"/>
+            <ac:spMk id="14" creationId="{5112969F-EB84-49D5-7100-1FB28870FB30}"/>
+          </ac:spMkLst>
+        </pc:spChg>
+        <pc:spChg chg="del mod">
+          <ac:chgData name="Cassandra K Hui" userId="S::ckhui@unr.edu::17f71015-be1a-44f4-b604-0146d8df4a12" providerId="AD" clId="Web-{3303FF65-234F-5D21-F78A-528C175EA7C3}" dt="2024-10-22T22:27:12.067" v="961"/>
+          <ac:spMkLst>
+            <pc:docMk/>
+            <pc:sldMk cId="636929804" sldId="282"/>
+            <ac:spMk id="15" creationId="{A536BD54-EFA1-25A2-9F04-4F22C36E2A5D}"/>
+          </ac:spMkLst>
+        </pc:spChg>
+        <pc:spChg chg="del">
+          <ac:chgData name="Cassandra K Hui" userId="S::ckhui@unr.edu::17f71015-be1a-44f4-b604-0146d8df4a12" providerId="AD" clId="Web-{3303FF65-234F-5D21-F78A-528C175EA7C3}" dt="2024-10-22T22:26:57.019" v="956"/>
+          <ac:spMkLst>
+            <pc:docMk/>
+            <pc:sldMk cId="636929804" sldId="282"/>
+            <ac:spMk id="36" creationId="{E71298F0-74F1-FECA-0F02-495F9A2EBA7B}"/>
+          </ac:spMkLst>
+        </pc:spChg>
+      </pc:sldChg>
+      <pc:sldChg chg="addSp modSp ord">
+        <pc:chgData name="Cassandra K Hui" userId="S::ckhui@unr.edu::17f71015-be1a-44f4-b604-0146d8df4a12" providerId="AD" clId="Web-{3303FF65-234F-5D21-F78A-528C175EA7C3}" dt="2024-10-22T21:56:35.084" v="647" actId="1076"/>
+        <pc:sldMkLst>
+          <pc:docMk/>
+          <pc:sldMk cId="23600570" sldId="283"/>
+        </pc:sldMkLst>
+        <pc:spChg chg="mod">
+          <ac:chgData name="Cassandra K Hui" userId="S::ckhui@unr.edu::17f71015-be1a-44f4-b604-0146d8df4a12" providerId="AD" clId="Web-{3303FF65-234F-5D21-F78A-528C175EA7C3}" dt="2024-10-22T21:56:13.177" v="643" actId="20577"/>
+          <ac:spMkLst>
+            <pc:docMk/>
+            <pc:sldMk cId="23600570" sldId="283"/>
+            <ac:spMk id="3" creationId="{9D5232F9-FD00-464A-9F17-619C91AEF8F3}"/>
+          </ac:spMkLst>
+        </pc:spChg>
+        <pc:picChg chg="add mod">
+          <ac:chgData name="Cassandra K Hui" userId="S::ckhui@unr.edu::17f71015-be1a-44f4-b604-0146d8df4a12" providerId="AD" clId="Web-{3303FF65-234F-5D21-F78A-528C175EA7C3}" dt="2024-10-22T21:56:35.084" v="647" actId="1076"/>
+          <ac:picMkLst>
+            <pc:docMk/>
+            <pc:sldMk cId="23600570" sldId="283"/>
+            <ac:picMk id="12" creationId="{AD78B5CE-2CF5-411D-8CC1-0D7DBA52A86A}"/>
+          </ac:picMkLst>
+        </pc:picChg>
+      </pc:sldChg>
+      <pc:sldChg chg="modSp mod ord modShow">
+        <pc:chgData name="Cassandra K Hui" userId="S::ckhui@unr.edu::17f71015-be1a-44f4-b604-0146d8df4a12" providerId="AD" clId="Web-{3303FF65-234F-5D21-F78A-528C175EA7C3}" dt="2024-10-22T22:18:12.473" v="893" actId="20577"/>
+        <pc:sldMkLst>
+          <pc:docMk/>
+          <pc:sldMk cId="1553519612" sldId="284"/>
+        </pc:sldMkLst>
+        <pc:spChg chg="mod">
+          <ac:chgData name="Cassandra K Hui" userId="S::ckhui@unr.edu::17f71015-be1a-44f4-b604-0146d8df4a12" providerId="AD" clId="Web-{3303FF65-234F-5D21-F78A-528C175EA7C3}" dt="2024-10-22T22:17:55.597" v="888" actId="20577"/>
+          <ac:spMkLst>
+            <pc:docMk/>
+            <pc:sldMk cId="1553519612" sldId="284"/>
+            <ac:spMk id="2" creationId="{0A32731C-311B-46F7-A865-6C3AF6B09A47}"/>
+          </ac:spMkLst>
+        </pc:spChg>
+        <pc:spChg chg="mod">
+          <ac:chgData name="Cassandra K Hui" userId="S::ckhui@unr.edu::17f71015-be1a-44f4-b604-0146d8df4a12" providerId="AD" clId="Web-{3303FF65-234F-5D21-F78A-528C175EA7C3}" dt="2024-10-22T22:18:12.473" v="893" actId="20577"/>
+          <ac:spMkLst>
+            <pc:docMk/>
+            <pc:sldMk cId="1553519612" sldId="284"/>
+            <ac:spMk id="3" creationId="{9D5232F9-FD00-464A-9F17-619C91AEF8F3}"/>
+          </ac:spMkLst>
+        </pc:spChg>
+      </pc:sldChg>
+      <pc:sldChg chg="modSp">
+        <pc:chgData name="Cassandra K Hui" userId="S::ckhui@unr.edu::17f71015-be1a-44f4-b604-0146d8df4a12" providerId="AD" clId="Web-{3303FF65-234F-5D21-F78A-528C175EA7C3}" dt="2024-10-22T22:20:41.263" v="954" actId="20577"/>
+        <pc:sldMkLst>
+          <pc:docMk/>
+          <pc:sldMk cId="3679264540" sldId="285"/>
+        </pc:sldMkLst>
+        <pc:spChg chg="mod">
+          <ac:chgData name="Cassandra K Hui" userId="S::ckhui@unr.edu::17f71015-be1a-44f4-b604-0146d8df4a12" providerId="AD" clId="Web-{3303FF65-234F-5D21-F78A-528C175EA7C3}" dt="2024-10-22T22:20:41.263" v="954" actId="20577"/>
+          <ac:spMkLst>
+            <pc:docMk/>
+            <pc:sldMk cId="3679264540" sldId="285"/>
+            <ac:spMk id="3" creationId="{9D5232F9-FD00-464A-9F17-619C91AEF8F3}"/>
+          </ac:spMkLst>
+        </pc:spChg>
+      </pc:sldChg>
+      <pc:sldChg chg="addSp delSp modSp">
+        <pc:chgData name="Cassandra K Hui" userId="S::ckhui@unr.edu::17f71015-be1a-44f4-b604-0146d8df4a12" providerId="AD" clId="Web-{3303FF65-234F-5D21-F78A-528C175EA7C3}" dt="2024-10-22T22:03:55.626" v="757"/>
+        <pc:sldMkLst>
+          <pc:docMk/>
+          <pc:sldMk cId="3387112521" sldId="286"/>
+        </pc:sldMkLst>
+        <pc:spChg chg="add del mod">
+          <ac:chgData name="Cassandra K Hui" userId="S::ckhui@unr.edu::17f71015-be1a-44f4-b604-0146d8df4a12" providerId="AD" clId="Web-{3303FF65-234F-5D21-F78A-528C175EA7C3}" dt="2024-10-22T22:03:50.110" v="748"/>
+          <ac:spMkLst>
+            <pc:docMk/>
+            <pc:sldMk cId="3387112521" sldId="286"/>
+            <ac:spMk id="10" creationId="{0370954D-6B33-177E-D7B4-01BCBA75D196}"/>
+          </ac:spMkLst>
+        </pc:spChg>
+        <pc:spChg chg="add mod">
+          <ac:chgData name="Cassandra K Hui" userId="S::ckhui@unr.edu::17f71015-be1a-44f4-b604-0146d8df4a12" providerId="AD" clId="Web-{3303FF65-234F-5D21-F78A-528C175EA7C3}" dt="2024-10-22T21:58:13.824" v="657"/>
+          <ac:spMkLst>
+            <pc:docMk/>
+            <pc:sldMk cId="3387112521" sldId="286"/>
+            <ac:spMk id="13" creationId="{5BD88F4A-B407-DEE7-5134-D55CF5B69961}"/>
+          </ac:spMkLst>
+        </pc:spChg>
+        <pc:spChg chg="del mod">
+          <ac:chgData name="Cassandra K Hui" userId="S::ckhui@unr.edu::17f71015-be1a-44f4-b604-0146d8df4a12" providerId="AD" clId="Web-{3303FF65-234F-5D21-F78A-528C175EA7C3}" dt="2024-10-22T21:58:15.575" v="658"/>
+          <ac:spMkLst>
+            <pc:docMk/>
+            <pc:sldMk cId="3387112521" sldId="286"/>
+            <ac:spMk id="15" creationId="{5A9A9504-0517-1FCA-E425-4910305EEB12}"/>
+          </ac:spMkLst>
+        </pc:spChg>
+        <pc:spChg chg="del">
+          <ac:chgData name="Cassandra K Hui" userId="S::ckhui@unr.edu::17f71015-be1a-44f4-b604-0146d8df4a12" providerId="AD" clId="Web-{3303FF65-234F-5D21-F78A-528C175EA7C3}" dt="2024-10-22T18:34:15.565" v="266"/>
+          <ac:spMkLst>
+            <pc:docMk/>
+            <pc:sldMk cId="3387112521" sldId="286"/>
+            <ac:spMk id="16" creationId="{13B498D3-B2E4-86A2-89C4-5E3DFA260A74}"/>
+          </ac:spMkLst>
+        </pc:spChg>
+        <pc:spChg chg="del">
+          <ac:chgData name="Cassandra K Hui" userId="S::ckhui@unr.edu::17f71015-be1a-44f4-b604-0146d8df4a12" providerId="AD" clId="Web-{3303FF65-234F-5D21-F78A-528C175EA7C3}" dt="2024-10-22T18:34:17.408" v="267"/>
+          <ac:spMkLst>
+            <pc:docMk/>
+            <pc:sldMk cId="3387112521" sldId="286"/>
+            <ac:spMk id="19" creationId="{1AD23FAA-99D8-275F-3924-E19E9B309A27}"/>
+          </ac:spMkLst>
+        </pc:spChg>
+        <pc:spChg chg="del">
+          <ac:chgData name="Cassandra K Hui" userId="S::ckhui@unr.edu::17f71015-be1a-44f4-b604-0146d8df4a12" providerId="AD" clId="Web-{3303FF65-234F-5D21-F78A-528C175EA7C3}" dt="2024-10-22T18:34:12.080" v="265"/>
+          <ac:spMkLst>
+            <pc:docMk/>
+            <pc:sldMk cId="3387112521" sldId="286"/>
+            <ac:spMk id="20" creationId="{0B954F3C-1BB9-6575-AF37-B701C140BB8E}"/>
+          </ac:spMkLst>
+        </pc:spChg>
+        <pc:spChg chg="add del mod">
+          <ac:chgData name="Cassandra K Hui" userId="S::ckhui@unr.edu::17f71015-be1a-44f4-b604-0146d8df4a12" providerId="AD" clId="Web-{3303FF65-234F-5D21-F78A-528C175EA7C3}" dt="2024-10-22T22:03:53.969" v="750"/>
+          <ac:spMkLst>
+            <pc:docMk/>
+            <pc:sldMk cId="3387112521" sldId="286"/>
+            <ac:spMk id="21" creationId="{0F5E5E70-48CA-08B0-B0F9-B7CA2C082A36}"/>
+          </ac:spMkLst>
+        </pc:spChg>
+        <pc:spChg chg="add del mod">
+          <ac:chgData name="Cassandra K Hui" userId="S::ckhui@unr.edu::17f71015-be1a-44f4-b604-0146d8df4a12" providerId="AD" clId="Web-{3303FF65-234F-5D21-F78A-528C175EA7C3}" dt="2024-10-22T22:03:51.547" v="749"/>
+          <ac:spMkLst>
+            <pc:docMk/>
+            <pc:sldMk cId="3387112521" sldId="286"/>
+            <ac:spMk id="26" creationId="{CA601359-05D0-6DB1-9276-2C56EED6CEAD}"/>
+          </ac:spMkLst>
+        </pc:spChg>
+        <pc:spChg chg="del">
+          <ac:chgData name="Cassandra K Hui" userId="S::ckhui@unr.edu::17f71015-be1a-44f4-b604-0146d8df4a12" providerId="AD" clId="Web-{3303FF65-234F-5D21-F78A-528C175EA7C3}" dt="2024-10-22T18:13:47.385" v="0"/>
+          <ac:spMkLst>
+            <pc:docMk/>
+            <pc:sldMk cId="3387112521" sldId="286"/>
+            <ac:spMk id="29" creationId="{45042CF6-C9A9-5B9D-0AC6-B64349082C96}"/>
+          </ac:spMkLst>
+        </pc:spChg>
+        <pc:spChg chg="add">
+          <ac:chgData name="Cassandra K Hui" userId="S::ckhui@unr.edu::17f71015-be1a-44f4-b604-0146d8df4a12" providerId="AD" clId="Web-{3303FF65-234F-5D21-F78A-528C175EA7C3}" dt="2024-10-22T22:03:55.579" v="753"/>
+          <ac:spMkLst>
+            <pc:docMk/>
+            <pc:sldMk cId="3387112521" sldId="286"/>
+            <ac:spMk id="30" creationId="{6C05E44C-ADF2-F073-614A-6E6B7FA3207F}"/>
+          </ac:spMkLst>
+        </pc:spChg>
+        <pc:spChg chg="add">
+          <ac:chgData name="Cassandra K Hui" userId="S::ckhui@unr.edu::17f71015-be1a-44f4-b604-0146d8df4a12" providerId="AD" clId="Web-{3303FF65-234F-5D21-F78A-528C175EA7C3}" dt="2024-10-22T22:03:55.626" v="756"/>
+          <ac:spMkLst>
+            <pc:docMk/>
+            <pc:sldMk cId="3387112521" sldId="286"/>
+            <ac:spMk id="36" creationId="{95ED8B2B-3D82-7069-DE7E-4BCAF60C4A61}"/>
+          </ac:spMkLst>
+        </pc:spChg>
+        <pc:spChg chg="add">
+          <ac:chgData name="Cassandra K Hui" userId="S::ckhui@unr.edu::17f71015-be1a-44f4-b604-0146d8df4a12" providerId="AD" clId="Web-{3303FF65-234F-5D21-F78A-528C175EA7C3}" dt="2024-10-22T22:03:55.626" v="757"/>
+          <ac:spMkLst>
+            <pc:docMk/>
+            <pc:sldMk cId="3387112521" sldId="286"/>
+            <ac:spMk id="38" creationId="{AB6E74FC-F929-E05C-16B7-B7AFE8762815}"/>
+          </ac:spMkLst>
+        </pc:spChg>
+        <pc:spChg chg="del">
+          <ac:chgData name="Cassandra K Hui" userId="S::ckhui@unr.edu::17f71015-be1a-44f4-b604-0146d8df4a12" providerId="AD" clId="Web-{3303FF65-234F-5D21-F78A-528C175EA7C3}" dt="2024-10-22T18:13:51.041" v="2"/>
+          <ac:spMkLst>
+            <pc:docMk/>
+            <pc:sldMk cId="3387112521" sldId="286"/>
+            <ac:spMk id="44" creationId="{8CEF99AA-B862-F924-FA17-C3DD7E1A53A7}"/>
+          </ac:spMkLst>
+        </pc:spChg>
+        <pc:spChg chg="add del">
+          <ac:chgData name="Cassandra K Hui" userId="S::ckhui@unr.edu::17f71015-be1a-44f4-b604-0146d8df4a12" providerId="AD" clId="Web-{3303FF65-234F-5D21-F78A-528C175EA7C3}" dt="2024-10-22T18:14:29.855" v="11"/>
+          <ac:spMkLst>
+            <pc:docMk/>
+            <pc:sldMk cId="3387112521" sldId="286"/>
+            <ac:spMk id="46" creationId="{7BD5078F-A6BD-F088-CDFC-BAA6472BC28B}"/>
+          </ac:spMkLst>
+        </pc:spChg>
+        <pc:spChg chg="del">
+          <ac:chgData name="Cassandra K Hui" userId="S::ckhui@unr.edu::17f71015-be1a-44f4-b604-0146d8df4a12" providerId="AD" clId="Web-{3303FF65-234F-5D21-F78A-528C175EA7C3}" dt="2024-10-22T18:13:56.057" v="4"/>
+          <ac:spMkLst>
+            <pc:docMk/>
+            <pc:sldMk cId="3387112521" sldId="286"/>
+            <ac:spMk id="47" creationId="{45843784-3488-56C3-5FB6-A27487E4427E}"/>
+          </ac:spMkLst>
+        </pc:spChg>
+        <pc:spChg chg="del">
+          <ac:chgData name="Cassandra K Hui" userId="S::ckhui@unr.edu::17f71015-be1a-44f4-b604-0146d8df4a12" providerId="AD" clId="Web-{3303FF65-234F-5D21-F78A-528C175EA7C3}" dt="2024-10-22T18:13:57.026" v="5"/>
+          <ac:spMkLst>
+            <pc:docMk/>
+            <pc:sldMk cId="3387112521" sldId="286"/>
+            <ac:spMk id="48" creationId="{700C36A9-EF55-5620-7931-C51B8658F6DF}"/>
+          </ac:spMkLst>
+        </pc:spChg>
+        <pc:spChg chg="del">
+          <ac:chgData name="Cassandra K Hui" userId="S::ckhui@unr.edu::17f71015-be1a-44f4-b604-0146d8df4a12" providerId="AD" clId="Web-{3303FF65-234F-5D21-F78A-528C175EA7C3}" dt="2024-10-22T18:35:13.879" v="291"/>
+          <ac:spMkLst>
+            <pc:docMk/>
+            <pc:sldMk cId="3387112521" sldId="286"/>
+            <ac:spMk id="49" creationId="{C0A88431-3A8C-42D6-39F3-AE2A65867C58}"/>
+          </ac:spMkLst>
+        </pc:spChg>
+        <pc:spChg chg="del">
+          <ac:chgData name="Cassandra K Hui" userId="S::ckhui@unr.edu::17f71015-be1a-44f4-b604-0146d8df4a12" providerId="AD" clId="Web-{3303FF65-234F-5D21-F78A-528C175EA7C3}" dt="2024-10-22T18:35:14.910" v="292"/>
+          <ac:spMkLst>
+            <pc:docMk/>
+            <pc:sldMk cId="3387112521" sldId="286"/>
+            <ac:spMk id="50" creationId="{E98C9898-25FC-AF89-87F2-62BFAB4B6ACC}"/>
+          </ac:spMkLst>
+        </pc:spChg>
+        <pc:spChg chg="mod">
+          <ac:chgData name="Cassandra K Hui" userId="S::ckhui@unr.edu::17f71015-be1a-44f4-b604-0146d8df4a12" providerId="AD" clId="Web-{3303FF65-234F-5D21-F78A-528C175EA7C3}" dt="2024-10-22T18:34:48.425" v="285" actId="1076"/>
+          <ac:spMkLst>
+            <pc:docMk/>
+            <pc:sldMk cId="3387112521" sldId="286"/>
+            <ac:spMk id="53" creationId="{45614830-E854-42E5-41F7-2F808FDC9850}"/>
+          </ac:spMkLst>
+        </pc:spChg>
+        <pc:spChg chg="mod">
+          <ac:chgData name="Cassandra K Hui" userId="S::ckhui@unr.edu::17f71015-be1a-44f4-b604-0146d8df4a12" providerId="AD" clId="Web-{3303FF65-234F-5D21-F78A-528C175EA7C3}" dt="2024-10-22T18:34:48.425" v="284" actId="1076"/>
+          <ac:spMkLst>
+            <pc:docMk/>
+            <pc:sldMk cId="3387112521" sldId="286"/>
+            <ac:spMk id="54" creationId="{EDFF5055-6FEB-02A1-6E0B-31543B06A9D3}"/>
+          </ac:spMkLst>
+        </pc:spChg>
+        <pc:spChg chg="del mod">
+          <ac:chgData name="Cassandra K Hui" userId="S::ckhui@unr.edu::17f71015-be1a-44f4-b604-0146d8df4a12" providerId="AD" clId="Web-{3303FF65-234F-5D21-F78A-528C175EA7C3}" dt="2024-10-22T21:57:38.010" v="651"/>
+          <ac:spMkLst>
+            <pc:docMk/>
+            <pc:sldMk cId="3387112521" sldId="286"/>
+            <ac:spMk id="56" creationId="{700B6C31-CBED-8022-607B-5BBC5E1EB172}"/>
+          </ac:spMkLst>
+        </pc:spChg>
+        <pc:spChg chg="del mod">
+          <ac:chgData name="Cassandra K Hui" userId="S::ckhui@unr.edu::17f71015-be1a-44f4-b604-0146d8df4a12" providerId="AD" clId="Web-{3303FF65-234F-5D21-F78A-528C175EA7C3}" dt="2024-10-22T18:36:09.506" v="303"/>
+          <ac:spMkLst>
+            <pc:docMk/>
+            <pc:sldMk cId="3387112521" sldId="286"/>
+            <ac:spMk id="59" creationId="{D148EC25-CE83-561D-AEDD-371059C1C836}"/>
+          </ac:spMkLst>
+        </pc:spChg>
+        <pc:spChg chg="del mod">
+          <ac:chgData name="Cassandra K Hui" userId="S::ckhui@unr.edu::17f71015-be1a-44f4-b604-0146d8df4a12" providerId="AD" clId="Web-{3303FF65-234F-5D21-F78A-528C175EA7C3}" dt="2024-10-22T18:35:58.662" v="300"/>
+          <ac:spMkLst>
+            <pc:docMk/>
+            <pc:sldMk cId="3387112521" sldId="286"/>
+            <ac:spMk id="60" creationId="{80B3E691-C415-E044-5658-F13E11FBCE79}"/>
+          </ac:spMkLst>
+        </pc:spChg>
+        <pc:picChg chg="add del mod">
+          <ac:chgData name="Cassandra K Hui" userId="S::ckhui@unr.edu::17f71015-be1a-44f4-b604-0146d8df4a12" providerId="AD" clId="Web-{3303FF65-234F-5D21-F78A-528C175EA7C3}" dt="2024-10-22T22:03:47.594" v="746"/>
+          <ac:picMkLst>
+            <pc:docMk/>
+            <pc:sldMk cId="3387112521" sldId="286"/>
+            <ac:picMk id="4" creationId="{3006EFE7-4C25-62E2-7E95-6317C44163C7}"/>
+          </ac:picMkLst>
+        </pc:picChg>
+        <pc:picChg chg="add del mod">
+          <ac:chgData name="Cassandra K Hui" userId="S::ckhui@unr.edu::17f71015-be1a-44f4-b604-0146d8df4a12" providerId="AD" clId="Web-{3303FF65-234F-5D21-F78A-528C175EA7C3}" dt="2024-10-22T22:03:54.594" v="751"/>
+          <ac:picMkLst>
+            <pc:docMk/>
+            <pc:sldMk cId="3387112521" sldId="286"/>
+            <ac:picMk id="19" creationId="{B298F486-D63E-098B-9FDF-60BDA507D2EC}"/>
+          </ac:picMkLst>
+        </pc:picChg>
+        <pc:picChg chg="add del mod">
+          <ac:chgData name="Cassandra K Hui" userId="S::ckhui@unr.edu::17f71015-be1a-44f4-b604-0146d8df4a12" providerId="AD" clId="Web-{3303FF65-234F-5D21-F78A-528C175EA7C3}" dt="2024-10-22T22:03:48.235" v="747"/>
+          <ac:picMkLst>
+            <pc:docMk/>
+            <pc:sldMk cId="3387112521" sldId="286"/>
+            <ac:picMk id="23" creationId="{3E188B3C-92E3-D818-8F9A-DBAD0FEE77E7}"/>
+          </ac:picMkLst>
+        </pc:picChg>
+        <pc:picChg chg="add">
+          <ac:chgData name="Cassandra K Hui" userId="S::ckhui@unr.edu::17f71015-be1a-44f4-b604-0146d8df4a12" providerId="AD" clId="Web-{3303FF65-234F-5D21-F78A-528C175EA7C3}" dt="2024-10-22T22:03:55.579" v="752"/>
+          <ac:picMkLst>
+            <pc:docMk/>
+            <pc:sldMk cId="3387112521" sldId="286"/>
+            <ac:picMk id="28" creationId="{F5A767C3-6AEC-ED96-EA69-264921965F2C}"/>
+          </ac:picMkLst>
+        </pc:picChg>
+        <pc:picChg chg="add">
+          <ac:chgData name="Cassandra K Hui" userId="S::ckhui@unr.edu::17f71015-be1a-44f4-b604-0146d8df4a12" providerId="AD" clId="Web-{3303FF65-234F-5D21-F78A-528C175EA7C3}" dt="2024-10-22T22:03:55.594" v="754"/>
+          <ac:picMkLst>
+            <pc:docMk/>
+            <pc:sldMk cId="3387112521" sldId="286"/>
+            <ac:picMk id="32" creationId="{66594CCB-8377-EBF8-2F60-D8E25A0DAEA1}"/>
+          </ac:picMkLst>
+        </pc:picChg>
+        <pc:picChg chg="add">
+          <ac:chgData name="Cassandra K Hui" userId="S::ckhui@unr.edu::17f71015-be1a-44f4-b604-0146d8df4a12" providerId="AD" clId="Web-{3303FF65-234F-5D21-F78A-528C175EA7C3}" dt="2024-10-22T22:03:55.610" v="755"/>
+          <ac:picMkLst>
+            <pc:docMk/>
+            <pc:sldMk cId="3387112521" sldId="286"/>
+            <ac:picMk id="34" creationId="{6286534F-6626-F2AB-61EE-C0FB47563083}"/>
+          </ac:picMkLst>
+        </pc:picChg>
+        <pc:picChg chg="del mod">
+          <ac:chgData name="Cassandra K Hui" userId="S::ckhui@unr.edu::17f71015-be1a-44f4-b604-0146d8df4a12" providerId="AD" clId="Web-{3303FF65-234F-5D21-F78A-528C175EA7C3}" dt="2024-10-22T21:57:31.525" v="648"/>
+          <ac:picMkLst>
+            <pc:docMk/>
+            <pc:sldMk cId="3387112521" sldId="286"/>
+            <ac:picMk id="55" creationId="{B7C96C1C-3280-CC69-A5E4-681BDF6AE164}"/>
+          </ac:picMkLst>
+        </pc:picChg>
+        <pc:picChg chg="del mod">
+          <ac:chgData name="Cassandra K Hui" userId="S::ckhui@unr.edu::17f71015-be1a-44f4-b604-0146d8df4a12" providerId="AD" clId="Web-{3303FF65-234F-5D21-F78A-528C175EA7C3}" dt="2024-10-22T18:36:06.615" v="302"/>
+          <ac:picMkLst>
+            <pc:docMk/>
+            <pc:sldMk cId="3387112521" sldId="286"/>
+            <ac:picMk id="57" creationId="{EB52ADB3-E4B1-BC28-314E-2E6B406EC4A8}"/>
+          </ac:picMkLst>
+        </pc:picChg>
+        <pc:picChg chg="del mod">
+          <ac:chgData name="Cassandra K Hui" userId="S::ckhui@unr.edu::17f71015-be1a-44f4-b604-0146d8df4a12" providerId="AD" clId="Web-{3303FF65-234F-5D21-F78A-528C175EA7C3}" dt="2024-10-22T18:35:56.771" v="299"/>
+          <ac:picMkLst>
+            <pc:docMk/>
+            <pc:sldMk cId="3387112521" sldId="286"/>
+            <ac:picMk id="58" creationId="{64B14979-A03F-2DA8-079E-B7E9F4B9619D}"/>
+          </ac:picMkLst>
+        </pc:picChg>
+        <pc:cxnChg chg="del">
+          <ac:chgData name="Cassandra K Hui" userId="S::ckhui@unr.edu::17f71015-be1a-44f4-b604-0146d8df4a12" providerId="AD" clId="Web-{3303FF65-234F-5D21-F78A-528C175EA7C3}" dt="2024-10-22T18:13:50.885" v="1"/>
+          <ac:cxnSpMkLst>
+            <pc:docMk/>
+            <pc:sldMk cId="3387112521" sldId="286"/>
+            <ac:cxnSpMk id="28" creationId="{19BCC02A-12F2-97E0-F4D5-BCC39D8558A5}"/>
+          </ac:cxnSpMkLst>
+        </pc:cxnChg>
+        <pc:cxnChg chg="del">
+          <ac:chgData name="Cassandra K Hui" userId="S::ckhui@unr.edu::17f71015-be1a-44f4-b604-0146d8df4a12" providerId="AD" clId="Web-{3303FF65-234F-5D21-F78A-528C175EA7C3}" dt="2024-10-22T18:13:51.760" v="3"/>
+          <ac:cxnSpMkLst>
+            <pc:docMk/>
+            <pc:sldMk cId="3387112521" sldId="286"/>
+            <ac:cxnSpMk id="41" creationId="{EF5F47B2-9314-690E-8A47-604564D7660D}"/>
+          </ac:cxnSpMkLst>
+        </pc:cxnChg>
+        <pc:cxnChg chg="add del">
+          <ac:chgData name="Cassandra K Hui" userId="S::ckhui@unr.edu::17f71015-be1a-44f4-b604-0146d8df4a12" providerId="AD" clId="Web-{3303FF65-234F-5D21-F78A-528C175EA7C3}" dt="2024-10-22T18:14:30.699" v="12"/>
+          <ac:cxnSpMkLst>
+            <pc:docMk/>
+            <pc:sldMk cId="3387112521" sldId="286"/>
+            <ac:cxnSpMk id="45" creationId="{B37D83E0-EF8F-0DE4-A98C-98459EACAFF2}"/>
+          </ac:cxnSpMkLst>
+        </pc:cxnChg>
+        <pc:cxnChg chg="mod">
+          <ac:chgData name="Cassandra K Hui" userId="S::ckhui@unr.edu::17f71015-be1a-44f4-b604-0146d8df4a12" providerId="AD" clId="Web-{3303FF65-234F-5D21-F78A-528C175EA7C3}" dt="2024-10-22T21:58:21.106" v="659" actId="14100"/>
+          <ac:cxnSpMkLst>
+            <pc:docMk/>
+            <pc:sldMk cId="3387112521" sldId="286"/>
+            <ac:cxnSpMk id="51" creationId="{02B8E025-F390-C524-075A-C4C424066E94}"/>
+          </ac:cxnSpMkLst>
+        </pc:cxnChg>
+        <pc:cxnChg chg="mod">
+          <ac:chgData name="Cassandra K Hui" userId="S::ckhui@unr.edu::17f71015-be1a-44f4-b604-0146d8df4a12" providerId="AD" clId="Web-{3303FF65-234F-5D21-F78A-528C175EA7C3}" dt="2024-10-22T21:58:26.450" v="660" actId="14100"/>
+          <ac:cxnSpMkLst>
+            <pc:docMk/>
+            <pc:sldMk cId="3387112521" sldId="286"/>
+            <ac:cxnSpMk id="52" creationId="{3C71D9AF-2022-234E-4B05-DA1612589B99}"/>
+          </ac:cxnSpMkLst>
+        </pc:cxnChg>
+      </pc:sldChg>
+      <pc:sldChg chg="addSp delSp modSp">
+        <pc:chgData name="Cassandra K Hui" userId="S::ckhui@unr.edu::17f71015-be1a-44f4-b604-0146d8df4a12" providerId="AD" clId="Web-{3303FF65-234F-5D21-F78A-528C175EA7C3}" dt="2024-10-22T22:05:15.115" v="767"/>
+        <pc:sldMkLst>
+          <pc:docMk/>
+          <pc:sldMk cId="3389932669" sldId="287"/>
+        </pc:sldMkLst>
+        <pc:spChg chg="del">
+          <ac:chgData name="Cassandra K Hui" userId="S::ckhui@unr.edu::17f71015-be1a-44f4-b604-0146d8df4a12" providerId="AD" clId="Web-{3303FF65-234F-5D21-F78A-528C175EA7C3}" dt="2024-10-22T18:26:15.846" v="228"/>
+          <ac:spMkLst>
+            <pc:docMk/>
+            <pc:sldMk cId="3389932669" sldId="287"/>
+            <ac:spMk id="4" creationId="{01C5B620-761D-0755-B45C-EC6E174BCDA4}"/>
+          </ac:spMkLst>
+        </pc:spChg>
+        <pc:spChg chg="add mod">
+          <ac:chgData name="Cassandra K Hui" userId="S::ckhui@unr.edu::17f71015-be1a-44f4-b604-0146d8df4a12" providerId="AD" clId="Web-{3303FF65-234F-5D21-F78A-528C175EA7C3}" dt="2024-10-22T22:05:13.271" v="766"/>
+          <ac:spMkLst>
+            <pc:docMk/>
+            <pc:sldMk cId="3389932669" sldId="287"/>
+            <ac:spMk id="4" creationId="{79A43426-76AB-788D-D9E6-1C073DD9045F}"/>
+          </ac:spMkLst>
+        </pc:spChg>
+        <pc:spChg chg="del">
+          <ac:chgData name="Cassandra K Hui" userId="S::ckhui@unr.edu::17f71015-be1a-44f4-b604-0146d8df4a12" providerId="AD" clId="Web-{3303FF65-234F-5D21-F78A-528C175EA7C3}" dt="2024-10-22T18:26:15.846" v="227"/>
+          <ac:spMkLst>
+            <pc:docMk/>
+            <pc:sldMk cId="3389932669" sldId="287"/>
+            <ac:spMk id="7" creationId="{2ABC7BF7-B0F1-BBD5-2915-A4C5347CDF60}"/>
+          </ac:spMkLst>
+        </pc:spChg>
+        <pc:spChg chg="del">
+          <ac:chgData name="Cassandra K Hui" userId="S::ckhui@unr.edu::17f71015-be1a-44f4-b604-0146d8df4a12" providerId="AD" clId="Web-{3303FF65-234F-5D21-F78A-528C175EA7C3}" dt="2024-10-22T18:26:15.846" v="226"/>
+          <ac:spMkLst>
+            <pc:docMk/>
+            <pc:sldMk cId="3389932669" sldId="287"/>
+            <ac:spMk id="10" creationId="{73C6E68B-D029-B38A-C9FA-FBFDAABA1B2B}"/>
+          </ac:spMkLst>
+        </pc:spChg>
+        <pc:spChg chg="del">
+          <ac:chgData name="Cassandra K Hui" userId="S::ckhui@unr.edu::17f71015-be1a-44f4-b604-0146d8df4a12" providerId="AD" clId="Web-{3303FF65-234F-5D21-F78A-528C175EA7C3}" dt="2024-10-22T18:27:58.662" v="233"/>
+          <ac:spMkLst>
+            <pc:docMk/>
+            <pc:sldMk cId="3389932669" sldId="287"/>
+            <ac:spMk id="11" creationId="{D2C6EEE6-04D7-A6C4-F24F-16C7D618F69B}"/>
+          </ac:spMkLst>
+        </pc:spChg>
+        <pc:spChg chg="del mod">
+          <ac:chgData name="Cassandra K Hui" userId="S::ckhui@unr.edu::17f71015-be1a-44f4-b604-0146d8df4a12" providerId="AD" clId="Web-{3303FF65-234F-5D21-F78A-528C175EA7C3}" dt="2024-10-22T22:05:15.115" v="767"/>
+          <ac:spMkLst>
+            <pc:docMk/>
+            <pc:sldMk cId="3389932669" sldId="287"/>
+            <ac:spMk id="15" creationId="{5A9A9504-0517-1FCA-E425-4910305EEB12}"/>
+          </ac:spMkLst>
+        </pc:spChg>
+        <pc:spChg chg="del">
+          <ac:chgData name="Cassandra K Hui" userId="S::ckhui@unr.edu::17f71015-be1a-44f4-b604-0146d8df4a12" providerId="AD" clId="Web-{3303FF65-234F-5D21-F78A-528C175EA7C3}" dt="2024-10-22T18:27:49.068" v="230"/>
+          <ac:spMkLst>
+            <pc:docMk/>
+            <pc:sldMk cId="3389932669" sldId="287"/>
+            <ac:spMk id="16" creationId="{13B498D3-B2E4-86A2-89C4-5E3DFA260A74}"/>
+          </ac:spMkLst>
+        </pc:spChg>
+        <pc:spChg chg="del">
+          <ac:chgData name="Cassandra K Hui" userId="S::ckhui@unr.edu::17f71015-be1a-44f4-b604-0146d8df4a12" providerId="AD" clId="Web-{3303FF65-234F-5D21-F78A-528C175EA7C3}" dt="2024-10-22T18:27:49.818" v="231"/>
+          <ac:spMkLst>
+            <pc:docMk/>
+            <pc:sldMk cId="3389932669" sldId="287"/>
+            <ac:spMk id="19" creationId="{1AD23FAA-99D8-275F-3924-E19E9B309A27}"/>
+          </ac:spMkLst>
+        </pc:spChg>
+        <pc:spChg chg="del">
+          <ac:chgData name="Cassandra K Hui" userId="S::ckhui@unr.edu::17f71015-be1a-44f4-b604-0146d8df4a12" providerId="AD" clId="Web-{3303FF65-234F-5D21-F78A-528C175EA7C3}" dt="2024-10-22T18:26:11.160" v="213"/>
+          <ac:spMkLst>
+            <pc:docMk/>
+            <pc:sldMk cId="3389932669" sldId="287"/>
+            <ac:spMk id="20" creationId="{0B954F3C-1BB9-6575-AF37-B701C140BB8E}"/>
+          </ac:spMkLst>
+        </pc:spChg>
+        <pc:spChg chg="del">
+          <ac:chgData name="Cassandra K Hui" userId="S::ckhui@unr.edu::17f71015-be1a-44f4-b604-0146d8df4a12" providerId="AD" clId="Web-{3303FF65-234F-5D21-F78A-528C175EA7C3}" dt="2024-10-22T18:26:15.846" v="224"/>
+          <ac:spMkLst>
+            <pc:docMk/>
+            <pc:sldMk cId="3389932669" sldId="287"/>
+            <ac:spMk id="21" creationId="{154355D1-64EC-1469-1DE3-BEEC86A5E789}"/>
+          </ac:spMkLst>
+        </pc:spChg>
+        <pc:spChg chg="del">
+          <ac:chgData name="Cassandra K Hui" userId="S::ckhui@unr.edu::17f71015-be1a-44f4-b604-0146d8df4a12" providerId="AD" clId="Web-{3303FF65-234F-5D21-F78A-528C175EA7C3}" dt="2024-10-22T18:26:15.846" v="223"/>
+          <ac:spMkLst>
+            <pc:docMk/>
+            <pc:sldMk cId="3389932669" sldId="287"/>
+            <ac:spMk id="22" creationId="{D0F6CB6F-6F2B-1E28-6A4C-3ED264CACD07}"/>
+          </ac:spMkLst>
+        </pc:spChg>
+        <pc:spChg chg="del">
+          <ac:chgData name="Cassandra K Hui" userId="S::ckhui@unr.edu::17f71015-be1a-44f4-b604-0146d8df4a12" providerId="AD" clId="Web-{3303FF65-234F-5D21-F78A-528C175EA7C3}" dt="2024-10-22T18:26:15.846" v="222"/>
+          <ac:spMkLst>
+            <pc:docMk/>
+            <pc:sldMk cId="3389932669" sldId="287"/>
+            <ac:spMk id="23" creationId="{A73DF116-4849-E4EE-CDED-CEA42E01FD8D}"/>
+          </ac:spMkLst>
+        </pc:spChg>
+        <pc:spChg chg="del">
+          <ac:chgData name="Cassandra K Hui" userId="S::ckhui@unr.edu::17f71015-be1a-44f4-b604-0146d8df4a12" providerId="AD" clId="Web-{3303FF65-234F-5D21-F78A-528C175EA7C3}" dt="2024-10-22T18:26:15.846" v="220"/>
+          <ac:spMkLst>
+            <pc:docMk/>
+            <pc:sldMk cId="3389932669" sldId="287"/>
+            <ac:spMk id="26" creationId="{BA2080D3-98D3-F41B-6BB8-F2CAE66D2367}"/>
+          </ac:spMkLst>
+        </pc:spChg>
+        <pc:spChg chg="del">
+          <ac:chgData name="Cassandra K Hui" userId="S::ckhui@unr.edu::17f71015-be1a-44f4-b604-0146d8df4a12" providerId="AD" clId="Web-{3303FF65-234F-5D21-F78A-528C175EA7C3}" dt="2024-10-22T18:26:15.846" v="219"/>
+          <ac:spMkLst>
+            <pc:docMk/>
+            <pc:sldMk cId="3389932669" sldId="287"/>
+            <ac:spMk id="27" creationId="{4894C886-0EB1-1A38-9349-1F738A87BAEE}"/>
+          </ac:spMkLst>
+        </pc:spChg>
+        <pc:spChg chg="del">
+          <ac:chgData name="Cassandra K Hui" userId="S::ckhui@unr.edu::17f71015-be1a-44f4-b604-0146d8df4a12" providerId="AD" clId="Web-{3303FF65-234F-5D21-F78A-528C175EA7C3}" dt="2024-10-22T18:26:08.471" v="210"/>
+          <ac:spMkLst>
+            <pc:docMk/>
+            <pc:sldMk cId="3389932669" sldId="287"/>
+            <ac:spMk id="29" creationId="{45042CF6-C9A9-5B9D-0AC6-B64349082C96}"/>
+          </ac:spMkLst>
+        </pc:spChg>
+        <pc:spChg chg="del">
+          <ac:chgData name="Cassandra K Hui" userId="S::ckhui@unr.edu::17f71015-be1a-44f4-b604-0146d8df4a12" providerId="AD" clId="Web-{3303FF65-234F-5D21-F78A-528C175EA7C3}" dt="2024-10-22T18:27:59.724" v="234"/>
+          <ac:spMkLst>
+            <pc:docMk/>
+            <pc:sldMk cId="3389932669" sldId="287"/>
+            <ac:spMk id="31" creationId="{FE31CFFE-7BE0-07FD-62AF-F346A9E1A006}"/>
+          </ac:spMkLst>
+        </pc:spChg>
+        <pc:spChg chg="del">
+          <ac:chgData name="Cassandra K Hui" userId="S::ckhui@unr.edu::17f71015-be1a-44f4-b604-0146d8df4a12" providerId="AD" clId="Web-{3303FF65-234F-5D21-F78A-528C175EA7C3}" dt="2024-10-22T18:26:15.846" v="218"/>
+          <ac:spMkLst>
+            <pc:docMk/>
+            <pc:sldMk cId="3389932669" sldId="287"/>
+            <ac:spMk id="34" creationId="{FED01DF6-C0BC-E1A5-2A37-337AAA5A4F71}"/>
+          </ac:spMkLst>
+        </pc:spChg>
+        <pc:spChg chg="del">
+          <ac:chgData name="Cassandra K Hui" userId="S::ckhui@unr.edu::17f71015-be1a-44f4-b604-0146d8df4a12" providerId="AD" clId="Web-{3303FF65-234F-5D21-F78A-528C175EA7C3}" dt="2024-10-22T18:26:15.846" v="216"/>
+          <ac:spMkLst>
+            <pc:docMk/>
+            <pc:sldMk cId="3389932669" sldId="287"/>
+            <ac:spMk id="36" creationId="{FD25E7BD-4E5C-1051-3013-F7BB6C771EA6}"/>
+          </ac:spMkLst>
+        </pc:spChg>
+        <pc:spChg chg="del">
+          <ac:chgData name="Cassandra K Hui" userId="S::ckhui@unr.edu::17f71015-be1a-44f4-b604-0146d8df4a12" providerId="AD" clId="Web-{3303FF65-234F-5D21-F78A-528C175EA7C3}" dt="2024-10-22T18:26:15.846" v="215"/>
+          <ac:spMkLst>
+            <pc:docMk/>
+            <pc:sldMk cId="3389932669" sldId="287"/>
+            <ac:spMk id="37" creationId="{77122E9F-3376-5334-D1AE-1C3D0C993A65}"/>
+          </ac:spMkLst>
+        </pc:spChg>
+        <pc:spChg chg="del">
+          <ac:chgData name="Cassandra K Hui" userId="S::ckhui@unr.edu::17f71015-be1a-44f4-b604-0146d8df4a12" providerId="AD" clId="Web-{3303FF65-234F-5D21-F78A-528C175EA7C3}" dt="2024-10-22T18:26:15.846" v="214"/>
+          <ac:spMkLst>
+            <pc:docMk/>
+            <pc:sldMk cId="3389932669" sldId="287"/>
+            <ac:spMk id="38" creationId="{9B2A9283-F6AB-EDB0-6F62-F73BCAF586AF}"/>
+          </ac:spMkLst>
+        </pc:spChg>
+        <pc:spChg chg="del">
+          <ac:chgData name="Cassandra K Hui" userId="S::ckhui@unr.edu::17f71015-be1a-44f4-b604-0146d8df4a12" providerId="AD" clId="Web-{3303FF65-234F-5D21-F78A-528C175EA7C3}" dt="2024-10-22T18:26:07.893" v="209"/>
+          <ac:spMkLst>
+            <pc:docMk/>
+            <pc:sldMk cId="3389932669" sldId="287"/>
+            <ac:spMk id="40" creationId="{7BFA9C6D-1C90-709B-5955-D9A08C88C2CC}"/>
+          </ac:spMkLst>
+        </pc:spChg>
+        <pc:spChg chg="del">
+          <ac:chgData name="Cassandra K Hui" userId="S::ckhui@unr.edu::17f71015-be1a-44f4-b604-0146d8df4a12" providerId="AD" clId="Web-{3303FF65-234F-5D21-F78A-528C175EA7C3}" dt="2024-10-22T18:26:05.658" v="207"/>
+          <ac:spMkLst>
+            <pc:docMk/>
+            <pc:sldMk cId="3389932669" sldId="287"/>
+            <ac:spMk id="42" creationId="{F5C0086B-119F-9CD0-C7DE-457C48BB8CF5}"/>
+          </ac:spMkLst>
+        </pc:spChg>
+        <pc:spChg chg="del">
+          <ac:chgData name="Cassandra K Hui" userId="S::ckhui@unr.edu::17f71015-be1a-44f4-b604-0146d8df4a12" providerId="AD" clId="Web-{3303FF65-234F-5D21-F78A-528C175EA7C3}" dt="2024-10-22T18:26:06.893" v="208"/>
+          <ac:spMkLst>
+            <pc:docMk/>
+            <pc:sldMk cId="3389932669" sldId="287"/>
+            <ac:spMk id="43" creationId="{47658C52-1584-DACC-3C91-50552932B76F}"/>
+          </ac:spMkLst>
+        </pc:spChg>
+        <pc:spChg chg="del">
+          <ac:chgData name="Cassandra K Hui" userId="S::ckhui@unr.edu::17f71015-be1a-44f4-b604-0146d8df4a12" providerId="AD" clId="Web-{3303FF65-234F-5D21-F78A-528C175EA7C3}" dt="2024-10-22T18:26:01.689" v="204"/>
+          <ac:spMkLst>
+            <pc:docMk/>
+            <pc:sldMk cId="3389932669" sldId="287"/>
+            <ac:spMk id="44" creationId="{8CEF99AA-B862-F924-FA17-C3DD7E1A53A7}"/>
+          </ac:spMkLst>
+        </pc:spChg>
+        <pc:spChg chg="del">
+          <ac:chgData name="Cassandra K Hui" userId="S::ckhui@unr.edu::17f71015-be1a-44f4-b604-0146d8df4a12" providerId="AD" clId="Web-{3303FF65-234F-5D21-F78A-528C175EA7C3}" dt="2024-10-22T18:26:00.830" v="203"/>
+          <ac:spMkLst>
+            <pc:docMk/>
+            <pc:sldMk cId="3389932669" sldId="287"/>
+            <ac:spMk id="46" creationId="{7BD5078F-A6BD-F088-CDFC-BAA6472BC28B}"/>
+          </ac:spMkLst>
+        </pc:spChg>
+        <pc:picChg chg="del">
+          <ac:chgData name="Cassandra K Hui" userId="S::ckhui@unr.edu::17f71015-be1a-44f4-b604-0146d8df4a12" providerId="AD" clId="Web-{3303FF65-234F-5D21-F78A-528C175EA7C3}" dt="2024-10-22T18:26:15.846" v="225"/>
+          <ac:picMkLst>
+            <pc:docMk/>
+            <pc:sldMk cId="3389932669" sldId="287"/>
+            <ac:picMk id="13" creationId="{6556EB63-E7C2-EB51-C73A-70A615DBE238}"/>
+          </ac:picMkLst>
+        </pc:picChg>
+        <pc:cxnChg chg="del">
+          <ac:chgData name="Cassandra K Hui" userId="S::ckhui@unr.edu::17f71015-be1a-44f4-b604-0146d8df4a12" providerId="AD" clId="Web-{3303FF65-234F-5D21-F78A-528C175EA7C3}" dt="2024-10-22T18:26:15.846" v="221"/>
+          <ac:cxnSpMkLst>
+            <pc:docMk/>
+            <pc:sldMk cId="3389932669" sldId="287"/>
+            <ac:cxnSpMk id="25" creationId="{C57ED69A-FF80-2D3B-870D-A3B0B3F61E5A}"/>
+          </ac:cxnSpMkLst>
+        </pc:cxnChg>
+        <pc:cxnChg chg="del">
+          <ac:chgData name="Cassandra K Hui" userId="S::ckhui@unr.edu::17f71015-be1a-44f4-b604-0146d8df4a12" providerId="AD" clId="Web-{3303FF65-234F-5D21-F78A-528C175EA7C3}" dt="2024-10-22T18:26:10.630" v="212"/>
+          <ac:cxnSpMkLst>
+            <pc:docMk/>
+            <pc:sldMk cId="3389932669" sldId="287"/>
+            <ac:cxnSpMk id="28" creationId="{19BCC02A-12F2-97E0-F4D5-BCC39D8558A5}"/>
+          </ac:cxnSpMkLst>
+        </pc:cxnChg>
+        <pc:cxnChg chg="del">
+          <ac:chgData name="Cassandra K Hui" userId="S::ckhui@unr.edu::17f71015-be1a-44f4-b604-0146d8df4a12" providerId="AD" clId="Web-{3303FF65-234F-5D21-F78A-528C175EA7C3}" dt="2024-10-22T18:26:15.846" v="217"/>
+          <ac:cxnSpMkLst>
+            <pc:docMk/>
+            <pc:sldMk cId="3389932669" sldId="287"/>
+            <ac:cxnSpMk id="35" creationId="{8F390208-1651-034E-E50D-E004E6F9F9DF}"/>
+          </ac:cxnSpMkLst>
+        </pc:cxnChg>
+        <pc:cxnChg chg="del">
+          <ac:chgData name="Cassandra K Hui" userId="S::ckhui@unr.edu::17f71015-be1a-44f4-b604-0146d8df4a12" providerId="AD" clId="Web-{3303FF65-234F-5D21-F78A-528C175EA7C3}" dt="2024-10-22T18:26:09.455" v="211"/>
+          <ac:cxnSpMkLst>
+            <pc:docMk/>
+            <pc:sldMk cId="3389932669" sldId="287"/>
+            <ac:cxnSpMk id="39" creationId="{31C12884-DFCE-2F32-D534-20047C489633}"/>
+          </ac:cxnSpMkLst>
+        </pc:cxnChg>
+        <pc:cxnChg chg="del">
+          <ac:chgData name="Cassandra K Hui" userId="S::ckhui@unr.edu::17f71015-be1a-44f4-b604-0146d8df4a12" providerId="AD" clId="Web-{3303FF65-234F-5D21-F78A-528C175EA7C3}" dt="2024-10-22T18:26:04.174" v="206"/>
+          <ac:cxnSpMkLst>
+            <pc:docMk/>
+            <pc:sldMk cId="3389932669" sldId="287"/>
+            <ac:cxnSpMk id="41" creationId="{EF5F47B2-9314-690E-8A47-604564D7660D}"/>
+          </ac:cxnSpMkLst>
+        </pc:cxnChg>
+        <pc:cxnChg chg="del">
+          <ac:chgData name="Cassandra K Hui" userId="S::ckhui@unr.edu::17f71015-be1a-44f4-b604-0146d8df4a12" providerId="AD" clId="Web-{3303FF65-234F-5D21-F78A-528C175EA7C3}" dt="2024-10-22T18:26:03.252" v="205"/>
+          <ac:cxnSpMkLst>
+            <pc:docMk/>
+            <pc:sldMk cId="3389932669" sldId="287"/>
+            <ac:cxnSpMk id="45" creationId="{B37D83E0-EF8F-0DE4-A98C-98459EACAFF2}"/>
+          </ac:cxnSpMkLst>
+        </pc:cxnChg>
+      </pc:sldChg>
+      <pc:sldChg chg="modSp">
+        <pc:chgData name="Cassandra K Hui" userId="S::ckhui@unr.edu::17f71015-be1a-44f4-b604-0146d8df4a12" providerId="AD" clId="Web-{3303FF65-234F-5D21-F78A-528C175EA7C3}" dt="2024-10-22T22:04:32.003" v="763" actId="688"/>
+        <pc:sldMkLst>
+          <pc:docMk/>
+          <pc:sldMk cId="1841043706" sldId="288"/>
+        </pc:sldMkLst>
+        <pc:spChg chg="mod">
+          <ac:chgData name="Cassandra K Hui" userId="S::ckhui@unr.edu::17f71015-be1a-44f4-b604-0146d8df4a12" providerId="AD" clId="Web-{3303FF65-234F-5D21-F78A-528C175EA7C3}" dt="2024-10-22T22:04:24.987" v="762" actId="20577"/>
+          <ac:spMkLst>
+            <pc:docMk/>
+            <pc:sldMk cId="1841043706" sldId="288"/>
+            <ac:spMk id="16" creationId="{13B498D3-B2E4-86A2-89C4-5E3DFA260A74}"/>
+          </ac:spMkLst>
+        </pc:spChg>
+        <pc:spChg chg="mod">
+          <ac:chgData name="Cassandra K Hui" userId="S::ckhui@unr.edu::17f71015-be1a-44f4-b604-0146d8df4a12" providerId="AD" clId="Web-{3303FF65-234F-5D21-F78A-528C175EA7C3}" dt="2024-10-22T22:04:32.003" v="763" actId="688"/>
+          <ac:spMkLst>
+            <pc:docMk/>
+            <pc:sldMk cId="1841043706" sldId="288"/>
+            <ac:spMk id="19" creationId="{1AD23FAA-99D8-275F-3924-E19E9B309A27}"/>
+          </ac:spMkLst>
+        </pc:spChg>
+        <pc:spChg chg="mod">
+          <ac:chgData name="Cassandra K Hui" userId="S::ckhui@unr.edu::17f71015-be1a-44f4-b604-0146d8df4a12" providerId="AD" clId="Web-{3303FF65-234F-5D21-F78A-528C175EA7C3}" dt="2024-10-22T18:19:04.004" v="91" actId="20577"/>
+          <ac:spMkLst>
+            <pc:docMk/>
+            <pc:sldMk cId="1841043706" sldId="288"/>
+            <ac:spMk id="49" creationId="{C0A88431-3A8C-42D6-39F3-AE2A65867C58}"/>
+          </ac:spMkLst>
+        </pc:spChg>
+        <pc:spChg chg="mod">
+          <ac:chgData name="Cassandra K Hui" userId="S::ckhui@unr.edu::17f71015-be1a-44f4-b604-0146d8df4a12" providerId="AD" clId="Web-{3303FF65-234F-5D21-F78A-528C175EA7C3}" dt="2024-10-22T18:18:59.020" v="87" actId="1076"/>
+          <ac:spMkLst>
+            <pc:docMk/>
+            <pc:sldMk cId="1841043706" sldId="288"/>
+            <ac:spMk id="50" creationId="{E98C9898-25FC-AF89-87F2-62BFAB4B6ACC}"/>
+          </ac:spMkLst>
+        </pc:spChg>
+      </pc:sldChg>
+      <pc:sldChg chg="addSp delSp modSp">
+        <pc:chgData name="Cassandra K Hui" userId="S::ckhui@unr.edu::17f71015-be1a-44f4-b604-0146d8df4a12" providerId="AD" clId="Web-{3303FF65-234F-5D21-F78A-528C175EA7C3}" dt="2024-10-22T22:13:36.535" v="842" actId="20577"/>
+        <pc:sldMkLst>
+          <pc:docMk/>
+          <pc:sldMk cId="1822474282" sldId="289"/>
+        </pc:sldMkLst>
+        <pc:spChg chg="mod">
+          <ac:chgData name="Cassandra K Hui" userId="S::ckhui@unr.edu::17f71015-be1a-44f4-b604-0146d8df4a12" providerId="AD" clId="Web-{3303FF65-234F-5D21-F78A-528C175EA7C3}" dt="2024-10-22T22:13:36.535" v="842" actId="20577"/>
+          <ac:spMkLst>
+            <pc:docMk/>
+            <pc:sldMk cId="1822474282" sldId="289"/>
+            <ac:spMk id="3" creationId="{9D5232F9-FD00-464A-9F17-619C91AEF8F3}"/>
+          </ac:spMkLst>
+        </pc:spChg>
+        <pc:picChg chg="add del mod">
+          <ac:chgData name="Cassandra K Hui" userId="S::ckhui@unr.edu::17f71015-be1a-44f4-b604-0146d8df4a12" providerId="AD" clId="Web-{3303FF65-234F-5D21-F78A-528C175EA7C3}" dt="2024-10-22T20:44:46.402" v="356"/>
+          <ac:picMkLst>
+            <pc:docMk/>
+            <pc:sldMk cId="1822474282" sldId="289"/>
+            <ac:picMk id="4" creationId="{56B84E90-E8CB-1209-6A5B-49AF65342912}"/>
+          </ac:picMkLst>
+        </pc:picChg>
+        <pc:picChg chg="add">
+          <ac:chgData name="Cassandra K Hui" userId="S::ckhui@unr.edu::17f71015-be1a-44f4-b604-0146d8df4a12" providerId="AD" clId="Web-{3303FF65-234F-5D21-F78A-528C175EA7C3}" dt="2024-10-22T21:24:50.332" v="372"/>
+          <ac:picMkLst>
+            <pc:docMk/>
+            <pc:sldMk cId="1822474282" sldId="289"/>
+            <ac:picMk id="5" creationId="{4A967AD8-9F2D-28D9-1189-C412B2E7DE26}"/>
+          </ac:picMkLst>
+        </pc:picChg>
+      </pc:sldChg>
+      <pc:sldChg chg="addSp delSp modSp add replId">
+        <pc:chgData name="Cassandra K Hui" userId="S::ckhui@unr.edu::17f71015-be1a-44f4-b604-0146d8df4a12" providerId="AD" clId="Web-{3303FF65-234F-5D21-F78A-528C175EA7C3}" dt="2024-10-22T22:02:44.481" v="721" actId="688"/>
+        <pc:sldMkLst>
+          <pc:docMk/>
+          <pc:sldMk cId="237760057" sldId="290"/>
+        </pc:sldMkLst>
+        <pc:spChg chg="add mod">
+          <ac:chgData name="Cassandra K Hui" userId="S::ckhui@unr.edu::17f71015-be1a-44f4-b604-0146d8df4a12" providerId="AD" clId="Web-{3303FF65-234F-5D21-F78A-528C175EA7C3}" dt="2024-10-22T18:17:08.204" v="70" actId="20577"/>
+          <ac:spMkLst>
+            <pc:docMk/>
+            <pc:sldMk cId="237760057" sldId="290"/>
+            <ac:spMk id="3" creationId="{5888937F-1A88-8793-745A-C95B5088089F}"/>
+          </ac:spMkLst>
+        </pc:spChg>
+        <pc:spChg chg="add mod ord">
+          <ac:chgData name="Cassandra K Hui" userId="S::ckhui@unr.edu::17f71015-be1a-44f4-b604-0146d8df4a12" providerId="AD" clId="Web-{3303FF65-234F-5D21-F78A-528C175EA7C3}" dt="2024-10-22T18:17:58.190" v="80" actId="1076"/>
+          <ac:spMkLst>
+            <pc:docMk/>
+            <pc:sldMk cId="237760057" sldId="290"/>
+            <ac:spMk id="4" creationId="{2F2F9B60-FEB1-C2C3-63AA-CF29D9CDC337}"/>
+          </ac:spMkLst>
+        </pc:spChg>
+        <pc:spChg chg="mod">
+          <ac:chgData name="Cassandra K Hui" userId="S::ckhui@unr.edu::17f71015-be1a-44f4-b604-0146d8df4a12" providerId="AD" clId="Web-{3303FF65-234F-5D21-F78A-528C175EA7C3}" dt="2024-10-22T22:02:38.856" v="720" actId="20577"/>
+          <ac:spMkLst>
+            <pc:docMk/>
+            <pc:sldMk cId="237760057" sldId="290"/>
+            <ac:spMk id="16" creationId="{13B498D3-B2E4-86A2-89C4-5E3DFA260A74}"/>
+          </ac:spMkLst>
+        </pc:spChg>
+        <pc:spChg chg="mod">
+          <ac:chgData name="Cassandra K Hui" userId="S::ckhui@unr.edu::17f71015-be1a-44f4-b604-0146d8df4a12" providerId="AD" clId="Web-{3303FF65-234F-5D21-F78A-528C175EA7C3}" dt="2024-10-22T22:02:44.481" v="721" actId="688"/>
+          <ac:spMkLst>
+            <pc:docMk/>
+            <pc:sldMk cId="237760057" sldId="290"/>
+            <ac:spMk id="19" creationId="{1AD23FAA-99D8-275F-3924-E19E9B309A27}"/>
+          </ac:spMkLst>
+        </pc:spChg>
+        <pc:spChg chg="mod">
+          <ac:chgData name="Cassandra K Hui" userId="S::ckhui@unr.edu::17f71015-be1a-44f4-b604-0146d8df4a12" providerId="AD" clId="Web-{3303FF65-234F-5D21-F78A-528C175EA7C3}" dt="2024-10-22T18:14:57.593" v="16" actId="1076"/>
+          <ac:spMkLst>
+            <pc:docMk/>
+            <pc:sldMk cId="237760057" sldId="290"/>
+            <ac:spMk id="46" creationId="{7BD5078F-A6BD-F088-CDFC-BAA6472BC28B}"/>
+          </ac:spMkLst>
+        </pc:spChg>
+        <pc:spChg chg="del">
+          <ac:chgData name="Cassandra K Hui" userId="S::ckhui@unr.edu::17f71015-be1a-44f4-b604-0146d8df4a12" providerId="AD" clId="Web-{3303FF65-234F-5D21-F78A-528C175EA7C3}" dt="2024-10-22T22:02:32.308" v="718"/>
+          <ac:spMkLst>
+            <pc:docMk/>
+            <pc:sldMk cId="237760057" sldId="290"/>
+            <ac:spMk id="49" creationId="{C0A88431-3A8C-42D6-39F3-AE2A65867C58}"/>
+          </ac:spMkLst>
+        </pc:spChg>
+        <pc:spChg chg="del">
+          <ac:chgData name="Cassandra K Hui" userId="S::ckhui@unr.edu::17f71015-be1a-44f4-b604-0146d8df4a12" providerId="AD" clId="Web-{3303FF65-234F-5D21-F78A-528C175EA7C3}" dt="2024-10-22T22:02:33.418" v="719"/>
+          <ac:spMkLst>
+            <pc:docMk/>
+            <pc:sldMk cId="237760057" sldId="290"/>
+            <ac:spMk id="50" creationId="{E98C9898-25FC-AF89-87F2-62BFAB4B6ACC}"/>
+          </ac:spMkLst>
+        </pc:spChg>
+        <pc:cxnChg chg="mod">
+          <ac:chgData name="Cassandra K Hui" userId="S::ckhui@unr.edu::17f71015-be1a-44f4-b604-0146d8df4a12" providerId="AD" clId="Web-{3303FF65-234F-5D21-F78A-528C175EA7C3}" dt="2024-10-22T18:14:57.574" v="15" actId="1076"/>
+          <ac:cxnSpMkLst>
+            <pc:docMk/>
+            <pc:sldMk cId="237760057" sldId="290"/>
+            <ac:cxnSpMk id="45" creationId="{B37D83E0-EF8F-0DE4-A98C-98459EACAFF2}"/>
+          </ac:cxnSpMkLst>
+        </pc:cxnChg>
+      </pc:sldChg>
+      <pc:sldChg chg="delSp modSp add ord replId">
+        <pc:chgData name="Cassandra K Hui" userId="S::ckhui@unr.edu::17f71015-be1a-44f4-b604-0146d8df4a12" providerId="AD" clId="Web-{3303FF65-234F-5D21-F78A-528C175EA7C3}" dt="2024-10-22T22:04:41.113" v="764" actId="688"/>
+        <pc:sldMkLst>
+          <pc:docMk/>
+          <pc:sldMk cId="2720256898" sldId="291"/>
+        </pc:sldMkLst>
+        <pc:spChg chg="mod">
+          <ac:chgData name="Cassandra K Hui" userId="S::ckhui@unr.edu::17f71015-be1a-44f4-b604-0146d8df4a12" providerId="AD" clId="Web-{3303FF65-234F-5D21-F78A-528C175EA7C3}" dt="2024-10-22T22:04:09.830" v="761" actId="20577"/>
+          <ac:spMkLst>
+            <pc:docMk/>
+            <pc:sldMk cId="2720256898" sldId="291"/>
+            <ac:spMk id="16" creationId="{13B498D3-B2E4-86A2-89C4-5E3DFA260A74}"/>
+          </ac:spMkLst>
+        </pc:spChg>
+        <pc:spChg chg="mod">
+          <ac:chgData name="Cassandra K Hui" userId="S::ckhui@unr.edu::17f71015-be1a-44f4-b604-0146d8df4a12" providerId="AD" clId="Web-{3303FF65-234F-5D21-F78A-528C175EA7C3}" dt="2024-10-22T22:04:41.113" v="764" actId="688"/>
+          <ac:spMkLst>
+            <pc:docMk/>
+            <pc:sldMk cId="2720256898" sldId="291"/>
+            <ac:spMk id="19" creationId="{1AD23FAA-99D8-275F-3924-E19E9B309A27}"/>
+          </ac:spMkLst>
+        </pc:spChg>
+        <pc:spChg chg="del">
+          <ac:chgData name="Cassandra K Hui" userId="S::ckhui@unr.edu::17f71015-be1a-44f4-b604-0146d8df4a12" providerId="AD" clId="Web-{3303FF65-234F-5D21-F78A-528C175EA7C3}" dt="2024-10-22T18:15:21.950" v="19"/>
+          <ac:spMkLst>
+            <pc:docMk/>
+            <pc:sldMk cId="2720256898" sldId="291"/>
+            <ac:spMk id="46" creationId="{7BD5078F-A6BD-F088-CDFC-BAA6472BC28B}"/>
+          </ac:spMkLst>
+        </pc:spChg>
+        <pc:spChg chg="mod">
+          <ac:chgData name="Cassandra K Hui" userId="S::ckhui@unr.edu::17f71015-be1a-44f4-b604-0146d8df4a12" providerId="AD" clId="Web-{3303FF65-234F-5D21-F78A-528C175EA7C3}" dt="2024-10-22T18:18:21.034" v="81" actId="1076"/>
+          <ac:spMkLst>
+            <pc:docMk/>
+            <pc:sldMk cId="2720256898" sldId="291"/>
+            <ac:spMk id="49" creationId="{C0A88431-3A8C-42D6-39F3-AE2A65867C58}"/>
+          </ac:spMkLst>
+        </pc:spChg>
+        <pc:spChg chg="mod">
+          <ac:chgData name="Cassandra K Hui" userId="S::ckhui@unr.edu::17f71015-be1a-44f4-b604-0146d8df4a12" providerId="AD" clId="Web-{3303FF65-234F-5D21-F78A-528C175EA7C3}" dt="2024-10-22T18:18:21.050" v="82" actId="1076"/>
+          <ac:spMkLst>
+            <pc:docMk/>
+            <pc:sldMk cId="2720256898" sldId="291"/>
+            <ac:spMk id="50" creationId="{E98C9898-25FC-AF89-87F2-62BFAB4B6ACC}"/>
+          </ac:spMkLst>
+        </pc:spChg>
+        <pc:spChg chg="mod">
+          <ac:chgData name="Cassandra K Hui" userId="S::ckhui@unr.edu::17f71015-be1a-44f4-b604-0146d8df4a12" providerId="AD" clId="Web-{3303FF65-234F-5D21-F78A-528C175EA7C3}" dt="2024-10-22T18:18:32.456" v="83" actId="20577"/>
+          <ac:spMkLst>
+            <pc:docMk/>
+            <pc:sldMk cId="2720256898" sldId="291"/>
+            <ac:spMk id="59" creationId="{D148EC25-CE83-561D-AEDD-371059C1C836}"/>
+          </ac:spMkLst>
+        </pc:spChg>
+        <pc:cxnChg chg="del">
+          <ac:chgData name="Cassandra K Hui" userId="S::ckhui@unr.edu::17f71015-be1a-44f4-b604-0146d8df4a12" providerId="AD" clId="Web-{3303FF65-234F-5D21-F78A-528C175EA7C3}" dt="2024-10-22T18:15:24.325" v="20"/>
+          <ac:cxnSpMkLst>
+            <pc:docMk/>
+            <pc:sldMk cId="2720256898" sldId="291"/>
+            <ac:cxnSpMk id="45" creationId="{B37D83E0-EF8F-0DE4-A98C-98459EACAFF2}"/>
+          </ac:cxnSpMkLst>
+        </pc:cxnChg>
+      </pc:sldChg>
+      <pc:sldChg chg="addSp delSp modSp add replId">
+        <pc:chgData name="Cassandra K Hui" userId="S::ckhui@unr.edu::17f71015-be1a-44f4-b604-0146d8df4a12" providerId="AD" clId="Web-{3303FF65-234F-5D21-F78A-528C175EA7C3}" dt="2024-10-22T22:08:08.250" v="811" actId="688"/>
+        <pc:sldMkLst>
+          <pc:docMk/>
+          <pc:sldMk cId="1941767903" sldId="292"/>
+        </pc:sldMkLst>
+        <pc:spChg chg="del">
+          <ac:chgData name="Cassandra K Hui" userId="S::ckhui@unr.edu::17f71015-be1a-44f4-b604-0146d8df4a12" providerId="AD" clId="Web-{3303FF65-234F-5D21-F78A-528C175EA7C3}" dt="2024-10-22T18:22:00.025" v="149"/>
+          <ac:spMkLst>
+            <pc:docMk/>
+            <pc:sldMk cId="1941767903" sldId="292"/>
+            <ac:spMk id="11" creationId="{D2C6EEE6-04D7-A6C4-F24F-16C7D618F69B}"/>
+          </ac:spMkLst>
+        </pc:spChg>
+        <pc:spChg chg="mod">
+          <ac:chgData name="Cassandra K Hui" userId="S::ckhui@unr.edu::17f71015-be1a-44f4-b604-0146d8df4a12" providerId="AD" clId="Web-{3303FF65-234F-5D21-F78A-528C175EA7C3}" dt="2024-10-22T22:07:59.937" v="807" actId="20577"/>
+          <ac:spMkLst>
+            <pc:docMk/>
+            <pc:sldMk cId="1941767903" sldId="292"/>
+            <ac:spMk id="16" creationId="{13B498D3-B2E4-86A2-89C4-5E3DFA260A74}"/>
+          </ac:spMkLst>
+        </pc:spChg>
+        <pc:spChg chg="mod">
+          <ac:chgData name="Cassandra K Hui" userId="S::ckhui@unr.edu::17f71015-be1a-44f4-b604-0146d8df4a12" providerId="AD" clId="Web-{3303FF65-234F-5D21-F78A-528C175EA7C3}" dt="2024-10-22T22:08:08.250" v="811" actId="688"/>
+          <ac:spMkLst>
+            <pc:docMk/>
+            <pc:sldMk cId="1941767903" sldId="292"/>
+            <ac:spMk id="19" creationId="{1AD23FAA-99D8-275F-3924-E19E9B309A27}"/>
+          </ac:spMkLst>
+        </pc:spChg>
+        <pc:spChg chg="mod">
+          <ac:chgData name="Cassandra K Hui" userId="S::ckhui@unr.edu::17f71015-be1a-44f4-b604-0146d8df4a12" providerId="AD" clId="Web-{3303FF65-234F-5D21-F78A-528C175EA7C3}" dt="2024-10-22T22:08:02.937" v="810" actId="20577"/>
+          <ac:spMkLst>
+            <pc:docMk/>
+            <pc:sldMk cId="1941767903" sldId="292"/>
+            <ac:spMk id="22" creationId="{D0F6CB6F-6F2B-1E28-6A4C-3ED264CACD07}"/>
+          </ac:spMkLst>
+        </pc:spChg>
+        <pc:spChg chg="add">
+          <ac:chgData name="Cassandra K Hui" userId="S::ckhui@unr.edu::17f71015-be1a-44f4-b604-0146d8df4a12" providerId="AD" clId="Web-{3303FF65-234F-5D21-F78A-528C175EA7C3}" dt="2024-10-22T18:32:51.078" v="256"/>
+          <ac:spMkLst>
+            <pc:docMk/>
+            <pc:sldMk cId="1941767903" sldId="292"/>
+            <ac:spMk id="30" creationId="{0742F199-A00A-B775-ED3A-72951A96C02B}"/>
+          </ac:spMkLst>
+        </pc:spChg>
+        <pc:spChg chg="del">
+          <ac:chgData name="Cassandra K Hui" userId="S::ckhui@unr.edu::17f71015-be1a-44f4-b604-0146d8df4a12" providerId="AD" clId="Web-{3303FF65-234F-5D21-F78A-528C175EA7C3}" dt="2024-10-22T18:22:00.604" v="150"/>
+          <ac:spMkLst>
+            <pc:docMk/>
+            <pc:sldMk cId="1941767903" sldId="292"/>
+            <ac:spMk id="31" creationId="{FE31CFFE-7BE0-07FD-62AF-F346A9E1A006}"/>
+          </ac:spMkLst>
+        </pc:spChg>
+        <pc:spChg chg="add mod">
+          <ac:chgData name="Cassandra K Hui" userId="S::ckhui@unr.edu::17f71015-be1a-44f4-b604-0146d8df4a12" providerId="AD" clId="Web-{3303FF65-234F-5D21-F78A-528C175EA7C3}" dt="2024-10-22T18:32:56.640" v="259" actId="20577"/>
+          <ac:spMkLst>
+            <pc:docMk/>
+            <pc:sldMk cId="1941767903" sldId="292"/>
+            <ac:spMk id="33" creationId="{2C790D98-435B-DBFE-AF77-2A8166BD168D}"/>
+          </ac:spMkLst>
+        </pc:spChg>
+        <pc:spChg chg="mod">
+          <ac:chgData name="Cassandra K Hui" userId="S::ckhui@unr.edu::17f71015-be1a-44f4-b604-0146d8df4a12" providerId="AD" clId="Web-{3303FF65-234F-5D21-F78A-528C175EA7C3}" dt="2024-10-22T18:21:55.916" v="148" actId="20577"/>
+          <ac:spMkLst>
+            <pc:docMk/>
+            <pc:sldMk cId="1941767903" sldId="292"/>
+            <ac:spMk id="38" creationId="{9B2A9283-F6AB-EDB0-6F62-F73BCAF586AF}"/>
+          </ac:spMkLst>
+        </pc:spChg>
+        <pc:spChg chg="del">
+          <ac:chgData name="Cassandra K Hui" userId="S::ckhui@unr.edu::17f71015-be1a-44f4-b604-0146d8df4a12" providerId="AD" clId="Web-{3303FF65-234F-5D21-F78A-528C175EA7C3}" dt="2024-10-22T18:21:40.353" v="145"/>
+          <ac:spMkLst>
+            <pc:docMk/>
+            <pc:sldMk cId="1941767903" sldId="292"/>
+            <ac:spMk id="42" creationId="{F5C0086B-119F-9CD0-C7DE-457C48BB8CF5}"/>
+          </ac:spMkLst>
+        </pc:spChg>
+        <pc:spChg chg="del">
+          <ac:chgData name="Cassandra K Hui" userId="S::ckhui@unr.edu::17f71015-be1a-44f4-b604-0146d8df4a12" providerId="AD" clId="Web-{3303FF65-234F-5D21-F78A-528C175EA7C3}" dt="2024-10-22T18:21:42.666" v="146"/>
+          <ac:spMkLst>
+            <pc:docMk/>
+            <pc:sldMk cId="1941767903" sldId="292"/>
+            <ac:spMk id="43" creationId="{47658C52-1584-DACC-3C91-50552932B76F}"/>
+          </ac:spMkLst>
+        </pc:spChg>
+        <pc:spChg chg="del">
+          <ac:chgData name="Cassandra K Hui" userId="S::ckhui@unr.edu::17f71015-be1a-44f4-b604-0146d8df4a12" providerId="AD" clId="Web-{3303FF65-234F-5D21-F78A-528C175EA7C3}" dt="2024-10-22T18:21:35.900" v="143"/>
+          <ac:spMkLst>
+            <pc:docMk/>
+            <pc:sldMk cId="1941767903" sldId="292"/>
+            <ac:spMk id="44" creationId="{8CEF99AA-B862-F924-FA17-C3DD7E1A53A7}"/>
+          </ac:spMkLst>
+        </pc:spChg>
+        <pc:spChg chg="del">
+          <ac:chgData name="Cassandra K Hui" userId="S::ckhui@unr.edu::17f71015-be1a-44f4-b604-0146d8df4a12" providerId="AD" clId="Web-{3303FF65-234F-5D21-F78A-528C175EA7C3}" dt="2024-10-22T18:21:34.056" v="141"/>
+          <ac:spMkLst>
+            <pc:docMk/>
+            <pc:sldMk cId="1941767903" sldId="292"/>
+            <ac:spMk id="46" creationId="{7BD5078F-A6BD-F088-CDFC-BAA6472BC28B}"/>
+          </ac:spMkLst>
+        </pc:spChg>
+        <pc:cxnChg chg="del">
+          <ac:chgData name="Cassandra K Hui" userId="S::ckhui@unr.edu::17f71015-be1a-44f4-b604-0146d8df4a12" providerId="AD" clId="Web-{3303FF65-234F-5D21-F78A-528C175EA7C3}" dt="2024-10-22T18:21:38.056" v="144"/>
+          <ac:cxnSpMkLst>
+            <pc:docMk/>
+            <pc:sldMk cId="1941767903" sldId="292"/>
+            <ac:cxnSpMk id="41" creationId="{EF5F47B2-9314-690E-8A47-604564D7660D}"/>
+          </ac:cxnSpMkLst>
+        </pc:cxnChg>
+        <pc:cxnChg chg="del">
+          <ac:chgData name="Cassandra K Hui" userId="S::ckhui@unr.edu::17f71015-be1a-44f4-b604-0146d8df4a12" providerId="AD" clId="Web-{3303FF65-234F-5D21-F78A-528C175EA7C3}" dt="2024-10-22T18:21:35.243" v="142"/>
+          <ac:cxnSpMkLst>
+            <pc:docMk/>
+            <pc:sldMk cId="1941767903" sldId="292"/>
+            <ac:cxnSpMk id="45" creationId="{B37D83E0-EF8F-0DE4-A98C-98459EACAFF2}"/>
+          </ac:cxnSpMkLst>
+        </pc:cxnChg>
+      </pc:sldChg>
+      <pc:sldChg chg="addSp delSp modSp add replId">
+        <pc:chgData name="Cassandra K Hui" userId="S::ckhui@unr.edu::17f71015-be1a-44f4-b604-0146d8df4a12" providerId="AD" clId="Web-{3303FF65-234F-5D21-F78A-528C175EA7C3}" dt="2024-10-22T18:33:03.312" v="261"/>
+        <pc:sldMkLst>
+          <pc:docMk/>
+          <pc:sldMk cId="3966284482" sldId="293"/>
+        </pc:sldMkLst>
+        <pc:spChg chg="mod">
+          <ac:chgData name="Cassandra K Hui" userId="S::ckhui@unr.edu::17f71015-be1a-44f4-b604-0146d8df4a12" providerId="AD" clId="Web-{3303FF65-234F-5D21-F78A-528C175EA7C3}" dt="2024-10-22T18:21:25.446" v="140" actId="1076"/>
+          <ac:spMkLst>
+            <pc:docMk/>
+            <pc:sldMk cId="3966284482" sldId="293"/>
+            <ac:spMk id="11" creationId="{D2C6EEE6-04D7-A6C4-F24F-16C7D618F69B}"/>
+          </ac:spMkLst>
+        </pc:spChg>
+        <pc:spChg chg="add del">
+          <ac:chgData name="Cassandra K Hui" userId="S::ckhui@unr.edu::17f71015-be1a-44f4-b604-0146d8df4a12" providerId="AD" clId="Web-{3303FF65-234F-5D21-F78A-528C175EA7C3}" dt="2024-10-22T18:19:52.021" v="103"/>
+          <ac:spMkLst>
+            <pc:docMk/>
+            <pc:sldMk cId="3966284482" sldId="293"/>
+            <ac:spMk id="29" creationId="{45042CF6-C9A9-5B9D-0AC6-B64349082C96}"/>
+          </ac:spMkLst>
+        </pc:spChg>
+        <pc:spChg chg="add">
+          <ac:chgData name="Cassandra K Hui" userId="S::ckhui@unr.edu::17f71015-be1a-44f4-b604-0146d8df4a12" providerId="AD" clId="Web-{3303FF65-234F-5D21-F78A-528C175EA7C3}" dt="2024-10-22T18:33:03.297" v="260"/>
+          <ac:spMkLst>
+            <pc:docMk/>
+            <pc:sldMk cId="3966284482" sldId="293"/>
+            <ac:spMk id="30" creationId="{227C203D-EB05-EC53-EFA8-441EBEBC694E}"/>
+          </ac:spMkLst>
+        </pc:spChg>
+        <pc:spChg chg="mod">
+          <ac:chgData name="Cassandra K Hui" userId="S::ckhui@unr.edu::17f71015-be1a-44f4-b604-0146d8df4a12" providerId="AD" clId="Web-{3303FF65-234F-5D21-F78A-528C175EA7C3}" dt="2024-10-22T18:21:25.431" v="139" actId="1076"/>
+          <ac:spMkLst>
+            <pc:docMk/>
+            <pc:sldMk cId="3966284482" sldId="293"/>
+            <ac:spMk id="31" creationId="{FE31CFFE-7BE0-07FD-62AF-F346A9E1A006}"/>
+          </ac:spMkLst>
+        </pc:spChg>
+        <pc:spChg chg="add">
+          <ac:chgData name="Cassandra K Hui" userId="S::ckhui@unr.edu::17f71015-be1a-44f4-b604-0146d8df4a12" providerId="AD" clId="Web-{3303FF65-234F-5D21-F78A-528C175EA7C3}" dt="2024-10-22T18:33:03.312" v="261"/>
+          <ac:spMkLst>
+            <pc:docMk/>
+            <pc:sldMk cId="3966284482" sldId="293"/>
+            <ac:spMk id="33" creationId="{DCB4D81D-8833-CCC4-721C-FF7DE13A28AF}"/>
+          </ac:spMkLst>
+        </pc:spChg>
+        <pc:spChg chg="add del">
+          <ac:chgData name="Cassandra K Hui" userId="S::ckhui@unr.edu::17f71015-be1a-44f4-b604-0146d8df4a12" providerId="AD" clId="Web-{3303FF65-234F-5D21-F78A-528C175EA7C3}" dt="2024-10-22T18:19:54.896" v="104"/>
+          <ac:spMkLst>
+            <pc:docMk/>
+            <pc:sldMk cId="3966284482" sldId="293"/>
+            <ac:spMk id="40" creationId="{7BFA9C6D-1C90-709B-5955-D9A08C88C2CC}"/>
+          </ac:spMkLst>
+        </pc:spChg>
+        <pc:spChg chg="mod">
+          <ac:chgData name="Cassandra K Hui" userId="S::ckhui@unr.edu::17f71015-be1a-44f4-b604-0146d8df4a12" providerId="AD" clId="Web-{3303FF65-234F-5D21-F78A-528C175EA7C3}" dt="2024-10-22T18:22:09.869" v="152"/>
+          <ac:spMkLst>
+            <pc:docMk/>
+            <pc:sldMk cId="3966284482" sldId="293"/>
+            <ac:spMk id="43" creationId="{47658C52-1584-DACC-3C91-50552932B76F}"/>
+          </ac:spMkLst>
+        </pc:spChg>
+        <pc:spChg chg="add del">
+          <ac:chgData name="Cassandra K Hui" userId="S::ckhui@unr.edu::17f71015-be1a-44f4-b604-0146d8df4a12" providerId="AD" clId="Web-{3303FF65-234F-5D21-F78A-528C175EA7C3}" dt="2024-10-22T18:20:01.240" v="106"/>
+          <ac:spMkLst>
+            <pc:docMk/>
+            <pc:sldMk cId="3966284482" sldId="293"/>
+            <ac:spMk id="44" creationId="{8CEF99AA-B862-F924-FA17-C3DD7E1A53A7}"/>
+          </ac:spMkLst>
+        </pc:spChg>
+        <pc:spChg chg="add del">
+          <ac:chgData name="Cassandra K Hui" userId="S::ckhui@unr.edu::17f71015-be1a-44f4-b604-0146d8df4a12" providerId="AD" clId="Web-{3303FF65-234F-5D21-F78A-528C175EA7C3}" dt="2024-10-22T18:20:46.711" v="119"/>
+          <ac:spMkLst>
+            <pc:docMk/>
+            <pc:sldMk cId="3966284482" sldId="293"/>
+            <ac:spMk id="46" creationId="{7BD5078F-A6BD-F088-CDFC-BAA6472BC28B}"/>
+          </ac:spMkLst>
+        </pc:spChg>
+        <pc:cxnChg chg="add del">
+          <ac:chgData name="Cassandra K Hui" userId="S::ckhui@unr.edu::17f71015-be1a-44f4-b604-0146d8df4a12" providerId="AD" clId="Web-{3303FF65-234F-5D21-F78A-528C175EA7C3}" dt="2024-10-22T18:19:49.146" v="102"/>
+          <ac:cxnSpMkLst>
+            <pc:docMk/>
+            <pc:sldMk cId="3966284482" sldId="293"/>
+            <ac:cxnSpMk id="39" creationId="{31C12884-DFCE-2F32-D534-20047C489633}"/>
+          </ac:cxnSpMkLst>
+        </pc:cxnChg>
+        <pc:cxnChg chg="add del">
+          <ac:chgData name="Cassandra K Hui" userId="S::ckhui@unr.edu::17f71015-be1a-44f4-b604-0146d8df4a12" providerId="AD" clId="Web-{3303FF65-234F-5D21-F78A-528C175EA7C3}" dt="2024-10-22T18:19:58.537" v="105"/>
+          <ac:cxnSpMkLst>
+            <pc:docMk/>
+            <pc:sldMk cId="3966284482" sldId="293"/>
+            <ac:cxnSpMk id="41" creationId="{EF5F47B2-9314-690E-8A47-604564D7660D}"/>
+          </ac:cxnSpMkLst>
+        </pc:cxnChg>
+        <pc:cxnChg chg="add del">
+          <ac:chgData name="Cassandra K Hui" userId="S::ckhui@unr.edu::17f71015-be1a-44f4-b604-0146d8df4a12" providerId="AD" clId="Web-{3303FF65-234F-5D21-F78A-528C175EA7C3}" dt="2024-10-22T18:20:49.976" v="120"/>
+          <ac:cxnSpMkLst>
+            <pc:docMk/>
+            <pc:sldMk cId="3966284482" sldId="293"/>
+            <ac:cxnSpMk id="45" creationId="{B37D83E0-EF8F-0DE4-A98C-98459EACAFF2}"/>
+          </ac:cxnSpMkLst>
+        </pc:cxnChg>
+      </pc:sldChg>
+      <pc:sldChg chg="addSp modSp add replId">
+        <pc:chgData name="Cassandra K Hui" userId="S::ckhui@unr.edu::17f71015-be1a-44f4-b604-0146d8df4a12" providerId="AD" clId="Web-{3303FF65-234F-5D21-F78A-528C175EA7C3}" dt="2024-10-22T18:33:07.547" v="263"/>
+        <pc:sldMkLst>
+          <pc:docMk/>
+          <pc:sldMk cId="3868371613" sldId="294"/>
+        </pc:sldMkLst>
+        <pc:spChg chg="mod">
+          <ac:chgData name="Cassandra K Hui" userId="S::ckhui@unr.edu::17f71015-be1a-44f4-b604-0146d8df4a12" providerId="AD" clId="Web-{3303FF65-234F-5D21-F78A-528C175EA7C3}" dt="2024-10-22T18:20:40.292" v="118" actId="1076"/>
+          <ac:spMkLst>
+            <pc:docMk/>
+            <pc:sldMk cId="3868371613" sldId="294"/>
+            <ac:spMk id="11" creationId="{D2C6EEE6-04D7-A6C4-F24F-16C7D618F69B}"/>
+          </ac:spMkLst>
+        </pc:spChg>
+        <pc:spChg chg="add">
+          <ac:chgData name="Cassandra K Hui" userId="S::ckhui@unr.edu::17f71015-be1a-44f4-b604-0146d8df4a12" providerId="AD" clId="Web-{3303FF65-234F-5D21-F78A-528C175EA7C3}" dt="2024-10-22T18:33:07.531" v="262"/>
+          <ac:spMkLst>
+            <pc:docMk/>
+            <pc:sldMk cId="3868371613" sldId="294"/>
+            <ac:spMk id="30" creationId="{C65C061A-1B88-F857-A90C-420B697052A0}"/>
+          </ac:spMkLst>
+        </pc:spChg>
+        <pc:spChg chg="mod">
+          <ac:chgData name="Cassandra K Hui" userId="S::ckhui@unr.edu::17f71015-be1a-44f4-b604-0146d8df4a12" providerId="AD" clId="Web-{3303FF65-234F-5D21-F78A-528C175EA7C3}" dt="2024-10-22T18:20:40.273" v="117" actId="1076"/>
+          <ac:spMkLst>
+            <pc:docMk/>
+            <pc:sldMk cId="3868371613" sldId="294"/>
+            <ac:spMk id="31" creationId="{FE31CFFE-7BE0-07FD-62AF-F346A9E1A006}"/>
+          </ac:spMkLst>
+        </pc:spChg>
+        <pc:spChg chg="add">
+          <ac:chgData name="Cassandra K Hui" userId="S::ckhui@unr.edu::17f71015-be1a-44f4-b604-0146d8df4a12" providerId="AD" clId="Web-{3303FF65-234F-5D21-F78A-528C175EA7C3}" dt="2024-10-22T18:33:07.547" v="263"/>
+          <ac:spMkLst>
+            <pc:docMk/>
+            <pc:sldMk cId="3868371613" sldId="294"/>
+            <ac:spMk id="33" creationId="{EF9CE3E6-A085-1DEF-849A-3829997774E0}"/>
+          </ac:spMkLst>
+        </pc:spChg>
+      </pc:sldChg>
+      <pc:sldChg chg="addSp delSp modSp add replId">
+        <pc:chgData name="Cassandra K Hui" userId="S::ckhui@unr.edu::17f71015-be1a-44f4-b604-0146d8df4a12" providerId="AD" clId="Web-{3303FF65-234F-5D21-F78A-528C175EA7C3}" dt="2024-10-22T22:06:11.352" v="780" actId="688"/>
+        <pc:sldMkLst>
+          <pc:docMk/>
+          <pc:sldMk cId="395344311" sldId="295"/>
+        </pc:sldMkLst>
+        <pc:spChg chg="add del mod">
+          <ac:chgData name="Cassandra K Hui" userId="S::ckhui@unr.edu::17f71015-be1a-44f4-b604-0146d8df4a12" providerId="AD" clId="Web-{3303FF65-234F-5D21-F78A-528C175EA7C3}" dt="2024-10-22T18:23:40.794" v="173"/>
+          <ac:spMkLst>
+            <pc:docMk/>
+            <pc:sldMk cId="395344311" sldId="295"/>
+            <ac:spMk id="3" creationId="{31DB1D91-61AA-EE20-3A6A-EE9E2E0FD4A8}"/>
+          </ac:spMkLst>
+        </pc:spChg>
+        <pc:spChg chg="del mod">
+          <ac:chgData name="Cassandra K Hui" userId="S::ckhui@unr.edu::17f71015-be1a-44f4-b604-0146d8df4a12" providerId="AD" clId="Web-{3303FF65-234F-5D21-F78A-528C175EA7C3}" dt="2024-10-22T18:24:42.921" v="189"/>
+          <ac:spMkLst>
+            <pc:docMk/>
+            <pc:sldMk cId="395344311" sldId="295"/>
+            <ac:spMk id="11" creationId="{D2C6EEE6-04D7-A6C4-F24F-16C7D618F69B}"/>
+          </ac:spMkLst>
+        </pc:spChg>
+        <pc:spChg chg="mod">
+          <ac:chgData name="Cassandra K Hui" userId="S::ckhui@unr.edu::17f71015-be1a-44f4-b604-0146d8df4a12" providerId="AD" clId="Web-{3303FF65-234F-5D21-F78A-528C175EA7C3}" dt="2024-10-22T22:06:06.040" v="779" actId="20577"/>
+          <ac:spMkLst>
+            <pc:docMk/>
+            <pc:sldMk cId="395344311" sldId="295"/>
+            <ac:spMk id="16" creationId="{13B498D3-B2E4-86A2-89C4-5E3DFA260A74}"/>
+          </ac:spMkLst>
+        </pc:spChg>
+        <pc:spChg chg="mod">
+          <ac:chgData name="Cassandra K Hui" userId="S::ckhui@unr.edu::17f71015-be1a-44f4-b604-0146d8df4a12" providerId="AD" clId="Web-{3303FF65-234F-5D21-F78A-528C175EA7C3}" dt="2024-10-22T22:06:11.352" v="780" actId="688"/>
+          <ac:spMkLst>
+            <pc:docMk/>
+            <pc:sldMk cId="395344311" sldId="295"/>
+            <ac:spMk id="19" creationId="{1AD23FAA-99D8-275F-3924-E19E9B309A27}"/>
+          </ac:spMkLst>
+        </pc:spChg>
+        <pc:spChg chg="mod">
+          <ac:chgData name="Cassandra K Hui" userId="S::ckhui@unr.edu::17f71015-be1a-44f4-b604-0146d8df4a12" providerId="AD" clId="Web-{3303FF65-234F-5D21-F78A-528C175EA7C3}" dt="2024-10-22T18:28:36.069" v="240" actId="1076"/>
+          <ac:spMkLst>
+            <pc:docMk/>
+            <pc:sldMk cId="395344311" sldId="295"/>
+            <ac:spMk id="20" creationId="{0B954F3C-1BB9-6575-AF37-B701C140BB8E}"/>
+          </ac:spMkLst>
+        </pc:spChg>
+        <pc:spChg chg="del">
+          <ac:chgData name="Cassandra K Hui" userId="S::ckhui@unr.edu::17f71015-be1a-44f4-b604-0146d8df4a12" providerId="AD" clId="Web-{3303FF65-234F-5D21-F78A-528C175EA7C3}" dt="2024-10-22T18:25:25.860" v="198"/>
+          <ac:spMkLst>
+            <pc:docMk/>
+            <pc:sldMk cId="395344311" sldId="295"/>
+            <ac:spMk id="21" creationId="{154355D1-64EC-1469-1DE3-BEEC86A5E789}"/>
+          </ac:spMkLst>
+        </pc:spChg>
+        <pc:spChg chg="del mod">
+          <ac:chgData name="Cassandra K Hui" userId="S::ckhui@unr.edu::17f71015-be1a-44f4-b604-0146d8df4a12" providerId="AD" clId="Web-{3303FF65-234F-5D21-F78A-528C175EA7C3}" dt="2024-10-22T18:25:26.579" v="199"/>
+          <ac:spMkLst>
+            <pc:docMk/>
+            <pc:sldMk cId="395344311" sldId="295"/>
+            <ac:spMk id="22" creationId="{D0F6CB6F-6F2B-1E28-6A4C-3ED264CACD07}"/>
+          </ac:spMkLst>
+        </pc:spChg>
+        <pc:spChg chg="del">
+          <ac:chgData name="Cassandra K Hui" userId="S::ckhui@unr.edu::17f71015-be1a-44f4-b604-0146d8df4a12" providerId="AD" clId="Web-{3303FF65-234F-5D21-F78A-528C175EA7C3}" dt="2024-10-22T18:25:27.516" v="200"/>
+          <ac:spMkLst>
+            <pc:docMk/>
+            <pc:sldMk cId="395344311" sldId="295"/>
+            <ac:spMk id="23" creationId="{A73DF116-4849-E4EE-CDED-CEA42E01FD8D}"/>
+          </ac:spMkLst>
+        </pc:spChg>
+        <pc:spChg chg="del mod">
+          <ac:chgData name="Cassandra K Hui" userId="S::ckhui@unr.edu::17f71015-be1a-44f4-b604-0146d8df4a12" providerId="AD" clId="Web-{3303FF65-234F-5D21-F78A-528C175EA7C3}" dt="2024-10-22T18:25:09.250" v="193"/>
+          <ac:spMkLst>
+            <pc:docMk/>
+            <pc:sldMk cId="395344311" sldId="295"/>
+            <ac:spMk id="26" creationId="{BA2080D3-98D3-F41B-6BB8-F2CAE66D2367}"/>
+          </ac:spMkLst>
+        </pc:spChg>
+        <pc:spChg chg="del">
+          <ac:chgData name="Cassandra K Hui" userId="S::ckhui@unr.edu::17f71015-be1a-44f4-b604-0146d8df4a12" providerId="AD" clId="Web-{3303FF65-234F-5D21-F78A-528C175EA7C3}" dt="2024-10-22T18:24:42.093" v="188"/>
+          <ac:spMkLst>
+            <pc:docMk/>
+            <pc:sldMk cId="395344311" sldId="295"/>
+            <ac:spMk id="27" creationId="{4894C886-0EB1-1A38-9349-1F738A87BAEE}"/>
+          </ac:spMkLst>
+        </pc:spChg>
+        <pc:spChg chg="del">
+          <ac:chgData name="Cassandra K Hui" userId="S::ckhui@unr.edu::17f71015-be1a-44f4-b604-0146d8df4a12" providerId="AD" clId="Web-{3303FF65-234F-5D21-F78A-528C175EA7C3}" dt="2024-10-22T18:24:38.843" v="185"/>
+          <ac:spMkLst>
+            <pc:docMk/>
+            <pc:sldMk cId="395344311" sldId="295"/>
+            <ac:spMk id="29" creationId="{45042CF6-C9A9-5B9D-0AC6-B64349082C96}"/>
+          </ac:spMkLst>
+        </pc:spChg>
+        <pc:spChg chg="del mod">
+          <ac:chgData name="Cassandra K Hui" userId="S::ckhui@unr.edu::17f71015-be1a-44f4-b604-0146d8df4a12" providerId="AD" clId="Web-{3303FF65-234F-5D21-F78A-528C175EA7C3}" dt="2024-10-22T18:24:43.781" v="190"/>
+          <ac:spMkLst>
+            <pc:docMk/>
+            <pc:sldMk cId="395344311" sldId="295"/>
+            <ac:spMk id="31" creationId="{FE31CFFE-7BE0-07FD-62AF-F346A9E1A006}"/>
+          </ac:spMkLst>
+        </pc:spChg>
+        <pc:spChg chg="del mod">
+          <ac:chgData name="Cassandra K Hui" userId="S::ckhui@unr.edu::17f71015-be1a-44f4-b604-0146d8df4a12" providerId="AD" clId="Web-{3303FF65-234F-5D21-F78A-528C175EA7C3}" dt="2024-10-22T18:24:41.531" v="187"/>
+          <ac:spMkLst>
+            <pc:docMk/>
+            <pc:sldMk cId="395344311" sldId="295"/>
+            <ac:spMk id="34" creationId="{FED01DF6-C0BC-E1A5-2A37-337AAA5A4F71}"/>
+          </ac:spMkLst>
+        </pc:spChg>
+        <pc:spChg chg="del">
+          <ac:chgData name="Cassandra K Hui" userId="S::ckhui@unr.edu::17f71015-be1a-44f4-b604-0146d8df4a12" providerId="AD" clId="Web-{3303FF65-234F-5D21-F78A-528C175EA7C3}" dt="2024-10-22T18:22:39.105" v="161"/>
+          <ac:spMkLst>
+            <pc:docMk/>
+            <pc:sldMk cId="395344311" sldId="295"/>
+            <ac:spMk id="36" creationId="{FD25E7BD-4E5C-1051-3013-F7BB6C771EA6}"/>
+          </ac:spMkLst>
+        </pc:spChg>
+        <pc:spChg chg="del">
+          <ac:chgData name="Cassandra K Hui" userId="S::ckhui@unr.edu::17f71015-be1a-44f4-b604-0146d8df4a12" providerId="AD" clId="Web-{3303FF65-234F-5D21-F78A-528C175EA7C3}" dt="2024-10-22T18:22:39.558" v="162"/>
+          <ac:spMkLst>
+            <pc:docMk/>
+            <pc:sldMk cId="395344311" sldId="295"/>
+            <ac:spMk id="37" creationId="{77122E9F-3376-5334-D1AE-1C3D0C993A65}"/>
+          </ac:spMkLst>
+        </pc:spChg>
+        <pc:spChg chg="del">
+          <ac:chgData name="Cassandra K Hui" userId="S::ckhui@unr.edu::17f71015-be1a-44f4-b604-0146d8df4a12" providerId="AD" clId="Web-{3303FF65-234F-5D21-F78A-528C175EA7C3}" dt="2024-10-22T18:22:37.121" v="160"/>
+          <ac:spMkLst>
+            <pc:docMk/>
+            <pc:sldMk cId="395344311" sldId="295"/>
+            <ac:spMk id="38" creationId="{9B2A9283-F6AB-EDB0-6F62-F73BCAF586AF}"/>
+          </ac:spMkLst>
+        </pc:spChg>
+        <pc:spChg chg="del">
+          <ac:chgData name="Cassandra K Hui" userId="S::ckhui@unr.edu::17f71015-be1a-44f4-b604-0146d8df4a12" providerId="AD" clId="Web-{3303FF65-234F-5D21-F78A-528C175EA7C3}" dt="2024-10-22T18:22:40.292" v="163"/>
+          <ac:spMkLst>
+            <pc:docMk/>
+            <pc:sldMk cId="395344311" sldId="295"/>
+            <ac:spMk id="40" creationId="{7BFA9C6D-1C90-709B-5955-D9A08C88C2CC}"/>
+          </ac:spMkLst>
+        </pc:spChg>
+        <pc:spChg chg="del">
+          <ac:chgData name="Cassandra K Hui" userId="S::ckhui@unr.edu::17f71015-be1a-44f4-b604-0146d8df4a12" providerId="AD" clId="Web-{3303FF65-234F-5D21-F78A-528C175EA7C3}" dt="2024-10-22T18:22:34.917" v="159"/>
+          <ac:spMkLst>
+            <pc:docMk/>
+            <pc:sldMk cId="395344311" sldId="295"/>
+            <ac:spMk id="42" creationId="{F5C0086B-119F-9CD0-C7DE-457C48BB8CF5}"/>
+          </ac:spMkLst>
+        </pc:spChg>
+        <pc:spChg chg="del">
+          <ac:chgData name="Cassandra K Hui" userId="S::ckhui@unr.edu::17f71015-be1a-44f4-b604-0146d8df4a12" providerId="AD" clId="Web-{3303FF65-234F-5D21-F78A-528C175EA7C3}" dt="2024-10-22T18:22:34.230" v="158"/>
+          <ac:spMkLst>
+            <pc:docMk/>
+            <pc:sldMk cId="395344311" sldId="295"/>
+            <ac:spMk id="43" creationId="{47658C52-1584-DACC-3C91-50552932B76F}"/>
+          </ac:spMkLst>
+        </pc:spChg>
+        <pc:spChg chg="del">
+          <ac:chgData name="Cassandra K Hui" userId="S::ckhui@unr.edu::17f71015-be1a-44f4-b604-0146d8df4a12" providerId="AD" clId="Web-{3303FF65-234F-5D21-F78A-528C175EA7C3}" dt="2024-10-22T18:22:32.073" v="156"/>
+          <ac:spMkLst>
+            <pc:docMk/>
+            <pc:sldMk cId="395344311" sldId="295"/>
+            <ac:spMk id="44" creationId="{8CEF99AA-B862-F924-FA17-C3DD7E1A53A7}"/>
+          </ac:spMkLst>
+        </pc:spChg>
+        <pc:spChg chg="del">
+          <ac:chgData name="Cassandra K Hui" userId="S::ckhui@unr.edu::17f71015-be1a-44f4-b604-0146d8df4a12" providerId="AD" clId="Web-{3303FF65-234F-5D21-F78A-528C175EA7C3}" dt="2024-10-22T18:22:30.573" v="154"/>
+          <ac:spMkLst>
+            <pc:docMk/>
+            <pc:sldMk cId="395344311" sldId="295"/>
+            <ac:spMk id="46" creationId="{7BD5078F-A6BD-F088-CDFC-BAA6472BC28B}"/>
+          </ac:spMkLst>
+        </pc:spChg>
+        <pc:cxnChg chg="del">
+          <ac:chgData name="Cassandra K Hui" userId="S::ckhui@unr.edu::17f71015-be1a-44f4-b604-0146d8df4a12" providerId="AD" clId="Web-{3303FF65-234F-5D21-F78A-528C175EA7C3}" dt="2024-10-22T18:25:10.047" v="194"/>
+          <ac:cxnSpMkLst>
+            <pc:docMk/>
+            <pc:sldMk cId="395344311" sldId="295"/>
+            <ac:cxnSpMk id="25" creationId="{C57ED69A-FF80-2D3B-870D-A3B0B3F61E5A}"/>
+          </ac:cxnSpMkLst>
+        </pc:cxnChg>
+        <pc:cxnChg chg="del">
+          <ac:chgData name="Cassandra K Hui" userId="S::ckhui@unr.edu::17f71015-be1a-44f4-b604-0146d8df4a12" providerId="AD" clId="Web-{3303FF65-234F-5D21-F78A-528C175EA7C3}" dt="2024-10-22T18:24:39.827" v="186"/>
+          <ac:cxnSpMkLst>
+            <pc:docMk/>
+            <pc:sldMk cId="395344311" sldId="295"/>
+            <ac:cxnSpMk id="28" creationId="{19BCC02A-12F2-97E0-F4D5-BCC39D8558A5}"/>
+          </ac:cxnSpMkLst>
+        </pc:cxnChg>
+        <pc:cxnChg chg="add del">
+          <ac:chgData name="Cassandra K Hui" userId="S::ckhui@unr.edu::17f71015-be1a-44f4-b604-0146d8df4a12" providerId="AD" clId="Web-{3303FF65-234F-5D21-F78A-528C175EA7C3}" dt="2024-10-22T18:23:41.982" v="174"/>
+          <ac:cxnSpMkLst>
+            <pc:docMk/>
+            <pc:sldMk cId="395344311" sldId="295"/>
+            <ac:cxnSpMk id="35" creationId="{8F390208-1651-034E-E50D-E004E6F9F9DF}"/>
+          </ac:cxnSpMkLst>
+        </pc:cxnChg>
+        <pc:cxnChg chg="add del">
+          <ac:chgData name="Cassandra K Hui" userId="S::ckhui@unr.edu::17f71015-be1a-44f4-b604-0146d8df4a12" providerId="AD" clId="Web-{3303FF65-234F-5D21-F78A-528C175EA7C3}" dt="2024-10-22T18:23:01.824" v="168"/>
+          <ac:cxnSpMkLst>
+            <pc:docMk/>
+            <pc:sldMk cId="395344311" sldId="295"/>
+            <ac:cxnSpMk id="39" creationId="{31C12884-DFCE-2F32-D534-20047C489633}"/>
+          </ac:cxnSpMkLst>
+        </pc:cxnChg>
+        <pc:cxnChg chg="del">
+          <ac:chgData name="Cassandra K Hui" userId="S::ckhui@unr.edu::17f71015-be1a-44f4-b604-0146d8df4a12" providerId="AD" clId="Web-{3303FF65-234F-5D21-F78A-528C175EA7C3}" dt="2024-10-22T18:22:32.808" v="157"/>
+          <ac:cxnSpMkLst>
+            <pc:docMk/>
+            <pc:sldMk cId="395344311" sldId="295"/>
+            <ac:cxnSpMk id="41" creationId="{EF5F47B2-9314-690E-8A47-604564D7660D}"/>
+          </ac:cxnSpMkLst>
+        </pc:cxnChg>
+        <pc:cxnChg chg="del">
+          <ac:chgData name="Cassandra K Hui" userId="S::ckhui@unr.edu::17f71015-be1a-44f4-b604-0146d8df4a12" providerId="AD" clId="Web-{3303FF65-234F-5D21-F78A-528C175EA7C3}" dt="2024-10-22T18:22:31.558" v="155"/>
+          <ac:cxnSpMkLst>
+            <pc:docMk/>
+            <pc:sldMk cId="395344311" sldId="295"/>
+            <ac:cxnSpMk id="45" creationId="{B37D83E0-EF8F-0DE4-A98C-98459EACAFF2}"/>
+          </ac:cxnSpMkLst>
+        </pc:cxnChg>
+      </pc:sldChg>
+      <pc:sldChg chg="addSp delSp modSp add replId">
+        <pc:chgData name="Cassandra K Hui" userId="S::ckhui@unr.edu::17f71015-be1a-44f4-b604-0146d8df4a12" providerId="AD" clId="Web-{3303FF65-234F-5D21-F78A-528C175EA7C3}" dt="2024-10-22T22:07:49.733" v="802"/>
+        <pc:sldMkLst>
+          <pc:docMk/>
+          <pc:sldMk cId="1870597270" sldId="296"/>
+        </pc:sldMkLst>
+        <pc:spChg chg="del">
+          <ac:chgData name="Cassandra K Hui" userId="S::ckhui@unr.edu::17f71015-be1a-44f4-b604-0146d8df4a12" providerId="AD" clId="Web-{3303FF65-234F-5D21-F78A-528C175EA7C3}" dt="2024-10-22T22:07:49.733" v="802"/>
+          <ac:spMkLst>
+            <pc:docMk/>
+            <pc:sldMk cId="1870597270" sldId="296"/>
+            <ac:spMk id="3" creationId="{31DB1D91-61AA-EE20-3A6A-EE9E2E0FD4A8}"/>
+          </ac:spMkLst>
+        </pc:spChg>
+        <pc:spChg chg="del">
+          <ac:chgData name="Cassandra K Hui" userId="S::ckhui@unr.edu::17f71015-be1a-44f4-b604-0146d8df4a12" providerId="AD" clId="Web-{3303FF65-234F-5D21-F78A-528C175EA7C3}" dt="2024-10-22T18:23:55.904" v="177"/>
+          <ac:spMkLst>
+            <pc:docMk/>
+            <pc:sldMk cId="1870597270" sldId="296"/>
+            <ac:spMk id="11" creationId="{D2C6EEE6-04D7-A6C4-F24F-16C7D618F69B}"/>
+          </ac:spMkLst>
+        </pc:spChg>
+        <pc:spChg chg="mod">
+          <ac:chgData name="Cassandra K Hui" userId="S::ckhui@unr.edu::17f71015-be1a-44f4-b604-0146d8df4a12" providerId="AD" clId="Web-{3303FF65-234F-5D21-F78A-528C175EA7C3}" dt="2024-10-22T22:07:25.732" v="799" actId="20577"/>
+          <ac:spMkLst>
+            <pc:docMk/>
+            <pc:sldMk cId="1870597270" sldId="296"/>
+            <ac:spMk id="16" creationId="{13B498D3-B2E4-86A2-89C4-5E3DFA260A74}"/>
+          </ac:spMkLst>
+        </pc:spChg>
+        <pc:spChg chg="mod">
+          <ac:chgData name="Cassandra K Hui" userId="S::ckhui@unr.edu::17f71015-be1a-44f4-b604-0146d8df4a12" providerId="AD" clId="Web-{3303FF65-234F-5D21-F78A-528C175EA7C3}" dt="2024-10-22T22:07:30.076" v="800" actId="688"/>
+          <ac:spMkLst>
+            <pc:docMk/>
+            <pc:sldMk cId="1870597270" sldId="296"/>
+            <ac:spMk id="19" creationId="{1AD23FAA-99D8-275F-3924-E19E9B309A27}"/>
+          </ac:spMkLst>
+        </pc:spChg>
+        <pc:spChg chg="mod">
+          <ac:chgData name="Cassandra K Hui" userId="S::ckhui@unr.edu::17f71015-be1a-44f4-b604-0146d8df4a12" providerId="AD" clId="Web-{3303FF65-234F-5D21-F78A-528C175EA7C3}" dt="2024-10-22T18:29:50.728" v="248" actId="1076"/>
+          <ac:spMkLst>
+            <pc:docMk/>
+            <pc:sldMk cId="1870597270" sldId="296"/>
+            <ac:spMk id="21" creationId="{154355D1-64EC-1469-1DE3-BEEC86A5E789}"/>
+          </ac:spMkLst>
+        </pc:spChg>
+        <pc:spChg chg="mod">
+          <ac:chgData name="Cassandra K Hui" userId="S::ckhui@unr.edu::17f71015-be1a-44f4-b604-0146d8df4a12" providerId="AD" clId="Web-{3303FF65-234F-5D21-F78A-528C175EA7C3}" dt="2024-10-22T22:07:23.107" v="798" actId="20577"/>
+          <ac:spMkLst>
+            <pc:docMk/>
+            <pc:sldMk cId="1870597270" sldId="296"/>
+            <ac:spMk id="22" creationId="{D0F6CB6F-6F2B-1E28-6A4C-3ED264CACD07}"/>
+          </ac:spMkLst>
+        </pc:spChg>
+        <pc:spChg chg="add mod">
+          <ac:chgData name="Cassandra K Hui" userId="S::ckhui@unr.edu::17f71015-be1a-44f4-b604-0146d8df4a12" providerId="AD" clId="Web-{3303FF65-234F-5D21-F78A-528C175EA7C3}" dt="2024-10-22T18:30:01.806" v="251" actId="1076"/>
+          <ac:spMkLst>
+            <pc:docMk/>
+            <pc:sldMk cId="1870597270" sldId="296"/>
+            <ac:spMk id="30" creationId="{780CCDD8-C974-370F-F296-F9952DB43715}"/>
+          </ac:spMkLst>
+        </pc:spChg>
+        <pc:spChg chg="del">
+          <ac:chgData name="Cassandra K Hui" userId="S::ckhui@unr.edu::17f71015-be1a-44f4-b604-0146d8df4a12" providerId="AD" clId="Web-{3303FF65-234F-5D21-F78A-528C175EA7C3}" dt="2024-10-22T18:23:56.701" v="178"/>
+          <ac:spMkLst>
+            <pc:docMk/>
+            <pc:sldMk cId="1870597270" sldId="296"/>
+            <ac:spMk id="31" creationId="{FE31CFFE-7BE0-07FD-62AF-F346A9E1A006}"/>
+          </ac:spMkLst>
+        </pc:spChg>
+        <pc:spChg chg="add mod">
+          <ac:chgData name="Cassandra K Hui" userId="S::ckhui@unr.edu::17f71015-be1a-44f4-b604-0146d8df4a12" providerId="AD" clId="Web-{3303FF65-234F-5D21-F78A-528C175EA7C3}" dt="2024-10-22T18:30:10.010" v="254" actId="20577"/>
+          <ac:spMkLst>
+            <pc:docMk/>
+            <pc:sldMk cId="1870597270" sldId="296"/>
+            <ac:spMk id="32" creationId="{2D9A434D-12AF-C356-49D9-7B59483AE14E}"/>
+          </ac:spMkLst>
+        </pc:spChg>
+      </pc:sldChg>
+      <pc:sldChg chg="modSp add replId">
+        <pc:chgData name="Cassandra K Hui" userId="S::ckhui@unr.edu::17f71015-be1a-44f4-b604-0146d8df4a12" providerId="AD" clId="Web-{3303FF65-234F-5D21-F78A-528C175EA7C3}" dt="2024-10-22T22:07:15.012" v="797" actId="688"/>
+        <pc:sldMkLst>
+          <pc:docMk/>
+          <pc:sldMk cId="499832345" sldId="297"/>
+        </pc:sldMkLst>
+        <pc:spChg chg="mod">
+          <ac:chgData name="Cassandra K Hui" userId="S::ckhui@unr.edu::17f71015-be1a-44f4-b604-0146d8df4a12" providerId="AD" clId="Web-{3303FF65-234F-5D21-F78A-528C175EA7C3}" dt="2024-10-22T22:07:10.387" v="796" actId="20577"/>
+          <ac:spMkLst>
+            <pc:docMk/>
+            <pc:sldMk cId="499832345" sldId="297"/>
+            <ac:spMk id="16" creationId="{13B498D3-B2E4-86A2-89C4-5E3DFA260A74}"/>
+          </ac:spMkLst>
+        </pc:spChg>
+        <pc:spChg chg="mod">
+          <ac:chgData name="Cassandra K Hui" userId="S::ckhui@unr.edu::17f71015-be1a-44f4-b604-0146d8df4a12" providerId="AD" clId="Web-{3303FF65-234F-5D21-F78A-528C175EA7C3}" dt="2024-10-22T22:07:15.012" v="797" actId="688"/>
+          <ac:spMkLst>
+            <pc:docMk/>
+            <pc:sldMk cId="499832345" sldId="297"/>
+            <ac:spMk id="19" creationId="{1AD23FAA-99D8-275F-3924-E19E9B309A27}"/>
+          </ac:spMkLst>
+        </pc:spChg>
+        <pc:spChg chg="mod">
+          <ac:chgData name="Cassandra K Hui" userId="S::ckhui@unr.edu::17f71015-be1a-44f4-b604-0146d8df4a12" providerId="AD" clId="Web-{3303FF65-234F-5D21-F78A-528C175EA7C3}" dt="2024-10-22T22:07:07.199" v="795" actId="20577"/>
+          <ac:spMkLst>
+            <pc:docMk/>
+            <pc:sldMk cId="499832345" sldId="297"/>
+            <ac:spMk id="22" creationId="{D0F6CB6F-6F2B-1E28-6A4C-3ED264CACD07}"/>
+          </ac:spMkLst>
+        </pc:spChg>
+      </pc:sldChg>
+      <pc:sldChg chg="modSp add replId">
+        <pc:chgData name="Cassandra K Hui" userId="S::ckhui@unr.edu::17f71015-be1a-44f4-b604-0146d8df4a12" providerId="AD" clId="Web-{3303FF65-234F-5D21-F78A-528C175EA7C3}" dt="2024-10-22T22:06:59.308" v="794" actId="688"/>
+        <pc:sldMkLst>
+          <pc:docMk/>
+          <pc:sldMk cId="808663110" sldId="298"/>
+        </pc:sldMkLst>
+        <pc:spChg chg="mod">
+          <ac:chgData name="Cassandra K Hui" userId="S::ckhui@unr.edu::17f71015-be1a-44f4-b604-0146d8df4a12" providerId="AD" clId="Web-{3303FF65-234F-5D21-F78A-528C175EA7C3}" dt="2024-10-22T22:06:45.620" v="791" actId="20577"/>
+          <ac:spMkLst>
+            <pc:docMk/>
+            <pc:sldMk cId="808663110" sldId="298"/>
+            <ac:spMk id="16" creationId="{13B498D3-B2E4-86A2-89C4-5E3DFA260A74}"/>
+          </ac:spMkLst>
+        </pc:spChg>
+        <pc:spChg chg="mod">
+          <ac:chgData name="Cassandra K Hui" userId="S::ckhui@unr.edu::17f71015-be1a-44f4-b604-0146d8df4a12" providerId="AD" clId="Web-{3303FF65-234F-5D21-F78A-528C175EA7C3}" dt="2024-10-22T22:06:59.308" v="794" actId="688"/>
+          <ac:spMkLst>
+            <pc:docMk/>
+            <pc:sldMk cId="808663110" sldId="298"/>
+            <ac:spMk id="19" creationId="{1AD23FAA-99D8-275F-3924-E19E9B309A27}"/>
+          </ac:spMkLst>
+        </pc:spChg>
+        <pc:spChg chg="mod">
+          <ac:chgData name="Cassandra K Hui" userId="S::ckhui@unr.edu::17f71015-be1a-44f4-b604-0146d8df4a12" providerId="AD" clId="Web-{3303FF65-234F-5D21-F78A-528C175EA7C3}" dt="2024-10-22T22:06:48.964" v="792" actId="20577"/>
+          <ac:spMkLst>
+            <pc:docMk/>
+            <pc:sldMk cId="808663110" sldId="298"/>
+            <ac:spMk id="22" creationId="{D0F6CB6F-6F2B-1E28-6A4C-3ED264CACD07}"/>
+          </ac:spMkLst>
+        </pc:spChg>
+      </pc:sldChg>
+      <pc:sldChg chg="modSp add replId">
+        <pc:chgData name="Cassandra K Hui" userId="S::ckhui@unr.edu::17f71015-be1a-44f4-b604-0146d8df4a12" providerId="AD" clId="Web-{3303FF65-234F-5D21-F78A-528C175EA7C3}" dt="2024-10-22T22:06:35.338" v="787" actId="20577"/>
+        <pc:sldMkLst>
+          <pc:docMk/>
+          <pc:sldMk cId="3617257432" sldId="299"/>
+        </pc:sldMkLst>
+        <pc:spChg chg="mod">
+          <ac:chgData name="Cassandra K Hui" userId="S::ckhui@unr.edu::17f71015-be1a-44f4-b604-0146d8df4a12" providerId="AD" clId="Web-{3303FF65-234F-5D21-F78A-528C175EA7C3}" dt="2024-10-22T22:06:23.713" v="785" actId="20577"/>
+          <ac:spMkLst>
+            <pc:docMk/>
+            <pc:sldMk cId="3617257432" sldId="299"/>
+            <ac:spMk id="16" creationId="{13B498D3-B2E4-86A2-89C4-5E3DFA260A74}"/>
+          </ac:spMkLst>
+        </pc:spChg>
+        <pc:spChg chg="mod">
+          <ac:chgData name="Cassandra K Hui" userId="S::ckhui@unr.edu::17f71015-be1a-44f4-b604-0146d8df4a12" providerId="AD" clId="Web-{3303FF65-234F-5D21-F78A-528C175EA7C3}" dt="2024-10-22T22:06:29.385" v="786" actId="688"/>
+          <ac:spMkLst>
+            <pc:docMk/>
+            <pc:sldMk cId="3617257432" sldId="299"/>
+            <ac:spMk id="19" creationId="{1AD23FAA-99D8-275F-3924-E19E9B309A27}"/>
+          </ac:spMkLst>
+        </pc:spChg>
+        <pc:spChg chg="mod">
+          <ac:chgData name="Cassandra K Hui" userId="S::ckhui@unr.edu::17f71015-be1a-44f4-b604-0146d8df4a12" providerId="AD" clId="Web-{3303FF65-234F-5D21-F78A-528C175EA7C3}" dt="2024-10-22T22:06:35.338" v="787" actId="20577"/>
+          <ac:spMkLst>
+            <pc:docMk/>
+            <pc:sldMk cId="3617257432" sldId="299"/>
+            <ac:spMk id="22" creationId="{D0F6CB6F-6F2B-1E28-6A4C-3ED264CACD07}"/>
+          </ac:spMkLst>
+        </pc:spChg>
+      </pc:sldChg>
+      <pc:sldChg chg="addSp delSp modSp add replId">
+        <pc:chgData name="Cassandra K Hui" userId="S::ckhui@unr.edu::17f71015-be1a-44f4-b604-0146d8df4a12" providerId="AD" clId="Web-{3303FF65-234F-5D21-F78A-528C175EA7C3}" dt="2024-10-22T22:05:55.664" v="777"/>
+        <pc:sldMkLst>
+          <pc:docMk/>
+          <pc:sldMk cId="2793796280" sldId="300"/>
+        </pc:sldMkLst>
+        <pc:spChg chg="add">
+          <ac:chgData name="Cassandra K Hui" userId="S::ckhui@unr.edu::17f71015-be1a-44f4-b604-0146d8df4a12" providerId="AD" clId="Web-{3303FF65-234F-5D21-F78A-528C175EA7C3}" dt="2024-10-22T18:28:40.101" v="241"/>
+          <ac:spMkLst>
+            <pc:docMk/>
+            <pc:sldMk cId="2793796280" sldId="300"/>
+            <ac:spMk id="4" creationId="{15970E0D-6D16-1FA6-C0A5-F6D1F3F9627B}"/>
+          </ac:spMkLst>
+        </pc:spChg>
+        <pc:spChg chg="del">
+          <ac:chgData name="Cassandra K Hui" userId="S::ckhui@unr.edu::17f71015-be1a-44f4-b604-0146d8df4a12" providerId="AD" clId="Web-{3303FF65-234F-5D21-F78A-528C175EA7C3}" dt="2024-10-22T22:05:54.883" v="776"/>
+          <ac:spMkLst>
+            <pc:docMk/>
+            <pc:sldMk cId="2793796280" sldId="300"/>
+            <ac:spMk id="11" creationId="{D2C6EEE6-04D7-A6C4-F24F-16C7D618F69B}"/>
+          </ac:spMkLst>
+        </pc:spChg>
+        <pc:spChg chg="mod">
+          <ac:chgData name="Cassandra K Hui" userId="S::ckhui@unr.edu::17f71015-be1a-44f4-b604-0146d8df4a12" providerId="AD" clId="Web-{3303FF65-234F-5D21-F78A-528C175EA7C3}" dt="2024-10-22T22:05:44.601" v="774" actId="20577"/>
+          <ac:spMkLst>
+            <pc:docMk/>
+            <pc:sldMk cId="2793796280" sldId="300"/>
+            <ac:spMk id="16" creationId="{13B498D3-B2E4-86A2-89C4-5E3DFA260A74}"/>
+          </ac:spMkLst>
+        </pc:spChg>
+        <pc:spChg chg="mod">
+          <ac:chgData name="Cassandra K Hui" userId="S::ckhui@unr.edu::17f71015-be1a-44f4-b604-0146d8df4a12" providerId="AD" clId="Web-{3303FF65-234F-5D21-F78A-528C175EA7C3}" dt="2024-10-22T22:05:52.695" v="775" actId="688"/>
+          <ac:spMkLst>
+            <pc:docMk/>
+            <pc:sldMk cId="2793796280" sldId="300"/>
+            <ac:spMk id="19" creationId="{1AD23FAA-99D8-275F-3924-E19E9B309A27}"/>
+          </ac:spMkLst>
+        </pc:spChg>
+        <pc:spChg chg="del">
+          <ac:chgData name="Cassandra K Hui" userId="S::ckhui@unr.edu::17f71015-be1a-44f4-b604-0146d8df4a12" providerId="AD" clId="Web-{3303FF65-234F-5D21-F78A-528C175EA7C3}" dt="2024-10-22T22:05:55.664" v="777"/>
+          <ac:spMkLst>
+            <pc:docMk/>
+            <pc:sldMk cId="2793796280" sldId="300"/>
+            <ac:spMk id="31" creationId="{FE31CFFE-7BE0-07FD-62AF-F346A9E1A006}"/>
+          </ac:spMkLst>
+        </pc:spChg>
+      </pc:sldChg>
+      <pc:sldChg chg="addSp delSp modSp add replId">
+        <pc:chgData name="Cassandra K Hui" userId="S::ckhui@unr.edu::17f71015-be1a-44f4-b604-0146d8df4a12" providerId="AD" clId="Web-{3303FF65-234F-5D21-F78A-528C175EA7C3}" dt="2024-10-22T22:05:35.178" v="771" actId="1076"/>
+        <pc:sldMkLst>
+          <pc:docMk/>
+          <pc:sldMk cId="2739006632" sldId="301"/>
+        </pc:sldMkLst>
+        <pc:spChg chg="add">
+          <ac:chgData name="Cassandra K Hui" userId="S::ckhui@unr.edu::17f71015-be1a-44f4-b604-0146d8df4a12" providerId="AD" clId="Web-{3303FF65-234F-5D21-F78A-528C175EA7C3}" dt="2024-10-22T22:05:19.756" v="768"/>
+          <ac:spMkLst>
+            <pc:docMk/>
+            <pc:sldMk cId="2739006632" sldId="301"/>
+            <ac:spMk id="4" creationId="{087CB8A9-8D27-1C72-A444-66167E311DE3}"/>
+          </ac:spMkLst>
+        </pc:spChg>
+        <pc:spChg chg="mod">
+          <ac:chgData name="Cassandra K Hui" userId="S::ckhui@unr.edu::17f71015-be1a-44f4-b604-0146d8df4a12" providerId="AD" clId="Web-{3303FF65-234F-5D21-F78A-528C175EA7C3}" dt="2024-10-22T22:05:35.163" v="770" actId="1076"/>
+          <ac:spMkLst>
+            <pc:docMk/>
+            <pc:sldMk cId="2739006632" sldId="301"/>
+            <ac:spMk id="11" creationId="{D2C6EEE6-04D7-A6C4-F24F-16C7D618F69B}"/>
+          </ac:spMkLst>
+        </pc:spChg>
+        <pc:spChg chg="del">
+          <ac:chgData name="Cassandra K Hui" userId="S::ckhui@unr.edu::17f71015-be1a-44f4-b604-0146d8df4a12" providerId="AD" clId="Web-{3303FF65-234F-5D21-F78A-528C175EA7C3}" dt="2024-10-22T22:05:21.709" v="769"/>
+          <ac:spMkLst>
+            <pc:docMk/>
+            <pc:sldMk cId="2739006632" sldId="301"/>
+            <ac:spMk id="15" creationId="{5A9A9504-0517-1FCA-E425-4910305EEB12}"/>
+          </ac:spMkLst>
+        </pc:spChg>
+        <pc:spChg chg="mod">
+          <ac:chgData name="Cassandra K Hui" userId="S::ckhui@unr.edu::17f71015-be1a-44f4-b604-0146d8df4a12" providerId="AD" clId="Web-{3303FF65-234F-5D21-F78A-528C175EA7C3}" dt="2024-10-22T22:05:35.178" v="771" actId="1076"/>
+          <ac:spMkLst>
+            <pc:docMk/>
+            <pc:sldMk cId="2739006632" sldId="301"/>
+            <ac:spMk id="31" creationId="{FE31CFFE-7BE0-07FD-62AF-F346A9E1A006}"/>
+          </ac:spMkLst>
+        </pc:spChg>
+      </pc:sldChg>
+      <pc:sldChg chg="addSp delSp modSp add replId">
+        <pc:chgData name="Cassandra K Hui" userId="S::ckhui@unr.edu::17f71015-be1a-44f4-b604-0146d8df4a12" providerId="AD" clId="Web-{3303FF65-234F-5D21-F78A-528C175EA7C3}" dt="2024-10-22T22:03:27.093" v="733"/>
+        <pc:sldMkLst>
+          <pc:docMk/>
+          <pc:sldMk cId="1182890354" sldId="302"/>
+        </pc:sldMkLst>
+        <pc:spChg chg="mod">
+          <ac:chgData name="Cassandra K Hui" userId="S::ckhui@unr.edu::17f71015-be1a-44f4-b604-0146d8df4a12" providerId="AD" clId="Web-{3303FF65-234F-5D21-F78A-528C175EA7C3}" dt="2024-10-22T22:01:17.773" v="694" actId="1076"/>
+          <ac:spMkLst>
+            <pc:docMk/>
+            <pc:sldMk cId="1182890354" sldId="302"/>
+            <ac:spMk id="8" creationId="{A9D41B4D-15F8-F227-92B3-4DE3CA28FFFB}"/>
+          </ac:spMkLst>
+        </pc:spChg>
+        <pc:spChg chg="add del">
+          <ac:chgData name="Cassandra K Hui" userId="S::ckhui@unr.edu::17f71015-be1a-44f4-b604-0146d8df4a12" providerId="AD" clId="Web-{3303FF65-234F-5D21-F78A-528C175EA7C3}" dt="2024-10-22T22:03:16.623" v="722"/>
+          <ac:spMkLst>
+            <pc:docMk/>
+            <pc:sldMk cId="1182890354" sldId="302"/>
+            <ac:spMk id="10" creationId="{8F0BCCF9-E7C5-D661-639D-574E4E34985C}"/>
+          </ac:spMkLst>
+        </pc:spChg>
+        <pc:spChg chg="mod">
+          <ac:chgData name="Cassandra K Hui" userId="S::ckhui@unr.edu::17f71015-be1a-44f4-b604-0146d8df4a12" providerId="AD" clId="Web-{3303FF65-234F-5D21-F78A-528C175EA7C3}" dt="2024-10-22T22:01:44.352" v="703" actId="20577"/>
+          <ac:spMkLst>
+            <pc:docMk/>
+            <pc:sldMk cId="1182890354" sldId="302"/>
+            <ac:spMk id="16" creationId="{13B498D3-B2E4-86A2-89C4-5E3DFA260A74}"/>
+          </ac:spMkLst>
+        </pc:spChg>
+        <pc:spChg chg="mod">
+          <ac:chgData name="Cassandra K Hui" userId="S::ckhui@unr.edu::17f71015-be1a-44f4-b604-0146d8df4a12" providerId="AD" clId="Web-{3303FF65-234F-5D21-F78A-528C175EA7C3}" dt="2024-10-22T22:01:23.257" v="695" actId="688"/>
+          <ac:spMkLst>
+            <pc:docMk/>
+            <pc:sldMk cId="1182890354" sldId="302"/>
+            <ac:spMk id="19" creationId="{1AD23FAA-99D8-275F-3924-E19E9B309A27}"/>
+          </ac:spMkLst>
+        </pc:spChg>
+        <pc:spChg chg="add del">
+          <ac:chgData name="Cassandra K Hui" userId="S::ckhui@unr.edu::17f71015-be1a-44f4-b604-0146d8df4a12" providerId="AD" clId="Web-{3303FF65-234F-5D21-F78A-528C175EA7C3}" dt="2024-10-22T22:03:26.499" v="727"/>
+          <ac:spMkLst>
+            <pc:docMk/>
+            <pc:sldMk cId="1182890354" sldId="302"/>
+            <ac:spMk id="22" creationId="{270B17C1-65E1-E86E-28C4-6820FC462D4E}"/>
+          </ac:spMkLst>
+        </pc:spChg>
+        <pc:spChg chg="add del">
+          <ac:chgData name="Cassandra K Hui" userId="S::ckhui@unr.edu::17f71015-be1a-44f4-b604-0146d8df4a12" providerId="AD" clId="Web-{3303FF65-234F-5D21-F78A-528C175EA7C3}" dt="2024-10-22T22:03:22.514" v="725"/>
+          <ac:spMkLst>
+            <pc:docMk/>
+            <pc:sldMk cId="1182890354" sldId="302"/>
+            <ac:spMk id="27" creationId="{D668F7A5-2800-FF96-64E6-E36F78010E83}"/>
+          </ac:spMkLst>
+        </pc:spChg>
+        <pc:spChg chg="add">
+          <ac:chgData name="Cassandra K Hui" userId="S::ckhui@unr.edu::17f71015-be1a-44f4-b604-0146d8df4a12" providerId="AD" clId="Web-{3303FF65-234F-5D21-F78A-528C175EA7C3}" dt="2024-10-22T22:03:27.062" v="729"/>
+          <ac:spMkLst>
+            <pc:docMk/>
+            <pc:sldMk cId="1182890354" sldId="302"/>
+            <ac:spMk id="31" creationId="{14479345-489B-F5B5-07E8-BB73EED988DA}"/>
+          </ac:spMkLst>
+        </pc:spChg>
+        <pc:spChg chg="add">
+          <ac:chgData name="Cassandra K Hui" userId="S::ckhui@unr.edu::17f71015-be1a-44f4-b604-0146d8df4a12" providerId="AD" clId="Web-{3303FF65-234F-5D21-F78A-528C175EA7C3}" dt="2024-10-22T22:03:27.093" v="732"/>
+          <ac:spMkLst>
+            <pc:docMk/>
+            <pc:sldMk cId="1182890354" sldId="302"/>
+            <ac:spMk id="37" creationId="{325E6476-2A2B-5AA8-588E-B3008E3E876C}"/>
+          </ac:spMkLst>
+        </pc:spChg>
+        <pc:spChg chg="add">
+          <ac:chgData name="Cassandra K Hui" userId="S::ckhui@unr.edu::17f71015-be1a-44f4-b604-0146d8df4a12" providerId="AD" clId="Web-{3303FF65-234F-5D21-F78A-528C175EA7C3}" dt="2024-10-22T22:03:27.093" v="733"/>
+          <ac:spMkLst>
+            <pc:docMk/>
+            <pc:sldMk cId="1182890354" sldId="302"/>
+            <ac:spMk id="39" creationId="{A72F57F3-0CFE-2B23-F8A1-AD75BAF08631}"/>
+          </ac:spMkLst>
+        </pc:spChg>
+        <pc:spChg chg="del">
+          <ac:chgData name="Cassandra K Hui" userId="S::ckhui@unr.edu::17f71015-be1a-44f4-b604-0146d8df4a12" providerId="AD" clId="Web-{3303FF65-234F-5D21-F78A-528C175EA7C3}" dt="2024-10-22T22:01:49.837" v="704"/>
+          <ac:spMkLst>
+            <pc:docMk/>
+            <pc:sldMk cId="1182890354" sldId="302"/>
+            <ac:spMk id="49" creationId="{C0A88431-3A8C-42D6-39F3-AE2A65867C58}"/>
+          </ac:spMkLst>
+        </pc:spChg>
+        <pc:spChg chg="del">
+          <ac:chgData name="Cassandra K Hui" userId="S::ckhui@unr.edu::17f71015-be1a-44f4-b604-0146d8df4a12" providerId="AD" clId="Web-{3303FF65-234F-5D21-F78A-528C175EA7C3}" dt="2024-10-22T22:01:52.712" v="705"/>
+          <ac:spMkLst>
+            <pc:docMk/>
+            <pc:sldMk cId="1182890354" sldId="302"/>
+            <ac:spMk id="50" creationId="{E98C9898-25FC-AF89-87F2-62BFAB4B6ACC}"/>
+          </ac:spMkLst>
+        </pc:spChg>
+        <pc:spChg chg="del">
+          <ac:chgData name="Cassandra K Hui" userId="S::ckhui@unr.edu::17f71015-be1a-44f4-b604-0146d8df4a12" providerId="AD" clId="Web-{3303FF65-234F-5D21-F78A-528C175EA7C3}" dt="2024-10-22T22:02:17.698" v="708"/>
+          <ac:spMkLst>
+            <pc:docMk/>
+            <pc:sldMk cId="1182890354" sldId="302"/>
+            <ac:spMk id="56" creationId="{700B6C31-CBED-8022-607B-5BBC5E1EB172}"/>
+          </ac:spMkLst>
+        </pc:spChg>
+        <pc:spChg chg="del">
+          <ac:chgData name="Cassandra K Hui" userId="S::ckhui@unr.edu::17f71015-be1a-44f4-b604-0146d8df4a12" providerId="AD" clId="Web-{3303FF65-234F-5D21-F78A-528C175EA7C3}" dt="2024-10-22T22:02:18.979" v="709"/>
+          <ac:spMkLst>
+            <pc:docMk/>
+            <pc:sldMk cId="1182890354" sldId="302"/>
+            <ac:spMk id="59" creationId="{D148EC25-CE83-561D-AEDD-371059C1C836}"/>
+          </ac:spMkLst>
+        </pc:spChg>
+        <pc:spChg chg="del">
+          <ac:chgData name="Cassandra K Hui" userId="S::ckhui@unr.edu::17f71015-be1a-44f4-b604-0146d8df4a12" providerId="AD" clId="Web-{3303FF65-234F-5D21-F78A-528C175EA7C3}" dt="2024-10-22T22:02:21.339" v="710"/>
+          <ac:spMkLst>
+            <pc:docMk/>
+            <pc:sldMk cId="1182890354" sldId="302"/>
+            <ac:spMk id="60" creationId="{80B3E691-C415-E044-5658-F13E11FBCE79}"/>
+          </ac:spMkLst>
+        </pc:spChg>
+        <pc:picChg chg="add del">
+          <ac:chgData name="Cassandra K Hui" userId="S::ckhui@unr.edu::17f71015-be1a-44f4-b604-0146d8df4a12" providerId="AD" clId="Web-{3303FF65-234F-5D21-F78A-528C175EA7C3}" dt="2024-10-22T22:03:18.452" v="723"/>
+          <ac:picMkLst>
+            <pc:docMk/>
+            <pc:sldMk cId="1182890354" sldId="302"/>
+            <ac:picMk id="4" creationId="{9830FB8B-F3DB-2EF1-8D7A-1C332D6E9FA1}"/>
+          </ac:picMkLst>
+        </pc:picChg>
+        <pc:picChg chg="add del">
+          <ac:chgData name="Cassandra K Hui" userId="S::ckhui@unr.edu::17f71015-be1a-44f4-b604-0146d8df4a12" providerId="AD" clId="Web-{3303FF65-234F-5D21-F78A-528C175EA7C3}" dt="2024-10-22T22:03:24.108" v="726"/>
+          <ac:picMkLst>
+            <pc:docMk/>
+            <pc:sldMk cId="1182890354" sldId="302"/>
+            <ac:picMk id="13" creationId="{BDA99C14-44AD-006D-4590-E54DFE65E4A7}"/>
+          </ac:picMkLst>
+        </pc:picChg>
+        <pc:picChg chg="add del">
+          <ac:chgData name="Cassandra K Hui" userId="S::ckhui@unr.edu::17f71015-be1a-44f4-b604-0146d8df4a12" providerId="AD" clId="Web-{3303FF65-234F-5D21-F78A-528C175EA7C3}" dt="2024-10-22T22:03:20.046" v="724"/>
+          <ac:picMkLst>
+            <pc:docMk/>
+            <pc:sldMk cId="1182890354" sldId="302"/>
+            <ac:picMk id="25" creationId="{572DF661-CD0C-FE0F-3744-74ADD451D7C0}"/>
+          </ac:picMkLst>
+        </pc:picChg>
+        <pc:picChg chg="add">
+          <ac:chgData name="Cassandra K Hui" userId="S::ckhui@unr.edu::17f71015-be1a-44f4-b604-0146d8df4a12" providerId="AD" clId="Web-{3303FF65-234F-5D21-F78A-528C175EA7C3}" dt="2024-10-22T22:03:27.046" v="728"/>
+          <ac:picMkLst>
+            <pc:docMk/>
+            <pc:sldMk cId="1182890354" sldId="302"/>
+            <ac:picMk id="29" creationId="{601DC4B3-8D75-7270-E42C-07C92E5D7E5E}"/>
+          </ac:picMkLst>
+        </pc:picChg>
+        <pc:picChg chg="add">
+          <ac:chgData name="Cassandra K Hui" userId="S::ckhui@unr.edu::17f71015-be1a-44f4-b604-0146d8df4a12" providerId="AD" clId="Web-{3303FF65-234F-5D21-F78A-528C175EA7C3}" dt="2024-10-22T22:03:27.062" v="730"/>
+          <ac:picMkLst>
+            <pc:docMk/>
+            <pc:sldMk cId="1182890354" sldId="302"/>
+            <ac:picMk id="33" creationId="{EFCC749E-0450-BFC2-BDF8-4DBD9CB63E52}"/>
+          </ac:picMkLst>
+        </pc:picChg>
+        <pc:picChg chg="add">
+          <ac:chgData name="Cassandra K Hui" userId="S::ckhui@unr.edu::17f71015-be1a-44f4-b604-0146d8df4a12" providerId="AD" clId="Web-{3303FF65-234F-5D21-F78A-528C175EA7C3}" dt="2024-10-22T22:03:27.077" v="731"/>
+          <ac:picMkLst>
+            <pc:docMk/>
+            <pc:sldMk cId="1182890354" sldId="302"/>
+            <ac:picMk id="35" creationId="{3FBF71DD-3DD6-B423-8B5E-1B57C97FC054}"/>
+          </ac:picMkLst>
+        </pc:picChg>
+        <pc:picChg chg="del">
+          <ac:chgData name="Cassandra K Hui" userId="S::ckhui@unr.edu::17f71015-be1a-44f4-b604-0146d8df4a12" providerId="AD" clId="Web-{3303FF65-234F-5D21-F78A-528C175EA7C3}" dt="2024-10-22T22:02:14.854" v="706"/>
+          <ac:picMkLst>
+            <pc:docMk/>
+            <pc:sldMk cId="1182890354" sldId="302"/>
+            <ac:picMk id="55" creationId="{B7C96C1C-3280-CC69-A5E4-681BDF6AE164}"/>
+          </ac:picMkLst>
+        </pc:picChg>
+        <pc:picChg chg="del">
+          <ac:chgData name="Cassandra K Hui" userId="S::ckhui@unr.edu::17f71015-be1a-44f4-b604-0146d8df4a12" providerId="AD" clId="Web-{3303FF65-234F-5D21-F78A-528C175EA7C3}" dt="2024-10-22T22:02:15.636" v="707"/>
+          <ac:picMkLst>
+            <pc:docMk/>
+            <pc:sldMk cId="1182890354" sldId="302"/>
+            <ac:picMk id="57" creationId="{EB52ADB3-E4B1-BC28-314E-2E6B406EC4A8}"/>
+          </ac:picMkLst>
+        </pc:picChg>
+        <pc:picChg chg="del">
+          <ac:chgData name="Cassandra K Hui" userId="S::ckhui@unr.edu::17f71015-be1a-44f4-b604-0146d8df4a12" providerId="AD" clId="Web-{3303FF65-234F-5D21-F78A-528C175EA7C3}" dt="2024-10-22T22:02:22.277" v="711"/>
+          <ac:picMkLst>
+            <pc:docMk/>
+            <pc:sldMk cId="1182890354" sldId="302"/>
+            <ac:picMk id="58" creationId="{64B14979-A03F-2DA8-079E-B7E9F4B9619D}"/>
+          </ac:picMkLst>
+        </pc:picChg>
+      </pc:sldChg>
+      <pc:sldChg chg="add del replId">
+        <pc:chgData name="Cassandra K Hui" userId="S::ckhui@unr.edu::17f71015-be1a-44f4-b604-0146d8df4a12" providerId="AD" clId="Web-{3303FF65-234F-5D21-F78A-528C175EA7C3}" dt="2024-10-22T18:30:46.074" v="255"/>
+        <pc:sldMkLst>
+          <pc:docMk/>
+          <pc:sldMk cId="3712039136" sldId="302"/>
+        </pc:sldMkLst>
+      </pc:sldChg>
+      <pc:sldChg chg="add del replId">
+        <pc:chgData name="Cassandra K Hui" userId="S::ckhui@unr.edu::17f71015-be1a-44f4-b604-0146d8df4a12" providerId="AD" clId="Web-{3303FF65-234F-5D21-F78A-528C175EA7C3}" dt="2024-10-22T22:01:06.194" v="691"/>
+        <pc:sldMkLst>
+          <pc:docMk/>
+          <pc:sldMk cId="1392311746" sldId="303"/>
+        </pc:sldMkLst>
+      </pc:sldChg>
+      <pc:sldChg chg="add del replId">
+        <pc:chgData name="Cassandra K Hui" userId="S::ckhui@unr.edu::17f71015-be1a-44f4-b604-0146d8df4a12" providerId="AD" clId="Web-{3303FF65-234F-5D21-F78A-528C175EA7C3}" dt="2024-10-22T22:01:01.506" v="690"/>
+        <pc:sldMkLst>
+          <pc:docMk/>
+          <pc:sldMk cId="1855996870" sldId="304"/>
+        </pc:sldMkLst>
+      </pc:sldChg>
+      <pc:sldChg chg="add del replId">
+        <pc:chgData name="Cassandra K Hui" userId="S::ckhui@unr.edu::17f71015-be1a-44f4-b604-0146d8df4a12" providerId="AD" clId="Web-{3303FF65-234F-5D21-F78A-528C175EA7C3}" dt="2024-10-22T22:00:59.225" v="689"/>
+        <pc:sldMkLst>
+          <pc:docMk/>
+          <pc:sldMk cId="605851139" sldId="305"/>
+        </pc:sldMkLst>
+      </pc:sldChg>
+      <pc:sldChg chg="modSp add ord replId">
+        <pc:chgData name="Cassandra K Hui" userId="S::ckhui@unr.edu::17f71015-be1a-44f4-b604-0146d8df4a12" providerId="AD" clId="Web-{3303FF65-234F-5D21-F78A-528C175EA7C3}" dt="2024-10-22T22:08:43.314" v="816" actId="20577"/>
+        <pc:sldMkLst>
+          <pc:docMk/>
+          <pc:sldMk cId="3461906500" sldId="306"/>
+        </pc:sldMkLst>
+        <pc:spChg chg="mod">
+          <ac:chgData name="Cassandra K Hui" userId="S::ckhui@unr.edu::17f71015-be1a-44f4-b604-0146d8df4a12" providerId="AD" clId="Web-{3303FF65-234F-5D21-F78A-528C175EA7C3}" dt="2024-10-22T22:08:43.314" v="816" actId="20577"/>
+          <ac:spMkLst>
+            <pc:docMk/>
+            <pc:sldMk cId="3461906500" sldId="306"/>
+            <ac:spMk id="2" creationId="{0A32731C-311B-46F7-A865-6C3AF6B09A47}"/>
+          </ac:spMkLst>
+        </pc:spChg>
+        <pc:spChg chg="mod">
+          <ac:chgData name="Cassandra K Hui" userId="S::ckhui@unr.edu::17f71015-be1a-44f4-b604-0146d8df4a12" providerId="AD" clId="Web-{3303FF65-234F-5D21-F78A-528C175EA7C3}" dt="2024-10-22T21:54:55.875" v="635" actId="20577"/>
+          <ac:spMkLst>
+            <pc:docMk/>
+            <pc:sldMk cId="3461906500" sldId="306"/>
+            <ac:spMk id="3" creationId="{9D5232F9-FD00-464A-9F17-619C91AEF8F3}"/>
+          </ac:spMkLst>
+        </pc:spChg>
+      </pc:sldChg>
+      <pc:sldChg chg="add del replId">
+        <pc:chgData name="Cassandra K Hui" userId="S::ckhui@unr.edu::17f71015-be1a-44f4-b604-0146d8df4a12" providerId="AD" clId="Web-{3303FF65-234F-5D21-F78A-528C175EA7C3}" dt="2024-10-22T21:27:51.827" v="373"/>
+        <pc:sldMkLst>
+          <pc:docMk/>
+          <pc:sldMk cId="1867811747" sldId="307"/>
+        </pc:sldMkLst>
+      </pc:sldChg>
+      <pc:sldChg chg="addSp delSp modSp add replId">
+        <pc:chgData name="Cassandra K Hui" userId="S::ckhui@unr.edu::17f71015-be1a-44f4-b604-0146d8df4a12" providerId="AD" clId="Web-{3303FF65-234F-5D21-F78A-528C175EA7C3}" dt="2024-10-22T22:03:44.156" v="745"/>
+        <pc:sldMkLst>
+          <pc:docMk/>
+          <pc:sldMk cId="2307065771" sldId="307"/>
+        </pc:sldMkLst>
+        <pc:spChg chg="add mod">
+          <ac:chgData name="Cassandra K Hui" userId="S::ckhui@unr.edu::17f71015-be1a-44f4-b604-0146d8df4a12" providerId="AD" clId="Web-{3303FF65-234F-5D21-F78A-528C175EA7C3}" dt="2024-10-22T21:59:00.062" v="664" actId="1076"/>
+          <ac:spMkLst>
+            <pc:docMk/>
+            <pc:sldMk cId="2307065771" sldId="307"/>
+            <ac:spMk id="7" creationId="{B0A3784B-3F15-379B-8E15-86388DB8E6A7}"/>
+          </ac:spMkLst>
+        </pc:spChg>
+        <pc:spChg chg="del">
+          <ac:chgData name="Cassandra K Hui" userId="S::ckhui@unr.edu::17f71015-be1a-44f4-b604-0146d8df4a12" providerId="AD" clId="Web-{3303FF65-234F-5D21-F78A-528C175EA7C3}" dt="2024-10-22T22:03:36.453" v="735"/>
+          <ac:spMkLst>
+            <pc:docMk/>
+            <pc:sldMk cId="2307065771" sldId="307"/>
+            <ac:spMk id="10" creationId="{0370954D-6B33-177E-D7B4-01BCBA75D196}"/>
+          </ac:spMkLst>
+        </pc:spChg>
+        <pc:spChg chg="mod">
+          <ac:chgData name="Cassandra K Hui" userId="S::ckhui@unr.edu::17f71015-be1a-44f4-b604-0146d8df4a12" providerId="AD" clId="Web-{3303FF65-234F-5D21-F78A-528C175EA7C3}" dt="2024-10-22T21:59:07.921" v="666"/>
+          <ac:spMkLst>
+            <pc:docMk/>
+            <pc:sldMk cId="2307065771" sldId="307"/>
+            <ac:spMk id="13" creationId="{5BD88F4A-B407-DEE7-5134-D55CF5B69961}"/>
+          </ac:spMkLst>
+        </pc:spChg>
+        <pc:spChg chg="add mod">
+          <ac:chgData name="Cassandra K Hui" userId="S::ckhui@unr.edu::17f71015-be1a-44f4-b604-0146d8df4a12" providerId="AD" clId="Web-{3303FF65-234F-5D21-F78A-528C175EA7C3}" dt="2024-10-22T21:59:00.062" v="665" actId="1076"/>
+          <ac:spMkLst>
+            <pc:docMk/>
+            <pc:sldMk cId="2307065771" sldId="307"/>
+            <ac:spMk id="15" creationId="{83C44E54-1793-FAF0-B3AB-C0B181CBA8F7}"/>
+          </ac:spMkLst>
+        </pc:spChg>
+        <pc:spChg chg="add del">
+          <ac:chgData name="Cassandra K Hui" userId="S::ckhui@unr.edu::17f71015-be1a-44f4-b604-0146d8df4a12" providerId="AD" clId="Web-{3303FF65-234F-5D21-F78A-528C175EA7C3}" dt="2024-10-22T22:03:43.219" v="739"/>
+          <ac:spMkLst>
+            <pc:docMk/>
+            <pc:sldMk cId="2307065771" sldId="307"/>
+            <ac:spMk id="21" creationId="{C1421A00-6A72-8711-6753-1186DFBB9D64}"/>
+          </ac:spMkLst>
+        </pc:spChg>
+        <pc:spChg chg="add del">
+          <ac:chgData name="Cassandra K Hui" userId="S::ckhui@unr.edu::17f71015-be1a-44f4-b604-0146d8df4a12" providerId="AD" clId="Web-{3303FF65-234F-5D21-F78A-528C175EA7C3}" dt="2024-10-22T22:03:39.750" v="737"/>
+          <ac:spMkLst>
+            <pc:docMk/>
+            <pc:sldMk cId="2307065771" sldId="307"/>
+            <ac:spMk id="26" creationId="{584BD845-98B8-D8DE-861A-AEBD009787EA}"/>
+          </ac:spMkLst>
+        </pc:spChg>
+        <pc:spChg chg="add">
+          <ac:chgData name="Cassandra K Hui" userId="S::ckhui@unr.edu::17f71015-be1a-44f4-b604-0146d8df4a12" providerId="AD" clId="Web-{3303FF65-234F-5D21-F78A-528C175EA7C3}" dt="2024-10-22T22:03:44.125" v="741"/>
+          <ac:spMkLst>
+            <pc:docMk/>
+            <pc:sldMk cId="2307065771" sldId="307"/>
+            <ac:spMk id="30" creationId="{861A7691-6BA6-100E-515A-D6702D5BE62B}"/>
+          </ac:spMkLst>
+        </pc:spChg>
+        <pc:spChg chg="add">
+          <ac:chgData name="Cassandra K Hui" userId="S::ckhui@unr.edu::17f71015-be1a-44f4-b604-0146d8df4a12" providerId="AD" clId="Web-{3303FF65-234F-5D21-F78A-528C175EA7C3}" dt="2024-10-22T22:03:44.156" v="744"/>
+          <ac:spMkLst>
+            <pc:docMk/>
+            <pc:sldMk cId="2307065771" sldId="307"/>
+            <ac:spMk id="36" creationId="{A7FD1C33-67F0-AAA2-1B3C-E6FBA3C288C4}"/>
+          </ac:spMkLst>
+        </pc:spChg>
+        <pc:spChg chg="add">
+          <ac:chgData name="Cassandra K Hui" userId="S::ckhui@unr.edu::17f71015-be1a-44f4-b604-0146d8df4a12" providerId="AD" clId="Web-{3303FF65-234F-5D21-F78A-528C175EA7C3}" dt="2024-10-22T22:03:44.156" v="745"/>
+          <ac:spMkLst>
+            <pc:docMk/>
+            <pc:sldMk cId="2307065771" sldId="307"/>
+            <ac:spMk id="38" creationId="{F80ED7EE-6949-76BF-4BBC-945376514A00}"/>
+          </ac:spMkLst>
+        </pc:spChg>
+        <pc:picChg chg="del">
+          <ac:chgData name="Cassandra K Hui" userId="S::ckhui@unr.edu::17f71015-be1a-44f4-b604-0146d8df4a12" providerId="AD" clId="Web-{3303FF65-234F-5D21-F78A-528C175EA7C3}" dt="2024-10-22T22:03:34.078" v="734"/>
+          <ac:picMkLst>
+            <pc:docMk/>
+            <pc:sldMk cId="2307065771" sldId="307"/>
+            <ac:picMk id="4" creationId="{3006EFE7-4C25-62E2-7E95-6317C44163C7}"/>
+          </ac:picMkLst>
+        </pc:picChg>
+        <pc:picChg chg="add del">
+          <ac:chgData name="Cassandra K Hui" userId="S::ckhui@unr.edu::17f71015-be1a-44f4-b604-0146d8df4a12" providerId="AD" clId="Web-{3303FF65-234F-5D21-F78A-528C175EA7C3}" dt="2024-10-22T22:03:41.812" v="738"/>
+          <ac:picMkLst>
+            <pc:docMk/>
+            <pc:sldMk cId="2307065771" sldId="307"/>
+            <ac:picMk id="19" creationId="{C83436EF-74D2-E4E5-7E23-558424927EC8}"/>
+          </ac:picMkLst>
+        </pc:picChg>
+        <pc:picChg chg="add del">
+          <ac:chgData name="Cassandra K Hui" userId="S::ckhui@unr.edu::17f71015-be1a-44f4-b604-0146d8df4a12" providerId="AD" clId="Web-{3303FF65-234F-5D21-F78A-528C175EA7C3}" dt="2024-10-22T22:03:37.812" v="736"/>
+          <ac:picMkLst>
+            <pc:docMk/>
+            <pc:sldMk cId="2307065771" sldId="307"/>
+            <ac:picMk id="23" creationId="{9B558B69-7CA1-AA15-12E7-6F41D9E2C918}"/>
+          </ac:picMkLst>
+        </pc:picChg>
+        <pc:picChg chg="add">
+          <ac:chgData name="Cassandra K Hui" userId="S::ckhui@unr.edu::17f71015-be1a-44f4-b604-0146d8df4a12" providerId="AD" clId="Web-{3303FF65-234F-5D21-F78A-528C175EA7C3}" dt="2024-10-22T22:03:44.109" v="740"/>
+          <ac:picMkLst>
+            <pc:docMk/>
+            <pc:sldMk cId="2307065771" sldId="307"/>
+            <ac:picMk id="28" creationId="{D2DC6A7E-B04B-8DF0-20C9-49CC7F22A296}"/>
+          </ac:picMkLst>
+        </pc:picChg>
+        <pc:picChg chg="add">
+          <ac:chgData name="Cassandra K Hui" userId="S::ckhui@unr.edu::17f71015-be1a-44f4-b604-0146d8df4a12" providerId="AD" clId="Web-{3303FF65-234F-5D21-F78A-528C175EA7C3}" dt="2024-10-22T22:03:44.141" v="742"/>
+          <ac:picMkLst>
+            <pc:docMk/>
+            <pc:sldMk cId="2307065771" sldId="307"/>
+            <ac:picMk id="32" creationId="{04799F9B-BDD0-BB5F-E681-E7BF64BA50EB}"/>
+          </ac:picMkLst>
+        </pc:picChg>
+        <pc:picChg chg="add">
+          <ac:chgData name="Cassandra K Hui" userId="S::ckhui@unr.edu::17f71015-be1a-44f4-b604-0146d8df4a12" providerId="AD" clId="Web-{3303FF65-234F-5D21-F78A-528C175EA7C3}" dt="2024-10-22T22:03:44.141" v="743"/>
+          <ac:picMkLst>
+            <pc:docMk/>
+            <pc:sldMk cId="2307065771" sldId="307"/>
+            <ac:picMk id="34" creationId="{E90428FF-5842-C2DB-DB0E-6CF934794395}"/>
+          </ac:picMkLst>
+        </pc:picChg>
+        <pc:cxnChg chg="mod">
+          <ac:chgData name="Cassandra K Hui" userId="S::ckhui@unr.edu::17f71015-be1a-44f4-b604-0146d8df4a12" providerId="AD" clId="Web-{3303FF65-234F-5D21-F78A-528C175EA7C3}" dt="2024-10-22T21:59:18.125" v="667"/>
+          <ac:cxnSpMkLst>
+            <pc:docMk/>
+            <pc:sldMk cId="2307065771" sldId="307"/>
+            <ac:cxnSpMk id="51" creationId="{02B8E025-F390-C524-075A-C4C424066E94}"/>
+          </ac:cxnSpMkLst>
+        </pc:cxnChg>
+        <pc:cxnChg chg="mod">
+          <ac:chgData name="Cassandra K Hui" userId="S::ckhui@unr.edu::17f71015-be1a-44f4-b604-0146d8df4a12" providerId="AD" clId="Web-{3303FF65-234F-5D21-F78A-528C175EA7C3}" dt="2024-10-22T21:59:18.141" v="668"/>
+          <ac:cxnSpMkLst>
+            <pc:docMk/>
+            <pc:sldMk cId="2307065771" sldId="307"/>
+            <ac:cxnSpMk id="52" creationId="{3C71D9AF-2022-234E-4B05-DA1612589B99}"/>
+          </ac:cxnSpMkLst>
+        </pc:cxnChg>
+      </pc:sldChg>
+      <pc:sldChg chg="add replId">
+        <pc:chgData name="Cassandra K Hui" userId="S::ckhui@unr.edu::17f71015-be1a-44f4-b604-0146d8df4a12" providerId="AD" clId="Web-{3303FF65-234F-5D21-F78A-528C175EA7C3}" dt="2024-10-22T22:07:45.780" v="801"/>
+        <pc:sldMkLst>
+          <pc:docMk/>
+          <pc:sldMk cId="2248794827" sldId="308"/>
+        </pc:sldMkLst>
+      </pc:sldChg>
+      <pc:sldChg chg="addSp delSp modSp add replId">
+        <pc:chgData name="Cassandra K Hui" userId="S::ckhui@unr.edu::17f71015-be1a-44f4-b604-0146d8df4a12" providerId="AD" clId="Web-{3303FF65-234F-5D21-F78A-528C175EA7C3}" dt="2024-10-22T22:15:04.321" v="850" actId="1076"/>
+        <pc:sldMkLst>
+          <pc:docMk/>
+          <pc:sldMk cId="2874088784" sldId="309"/>
+        </pc:sldMkLst>
+        <pc:spChg chg="mod">
+          <ac:chgData name="Cassandra K Hui" userId="S::ckhui@unr.edu::17f71015-be1a-44f4-b604-0146d8df4a12" providerId="AD" clId="Web-{3303FF65-234F-5D21-F78A-528C175EA7C3}" dt="2024-10-22T22:14:54.789" v="845" actId="20577"/>
+          <ac:spMkLst>
+            <pc:docMk/>
+            <pc:sldMk cId="2874088784" sldId="309"/>
+            <ac:spMk id="3" creationId="{9D5232F9-FD00-464A-9F17-619C91AEF8F3}"/>
+          </ac:spMkLst>
+        </pc:spChg>
+        <pc:picChg chg="add mod">
+          <ac:chgData name="Cassandra K Hui" userId="S::ckhui@unr.edu::17f71015-be1a-44f4-b604-0146d8df4a12" providerId="AD" clId="Web-{3303FF65-234F-5D21-F78A-528C175EA7C3}" dt="2024-10-22T22:15:04.321" v="850" actId="1076"/>
+          <ac:picMkLst>
+            <pc:docMk/>
+            <pc:sldMk cId="2874088784" sldId="309"/>
+            <ac:picMk id="4" creationId="{C0430238-72F3-D6F9-A8E6-D34E5BAE802F}"/>
+          </ac:picMkLst>
+        </pc:picChg>
+        <pc:picChg chg="del">
+          <ac:chgData name="Cassandra K Hui" userId="S::ckhui@unr.edu::17f71015-be1a-44f4-b604-0146d8df4a12" providerId="AD" clId="Web-{3303FF65-234F-5D21-F78A-528C175EA7C3}" dt="2024-10-22T22:14:55.227" v="846"/>
+          <ac:picMkLst>
+            <pc:docMk/>
+            <pc:sldMk cId="2874088784" sldId="309"/>
+            <ac:picMk id="5" creationId="{4A967AD8-9F2D-28D9-1189-C412B2E7DE26}"/>
+          </ac:picMkLst>
+        </pc:picChg>
+      </pc:sldChg>
+      <pc:sldChg chg="addSp delSp modSp add replId">
+        <pc:chgData name="Cassandra K Hui" userId="S::ckhui@unr.edu::17f71015-be1a-44f4-b604-0146d8df4a12" providerId="AD" clId="Web-{3303FF65-234F-5D21-F78A-528C175EA7C3}" dt="2024-10-22T22:16:39.327" v="857" actId="1076"/>
+        <pc:sldMkLst>
+          <pc:docMk/>
+          <pc:sldMk cId="2818565289" sldId="310"/>
+        </pc:sldMkLst>
+        <pc:picChg chg="add mod">
+          <ac:chgData name="Cassandra K Hui" userId="S::ckhui@unr.edu::17f71015-be1a-44f4-b604-0146d8df4a12" providerId="AD" clId="Web-{3303FF65-234F-5D21-F78A-528C175EA7C3}" dt="2024-10-22T22:16:39.327" v="857" actId="1076"/>
+          <ac:picMkLst>
+            <pc:docMk/>
+            <pc:sldMk cId="2818565289" sldId="310"/>
+            <ac:picMk id="4" creationId="{BF029B49-F653-9EED-80BD-5D9D01E0FB9D}"/>
+          </ac:picMkLst>
+        </pc:picChg>
+        <pc:picChg chg="del">
+          <ac:chgData name="Cassandra K Hui" userId="S::ckhui@unr.edu::17f71015-be1a-44f4-b604-0146d8df4a12" providerId="AD" clId="Web-{3303FF65-234F-5D21-F78A-528C175EA7C3}" dt="2024-10-22T22:16:12.403" v="851"/>
+          <ac:picMkLst>
+            <pc:docMk/>
+            <pc:sldMk cId="2818565289" sldId="310"/>
+            <ac:picMk id="5" creationId="{4A967AD8-9F2D-28D9-1189-C412B2E7DE26}"/>
+          </ac:picMkLst>
+        </pc:picChg>
+      </pc:sldChg>
+    </pc:docChg>
+  </pc:docChgLst>
+  <pc:docChgLst>
+    <pc:chgData name="Cassandra K Hui" userId="S::ckhui@unr.edu::17f71015-be1a-44f4-b604-0146d8df4a12" providerId="AD" clId="Web-{4EB3A4A3-B2F1-BB9D-BF66-D7F72E200665}"/>
+    <pc:docChg chg="addSld modSld">
+      <pc:chgData name="Cassandra K Hui" userId="S::ckhui@unr.edu::17f71015-be1a-44f4-b604-0146d8df4a12" providerId="AD" clId="Web-{4EB3A4A3-B2F1-BB9D-BF66-D7F72E200665}" dt="2024-10-21T17:51:33.199" v="584" actId="20577"/>
+      <pc:docMkLst>
+        <pc:docMk/>
+      </pc:docMkLst>
+      <pc:sldChg chg="addSp modSp">
+        <pc:chgData name="Cassandra K Hui" userId="S::ckhui@unr.edu::17f71015-be1a-44f4-b604-0146d8df4a12" providerId="AD" clId="Web-{4EB3A4A3-B2F1-BB9D-BF66-D7F72E200665}" dt="2024-10-21T16:03:25.682" v="97" actId="20577"/>
+        <pc:sldMkLst>
+          <pc:docMk/>
+          <pc:sldMk cId="3571516367" sldId="258"/>
+        </pc:sldMkLst>
+        <pc:spChg chg="mod">
+          <ac:chgData name="Cassandra K Hui" userId="S::ckhui@unr.edu::17f71015-be1a-44f4-b604-0146d8df4a12" providerId="AD" clId="Web-{4EB3A4A3-B2F1-BB9D-BF66-D7F72E200665}" dt="2024-10-21T15:45:28.049" v="49" actId="20577"/>
+          <ac:spMkLst>
+            <pc:docMk/>
+            <pc:sldMk cId="3571516367" sldId="258"/>
+            <ac:spMk id="2" creationId="{0A32731C-311B-46F7-A865-6C3AF6B09A47}"/>
+          </ac:spMkLst>
+        </pc:spChg>
+        <pc:spChg chg="mod">
+          <ac:chgData name="Cassandra K Hui" userId="S::ckhui@unr.edu::17f71015-be1a-44f4-b604-0146d8df4a12" providerId="AD" clId="Web-{4EB3A4A3-B2F1-BB9D-BF66-D7F72E200665}" dt="2024-10-21T16:03:25.682" v="97" actId="20577"/>
+          <ac:spMkLst>
+            <pc:docMk/>
+            <pc:sldMk cId="3571516367" sldId="258"/>
+            <ac:spMk id="3" creationId="{9D5232F9-FD00-464A-9F17-619C91AEF8F3}"/>
+          </ac:spMkLst>
+        </pc:spChg>
+        <pc:picChg chg="add mod">
+          <ac:chgData name="Cassandra K Hui" userId="S::ckhui@unr.edu::17f71015-be1a-44f4-b604-0146d8df4a12" providerId="AD" clId="Web-{4EB3A4A3-B2F1-BB9D-BF66-D7F72E200665}" dt="2024-10-21T16:00:08.787" v="57" actId="1076"/>
+          <ac:picMkLst>
+            <pc:docMk/>
+            <pc:sldMk cId="3571516367" sldId="258"/>
+            <ac:picMk id="4" creationId="{6BB95FD0-8410-9048-E37A-A26BD9702F43}"/>
+          </ac:picMkLst>
+        </pc:picChg>
+        <pc:picChg chg="add mod">
+          <ac:chgData name="Cassandra K Hui" userId="S::ckhui@unr.edu::17f71015-be1a-44f4-b604-0146d8df4a12" providerId="AD" clId="Web-{4EB3A4A3-B2F1-BB9D-BF66-D7F72E200665}" dt="2024-10-21T16:00:42.741" v="70" actId="1076"/>
+          <ac:picMkLst>
+            <pc:docMk/>
+            <pc:sldMk cId="3571516367" sldId="258"/>
+            <ac:picMk id="5" creationId="{AAF31891-466E-E84D-43E8-60966DFB5690}"/>
+          </ac:picMkLst>
+        </pc:picChg>
+      </pc:sldChg>
+      <pc:sldChg chg="addSp modSp">
+        <pc:chgData name="Cassandra K Hui" userId="S::ckhui@unr.edu::17f71015-be1a-44f4-b604-0146d8df4a12" providerId="AD" clId="Web-{4EB3A4A3-B2F1-BB9D-BF66-D7F72E200665}" dt="2024-10-21T15:44:11.016" v="48" actId="20577"/>
+        <pc:sldMkLst>
+          <pc:docMk/>
+          <pc:sldMk cId="608796113" sldId="278"/>
+        </pc:sldMkLst>
+        <pc:spChg chg="mod">
+          <ac:chgData name="Cassandra K Hui" userId="S::ckhui@unr.edu::17f71015-be1a-44f4-b604-0146d8df4a12" providerId="AD" clId="Web-{4EB3A4A3-B2F1-BB9D-BF66-D7F72E200665}" dt="2024-10-21T15:44:11.016" v="48" actId="20577"/>
+          <ac:spMkLst>
+            <pc:docMk/>
+            <pc:sldMk cId="608796113" sldId="278"/>
+            <ac:spMk id="7" creationId="{3B636593-ABAC-7EB6-A007-71B1238BC029}"/>
+          </ac:spMkLst>
+        </pc:spChg>
+        <pc:picChg chg="add mod">
+          <ac:chgData name="Cassandra K Hui" userId="S::ckhui@unr.edu::17f71015-be1a-44f4-b604-0146d8df4a12" providerId="AD" clId="Web-{4EB3A4A3-B2F1-BB9D-BF66-D7F72E200665}" dt="2024-10-21T15:43:56.969" v="47" actId="1076"/>
+          <ac:picMkLst>
+            <pc:docMk/>
+            <pc:sldMk cId="608796113" sldId="278"/>
+            <ac:picMk id="3" creationId="{89FF643B-C75C-CB3F-22FC-200AB47F5726}"/>
+          </ac:picMkLst>
+        </pc:picChg>
+      </pc:sldChg>
+      <pc:sldChg chg="addSp modSp">
+        <pc:chgData name="Cassandra K Hui" userId="S::ckhui@unr.edu::17f71015-be1a-44f4-b604-0146d8df4a12" providerId="AD" clId="Web-{4EB3A4A3-B2F1-BB9D-BF66-D7F72E200665}" dt="2024-10-21T17:51:33.199" v="584" actId="20577"/>
+        <pc:sldMkLst>
+          <pc:docMk/>
+          <pc:sldMk cId="23600570" sldId="283"/>
+        </pc:sldMkLst>
+        <pc:spChg chg="mod">
+          <ac:chgData name="Cassandra K Hui" userId="S::ckhui@unr.edu::17f71015-be1a-44f4-b604-0146d8df4a12" providerId="AD" clId="Web-{4EB3A4A3-B2F1-BB9D-BF66-D7F72E200665}" dt="2024-10-21T17:51:33.199" v="584" actId="20577"/>
+          <ac:spMkLst>
+            <pc:docMk/>
+            <pc:sldMk cId="23600570" sldId="283"/>
+            <ac:spMk id="3" creationId="{9D5232F9-FD00-464A-9F17-619C91AEF8F3}"/>
+          </ac:spMkLst>
+        </pc:spChg>
+        <pc:spChg chg="add mod">
+          <ac:chgData name="Cassandra K Hui" userId="S::ckhui@unr.edu::17f71015-be1a-44f4-b604-0146d8df4a12" providerId="AD" clId="Web-{4EB3A4A3-B2F1-BB9D-BF66-D7F72E200665}" dt="2024-10-21T17:24:43.685" v="532" actId="14100"/>
+          <ac:spMkLst>
+            <pc:docMk/>
+            <pc:sldMk cId="23600570" sldId="283"/>
+            <ac:spMk id="5" creationId="{E240F625-CC49-C0FD-2440-CBDAA0FE0FA1}"/>
+          </ac:spMkLst>
+        </pc:spChg>
+        <pc:spChg chg="add mod">
+          <ac:chgData name="Cassandra K Hui" userId="S::ckhui@unr.edu::17f71015-be1a-44f4-b604-0146d8df4a12" providerId="AD" clId="Web-{4EB3A4A3-B2F1-BB9D-BF66-D7F72E200665}" dt="2024-10-21T17:25:01.201" v="535"/>
+          <ac:spMkLst>
+            <pc:docMk/>
+            <pc:sldMk cId="23600570" sldId="283"/>
+            <ac:spMk id="6" creationId="{FC4F3966-603B-243A-BD8F-CAFB8157B07C}"/>
+          </ac:spMkLst>
+        </pc:spChg>
+        <pc:spChg chg="add mod">
+          <ac:chgData name="Cassandra K Hui" userId="S::ckhui@unr.edu::17f71015-be1a-44f4-b604-0146d8df4a12" providerId="AD" clId="Web-{4EB3A4A3-B2F1-BB9D-BF66-D7F72E200665}" dt="2024-10-21T17:50:34.962" v="563" actId="20577"/>
+          <ac:spMkLst>
+            <pc:docMk/>
+            <pc:sldMk cId="23600570" sldId="283"/>
+            <ac:spMk id="7" creationId="{28AF0DF8-279F-8A5F-8EC2-461FAC715F9A}"/>
+          </ac:spMkLst>
+        </pc:spChg>
+        <pc:spChg chg="add mod">
+          <ac:chgData name="Cassandra K Hui" userId="S::ckhui@unr.edu::17f71015-be1a-44f4-b604-0146d8df4a12" providerId="AD" clId="Web-{4EB3A4A3-B2F1-BB9D-BF66-D7F72E200665}" dt="2024-10-21T17:26:11.187" v="555" actId="1076"/>
+          <ac:spMkLst>
+            <pc:docMk/>
+            <pc:sldMk cId="23600570" sldId="283"/>
+            <ac:spMk id="8" creationId="{0DAD8535-84E9-E060-8B79-0A34B13F0A67}"/>
+          </ac:spMkLst>
+        </pc:spChg>
+        <pc:spChg chg="add mod">
+          <ac:chgData name="Cassandra K Hui" userId="S::ckhui@unr.edu::17f71015-be1a-44f4-b604-0146d8df4a12" providerId="AD" clId="Web-{4EB3A4A3-B2F1-BB9D-BF66-D7F72E200665}" dt="2024-10-21T17:26:31.547" v="558" actId="1076"/>
+          <ac:spMkLst>
+            <pc:docMk/>
+            <pc:sldMk cId="23600570" sldId="283"/>
+            <ac:spMk id="9" creationId="{0622630C-7241-D45B-E150-945CA7E96DFF}"/>
+          </ac:spMkLst>
+        </pc:spChg>
+        <pc:spChg chg="add mod">
+          <ac:chgData name="Cassandra K Hui" userId="S::ckhui@unr.edu::17f71015-be1a-44f4-b604-0146d8df4a12" providerId="AD" clId="Web-{4EB3A4A3-B2F1-BB9D-BF66-D7F72E200665}" dt="2024-10-21T17:26:38.594" v="561" actId="14100"/>
+          <ac:spMkLst>
+            <pc:docMk/>
+            <pc:sldMk cId="23600570" sldId="283"/>
+            <ac:spMk id="10" creationId="{08D317DE-28D1-8D9D-7F51-FAD7023EE0DC}"/>
+          </ac:spMkLst>
+        </pc:spChg>
+        <pc:picChg chg="add mod">
+          <ac:chgData name="Cassandra K Hui" userId="S::ckhui@unr.edu::17f71015-be1a-44f4-b604-0146d8df4a12" providerId="AD" clId="Web-{4EB3A4A3-B2F1-BB9D-BF66-D7F72E200665}" dt="2024-10-21T17:08:11.862" v="527" actId="1076"/>
+          <ac:picMkLst>
+            <pc:docMk/>
+            <pc:sldMk cId="23600570" sldId="283"/>
+            <ac:picMk id="4" creationId="{2B4D6D46-000C-A1B7-6FEF-609D405295B3}"/>
+          </ac:picMkLst>
+        </pc:picChg>
+      </pc:sldChg>
+      <pc:sldChg chg="addSp delSp modSp new">
+        <pc:chgData name="Cassandra K Hui" userId="S::ckhui@unr.edu::17f71015-be1a-44f4-b604-0146d8df4a12" providerId="AD" clId="Web-{4EB3A4A3-B2F1-BB9D-BF66-D7F72E200665}" dt="2024-10-21T16:43:21.673" v="475" actId="1076"/>
+        <pc:sldMkLst>
+          <pc:docMk/>
+          <pc:sldMk cId="3387112521" sldId="286"/>
+        </pc:sldMkLst>
+        <pc:spChg chg="mod">
+          <ac:chgData name="Cassandra K Hui" userId="S::ckhui@unr.edu::17f71015-be1a-44f4-b604-0146d8df4a12" providerId="AD" clId="Web-{4EB3A4A3-B2F1-BB9D-BF66-D7F72E200665}" dt="2024-10-21T16:30:57.578" v="335" actId="20577"/>
+          <ac:spMkLst>
+            <pc:docMk/>
+            <pc:sldMk cId="3387112521" sldId="286"/>
+            <ac:spMk id="2" creationId="{FAAD90EA-0606-ADF6-EEB1-1D60F634590D}"/>
+          </ac:spMkLst>
+        </pc:spChg>
+        <pc:spChg chg="del">
+          <ac:chgData name="Cassandra K Hui" userId="S::ckhui@unr.edu::17f71015-be1a-44f4-b604-0146d8df4a12" providerId="AD" clId="Web-{4EB3A4A3-B2F1-BB9D-BF66-D7F72E200665}" dt="2024-10-21T16:09:25.346" v="102"/>
+          <ac:spMkLst>
+            <pc:docMk/>
+            <pc:sldMk cId="3387112521" sldId="286"/>
+            <ac:spMk id="3" creationId="{0D2CADF6-FFAC-8D65-588A-F91EC307AC06}"/>
+          </ac:spMkLst>
+        </pc:spChg>
+        <pc:spChg chg="del">
+          <ac:chgData name="Cassandra K Hui" userId="S::ckhui@unr.edu::17f71015-be1a-44f4-b604-0146d8df4a12" providerId="AD" clId="Web-{4EB3A4A3-B2F1-BB9D-BF66-D7F72E200665}" dt="2024-10-21T16:28:21.606" v="315"/>
+          <ac:spMkLst>
+            <pc:docMk/>
+            <pc:sldMk cId="3387112521" sldId="286"/>
+            <ac:spMk id="4" creationId="{01C5B620-761D-0755-B45C-EC6E174BCDA4}"/>
+          </ac:spMkLst>
+        </pc:spChg>
+        <pc:spChg chg="add mod">
+          <ac:chgData name="Cassandra K Hui" userId="S::ckhui@unr.edu::17f71015-be1a-44f4-b604-0146d8df4a12" providerId="AD" clId="Web-{4EB3A4A3-B2F1-BB9D-BF66-D7F72E200665}" dt="2024-10-21T16:10:53.942" v="127" actId="1076"/>
+          <ac:spMkLst>
+            <pc:docMk/>
+            <pc:sldMk cId="3387112521" sldId="286"/>
+            <ac:spMk id="5" creationId="{EFF26061-5B82-41BC-813D-FAD6ED8B8855}"/>
+          </ac:spMkLst>
+        </pc:spChg>
+        <pc:spChg chg="add mod">
+          <ac:chgData name="Cassandra K Hui" userId="S::ckhui@unr.edu::17f71015-be1a-44f4-b604-0146d8df4a12" providerId="AD" clId="Web-{4EB3A4A3-B2F1-BB9D-BF66-D7F72E200665}" dt="2024-10-21T16:11:50.443" v="141"/>
+          <ac:spMkLst>
+            <pc:docMk/>
+            <pc:sldMk cId="3387112521" sldId="286"/>
+            <ac:spMk id="6" creationId="{AACC7DA0-E928-D398-C174-69C0F9DC3D9C}"/>
+          </ac:spMkLst>
+        </pc:spChg>
+        <pc:spChg chg="add del mod">
+          <ac:chgData name="Cassandra K Hui" userId="S::ckhui@unr.edu::17f71015-be1a-44f4-b604-0146d8df4a12" providerId="AD" clId="Web-{4EB3A4A3-B2F1-BB9D-BF66-D7F72E200665}" dt="2024-10-21T16:28:21.606" v="314"/>
+          <ac:spMkLst>
+            <pc:docMk/>
+            <pc:sldMk cId="3387112521" sldId="286"/>
+            <ac:spMk id="7" creationId="{2ABC7BF7-B0F1-BBD5-2915-A4C5347CDF60}"/>
+          </ac:spMkLst>
+        </pc:spChg>
+        <pc:spChg chg="add mod">
+          <ac:chgData name="Cassandra K Hui" userId="S::ckhui@unr.edu::17f71015-be1a-44f4-b604-0146d8df4a12" providerId="AD" clId="Web-{4EB3A4A3-B2F1-BB9D-BF66-D7F72E200665}" dt="2024-10-21T16:17:52.186" v="205" actId="1076"/>
+          <ac:spMkLst>
+            <pc:docMk/>
+            <pc:sldMk cId="3387112521" sldId="286"/>
+            <ac:spMk id="8" creationId="{A9D41B4D-15F8-F227-92B3-4DE3CA28FFFB}"/>
+          </ac:spMkLst>
+        </pc:spChg>
+        <pc:spChg chg="add mod">
+          <ac:chgData name="Cassandra K Hui" userId="S::ckhui@unr.edu::17f71015-be1a-44f4-b604-0146d8df4a12" providerId="AD" clId="Web-{4EB3A4A3-B2F1-BB9D-BF66-D7F72E200665}" dt="2024-10-21T16:12:38.913" v="151"/>
+          <ac:spMkLst>
+            <pc:docMk/>
+            <pc:sldMk cId="3387112521" sldId="286"/>
+            <ac:spMk id="9" creationId="{0C5016A2-D29B-AF9F-14F9-63D7EE1C9852}"/>
+          </ac:spMkLst>
+        </pc:spChg>
+        <pc:spChg chg="add del mod">
+          <ac:chgData name="Cassandra K Hui" userId="S::ckhui@unr.edu::17f71015-be1a-44f4-b604-0146d8df4a12" providerId="AD" clId="Web-{4EB3A4A3-B2F1-BB9D-BF66-D7F72E200665}" dt="2024-10-21T16:28:21.606" v="313"/>
+          <ac:spMkLst>
+            <pc:docMk/>
+            <pc:sldMk cId="3387112521" sldId="286"/>
+            <ac:spMk id="10" creationId="{73C6E68B-D029-B38A-C9FA-FBFDAABA1B2B}"/>
+          </ac:spMkLst>
+        </pc:spChg>
+        <pc:spChg chg="add mod">
+          <ac:chgData name="Cassandra K Hui" userId="S::ckhui@unr.edu::17f71015-be1a-44f4-b604-0146d8df4a12" providerId="AD" clId="Web-{4EB3A4A3-B2F1-BB9D-BF66-D7F72E200665}" dt="2024-10-21T16:17:10.404" v="198" actId="20577"/>
+          <ac:spMkLst>
+            <pc:docMk/>
+            <pc:sldMk cId="3387112521" sldId="286"/>
+            <ac:spMk id="15" creationId="{5A9A9504-0517-1FCA-E425-4910305EEB12}"/>
+          </ac:spMkLst>
+        </pc:spChg>
+        <pc:spChg chg="add mod">
+          <ac:chgData name="Cassandra K Hui" userId="S::ckhui@unr.edu::17f71015-be1a-44f4-b604-0146d8df4a12" providerId="AD" clId="Web-{4EB3A4A3-B2F1-BB9D-BF66-D7F72E200665}" dt="2024-10-21T16:17:38.389" v="202" actId="20577"/>
+          <ac:spMkLst>
+            <pc:docMk/>
+            <pc:sldMk cId="3387112521" sldId="286"/>
+            <ac:spMk id="16" creationId="{13B498D3-B2E4-86A2-89C4-5E3DFA260A74}"/>
+          </ac:spMkLst>
+        </pc:spChg>
+        <pc:spChg chg="add mod">
+          <ac:chgData name="Cassandra K Hui" userId="S::ckhui@unr.edu::17f71015-be1a-44f4-b604-0146d8df4a12" providerId="AD" clId="Web-{4EB3A4A3-B2F1-BB9D-BF66-D7F72E200665}" dt="2024-10-21T16:18:42.437" v="211"/>
+          <ac:spMkLst>
+            <pc:docMk/>
+            <pc:sldMk cId="3387112521" sldId="286"/>
+            <ac:spMk id="19" creationId="{1AD23FAA-99D8-275F-3924-E19E9B309A27}"/>
+          </ac:spMkLst>
+        </pc:spChg>
+        <pc:spChg chg="add mod">
+          <ac:chgData name="Cassandra K Hui" userId="S::ckhui@unr.edu::17f71015-be1a-44f4-b604-0146d8df4a12" providerId="AD" clId="Web-{4EB3A4A3-B2F1-BB9D-BF66-D7F72E200665}" dt="2024-10-21T16:21:18.815" v="213" actId="1076"/>
+          <ac:spMkLst>
+            <pc:docMk/>
+            <pc:sldMk cId="3387112521" sldId="286"/>
+            <ac:spMk id="20" creationId="{0B954F3C-1BB9-6575-AF37-B701C140BB8E}"/>
+          </ac:spMkLst>
+        </pc:spChg>
+        <pc:spChg chg="add del mod">
+          <ac:chgData name="Cassandra K Hui" userId="S::ckhui@unr.edu::17f71015-be1a-44f4-b604-0146d8df4a12" providerId="AD" clId="Web-{4EB3A4A3-B2F1-BB9D-BF66-D7F72E200665}" dt="2024-10-21T16:28:21.590" v="311"/>
+          <ac:spMkLst>
+            <pc:docMk/>
+            <pc:sldMk cId="3387112521" sldId="286"/>
+            <ac:spMk id="21" creationId="{154355D1-64EC-1469-1DE3-BEEC86A5E789}"/>
+          </ac:spMkLst>
+        </pc:spChg>
+        <pc:spChg chg="add del mod">
+          <ac:chgData name="Cassandra K Hui" userId="S::ckhui@unr.edu::17f71015-be1a-44f4-b604-0146d8df4a12" providerId="AD" clId="Web-{4EB3A4A3-B2F1-BB9D-BF66-D7F72E200665}" dt="2024-10-21T16:28:21.590" v="310"/>
+          <ac:spMkLst>
+            <pc:docMk/>
+            <pc:sldMk cId="3387112521" sldId="286"/>
+            <ac:spMk id="22" creationId="{D0F6CB6F-6F2B-1E28-6A4C-3ED264CACD07}"/>
+          </ac:spMkLst>
+        </pc:spChg>
+        <pc:spChg chg="add del mod">
+          <ac:chgData name="Cassandra K Hui" userId="S::ckhui@unr.edu::17f71015-be1a-44f4-b604-0146d8df4a12" providerId="AD" clId="Web-{4EB3A4A3-B2F1-BB9D-BF66-D7F72E200665}" dt="2024-10-21T16:28:21.590" v="309"/>
+          <ac:spMkLst>
+            <pc:docMk/>
+            <pc:sldMk cId="3387112521" sldId="286"/>
+            <ac:spMk id="23" creationId="{A73DF116-4849-E4EE-CDED-CEA42E01FD8D}"/>
+          </ac:spMkLst>
+        </pc:spChg>
+        <pc:spChg chg="add del mod">
+          <ac:chgData name="Cassandra K Hui" userId="S::ckhui@unr.edu::17f71015-be1a-44f4-b604-0146d8df4a12" providerId="AD" clId="Web-{4EB3A4A3-B2F1-BB9D-BF66-D7F72E200665}" dt="2024-10-21T16:28:21.590" v="307"/>
+          <ac:spMkLst>
+            <pc:docMk/>
+            <pc:sldMk cId="3387112521" sldId="286"/>
+            <ac:spMk id="26" creationId="{BA2080D3-98D3-F41B-6BB8-F2CAE66D2367}"/>
+          </ac:spMkLst>
+        </pc:spChg>
+        <pc:spChg chg="add del mod">
+          <ac:chgData name="Cassandra K Hui" userId="S::ckhui@unr.edu::17f71015-be1a-44f4-b604-0146d8df4a12" providerId="AD" clId="Web-{4EB3A4A3-B2F1-BB9D-BF66-D7F72E200665}" dt="2024-10-21T16:28:21.590" v="306"/>
+          <ac:spMkLst>
+            <pc:docMk/>
+            <pc:sldMk cId="3387112521" sldId="286"/>
+            <ac:spMk id="27" creationId="{4894C886-0EB1-1A38-9349-1F738A87BAEE}"/>
+          </ac:spMkLst>
+        </pc:spChg>
+        <pc:spChg chg="add mod">
+          <ac:chgData name="Cassandra K Hui" userId="S::ckhui@unr.edu::17f71015-be1a-44f4-b604-0146d8df4a12" providerId="AD" clId="Web-{4EB3A4A3-B2F1-BB9D-BF66-D7F72E200665}" dt="2024-10-21T16:29:19.217" v="324"/>
+          <ac:spMkLst>
+            <pc:docMk/>
+            <pc:sldMk cId="3387112521" sldId="286"/>
+            <ac:spMk id="29" creationId="{45042CF6-C9A9-5B9D-0AC6-B64349082C96}"/>
+          </ac:spMkLst>
+        </pc:spChg>
+        <pc:spChg chg="add del">
+          <ac:chgData name="Cassandra K Hui" userId="S::ckhui@unr.edu::17f71015-be1a-44f4-b604-0146d8df4a12" providerId="AD" clId="Web-{4EB3A4A3-B2F1-BB9D-BF66-D7F72E200665}" dt="2024-10-21T16:24:14.819" v="254"/>
+          <ac:spMkLst>
+            <pc:docMk/>
+            <pc:sldMk cId="3387112521" sldId="286"/>
+            <ac:spMk id="31" creationId="{0B4077E8-3A75-533C-4E06-8DBB23B39114}"/>
+          </ac:spMkLst>
+        </pc:spChg>
+        <pc:spChg chg="add del">
+          <ac:chgData name="Cassandra K Hui" userId="S::ckhui@unr.edu::17f71015-be1a-44f4-b604-0146d8df4a12" providerId="AD" clId="Web-{4EB3A4A3-B2F1-BB9D-BF66-D7F72E200665}" dt="2024-10-21T16:24:21.819" v="258"/>
+          <ac:spMkLst>
+            <pc:docMk/>
+            <pc:sldMk cId="3387112521" sldId="286"/>
+            <ac:spMk id="33" creationId="{D9940E0B-F888-A1CD-6E69-477D523CD720}"/>
+          </ac:spMkLst>
+        </pc:spChg>
+        <pc:spChg chg="add del mod">
+          <ac:chgData name="Cassandra K Hui" userId="S::ckhui@unr.edu::17f71015-be1a-44f4-b604-0146d8df4a12" providerId="AD" clId="Web-{4EB3A4A3-B2F1-BB9D-BF66-D7F72E200665}" dt="2024-10-21T16:28:21.590" v="305"/>
+          <ac:spMkLst>
+            <pc:docMk/>
+            <pc:sldMk cId="3387112521" sldId="286"/>
+            <ac:spMk id="34" creationId="{FED01DF6-C0BC-E1A5-2A37-337AAA5A4F71}"/>
+          </ac:spMkLst>
+        </pc:spChg>
+        <pc:spChg chg="add del mod">
+          <ac:chgData name="Cassandra K Hui" userId="S::ckhui@unr.edu::17f71015-be1a-44f4-b604-0146d8df4a12" providerId="AD" clId="Web-{4EB3A4A3-B2F1-BB9D-BF66-D7F72E200665}" dt="2024-10-21T16:28:21.590" v="303"/>
+          <ac:spMkLst>
+            <pc:docMk/>
+            <pc:sldMk cId="3387112521" sldId="286"/>
+            <ac:spMk id="36" creationId="{FD25E7BD-4E5C-1051-3013-F7BB6C771EA6}"/>
+          </ac:spMkLst>
+        </pc:spChg>
+        <pc:spChg chg="add del mod">
+          <ac:chgData name="Cassandra K Hui" userId="S::ckhui@unr.edu::17f71015-be1a-44f4-b604-0146d8df4a12" providerId="AD" clId="Web-{4EB3A4A3-B2F1-BB9D-BF66-D7F72E200665}" dt="2024-10-21T16:28:21.590" v="302"/>
+          <ac:spMkLst>
+            <pc:docMk/>
+            <pc:sldMk cId="3387112521" sldId="286"/>
+            <ac:spMk id="37" creationId="{77122E9F-3376-5334-D1AE-1C3D0C993A65}"/>
+          </ac:spMkLst>
+        </pc:spChg>
+        <pc:spChg chg="add del mod">
+          <ac:chgData name="Cassandra K Hui" userId="S::ckhui@unr.edu::17f71015-be1a-44f4-b604-0146d8df4a12" providerId="AD" clId="Web-{4EB3A4A3-B2F1-BB9D-BF66-D7F72E200665}" dt="2024-10-21T16:28:21.590" v="301"/>
+          <ac:spMkLst>
+            <pc:docMk/>
+            <pc:sldMk cId="3387112521" sldId="286"/>
+            <ac:spMk id="38" creationId="{9B2A9283-F6AB-EDB0-6F62-F73BCAF586AF}"/>
+          </ac:spMkLst>
+        </pc:spChg>
+        <pc:spChg chg="add del mod">
+          <ac:chgData name="Cassandra K Hui" userId="S::ckhui@unr.edu::17f71015-be1a-44f4-b604-0146d8df4a12" providerId="AD" clId="Web-{4EB3A4A3-B2F1-BB9D-BF66-D7F72E200665}" dt="2024-10-21T16:29:21.295" v="325"/>
+          <ac:spMkLst>
+            <pc:docMk/>
+            <pc:sldMk cId="3387112521" sldId="286"/>
+            <ac:spMk id="40" creationId="{7BFA9C6D-1C90-709B-5955-D9A08C88C2CC}"/>
+          </ac:spMkLst>
+        </pc:spChg>
+        <pc:spChg chg="add del mod">
+          <ac:chgData name="Cassandra K Hui" userId="S::ckhui@unr.edu::17f71015-be1a-44f4-b604-0146d8df4a12" providerId="AD" clId="Web-{4EB3A4A3-B2F1-BB9D-BF66-D7F72E200665}" dt="2024-10-21T16:29:10.873" v="323"/>
+          <ac:spMkLst>
+            <pc:docMk/>
+            <pc:sldMk cId="3387112521" sldId="286"/>
+            <ac:spMk id="42" creationId="{F5C0086B-119F-9CD0-C7DE-457C48BB8CF5}"/>
+          </ac:spMkLst>
+        </pc:spChg>
+        <pc:spChg chg="add del mod">
+          <ac:chgData name="Cassandra K Hui" userId="S::ckhui@unr.edu::17f71015-be1a-44f4-b604-0146d8df4a12" providerId="AD" clId="Web-{4EB3A4A3-B2F1-BB9D-BF66-D7F72E200665}" dt="2024-10-21T16:29:08.638" v="322"/>
+          <ac:spMkLst>
+            <pc:docMk/>
+            <pc:sldMk cId="3387112521" sldId="286"/>
+            <ac:spMk id="43" creationId="{47658C52-1584-DACC-3C91-50552932B76F}"/>
+          </ac:spMkLst>
+        </pc:spChg>
+        <pc:spChg chg="add mod">
+          <ac:chgData name="Cassandra K Hui" userId="S::ckhui@unr.edu::17f71015-be1a-44f4-b604-0146d8df4a12" providerId="AD" clId="Web-{4EB3A4A3-B2F1-BB9D-BF66-D7F72E200665}" dt="2024-10-21T16:28:54.466" v="320" actId="1076"/>
+          <ac:spMkLst>
+            <pc:docMk/>
+            <pc:sldMk cId="3387112521" sldId="286"/>
+            <ac:spMk id="44" creationId="{8CEF99AA-B862-F924-FA17-C3DD7E1A53A7}"/>
+          </ac:spMkLst>
+        </pc:spChg>
+        <pc:spChg chg="add mod">
+          <ac:chgData name="Cassandra K Hui" userId="S::ckhui@unr.edu::17f71015-be1a-44f4-b604-0146d8df4a12" providerId="AD" clId="Web-{4EB3A4A3-B2F1-BB9D-BF66-D7F72E200665}" dt="2024-10-21T16:28:54.450" v="319" actId="1076"/>
+          <ac:spMkLst>
+            <pc:docMk/>
+            <pc:sldMk cId="3387112521" sldId="286"/>
+            <ac:spMk id="46" creationId="{7BD5078F-A6BD-F088-CDFC-BAA6472BC28B}"/>
+          </ac:spMkLst>
+        </pc:spChg>
+        <pc:spChg chg="add mod">
+          <ac:chgData name="Cassandra K Hui" userId="S::ckhui@unr.edu::17f71015-be1a-44f4-b604-0146d8df4a12" providerId="AD" clId="Web-{4EB3A4A3-B2F1-BB9D-BF66-D7F72E200665}" dt="2024-10-21T16:29:54.342" v="331" actId="1076"/>
+          <ac:spMkLst>
+            <pc:docMk/>
+            <pc:sldMk cId="3387112521" sldId="286"/>
+            <ac:spMk id="47" creationId="{45843784-3488-56C3-5FB6-A27487E4427E}"/>
+          </ac:spMkLst>
+        </pc:spChg>
+        <pc:spChg chg="add mod">
+          <ac:chgData name="Cassandra K Hui" userId="S::ckhui@unr.edu::17f71015-be1a-44f4-b604-0146d8df4a12" providerId="AD" clId="Web-{4EB3A4A3-B2F1-BB9D-BF66-D7F72E200665}" dt="2024-10-21T16:29:54.358" v="332" actId="1076"/>
+          <ac:spMkLst>
+            <pc:docMk/>
+            <pc:sldMk cId="3387112521" sldId="286"/>
+            <ac:spMk id="48" creationId="{700C36A9-EF55-5620-7931-C51B8658F6DF}"/>
+          </ac:spMkLst>
+        </pc:spChg>
+        <pc:spChg chg="add mod">
+          <ac:chgData name="Cassandra K Hui" userId="S::ckhui@unr.edu::17f71015-be1a-44f4-b604-0146d8df4a12" providerId="AD" clId="Web-{4EB3A4A3-B2F1-BB9D-BF66-D7F72E200665}" dt="2024-10-21T16:34:31.880" v="370" actId="1076"/>
+          <ac:spMkLst>
+            <pc:docMk/>
+            <pc:sldMk cId="3387112521" sldId="286"/>
+            <ac:spMk id="49" creationId="{C0A88431-3A8C-42D6-39F3-AE2A65867C58}"/>
+          </ac:spMkLst>
+        </pc:spChg>
+        <pc:spChg chg="add mod">
+          <ac:chgData name="Cassandra K Hui" userId="S::ckhui@unr.edu::17f71015-be1a-44f4-b604-0146d8df4a12" providerId="AD" clId="Web-{4EB3A4A3-B2F1-BB9D-BF66-D7F72E200665}" dt="2024-10-21T16:34:31.880" v="371" actId="1076"/>
+          <ac:spMkLst>
+            <pc:docMk/>
+            <pc:sldMk cId="3387112521" sldId="286"/>
+            <ac:spMk id="50" creationId="{E98C9898-25FC-AF89-87F2-62BFAB4B6ACC}"/>
+          </ac:spMkLst>
+        </pc:spChg>
+        <pc:spChg chg="add mod">
+          <ac:chgData name="Cassandra K Hui" userId="S::ckhui@unr.edu::17f71015-be1a-44f4-b604-0146d8df4a12" providerId="AD" clId="Web-{4EB3A4A3-B2F1-BB9D-BF66-D7F72E200665}" dt="2024-10-21T16:36:05.007" v="388" actId="1076"/>
+          <ac:spMkLst>
+            <pc:docMk/>
+            <pc:sldMk cId="3387112521" sldId="286"/>
+            <ac:spMk id="53" creationId="{45614830-E854-42E5-41F7-2F808FDC9850}"/>
+          </ac:spMkLst>
+        </pc:spChg>
+        <pc:spChg chg="add mod">
+          <ac:chgData name="Cassandra K Hui" userId="S::ckhui@unr.edu::17f71015-be1a-44f4-b604-0146d8df4a12" providerId="AD" clId="Web-{4EB3A4A3-B2F1-BB9D-BF66-D7F72E200665}" dt="2024-10-21T16:38:25.354" v="400"/>
+          <ac:spMkLst>
+            <pc:docMk/>
+            <pc:sldMk cId="3387112521" sldId="286"/>
+            <ac:spMk id="54" creationId="{EDFF5055-6FEB-02A1-6E0B-31543B06A9D3}"/>
+          </ac:spMkLst>
+        </pc:spChg>
+        <pc:spChg chg="add mod">
+          <ac:chgData name="Cassandra K Hui" userId="S::ckhui@unr.edu::17f71015-be1a-44f4-b604-0146d8df4a12" providerId="AD" clId="Web-{4EB3A4A3-B2F1-BB9D-BF66-D7F72E200665}" dt="2024-10-21T16:39:48.527" v="417" actId="1076"/>
+          <ac:spMkLst>
+            <pc:docMk/>
+            <pc:sldMk cId="3387112521" sldId="286"/>
+            <ac:spMk id="56" creationId="{700B6C31-CBED-8022-607B-5BBC5E1EB172}"/>
+          </ac:spMkLst>
+        </pc:spChg>
+        <pc:spChg chg="add mod">
+          <ac:chgData name="Cassandra K Hui" userId="S::ckhui@unr.edu::17f71015-be1a-44f4-b604-0146d8df4a12" providerId="AD" clId="Web-{4EB3A4A3-B2F1-BB9D-BF66-D7F72E200665}" dt="2024-10-21T16:43:18.860" v="474" actId="1076"/>
+          <ac:spMkLst>
+            <pc:docMk/>
+            <pc:sldMk cId="3387112521" sldId="286"/>
+            <ac:spMk id="59" creationId="{D148EC25-CE83-561D-AEDD-371059C1C836}"/>
+          </ac:spMkLst>
+        </pc:spChg>
+        <pc:spChg chg="add mod">
+          <ac:chgData name="Cassandra K Hui" userId="S::ckhui@unr.edu::17f71015-be1a-44f4-b604-0146d8df4a12" providerId="AD" clId="Web-{4EB3A4A3-B2F1-BB9D-BF66-D7F72E200665}" dt="2024-10-21T16:43:21.673" v="475" actId="1076"/>
+          <ac:spMkLst>
+            <pc:docMk/>
+            <pc:sldMk cId="3387112521" sldId="286"/>
+            <ac:spMk id="60" creationId="{80B3E691-C415-E044-5658-F13E11FBCE79}"/>
+          </ac:spMkLst>
+        </pc:spChg>
+        <pc:picChg chg="add mod modCrop">
+          <ac:chgData name="Cassandra K Hui" userId="S::ckhui@unr.edu::17f71015-be1a-44f4-b604-0146d8df4a12" providerId="AD" clId="Web-{4EB3A4A3-B2F1-BB9D-BF66-D7F72E200665}" dt="2024-10-21T16:15:26.448" v="178" actId="1076"/>
+          <ac:picMkLst>
+            <pc:docMk/>
+            <pc:sldMk cId="3387112521" sldId="286"/>
+            <ac:picMk id="12" creationId="{872C3379-C831-3ECE-9789-22B4141308F5}"/>
+          </ac:picMkLst>
+        </pc:picChg>
+        <pc:picChg chg="add del mod">
+          <ac:chgData name="Cassandra K Hui" userId="S::ckhui@unr.edu::17f71015-be1a-44f4-b604-0146d8df4a12" providerId="AD" clId="Web-{4EB3A4A3-B2F1-BB9D-BF66-D7F72E200665}" dt="2024-10-21T16:28:21.606" v="312"/>
+          <ac:picMkLst>
+            <pc:docMk/>
+            <pc:sldMk cId="3387112521" sldId="286"/>
+            <ac:picMk id="13" creationId="{6556EB63-E7C2-EB51-C73A-70A615DBE238}"/>
+          </ac:picMkLst>
+        </pc:picChg>
+        <pc:picChg chg="add mod">
+          <ac:chgData name="Cassandra K Hui" userId="S::ckhui@unr.edu::17f71015-be1a-44f4-b604-0146d8df4a12" providerId="AD" clId="Web-{4EB3A4A3-B2F1-BB9D-BF66-D7F72E200665}" dt="2024-10-21T16:14:35.994" v="165" actId="1076"/>
+          <ac:picMkLst>
+            <pc:docMk/>
+            <pc:sldMk cId="3387112521" sldId="286"/>
+            <ac:picMk id="14" creationId="{8783A3AD-04F7-56FE-255A-926F8377175A}"/>
+          </ac:picMkLst>
+        </pc:picChg>
+        <pc:picChg chg="add mod">
+          <ac:chgData name="Cassandra K Hui" userId="S::ckhui@unr.edu::17f71015-be1a-44f4-b604-0146d8df4a12" providerId="AD" clId="Web-{4EB3A4A3-B2F1-BB9D-BF66-D7F72E200665}" dt="2024-10-21T16:38:55.464" v="404" actId="1076"/>
+          <ac:picMkLst>
+            <pc:docMk/>
+            <pc:sldMk cId="3387112521" sldId="286"/>
+            <ac:picMk id="55" creationId="{B7C96C1C-3280-CC69-A5E4-681BDF6AE164}"/>
+          </ac:picMkLst>
+        </pc:picChg>
+        <pc:picChg chg="add mod">
+          <ac:chgData name="Cassandra K Hui" userId="S::ckhui@unr.edu::17f71015-be1a-44f4-b604-0146d8df4a12" providerId="AD" clId="Web-{4EB3A4A3-B2F1-BB9D-BF66-D7F72E200665}" dt="2024-10-21T16:40:11.153" v="422" actId="1076"/>
+          <ac:picMkLst>
+            <pc:docMk/>
+            <pc:sldMk cId="3387112521" sldId="286"/>
+            <ac:picMk id="57" creationId="{EB52ADB3-E4B1-BC28-314E-2E6B406EC4A8}"/>
+          </ac:picMkLst>
+        </pc:picChg>
+        <pc:picChg chg="add mod">
+          <ac:chgData name="Cassandra K Hui" userId="S::ckhui@unr.edu::17f71015-be1a-44f4-b604-0146d8df4a12" providerId="AD" clId="Web-{4EB3A4A3-B2F1-BB9D-BF66-D7F72E200665}" dt="2024-10-21T16:40:17.762" v="424" actId="1076"/>
+          <ac:picMkLst>
+            <pc:docMk/>
+            <pc:sldMk cId="3387112521" sldId="286"/>
+            <ac:picMk id="58" creationId="{64B14979-A03F-2DA8-079E-B7E9F4B9619D}"/>
+          </ac:picMkLst>
+        </pc:picChg>
+        <pc:cxnChg chg="add">
+          <ac:chgData name="Cassandra K Hui" userId="S::ckhui@unr.edu::17f71015-be1a-44f4-b604-0146d8df4a12" providerId="AD" clId="Web-{4EB3A4A3-B2F1-BB9D-BF66-D7F72E200665}" dt="2024-10-21T16:17:46.639" v="203"/>
+          <ac:cxnSpMkLst>
+            <pc:docMk/>
+            <pc:sldMk cId="3387112521" sldId="286"/>
+            <ac:cxnSpMk id="17" creationId="{FF09FA98-9DA6-200C-31E4-9A7DD94F72B8}"/>
+          </ac:cxnSpMkLst>
+        </pc:cxnChg>
+        <pc:cxnChg chg="add">
+          <ac:chgData name="Cassandra K Hui" userId="S::ckhui@unr.edu::17f71015-be1a-44f4-b604-0146d8df4a12" providerId="AD" clId="Web-{4EB3A4A3-B2F1-BB9D-BF66-D7F72E200665}" dt="2024-10-21T16:18:08.139" v="206"/>
+          <ac:cxnSpMkLst>
+            <pc:docMk/>
+            <pc:sldMk cId="3387112521" sldId="286"/>
+            <ac:cxnSpMk id="18" creationId="{1CBCC57E-FAB1-B085-DA70-2B9BA9AA3A26}"/>
+          </ac:cxnSpMkLst>
+        </pc:cxnChg>
+        <pc:cxnChg chg="add">
+          <ac:chgData name="Cassandra K Hui" userId="S::ckhui@unr.edu::17f71015-be1a-44f4-b604-0146d8df4a12" providerId="AD" clId="Web-{4EB3A4A3-B2F1-BB9D-BF66-D7F72E200665}" dt="2024-10-21T16:21:55.535" v="221"/>
+          <ac:cxnSpMkLst>
+            <pc:docMk/>
+            <pc:sldMk cId="3387112521" sldId="286"/>
+            <ac:cxnSpMk id="24" creationId="{6343334C-D7E2-68CF-DDF0-1828EBF6B6C0}"/>
+          </ac:cxnSpMkLst>
+        </pc:cxnChg>
+        <pc:cxnChg chg="add del mod">
+          <ac:chgData name="Cassandra K Hui" userId="S::ckhui@unr.edu::17f71015-be1a-44f4-b604-0146d8df4a12" providerId="AD" clId="Web-{4EB3A4A3-B2F1-BB9D-BF66-D7F72E200665}" dt="2024-10-21T16:28:21.590" v="308"/>
+          <ac:cxnSpMkLst>
+            <pc:docMk/>
+            <pc:sldMk cId="3387112521" sldId="286"/>
+            <ac:cxnSpMk id="25" creationId="{C57ED69A-FF80-2D3B-870D-A3B0B3F61E5A}"/>
+          </ac:cxnSpMkLst>
+        </pc:cxnChg>
+        <pc:cxnChg chg="add mod">
+          <ac:chgData name="Cassandra K Hui" userId="S::ckhui@unr.edu::17f71015-be1a-44f4-b604-0146d8df4a12" providerId="AD" clId="Web-{4EB3A4A3-B2F1-BB9D-BF66-D7F72E200665}" dt="2024-10-21T16:24:06.585" v="250" actId="1076"/>
+          <ac:cxnSpMkLst>
+            <pc:docMk/>
+            <pc:sldMk cId="3387112521" sldId="286"/>
+            <ac:cxnSpMk id="28" creationId="{19BCC02A-12F2-97E0-F4D5-BCC39D8558A5}"/>
+          </ac:cxnSpMkLst>
+        </pc:cxnChg>
+        <pc:cxnChg chg="add del mod">
+          <ac:chgData name="Cassandra K Hui" userId="S::ckhui@unr.edu::17f71015-be1a-44f4-b604-0146d8df4a12" providerId="AD" clId="Web-{4EB3A4A3-B2F1-BB9D-BF66-D7F72E200665}" dt="2024-10-21T16:24:14.819" v="255"/>
+          <ac:cxnSpMkLst>
+            <pc:docMk/>
+            <pc:sldMk cId="3387112521" sldId="286"/>
+            <ac:cxnSpMk id="30" creationId="{311CA1FB-E26E-DC0E-5AC2-016FA2FCBCE5}"/>
+          </ac:cxnSpMkLst>
+        </pc:cxnChg>
+        <pc:cxnChg chg="add del mod">
+          <ac:chgData name="Cassandra K Hui" userId="S::ckhui@unr.edu::17f71015-be1a-44f4-b604-0146d8df4a12" providerId="AD" clId="Web-{4EB3A4A3-B2F1-BB9D-BF66-D7F72E200665}" dt="2024-10-21T16:24:21.819" v="259"/>
+          <ac:cxnSpMkLst>
+            <pc:docMk/>
+            <pc:sldMk cId="3387112521" sldId="286"/>
+            <ac:cxnSpMk id="32" creationId="{F20F35B4-561E-3217-81DB-95A6993956AE}"/>
+          </ac:cxnSpMkLst>
+        </pc:cxnChg>
+        <pc:cxnChg chg="add del mod">
+          <ac:chgData name="Cassandra K Hui" userId="S::ckhui@unr.edu::17f71015-be1a-44f4-b604-0146d8df4a12" providerId="AD" clId="Web-{4EB3A4A3-B2F1-BB9D-BF66-D7F72E200665}" dt="2024-10-21T16:28:21.590" v="304"/>
+          <ac:cxnSpMkLst>
+            <pc:docMk/>
+            <pc:sldMk cId="3387112521" sldId="286"/>
+            <ac:cxnSpMk id="35" creationId="{8F390208-1651-034E-E50D-E004E6F9F9DF}"/>
+          </ac:cxnSpMkLst>
+        </pc:cxnChg>
+        <pc:cxnChg chg="add del mod">
+          <ac:chgData name="Cassandra K Hui" userId="S::ckhui@unr.edu::17f71015-be1a-44f4-b604-0146d8df4a12" providerId="AD" clId="Web-{4EB3A4A3-B2F1-BB9D-BF66-D7F72E200665}" dt="2024-10-21T16:29:23.420" v="326"/>
+          <ac:cxnSpMkLst>
+            <pc:docMk/>
+            <pc:sldMk cId="3387112521" sldId="286"/>
+            <ac:cxnSpMk id="39" creationId="{31C12884-DFCE-2F32-D534-20047C489633}"/>
+          </ac:cxnSpMkLst>
+        </pc:cxnChg>
+        <pc:cxnChg chg="add mod">
+          <ac:chgData name="Cassandra K Hui" userId="S::ckhui@unr.edu::17f71015-be1a-44f4-b604-0146d8df4a12" providerId="AD" clId="Web-{4EB3A4A3-B2F1-BB9D-BF66-D7F72E200665}" dt="2024-10-21T16:28:57.997" v="321" actId="1076"/>
+          <ac:cxnSpMkLst>
+            <pc:docMk/>
+            <pc:sldMk cId="3387112521" sldId="286"/>
+            <ac:cxnSpMk id="41" creationId="{EF5F47B2-9314-690E-8A47-604564D7660D}"/>
+          </ac:cxnSpMkLst>
+        </pc:cxnChg>
+        <pc:cxnChg chg="add mod">
+          <ac:chgData name="Cassandra K Hui" userId="S::ckhui@unr.edu::17f71015-be1a-44f4-b604-0146d8df4a12" providerId="AD" clId="Web-{4EB3A4A3-B2F1-BB9D-BF66-D7F72E200665}" dt="2024-10-21T16:28:54.450" v="318" actId="1076"/>
+          <ac:cxnSpMkLst>
+            <pc:docMk/>
+            <pc:sldMk cId="3387112521" sldId="286"/>
+            <ac:cxnSpMk id="45" creationId="{B37D83E0-EF8F-0DE4-A98C-98459EACAFF2}"/>
+          </ac:cxnSpMkLst>
+        </pc:cxnChg>
+        <pc:cxnChg chg="add mod">
+          <ac:chgData name="Cassandra K Hui" userId="S::ckhui@unr.edu::17f71015-be1a-44f4-b604-0146d8df4a12" providerId="AD" clId="Web-{4EB3A4A3-B2F1-BB9D-BF66-D7F72E200665}" dt="2024-10-21T16:35:38.069" v="384" actId="1076"/>
+          <ac:cxnSpMkLst>
+            <pc:docMk/>
+            <pc:sldMk cId="3387112521" sldId="286"/>
+            <ac:cxnSpMk id="51" creationId="{02B8E025-F390-C524-075A-C4C424066E94}"/>
+          </ac:cxnSpMkLst>
+        </pc:cxnChg>
+        <pc:cxnChg chg="add mod">
+          <ac:chgData name="Cassandra K Hui" userId="S::ckhui@unr.edu::17f71015-be1a-44f4-b604-0146d8df4a12" providerId="AD" clId="Web-{4EB3A4A3-B2F1-BB9D-BF66-D7F72E200665}" dt="2024-10-21T16:35:35.162" v="383" actId="1076"/>
+          <ac:cxnSpMkLst>
+            <pc:docMk/>
+            <pc:sldMk cId="3387112521" sldId="286"/>
+            <ac:cxnSpMk id="52" creationId="{3C71D9AF-2022-234E-4B05-DA1612589B99}"/>
+          </ac:cxnSpMkLst>
+        </pc:cxnChg>
+      </pc:sldChg>
+      <pc:sldChg chg="addSp modSp add replId">
+        <pc:chgData name="Cassandra K Hui" userId="S::ckhui@unr.edu::17f71015-be1a-44f4-b604-0146d8df4a12" providerId="AD" clId="Web-{4EB3A4A3-B2F1-BB9D-BF66-D7F72E200665}" dt="2024-10-21T16:52:27.029" v="482" actId="20577"/>
+        <pc:sldMkLst>
+          <pc:docMk/>
+          <pc:sldMk cId="3389932669" sldId="287"/>
+        </pc:sldMkLst>
+        <pc:spChg chg="mod">
+          <ac:chgData name="Cassandra K Hui" userId="S::ckhui@unr.edu::17f71015-be1a-44f4-b604-0146d8df4a12" providerId="AD" clId="Web-{4EB3A4A3-B2F1-BB9D-BF66-D7F72E200665}" dt="2024-10-21T16:52:27.029" v="482" actId="20577"/>
+          <ac:spMkLst>
+            <pc:docMk/>
+            <pc:sldMk cId="3389932669" sldId="287"/>
+            <ac:spMk id="2" creationId="{FAAD90EA-0606-ADF6-EEB1-1D60F634590D}"/>
+          </ac:spMkLst>
+        </pc:spChg>
+        <pc:spChg chg="add">
+          <ac:chgData name="Cassandra K Hui" userId="S::ckhui@unr.edu::17f71015-be1a-44f4-b604-0146d8df4a12" providerId="AD" clId="Web-{4EB3A4A3-B2F1-BB9D-BF66-D7F72E200665}" dt="2024-10-21T16:34:43.193" v="372"/>
+          <ac:spMkLst>
+            <pc:docMk/>
+            <pc:sldMk cId="3389932669" sldId="287"/>
+            <ac:spMk id="11" creationId="{D2C6EEE6-04D7-A6C4-F24F-16C7D618F69B}"/>
+          </ac:spMkLst>
+        </pc:spChg>
+        <pc:spChg chg="add">
+          <ac:chgData name="Cassandra K Hui" userId="S::ckhui@unr.edu::17f71015-be1a-44f4-b604-0146d8df4a12" providerId="AD" clId="Web-{4EB3A4A3-B2F1-BB9D-BF66-D7F72E200665}" dt="2024-10-21T16:34:43.208" v="373"/>
+          <ac:spMkLst>
+            <pc:docMk/>
+            <pc:sldMk cId="3389932669" sldId="287"/>
+            <ac:spMk id="31" creationId="{FE31CFFE-7BE0-07FD-62AF-F346A9E1A006}"/>
+          </ac:spMkLst>
+        </pc:spChg>
+      </pc:sldChg>
+      <pc:sldChg chg="addSp modSp add replId">
+        <pc:chgData name="Cassandra K Hui" userId="S::ckhui@unr.edu::17f71015-be1a-44f4-b604-0146d8df4a12" providerId="AD" clId="Web-{4EB3A4A3-B2F1-BB9D-BF66-D7F72E200665}" dt="2024-10-21T16:43:14.470" v="473" actId="1076"/>
+        <pc:sldMkLst>
+          <pc:docMk/>
+          <pc:sldMk cId="1841043706" sldId="288"/>
+        </pc:sldMkLst>
+        <pc:spChg chg="add mod">
+          <ac:chgData name="Cassandra K Hui" userId="S::ckhui@unr.edu::17f71015-be1a-44f4-b604-0146d8df4a12" providerId="AD" clId="Web-{4EB3A4A3-B2F1-BB9D-BF66-D7F72E200665}" dt="2024-10-21T16:43:02.844" v="471" actId="20577"/>
+          <ac:spMkLst>
+            <pc:docMk/>
+            <pc:sldMk cId="1841043706" sldId="288"/>
+            <ac:spMk id="4" creationId="{43E1E0D1-E2FC-DF56-5D36-C0479D2F85DE}"/>
+          </ac:spMkLst>
+        </pc:spChg>
+        <pc:spChg chg="ord">
+          <ac:chgData name="Cassandra K Hui" userId="S::ckhui@unr.edu::17f71015-be1a-44f4-b604-0146d8df4a12" providerId="AD" clId="Web-{4EB3A4A3-B2F1-BB9D-BF66-D7F72E200665}" dt="2024-10-21T16:42:14.890" v="450"/>
+          <ac:spMkLst>
+            <pc:docMk/>
+            <pc:sldMk cId="1841043706" sldId="288"/>
+            <ac:spMk id="29" creationId="{45042CF6-C9A9-5B9D-0AC6-B64349082C96}"/>
+          </ac:spMkLst>
+        </pc:spChg>
+        <pc:spChg chg="mod">
+          <ac:chgData name="Cassandra K Hui" userId="S::ckhui@unr.edu::17f71015-be1a-44f4-b604-0146d8df4a12" providerId="AD" clId="Web-{4EB3A4A3-B2F1-BB9D-BF66-D7F72E200665}" dt="2024-10-21T16:43:14.470" v="473" actId="1076"/>
+          <ac:spMkLst>
+            <pc:docMk/>
+            <pc:sldMk cId="1841043706" sldId="288"/>
+            <ac:spMk id="59" creationId="{D148EC25-CE83-561D-AEDD-371059C1C836}"/>
+          </ac:spMkLst>
+        </pc:spChg>
+        <pc:spChg chg="mod">
+          <ac:chgData name="Cassandra K Hui" userId="S::ckhui@unr.edu::17f71015-be1a-44f4-b604-0146d8df4a12" providerId="AD" clId="Web-{4EB3A4A3-B2F1-BB9D-BF66-D7F72E200665}" dt="2024-10-21T16:43:10.188" v="472" actId="1076"/>
+          <ac:spMkLst>
+            <pc:docMk/>
+            <pc:sldMk cId="1841043706" sldId="288"/>
+            <ac:spMk id="60" creationId="{80B3E691-C415-E044-5658-F13E11FBCE79}"/>
+          </ac:spMkLst>
+        </pc:spChg>
+        <pc:picChg chg="add mod">
+          <ac:chgData name="Cassandra K Hui" userId="S::ckhui@unr.edu::17f71015-be1a-44f4-b604-0146d8df4a12" providerId="AD" clId="Web-{4EB3A4A3-B2F1-BB9D-BF66-D7F72E200665}" dt="2024-10-21T16:42:40.891" v="459" actId="1076"/>
+          <ac:picMkLst>
+            <pc:docMk/>
+            <pc:sldMk cId="1841043706" sldId="288"/>
+            <ac:picMk id="3" creationId="{A45101AC-9F23-DB24-A9BA-34D562424C1A}"/>
+          </ac:picMkLst>
+        </pc:picChg>
+        <pc:cxnChg chg="mod">
+          <ac:chgData name="Cassandra K Hui" userId="S::ckhui@unr.edu::17f71015-be1a-44f4-b604-0146d8df4a12" providerId="AD" clId="Web-{4EB3A4A3-B2F1-BB9D-BF66-D7F72E200665}" dt="2024-10-21T16:41:53.093" v="446" actId="14100"/>
+          <ac:cxnSpMkLst>
+            <pc:docMk/>
+            <pc:sldMk cId="1841043706" sldId="288"/>
+            <ac:cxnSpMk id="51" creationId="{02B8E025-F390-C524-075A-C4C424066E94}"/>
+          </ac:cxnSpMkLst>
+        </pc:cxnChg>
+        <pc:cxnChg chg="mod">
+          <ac:chgData name="Cassandra K Hui" userId="S::ckhui@unr.edu::17f71015-be1a-44f4-b604-0146d8df4a12" providerId="AD" clId="Web-{4EB3A4A3-B2F1-BB9D-BF66-D7F72E200665}" dt="2024-10-21T16:42:07.515" v="449" actId="14100"/>
+          <ac:cxnSpMkLst>
+            <pc:docMk/>
+            <pc:sldMk cId="1841043706" sldId="288"/>
+            <ac:cxnSpMk id="52" creationId="{3C71D9AF-2022-234E-4B05-DA1612589B99}"/>
+          </ac:cxnSpMkLst>
+        </pc:cxnChg>
+      </pc:sldChg>
+      <pc:sldChg chg="add replId">
+        <pc:chgData name="Cassandra K Hui" userId="S::ckhui@unr.edu::17f71015-be1a-44f4-b604-0146d8df4a12" providerId="AD" clId="Web-{4EB3A4A3-B2F1-BB9D-BF66-D7F72E200665}" dt="2024-10-21T17:00:22.320" v="483"/>
+        <pc:sldMkLst>
+          <pc:docMk/>
+          <pc:sldMk cId="1822474282" sldId="289"/>
+        </pc:sldMkLst>
+      </pc:sldChg>
+    </pc:docChg>
+  </pc:docChgLst>
+  <pc:docChgLst>
+    <pc:chgData name="Cassandra K Hui" userId="S::ckhui@unr.edu::17f71015-be1a-44f4-b604-0146d8df4a12" providerId="AD" clId="Web-{463E9B9E-66F6-FC21-2DF0-1EA711CBAD4D}"/>
+    <pc:docChg chg="addSld delSld modSld">
+      <pc:chgData name="Cassandra K Hui" userId="S::ckhui@unr.edu::17f71015-be1a-44f4-b604-0146d8df4a12" providerId="AD" clId="Web-{463E9B9E-66F6-FC21-2DF0-1EA711CBAD4D}" dt="2024-10-22T23:21:19.786" v="383" actId="20577"/>
+      <pc:docMkLst>
+        <pc:docMk/>
+      </pc:docMkLst>
+      <pc:sldChg chg="addSp delSp modSp">
+        <pc:chgData name="Cassandra K Hui" userId="S::ckhui@unr.edu::17f71015-be1a-44f4-b604-0146d8df4a12" providerId="AD" clId="Web-{463E9B9E-66F6-FC21-2DF0-1EA711CBAD4D}" dt="2024-10-22T23:19:29.829" v="327"/>
+        <pc:sldMkLst>
+          <pc:docMk/>
+          <pc:sldMk cId="1713219598" sldId="257"/>
+        </pc:sldMkLst>
+        <pc:spChg chg="mod">
+          <ac:chgData name="Cassandra K Hui" userId="S::ckhui@unr.edu::17f71015-be1a-44f4-b604-0146d8df4a12" providerId="AD" clId="Web-{463E9B9E-66F6-FC21-2DF0-1EA711CBAD4D}" dt="2024-10-22T22:31:35.025" v="3" actId="20577"/>
+          <ac:spMkLst>
+            <pc:docMk/>
+            <pc:sldMk cId="1713219598" sldId="257"/>
+            <ac:spMk id="2" creationId="{1BEF5859-10C9-4588-9727-B9362E26C29D}"/>
+          </ac:spMkLst>
+        </pc:spChg>
+        <pc:spChg chg="del">
+          <ac:chgData name="Cassandra K Hui" userId="S::ckhui@unr.edu::17f71015-be1a-44f4-b604-0146d8df4a12" providerId="AD" clId="Web-{463E9B9E-66F6-FC21-2DF0-1EA711CBAD4D}" dt="2024-10-22T22:31:39.463" v="4"/>
+          <ac:spMkLst>
+            <pc:docMk/>
+            <pc:sldMk cId="1713219598" sldId="257"/>
+            <ac:spMk id="11" creationId="{F97F7D6E-E966-6C9E-2DDA-B3CE190573D4}"/>
+          </ac:spMkLst>
+        </pc:spChg>
+        <pc:spChg chg="add del mod">
+          <ac:chgData name="Cassandra K Hui" userId="S::ckhui@unr.edu::17f71015-be1a-44f4-b604-0146d8df4a12" providerId="AD" clId="Web-{463E9B9E-66F6-FC21-2DF0-1EA711CBAD4D}" dt="2024-10-22T23:16:28.089" v="319"/>
+          <ac:spMkLst>
+            <pc:docMk/>
+            <pc:sldMk cId="1713219598" sldId="257"/>
+            <ac:spMk id="300" creationId="{912198DF-BCCF-BC09-27BF-ACDBB18C0484}"/>
+          </ac:spMkLst>
+        </pc:spChg>
+        <pc:graphicFrameChg chg="add del mod modGraphic">
+          <ac:chgData name="Cassandra K Hui" userId="S::ckhui@unr.edu::17f71015-be1a-44f4-b604-0146d8df4a12" providerId="AD" clId="Web-{463E9B9E-66F6-FC21-2DF0-1EA711CBAD4D}" dt="2024-10-22T23:19:29.829" v="327"/>
+          <ac:graphicFrameMkLst>
+            <pc:docMk/>
+            <pc:sldMk cId="1713219598" sldId="257"/>
+            <ac:graphicFrameMk id="7" creationId="{3E8C3223-CE41-2E5D-6F02-8C4C2AC1D7CC}"/>
+          </ac:graphicFrameMkLst>
+        </pc:graphicFrameChg>
+      </pc:sldChg>
+      <pc:sldChg chg="addSp modSp">
+        <pc:chgData name="Cassandra K Hui" userId="S::ckhui@unr.edu::17f71015-be1a-44f4-b604-0146d8df4a12" providerId="AD" clId="Web-{463E9B9E-66F6-FC21-2DF0-1EA711CBAD4D}" dt="2024-10-22T23:21:19.786" v="383" actId="20577"/>
+        <pc:sldMkLst>
+          <pc:docMk/>
+          <pc:sldMk cId="636929804" sldId="282"/>
+        </pc:sldMkLst>
+        <pc:spChg chg="mod">
+          <ac:chgData name="Cassandra K Hui" userId="S::ckhui@unr.edu::17f71015-be1a-44f4-b604-0146d8df4a12" providerId="AD" clId="Web-{463E9B9E-66F6-FC21-2DF0-1EA711CBAD4D}" dt="2024-10-22T23:20:04.455" v="329" actId="20577"/>
+          <ac:spMkLst>
+            <pc:docMk/>
+            <pc:sldMk cId="636929804" sldId="282"/>
+            <ac:spMk id="2" creationId="{8B27D9B3-B64F-656A-0D99-161A6C0F518F}"/>
+          </ac:spMkLst>
+        </pc:spChg>
+        <pc:spChg chg="add mod">
+          <ac:chgData name="Cassandra K Hui" userId="S::ckhui@unr.edu::17f71015-be1a-44f4-b604-0146d8df4a12" providerId="AD" clId="Web-{463E9B9E-66F6-FC21-2DF0-1EA711CBAD4D}" dt="2024-10-22T23:21:02.394" v="360" actId="20577"/>
+          <ac:spMkLst>
+            <pc:docMk/>
+            <pc:sldMk cId="636929804" sldId="282"/>
+            <ac:spMk id="3" creationId="{EA3D15B9-C01D-144D-3C59-DB4A2D31D844}"/>
+          </ac:spMkLst>
+        </pc:spChg>
+        <pc:spChg chg="mod">
+          <ac:chgData name="Cassandra K Hui" userId="S::ckhui@unr.edu::17f71015-be1a-44f4-b604-0146d8df4a12" providerId="AD" clId="Web-{463E9B9E-66F6-FC21-2DF0-1EA711CBAD4D}" dt="2024-10-22T23:21:19.786" v="383" actId="20577"/>
+          <ac:spMkLst>
+            <pc:docMk/>
+            <pc:sldMk cId="636929804" sldId="282"/>
+            <ac:spMk id="14" creationId="{5112969F-EB84-49D5-7100-1FB28870FB30}"/>
+          </ac:spMkLst>
+        </pc:spChg>
+      </pc:sldChg>
+      <pc:sldChg chg="modSp">
+        <pc:chgData name="Cassandra K Hui" userId="S::ckhui@unr.edu::17f71015-be1a-44f4-b604-0146d8df4a12" providerId="AD" clId="Web-{463E9B9E-66F6-FC21-2DF0-1EA711CBAD4D}" dt="2024-10-22T23:11:03.078" v="167" actId="14100"/>
+        <pc:sldMkLst>
+          <pc:docMk/>
+          <pc:sldMk cId="1553519612" sldId="284"/>
+        </pc:sldMkLst>
+        <pc:spChg chg="mod">
+          <ac:chgData name="Cassandra K Hui" userId="S::ckhui@unr.edu::17f71015-be1a-44f4-b604-0146d8df4a12" providerId="AD" clId="Web-{463E9B9E-66F6-FC21-2DF0-1EA711CBAD4D}" dt="2024-10-22T23:11:03.078" v="167" actId="14100"/>
+          <ac:spMkLst>
+            <pc:docMk/>
+            <pc:sldMk cId="1553519612" sldId="284"/>
+            <ac:spMk id="2" creationId="{0A32731C-311B-46F7-A865-6C3AF6B09A47}"/>
+          </ac:spMkLst>
+        </pc:spChg>
+      </pc:sldChg>
+      <pc:sldChg chg="modSp">
+        <pc:chgData name="Cassandra K Hui" userId="S::ckhui@unr.edu::17f71015-be1a-44f4-b604-0146d8df4a12" providerId="AD" clId="Web-{463E9B9E-66F6-FC21-2DF0-1EA711CBAD4D}" dt="2024-10-22T22:44:23.491" v="60" actId="20577"/>
+        <pc:sldMkLst>
+          <pc:docMk/>
+          <pc:sldMk cId="3679264540" sldId="285"/>
+        </pc:sldMkLst>
+        <pc:spChg chg="mod">
+          <ac:chgData name="Cassandra K Hui" userId="S::ckhui@unr.edu::17f71015-be1a-44f4-b604-0146d8df4a12" providerId="AD" clId="Web-{463E9B9E-66F6-FC21-2DF0-1EA711CBAD4D}" dt="2024-10-22T22:44:23.491" v="60" actId="20577"/>
+          <ac:spMkLst>
+            <pc:docMk/>
+            <pc:sldMk cId="3679264540" sldId="285"/>
+            <ac:spMk id="2" creationId="{0A32731C-311B-46F7-A865-6C3AF6B09A47}"/>
+          </ac:spMkLst>
+        </pc:spChg>
+      </pc:sldChg>
+      <pc:sldChg chg="del">
+        <pc:chgData name="Cassandra K Hui" userId="S::ckhui@unr.edu::17f71015-be1a-44f4-b604-0146d8df4a12" providerId="AD" clId="Web-{463E9B9E-66F6-FC21-2DF0-1EA711CBAD4D}" dt="2024-10-22T22:43:29.113" v="44"/>
+        <pc:sldMkLst>
+          <pc:docMk/>
+          <pc:sldMk cId="3389932669" sldId="287"/>
+        </pc:sldMkLst>
+      </pc:sldChg>
+      <pc:sldChg chg="del">
+        <pc:chgData name="Cassandra K Hui" userId="S::ckhui@unr.edu::17f71015-be1a-44f4-b604-0146d8df4a12" providerId="AD" clId="Web-{463E9B9E-66F6-FC21-2DF0-1EA711CBAD4D}" dt="2024-10-22T22:43:36.488" v="53"/>
+        <pc:sldMkLst>
+          <pc:docMk/>
+          <pc:sldMk cId="1941767903" sldId="292"/>
+        </pc:sldMkLst>
+      </pc:sldChg>
+      <pc:sldChg chg="del">
+        <pc:chgData name="Cassandra K Hui" userId="S::ckhui@unr.edu::17f71015-be1a-44f4-b604-0146d8df4a12" providerId="AD" clId="Web-{463E9B9E-66F6-FC21-2DF0-1EA711CBAD4D}" dt="2024-10-22T22:43:36.801" v="54"/>
+        <pc:sldMkLst>
+          <pc:docMk/>
+          <pc:sldMk cId="3966284482" sldId="293"/>
+        </pc:sldMkLst>
+      </pc:sldChg>
+      <pc:sldChg chg="del">
+        <pc:chgData name="Cassandra K Hui" userId="S::ckhui@unr.edu::17f71015-be1a-44f4-b604-0146d8df4a12" providerId="AD" clId="Web-{463E9B9E-66F6-FC21-2DF0-1EA711CBAD4D}" dt="2024-10-22T22:43:36.879" v="55"/>
+        <pc:sldMkLst>
+          <pc:docMk/>
+          <pc:sldMk cId="3868371613" sldId="294"/>
+        </pc:sldMkLst>
+      </pc:sldChg>
+      <pc:sldChg chg="del">
+        <pc:chgData name="Cassandra K Hui" userId="S::ckhui@unr.edu::17f71015-be1a-44f4-b604-0146d8df4a12" providerId="AD" clId="Web-{463E9B9E-66F6-FC21-2DF0-1EA711CBAD4D}" dt="2024-10-22T22:43:32.144" v="47"/>
+        <pc:sldMkLst>
+          <pc:docMk/>
+          <pc:sldMk cId="395344311" sldId="295"/>
+        </pc:sldMkLst>
+      </pc:sldChg>
+      <pc:sldChg chg="del">
+        <pc:chgData name="Cassandra K Hui" userId="S::ckhui@unr.edu::17f71015-be1a-44f4-b604-0146d8df4a12" providerId="AD" clId="Web-{463E9B9E-66F6-FC21-2DF0-1EA711CBAD4D}" dt="2024-10-22T22:43:35.863" v="51"/>
+        <pc:sldMkLst>
+          <pc:docMk/>
+          <pc:sldMk cId="1870597270" sldId="296"/>
+        </pc:sldMkLst>
+      </pc:sldChg>
+      <pc:sldChg chg="del">
+        <pc:chgData name="Cassandra K Hui" userId="S::ckhui@unr.edu::17f71015-be1a-44f4-b604-0146d8df4a12" providerId="AD" clId="Web-{463E9B9E-66F6-FC21-2DF0-1EA711CBAD4D}" dt="2024-10-22T22:43:34.801" v="50"/>
+        <pc:sldMkLst>
+          <pc:docMk/>
+          <pc:sldMk cId="499832345" sldId="297"/>
+        </pc:sldMkLst>
+      </pc:sldChg>
+      <pc:sldChg chg="del">
+        <pc:chgData name="Cassandra K Hui" userId="S::ckhui@unr.edu::17f71015-be1a-44f4-b604-0146d8df4a12" providerId="AD" clId="Web-{463E9B9E-66F6-FC21-2DF0-1EA711CBAD4D}" dt="2024-10-22T22:43:34.082" v="49"/>
+        <pc:sldMkLst>
+          <pc:docMk/>
+          <pc:sldMk cId="808663110" sldId="298"/>
+        </pc:sldMkLst>
+      </pc:sldChg>
+      <pc:sldChg chg="del">
+        <pc:chgData name="Cassandra K Hui" userId="S::ckhui@unr.edu::17f71015-be1a-44f4-b604-0146d8df4a12" providerId="AD" clId="Web-{463E9B9E-66F6-FC21-2DF0-1EA711CBAD4D}" dt="2024-10-22T22:43:32.801" v="48"/>
+        <pc:sldMkLst>
+          <pc:docMk/>
+          <pc:sldMk cId="3617257432" sldId="299"/>
+        </pc:sldMkLst>
+      </pc:sldChg>
+      <pc:sldChg chg="del">
+        <pc:chgData name="Cassandra K Hui" userId="S::ckhui@unr.edu::17f71015-be1a-44f4-b604-0146d8df4a12" providerId="AD" clId="Web-{463E9B9E-66F6-FC21-2DF0-1EA711CBAD4D}" dt="2024-10-22T22:43:31.629" v="46"/>
+        <pc:sldMkLst>
+          <pc:docMk/>
+          <pc:sldMk cId="2793796280" sldId="300"/>
+        </pc:sldMkLst>
+      </pc:sldChg>
+      <pc:sldChg chg="del">
+        <pc:chgData name="Cassandra K Hui" userId="S::ckhui@unr.edu::17f71015-be1a-44f4-b604-0146d8df4a12" providerId="AD" clId="Web-{463E9B9E-66F6-FC21-2DF0-1EA711CBAD4D}" dt="2024-10-22T22:43:30.800" v="45"/>
+        <pc:sldMkLst>
+          <pc:docMk/>
+          <pc:sldMk cId="2739006632" sldId="301"/>
+        </pc:sldMkLst>
+      </pc:sldChg>
+      <pc:sldChg chg="modSp">
+        <pc:chgData name="Cassandra K Hui" userId="S::ckhui@unr.edu::17f71015-be1a-44f4-b604-0146d8df4a12" providerId="AD" clId="Web-{463E9B9E-66F6-FC21-2DF0-1EA711CBAD4D}" dt="2024-10-22T22:44:49.586" v="63" actId="20577"/>
+        <pc:sldMkLst>
+          <pc:docMk/>
+          <pc:sldMk cId="3461906500" sldId="306"/>
+        </pc:sldMkLst>
+        <pc:spChg chg="mod">
+          <ac:chgData name="Cassandra K Hui" userId="S::ckhui@unr.edu::17f71015-be1a-44f4-b604-0146d8df4a12" providerId="AD" clId="Web-{463E9B9E-66F6-FC21-2DF0-1EA711CBAD4D}" dt="2024-10-22T22:36:31.323" v="38" actId="20577"/>
+          <ac:spMkLst>
+            <pc:docMk/>
+            <pc:sldMk cId="3461906500" sldId="306"/>
+            <ac:spMk id="2" creationId="{0A32731C-311B-46F7-A865-6C3AF6B09A47}"/>
+          </ac:spMkLst>
+        </pc:spChg>
+        <pc:spChg chg="mod">
+          <ac:chgData name="Cassandra K Hui" userId="S::ckhui@unr.edu::17f71015-be1a-44f4-b604-0146d8df4a12" providerId="AD" clId="Web-{463E9B9E-66F6-FC21-2DF0-1EA711CBAD4D}" dt="2024-10-22T22:44:49.586" v="63" actId="20577"/>
+          <ac:spMkLst>
+            <pc:docMk/>
+            <pc:sldMk cId="3461906500" sldId="306"/>
+            <ac:spMk id="3" creationId="{9D5232F9-FD00-464A-9F17-619C91AEF8F3}"/>
+          </ac:spMkLst>
+        </pc:spChg>
+      </pc:sldChg>
+      <pc:sldChg chg="del">
+        <pc:chgData name="Cassandra K Hui" userId="S::ckhui@unr.edu::17f71015-be1a-44f4-b604-0146d8df4a12" providerId="AD" clId="Web-{463E9B9E-66F6-FC21-2DF0-1EA711CBAD4D}" dt="2024-10-22T22:43:36.176" v="52"/>
+        <pc:sldMkLst>
+          <pc:docMk/>
+          <pc:sldMk cId="2248794827" sldId="308"/>
+        </pc:sldMkLst>
+      </pc:sldChg>
+      <pc:sldChg chg="modSp add replId">
+        <pc:chgData name="Cassandra K Hui" userId="S::ckhui@unr.edu::17f71015-be1a-44f4-b604-0146d8df4a12" providerId="AD" clId="Web-{463E9B9E-66F6-FC21-2DF0-1EA711CBAD4D}" dt="2024-10-22T23:10:20.545" v="160" actId="20577"/>
+        <pc:sldMkLst>
+          <pc:docMk/>
+          <pc:sldMk cId="1018092312" sldId="311"/>
+        </pc:sldMkLst>
+        <pc:spChg chg="mod">
+          <ac:chgData name="Cassandra K Hui" userId="S::ckhui@unr.edu::17f71015-be1a-44f4-b604-0146d8df4a12" providerId="AD" clId="Web-{463E9B9E-66F6-FC21-2DF0-1EA711CBAD4D}" dt="2024-10-22T23:09:02.496" v="105" actId="20577"/>
+          <ac:spMkLst>
+            <pc:docMk/>
+            <pc:sldMk cId="1018092312" sldId="311"/>
+            <ac:spMk id="2" creationId="{0A32731C-311B-46F7-A865-6C3AF6B09A47}"/>
+          </ac:spMkLst>
+        </pc:spChg>
+        <pc:spChg chg="mod">
+          <ac:chgData name="Cassandra K Hui" userId="S::ckhui@unr.edu::17f71015-be1a-44f4-b604-0146d8df4a12" providerId="AD" clId="Web-{463E9B9E-66F6-FC21-2DF0-1EA711CBAD4D}" dt="2024-10-22T23:10:20.545" v="160" actId="20577"/>
+          <ac:spMkLst>
+            <pc:docMk/>
+            <pc:sldMk cId="1018092312" sldId="311"/>
+            <ac:spMk id="3" creationId="{9D5232F9-FD00-464A-9F17-619C91AEF8F3}"/>
+          </ac:spMkLst>
+        </pc:spChg>
+      </pc:sldChg>
+      <pc:sldChg chg="modSp add replId">
+        <pc:chgData name="Cassandra K Hui" userId="S::ckhui@unr.edu::17f71015-be1a-44f4-b604-0146d8df4a12" providerId="AD" clId="Web-{463E9B9E-66F6-FC21-2DF0-1EA711CBAD4D}" dt="2024-10-22T23:14:47.351" v="309" actId="20577"/>
+        <pc:sldMkLst>
+          <pc:docMk/>
+          <pc:sldMk cId="4058673025" sldId="312"/>
+        </pc:sldMkLst>
+        <pc:spChg chg="mod">
+          <ac:chgData name="Cassandra K Hui" userId="S::ckhui@unr.edu::17f71015-be1a-44f4-b604-0146d8df4a12" providerId="AD" clId="Web-{463E9B9E-66F6-FC21-2DF0-1EA711CBAD4D}" dt="2024-10-22T23:11:23.875" v="176" actId="20577"/>
+          <ac:spMkLst>
+            <pc:docMk/>
+            <pc:sldMk cId="4058673025" sldId="312"/>
+            <ac:spMk id="2" creationId="{0A32731C-311B-46F7-A865-6C3AF6B09A47}"/>
+          </ac:spMkLst>
+        </pc:spChg>
+        <pc:spChg chg="mod">
+          <ac:chgData name="Cassandra K Hui" userId="S::ckhui@unr.edu::17f71015-be1a-44f4-b604-0146d8df4a12" providerId="AD" clId="Web-{463E9B9E-66F6-FC21-2DF0-1EA711CBAD4D}" dt="2024-10-22T23:14:47.351" v="309" actId="20577"/>
+          <ac:spMkLst>
+            <pc:docMk/>
+            <pc:sldMk cId="4058673025" sldId="312"/>
+            <ac:spMk id="3" creationId="{9D5232F9-FD00-464A-9F17-619C91AEF8F3}"/>
+          </ac:spMkLst>
+        </pc:spChg>
+      </pc:sldChg>
+    </pc:docChg>
+  </pc:docChgLst>
+  <pc:docChgLst>
+    <pc:chgData name="Cassandra K Hui" userId="S::ckhui@unr.edu::17f71015-be1a-44f4-b604-0146d8df4a12" providerId="AD" clId="Web-{4A1F15BD-1A24-6261-A0B1-59F81AF030C8}"/>
+    <pc:docChg chg="addSld delSld modSld sldOrd">
+      <pc:chgData name="Cassandra K Hui" userId="S::ckhui@unr.edu::17f71015-be1a-44f4-b604-0146d8df4a12" providerId="AD" clId="Web-{4A1F15BD-1A24-6261-A0B1-59F81AF030C8}" dt="2024-10-24T18:35:04.407" v="21" actId="20577"/>
+      <pc:docMkLst>
+        <pc:docMk/>
+      </pc:docMkLst>
+      <pc:sldChg chg="modSp">
+        <pc:chgData name="Cassandra K Hui" userId="S::ckhui@unr.edu::17f71015-be1a-44f4-b604-0146d8df4a12" providerId="AD" clId="Web-{4A1F15BD-1A24-6261-A0B1-59F81AF030C8}" dt="2024-10-24T18:32:11.527" v="2" actId="20577"/>
+        <pc:sldMkLst>
+          <pc:docMk/>
+          <pc:sldMk cId="1713219598" sldId="257"/>
+        </pc:sldMkLst>
+        <pc:graphicFrameChg chg="modGraphic">
+          <ac:chgData name="Cassandra K Hui" userId="S::ckhui@unr.edu::17f71015-be1a-44f4-b604-0146d8df4a12" providerId="AD" clId="Web-{4A1F15BD-1A24-6261-A0B1-59F81AF030C8}" dt="2024-10-24T18:32:11.527" v="2" actId="20577"/>
+          <ac:graphicFrameMkLst>
+            <pc:docMk/>
+            <pc:sldMk cId="1713219598" sldId="257"/>
+            <ac:graphicFrameMk id="7" creationId="{3E8C3223-CE41-2E5D-6F02-8C4C2AC1D7CC}"/>
+          </ac:graphicFrameMkLst>
+        </pc:graphicFrameChg>
+      </pc:sldChg>
+      <pc:sldChg chg="del">
+        <pc:chgData name="Cassandra K Hui" userId="S::ckhui@unr.edu::17f71015-be1a-44f4-b604-0146d8df4a12" providerId="AD" clId="Web-{4A1F15BD-1A24-6261-A0B1-59F81AF030C8}" dt="2024-10-24T18:33:42.873" v="7"/>
+        <pc:sldMkLst>
+          <pc:docMk/>
+          <pc:sldMk cId="636929804" sldId="282"/>
+        </pc:sldMkLst>
+      </pc:sldChg>
+      <pc:sldChg chg="modSp">
+        <pc:chgData name="Cassandra K Hui" userId="S::ckhui@unr.edu::17f71015-be1a-44f4-b604-0146d8df4a12" providerId="AD" clId="Web-{4A1F15BD-1A24-6261-A0B1-59F81AF030C8}" dt="2024-10-24T18:32:28.793" v="6" actId="20577"/>
+        <pc:sldMkLst>
+          <pc:docMk/>
+          <pc:sldMk cId="3461906500" sldId="306"/>
+        </pc:sldMkLst>
+        <pc:spChg chg="mod">
+          <ac:chgData name="Cassandra K Hui" userId="S::ckhui@unr.edu::17f71015-be1a-44f4-b604-0146d8df4a12" providerId="AD" clId="Web-{4A1F15BD-1A24-6261-A0B1-59F81AF030C8}" dt="2024-10-24T18:32:28.793" v="6" actId="20577"/>
+          <ac:spMkLst>
+            <pc:docMk/>
+            <pc:sldMk cId="3461906500" sldId="306"/>
+            <ac:spMk id="3" creationId="{9D5232F9-FD00-464A-9F17-619C91AEF8F3}"/>
+          </ac:spMkLst>
+        </pc:spChg>
+      </pc:sldChg>
+      <pc:sldChg chg="modSp add ord replId">
+        <pc:chgData name="Cassandra K Hui" userId="S::ckhui@unr.edu::17f71015-be1a-44f4-b604-0146d8df4a12" providerId="AD" clId="Web-{4A1F15BD-1A24-6261-A0B1-59F81AF030C8}" dt="2024-10-24T18:34:43.719" v="18" actId="20577"/>
+        <pc:sldMkLst>
+          <pc:docMk/>
+          <pc:sldMk cId="4219340127" sldId="313"/>
+        </pc:sldMkLst>
+        <pc:spChg chg="mod">
+          <ac:chgData name="Cassandra K Hui" userId="S::ckhui@unr.edu::17f71015-be1a-44f4-b604-0146d8df4a12" providerId="AD" clId="Web-{4A1F15BD-1A24-6261-A0B1-59F81AF030C8}" dt="2024-10-24T18:34:43.719" v="18" actId="20577"/>
+          <ac:spMkLst>
+            <pc:docMk/>
+            <pc:sldMk cId="4219340127" sldId="313"/>
+            <ac:spMk id="2" creationId="{566C97BE-403B-122E-90D1-2788978A0B6F}"/>
+          </ac:spMkLst>
+        </pc:spChg>
+      </pc:sldChg>
+      <pc:sldChg chg="modSp add ord replId">
+        <pc:chgData name="Cassandra K Hui" userId="S::ckhui@unr.edu::17f71015-be1a-44f4-b604-0146d8df4a12" providerId="AD" clId="Web-{4A1F15BD-1A24-6261-A0B1-59F81AF030C8}" dt="2024-10-24T18:35:04.407" v="21" actId="20577"/>
+        <pc:sldMkLst>
+          <pc:docMk/>
+          <pc:sldMk cId="1115921236" sldId="314"/>
+        </pc:sldMkLst>
+        <pc:spChg chg="mod">
+          <ac:chgData name="Cassandra K Hui" userId="S::ckhui@unr.edu::17f71015-be1a-44f4-b604-0146d8df4a12" providerId="AD" clId="Web-{4A1F15BD-1A24-6261-A0B1-59F81AF030C8}" dt="2024-10-24T18:35:04.407" v="21" actId="20577"/>
+          <ac:spMkLst>
+            <pc:docMk/>
+            <pc:sldMk cId="1115921236" sldId="314"/>
+            <ac:spMk id="2" creationId="{566C97BE-403B-122E-90D1-2788978A0B6F}"/>
+          </ac:spMkLst>
+        </pc:spChg>
+      </pc:sldChg>
+    </pc:docChg>
+  </pc:docChgLst>
+</pc:chgInfo>
 </file>
 
 <file path=ppt/diagrams/colors1.xml><?xml version="1.0" encoding="utf-8"?>
@@ -1214,49 +4787,6 @@
         </a:p>
       </dgm:t>
     </dgm:pt>
-    <dgm:pt modelId="{206DD5C5-0C3B-4077-916F-599042B6B122}">
-      <dgm:prSet phldr="0"/>
-      <dgm:spPr/>
-      <dgm:t>
-        <a:bodyPr/>
-        <a:lstStyle/>
-        <a:p>
-          <a:pPr>
-            <a:lnSpc>
-              <a:spcPct val="100000"/>
-            </a:lnSpc>
-          </a:pPr>
-          <a:r>
-            <a:rPr lang="en-US" dirty="0">
-              <a:latin typeface="Tenorite"/>
-            </a:rPr>
-            <a:t> What is Forking</a:t>
-          </a:r>
-        </a:p>
-      </dgm:t>
-    </dgm:pt>
-    <dgm:pt modelId="{4F4E3010-A342-417D-AC9A-C55A22ABAB61}" type="parTrans" cxnId="{61F260D1-03F7-4004-AA10-342FC208C08C}">
-      <dgm:prSet/>
-      <dgm:spPr/>
-      <dgm:t>
-        <a:bodyPr/>
-        <a:lstStyle/>
-        <a:p>
-          <a:endParaRPr lang="en-US"/>
-        </a:p>
-      </dgm:t>
-    </dgm:pt>
-    <dgm:pt modelId="{D301FEB8-976C-4B92-BE54-1B29144A8020}" type="sibTrans" cxnId="{61F260D1-03F7-4004-AA10-342FC208C08C}">
-      <dgm:prSet/>
-      <dgm:spPr/>
-      <dgm:t>
-        <a:bodyPr/>
-        <a:lstStyle/>
-        <a:p>
-          <a:endParaRPr lang="en-US"/>
-        </a:p>
-      </dgm:t>
-    </dgm:pt>
     <dgm:pt modelId="{0C42D7A7-178C-4609-8D09-33DD6B98A093}" type="pres">
       <dgm:prSet presAssocID="{9FD1AFB0-6387-467C-9D6F-5E1DF60EF603}" presName="root" presStyleCnt="0">
         <dgm:presLayoutVars>
@@ -1271,11 +4801,11 @@
       <dgm:spPr/>
     </dgm:pt>
     <dgm:pt modelId="{A5925D3D-BEE3-4B3C-931D-3CF75C8C5040}" type="pres">
-      <dgm:prSet presAssocID="{4C3DE8AD-B8B2-41E6-8408-2124A73C10A9}" presName="bgRect" presStyleLbl="bgShp" presStyleIdx="0" presStyleCnt="8"/>
+      <dgm:prSet presAssocID="{4C3DE8AD-B8B2-41E6-8408-2124A73C10A9}" presName="bgRect" presStyleLbl="bgShp" presStyleIdx="0" presStyleCnt="7"/>
       <dgm:spPr/>
     </dgm:pt>
     <dgm:pt modelId="{1EDAC6CF-7E66-4F3C-9FC6-0F8C96EBE63A}" type="pres">
-      <dgm:prSet presAssocID="{4C3DE8AD-B8B2-41E6-8408-2124A73C10A9}" presName="iconRect" presStyleLbl="node1" presStyleIdx="0" presStyleCnt="8"/>
+      <dgm:prSet presAssocID="{4C3DE8AD-B8B2-41E6-8408-2124A73C10A9}" presName="iconRect" presStyleLbl="node1" presStyleIdx="0" presStyleCnt="7"/>
       <dgm:spPr>
         <a:blipFill>
           <a:blip xmlns:r="http://schemas.openxmlformats.org/officeDocument/2006/relationships" r:embed="rId1">
@@ -1307,7 +4837,7 @@
       <dgm:spPr/>
     </dgm:pt>
     <dgm:pt modelId="{D6F43A56-524F-4F12-BBE0-93D9FA891300}" type="pres">
-      <dgm:prSet presAssocID="{4C3DE8AD-B8B2-41E6-8408-2124A73C10A9}" presName="parTx" presStyleLbl="revTx" presStyleIdx="0" presStyleCnt="8">
+      <dgm:prSet presAssocID="{4C3DE8AD-B8B2-41E6-8408-2124A73C10A9}" presName="parTx" presStyleLbl="revTx" presStyleIdx="0" presStyleCnt="7">
         <dgm:presLayoutVars>
           <dgm:chMax val="0"/>
           <dgm:chPref val="0"/>
@@ -1324,11 +4854,11 @@
       <dgm:spPr/>
     </dgm:pt>
     <dgm:pt modelId="{43344060-5056-4545-A057-7AD6A4F20165}" type="pres">
-      <dgm:prSet presAssocID="{09BD055C-CAA1-4115-B916-512C197E1558}" presName="bgRect" presStyleLbl="bgShp" presStyleIdx="1" presStyleCnt="8"/>
+      <dgm:prSet presAssocID="{09BD055C-CAA1-4115-B916-512C197E1558}" presName="bgRect" presStyleLbl="bgShp" presStyleIdx="1" presStyleCnt="7"/>
       <dgm:spPr/>
     </dgm:pt>
     <dgm:pt modelId="{CA688B30-FD34-4C23-9ED0-6D3ED5D22A2F}" type="pres">
-      <dgm:prSet presAssocID="{09BD055C-CAA1-4115-B916-512C197E1558}" presName="iconRect" presStyleLbl="node1" presStyleIdx="1" presStyleCnt="8"/>
+      <dgm:prSet presAssocID="{09BD055C-CAA1-4115-B916-512C197E1558}" presName="iconRect" presStyleLbl="node1" presStyleIdx="1" presStyleCnt="7"/>
       <dgm:spPr>
         <a:blipFill>
           <a:blip xmlns:r="http://schemas.openxmlformats.org/officeDocument/2006/relationships" r:embed="rId3">
@@ -1360,7 +4890,7 @@
       <dgm:spPr/>
     </dgm:pt>
     <dgm:pt modelId="{E4DD5D98-D588-43FC-B797-D9CCBB8ABCEE}" type="pres">
-      <dgm:prSet presAssocID="{09BD055C-CAA1-4115-B916-512C197E1558}" presName="parTx" presStyleLbl="revTx" presStyleIdx="1" presStyleCnt="8">
+      <dgm:prSet presAssocID="{09BD055C-CAA1-4115-B916-512C197E1558}" presName="parTx" presStyleLbl="revTx" presStyleIdx="1" presStyleCnt="7">
         <dgm:presLayoutVars>
           <dgm:chMax val="0"/>
           <dgm:chPref val="0"/>
@@ -1377,11 +4907,11 @@
       <dgm:spPr/>
     </dgm:pt>
     <dgm:pt modelId="{4A5E8915-E0DA-4D9A-81C3-E30F9CAE40E9}" type="pres">
-      <dgm:prSet presAssocID="{1F0C335D-60CA-494D-AE2B-EBF3A973EB00}" presName="bgRect" presStyleLbl="bgShp" presStyleIdx="2" presStyleCnt="8"/>
+      <dgm:prSet presAssocID="{1F0C335D-60CA-494D-AE2B-EBF3A973EB00}" presName="bgRect" presStyleLbl="bgShp" presStyleIdx="2" presStyleCnt="7"/>
       <dgm:spPr/>
     </dgm:pt>
     <dgm:pt modelId="{C64BB8EC-A5E0-49EF-BE81-7C8D667C5708}" type="pres">
-      <dgm:prSet presAssocID="{1F0C335D-60CA-494D-AE2B-EBF3A973EB00}" presName="iconRect" presStyleLbl="node1" presStyleIdx="2" presStyleCnt="8"/>
+      <dgm:prSet presAssocID="{1F0C335D-60CA-494D-AE2B-EBF3A973EB00}" presName="iconRect" presStyleLbl="node1" presStyleIdx="2" presStyleCnt="7"/>
       <dgm:spPr>
         <a:blipFill>
           <a:blip xmlns:r="http://schemas.openxmlformats.org/officeDocument/2006/relationships" r:embed="rId5">
@@ -1413,7 +4943,7 @@
       <dgm:spPr/>
     </dgm:pt>
     <dgm:pt modelId="{911D19C0-AE42-43BA-8EDF-465FAC5F867F}" type="pres">
-      <dgm:prSet presAssocID="{1F0C335D-60CA-494D-AE2B-EBF3A973EB00}" presName="parTx" presStyleLbl="revTx" presStyleIdx="2" presStyleCnt="8">
+      <dgm:prSet presAssocID="{1F0C335D-60CA-494D-AE2B-EBF3A973EB00}" presName="parTx" presStyleLbl="revTx" presStyleIdx="2" presStyleCnt="7">
         <dgm:presLayoutVars>
           <dgm:chMax val="0"/>
           <dgm:chPref val="0"/>
@@ -1430,11 +4960,11 @@
       <dgm:spPr/>
     </dgm:pt>
     <dgm:pt modelId="{24D3EC5A-78A1-4623-86BE-769C2000223F}" type="pres">
-      <dgm:prSet presAssocID="{C74F7953-35E1-47C3-AA7F-D05586AC820A}" presName="bgRect" presStyleLbl="bgShp" presStyleIdx="3" presStyleCnt="8"/>
+      <dgm:prSet presAssocID="{C74F7953-35E1-47C3-AA7F-D05586AC820A}" presName="bgRect" presStyleLbl="bgShp" presStyleIdx="3" presStyleCnt="7"/>
       <dgm:spPr/>
     </dgm:pt>
     <dgm:pt modelId="{D42F7E2F-6DAC-4BD5-AB91-775DAA305833}" type="pres">
-      <dgm:prSet presAssocID="{C74F7953-35E1-47C3-AA7F-D05586AC820A}" presName="iconRect" presStyleLbl="node1" presStyleIdx="3" presStyleCnt="8"/>
+      <dgm:prSet presAssocID="{C74F7953-35E1-47C3-AA7F-D05586AC820A}" presName="iconRect" presStyleLbl="node1" presStyleIdx="3" presStyleCnt="7"/>
       <dgm:spPr>
         <a:blipFill>
           <a:blip xmlns:r="http://schemas.openxmlformats.org/officeDocument/2006/relationships" r:embed="rId7">
@@ -1466,7 +4996,7 @@
       <dgm:spPr/>
     </dgm:pt>
     <dgm:pt modelId="{E0854D8A-DB57-4214-A993-8C2FF44AB201}" type="pres">
-      <dgm:prSet presAssocID="{C74F7953-35E1-47C3-AA7F-D05586AC820A}" presName="parTx" presStyleLbl="revTx" presStyleIdx="3" presStyleCnt="8">
+      <dgm:prSet presAssocID="{C74F7953-35E1-47C3-AA7F-D05586AC820A}" presName="parTx" presStyleLbl="revTx" presStyleIdx="3" presStyleCnt="7">
         <dgm:presLayoutVars>
           <dgm:chMax val="0"/>
           <dgm:chPref val="0"/>
@@ -1483,11 +5013,11 @@
       <dgm:spPr/>
     </dgm:pt>
     <dgm:pt modelId="{667D1919-76C8-4E2E-800C-36EF423CC6A8}" type="pres">
-      <dgm:prSet presAssocID="{B602E8FF-A98E-4D29-A781-40007C471AB1}" presName="bgRect" presStyleLbl="bgShp" presStyleIdx="4" presStyleCnt="8"/>
+      <dgm:prSet presAssocID="{B602E8FF-A98E-4D29-A781-40007C471AB1}" presName="bgRect" presStyleLbl="bgShp" presStyleIdx="4" presStyleCnt="7"/>
       <dgm:spPr/>
     </dgm:pt>
     <dgm:pt modelId="{3609B0D3-5E21-426E-9BE3-C0469160FE90}" type="pres">
-      <dgm:prSet presAssocID="{B602E8FF-A98E-4D29-A781-40007C471AB1}" presName="iconRect" presStyleLbl="node1" presStyleIdx="4" presStyleCnt="8"/>
+      <dgm:prSet presAssocID="{B602E8FF-A98E-4D29-A781-40007C471AB1}" presName="iconRect" presStyleLbl="node1" presStyleIdx="4" presStyleCnt="7"/>
       <dgm:spPr/>
     </dgm:pt>
     <dgm:pt modelId="{C9E8DD15-CFDD-4D5C-8FA0-E1E761C8E487}" type="pres">
@@ -1495,7 +5025,7 @@
       <dgm:spPr/>
     </dgm:pt>
     <dgm:pt modelId="{823A42C8-E185-4343-81FA-55F899FBAE91}" type="pres">
-      <dgm:prSet presAssocID="{B602E8FF-A98E-4D29-A781-40007C471AB1}" presName="parTx" presStyleLbl="revTx" presStyleIdx="4" presStyleCnt="8">
+      <dgm:prSet presAssocID="{B602E8FF-A98E-4D29-A781-40007C471AB1}" presName="parTx" presStyleLbl="revTx" presStyleIdx="4" presStyleCnt="7">
         <dgm:presLayoutVars>
           <dgm:chMax val="0"/>
           <dgm:chPref val="0"/>
@@ -1512,11 +5042,11 @@
       <dgm:spPr/>
     </dgm:pt>
     <dgm:pt modelId="{5566DF11-A912-4454-9720-2EF569AECD4B}" type="pres">
-      <dgm:prSet presAssocID="{BB28E13E-09EB-4820-ADD1-20CADDE8629C}" presName="bgRect" presStyleLbl="bgShp" presStyleIdx="5" presStyleCnt="8"/>
+      <dgm:prSet presAssocID="{BB28E13E-09EB-4820-ADD1-20CADDE8629C}" presName="bgRect" presStyleLbl="bgShp" presStyleIdx="5" presStyleCnt="7"/>
       <dgm:spPr/>
     </dgm:pt>
     <dgm:pt modelId="{C6C5DFC3-7EAB-4863-8140-68729CE6444B}" type="pres">
-      <dgm:prSet presAssocID="{BB28E13E-09EB-4820-ADD1-20CADDE8629C}" presName="iconRect" presStyleLbl="node1" presStyleIdx="5" presStyleCnt="8"/>
+      <dgm:prSet presAssocID="{BB28E13E-09EB-4820-ADD1-20CADDE8629C}" presName="iconRect" presStyleLbl="node1" presStyleIdx="5" presStyleCnt="7"/>
       <dgm:spPr>
         <a:blipFill>
           <a:blip xmlns:r="http://schemas.openxmlformats.org/officeDocument/2006/relationships" r:embed="rId9">
@@ -1548,7 +5078,7 @@
       <dgm:spPr/>
     </dgm:pt>
     <dgm:pt modelId="{558ED42F-7918-4F32-BF4F-69313E63CAD0}" type="pres">
-      <dgm:prSet presAssocID="{BB28E13E-09EB-4820-ADD1-20CADDE8629C}" presName="parTx" presStyleLbl="revTx" presStyleIdx="5" presStyleCnt="8">
+      <dgm:prSet presAssocID="{BB28E13E-09EB-4820-ADD1-20CADDE8629C}" presName="parTx" presStyleLbl="revTx" presStyleIdx="5" presStyleCnt="7">
         <dgm:presLayoutVars>
           <dgm:chMax val="0"/>
           <dgm:chPref val="0"/>
@@ -1565,11 +5095,11 @@
       <dgm:spPr/>
     </dgm:pt>
     <dgm:pt modelId="{29864544-7A60-45CA-80E3-A2C9170F0A59}" type="pres">
-      <dgm:prSet presAssocID="{46D5C940-FD53-43BE-9C67-5F7E0371D42B}" presName="bgRect" presStyleLbl="bgShp" presStyleIdx="6" presStyleCnt="8"/>
+      <dgm:prSet presAssocID="{46D5C940-FD53-43BE-9C67-5F7E0371D42B}" presName="bgRect" presStyleLbl="bgShp" presStyleIdx="6" presStyleCnt="7"/>
       <dgm:spPr/>
     </dgm:pt>
     <dgm:pt modelId="{50CD5528-C3E7-425C-989B-4F77A2DFA60C}" type="pres">
-      <dgm:prSet presAssocID="{46D5C940-FD53-43BE-9C67-5F7E0371D42B}" presName="iconRect" presStyleLbl="node1" presStyleIdx="6" presStyleCnt="8"/>
+      <dgm:prSet presAssocID="{46D5C940-FD53-43BE-9C67-5F7E0371D42B}" presName="iconRect" presStyleLbl="node1" presStyleIdx="6" presStyleCnt="7"/>
       <dgm:spPr/>
     </dgm:pt>
     <dgm:pt modelId="{68F8DB42-1B29-4F19-9551-5A3D41206127}" type="pres">
@@ -1577,36 +5107,7 @@
       <dgm:spPr/>
     </dgm:pt>
     <dgm:pt modelId="{F6A79757-94A7-4C22-963D-173EEF6D03D7}" type="pres">
-      <dgm:prSet presAssocID="{46D5C940-FD53-43BE-9C67-5F7E0371D42B}" presName="parTx" presStyleLbl="revTx" presStyleIdx="6" presStyleCnt="8">
-        <dgm:presLayoutVars>
-          <dgm:chMax val="0"/>
-          <dgm:chPref val="0"/>
-        </dgm:presLayoutVars>
-      </dgm:prSet>
-      <dgm:spPr/>
-    </dgm:pt>
-    <dgm:pt modelId="{7D79E86B-BB50-4A9E-A4A3-3781E4C320A4}" type="pres">
-      <dgm:prSet presAssocID="{454E9C97-8E7D-4EA4-9A47-81540CF7625F}" presName="sibTrans" presStyleCnt="0"/>
-      <dgm:spPr/>
-    </dgm:pt>
-    <dgm:pt modelId="{61CC40C0-FF21-49CC-ABE6-63EF7E45F325}" type="pres">
-      <dgm:prSet presAssocID="{206DD5C5-0C3B-4077-916F-599042B6B122}" presName="compNode" presStyleCnt="0"/>
-      <dgm:spPr/>
-    </dgm:pt>
-    <dgm:pt modelId="{08C4EB0D-9BFE-4B29-BFC6-74507DDFDDC6}" type="pres">
-      <dgm:prSet presAssocID="{206DD5C5-0C3B-4077-916F-599042B6B122}" presName="bgRect" presStyleLbl="bgShp" presStyleIdx="7" presStyleCnt="8"/>
-      <dgm:spPr/>
-    </dgm:pt>
-    <dgm:pt modelId="{E7025946-103F-4753-8FFE-96CBB558F39A}" type="pres">
-      <dgm:prSet presAssocID="{206DD5C5-0C3B-4077-916F-599042B6B122}" presName="iconRect" presStyleLbl="node1" presStyleIdx="7" presStyleCnt="8"/>
-      <dgm:spPr/>
-    </dgm:pt>
-    <dgm:pt modelId="{DEB1B573-0077-448E-B604-06FF9B78E894}" type="pres">
-      <dgm:prSet presAssocID="{206DD5C5-0C3B-4077-916F-599042B6B122}" presName="spaceRect" presStyleCnt="0"/>
-      <dgm:spPr/>
-    </dgm:pt>
-    <dgm:pt modelId="{D6E83731-BCA6-482C-9C90-407EF6563157}" type="pres">
-      <dgm:prSet presAssocID="{206DD5C5-0C3B-4077-916F-599042B6B122}" presName="parTx" presStyleLbl="revTx" presStyleIdx="7" presStyleCnt="8">
+      <dgm:prSet presAssocID="{46D5C940-FD53-43BE-9C67-5F7E0371D42B}" presName="parTx" presStyleLbl="revTx" presStyleIdx="6" presStyleCnt="7">
         <dgm:presLayoutVars>
           <dgm:chMax val="0"/>
           <dgm:chPref val="0"/>
@@ -1618,7 +5119,6 @@
   <dgm:cxnLst>
     <dgm:cxn modelId="{EEF64C05-927B-4419-9D1B-028737C35EB2}" type="presOf" srcId="{4C3DE8AD-B8B2-41E6-8408-2124A73C10A9}" destId="{D6F43A56-524F-4F12-BBE0-93D9FA891300}" srcOrd="0" destOrd="0" presId="urn:microsoft.com/office/officeart/2018/2/layout/IconVerticalSolidList"/>
     <dgm:cxn modelId="{2F9F960C-67C2-4364-951C-5152A8671B82}" type="presOf" srcId="{9FD1AFB0-6387-467C-9D6F-5E1DF60EF603}" destId="{0C42D7A7-178C-4609-8D09-33DD6B98A093}" srcOrd="0" destOrd="0" presId="urn:microsoft.com/office/officeart/2018/2/layout/IconVerticalSolidList"/>
-    <dgm:cxn modelId="{D8787A10-3A56-47BD-9B71-CDA09577030A}" type="presOf" srcId="{206DD5C5-0C3B-4077-916F-599042B6B122}" destId="{D6E83731-BCA6-482C-9C90-407EF6563157}" srcOrd="0" destOrd="0" presId="urn:microsoft.com/office/officeart/2018/2/layout/IconVerticalSolidList"/>
     <dgm:cxn modelId="{1CB00E29-ADBF-4FBC-AE18-2E7406FB4889}" srcId="{9FD1AFB0-6387-467C-9D6F-5E1DF60EF603}" destId="{09BD055C-CAA1-4115-B916-512C197E1558}" srcOrd="1" destOrd="0" parTransId="{0FDD0D0A-D22D-45C2-B4EC-4C0DA08376D2}" sibTransId="{C26B2AB4-0C37-4D05-83CE-743AD7018E9A}"/>
     <dgm:cxn modelId="{C10B3C3C-1D08-46B1-BC60-CF53299C1380}" type="presOf" srcId="{B602E8FF-A98E-4D29-A781-40007C471AB1}" destId="{823A42C8-E185-4343-81FA-55F899FBAE91}" srcOrd="0" destOrd="0" presId="urn:microsoft.com/office/officeart/2018/2/layout/IconVerticalSolidList"/>
     <dgm:cxn modelId="{BD841E63-D30E-4423-94D3-B0CC2759DC5B}" type="presOf" srcId="{09BD055C-CAA1-4115-B916-512C197E1558}" destId="{E4DD5D98-D588-43FC-B797-D9CCBB8ABCEE}" srcOrd="0" destOrd="0" presId="urn:microsoft.com/office/officeart/2018/2/layout/IconVerticalSolidList"/>
@@ -1632,7 +5132,6 @@
     <dgm:cxn modelId="{2A6E1290-C986-41A9-A736-7FA35707D8AE}" srcId="{9FD1AFB0-6387-467C-9D6F-5E1DF60EF603}" destId="{C74F7953-35E1-47C3-AA7F-D05586AC820A}" srcOrd="3" destOrd="0" parTransId="{4DDCE2DE-5C28-4A48-8325-DACD9B0DA1D7}" sibTransId="{AA4896E9-C046-4F02-AC64-B094B353546B}"/>
     <dgm:cxn modelId="{98AE7499-F80F-41A7-9AF2-0A22E85F314B}" type="presOf" srcId="{BB28E13E-09EB-4820-ADD1-20CADDE8629C}" destId="{558ED42F-7918-4F32-BF4F-69313E63CAD0}" srcOrd="0" destOrd="0" presId="urn:microsoft.com/office/officeart/2018/2/layout/IconVerticalSolidList"/>
     <dgm:cxn modelId="{D1AE699D-35D4-41EC-B42A-7B6B2200AC08}" type="presOf" srcId="{C74F7953-35E1-47C3-AA7F-D05586AC820A}" destId="{E0854D8A-DB57-4214-A993-8C2FF44AB201}" srcOrd="0" destOrd="0" presId="urn:microsoft.com/office/officeart/2018/2/layout/IconVerticalSolidList"/>
-    <dgm:cxn modelId="{61F260D1-03F7-4004-AA10-342FC208C08C}" srcId="{9FD1AFB0-6387-467C-9D6F-5E1DF60EF603}" destId="{206DD5C5-0C3B-4077-916F-599042B6B122}" srcOrd="7" destOrd="0" parTransId="{4F4E3010-A342-417D-AC9A-C55A22ABAB61}" sibTransId="{D301FEB8-976C-4B92-BE54-1B29144A8020}"/>
     <dgm:cxn modelId="{43EE1BD7-7D7B-45CE-822D-360611D2F6B1}" type="presParOf" srcId="{0C42D7A7-178C-4609-8D09-33DD6B98A093}" destId="{D85FA441-9E15-4D3B-A79A-DF249F4D9888}" srcOrd="0" destOrd="0" presId="urn:microsoft.com/office/officeart/2018/2/layout/IconVerticalSolidList"/>
     <dgm:cxn modelId="{D88CD668-5F5F-486C-A863-14B09C3C895C}" type="presParOf" srcId="{D85FA441-9E15-4D3B-A79A-DF249F4D9888}" destId="{A5925D3D-BEE3-4B3C-931D-3CF75C8C5040}" srcOrd="0" destOrd="0" presId="urn:microsoft.com/office/officeart/2018/2/layout/IconVerticalSolidList"/>
     <dgm:cxn modelId="{A665D336-CA6A-40FC-9DF0-CA9EEF4C45F9}" type="presParOf" srcId="{D85FA441-9E15-4D3B-A79A-DF249F4D9888}" destId="{1EDAC6CF-7E66-4F3C-9FC6-0F8C96EBE63A}" srcOrd="1" destOrd="0" presId="urn:microsoft.com/office/officeart/2018/2/layout/IconVerticalSolidList"/>
@@ -1674,12 +5173,6 @@
     <dgm:cxn modelId="{240B42E3-E9E9-4B99-99D9-18BAC0ACB7B1}" type="presParOf" srcId="{6E2C67DA-8408-47AC-BA69-B595E3459F2C}" destId="{50CD5528-C3E7-425C-989B-4F77A2DFA60C}" srcOrd="1" destOrd="0" presId="urn:microsoft.com/office/officeart/2018/2/layout/IconVerticalSolidList"/>
     <dgm:cxn modelId="{F3FA3431-4596-471B-A530-B786B94A6042}" type="presParOf" srcId="{6E2C67DA-8408-47AC-BA69-B595E3459F2C}" destId="{68F8DB42-1B29-4F19-9551-5A3D41206127}" srcOrd="2" destOrd="0" presId="urn:microsoft.com/office/officeart/2018/2/layout/IconVerticalSolidList"/>
     <dgm:cxn modelId="{066C57CD-F414-4FED-923A-7BAC15FCFE12}" type="presParOf" srcId="{6E2C67DA-8408-47AC-BA69-B595E3459F2C}" destId="{F6A79757-94A7-4C22-963D-173EEF6D03D7}" srcOrd="3" destOrd="0" presId="urn:microsoft.com/office/officeart/2018/2/layout/IconVerticalSolidList"/>
-    <dgm:cxn modelId="{45668CCE-B18F-4EBA-95DD-F563E8CE90FC}" type="presParOf" srcId="{0C42D7A7-178C-4609-8D09-33DD6B98A093}" destId="{7D79E86B-BB50-4A9E-A4A3-3781E4C320A4}" srcOrd="13" destOrd="0" presId="urn:microsoft.com/office/officeart/2018/2/layout/IconVerticalSolidList"/>
-    <dgm:cxn modelId="{C255972E-0469-46B0-B2E7-A6BB26AD8CB7}" type="presParOf" srcId="{0C42D7A7-178C-4609-8D09-33DD6B98A093}" destId="{61CC40C0-FF21-49CC-ABE6-63EF7E45F325}" srcOrd="14" destOrd="0" presId="urn:microsoft.com/office/officeart/2018/2/layout/IconVerticalSolidList"/>
-    <dgm:cxn modelId="{040D7332-604E-411B-859D-497BAD854CEC}" type="presParOf" srcId="{61CC40C0-FF21-49CC-ABE6-63EF7E45F325}" destId="{08C4EB0D-9BFE-4B29-BFC6-74507DDFDDC6}" srcOrd="0" destOrd="0" presId="urn:microsoft.com/office/officeart/2018/2/layout/IconVerticalSolidList"/>
-    <dgm:cxn modelId="{461C06A6-FBF7-4C55-BEC3-CD82672504FD}" type="presParOf" srcId="{61CC40C0-FF21-49CC-ABE6-63EF7E45F325}" destId="{E7025946-103F-4753-8FFE-96CBB558F39A}" srcOrd="1" destOrd="0" presId="urn:microsoft.com/office/officeart/2018/2/layout/IconVerticalSolidList"/>
-    <dgm:cxn modelId="{BF9A4CA0-9D18-4E3A-B23A-5C7A6CF9A162}" type="presParOf" srcId="{61CC40C0-FF21-49CC-ABE6-63EF7E45F325}" destId="{DEB1B573-0077-448E-B604-06FF9B78E894}" srcOrd="2" destOrd="0" presId="urn:microsoft.com/office/officeart/2018/2/layout/IconVerticalSolidList"/>
-    <dgm:cxn modelId="{ED9FAC79-295F-46EC-893D-F42AA28E950B}" type="presParOf" srcId="{61CC40C0-FF21-49CC-ABE6-63EF7E45F325}" destId="{D6E83731-BCA6-482C-9C90-407EF6563157}" srcOrd="3" destOrd="0" presId="urn:microsoft.com/office/officeart/2018/2/layout/IconVerticalSolidList"/>
   </dgm:cxnLst>
   <dgm:bg/>
   <dgm:whole/>
@@ -1706,8 +5199,8 @@
       </dsp:nvSpPr>
       <dsp:spPr>
         <a:xfrm>
-          <a:off x="0" y="624"/>
-          <a:ext cx="7137404" cy="524578"/>
+          <a:off x="0" y="437"/>
+          <a:ext cx="7137404" cy="601766"/>
         </a:xfrm>
         <a:prstGeom prst="roundRect">
           <a:avLst>
@@ -1748,8 +5241,8 @@
       </dsp:nvSpPr>
       <dsp:spPr>
         <a:xfrm>
-          <a:off x="158684" y="118654"/>
-          <a:ext cx="288518" cy="288518"/>
+          <a:off x="182034" y="135834"/>
+          <a:ext cx="330971" cy="330971"/>
         </a:xfrm>
         <a:prstGeom prst="rect">
           <a:avLst/>
@@ -1798,8 +5291,8 @@
       </dsp:nvSpPr>
       <dsp:spPr>
         <a:xfrm>
-          <a:off x="605888" y="624"/>
-          <a:ext cx="6531515" cy="524578"/>
+          <a:off x="695040" y="437"/>
+          <a:ext cx="6442363" cy="601766"/>
         </a:xfrm>
         <a:prstGeom prst="rect">
           <a:avLst/>
@@ -1823,7 +5316,7 @@
         <a:fontRef idx="minor"/>
       </dsp:style>
       <dsp:txBody>
-        <a:bodyPr spcFirstLastPara="0" vert="horz" wrap="square" lIns="55518" tIns="55518" rIns="55518" bIns="55518" numCol="1" spcCol="1270" anchor="ctr" anchorCtr="0">
+        <a:bodyPr spcFirstLastPara="0" vert="horz" wrap="square" lIns="63687" tIns="63687" rIns="63687" bIns="63687" numCol="1" spcCol="1270" anchor="ctr" anchorCtr="0">
           <a:noAutofit/>
         </a:bodyPr>
         <a:lstStyle/>
@@ -1847,8 +5340,8 @@
         </a:p>
       </dsp:txBody>
       <dsp:txXfrm>
-        <a:off x="605888" y="624"/>
-        <a:ext cx="6531515" cy="524578"/>
+        <a:off x="695040" y="437"/>
+        <a:ext cx="6442363" cy="601766"/>
       </dsp:txXfrm>
     </dsp:sp>
     <dsp:sp modelId="{43344060-5056-4545-A057-7AD6A4F20165}">
@@ -1858,8 +5351,8 @@
       </dsp:nvSpPr>
       <dsp:spPr>
         <a:xfrm>
-          <a:off x="0" y="656347"/>
-          <a:ext cx="7137404" cy="524578"/>
+          <a:off x="0" y="752645"/>
+          <a:ext cx="7137404" cy="601766"/>
         </a:xfrm>
         <a:prstGeom prst="roundRect">
           <a:avLst>
@@ -1900,8 +5393,8 @@
       </dsp:nvSpPr>
       <dsp:spPr>
         <a:xfrm>
-          <a:off x="158684" y="774377"/>
-          <a:ext cx="288518" cy="288518"/>
+          <a:off x="182034" y="888042"/>
+          <a:ext cx="330971" cy="330971"/>
         </a:xfrm>
         <a:prstGeom prst="rect">
           <a:avLst/>
@@ -1950,8 +5443,8 @@
       </dsp:nvSpPr>
       <dsp:spPr>
         <a:xfrm>
-          <a:off x="605888" y="656347"/>
-          <a:ext cx="6531515" cy="524578"/>
+          <a:off x="695040" y="752645"/>
+          <a:ext cx="6442363" cy="601766"/>
         </a:xfrm>
         <a:prstGeom prst="rect">
           <a:avLst/>
@@ -1975,7 +5468,7 @@
         <a:fontRef idx="minor"/>
       </dsp:style>
       <dsp:txBody>
-        <a:bodyPr spcFirstLastPara="0" vert="horz" wrap="square" lIns="55518" tIns="55518" rIns="55518" bIns="55518" numCol="1" spcCol="1270" anchor="ctr" anchorCtr="0">
+        <a:bodyPr spcFirstLastPara="0" vert="horz" wrap="square" lIns="63687" tIns="63687" rIns="63687" bIns="63687" numCol="1" spcCol="1270" anchor="ctr" anchorCtr="0">
           <a:noAutofit/>
         </a:bodyPr>
         <a:lstStyle/>
@@ -1999,8 +5492,8 @@
         </a:p>
       </dsp:txBody>
       <dsp:txXfrm>
-        <a:off x="605888" y="656347"/>
-        <a:ext cx="6531515" cy="524578"/>
+        <a:off x="695040" y="752645"/>
+        <a:ext cx="6442363" cy="601766"/>
       </dsp:txXfrm>
     </dsp:sp>
     <dsp:sp modelId="{4A5E8915-E0DA-4D9A-81C3-E30F9CAE40E9}">
@@ -2010,8 +5503,8 @@
       </dsp:nvSpPr>
       <dsp:spPr>
         <a:xfrm>
-          <a:off x="0" y="1312070"/>
-          <a:ext cx="7137404" cy="524578"/>
+          <a:off x="0" y="1504853"/>
+          <a:ext cx="7137404" cy="601766"/>
         </a:xfrm>
         <a:prstGeom prst="roundRect">
           <a:avLst>
@@ -2052,8 +5545,8 @@
       </dsp:nvSpPr>
       <dsp:spPr>
         <a:xfrm>
-          <a:off x="158684" y="1430100"/>
-          <a:ext cx="288518" cy="288518"/>
+          <a:off x="182034" y="1640250"/>
+          <a:ext cx="330971" cy="330971"/>
         </a:xfrm>
         <a:prstGeom prst="rect">
           <a:avLst/>
@@ -2102,8 +5595,8 @@
       </dsp:nvSpPr>
       <dsp:spPr>
         <a:xfrm>
-          <a:off x="605888" y="1312070"/>
-          <a:ext cx="6531515" cy="524578"/>
+          <a:off x="695040" y="1504853"/>
+          <a:ext cx="6442363" cy="601766"/>
         </a:xfrm>
         <a:prstGeom prst="rect">
           <a:avLst/>
@@ -2127,7 +5620,7 @@
         <a:fontRef idx="minor"/>
       </dsp:style>
       <dsp:txBody>
-        <a:bodyPr spcFirstLastPara="0" vert="horz" wrap="square" lIns="55518" tIns="55518" rIns="55518" bIns="55518" numCol="1" spcCol="1270" anchor="ctr" anchorCtr="0">
+        <a:bodyPr spcFirstLastPara="0" vert="horz" wrap="square" lIns="63687" tIns="63687" rIns="63687" bIns="63687" numCol="1" spcCol="1270" anchor="ctr" anchorCtr="0">
           <a:noAutofit/>
         </a:bodyPr>
         <a:lstStyle/>
@@ -2151,8 +5644,8 @@
         </a:p>
       </dsp:txBody>
       <dsp:txXfrm>
-        <a:off x="605888" y="1312070"/>
-        <a:ext cx="6531515" cy="524578"/>
+        <a:off x="695040" y="1504853"/>
+        <a:ext cx="6442363" cy="601766"/>
       </dsp:txXfrm>
     </dsp:sp>
     <dsp:sp modelId="{24D3EC5A-78A1-4623-86BE-769C2000223F}">
@@ -2162,8 +5655,8 @@
       </dsp:nvSpPr>
       <dsp:spPr>
         <a:xfrm>
-          <a:off x="0" y="1967793"/>
-          <a:ext cx="7137404" cy="524578"/>
+          <a:off x="0" y="2257061"/>
+          <a:ext cx="7137404" cy="601766"/>
         </a:xfrm>
         <a:prstGeom prst="roundRect">
           <a:avLst>
@@ -2204,8 +5697,8 @@
       </dsp:nvSpPr>
       <dsp:spPr>
         <a:xfrm>
-          <a:off x="158684" y="2085823"/>
-          <a:ext cx="288518" cy="288518"/>
+          <a:off x="182034" y="2392458"/>
+          <a:ext cx="330971" cy="330971"/>
         </a:xfrm>
         <a:prstGeom prst="rect">
           <a:avLst/>
@@ -2254,8 +5747,8 @@
       </dsp:nvSpPr>
       <dsp:spPr>
         <a:xfrm>
-          <a:off x="605888" y="1967793"/>
-          <a:ext cx="6531515" cy="524578"/>
+          <a:off x="695040" y="2257061"/>
+          <a:ext cx="6442363" cy="601766"/>
         </a:xfrm>
         <a:prstGeom prst="rect">
           <a:avLst/>
@@ -2279,7 +5772,7 @@
         <a:fontRef idx="minor"/>
       </dsp:style>
       <dsp:txBody>
-        <a:bodyPr spcFirstLastPara="0" vert="horz" wrap="square" lIns="55518" tIns="55518" rIns="55518" bIns="55518" numCol="1" spcCol="1270" anchor="ctr" anchorCtr="0">
+        <a:bodyPr spcFirstLastPara="0" vert="horz" wrap="square" lIns="63687" tIns="63687" rIns="63687" bIns="63687" numCol="1" spcCol="1270" anchor="ctr" anchorCtr="0">
           <a:noAutofit/>
         </a:bodyPr>
         <a:lstStyle/>
@@ -2303,8 +5796,8 @@
         </a:p>
       </dsp:txBody>
       <dsp:txXfrm>
-        <a:off x="605888" y="1967793"/>
-        <a:ext cx="6531515" cy="524578"/>
+        <a:off x="695040" y="2257061"/>
+        <a:ext cx="6442363" cy="601766"/>
       </dsp:txXfrm>
     </dsp:sp>
     <dsp:sp modelId="{667D1919-76C8-4E2E-800C-36EF423CC6A8}">
@@ -2314,8 +5807,8 @@
       </dsp:nvSpPr>
       <dsp:spPr>
         <a:xfrm>
-          <a:off x="0" y="2623516"/>
-          <a:ext cx="7137404" cy="524578"/>
+          <a:off x="0" y="3009269"/>
+          <a:ext cx="7137404" cy="601766"/>
         </a:xfrm>
         <a:prstGeom prst="roundRect">
           <a:avLst>
@@ -2356,8 +5849,8 @@
       </dsp:nvSpPr>
       <dsp:spPr>
         <a:xfrm>
-          <a:off x="158684" y="2741546"/>
-          <a:ext cx="288518" cy="288518"/>
+          <a:off x="182034" y="3144666"/>
+          <a:ext cx="330971" cy="330971"/>
         </a:xfrm>
         <a:prstGeom prst="rect">
           <a:avLst/>
@@ -2406,8 +5899,8 @@
       </dsp:nvSpPr>
       <dsp:spPr>
         <a:xfrm>
-          <a:off x="605888" y="2623516"/>
-          <a:ext cx="6531515" cy="524578"/>
+          <a:off x="695040" y="3009269"/>
+          <a:ext cx="6442363" cy="601766"/>
         </a:xfrm>
         <a:prstGeom prst="rect">
           <a:avLst/>
@@ -2431,7 +5924,7 @@
         <a:fontRef idx="minor"/>
       </dsp:style>
       <dsp:txBody>
-        <a:bodyPr spcFirstLastPara="0" vert="horz" wrap="square" lIns="55518" tIns="55518" rIns="55518" bIns="55518" numCol="1" spcCol="1270" anchor="ctr" anchorCtr="0">
+        <a:bodyPr spcFirstLastPara="0" vert="horz" wrap="square" lIns="63687" tIns="63687" rIns="63687" bIns="63687" numCol="1" spcCol="1270" anchor="ctr" anchorCtr="0">
           <a:noAutofit/>
         </a:bodyPr>
         <a:lstStyle/>
@@ -2461,8 +5954,8 @@
         </a:p>
       </dsp:txBody>
       <dsp:txXfrm>
-        <a:off x="605888" y="2623516"/>
-        <a:ext cx="6531515" cy="524578"/>
+        <a:off x="695040" y="3009269"/>
+        <a:ext cx="6442363" cy="601766"/>
       </dsp:txXfrm>
     </dsp:sp>
     <dsp:sp modelId="{5566DF11-A912-4454-9720-2EF569AECD4B}">
@@ -2472,8 +5965,8 @@
       </dsp:nvSpPr>
       <dsp:spPr>
         <a:xfrm>
-          <a:off x="0" y="3279239"/>
-          <a:ext cx="7137404" cy="524578"/>
+          <a:off x="0" y="3761477"/>
+          <a:ext cx="7137404" cy="601766"/>
         </a:xfrm>
         <a:prstGeom prst="roundRect">
           <a:avLst>
@@ -2514,8 +6007,8 @@
       </dsp:nvSpPr>
       <dsp:spPr>
         <a:xfrm>
-          <a:off x="158684" y="3397270"/>
-          <a:ext cx="288518" cy="288518"/>
+          <a:off x="182034" y="3896874"/>
+          <a:ext cx="330971" cy="330971"/>
         </a:xfrm>
         <a:prstGeom prst="rect">
           <a:avLst/>
@@ -2564,8 +6057,8 @@
       </dsp:nvSpPr>
       <dsp:spPr>
         <a:xfrm>
-          <a:off x="605888" y="3279239"/>
-          <a:ext cx="6531515" cy="524578"/>
+          <a:off x="695040" y="3761477"/>
+          <a:ext cx="6442363" cy="601766"/>
         </a:xfrm>
         <a:prstGeom prst="rect">
           <a:avLst/>
@@ -2589,7 +6082,7 @@
         <a:fontRef idx="minor"/>
       </dsp:style>
       <dsp:txBody>
-        <a:bodyPr spcFirstLastPara="0" vert="horz" wrap="square" lIns="55518" tIns="55518" rIns="55518" bIns="55518" numCol="1" spcCol="1270" anchor="ctr" anchorCtr="0">
+        <a:bodyPr spcFirstLastPara="0" vert="horz" wrap="square" lIns="63687" tIns="63687" rIns="63687" bIns="63687" numCol="1" spcCol="1270" anchor="ctr" anchorCtr="0">
           <a:noAutofit/>
         </a:bodyPr>
         <a:lstStyle/>
@@ -2619,8 +6112,8 @@
         </a:p>
       </dsp:txBody>
       <dsp:txXfrm>
-        <a:off x="605888" y="3279239"/>
-        <a:ext cx="6531515" cy="524578"/>
+        <a:off x="695040" y="3761477"/>
+        <a:ext cx="6442363" cy="601766"/>
       </dsp:txXfrm>
     </dsp:sp>
     <dsp:sp modelId="{29864544-7A60-45CA-80E3-A2C9170F0A59}">
@@ -2630,8 +6123,8 @@
       </dsp:nvSpPr>
       <dsp:spPr>
         <a:xfrm>
-          <a:off x="0" y="3934962"/>
-          <a:ext cx="7137404" cy="524578"/>
+          <a:off x="0" y="4513685"/>
+          <a:ext cx="7137404" cy="601766"/>
         </a:xfrm>
         <a:prstGeom prst="roundRect">
           <a:avLst>
@@ -2672,8 +6165,8 @@
       </dsp:nvSpPr>
       <dsp:spPr>
         <a:xfrm>
-          <a:off x="158684" y="4052993"/>
-          <a:ext cx="288518" cy="288518"/>
+          <a:off x="182034" y="4649082"/>
+          <a:ext cx="330971" cy="330971"/>
         </a:xfrm>
         <a:prstGeom prst="rect">
           <a:avLst/>
@@ -2722,8 +6215,8 @@
       </dsp:nvSpPr>
       <dsp:spPr>
         <a:xfrm>
-          <a:off x="605888" y="3934962"/>
-          <a:ext cx="6531515" cy="524578"/>
+          <a:off x="695040" y="4513685"/>
+          <a:ext cx="6442363" cy="601766"/>
         </a:xfrm>
         <a:prstGeom prst="rect">
           <a:avLst/>
@@ -2747,7 +6240,7 @@
         <a:fontRef idx="minor"/>
       </dsp:style>
       <dsp:txBody>
-        <a:bodyPr spcFirstLastPara="0" vert="horz" wrap="square" lIns="55518" tIns="55518" rIns="55518" bIns="55518" numCol="1" spcCol="1270" anchor="ctr" anchorCtr="0">
+        <a:bodyPr spcFirstLastPara="0" vert="horz" wrap="square" lIns="63687" tIns="63687" rIns="63687" bIns="63687" numCol="1" spcCol="1270" anchor="ctr" anchorCtr="0">
           <a:noAutofit/>
         </a:bodyPr>
         <a:lstStyle/>
@@ -2773,162 +6266,8 @@
         </a:p>
       </dsp:txBody>
       <dsp:txXfrm>
-        <a:off x="605888" y="3934962"/>
-        <a:ext cx="6531515" cy="524578"/>
-      </dsp:txXfrm>
-    </dsp:sp>
-    <dsp:sp modelId="{08C4EB0D-9BFE-4B29-BFC6-74507DDFDDC6}">
-      <dsp:nvSpPr>
-        <dsp:cNvPr id="0" name=""/>
-        <dsp:cNvSpPr/>
-      </dsp:nvSpPr>
-      <dsp:spPr>
-        <a:xfrm>
-          <a:off x="0" y="4590686"/>
-          <a:ext cx="7137404" cy="524578"/>
-        </a:xfrm>
-        <a:prstGeom prst="roundRect">
-          <a:avLst>
-            <a:gd name="adj" fmla="val 10000"/>
-          </a:avLst>
-        </a:prstGeom>
-        <a:solidFill>
-          <a:schemeClr val="accent2">
-            <a:tint val="40000"/>
-            <a:hueOff val="0"/>
-            <a:satOff val="0"/>
-            <a:lumOff val="0"/>
-            <a:alphaOff val="0"/>
-          </a:schemeClr>
-        </a:solidFill>
-        <a:ln>
-          <a:noFill/>
-        </a:ln>
-        <a:effectLst/>
-      </dsp:spPr>
-      <dsp:style>
-        <a:lnRef idx="0">
-          <a:scrgbClr r="0" g="0" b="0"/>
-        </a:lnRef>
-        <a:fillRef idx="1">
-          <a:scrgbClr r="0" g="0" b="0"/>
-        </a:fillRef>
-        <a:effectRef idx="0">
-          <a:scrgbClr r="0" g="0" b="0"/>
-        </a:effectRef>
-        <a:fontRef idx="minor"/>
-      </dsp:style>
-    </dsp:sp>
-    <dsp:sp modelId="{E7025946-103F-4753-8FFE-96CBB558F39A}">
-      <dsp:nvSpPr>
-        <dsp:cNvPr id="0" name=""/>
-        <dsp:cNvSpPr/>
-      </dsp:nvSpPr>
-      <dsp:spPr>
-        <a:xfrm>
-          <a:off x="158684" y="4708716"/>
-          <a:ext cx="288518" cy="288518"/>
-        </a:xfrm>
-        <a:prstGeom prst="rect">
-          <a:avLst/>
-        </a:prstGeom>
-        <a:solidFill>
-          <a:schemeClr val="accent2">
-            <a:hueOff val="0"/>
-            <a:satOff val="0"/>
-            <a:lumOff val="0"/>
-            <a:alphaOff val="0"/>
-          </a:schemeClr>
-        </a:solidFill>
-        <a:ln w="12700" cap="flat" cmpd="sng" algn="ctr">
-          <a:solidFill>
-            <a:schemeClr val="lt1">
-              <a:hueOff val="0"/>
-              <a:satOff val="0"/>
-              <a:lumOff val="0"/>
-              <a:alphaOff val="0"/>
-            </a:schemeClr>
-          </a:solidFill>
-          <a:prstDash val="solid"/>
-          <a:miter lim="800000"/>
-        </a:ln>
-        <a:effectLst/>
-      </dsp:spPr>
-      <dsp:style>
-        <a:lnRef idx="2">
-          <a:scrgbClr r="0" g="0" b="0"/>
-        </a:lnRef>
-        <a:fillRef idx="1">
-          <a:scrgbClr r="0" g="0" b="0"/>
-        </a:fillRef>
-        <a:effectRef idx="0">
-          <a:scrgbClr r="0" g="0" b="0"/>
-        </a:effectRef>
-        <a:fontRef idx="minor">
-          <a:schemeClr val="lt1"/>
-        </a:fontRef>
-      </dsp:style>
-    </dsp:sp>
-    <dsp:sp modelId="{D6E83731-BCA6-482C-9C90-407EF6563157}">
-      <dsp:nvSpPr>
-        <dsp:cNvPr id="0" name=""/>
-        <dsp:cNvSpPr/>
-      </dsp:nvSpPr>
-      <dsp:spPr>
-        <a:xfrm>
-          <a:off x="605888" y="4590686"/>
-          <a:ext cx="6531515" cy="524578"/>
-        </a:xfrm>
-        <a:prstGeom prst="rect">
-          <a:avLst/>
-        </a:prstGeom>
-        <a:noFill/>
-        <a:ln>
-          <a:noFill/>
-        </a:ln>
-        <a:effectLst/>
-      </dsp:spPr>
-      <dsp:style>
-        <a:lnRef idx="0">
-          <a:scrgbClr r="0" g="0" b="0"/>
-        </a:lnRef>
-        <a:fillRef idx="0">
-          <a:scrgbClr r="0" g="0" b="0"/>
-        </a:fillRef>
-        <a:effectRef idx="0">
-          <a:scrgbClr r="0" g="0" b="0"/>
-        </a:effectRef>
-        <a:fontRef idx="minor"/>
-      </dsp:style>
-      <dsp:txBody>
-        <a:bodyPr spcFirstLastPara="0" vert="horz" wrap="square" lIns="55518" tIns="55518" rIns="55518" bIns="55518" numCol="1" spcCol="1270" anchor="ctr" anchorCtr="0">
-          <a:noAutofit/>
-        </a:bodyPr>
-        <a:lstStyle/>
-        <a:p>
-          <a:pPr marL="0" lvl="0" indent="0" algn="l" defTabSz="711200">
-            <a:lnSpc>
-              <a:spcPct val="100000"/>
-            </a:lnSpc>
-            <a:spcBef>
-              <a:spcPct val="0"/>
-            </a:spcBef>
-            <a:spcAft>
-              <a:spcPct val="35000"/>
-            </a:spcAft>
-            <a:buNone/>
-          </a:pPr>
-          <a:r>
-            <a:rPr lang="en-US" sz="1600" kern="1200" dirty="0">
-              <a:latin typeface="Tenorite"/>
-            </a:rPr>
-            <a:t> What is Forking</a:t>
-          </a:r>
-        </a:p>
-      </dsp:txBody>
-      <dsp:txXfrm>
-        <a:off x="605888" y="4590686"/>
-        <a:ext cx="6531515" cy="524578"/>
+        <a:off x="695040" y="4513685"/>
+        <a:ext cx="6442363" cy="601766"/>
       </dsp:txXfrm>
     </dsp:sp>
   </dsp:spTree>
@@ -4357,7 +7696,7 @@
           <a:p>
             <a:fld id="{B56F32FC-4BD9-442A-A8C6-51598C909FE3}" type="datetimeFigureOut">
               <a:rPr lang="en-US" smtClean="0"/>
-              <a:t>10/22/2024</a:t>
+              <a:t>10/24/2024</a:t>
             </a:fld>
             <a:endParaRPr lang="en-US" dirty="0"/>
           </a:p>
@@ -4534,7 +7873,7 @@
           <a:p>
             <a:fld id="{056371FA-A98D-41E8-93F4-09945841298A}" type="datetimeFigureOut">
               <a:rPr lang="en-US" smtClean="0"/>
-              <a:t>10/22/2024</a:t>
+              <a:t>10/24/2024</a:t>
             </a:fld>
             <a:endParaRPr lang="en-US" dirty="0"/>
           </a:p>
@@ -4950,7 +8289,7 @@
           <a:p>
             <a:fld id="{22289C57-55D7-40A4-A101-E74FAC7A092B}" type="slidenum">
               <a:rPr lang="en-US" smtClean="0"/>
-              <a:t>15</a:t>
+              <a:t>16</a:t>
             </a:fld>
             <a:endParaRPr lang="en-US" dirty="0"/>
           </a:p>
@@ -5034,7 +8373,7 @@
           <a:p>
             <a:fld id="{22289C57-55D7-40A4-A101-E74FAC7A092B}" type="slidenum">
               <a:rPr lang="en-US" smtClean="0"/>
-              <a:t>16</a:t>
+              <a:t>17</a:t>
             </a:fld>
             <a:endParaRPr lang="en-US" dirty="0"/>
           </a:p>
@@ -5118,7 +8457,7 @@
           <a:p>
             <a:fld id="{22289C57-55D7-40A4-A101-E74FAC7A092B}" type="slidenum">
               <a:rPr lang="en-US" smtClean="0"/>
-              <a:t>17</a:t>
+              <a:t>18</a:t>
             </a:fld>
             <a:endParaRPr lang="en-US" dirty="0"/>
           </a:p>
@@ -5202,7 +8541,7 @@
           <a:p>
             <a:fld id="{22289C57-55D7-40A4-A101-E74FAC7A092B}" type="slidenum">
               <a:rPr lang="en-US" smtClean="0"/>
-              <a:t>19</a:t>
+              <a:t>18</a:t>
             </a:fld>
             <a:endParaRPr lang="en-US" dirty="0"/>
           </a:p>
@@ -5211,7 +8550,7 @@
     </p:spTree>
     <p:extLst>
       <p:ext uri="{BB962C8B-B14F-4D97-AF65-F5344CB8AC3E}">
-        <p14:creationId xmlns:p14="http://schemas.microsoft.com/office/powerpoint/2010/main" val="4035672490"/>
+        <p14:creationId xmlns:p14="http://schemas.microsoft.com/office/powerpoint/2010/main" val="856966952"/>
       </p:ext>
     </p:extLst>
   </p:cSld>
@@ -5286,7 +8625,7 @@
           <a:p>
             <a:fld id="{22289C57-55D7-40A4-A101-E74FAC7A092B}" type="slidenum">
               <a:rPr lang="en-US" smtClean="0"/>
-              <a:t>18</a:t>
+              <a:t>19</a:t>
             </a:fld>
             <a:endParaRPr lang="en-US" dirty="0"/>
           </a:p>
@@ -5295,7 +8634,7 @@
     </p:spTree>
     <p:extLst>
       <p:ext uri="{BB962C8B-B14F-4D97-AF65-F5344CB8AC3E}">
-        <p14:creationId xmlns:p14="http://schemas.microsoft.com/office/powerpoint/2010/main" val="2806149806"/>
+        <p14:creationId xmlns:p14="http://schemas.microsoft.com/office/powerpoint/2010/main" val="4035672490"/>
       </p:ext>
     </p:extLst>
   </p:cSld>
@@ -5370,7 +8709,7 @@
           <a:p>
             <a:fld id="{22289C57-55D7-40A4-A101-E74FAC7A092B}" type="slidenum">
               <a:rPr lang="en-US" smtClean="0"/>
-              <a:t>19</a:t>
+              <a:t>20</a:t>
             </a:fld>
             <a:endParaRPr lang="en-US" dirty="0"/>
           </a:p>
@@ -5379,7 +8718,7 @@
     </p:spTree>
     <p:extLst>
       <p:ext uri="{BB962C8B-B14F-4D97-AF65-F5344CB8AC3E}">
-        <p14:creationId xmlns:p14="http://schemas.microsoft.com/office/powerpoint/2010/main" val="236659336"/>
+        <p14:creationId xmlns:p14="http://schemas.microsoft.com/office/powerpoint/2010/main" val="2806149806"/>
       </p:ext>
     </p:extLst>
   </p:cSld>
@@ -5455,6 +8794,90 @@
             <a:fld id="{22289C57-55D7-40A4-A101-E74FAC7A092B}" type="slidenum">
               <a:rPr lang="en-US" smtClean="0"/>
               <a:t>20</a:t>
+            </a:fld>
+            <a:endParaRPr lang="en-US" dirty="0"/>
+          </a:p>
+        </p:txBody>
+      </p:sp>
+    </p:spTree>
+    <p:extLst>
+      <p:ext uri="{BB962C8B-B14F-4D97-AF65-F5344CB8AC3E}">
+        <p14:creationId xmlns:p14="http://schemas.microsoft.com/office/powerpoint/2010/main" val="3266913294"/>
+      </p:ext>
+    </p:extLst>
+  </p:cSld>
+  <p:clrMapOvr>
+    <a:masterClrMapping/>
+  </p:clrMapOvr>
+</p:notes>
+</file>
+
+<file path=ppt/notesSlides/notesSlide17.xml><?xml version="1.0" encoding="utf-8"?>
+<p:notes xmlns:a="http://schemas.openxmlformats.org/drawingml/2006/main" xmlns:r="http://schemas.openxmlformats.org/officeDocument/2006/relationships" xmlns:p="http://schemas.openxmlformats.org/presentationml/2006/main">
+  <p:cSld>
+    <p:spTree>
+      <p:nvGrpSpPr>
+        <p:cNvPr id="1" name=""/>
+        <p:cNvGrpSpPr/>
+        <p:nvPr/>
+      </p:nvGrpSpPr>
+      <p:grpSpPr>
+        <a:xfrm>
+          <a:off x="0" y="0"/>
+          <a:ext cx="0" cy="0"/>
+          <a:chOff x="0" y="0"/>
+          <a:chExt cx="0" cy="0"/>
+        </a:xfrm>
+      </p:grpSpPr>
+      <p:sp>
+        <p:nvSpPr>
+          <p:cNvPr id="2" name="Slide Image Placeholder 1"/>
+          <p:cNvSpPr>
+            <a:spLocks noGrp="1" noRot="1" noChangeAspect="1"/>
+          </p:cNvSpPr>
+          <p:nvPr>
+            <p:ph type="sldImg"/>
+          </p:nvPr>
+        </p:nvSpPr>
+        <p:spPr/>
+      </p:sp>
+      <p:sp>
+        <p:nvSpPr>
+          <p:cNvPr id="3" name="Notes Placeholder 2"/>
+          <p:cNvSpPr>
+            <a:spLocks noGrp="1"/>
+          </p:cNvSpPr>
+          <p:nvPr>
+            <p:ph type="body" idx="1"/>
+          </p:nvPr>
+        </p:nvSpPr>
+        <p:spPr/>
+        <p:txBody>
+          <a:bodyPr/>
+          <a:lstStyle/>
+          <a:p>
+            <a:endParaRPr lang="en-US" dirty="0"/>
+          </a:p>
+        </p:txBody>
+      </p:sp>
+      <p:sp>
+        <p:nvSpPr>
+          <p:cNvPr id="4" name="Slide Number Placeholder 3"/>
+          <p:cNvSpPr>
+            <a:spLocks noGrp="1"/>
+          </p:cNvSpPr>
+          <p:nvPr>
+            <p:ph type="sldNum" sz="quarter" idx="5"/>
+          </p:nvPr>
+        </p:nvSpPr>
+        <p:spPr/>
+        <p:txBody>
+          <a:bodyPr/>
+          <a:lstStyle/>
+          <a:p>
+            <a:fld id="{22289C57-55D7-40A4-A101-E74FAC7A092B}" type="slidenum">
+              <a:rPr lang="en-US" smtClean="0"/>
+              <a:t>22</a:t>
             </a:fld>
             <a:endParaRPr lang="en-US" dirty="0"/>
           </a:p>
@@ -6042,7 +9465,7 @@
           <a:p>
             <a:fld id="{22289C57-55D7-40A4-A101-E74FAC7A092B}" type="slidenum">
               <a:rPr lang="en-US" smtClean="0"/>
-              <a:t>13</a:t>
+              <a:t>14</a:t>
             </a:fld>
             <a:endParaRPr lang="en-US" dirty="0"/>
           </a:p>
@@ -6126,7 +9549,7 @@
           <a:p>
             <a:fld id="{22289C57-55D7-40A4-A101-E74FAC7A092B}" type="slidenum">
               <a:rPr lang="en-US" smtClean="0"/>
-              <a:t>14</a:t>
+              <a:t>15</a:t>
             </a:fld>
             <a:endParaRPr lang="en-US" dirty="0"/>
           </a:p>
@@ -11550,7 +14973,7 @@
                 <a:ea typeface="+mj-lt"/>
                 <a:cs typeface="+mj-lt"/>
               </a:rPr>
-              <a:t>GitHub Workshop</a:t>
+              <a:t>GitHub Workshop day 1</a:t>
             </a:r>
           </a:p>
         </p:txBody>
@@ -18272,7 +21695,7 @@
           <p:cNvPr id="2" name="Title 1">
             <a:extLst>
               <a:ext uri="{FF2B5EF4-FFF2-40B4-BE49-F238E27FC236}">
-                <a16:creationId xmlns:a16="http://schemas.microsoft.com/office/drawing/2014/main" id="{0A32731C-311B-46F7-A865-6C3AF6B09A47}"/>
+                <a16:creationId xmlns:a16="http://schemas.microsoft.com/office/drawing/2014/main" id="{566C97BE-403B-122E-90D1-2788978A0B6F}"/>
               </a:ext>
             </a:extLst>
           </p:cNvPr>
@@ -18280,13 +21703,13 @@
             <a:spLocks noGrp="1"/>
           </p:cNvSpPr>
           <p:nvPr>
-            <p:ph type="title"/>
+            <p:ph type="ctrTitle"/>
           </p:nvPr>
         </p:nvSpPr>
         <p:spPr>
           <a:xfrm>
-            <a:off x="1322318" y="268360"/>
-            <a:ext cx="7852359" cy="2121177"/>
+            <a:off x="6218840" y="406400"/>
+            <a:ext cx="5566935" cy="3457971"/>
           </a:xfrm>
         </p:spPr>
         <p:txBody>
@@ -18294,157 +21717,16 @@
           <a:lstStyle/>
           <a:p>
             <a:r>
-              <a:rPr lang="en-US">
-                <a:ea typeface="+mj-lt"/>
-                <a:cs typeface="+mj-lt"/>
-              </a:rPr>
-              <a:t>What is Cloning?</a:t>
+              <a:rPr lang="en-US" dirty="0"/>
+              <a:t>Create a Repository</a:t>
             </a:r>
-            <a:endParaRPr lang="en-US"/>
-          </a:p>
-        </p:txBody>
-      </p:sp>
-      <p:sp>
-        <p:nvSpPr>
-          <p:cNvPr id="3" name="Text Placeholder 2">
-            <a:extLst>
-              <a:ext uri="{FF2B5EF4-FFF2-40B4-BE49-F238E27FC236}">
-                <a16:creationId xmlns:a16="http://schemas.microsoft.com/office/drawing/2014/main" id="{9D5232F9-FD00-464A-9F17-619C91AEF8F3}"/>
-              </a:ext>
-            </a:extLst>
-          </p:cNvPr>
-          <p:cNvSpPr>
-            <a:spLocks noGrp="1"/>
-          </p:cNvSpPr>
-          <p:nvPr>
-            <p:ph sz="half" idx="2"/>
-          </p:nvPr>
-        </p:nvSpPr>
-        <p:spPr>
-          <a:xfrm>
-            <a:off x="1322388" y="2763078"/>
-            <a:ext cx="7288212" cy="3407051"/>
-          </a:xfrm>
-        </p:spPr>
-        <p:txBody>
-          <a:bodyPr vert="horz" lIns="91440" tIns="45720" rIns="91440" bIns="45720" rtlCol="0" anchor="t">
-            <a:normAutofit/>
-          </a:bodyPr>
-          <a:lstStyle/>
-          <a:p>
-            <a:r>
-              <a:rPr lang="en-US" dirty="0"/>
-              <a:t>Create an exact copy of your repository on your local computer</a:t>
-            </a:r>
-          </a:p>
-          <a:p>
-            <a:pPr marL="283210" lvl="1"/>
-            <a:r>
-              <a:rPr lang="en-US" dirty="0">
-                <a:ea typeface="+mn-lt"/>
-                <a:cs typeface="+mn-lt"/>
-              </a:rPr>
-              <a:t>This can be done:</a:t>
-            </a:r>
-          </a:p>
-          <a:p>
-            <a:pPr marL="566420" lvl="2">
-              <a:buFont typeface="Wingdings" panose="020B0604020202020204" pitchFamily="34" charset="0"/>
-              <a:buChar char="§"/>
-            </a:pPr>
-            <a:r>
-              <a:rPr lang="en-US" dirty="0"/>
-              <a:t>On the command line</a:t>
-            </a:r>
-          </a:p>
-          <a:p>
-            <a:pPr marL="566420" lvl="2">
-              <a:buFont typeface="Wingdings" panose="020B0604020202020204" pitchFamily="34" charset="0"/>
-              <a:buChar char="§"/>
-            </a:pPr>
-            <a:r>
-              <a:rPr lang="en-US" dirty="0"/>
-              <a:t>With GitHub Desktop</a:t>
-            </a:r>
-          </a:p>
-          <a:p>
-            <a:pPr marL="283210" lvl="1"/>
-            <a:r>
-              <a:rPr lang="en-US" dirty="0">
-                <a:ea typeface="+mn-lt"/>
-                <a:cs typeface="+mn-lt"/>
-              </a:rPr>
-              <a:t>You can work from your local computer and update your repository:</a:t>
-            </a:r>
-            <a:endParaRPr lang="en-US" dirty="0"/>
-          </a:p>
-          <a:p>
-            <a:pPr marL="566420" lvl="2">
-              <a:buFont typeface="Wingdings" panose="020B0604020202020204" pitchFamily="34" charset="0"/>
-              <a:buChar char="§"/>
-            </a:pPr>
-            <a:r>
-              <a:rPr lang="en-US" dirty="0">
-                <a:ea typeface="+mn-lt"/>
-                <a:cs typeface="+mn-lt"/>
-              </a:rPr>
-              <a:t>Push to move new work to a remote location</a:t>
-            </a:r>
-          </a:p>
-          <a:p>
-            <a:pPr marL="566420" lvl="2">
-              <a:buFont typeface="Wingdings" panose="020B0604020202020204" pitchFamily="34" charset="0"/>
-              <a:buChar char="§"/>
-            </a:pPr>
-            <a:r>
-              <a:rPr lang="en-US" dirty="0">
-                <a:ea typeface="+mn-lt"/>
-                <a:cs typeface="+mn-lt"/>
-              </a:rPr>
-              <a:t>Pull to bring new work to your local computer</a:t>
-            </a:r>
-          </a:p>
-        </p:txBody>
-      </p:sp>
-      <p:sp>
-        <p:nvSpPr>
-          <p:cNvPr id="14" name="Slide Number Placeholder 5">
-            <a:extLst>
-              <a:ext uri="{FF2B5EF4-FFF2-40B4-BE49-F238E27FC236}">
-                <a16:creationId xmlns:a16="http://schemas.microsoft.com/office/drawing/2014/main" id="{ECE635A2-70B8-3EAB-6A18-952B02EBAA1E}"/>
-              </a:ext>
-            </a:extLst>
-          </p:cNvPr>
-          <p:cNvSpPr>
-            <a:spLocks noGrp="1"/>
-          </p:cNvSpPr>
-          <p:nvPr>
-            <p:ph type="sldNum" sz="quarter" idx="12"/>
-          </p:nvPr>
-        </p:nvSpPr>
-        <p:spPr>
-          <a:xfrm>
-            <a:off x="10373350" y="6356349"/>
-            <a:ext cx="987552" cy="365125"/>
-          </a:xfrm>
-        </p:spPr>
-        <p:txBody>
-          <a:bodyPr/>
-          <a:lstStyle/>
-          <a:p>
-            <a:fld id="{A49DFD55-3C28-40EF-9E31-A92D2E4017FF}" type="slidenum">
-              <a:rPr lang="en-US" smtClean="0"/>
-              <a:pPr/>
-              <a:t>19</a:t>
-            </a:fld>
-            <a:endParaRPr lang="en-US" dirty="0"/>
           </a:p>
         </p:txBody>
       </p:sp>
     </p:spTree>
     <p:extLst>
       <p:ext uri="{BB962C8B-B14F-4D97-AF65-F5344CB8AC3E}">
-        <p14:creationId xmlns:p14="http://schemas.microsoft.com/office/powerpoint/2010/main" val="4058673025"/>
+        <p14:creationId xmlns:p14="http://schemas.microsoft.com/office/powerpoint/2010/main" val="4219340127"/>
       </p:ext>
     </p:extLst>
   </p:cSld>
@@ -18632,7 +21914,7 @@
         <p:spPr>
           <a:xfrm>
             <a:off x="1322318" y="268360"/>
-            <a:ext cx="7288282" cy="2121177"/>
+            <a:ext cx="7852359" cy="2121177"/>
           </a:xfrm>
         </p:spPr>
         <p:txBody>
@@ -18644,7 +21926,7 @@
                 <a:ea typeface="+mj-lt"/>
                 <a:cs typeface="+mj-lt"/>
               </a:rPr>
-              <a:t>Hands-On: Cloning</a:t>
+              <a:t>What is Cloning?</a:t>
             </a:r>
             <a:endParaRPr lang="en-US"/>
           </a:p>
@@ -18680,7 +21962,7 @@
           <a:p>
             <a:r>
               <a:rPr lang="en-US" dirty="0"/>
-              <a:t>Working on your local computer</a:t>
+              <a:t>Create an exact copy of your repository on your local computer</a:t>
             </a:r>
           </a:p>
           <a:p>
@@ -18690,34 +21972,65 @@
                 <a:ea typeface="+mn-lt"/>
                 <a:cs typeface="+mn-lt"/>
               </a:rPr>
-              <a:t>Download GitHub Desktop</a:t>
+              <a:t>This can be done:</a:t>
+            </a:r>
+          </a:p>
+          <a:p>
+            <a:pPr marL="566420" lvl="2">
+              <a:buFont typeface="Wingdings" panose="020B0604020202020204" pitchFamily="34" charset="0"/>
+              <a:buChar char="§"/>
+            </a:pPr>
+            <a:r>
+              <a:rPr lang="en-US" dirty="0"/>
+              <a:t>On the command line</a:t>
+            </a:r>
+          </a:p>
+          <a:p>
+            <a:pPr marL="566420" lvl="2">
+              <a:buFont typeface="Wingdings" panose="020B0604020202020204" pitchFamily="34" charset="0"/>
+              <a:buChar char="§"/>
+            </a:pPr>
+            <a:r>
+              <a:rPr lang="en-US" dirty="0"/>
+              <a:t>With GitHub Desktop</a:t>
+            </a:r>
+          </a:p>
+          <a:p>
+            <a:pPr marL="283210" lvl="1"/>
+            <a:r>
+              <a:rPr lang="en-US" dirty="0">
+                <a:ea typeface="+mn-lt"/>
+                <a:cs typeface="+mn-lt"/>
+              </a:rPr>
+              <a:t>You can work from your local computer and update your repository:</a:t>
             </a:r>
             <a:endParaRPr lang="en-US" dirty="0"/>
           </a:p>
           <a:p>
-            <a:pPr marL="283210" lvl="1"/>
+            <a:pPr marL="566420" lvl="2">
+              <a:buFont typeface="Wingdings" panose="020B0604020202020204" pitchFamily="34" charset="0"/>
+              <a:buChar char="§"/>
+            </a:pPr>
             <a:r>
-              <a:rPr lang="en-US" dirty="0"/>
-              <a:t>Clone your repository</a:t>
+              <a:rPr lang="en-US" dirty="0">
+                <a:ea typeface="+mn-lt"/>
+                <a:cs typeface="+mn-lt"/>
+              </a:rPr>
+              <a:t>Push to move new work to a remote location</a:t>
             </a:r>
           </a:p>
           <a:p>
-            <a:pPr marL="283210" lvl="1"/>
+            <a:pPr marL="566420" lvl="2">
+              <a:buFont typeface="Wingdings" panose="020B0604020202020204" pitchFamily="34" charset="0"/>
+              <a:buChar char="§"/>
+            </a:pPr>
             <a:r>
-              <a:rPr lang="en-US" dirty="0"/>
-              <a:t>Edit/add files</a:t>
+              <a:rPr lang="en-US" dirty="0">
+                <a:ea typeface="+mn-lt"/>
+                <a:cs typeface="+mn-lt"/>
+              </a:rPr>
+              <a:t>Pull to bring new work to your local computer</a:t>
             </a:r>
-          </a:p>
-          <a:p>
-            <a:pPr marL="283210" lvl="1"/>
-            <a:r>
-              <a:rPr lang="en-US" dirty="0"/>
-              <a:t>Push </a:t>
-            </a:r>
-          </a:p>
-          <a:p>
-            <a:pPr marL="283210" lvl="1"/>
-            <a:endParaRPr lang="en-US" dirty="0"/>
           </a:p>
         </p:txBody>
       </p:sp>
@@ -18759,7 +22072,7 @@
     </p:spTree>
     <p:extLst>
       <p:ext uri="{BB962C8B-B14F-4D97-AF65-F5344CB8AC3E}">
-        <p14:creationId xmlns:p14="http://schemas.microsoft.com/office/powerpoint/2010/main" val="3679264540"/>
+        <p14:creationId xmlns:p14="http://schemas.microsoft.com/office/powerpoint/2010/main" val="4058673025"/>
       </p:ext>
     </p:extLst>
   </p:cSld>
@@ -18791,7 +22104,7 @@
           <p:cNvPr id="2" name="Title 1">
             <a:extLst>
               <a:ext uri="{FF2B5EF4-FFF2-40B4-BE49-F238E27FC236}">
-                <a16:creationId xmlns:a16="http://schemas.microsoft.com/office/drawing/2014/main" id="{8B27D9B3-B64F-656A-0D99-161A6C0F518F}"/>
+                <a16:creationId xmlns:a16="http://schemas.microsoft.com/office/drawing/2014/main" id="{0A32731C-311B-46F7-A865-6C3AF6B09A47}"/>
               </a:ext>
             </a:extLst>
           </p:cNvPr>
@@ -18804,8 +22117,8 @@
         </p:nvSpPr>
         <p:spPr>
           <a:xfrm>
-            <a:off x="1341120" y="558801"/>
-            <a:ext cx="9953308" cy="1780860"/>
+            <a:off x="1322318" y="268360"/>
+            <a:ext cx="7288282" cy="2121177"/>
           </a:xfrm>
         </p:spPr>
         <p:txBody>
@@ -18813,27 +22126,22 @@
           <a:lstStyle/>
           <a:p>
             <a:r>
-              <a:rPr lang="en-US"/>
-              <a:t>What is </a:t>
+              <a:rPr lang="en-US">
+                <a:ea typeface="+mj-lt"/>
+                <a:cs typeface="+mj-lt"/>
+              </a:rPr>
+              <a:t>Hands-On: Cloning</a:t>
             </a:r>
-            <a:r>
-              <a:rPr lang="en-US" dirty="0"/>
-              <a:t>Forking</a:t>
-            </a:r>
-            <a:r>
-              <a:rPr lang="en-US"/>
-              <a:t>?</a:t>
-            </a:r>
-            <a:endParaRPr lang="en-US" dirty="0"/>
+            <a:endParaRPr lang="en-US"/>
           </a:p>
         </p:txBody>
       </p:sp>
       <p:sp>
         <p:nvSpPr>
-          <p:cNvPr id="14" name="Content Placeholder 13">
-            <a:extLst>
-              <a:ext uri="{FF2B5EF4-FFF2-40B4-BE49-F238E27FC236}">
-                <a16:creationId xmlns:a16="http://schemas.microsoft.com/office/drawing/2014/main" id="{5112969F-EB84-49D5-7100-1FB28870FB30}"/>
+          <p:cNvPr id="3" name="Text Placeholder 2">
+            <a:extLst>
+              <a:ext uri="{FF2B5EF4-FFF2-40B4-BE49-F238E27FC236}">
+                <a16:creationId xmlns:a16="http://schemas.microsoft.com/office/drawing/2014/main" id="{9D5232F9-FD00-464A-9F17-619C91AEF8F3}"/>
               </a:ext>
             </a:extLst>
           </p:cNvPr>
@@ -18841,64 +22149,70 @@
             <a:spLocks noGrp="1"/>
           </p:cNvSpPr>
           <p:nvPr>
-            <p:ph sz="half" idx="14"/>
+            <p:ph sz="half" idx="2"/>
           </p:nvPr>
         </p:nvSpPr>
         <p:spPr>
           <a:xfrm>
-            <a:off x="1340726" y="3324859"/>
-            <a:ext cx="8920875" cy="3031489"/>
+            <a:off x="1322388" y="2763078"/>
+            <a:ext cx="7288212" cy="3407051"/>
           </a:xfrm>
         </p:spPr>
         <p:txBody>
-          <a:bodyPr vert="horz" lIns="91440" tIns="0" rIns="91440" bIns="45720" rtlCol="0" anchor="t">
+          <a:bodyPr vert="horz" lIns="91440" tIns="45720" rIns="91440" bIns="45720" rtlCol="0" anchor="t">
             <a:normAutofit/>
           </a:bodyPr>
           <a:lstStyle/>
           <a:p>
-            <a:pPr marL="285750" indent="-285750">
-              <a:buChar char="•"/>
-            </a:pPr>
             <a:r>
               <a:rPr lang="en-US" dirty="0"/>
-              <a:t>Fork a repository </a:t>
+              <a:t>Working on your local computer</a:t>
             </a:r>
           </a:p>
           <a:p>
-            <a:pPr marL="285750" indent="-285750">
-              <a:buChar char="•"/>
-            </a:pPr>
+            <a:pPr marL="283210" lvl="1"/>
+            <a:r>
+              <a:rPr lang="en-US" dirty="0">
+                <a:ea typeface="+mn-lt"/>
+                <a:cs typeface="+mn-lt"/>
+              </a:rPr>
+              <a:t>Download GitHub Desktop</a:t>
+            </a:r>
+            <a:endParaRPr lang="en-US" dirty="0"/>
+          </a:p>
+          <a:p>
+            <a:pPr marL="283210" lvl="1"/>
             <a:r>
               <a:rPr lang="en-US" dirty="0"/>
-              <a:t>Clone to your personal computer </a:t>
+              <a:t>Clone your repository</a:t>
             </a:r>
           </a:p>
           <a:p>
-            <a:pPr marL="285750" indent="-285750">
-              <a:buChar char="•"/>
-            </a:pPr>
+            <a:pPr marL="283210" lvl="1"/>
             <a:r>
               <a:rPr lang="en-US" dirty="0"/>
-              <a:t>You can view and edit file locally now, including templates for next session</a:t>
+              <a:t>Edit/add files</a:t>
             </a:r>
           </a:p>
           <a:p>
-            <a:pPr marL="285750" indent="-285750">
-              <a:buChar char="•"/>
-            </a:pPr>
+            <a:pPr marL="283210" lvl="1"/>
             <a:r>
               <a:rPr lang="en-US" dirty="0"/>
-              <a:t>You can update your repository as the original changes</a:t>
+              <a:t>Push </a:t>
             </a:r>
+          </a:p>
+          <a:p>
+            <a:pPr marL="283210" lvl="1"/>
+            <a:endParaRPr lang="en-US" dirty="0"/>
           </a:p>
         </p:txBody>
       </p:sp>
       <p:sp>
         <p:nvSpPr>
-          <p:cNvPr id="68" name="Slide Number Placeholder 67">
-            <a:extLst>
-              <a:ext uri="{FF2B5EF4-FFF2-40B4-BE49-F238E27FC236}">
-                <a16:creationId xmlns:a16="http://schemas.microsoft.com/office/drawing/2014/main" id="{AA0ACADD-CC4E-851C-DA07-C22DB97FA23E}"/>
+          <p:cNvPr id="14" name="Slide Number Placeholder 5">
+            <a:extLst>
+              <a:ext uri="{FF2B5EF4-FFF2-40B4-BE49-F238E27FC236}">
+                <a16:creationId xmlns:a16="http://schemas.microsoft.com/office/drawing/2014/main" id="{ECE635A2-70B8-3EAB-6A18-952B02EBAA1E}"/>
               </a:ext>
             </a:extLst>
           </p:cNvPr>
@@ -18906,7 +22220,7 @@
             <a:spLocks noGrp="1"/>
           </p:cNvSpPr>
           <p:nvPr>
-            <p:ph type="sldNum" sz="quarter" idx="13"/>
+            <p:ph type="sldNum" sz="quarter" idx="12"/>
           </p:nvPr>
         </p:nvSpPr>
         <p:spPr>
@@ -18928,48 +22242,10 @@
           </a:p>
         </p:txBody>
       </p:sp>
-      <p:sp>
-        <p:nvSpPr>
-          <p:cNvPr id="3" name="TextBox 2">
-            <a:extLst>
-              <a:ext uri="{FF2B5EF4-FFF2-40B4-BE49-F238E27FC236}">
-                <a16:creationId xmlns:a16="http://schemas.microsoft.com/office/drawing/2014/main" id="{EA3D15B9-C01D-144D-3C59-DB4A2D31D844}"/>
-              </a:ext>
-            </a:extLst>
-          </p:cNvPr>
-          <p:cNvSpPr txBox="1"/>
-          <p:nvPr/>
-        </p:nvSpPr>
-        <p:spPr>
-          <a:xfrm>
-            <a:off x="1339932" y="2705595"/>
-            <a:ext cx="4752109" cy="369332"/>
-          </a:xfrm>
-          <a:prstGeom prst="rect">
-            <a:avLst/>
-          </a:prstGeom>
-          <a:noFill/>
-        </p:spPr>
-        <p:txBody>
-          <a:bodyPr rot="0" spcFirstLastPara="0" vertOverflow="overflow" horzOverflow="overflow" vert="horz" wrap="square" lIns="91440" tIns="45720" rIns="91440" bIns="45720" numCol="1" spcCol="0" rtlCol="0" fromWordArt="0" anchor="t" anchorCtr="0" forceAA="0" compatLnSpc="1">
-            <a:prstTxWarp prst="textNoShape">
-              <a:avLst/>
-            </a:prstTxWarp>
-            <a:spAutoFit/>
-          </a:bodyPr>
-          <a:lstStyle/>
-          <a:p>
-            <a:r>
-              <a:rPr lang="en-US" b="1" dirty="0"/>
-              <a:t>Duplicating a repository</a:t>
-            </a:r>
-          </a:p>
-        </p:txBody>
-      </p:sp>
     </p:spTree>
     <p:extLst>
       <p:ext uri="{BB962C8B-B14F-4D97-AF65-F5344CB8AC3E}">
-        <p14:creationId xmlns:p14="http://schemas.microsoft.com/office/powerpoint/2010/main" val="636929804"/>
+        <p14:creationId xmlns:p14="http://schemas.microsoft.com/office/powerpoint/2010/main" val="3679264540"/>
       </p:ext>
     </p:extLst>
   </p:cSld>
@@ -19001,6 +22277,69 @@
           <p:cNvPr id="2" name="Title 1">
             <a:extLst>
               <a:ext uri="{FF2B5EF4-FFF2-40B4-BE49-F238E27FC236}">
+                <a16:creationId xmlns:a16="http://schemas.microsoft.com/office/drawing/2014/main" id="{566C97BE-403B-122E-90D1-2788978A0B6F}"/>
+              </a:ext>
+            </a:extLst>
+          </p:cNvPr>
+          <p:cNvSpPr>
+            <a:spLocks noGrp="1"/>
+          </p:cNvSpPr>
+          <p:nvPr>
+            <p:ph type="ctrTitle"/>
+          </p:nvPr>
+        </p:nvSpPr>
+        <p:spPr>
+          <a:xfrm>
+            <a:off x="6218840" y="406400"/>
+            <a:ext cx="5566935" cy="3457971"/>
+          </a:xfrm>
+        </p:spPr>
+        <p:txBody>
+          <a:bodyPr/>
+          <a:lstStyle/>
+          <a:p>
+            <a:r>
+              <a:rPr lang="en-US" dirty="0"/>
+              <a:t>Clone a Repository</a:t>
+            </a:r>
+          </a:p>
+        </p:txBody>
+      </p:sp>
+    </p:spTree>
+    <p:extLst>
+      <p:ext uri="{BB962C8B-B14F-4D97-AF65-F5344CB8AC3E}">
+        <p14:creationId xmlns:p14="http://schemas.microsoft.com/office/powerpoint/2010/main" val="1115921236"/>
+      </p:ext>
+    </p:extLst>
+  </p:cSld>
+  <p:clrMapOvr>
+    <a:masterClrMapping/>
+  </p:clrMapOvr>
+</p:sld>
+</file>
+
+<file path=ppt/slides/slide23.xml><?xml version="1.0" encoding="utf-8"?>
+<p:sld xmlns:a="http://schemas.openxmlformats.org/drawingml/2006/main" xmlns:r="http://schemas.openxmlformats.org/officeDocument/2006/relationships" xmlns:p="http://schemas.openxmlformats.org/presentationml/2006/main">
+  <p:cSld>
+    <p:spTree>
+      <p:nvGrpSpPr>
+        <p:cNvPr id="1" name=""/>
+        <p:cNvGrpSpPr/>
+        <p:nvPr/>
+      </p:nvGrpSpPr>
+      <p:grpSpPr>
+        <a:xfrm>
+          <a:off x="0" y="0"/>
+          <a:ext cx="0" cy="0"/>
+          <a:chOff x="0" y="0"/>
+          <a:chExt cx="0" cy="0"/>
+        </a:xfrm>
+      </p:grpSpPr>
+      <p:sp>
+        <p:nvSpPr>
+          <p:cNvPr id="2" name="Title 1">
+            <a:extLst>
+              <a:ext uri="{FF2B5EF4-FFF2-40B4-BE49-F238E27FC236}">
                 <a16:creationId xmlns:a16="http://schemas.microsoft.com/office/drawing/2014/main" id="{8BDF1EDE-5423-435C-B149-87AB1BC22B83}"/>
               </a:ext>
             </a:extLst>
@@ -19124,7 +22463,7 @@
             <a:fld id="{A49DFD55-3C28-40EF-9E31-A92D2E4017FF}" type="slidenum">
               <a:rPr lang="en-US" smtClean="0"/>
               <a:pPr/>
-              <a:t>22</a:t>
+              <a:t>23</a:t>
             </a:fld>
             <a:endParaRPr lang="en-US" dirty="0"/>
           </a:p>
@@ -20215,8 +23554,13 @@
             <a:pPr marL="283210" lvl="1"/>
             <a:r>
               <a:rPr lang="en-US" dirty="0"/>
-              <a:t>Fork: Duplicates a repository under your repositories and allows for updating from the original</a:t>
+              <a:t>Fork: Duplicates a repository under your repositories and allows for updating from the original-</a:t>
             </a:r>
+            <a:r>
+              <a:rPr lang="en-US" b="1" dirty="0"/>
+              <a:t>Covered Next Session</a:t>
+            </a:r>
+            <a:endParaRPr lang="en-US" dirty="0"/>
           </a:p>
           <a:p>
             <a:pPr marL="283210" lvl="1"/>

--- a/Day_1.pptx
+++ b/Day_1.pptx
@@ -5,10 +5,10 @@
     <p:sldMasterId id="2147483648" r:id="rId4"/>
   </p:sldMasterIdLst>
   <p:notesMasterIdLst>
-    <p:notesMasterId r:id="rId28"/>
+    <p:notesMasterId r:id="rId29"/>
   </p:notesMasterIdLst>
   <p:handoutMasterIdLst>
-    <p:handoutMasterId r:id="rId29"/>
+    <p:handoutMasterId r:id="rId30"/>
   </p:handoutMasterIdLst>
   <p:sldIdLst>
     <p:sldId id="256" r:id="rId5"/>
@@ -33,7 +33,8 @@
     <p:sldId id="312" r:id="rId24"/>
     <p:sldId id="285" r:id="rId25"/>
     <p:sldId id="314" r:id="rId26"/>
-    <p:sldId id="271" r:id="rId27"/>
+    <p:sldId id="315" r:id="rId27"/>
+    <p:sldId id="271" r:id="rId28"/>
   </p:sldIdLst>
   <p:sldSz cx="12192000" cy="6858000"/>
   <p:notesSz cx="6858000" cy="9144000"/>
@@ -5121,13 +5122,13 @@
     <dgm:cxn modelId="{2F9F960C-67C2-4364-951C-5152A8671B82}" type="presOf" srcId="{9FD1AFB0-6387-467C-9D6F-5E1DF60EF603}" destId="{0C42D7A7-178C-4609-8D09-33DD6B98A093}" srcOrd="0" destOrd="0" presId="urn:microsoft.com/office/officeart/2018/2/layout/IconVerticalSolidList"/>
     <dgm:cxn modelId="{1CB00E29-ADBF-4FBC-AE18-2E7406FB4889}" srcId="{9FD1AFB0-6387-467C-9D6F-5E1DF60EF603}" destId="{09BD055C-CAA1-4115-B916-512C197E1558}" srcOrd="1" destOrd="0" parTransId="{0FDD0D0A-D22D-45C2-B4EC-4C0DA08376D2}" sibTransId="{C26B2AB4-0C37-4D05-83CE-743AD7018E9A}"/>
     <dgm:cxn modelId="{C10B3C3C-1D08-46B1-BC60-CF53299C1380}" type="presOf" srcId="{B602E8FF-A98E-4D29-A781-40007C471AB1}" destId="{823A42C8-E185-4343-81FA-55F899FBAE91}" srcOrd="0" destOrd="0" presId="urn:microsoft.com/office/officeart/2018/2/layout/IconVerticalSolidList"/>
-    <dgm:cxn modelId="{BD841E63-D30E-4423-94D3-B0CC2759DC5B}" type="presOf" srcId="{09BD055C-CAA1-4115-B916-512C197E1558}" destId="{E4DD5D98-D588-43FC-B797-D9CCBB8ABCEE}" srcOrd="0" destOrd="0" presId="urn:microsoft.com/office/officeart/2018/2/layout/IconVerticalSolidList"/>
-    <dgm:cxn modelId="{65CDAE64-E2B7-441C-A767-CEF3358205DD}" srcId="{9FD1AFB0-6387-467C-9D6F-5E1DF60EF603}" destId="{46D5C940-FD53-43BE-9C67-5F7E0371D42B}" srcOrd="6" destOrd="0" parTransId="{4850C34A-C8F0-4D13-B2C4-AF90BD093934}" sibTransId="{454E9C97-8E7D-4EA4-9A47-81540CF7625F}"/>
     <dgm:cxn modelId="{AD36F644-AF30-434B-9289-9FD707677025}" srcId="{9FD1AFB0-6387-467C-9D6F-5E1DF60EF603}" destId="{B602E8FF-A98E-4D29-A781-40007C471AB1}" srcOrd="4" destOrd="0" parTransId="{A80F31C6-B0A9-4B24-AB46-4B6AD4A9BF8F}" sibTransId="{12570E38-8857-40B4-9AA0-7F805D5C7B1C}"/>
     <dgm:cxn modelId="{AF04B145-D300-41A4-BD6D-58E5B34B6332}" srcId="{9FD1AFB0-6387-467C-9D6F-5E1DF60EF603}" destId="{BB28E13E-09EB-4820-ADD1-20CADDE8629C}" srcOrd="5" destOrd="0" parTransId="{223C97DD-EE40-402F-A70D-A1ED5256976C}" sibTransId="{F3B102BC-CFA0-4F8B-AD23-59D2A4B42CB3}"/>
     <dgm:cxn modelId="{9FE0134C-02EF-4DCE-9FD4-09445612EA60}" type="presOf" srcId="{46D5C940-FD53-43BE-9C67-5F7E0371D42B}" destId="{F6A79757-94A7-4C22-963D-173EEF6D03D7}" srcOrd="0" destOrd="0" presId="urn:microsoft.com/office/officeart/2018/2/layout/IconVerticalSolidList"/>
+    <dgm:cxn modelId="{1AC3B056-5480-4E1A-BC68-999CD8264143}" srcId="{9FD1AFB0-6387-467C-9D6F-5E1DF60EF603}" destId="{4C3DE8AD-B8B2-41E6-8408-2124A73C10A9}" srcOrd="0" destOrd="0" parTransId="{9F9DDCBA-9AA9-4F1C-9EE7-71F88BC3DF6A}" sibTransId="{2B6628D6-35F1-4F20-B092-AE6C922F75E3}"/>
+    <dgm:cxn modelId="{BD841E63-D30E-4423-94D3-B0CC2759DC5B}" type="presOf" srcId="{09BD055C-CAA1-4115-B916-512C197E1558}" destId="{E4DD5D98-D588-43FC-B797-D9CCBB8ABCEE}" srcOrd="0" destOrd="0" presId="urn:microsoft.com/office/officeart/2018/2/layout/IconVerticalSolidList"/>
+    <dgm:cxn modelId="{65CDAE64-E2B7-441C-A767-CEF3358205DD}" srcId="{9FD1AFB0-6387-467C-9D6F-5E1DF60EF603}" destId="{46D5C940-FD53-43BE-9C67-5F7E0371D42B}" srcOrd="6" destOrd="0" parTransId="{4850C34A-C8F0-4D13-B2C4-AF90BD093934}" sibTransId="{454E9C97-8E7D-4EA4-9A47-81540CF7625F}"/>
     <dgm:cxn modelId="{3447BC71-1383-4AFF-9DFA-36957510AFBF}" type="presOf" srcId="{1F0C335D-60CA-494D-AE2B-EBF3A973EB00}" destId="{911D19C0-AE42-43BA-8EDF-465FAC5F867F}" srcOrd="0" destOrd="0" presId="urn:microsoft.com/office/officeart/2018/2/layout/IconVerticalSolidList"/>
-    <dgm:cxn modelId="{1AC3B056-5480-4E1A-BC68-999CD8264143}" srcId="{9FD1AFB0-6387-467C-9D6F-5E1DF60EF603}" destId="{4C3DE8AD-B8B2-41E6-8408-2124A73C10A9}" srcOrd="0" destOrd="0" parTransId="{9F9DDCBA-9AA9-4F1C-9EE7-71F88BC3DF6A}" sibTransId="{2B6628D6-35F1-4F20-B092-AE6C922F75E3}"/>
     <dgm:cxn modelId="{DDCC8A84-077D-4F4A-BFA9-EC7D3D13A377}" srcId="{9FD1AFB0-6387-467C-9D6F-5E1DF60EF603}" destId="{1F0C335D-60CA-494D-AE2B-EBF3A973EB00}" srcOrd="2" destOrd="0" parTransId="{A1BF2AA9-D663-4AC5-8A3F-B2CD3A2F2D62}" sibTransId="{380CC9C2-D8D5-4E72-A6F8-BFBB367998EE}"/>
     <dgm:cxn modelId="{2A6E1290-C986-41A9-A736-7FA35707D8AE}" srcId="{9FD1AFB0-6387-467C-9D6F-5E1DF60EF603}" destId="{C74F7953-35E1-47C3-AA7F-D05586AC820A}" srcOrd="3" destOrd="0" parTransId="{4DDCE2DE-5C28-4A48-8325-DACD9B0DA1D7}" sibTransId="{AA4896E9-C046-4F02-AC64-B094B353546B}"/>
     <dgm:cxn modelId="{98AE7499-F80F-41A7-9AF2-0A22E85F314B}" type="presOf" srcId="{BB28E13E-09EB-4820-ADD1-20CADDE8629C}" destId="{558ED42F-7918-4F32-BF4F-69313E63CAD0}" srcOrd="0" destOrd="0" presId="urn:microsoft.com/office/officeart/2018/2/layout/IconVerticalSolidList"/>
@@ -7696,7 +7697,7 @@
           <a:p>
             <a:fld id="{B56F32FC-4BD9-442A-A8C6-51598C909FE3}" type="datetimeFigureOut">
               <a:rPr lang="en-US" smtClean="0"/>
-              <a:t>10/24/2024</a:t>
+              <a:t>11/4/24</a:t>
             </a:fld>
             <a:endParaRPr lang="en-US" dirty="0"/>
           </a:p>
@@ -7873,7 +7874,7 @@
           <a:p>
             <a:fld id="{056371FA-A98D-41E8-93F4-09945841298A}" type="datetimeFigureOut">
               <a:rPr lang="en-US" smtClean="0"/>
-              <a:t>10/24/2024</a:t>
+              <a:t>11/4/24</a:t>
             </a:fld>
             <a:endParaRPr lang="en-US" dirty="0"/>
           </a:p>
@@ -8541,7 +8542,7 @@
           <a:p>
             <a:fld id="{22289C57-55D7-40A4-A101-E74FAC7A092B}" type="slidenum">
               <a:rPr lang="en-US" smtClean="0"/>
-              <a:t>18</a:t>
+              <a:t>19</a:t>
             </a:fld>
             <a:endParaRPr lang="en-US" dirty="0"/>
           </a:p>
@@ -8625,7 +8626,7 @@
           <a:p>
             <a:fld id="{22289C57-55D7-40A4-A101-E74FAC7A092B}" type="slidenum">
               <a:rPr lang="en-US" smtClean="0"/>
-              <a:t>19</a:t>
+              <a:t>20</a:t>
             </a:fld>
             <a:endParaRPr lang="en-US" dirty="0"/>
           </a:p>
@@ -8709,7 +8710,7 @@
           <a:p>
             <a:fld id="{22289C57-55D7-40A4-A101-E74FAC7A092B}" type="slidenum">
               <a:rPr lang="en-US" smtClean="0"/>
-              <a:t>20</a:t>
+              <a:t>21</a:t>
             </a:fld>
             <a:endParaRPr lang="en-US" dirty="0"/>
           </a:p>
@@ -8793,7 +8794,7 @@
           <a:p>
             <a:fld id="{22289C57-55D7-40A4-A101-E74FAC7A092B}" type="slidenum">
               <a:rPr lang="en-US" smtClean="0"/>
-              <a:t>20</a:t>
+              <a:t>22</a:t>
             </a:fld>
             <a:endParaRPr lang="en-US" dirty="0"/>
           </a:p>
@@ -8813,6 +8814,114 @@
 </file>
 
 <file path=ppt/notesSlides/notesSlide17.xml><?xml version="1.0" encoding="utf-8"?>
+<p:notes xmlns:a="http://schemas.openxmlformats.org/drawingml/2006/main" xmlns:r="http://schemas.openxmlformats.org/officeDocument/2006/relationships" xmlns:p="http://schemas.openxmlformats.org/presentationml/2006/main">
+  <p:cSld>
+    <p:spTree>
+      <p:nvGrpSpPr>
+        <p:cNvPr id="1" name="">
+          <a:extLst>
+            <a:ext uri="{FF2B5EF4-FFF2-40B4-BE49-F238E27FC236}">
+              <a16:creationId xmlns:a16="http://schemas.microsoft.com/office/drawing/2014/main" id="{3A95F36E-A886-5A97-5946-32741128D6A4}"/>
+            </a:ext>
+          </a:extLst>
+        </p:cNvPr>
+        <p:cNvGrpSpPr/>
+        <p:nvPr/>
+      </p:nvGrpSpPr>
+      <p:grpSpPr>
+        <a:xfrm>
+          <a:off x="0" y="0"/>
+          <a:ext cx="0" cy="0"/>
+          <a:chOff x="0" y="0"/>
+          <a:chExt cx="0" cy="0"/>
+        </a:xfrm>
+      </p:grpSpPr>
+      <p:sp>
+        <p:nvSpPr>
+          <p:cNvPr id="2" name="Slide Image Placeholder 1">
+            <a:extLst>
+              <a:ext uri="{FF2B5EF4-FFF2-40B4-BE49-F238E27FC236}">
+                <a16:creationId xmlns:a16="http://schemas.microsoft.com/office/drawing/2014/main" id="{6DD634D9-0C05-0AA1-B991-70450E4FBB71}"/>
+              </a:ext>
+            </a:extLst>
+          </p:cNvPr>
+          <p:cNvSpPr>
+            <a:spLocks noGrp="1" noRot="1" noChangeAspect="1"/>
+          </p:cNvSpPr>
+          <p:nvPr>
+            <p:ph type="sldImg"/>
+          </p:nvPr>
+        </p:nvSpPr>
+        <p:spPr/>
+      </p:sp>
+      <p:sp>
+        <p:nvSpPr>
+          <p:cNvPr id="3" name="Notes Placeholder 2">
+            <a:extLst>
+              <a:ext uri="{FF2B5EF4-FFF2-40B4-BE49-F238E27FC236}">
+                <a16:creationId xmlns:a16="http://schemas.microsoft.com/office/drawing/2014/main" id="{257913F5-6D3A-CA3D-11D7-399108E152A3}"/>
+              </a:ext>
+            </a:extLst>
+          </p:cNvPr>
+          <p:cNvSpPr>
+            <a:spLocks noGrp="1"/>
+          </p:cNvSpPr>
+          <p:nvPr>
+            <p:ph type="body" idx="1"/>
+          </p:nvPr>
+        </p:nvSpPr>
+        <p:spPr/>
+        <p:txBody>
+          <a:bodyPr/>
+          <a:lstStyle/>
+          <a:p>
+            <a:endParaRPr lang="en-US" dirty="0"/>
+          </a:p>
+        </p:txBody>
+      </p:sp>
+      <p:sp>
+        <p:nvSpPr>
+          <p:cNvPr id="4" name="Slide Number Placeholder 3">
+            <a:extLst>
+              <a:ext uri="{FF2B5EF4-FFF2-40B4-BE49-F238E27FC236}">
+                <a16:creationId xmlns:a16="http://schemas.microsoft.com/office/drawing/2014/main" id="{23CBC85E-D3EA-5DE2-E382-FC0111D5A1DE}"/>
+              </a:ext>
+            </a:extLst>
+          </p:cNvPr>
+          <p:cNvSpPr>
+            <a:spLocks noGrp="1"/>
+          </p:cNvSpPr>
+          <p:nvPr>
+            <p:ph type="sldNum" sz="quarter" idx="5"/>
+          </p:nvPr>
+        </p:nvSpPr>
+        <p:spPr/>
+        <p:txBody>
+          <a:bodyPr/>
+          <a:lstStyle/>
+          <a:p>
+            <a:fld id="{22289C57-55D7-40A4-A101-E74FAC7A092B}" type="slidenum">
+              <a:rPr lang="en-US" smtClean="0"/>
+              <a:t>23</a:t>
+            </a:fld>
+            <a:endParaRPr lang="en-US" dirty="0"/>
+          </a:p>
+        </p:txBody>
+      </p:sp>
+    </p:spTree>
+    <p:extLst>
+      <p:ext uri="{BB962C8B-B14F-4D97-AF65-F5344CB8AC3E}">
+        <p14:creationId xmlns:p14="http://schemas.microsoft.com/office/powerpoint/2010/main" val="393528515"/>
+      </p:ext>
+    </p:extLst>
+  </p:cSld>
+  <p:clrMapOvr>
+    <a:masterClrMapping/>
+  </p:clrMapOvr>
+</p:notes>
+</file>
+
+<file path=ppt/notesSlides/notesSlide18.xml><?xml version="1.0" encoding="utf-8"?>
 <p:notes xmlns:a="http://schemas.openxmlformats.org/drawingml/2006/main" xmlns:r="http://schemas.openxmlformats.org/officeDocument/2006/relationships" xmlns:p="http://schemas.openxmlformats.org/presentationml/2006/main">
   <p:cSld>
     <p:spTree>
@@ -8877,7 +8986,7 @@
           <a:p>
             <a:fld id="{22289C57-55D7-40A4-A101-E74FAC7A092B}" type="slidenum">
               <a:rPr lang="en-US" smtClean="0"/>
-              <a:t>22</a:t>
+              <a:t>24</a:t>
             </a:fld>
             <a:endParaRPr lang="en-US" dirty="0"/>
           </a:p>
@@ -21599,6 +21708,30 @@
                 <a:ea typeface="+mn-lt"/>
                 <a:cs typeface="+mn-lt"/>
               </a:rPr>
+              <a:t>Follow </a:t>
+            </a:r>
+            <a:r>
+              <a:rPr lang="en-US" dirty="0" err="1">
+                <a:ea typeface="+mn-lt"/>
+                <a:cs typeface="+mn-lt"/>
+              </a:rPr>
+              <a:t>setup.md</a:t>
+            </a:r>
+            <a:r>
+              <a:rPr lang="en-US" dirty="0">
+                <a:ea typeface="+mn-lt"/>
+                <a:cs typeface="+mn-lt"/>
+              </a:rPr>
+              <a:t> in the Practice folder</a:t>
+            </a:r>
+          </a:p>
+          <a:p>
+            <a:pPr marL="283210" lvl="1"/>
+            <a:r>
+              <a:rPr lang="en-US" dirty="0">
+                <a:ea typeface="+mn-lt"/>
+                <a:cs typeface="+mn-lt"/>
+              </a:rPr>
               <a:t>Location</a:t>
             </a:r>
           </a:p>
@@ -22176,6 +22309,30 @@
                 <a:ea typeface="+mn-lt"/>
                 <a:cs typeface="+mn-lt"/>
               </a:rPr>
+              <a:t>Follow </a:t>
+            </a:r>
+            <a:r>
+              <a:rPr lang="en-US" dirty="0" err="1">
+                <a:ea typeface="+mn-lt"/>
+                <a:cs typeface="+mn-lt"/>
+              </a:rPr>
+              <a:t>cloning.md</a:t>
+            </a:r>
+            <a:r>
+              <a:rPr lang="en-US" dirty="0">
+                <a:ea typeface="+mn-lt"/>
+                <a:cs typeface="+mn-lt"/>
+              </a:rPr>
+              <a:t> in the Practice folder</a:t>
+            </a:r>
+          </a:p>
+          <a:p>
+            <a:pPr marL="283210" lvl="1"/>
+            <a:r>
+              <a:rPr lang="en-US" dirty="0">
+                <a:ea typeface="+mn-lt"/>
+                <a:cs typeface="+mn-lt"/>
+              </a:rPr>
               <a:t>Download GitHub Desktop</a:t>
             </a:r>
             <a:endParaRPr lang="en-US" dirty="0"/>
@@ -22323,6 +22480,174 @@
   <p:cSld>
     <p:spTree>
       <p:nvGrpSpPr>
+        <p:cNvPr id="1" name="">
+          <a:extLst>
+            <a:ext uri="{FF2B5EF4-FFF2-40B4-BE49-F238E27FC236}">
+              <a16:creationId xmlns:a16="http://schemas.microsoft.com/office/drawing/2014/main" id="{05551B8D-E0D4-E388-1D5F-FEC2CFBDB475}"/>
+            </a:ext>
+          </a:extLst>
+        </p:cNvPr>
+        <p:cNvGrpSpPr/>
+        <p:nvPr/>
+      </p:nvGrpSpPr>
+      <p:grpSpPr>
+        <a:xfrm>
+          <a:off x="0" y="0"/>
+          <a:ext cx="0" cy="0"/>
+          <a:chOff x="0" y="0"/>
+          <a:chExt cx="0" cy="0"/>
+        </a:xfrm>
+      </p:grpSpPr>
+      <p:sp>
+        <p:nvSpPr>
+          <p:cNvPr id="2" name="Title 1">
+            <a:extLst>
+              <a:ext uri="{FF2B5EF4-FFF2-40B4-BE49-F238E27FC236}">
+                <a16:creationId xmlns:a16="http://schemas.microsoft.com/office/drawing/2014/main" id="{5F2E69CC-A400-A4E8-967C-A3755F1B05C8}"/>
+              </a:ext>
+            </a:extLst>
+          </p:cNvPr>
+          <p:cNvSpPr>
+            <a:spLocks noGrp="1"/>
+          </p:cNvSpPr>
+          <p:nvPr>
+            <p:ph type="title"/>
+          </p:nvPr>
+        </p:nvSpPr>
+        <p:spPr>
+          <a:xfrm>
+            <a:off x="1322318" y="268360"/>
+            <a:ext cx="7288282" cy="2121177"/>
+          </a:xfrm>
+        </p:spPr>
+        <p:txBody>
+          <a:bodyPr/>
+          <a:lstStyle/>
+          <a:p>
+            <a:r>
+              <a:rPr lang="en-US" dirty="0">
+                <a:ea typeface="+mj-lt"/>
+                <a:cs typeface="+mj-lt"/>
+              </a:rPr>
+              <a:t>Next Session:</a:t>
+            </a:r>
+            <a:endParaRPr lang="en-US" dirty="0"/>
+          </a:p>
+        </p:txBody>
+      </p:sp>
+      <p:sp>
+        <p:nvSpPr>
+          <p:cNvPr id="3" name="Text Placeholder 2">
+            <a:extLst>
+              <a:ext uri="{FF2B5EF4-FFF2-40B4-BE49-F238E27FC236}">
+                <a16:creationId xmlns:a16="http://schemas.microsoft.com/office/drawing/2014/main" id="{C6521FC9-A097-37B2-3181-DFD0FE1C0C5A}"/>
+              </a:ext>
+            </a:extLst>
+          </p:cNvPr>
+          <p:cNvSpPr>
+            <a:spLocks noGrp="1"/>
+          </p:cNvSpPr>
+          <p:nvPr>
+            <p:ph sz="half" idx="2"/>
+          </p:nvPr>
+        </p:nvSpPr>
+        <p:spPr>
+          <a:xfrm>
+            <a:off x="1322388" y="2763078"/>
+            <a:ext cx="7288212" cy="3407051"/>
+          </a:xfrm>
+        </p:spPr>
+        <p:txBody>
+          <a:bodyPr vert="horz" lIns="91440" tIns="45720" rIns="91440" bIns="45720" rtlCol="0" anchor="t">
+            <a:normAutofit/>
+          </a:bodyPr>
+          <a:lstStyle/>
+          <a:p>
+            <a:pPr marL="283210" lvl="1"/>
+            <a:r>
+              <a:rPr lang="en-US" dirty="0">
+                <a:ea typeface="+mn-lt"/>
+                <a:cs typeface="+mn-lt"/>
+              </a:rPr>
+              <a:t>Learn how to collaborate and resolve conflicts</a:t>
+            </a:r>
+          </a:p>
+          <a:p>
+            <a:pPr marL="283210" lvl="1"/>
+            <a:r>
+              <a:rPr lang="en-US" dirty="0"/>
+              <a:t>Create your own personal website:</a:t>
+            </a:r>
+          </a:p>
+          <a:p>
+            <a:pPr marL="566674" lvl="2"/>
+            <a:r>
+              <a:rPr lang="en-US" dirty="0"/>
+              <a:t>Forking a Repository</a:t>
+            </a:r>
+          </a:p>
+          <a:p>
+            <a:pPr marL="566674" lvl="2"/>
+            <a:r>
+              <a:rPr lang="en-US" dirty="0"/>
+              <a:t>Creating a GitHub Pages site</a:t>
+            </a:r>
+          </a:p>
+        </p:txBody>
+      </p:sp>
+      <p:sp>
+        <p:nvSpPr>
+          <p:cNvPr id="14" name="Slide Number Placeholder 5">
+            <a:extLst>
+              <a:ext uri="{FF2B5EF4-FFF2-40B4-BE49-F238E27FC236}">
+                <a16:creationId xmlns:a16="http://schemas.microsoft.com/office/drawing/2014/main" id="{468B4C42-774C-9F4B-2C44-2BBBB585F83E}"/>
+              </a:ext>
+            </a:extLst>
+          </p:cNvPr>
+          <p:cNvSpPr>
+            <a:spLocks noGrp="1"/>
+          </p:cNvSpPr>
+          <p:nvPr>
+            <p:ph type="sldNum" sz="quarter" idx="12"/>
+          </p:nvPr>
+        </p:nvSpPr>
+        <p:spPr>
+          <a:xfrm>
+            <a:off x="10373350" y="6356349"/>
+            <a:ext cx="987552" cy="365125"/>
+          </a:xfrm>
+        </p:spPr>
+        <p:txBody>
+          <a:bodyPr/>
+          <a:lstStyle/>
+          <a:p>
+            <a:fld id="{A49DFD55-3C28-40EF-9E31-A92D2E4017FF}" type="slidenum">
+              <a:rPr lang="en-US" smtClean="0"/>
+              <a:pPr/>
+              <a:t>23</a:t>
+            </a:fld>
+            <a:endParaRPr lang="en-US" dirty="0"/>
+          </a:p>
+        </p:txBody>
+      </p:sp>
+    </p:spTree>
+    <p:extLst>
+      <p:ext uri="{BB962C8B-B14F-4D97-AF65-F5344CB8AC3E}">
+        <p14:creationId xmlns:p14="http://schemas.microsoft.com/office/powerpoint/2010/main" val="3204107223"/>
+      </p:ext>
+    </p:extLst>
+  </p:cSld>
+  <p:clrMapOvr>
+    <a:masterClrMapping/>
+  </p:clrMapOvr>
+</p:sld>
+</file>
+
+<file path=ppt/slides/slide24.xml><?xml version="1.0" encoding="utf-8"?>
+<p:sld xmlns:a="http://schemas.openxmlformats.org/drawingml/2006/main" xmlns:r="http://schemas.openxmlformats.org/officeDocument/2006/relationships" xmlns:p="http://schemas.openxmlformats.org/presentationml/2006/main">
+  <p:cSld>
+    <p:spTree>
+      <p:nvGrpSpPr>
         <p:cNvPr id="1" name=""/>
         <p:cNvGrpSpPr/>
         <p:nvPr/>
@@ -22463,7 +22788,7 @@
             <a:fld id="{A49DFD55-3C28-40EF-9E31-A92D2E4017FF}" type="slidenum">
               <a:rPr lang="en-US" smtClean="0"/>
               <a:pPr/>
-              <a:t>23</a:t>
+              <a:t>24</a:t>
             </a:fld>
             <a:endParaRPr lang="en-US" dirty="0"/>
           </a:p>
@@ -26601,35 +26926,6 @@
 </file>
 
 <file path=customXml/item1.xml><?xml version="1.0" encoding="utf-8"?>
-<p:properties xmlns:p="http://schemas.microsoft.com/office/2006/metadata/properties" xmlns:xsi="http://www.w3.org/2001/XMLSchema-instance" xmlns:pc="http://schemas.microsoft.com/office/infopath/2007/PartnerControls">
-  <documentManagement>
-    <_ip_UnifiedCompliancePolicyUIAction xmlns="http://schemas.microsoft.com/sharepoint/v3" xsi:nil="true"/>
-    <Image xmlns="71af3243-3dd4-4a8d-8c0d-dd76da1f02a5">
-      <Url xsi:nil="true"/>
-      <Description xsi:nil="true"/>
-    </Image>
-    <Status xmlns="71af3243-3dd4-4a8d-8c0d-dd76da1f02a5">Not started</Status>
-    <Background xmlns="71af3243-3dd4-4a8d-8c0d-dd76da1f02a5">false</Background>
-    <_ip_UnifiedCompliancePolicyProperties xmlns="http://schemas.microsoft.com/sharepoint/v3" xsi:nil="true"/>
-    <ImageTagsTaxHTField xmlns="71af3243-3dd4-4a8d-8c0d-dd76da1f02a5">
-      <Terms xmlns="http://schemas.microsoft.com/office/infopath/2007/PartnerControls"/>
-    </ImageTagsTaxHTField>
-    <TaxCatchAll xmlns="230e9df3-be65-4c73-a93b-d1236ebd677e" xsi:nil="true"/>
-    <MediaServiceKeyPoints xmlns="71af3243-3dd4-4a8d-8c0d-dd76da1f02a5" xsi:nil="true"/>
-  </documentManagement>
-</p:properties>
-</file>
-
-<file path=customXml/item2.xml><?xml version="1.0" encoding="utf-8"?>
-<?mso-contentType ?>
-<FormTemplates xmlns="http://schemas.microsoft.com/sharepoint/v3/contenttype/forms">
-  <Display>DocumentLibraryForm</Display>
-  <Edit>DocumentLibraryForm</Edit>
-  <New>DocumentLibraryForm</New>
-</FormTemplates>
-</file>
-
-<file path=customXml/item3.xml><?xml version="1.0" encoding="utf-8"?>
 <ct:contentTypeSchema xmlns:ct="http://schemas.microsoft.com/office/2006/metadata/contentType" xmlns:ma="http://schemas.microsoft.com/office/2006/metadata/properties/metaAttributes" ct:_="" ma:_="" ma:contentTypeName="Document" ma:contentTypeID="0x01010079F111ED35F8CC479449609E8A0923A6" ma:contentTypeVersion="28" ma:contentTypeDescription="Create a new document." ma:contentTypeScope="" ma:versionID="60f5a4f2d2b0abadcf532d48ebf9cb71">
   <xsd:schema xmlns:xsd="http://www.w3.org/2001/XMLSchema" xmlns:xs="http://www.w3.org/2001/XMLSchema" xmlns:p="http://schemas.microsoft.com/office/2006/metadata/properties" xmlns:ns1="http://schemas.microsoft.com/sharepoint/v3" xmlns:ns2="71af3243-3dd4-4a8d-8c0d-dd76da1f02a5" xmlns:ns3="16c05727-aa75-4e4a-9b5f-8a80a1165891" xmlns:ns4="230e9df3-be65-4c73-a93b-d1236ebd677e" targetNamespace="http://schemas.microsoft.com/office/2006/metadata/properties" ma:root="true" ma:fieldsID="7dd78129e6a1811f84807ad11c651531" ns1:_="" ns2:_="" ns3:_="" ns4:_="">
     <xsd:import namespace="http://schemas.microsoft.com/sharepoint/v3"/>
@@ -26941,27 +27237,36 @@
 </ct:contentTypeSchema>
 </file>
 
-<file path=customXml/itemProps1.xml><?xml version="1.0" encoding="utf-8"?>
-<ds:datastoreItem xmlns:ds="http://schemas.openxmlformats.org/officeDocument/2006/customXml" ds:itemID="{49168DCE-134F-4610-A6AA-88CEBE8D71D2}">
-  <ds:schemaRefs>
-    <ds:schemaRef ds:uri="http://schemas.microsoft.com/office/2006/metadata/properties"/>
-    <ds:schemaRef ds:uri="http://schemas.microsoft.com/office/infopath/2007/PartnerControls"/>
-    <ds:schemaRef ds:uri="http://schemas.microsoft.com/sharepoint/v3"/>
-    <ds:schemaRef ds:uri="71af3243-3dd4-4a8d-8c0d-dd76da1f02a5"/>
-    <ds:schemaRef ds:uri="230e9df3-be65-4c73-a93b-d1236ebd677e"/>
-  </ds:schemaRefs>
-</ds:datastoreItem>
+<file path=customXml/item2.xml><?xml version="1.0" encoding="utf-8"?>
+<p:properties xmlns:p="http://schemas.microsoft.com/office/2006/metadata/properties" xmlns:xsi="http://www.w3.org/2001/XMLSchema-instance" xmlns:pc="http://schemas.microsoft.com/office/infopath/2007/PartnerControls">
+  <documentManagement>
+    <_ip_UnifiedCompliancePolicyUIAction xmlns="http://schemas.microsoft.com/sharepoint/v3" xsi:nil="true"/>
+    <Image xmlns="71af3243-3dd4-4a8d-8c0d-dd76da1f02a5">
+      <Url xsi:nil="true"/>
+      <Description xsi:nil="true"/>
+    </Image>
+    <Status xmlns="71af3243-3dd4-4a8d-8c0d-dd76da1f02a5">Not started</Status>
+    <Background xmlns="71af3243-3dd4-4a8d-8c0d-dd76da1f02a5">false</Background>
+    <_ip_UnifiedCompliancePolicyProperties xmlns="http://schemas.microsoft.com/sharepoint/v3" xsi:nil="true"/>
+    <ImageTagsTaxHTField xmlns="71af3243-3dd4-4a8d-8c0d-dd76da1f02a5">
+      <Terms xmlns="http://schemas.microsoft.com/office/infopath/2007/PartnerControls"/>
+    </ImageTagsTaxHTField>
+    <TaxCatchAll xmlns="230e9df3-be65-4c73-a93b-d1236ebd677e" xsi:nil="true"/>
+    <MediaServiceKeyPoints xmlns="71af3243-3dd4-4a8d-8c0d-dd76da1f02a5" xsi:nil="true"/>
+  </documentManagement>
+</p:properties>
 </file>
 
-<file path=customXml/itemProps2.xml><?xml version="1.0" encoding="utf-8"?>
-<ds:datastoreItem xmlns:ds="http://schemas.openxmlformats.org/officeDocument/2006/customXml" ds:itemID="{CABF691C-888B-4061-8A6F-D5CE84A0254B}">
-  <ds:schemaRefs>
-    <ds:schemaRef ds:uri="http://schemas.microsoft.com/sharepoint/v3/contenttype/forms"/>
-  </ds:schemaRefs>
-</ds:datastoreItem>
+<file path=customXml/item3.xml><?xml version="1.0" encoding="utf-8"?>
+<?mso-contentType ?>
+<FormTemplates xmlns="http://schemas.microsoft.com/sharepoint/v3/contenttype/forms">
+  <Display>DocumentLibraryForm</Display>
+  <Edit>DocumentLibraryForm</Edit>
+  <New>DocumentLibraryForm</New>
+</FormTemplates>
 </file>
 
-<file path=customXml/itemProps3.xml><?xml version="1.0" encoding="utf-8"?>
+<file path=customXml/itemProps1.xml><?xml version="1.0" encoding="utf-8"?>
 <ds:datastoreItem xmlns:ds="http://schemas.openxmlformats.org/officeDocument/2006/customXml" ds:itemID="{5EDE3176-A15D-46A3-BDDB-64A0D7363224}">
   <ds:schemaRefs>
     <ds:schemaRef ds:uri="http://schemas.microsoft.com/office/2006/metadata/contentType"/>
@@ -26982,6 +27287,26 @@
 </ds:datastoreItem>
 </file>
 
+<file path=customXml/itemProps2.xml><?xml version="1.0" encoding="utf-8"?>
+<ds:datastoreItem xmlns:ds="http://schemas.openxmlformats.org/officeDocument/2006/customXml" ds:itemID="{49168DCE-134F-4610-A6AA-88CEBE8D71D2}">
+  <ds:schemaRefs>
+    <ds:schemaRef ds:uri="http://schemas.microsoft.com/office/2006/metadata/properties"/>
+    <ds:schemaRef ds:uri="http://schemas.microsoft.com/office/infopath/2007/PartnerControls"/>
+    <ds:schemaRef ds:uri="http://schemas.microsoft.com/sharepoint/v3"/>
+    <ds:schemaRef ds:uri="71af3243-3dd4-4a8d-8c0d-dd76da1f02a5"/>
+    <ds:schemaRef ds:uri="230e9df3-be65-4c73-a93b-d1236ebd677e"/>
+  </ds:schemaRefs>
+</ds:datastoreItem>
+</file>
+
+<file path=customXml/itemProps3.xml><?xml version="1.0" encoding="utf-8"?>
+<ds:datastoreItem xmlns:ds="http://schemas.openxmlformats.org/officeDocument/2006/customXml" ds:itemID="{CABF691C-888B-4061-8A6F-D5CE84A0254B}">
+  <ds:schemaRefs>
+    <ds:schemaRef ds:uri="http://schemas.microsoft.com/sharepoint/v3/contenttype/forms"/>
+  </ds:schemaRefs>
+</ds:datastoreItem>
+</file>
+
 <file path=docMetadata/LabelInfo.xml><?xml version="1.0" encoding="utf-8"?>
 <clbl:labelList xmlns:clbl="http://schemas.microsoft.com/office/2020/mipLabelMetadata"/>
 </file>
--- a/Day_1.pptx
+++ b/Day_1.pptx
@@ -8,7 +8,7 @@
     <p:sldMasterId id="2147483700" r:id="rId4"/>
   </p:sldMasterIdLst>
   <p:notesMasterIdLst>
-    <p:notesMasterId r:id="rId53"/>
+    <p:notesMasterId r:id="rId54"/>
   </p:notesMasterIdLst>
   <p:sldIdLst>
     <p:sldId id="256" r:id="rId5"/>
@@ -35,30 +35,31 @@
     <p:sldId id="270" r:id="rId26"/>
     <p:sldId id="271" r:id="rId27"/>
     <p:sldId id="272" r:id="rId28"/>
-    <p:sldId id="273" r:id="rId29"/>
-    <p:sldId id="274" r:id="rId30"/>
-    <p:sldId id="275" r:id="rId31"/>
-    <p:sldId id="276" r:id="rId32"/>
-    <p:sldId id="277" r:id="rId33"/>
-    <p:sldId id="309" r:id="rId34"/>
-    <p:sldId id="328" r:id="rId35"/>
-    <p:sldId id="329" r:id="rId36"/>
-    <p:sldId id="330" r:id="rId37"/>
-    <p:sldId id="331" r:id="rId38"/>
-    <p:sldId id="332" r:id="rId39"/>
-    <p:sldId id="333" r:id="rId40"/>
-    <p:sldId id="334" r:id="rId41"/>
-    <p:sldId id="335" r:id="rId42"/>
-    <p:sldId id="336" r:id="rId43"/>
-    <p:sldId id="337" r:id="rId44"/>
-    <p:sldId id="338" r:id="rId45"/>
-    <p:sldId id="339" r:id="rId46"/>
-    <p:sldId id="327" r:id="rId47"/>
-    <p:sldId id="310" r:id="rId48"/>
-    <p:sldId id="318" r:id="rId49"/>
-    <p:sldId id="319" r:id="rId50"/>
-    <p:sldId id="278" r:id="rId51"/>
-    <p:sldId id="279" r:id="rId52"/>
+    <p:sldId id="340" r:id="rId29"/>
+    <p:sldId id="273" r:id="rId30"/>
+    <p:sldId id="274" r:id="rId31"/>
+    <p:sldId id="275" r:id="rId32"/>
+    <p:sldId id="276" r:id="rId33"/>
+    <p:sldId id="277" r:id="rId34"/>
+    <p:sldId id="309" r:id="rId35"/>
+    <p:sldId id="328" r:id="rId36"/>
+    <p:sldId id="329" r:id="rId37"/>
+    <p:sldId id="330" r:id="rId38"/>
+    <p:sldId id="331" r:id="rId39"/>
+    <p:sldId id="332" r:id="rId40"/>
+    <p:sldId id="333" r:id="rId41"/>
+    <p:sldId id="334" r:id="rId42"/>
+    <p:sldId id="335" r:id="rId43"/>
+    <p:sldId id="336" r:id="rId44"/>
+    <p:sldId id="337" r:id="rId45"/>
+    <p:sldId id="338" r:id="rId46"/>
+    <p:sldId id="339" r:id="rId47"/>
+    <p:sldId id="327" r:id="rId48"/>
+    <p:sldId id="310" r:id="rId49"/>
+    <p:sldId id="318" r:id="rId50"/>
+    <p:sldId id="319" r:id="rId51"/>
+    <p:sldId id="278" r:id="rId52"/>
+    <p:sldId id="279" r:id="rId53"/>
   </p:sldIdLst>
   <p:sldSz cx="12192000" cy="6858000"/>
   <p:notesSz cx="6858000" cy="9144000"/>
@@ -2127,7 +2128,7 @@
               <a:rPr lang="en-US" sz="1200" b="0" strike="noStrike" spc="-1">
                 <a:latin typeface="Times New Roman"/>
               </a:rPr>
-              <a:t>25</a:t>
+              <a:t>26</a:t>
             </a:fld>
             <a:endParaRPr lang="en-US" sz="1200" b="0" strike="noStrike" spc="-1">
               <a:latin typeface="Times New Roman"/>
@@ -2407,7 +2408,7 @@
               <a:rPr lang="en-US" sz="1200" b="0" strike="noStrike" spc="-1">
                 <a:latin typeface="Times New Roman"/>
               </a:rPr>
-              <a:t>26</a:t>
+              <a:t>27</a:t>
             </a:fld>
             <a:endParaRPr lang="en-US" sz="1200" b="0" strike="noStrike" spc="-1">
               <a:latin typeface="Times New Roman"/>
@@ -2547,7 +2548,7 @@
               <a:rPr lang="en-US" sz="1200" b="0" strike="noStrike" spc="-1">
                 <a:latin typeface="Times New Roman"/>
               </a:rPr>
-              <a:t>27</a:t>
+              <a:t>28</a:t>
             </a:fld>
             <a:endParaRPr lang="en-US" sz="1200" b="0" strike="noStrike" spc="-1">
               <a:latin typeface="Times New Roman"/>
@@ -2687,7 +2688,7 @@
               <a:rPr lang="en-US" sz="1200" b="0" strike="noStrike" spc="-1">
                 <a:latin typeface="Times New Roman"/>
               </a:rPr>
-              <a:t>28</a:t>
+              <a:t>29</a:t>
             </a:fld>
             <a:endParaRPr lang="en-US" sz="1200" b="0" strike="noStrike" spc="-1">
               <a:latin typeface="Times New Roman"/>
@@ -2827,7 +2828,7 @@
               <a:rPr lang="en-US" sz="1200" b="0" strike="noStrike" spc="-1">
                 <a:latin typeface="Times New Roman"/>
               </a:rPr>
-              <a:t>29</a:t>
+              <a:t>30</a:t>
             </a:fld>
             <a:endParaRPr lang="en-US" sz="1200" b="0" strike="noStrike" spc="-1">
               <a:latin typeface="Times New Roman"/>
@@ -2913,7 +2914,7 @@
           <a:p>
             <a:fld id="{22289C57-55D7-40A4-A101-E74FAC7A092B}" type="slidenum">
               <a:rPr lang="en-US" smtClean="0"/>
-              <a:t>30</a:t>
+              <a:t>31</a:t>
             </a:fld>
             <a:endParaRPr lang="en-US" dirty="0"/>
           </a:p>
@@ -3002,7 +3003,7 @@
           <a:p>
             <a:fld id="{22289C57-55D7-40A4-A101-E74FAC7A092B}" type="slidenum">
               <a:rPr lang="en-US" smtClean="0"/>
-              <a:t>44</a:t>
+              <a:t>45</a:t>
             </a:fld>
             <a:endParaRPr lang="en-US" dirty="0"/>
           </a:p>
@@ -3086,7 +3087,7 @@
           <a:p>
             <a:fld id="{22289C57-55D7-40A4-A101-E74FAC7A092B}" type="slidenum">
               <a:rPr lang="en-US" smtClean="0"/>
-              <a:t>46</a:t>
+              <a:t>47</a:t>
             </a:fld>
             <a:endParaRPr lang="en-US" dirty="0"/>
           </a:p>
@@ -3229,7 +3230,7 @@
               <a:rPr lang="en-US" sz="1200" b="0" strike="noStrike" spc="-1">
                 <a:latin typeface="Times New Roman"/>
               </a:rPr>
-              <a:t>47</a:t>
+              <a:t>48</a:t>
             </a:fld>
             <a:endParaRPr lang="en-US" sz="1200" b="0" strike="noStrike" spc="-1">
               <a:latin typeface="Times New Roman"/>
@@ -3369,7 +3370,7 @@
               <a:rPr lang="en-US" sz="1200" b="0" strike="noStrike" spc="-1">
                 <a:latin typeface="Times New Roman"/>
               </a:rPr>
-              <a:t>48</a:t>
+              <a:t>49</a:t>
             </a:fld>
             <a:endParaRPr lang="en-US" sz="1200" b="0" strike="noStrike" spc="-1">
               <a:latin typeface="Times New Roman"/>
@@ -29221,6 +29222,129 @@
       </p:grpSpPr>
       <p:sp>
         <p:nvSpPr>
+          <p:cNvPr id="2" name="Title 1">
+            <a:extLst>
+              <a:ext uri="{FF2B5EF4-FFF2-40B4-BE49-F238E27FC236}">
+                <a16:creationId xmlns:a16="http://schemas.microsoft.com/office/drawing/2014/main" id="{792EF623-0679-1106-A0AE-4C973A7ABBAC}"/>
+              </a:ext>
+            </a:extLst>
+          </p:cNvPr>
+          <p:cNvSpPr>
+            <a:spLocks noGrp="1"/>
+          </p:cNvSpPr>
+          <p:nvPr>
+            <p:ph type="title"/>
+          </p:nvPr>
+        </p:nvSpPr>
+        <p:spPr>
+          <a:xfrm>
+            <a:off x="3603927" y="0"/>
+            <a:ext cx="4179240" cy="1524240"/>
+          </a:xfrm>
+        </p:spPr>
+        <p:txBody>
+          <a:bodyPr/>
+          <a:lstStyle/>
+          <a:p>
+            <a:r>
+              <a:rPr lang="en-US" dirty="0"/>
+              <a:t>Text Editor</a:t>
+            </a:r>
+          </a:p>
+        </p:txBody>
+      </p:sp>
+      <p:pic>
+        <p:nvPicPr>
+          <p:cNvPr id="4" name="Picture 3">
+            <a:extLst>
+              <a:ext uri="{FF2B5EF4-FFF2-40B4-BE49-F238E27FC236}">
+                <a16:creationId xmlns:a16="http://schemas.microsoft.com/office/drawing/2014/main" id="{C9D59FA7-B8A5-F724-B0E8-1771D91404C8}"/>
+              </a:ext>
+            </a:extLst>
+          </p:cNvPr>
+          <p:cNvPicPr>
+            <a:picLocks noChangeAspect="1"/>
+          </p:cNvPicPr>
+          <p:nvPr/>
+        </p:nvPicPr>
+        <p:blipFill>
+          <a:blip r:embed="rId2"/>
+          <a:stretch>
+            <a:fillRect/>
+          </a:stretch>
+        </p:blipFill>
+        <p:spPr>
+          <a:xfrm>
+            <a:off x="6776001" y="458817"/>
+            <a:ext cx="2933700" cy="635000"/>
+          </a:xfrm>
+          <a:prstGeom prst="rect">
+            <a:avLst/>
+          </a:prstGeom>
+        </p:spPr>
+      </p:pic>
+      <p:pic>
+        <p:nvPicPr>
+          <p:cNvPr id="5" name="Picture 4">
+            <a:extLst>
+              <a:ext uri="{FF2B5EF4-FFF2-40B4-BE49-F238E27FC236}">
+                <a16:creationId xmlns:a16="http://schemas.microsoft.com/office/drawing/2014/main" id="{9DE4EF7A-7F55-9631-D442-024EF5584776}"/>
+              </a:ext>
+            </a:extLst>
+          </p:cNvPr>
+          <p:cNvPicPr>
+            <a:picLocks noChangeAspect="1"/>
+          </p:cNvPicPr>
+          <p:nvPr/>
+        </p:nvPicPr>
+        <p:blipFill>
+          <a:blip r:embed="rId3"/>
+          <a:stretch>
+            <a:fillRect/>
+          </a:stretch>
+        </p:blipFill>
+        <p:spPr>
+          <a:xfrm>
+            <a:off x="1658400" y="1093817"/>
+            <a:ext cx="8875199" cy="5764183"/>
+          </a:xfrm>
+          <a:prstGeom prst="rect">
+            <a:avLst/>
+          </a:prstGeom>
+        </p:spPr>
+      </p:pic>
+    </p:spTree>
+    <p:extLst>
+      <p:ext uri="{BB962C8B-B14F-4D97-AF65-F5344CB8AC3E}">
+        <p14:creationId xmlns:p14="http://schemas.microsoft.com/office/powerpoint/2010/main" val="1219204208"/>
+      </p:ext>
+    </p:extLst>
+  </p:cSld>
+  <p:clrMapOvr>
+    <a:masterClrMapping/>
+  </p:clrMapOvr>
+</p:sld>
+</file>
+
+<file path=ppt/slides/slide26.xml><?xml version="1.0" encoding="utf-8"?>
+<p:sld xmlns:a="http://schemas.openxmlformats.org/drawingml/2006/main" xmlns:r="http://schemas.openxmlformats.org/officeDocument/2006/relationships" xmlns:p="http://schemas.openxmlformats.org/presentationml/2006/main">
+  <p:cSld>
+    <p:spTree>
+      <p:nvGrpSpPr>
+        <p:cNvPr id="1" name=""/>
+        <p:cNvGrpSpPr/>
+        <p:nvPr/>
+      </p:nvGrpSpPr>
+      <p:grpSpPr>
+        <a:xfrm>
+          <a:off x="0" y="0"/>
+          <a:ext cx="0" cy="0"/>
+          <a:chOff x="0" y="0"/>
+          <a:chExt cx="0" cy="0"/>
+        </a:xfrm>
+      </p:grpSpPr>
+      <p:sp>
+        <p:nvSpPr>
           <p:cNvPr id="426" name="PlaceHolder 1"/>
           <p:cNvSpPr>
             <a:spLocks noGrp="1"/>
@@ -29533,7 +29657,7 @@
                 </a:solidFill>
                 <a:latin typeface="Tenorite"/>
               </a:rPr>
-              <a:t>25</a:t>
+              <a:t>26</a:t>
             </a:fld>
             <a:endParaRPr lang="en-US" sz="900" b="0" strike="noStrike" spc="-1">
               <a:latin typeface="Times New Roman"/>
@@ -29549,7 +29673,7 @@
 </p:sld>
 </file>
 
-<file path=ppt/slides/slide26.xml><?xml version="1.0" encoding="utf-8"?>
+<file path=ppt/slides/slide27.xml><?xml version="1.0" encoding="utf-8"?>
 <p:sld xmlns:a="http://schemas.openxmlformats.org/drawingml/2006/main" xmlns:r="http://schemas.openxmlformats.org/officeDocument/2006/relationships" xmlns:p="http://schemas.openxmlformats.org/presentationml/2006/main">
   <p:cSld>
     <p:spTree>
@@ -29627,7 +29751,7 @@
 </p:sld>
 </file>
 
-<file path=ppt/slides/slide27.xml><?xml version="1.0" encoding="utf-8"?>
+<file path=ppt/slides/slide28.xml><?xml version="1.0" encoding="utf-8"?>
 <p:sld xmlns:a="http://schemas.openxmlformats.org/drawingml/2006/main" xmlns:r="http://schemas.openxmlformats.org/officeDocument/2006/relationships" xmlns:p="http://schemas.openxmlformats.org/presentationml/2006/main">
   <p:cSld>
     <p:spTree>
@@ -30016,7 +30140,7 @@
                 </a:solidFill>
                 <a:latin typeface="Tenorite"/>
               </a:rPr>
-              <a:t>27</a:t>
+              <a:t>28</a:t>
             </a:fld>
             <a:endParaRPr lang="en-US" sz="900" b="0" strike="noStrike" spc="-1">
               <a:latin typeface="Times New Roman"/>
@@ -30032,7 +30156,7 @@
 </p:sld>
 </file>
 
-<file path=ppt/slides/slide28.xml><?xml version="1.0" encoding="utf-8"?>
+<file path=ppt/slides/slide29.xml><?xml version="1.0" encoding="utf-8"?>
 <p:sld xmlns:a="http://schemas.openxmlformats.org/drawingml/2006/main" xmlns:r="http://schemas.openxmlformats.org/officeDocument/2006/relationships" xmlns:p="http://schemas.openxmlformats.org/presentationml/2006/main">
   <p:cSld>
     <p:spTree>
@@ -30407,88 +30531,10 @@
                 </a:solidFill>
                 <a:latin typeface="Tenorite"/>
               </a:rPr>
-              <a:t>28</a:t>
+              <a:t>29</a:t>
             </a:fld>
             <a:endParaRPr lang="en-US" sz="900" b="0" strike="noStrike" spc="-1">
               <a:latin typeface="Times New Roman"/>
-            </a:endParaRPr>
-          </a:p>
-        </p:txBody>
-      </p:sp>
-    </p:spTree>
-  </p:cSld>
-  <p:clrMapOvr>
-    <a:masterClrMapping/>
-  </p:clrMapOvr>
-</p:sld>
-</file>
-
-<file path=ppt/slides/slide29.xml><?xml version="1.0" encoding="utf-8"?>
-<p:sld xmlns:a="http://schemas.openxmlformats.org/drawingml/2006/main" xmlns:r="http://schemas.openxmlformats.org/officeDocument/2006/relationships" xmlns:p="http://schemas.openxmlformats.org/presentationml/2006/main">
-  <p:cSld>
-    <p:spTree>
-      <p:nvGrpSpPr>
-        <p:cNvPr id="1" name=""/>
-        <p:cNvGrpSpPr/>
-        <p:nvPr/>
-      </p:nvGrpSpPr>
-      <p:grpSpPr>
-        <a:xfrm>
-          <a:off x="0" y="0"/>
-          <a:ext cx="0" cy="0"/>
-          <a:chOff x="0" y="0"/>
-          <a:chExt cx="0" cy="0"/>
-        </a:xfrm>
-      </p:grpSpPr>
-      <p:sp>
-        <p:nvSpPr>
-          <p:cNvPr id="436" name="PlaceHolder 1"/>
-          <p:cNvSpPr>
-            <a:spLocks noGrp="1"/>
-          </p:cNvSpPr>
-          <p:nvPr>
-            <p:ph type="title"/>
-          </p:nvPr>
-        </p:nvSpPr>
-        <p:spPr>
-          <a:xfrm>
-            <a:off x="6219000" y="406440"/>
-            <a:ext cx="5566680" cy="3457440"/>
-          </a:xfrm>
-          <a:prstGeom prst="rect">
-            <a:avLst/>
-          </a:prstGeom>
-          <a:noFill/>
-          <a:ln w="0">
-            <a:noFill/>
-          </a:ln>
-        </p:spPr>
-        <p:txBody>
-          <a:bodyPr anchor="b">
-            <a:noAutofit/>
-          </a:bodyPr>
-          <a:lstStyle/>
-          <a:p>
-            <a:pPr>
-              <a:lnSpc>
-                <a:spcPct val="90000"/>
-              </a:lnSpc>
-              <a:buNone/>
-            </a:pPr>
-            <a:r>
-              <a:rPr lang="en-US" sz="3600" b="0" strike="noStrike" cap="all" spc="148">
-                <a:solidFill>
-                  <a:srgbClr val="FFFFFF"/>
-                </a:solidFill>
-                <a:latin typeface="Tenorite"/>
-              </a:rPr>
-              <a:t>Clone a Repository</a:t>
-            </a:r>
-            <a:endParaRPr lang="en-US" sz="3600" b="0" strike="noStrike" spc="-1">
-              <a:solidFill>
-                <a:srgbClr val="000000"/>
-              </a:solidFill>
-              <a:latin typeface="Tenorite"/>
             </a:endParaRPr>
           </a:p>
         </p:txBody>
@@ -30849,6 +30895,84 @@
       </p:grpSpPr>
       <p:sp>
         <p:nvSpPr>
+          <p:cNvPr id="436" name="PlaceHolder 1"/>
+          <p:cNvSpPr>
+            <a:spLocks noGrp="1"/>
+          </p:cNvSpPr>
+          <p:nvPr>
+            <p:ph type="title"/>
+          </p:nvPr>
+        </p:nvSpPr>
+        <p:spPr>
+          <a:xfrm>
+            <a:off x="6219000" y="406440"/>
+            <a:ext cx="5566680" cy="3457440"/>
+          </a:xfrm>
+          <a:prstGeom prst="rect">
+            <a:avLst/>
+          </a:prstGeom>
+          <a:noFill/>
+          <a:ln w="0">
+            <a:noFill/>
+          </a:ln>
+        </p:spPr>
+        <p:txBody>
+          <a:bodyPr anchor="b">
+            <a:noAutofit/>
+          </a:bodyPr>
+          <a:lstStyle/>
+          <a:p>
+            <a:pPr>
+              <a:lnSpc>
+                <a:spcPct val="90000"/>
+              </a:lnSpc>
+              <a:buNone/>
+            </a:pPr>
+            <a:r>
+              <a:rPr lang="en-US" sz="3600" b="0" strike="noStrike" cap="all" spc="148">
+                <a:solidFill>
+                  <a:srgbClr val="FFFFFF"/>
+                </a:solidFill>
+                <a:latin typeface="Tenorite"/>
+              </a:rPr>
+              <a:t>Clone a Repository</a:t>
+            </a:r>
+            <a:endParaRPr lang="en-US" sz="3600" b="0" strike="noStrike" spc="-1">
+              <a:solidFill>
+                <a:srgbClr val="000000"/>
+              </a:solidFill>
+              <a:latin typeface="Tenorite"/>
+            </a:endParaRPr>
+          </a:p>
+        </p:txBody>
+      </p:sp>
+    </p:spTree>
+  </p:cSld>
+  <p:clrMapOvr>
+    <a:masterClrMapping/>
+  </p:clrMapOvr>
+</p:sld>
+</file>
+
+<file path=ppt/slides/slide31.xml><?xml version="1.0" encoding="utf-8"?>
+<p:sld xmlns:a="http://schemas.openxmlformats.org/drawingml/2006/main" xmlns:r="http://schemas.openxmlformats.org/officeDocument/2006/relationships" xmlns:p="http://schemas.openxmlformats.org/presentationml/2006/main">
+  <p:cSld>
+    <p:spTree>
+      <p:nvGrpSpPr>
+        <p:cNvPr id="1" name=""/>
+        <p:cNvGrpSpPr/>
+        <p:nvPr/>
+      </p:nvGrpSpPr>
+      <p:grpSpPr>
+        <a:xfrm>
+          <a:off x="0" y="0"/>
+          <a:ext cx="0" cy="0"/>
+          <a:chOff x="0" y="0"/>
+          <a:chExt cx="0" cy="0"/>
+        </a:xfrm>
+      </p:grpSpPr>
+      <p:sp>
+        <p:nvSpPr>
           <p:cNvPr id="2" name="Title 1">
             <a:extLst>
               <a:ext uri="{FF2B5EF4-FFF2-40B4-BE49-F238E27FC236}">
@@ -30911,7 +31035,7 @@
             <a:fld id="{A49DFD55-3C28-40EF-9E31-A92D2E4017FF}" type="slidenum">
               <a:rPr lang="en-US" smtClean="0"/>
               <a:pPr/>
-              <a:t>30</a:t>
+              <a:t>31</a:t>
             </a:fld>
             <a:endParaRPr lang="en-US" dirty="0"/>
           </a:p>
@@ -30930,7 +31054,7 @@
 </p:sld>
 </file>
 
-<file path=ppt/slides/slide31.xml><?xml version="1.0" encoding="utf-8"?>
+<file path=ppt/slides/slide32.xml><?xml version="1.0" encoding="utf-8"?>
 <p:sld xmlns:a="http://schemas.openxmlformats.org/drawingml/2006/main" xmlns:r="http://schemas.openxmlformats.org/officeDocument/2006/relationships" xmlns:p="http://schemas.openxmlformats.org/presentationml/2006/main">
   <p:cSld>
     <p:spTree>
@@ -31455,7 +31579,7 @@
 </p:sld>
 </file>
 
-<file path=ppt/slides/slide32.xml><?xml version="1.0" encoding="utf-8"?>
+<file path=ppt/slides/slide33.xml><?xml version="1.0" encoding="utf-8"?>
 <p:sld xmlns:a="http://schemas.openxmlformats.org/drawingml/2006/main" xmlns:r="http://schemas.openxmlformats.org/officeDocument/2006/relationships" xmlns:p="http://schemas.openxmlformats.org/presentationml/2006/main">
   <p:cSld>
     <p:spTree>
@@ -32097,7 +32221,7 @@
 </p:sld>
 </file>
 
-<file path=ppt/slides/slide33.xml><?xml version="1.0" encoding="utf-8"?>
+<file path=ppt/slides/slide34.xml><?xml version="1.0" encoding="utf-8"?>
 <p:sld xmlns:a="http://schemas.openxmlformats.org/drawingml/2006/main" xmlns:r="http://schemas.openxmlformats.org/officeDocument/2006/relationships" xmlns:p="http://schemas.openxmlformats.org/presentationml/2006/main">
   <p:cSld>
     <p:spTree>
@@ -32778,7 +32902,7 @@
 </p:sld>
 </file>
 
-<file path=ppt/slides/slide34.xml><?xml version="1.0" encoding="utf-8"?>
+<file path=ppt/slides/slide35.xml><?xml version="1.0" encoding="utf-8"?>
 <p:sld xmlns:a="http://schemas.openxmlformats.org/drawingml/2006/main" xmlns:r="http://schemas.openxmlformats.org/officeDocument/2006/relationships" xmlns:p="http://schemas.openxmlformats.org/presentationml/2006/main">
   <p:cSld>
     <p:spTree>
@@ -32852,7 +32976,7 @@
             <a:fld id="{A49DFD55-3C28-40EF-9E31-A92D2E4017FF}" type="slidenum">
               <a:rPr lang="en-US" smtClean="0"/>
               <a:pPr/>
-              <a:t>34</a:t>
+              <a:t>35</a:t>
             </a:fld>
             <a:endParaRPr lang="en-US" dirty="0"/>
           </a:p>
@@ -33635,7 +33759,7 @@
 </p:sld>
 </file>
 
-<file path=ppt/slides/slide35.xml><?xml version="1.0" encoding="utf-8"?>
+<file path=ppt/slides/slide36.xml><?xml version="1.0" encoding="utf-8"?>
 <p:sld xmlns:a="http://schemas.openxmlformats.org/drawingml/2006/main" xmlns:r="http://schemas.openxmlformats.org/officeDocument/2006/relationships" xmlns:p="http://schemas.openxmlformats.org/presentationml/2006/main">
   <p:cSld>
     <p:spTree>
@@ -33709,7 +33833,7 @@
             <a:fld id="{A49DFD55-3C28-40EF-9E31-A92D2E4017FF}" type="slidenum">
               <a:rPr lang="en-US" smtClean="0"/>
               <a:pPr/>
-              <a:t>35</a:t>
+              <a:t>36</a:t>
             </a:fld>
             <a:endParaRPr lang="en-US" dirty="0"/>
           </a:p>
@@ -34649,7 +34773,7 @@
 </p:sld>
 </file>
 
-<file path=ppt/slides/slide36.xml><?xml version="1.0" encoding="utf-8"?>
+<file path=ppt/slides/slide37.xml><?xml version="1.0" encoding="utf-8"?>
 <p:sld xmlns:a="http://schemas.openxmlformats.org/drawingml/2006/main" xmlns:r="http://schemas.openxmlformats.org/officeDocument/2006/relationships" xmlns:p="http://schemas.openxmlformats.org/presentationml/2006/main">
   <p:cSld>
     <p:spTree>
@@ -34723,7 +34847,7 @@
             <a:fld id="{A49DFD55-3C28-40EF-9E31-A92D2E4017FF}" type="slidenum">
               <a:rPr lang="en-US" smtClean="0"/>
               <a:pPr/>
-              <a:t>36</a:t>
+              <a:t>37</a:t>
             </a:fld>
             <a:endParaRPr lang="en-US" dirty="0"/>
           </a:p>
@@ -35755,7 +35879,7 @@
 </p:sld>
 </file>
 
-<file path=ppt/slides/slide37.xml><?xml version="1.0" encoding="utf-8"?>
+<file path=ppt/slides/slide38.xml><?xml version="1.0" encoding="utf-8"?>
 <p:sld xmlns:a="http://schemas.openxmlformats.org/drawingml/2006/main" xmlns:r="http://schemas.openxmlformats.org/officeDocument/2006/relationships" xmlns:p="http://schemas.openxmlformats.org/presentationml/2006/main">
   <p:cSld>
     <p:spTree>
@@ -35829,7 +35953,7 @@
             <a:fld id="{A49DFD55-3C28-40EF-9E31-A92D2E4017FF}" type="slidenum">
               <a:rPr lang="en-US" smtClean="0"/>
               <a:pPr/>
-              <a:t>37</a:t>
+              <a:t>38</a:t>
             </a:fld>
             <a:endParaRPr lang="en-US" dirty="0"/>
           </a:p>
@@ -37178,7 +37302,7 @@
 </p:sld>
 </file>
 
-<file path=ppt/slides/slide38.xml><?xml version="1.0" encoding="utf-8"?>
+<file path=ppt/slides/slide39.xml><?xml version="1.0" encoding="utf-8"?>
 <p:sld xmlns:a="http://schemas.openxmlformats.org/drawingml/2006/main" xmlns:r="http://schemas.openxmlformats.org/officeDocument/2006/relationships" xmlns:p="http://schemas.openxmlformats.org/presentationml/2006/main">
   <p:cSld>
     <p:spTree>
@@ -37252,7 +37376,7 @@
             <a:fld id="{A49DFD55-3C28-40EF-9E31-A92D2E4017FF}" type="slidenum">
               <a:rPr lang="en-US" smtClean="0"/>
               <a:pPr/>
-              <a:t>38</a:t>
+              <a:t>39</a:t>
             </a:fld>
             <a:endParaRPr lang="en-US" dirty="0"/>
           </a:p>
@@ -38616,1508 +38740,6 @@
     <p:extLst>
       <p:ext uri="{BB962C8B-B14F-4D97-AF65-F5344CB8AC3E}">
         <p14:creationId xmlns:p14="http://schemas.microsoft.com/office/powerpoint/2010/main" val="374317459"/>
-      </p:ext>
-    </p:extLst>
-  </p:cSld>
-  <p:clrMapOvr>
-    <a:masterClrMapping/>
-  </p:clrMapOvr>
-</p:sld>
-</file>
-
-<file path=ppt/slides/slide39.xml><?xml version="1.0" encoding="utf-8"?>
-<p:sld xmlns:a="http://schemas.openxmlformats.org/drawingml/2006/main" xmlns:r="http://schemas.openxmlformats.org/officeDocument/2006/relationships" xmlns:p="http://schemas.openxmlformats.org/presentationml/2006/main">
-  <p:cSld>
-    <p:spTree>
-      <p:nvGrpSpPr>
-        <p:cNvPr id="1" name=""/>
-        <p:cNvGrpSpPr/>
-        <p:nvPr/>
-      </p:nvGrpSpPr>
-      <p:grpSpPr>
-        <a:xfrm>
-          <a:off x="0" y="0"/>
-          <a:ext cx="0" cy="0"/>
-          <a:chOff x="0" y="0"/>
-          <a:chExt cx="0" cy="0"/>
-        </a:xfrm>
-      </p:grpSpPr>
-      <p:sp>
-        <p:nvSpPr>
-          <p:cNvPr id="2" name="Title 1">
-            <a:extLst>
-              <a:ext uri="{FF2B5EF4-FFF2-40B4-BE49-F238E27FC236}">
-                <a16:creationId xmlns:a16="http://schemas.microsoft.com/office/drawing/2014/main" id="{FAAD90EA-0606-ADF6-EEB1-1D60F634590D}"/>
-              </a:ext>
-            </a:extLst>
-          </p:cNvPr>
-          <p:cNvSpPr>
-            <a:spLocks noGrp="1"/>
-          </p:cNvSpPr>
-          <p:nvPr>
-            <p:ph type="title"/>
-          </p:nvPr>
-        </p:nvSpPr>
-        <p:spPr>
-          <a:xfrm>
-            <a:off x="1322318" y="268360"/>
-            <a:ext cx="7288282" cy="1309697"/>
-          </a:xfrm>
-        </p:spPr>
-        <p:txBody>
-          <a:bodyPr/>
-          <a:lstStyle/>
-          <a:p>
-            <a:r>
-              <a:rPr lang="en-US"/>
-              <a:t>Remote Location – Collaboration</a:t>
-            </a:r>
-          </a:p>
-        </p:txBody>
-      </p:sp>
-      <p:sp>
-        <p:nvSpPr>
-          <p:cNvPr id="4" name="Slide Number Placeholder 3">
-            <a:extLst>
-              <a:ext uri="{FF2B5EF4-FFF2-40B4-BE49-F238E27FC236}">
-                <a16:creationId xmlns:a16="http://schemas.microsoft.com/office/drawing/2014/main" id="{01C5B620-761D-0755-B45C-EC6E174BCDA4}"/>
-              </a:ext>
-            </a:extLst>
-          </p:cNvPr>
-          <p:cNvSpPr>
-            <a:spLocks noGrp="1"/>
-          </p:cNvSpPr>
-          <p:nvPr>
-            <p:ph type="sldNum" sz="quarter" idx="12"/>
-          </p:nvPr>
-        </p:nvSpPr>
-        <p:spPr/>
-        <p:txBody>
-          <a:bodyPr/>
-          <a:lstStyle/>
-          <a:p>
-            <a:fld id="{A49DFD55-3C28-40EF-9E31-A92D2E4017FF}" type="slidenum">
-              <a:rPr lang="en-US" smtClean="0"/>
-              <a:pPr/>
-              <a:t>39</a:t>
-            </a:fld>
-            <a:endParaRPr lang="en-US" dirty="0"/>
-          </a:p>
-        </p:txBody>
-      </p:sp>
-      <p:sp>
-        <p:nvSpPr>
-          <p:cNvPr id="5" name="Rectangle 4">
-            <a:extLst>
-              <a:ext uri="{FF2B5EF4-FFF2-40B4-BE49-F238E27FC236}">
-                <a16:creationId xmlns:a16="http://schemas.microsoft.com/office/drawing/2014/main" id="{EFF26061-5B82-41BC-813D-FAD6ED8B8855}"/>
-              </a:ext>
-            </a:extLst>
-          </p:cNvPr>
-          <p:cNvSpPr/>
-          <p:nvPr/>
-        </p:nvSpPr>
-        <p:spPr>
-          <a:xfrm>
-            <a:off x="1830779" y="2642259"/>
-            <a:ext cx="2444337" cy="405740"/>
-          </a:xfrm>
-          <a:prstGeom prst="rect">
-            <a:avLst/>
-          </a:prstGeom>
-          <a:solidFill>
-            <a:srgbClr val="ED7D31"/>
-          </a:solidFill>
-          <a:ln>
-            <a:solidFill>
-              <a:schemeClr val="accent2">
-                <a:lumMod val="50000"/>
-              </a:schemeClr>
-            </a:solidFill>
-          </a:ln>
-        </p:spPr>
-        <p:style>
-          <a:lnRef idx="2">
-            <a:schemeClr val="accent2"/>
-          </a:lnRef>
-          <a:fillRef idx="1">
-            <a:schemeClr val="lt1"/>
-          </a:fillRef>
-          <a:effectRef idx="0">
-            <a:schemeClr val="accent2"/>
-          </a:effectRef>
-          <a:fontRef idx="minor">
-            <a:schemeClr val="dk1"/>
-          </a:fontRef>
-        </p:style>
-        <p:txBody>
-          <a:bodyPr rtlCol="0" anchor="ctr"/>
-          <a:lstStyle/>
-          <a:p>
-            <a:pPr algn="ctr"/>
-            <a:r>
-              <a:rPr lang="en-US" dirty="0"/>
-              <a:t>Emily's Computer</a:t>
-            </a:r>
-          </a:p>
-        </p:txBody>
-      </p:sp>
-      <p:sp>
-        <p:nvSpPr>
-          <p:cNvPr id="6" name="Rectangle 5">
-            <a:extLst>
-              <a:ext uri="{FF2B5EF4-FFF2-40B4-BE49-F238E27FC236}">
-                <a16:creationId xmlns:a16="http://schemas.microsoft.com/office/drawing/2014/main" id="{AACC7DA0-E928-D398-C174-69C0F9DC3D9C}"/>
-              </a:ext>
-            </a:extLst>
-          </p:cNvPr>
-          <p:cNvSpPr/>
-          <p:nvPr/>
-        </p:nvSpPr>
-        <p:spPr>
-          <a:xfrm>
-            <a:off x="4760025" y="2642259"/>
-            <a:ext cx="2444337" cy="405740"/>
-          </a:xfrm>
-          <a:prstGeom prst="rect">
-            <a:avLst/>
-          </a:prstGeom>
-          <a:solidFill>
-            <a:schemeClr val="accent5"/>
-          </a:solidFill>
-          <a:ln>
-            <a:solidFill>
-              <a:schemeClr val="accent5">
-                <a:lumMod val="50000"/>
-              </a:schemeClr>
-            </a:solidFill>
-          </a:ln>
-        </p:spPr>
-        <p:style>
-          <a:lnRef idx="2">
-            <a:schemeClr val="accent2"/>
-          </a:lnRef>
-          <a:fillRef idx="1">
-            <a:schemeClr val="lt1"/>
-          </a:fillRef>
-          <a:effectRef idx="0">
-            <a:schemeClr val="accent2"/>
-          </a:effectRef>
-          <a:fontRef idx="minor">
-            <a:schemeClr val="dk1"/>
-          </a:fontRef>
-        </p:style>
-        <p:txBody>
-          <a:bodyPr lIns="91440" tIns="45720" rIns="91440" bIns="45720" rtlCol="0" anchor="ctr"/>
-          <a:lstStyle/>
-          <a:p>
-            <a:pPr algn="ctr"/>
-            <a:r>
-              <a:rPr lang="en-US" dirty="0"/>
-              <a:t>Remote</a:t>
-            </a:r>
-          </a:p>
-        </p:txBody>
-      </p:sp>
-      <p:sp>
-        <p:nvSpPr>
-          <p:cNvPr id="7" name="Rectangle 6">
-            <a:extLst>
-              <a:ext uri="{FF2B5EF4-FFF2-40B4-BE49-F238E27FC236}">
-                <a16:creationId xmlns:a16="http://schemas.microsoft.com/office/drawing/2014/main" id="{2ABC7BF7-B0F1-BBD5-2915-A4C5347CDF60}"/>
-              </a:ext>
-            </a:extLst>
-          </p:cNvPr>
-          <p:cNvSpPr/>
-          <p:nvPr/>
-        </p:nvSpPr>
-        <p:spPr>
-          <a:xfrm>
-            <a:off x="7689272" y="2642258"/>
-            <a:ext cx="2444337" cy="405740"/>
-          </a:xfrm>
-          <a:prstGeom prst="rect">
-            <a:avLst/>
-          </a:prstGeom>
-          <a:solidFill>
-            <a:schemeClr val="accent6"/>
-          </a:solidFill>
-          <a:ln>
-            <a:solidFill>
-              <a:schemeClr val="accent6">
-                <a:lumMod val="50000"/>
-              </a:schemeClr>
-            </a:solidFill>
-          </a:ln>
-        </p:spPr>
-        <p:style>
-          <a:lnRef idx="2">
-            <a:schemeClr val="accent2"/>
-          </a:lnRef>
-          <a:fillRef idx="1">
-            <a:schemeClr val="lt1"/>
-          </a:fillRef>
-          <a:effectRef idx="0">
-            <a:schemeClr val="accent2"/>
-          </a:effectRef>
-          <a:fontRef idx="minor">
-            <a:schemeClr val="dk1"/>
-          </a:fontRef>
-        </p:style>
-        <p:txBody>
-          <a:bodyPr lIns="91440" tIns="45720" rIns="91440" bIns="45720" rtlCol="0" anchor="ctr"/>
-          <a:lstStyle/>
-          <a:p>
-            <a:pPr algn="ctr"/>
-            <a:r>
-              <a:rPr lang="en-US" dirty="0"/>
-              <a:t>Bob's Computer</a:t>
-            </a:r>
-          </a:p>
-        </p:txBody>
-      </p:sp>
-      <p:sp>
-        <p:nvSpPr>
-          <p:cNvPr id="8" name="Rectangle 7">
-            <a:extLst>
-              <a:ext uri="{FF2B5EF4-FFF2-40B4-BE49-F238E27FC236}">
-                <a16:creationId xmlns:a16="http://schemas.microsoft.com/office/drawing/2014/main" id="{A9D41B4D-15F8-F227-92B3-4DE3CA28FFFB}"/>
-              </a:ext>
-            </a:extLst>
-          </p:cNvPr>
-          <p:cNvSpPr/>
-          <p:nvPr/>
-        </p:nvSpPr>
-        <p:spPr>
-          <a:xfrm>
-            <a:off x="1830779" y="3047999"/>
-            <a:ext cx="2444337" cy="2770909"/>
-          </a:xfrm>
-          <a:prstGeom prst="rect">
-            <a:avLst/>
-          </a:prstGeom>
-          <a:solidFill>
-            <a:schemeClr val="accent2">
-              <a:lumMod val="20000"/>
-              <a:lumOff val="80000"/>
-            </a:schemeClr>
-          </a:solidFill>
-          <a:ln>
-            <a:solidFill>
-              <a:schemeClr val="accent2"/>
-            </a:solidFill>
-          </a:ln>
-        </p:spPr>
-        <p:style>
-          <a:lnRef idx="2">
-            <a:schemeClr val="accent1">
-              <a:shade val="15000"/>
-            </a:schemeClr>
-          </a:lnRef>
-          <a:fillRef idx="1">
-            <a:schemeClr val="accent1"/>
-          </a:fillRef>
-          <a:effectRef idx="0">
-            <a:schemeClr val="accent1"/>
-          </a:effectRef>
-          <a:fontRef idx="minor">
-            <a:schemeClr val="lt1"/>
-          </a:fontRef>
-        </p:style>
-        <p:txBody>
-          <a:bodyPr rtlCol="0" anchor="ctr"/>
-          <a:lstStyle/>
-          <a:p>
-            <a:pPr algn="ctr"/>
-            <a:endParaRPr lang="en-US"/>
-          </a:p>
-        </p:txBody>
-      </p:sp>
-      <p:sp>
-        <p:nvSpPr>
-          <p:cNvPr id="9" name="Rectangle 8">
-            <a:extLst>
-              <a:ext uri="{FF2B5EF4-FFF2-40B4-BE49-F238E27FC236}">
-                <a16:creationId xmlns:a16="http://schemas.microsoft.com/office/drawing/2014/main" id="{0C5016A2-D29B-AF9F-14F9-63D7EE1C9852}"/>
-              </a:ext>
-            </a:extLst>
-          </p:cNvPr>
-          <p:cNvSpPr/>
-          <p:nvPr/>
-        </p:nvSpPr>
-        <p:spPr>
-          <a:xfrm>
-            <a:off x="4760025" y="3047999"/>
-            <a:ext cx="2444337" cy="2770909"/>
-          </a:xfrm>
-          <a:prstGeom prst="rect">
-            <a:avLst/>
-          </a:prstGeom>
-          <a:solidFill>
-            <a:schemeClr val="accent5">
-              <a:lumMod val="20000"/>
-              <a:lumOff val="80000"/>
-            </a:schemeClr>
-          </a:solidFill>
-          <a:ln>
-            <a:solidFill>
-              <a:schemeClr val="accent5"/>
-            </a:solidFill>
-          </a:ln>
-        </p:spPr>
-        <p:style>
-          <a:lnRef idx="2">
-            <a:schemeClr val="accent1">
-              <a:shade val="15000"/>
-            </a:schemeClr>
-          </a:lnRef>
-          <a:fillRef idx="1">
-            <a:schemeClr val="accent1"/>
-          </a:fillRef>
-          <a:effectRef idx="0">
-            <a:schemeClr val="accent1"/>
-          </a:effectRef>
-          <a:fontRef idx="minor">
-            <a:schemeClr val="lt1"/>
-          </a:fontRef>
-        </p:style>
-        <p:txBody>
-          <a:bodyPr rtlCol="0" anchor="ctr"/>
-          <a:lstStyle/>
-          <a:p>
-            <a:pPr algn="ctr"/>
-            <a:endParaRPr lang="en-US"/>
-          </a:p>
-        </p:txBody>
-      </p:sp>
-      <p:sp>
-        <p:nvSpPr>
-          <p:cNvPr id="10" name="Rectangle 9">
-            <a:extLst>
-              <a:ext uri="{FF2B5EF4-FFF2-40B4-BE49-F238E27FC236}">
-                <a16:creationId xmlns:a16="http://schemas.microsoft.com/office/drawing/2014/main" id="{73C6E68B-D029-B38A-C9FA-FBFDAABA1B2B}"/>
-              </a:ext>
-            </a:extLst>
-          </p:cNvPr>
-          <p:cNvSpPr/>
-          <p:nvPr/>
-        </p:nvSpPr>
-        <p:spPr>
-          <a:xfrm>
-            <a:off x="7689272" y="3047998"/>
-            <a:ext cx="2444337" cy="2770909"/>
-          </a:xfrm>
-          <a:prstGeom prst="rect">
-            <a:avLst/>
-          </a:prstGeom>
-          <a:solidFill>
-            <a:schemeClr val="accent6">
-              <a:lumMod val="20000"/>
-              <a:lumOff val="80000"/>
-            </a:schemeClr>
-          </a:solidFill>
-          <a:ln>
-            <a:solidFill>
-              <a:schemeClr val="accent6"/>
-            </a:solidFill>
-          </a:ln>
-        </p:spPr>
-        <p:style>
-          <a:lnRef idx="2">
-            <a:schemeClr val="accent1">
-              <a:shade val="15000"/>
-            </a:schemeClr>
-          </a:lnRef>
-          <a:fillRef idx="1">
-            <a:schemeClr val="accent1"/>
-          </a:fillRef>
-          <a:effectRef idx="0">
-            <a:schemeClr val="accent1"/>
-          </a:effectRef>
-          <a:fontRef idx="minor">
-            <a:schemeClr val="lt1"/>
-          </a:fontRef>
-        </p:style>
-        <p:txBody>
-          <a:bodyPr rtlCol="0" anchor="ctr"/>
-          <a:lstStyle/>
-          <a:p>
-            <a:pPr algn="ctr"/>
-            <a:endParaRPr lang="en-US"/>
-          </a:p>
-        </p:txBody>
-      </p:sp>
-      <p:pic>
-        <p:nvPicPr>
-          <p:cNvPr id="12" name="Picture 11" descr="A black and white cat logo&#10;&#10;Description automatically generated">
-            <a:extLst>
-              <a:ext uri="{FF2B5EF4-FFF2-40B4-BE49-F238E27FC236}">
-                <a16:creationId xmlns:a16="http://schemas.microsoft.com/office/drawing/2014/main" id="{872C3379-C831-3ECE-9789-22B4141308F5}"/>
-              </a:ext>
-            </a:extLst>
-          </p:cNvPr>
-          <p:cNvPicPr>
-            <a:picLocks noChangeAspect="1"/>
-          </p:cNvPicPr>
-          <p:nvPr/>
-        </p:nvPicPr>
-        <p:blipFill>
-          <a:blip r:embed="rId2"/>
-          <a:srcRect t="-817" r="3030" b="712"/>
-          <a:stretch/>
-        </p:blipFill>
-        <p:spPr>
-          <a:xfrm>
-            <a:off x="5767467" y="2051462"/>
-            <a:ext cx="513997" cy="587273"/>
-          </a:xfrm>
-          <a:prstGeom prst="rect">
-            <a:avLst/>
-          </a:prstGeom>
-        </p:spPr>
-      </p:pic>
-      <p:pic>
-        <p:nvPicPr>
-          <p:cNvPr id="13" name="Graphic 12" descr="Programmer male with solid fill">
-            <a:extLst>
-              <a:ext uri="{FF2B5EF4-FFF2-40B4-BE49-F238E27FC236}">
-                <a16:creationId xmlns:a16="http://schemas.microsoft.com/office/drawing/2014/main" id="{6556EB63-E7C2-EB51-C73A-70A615DBE238}"/>
-              </a:ext>
-            </a:extLst>
-          </p:cNvPr>
-          <p:cNvPicPr>
-            <a:picLocks noChangeAspect="1"/>
-          </p:cNvPicPr>
-          <p:nvPr/>
-        </p:nvPicPr>
-        <p:blipFill>
-          <a:blip r:embed="rId3">
-            <a:extLst>
-              <a:ext uri="{96DAC541-7B7A-43D3-8B79-37D633B846F1}">
-                <asvg:svgBlip xmlns:asvg="http://schemas.microsoft.com/office/drawing/2016/SVG/main" r:embed="rId4"/>
-              </a:ext>
-            </a:extLst>
-          </a:blip>
-          <a:stretch>
-            <a:fillRect/>
-          </a:stretch>
-        </p:blipFill>
-        <p:spPr>
-          <a:xfrm>
-            <a:off x="9537865" y="2051462"/>
-            <a:ext cx="597725" cy="587829"/>
-          </a:xfrm>
-          <a:prstGeom prst="rect">
-            <a:avLst/>
-          </a:prstGeom>
-        </p:spPr>
-      </p:pic>
-      <p:pic>
-        <p:nvPicPr>
-          <p:cNvPr id="14" name="Graphic 13" descr="Programmer female with solid fill">
-            <a:extLst>
-              <a:ext uri="{FF2B5EF4-FFF2-40B4-BE49-F238E27FC236}">
-                <a16:creationId xmlns:a16="http://schemas.microsoft.com/office/drawing/2014/main" id="{8783A3AD-04F7-56FE-255A-926F8377175A}"/>
-              </a:ext>
-            </a:extLst>
-          </p:cNvPr>
-          <p:cNvPicPr>
-            <a:picLocks noChangeAspect="1"/>
-          </p:cNvPicPr>
-          <p:nvPr/>
-        </p:nvPicPr>
-        <p:blipFill>
-          <a:blip r:embed="rId5">
-            <a:extLst>
-              <a:ext uri="{96DAC541-7B7A-43D3-8B79-37D633B846F1}">
-                <asvg:svgBlip xmlns:asvg="http://schemas.microsoft.com/office/drawing/2016/SVG/main" r:embed="rId6"/>
-              </a:ext>
-            </a:extLst>
-          </a:blip>
-          <a:stretch>
-            <a:fillRect/>
-          </a:stretch>
-        </p:blipFill>
-        <p:spPr>
-          <a:xfrm>
-            <a:off x="1833129" y="2045896"/>
-            <a:ext cx="508660" cy="597725"/>
-          </a:xfrm>
-          <a:prstGeom prst="rect">
-            <a:avLst/>
-          </a:prstGeom>
-        </p:spPr>
-      </p:pic>
-      <p:sp>
-        <p:nvSpPr>
-          <p:cNvPr id="15" name="Oval 14">
-            <a:extLst>
-              <a:ext uri="{FF2B5EF4-FFF2-40B4-BE49-F238E27FC236}">
-                <a16:creationId xmlns:a16="http://schemas.microsoft.com/office/drawing/2014/main" id="{5A9A9504-0517-1FCA-E425-4910305EEB12}"/>
-              </a:ext>
-            </a:extLst>
-          </p:cNvPr>
-          <p:cNvSpPr/>
-          <p:nvPr/>
-        </p:nvSpPr>
-        <p:spPr>
-          <a:xfrm>
-            <a:off x="2889661" y="5215245"/>
-            <a:ext cx="316675" cy="306779"/>
-          </a:xfrm>
-          <a:prstGeom prst="ellipse">
-            <a:avLst/>
-          </a:prstGeom>
-          <a:solidFill>
-            <a:schemeClr val="accent2"/>
-          </a:solidFill>
-          <a:ln w="28575">
-            <a:solidFill>
-              <a:schemeClr val="tx1"/>
-            </a:solidFill>
-          </a:ln>
-        </p:spPr>
-        <p:style>
-          <a:lnRef idx="2">
-            <a:schemeClr val="accent1">
-              <a:shade val="15000"/>
-            </a:schemeClr>
-          </a:lnRef>
-          <a:fillRef idx="1">
-            <a:schemeClr val="accent1"/>
-          </a:fillRef>
-          <a:effectRef idx="0">
-            <a:schemeClr val="accent1"/>
-          </a:effectRef>
-          <a:fontRef idx="minor">
-            <a:schemeClr val="lt1"/>
-          </a:fontRef>
-        </p:style>
-        <p:txBody>
-          <a:bodyPr rtlCol="0" anchor="ctr"/>
-          <a:lstStyle/>
-          <a:p>
-            <a:pPr algn="ctr"/>
-            <a:endParaRPr lang="en-US" sz="1050" dirty="0"/>
-          </a:p>
-        </p:txBody>
-      </p:sp>
-      <p:sp>
-        <p:nvSpPr>
-          <p:cNvPr id="16" name="TextBox 15">
-            <a:extLst>
-              <a:ext uri="{FF2B5EF4-FFF2-40B4-BE49-F238E27FC236}">
-                <a16:creationId xmlns:a16="http://schemas.microsoft.com/office/drawing/2014/main" id="{13B498D3-B2E4-86A2-89C4-5E3DFA260A74}"/>
-              </a:ext>
-            </a:extLst>
-          </p:cNvPr>
-          <p:cNvSpPr txBox="1"/>
-          <p:nvPr/>
-        </p:nvSpPr>
-        <p:spPr>
-          <a:xfrm>
-            <a:off x="3681350" y="5160285"/>
-            <a:ext cx="880753" cy="369332"/>
-          </a:xfrm>
-          <a:prstGeom prst="rect">
-            <a:avLst/>
-          </a:prstGeom>
-          <a:noFill/>
-        </p:spPr>
-        <p:txBody>
-          <a:bodyPr rot="0" spcFirstLastPara="0" vertOverflow="overflow" horzOverflow="overflow" vert="horz" wrap="square" lIns="91440" tIns="45720" rIns="91440" bIns="45720" numCol="1" spcCol="0" rtlCol="0" fromWordArt="0" anchor="t" anchorCtr="0" forceAA="0" compatLnSpc="1">
-            <a:prstTxWarp prst="textNoShape">
-              <a:avLst/>
-            </a:prstTxWarp>
-            <a:spAutoFit/>
-          </a:bodyPr>
-          <a:lstStyle/>
-          <a:p>
-            <a:pPr algn="l"/>
-            <a:r>
-              <a:rPr lang="en-US" dirty="0"/>
-              <a:t>Clone</a:t>
-            </a:r>
-          </a:p>
-        </p:txBody>
-      </p:sp>
-      <p:cxnSp>
-        <p:nvCxnSpPr>
-          <p:cNvPr id="17" name="Straight Arrow Connector 16">
-            <a:extLst>
-              <a:ext uri="{FF2B5EF4-FFF2-40B4-BE49-F238E27FC236}">
-                <a16:creationId xmlns:a16="http://schemas.microsoft.com/office/drawing/2014/main" id="{FF09FA98-9DA6-200C-31E4-9A7DD94F72B8}"/>
-              </a:ext>
-            </a:extLst>
-          </p:cNvPr>
-          <p:cNvCxnSpPr/>
-          <p:nvPr/>
-        </p:nvCxnSpPr>
-        <p:spPr>
-          <a:xfrm>
-            <a:off x="5781675" y="3114674"/>
-            <a:ext cx="914400" cy="914400"/>
-          </a:xfrm>
-          <a:prstGeom prst="straightConnector1">
-            <a:avLst/>
-          </a:prstGeom>
-          <a:ln>
-            <a:tailEnd type="triangle"/>
-          </a:ln>
-        </p:spPr>
-        <p:style>
-          <a:lnRef idx="1">
-            <a:schemeClr val="accent1"/>
-          </a:lnRef>
-          <a:fillRef idx="0">
-            <a:schemeClr val="accent1"/>
-          </a:fillRef>
-          <a:effectRef idx="0">
-            <a:schemeClr val="accent1"/>
-          </a:effectRef>
-          <a:fontRef idx="minor">
-            <a:schemeClr val="tx1"/>
-          </a:fontRef>
-        </p:style>
-      </p:cxnSp>
-      <p:cxnSp>
-        <p:nvCxnSpPr>
-          <p:cNvPr id="18" name="Straight Arrow Connector 17">
-            <a:extLst>
-              <a:ext uri="{FF2B5EF4-FFF2-40B4-BE49-F238E27FC236}">
-                <a16:creationId xmlns:a16="http://schemas.microsoft.com/office/drawing/2014/main" id="{1CBCC57E-FAB1-B085-DA70-2B9BA9AA3A26}"/>
-              </a:ext>
-            </a:extLst>
-          </p:cNvPr>
-          <p:cNvCxnSpPr/>
-          <p:nvPr/>
-        </p:nvCxnSpPr>
-        <p:spPr>
-          <a:xfrm>
-            <a:off x="5924550" y="3257549"/>
-            <a:ext cx="914400" cy="914400"/>
-          </a:xfrm>
-          <a:prstGeom prst="straightConnector1">
-            <a:avLst/>
-          </a:prstGeom>
-          <a:ln>
-            <a:tailEnd type="triangle"/>
-          </a:ln>
-        </p:spPr>
-        <p:style>
-          <a:lnRef idx="1">
-            <a:schemeClr val="accent1"/>
-          </a:lnRef>
-          <a:fillRef idx="0">
-            <a:schemeClr val="accent1"/>
-          </a:fillRef>
-          <a:effectRef idx="0">
-            <a:schemeClr val="accent1"/>
-          </a:effectRef>
-          <a:fontRef idx="minor">
-            <a:schemeClr val="tx1"/>
-          </a:fontRef>
-        </p:style>
-      </p:cxnSp>
-      <p:sp>
-        <p:nvSpPr>
-          <p:cNvPr id="19" name="Arrow: Right 18">
-            <a:extLst>
-              <a:ext uri="{FF2B5EF4-FFF2-40B4-BE49-F238E27FC236}">
-                <a16:creationId xmlns:a16="http://schemas.microsoft.com/office/drawing/2014/main" id="{1AD23FAA-99D8-275F-3924-E19E9B309A27}"/>
-              </a:ext>
-            </a:extLst>
-          </p:cNvPr>
-          <p:cNvSpPr/>
-          <p:nvPr/>
-        </p:nvSpPr>
-        <p:spPr>
-          <a:xfrm rot="10800000">
-            <a:off x="3572493" y="5413168"/>
-            <a:ext cx="1187532" cy="108857"/>
-          </a:xfrm>
-          <a:prstGeom prst="rightArrow">
-            <a:avLst/>
-          </a:prstGeom>
-          <a:solidFill>
-            <a:schemeClr val="tx1">
-              <a:lumMod val="50000"/>
-              <a:lumOff val="50000"/>
-            </a:schemeClr>
-          </a:solidFill>
-          <a:ln>
-            <a:solidFill>
-              <a:schemeClr val="tx1">
-                <a:lumMod val="65000"/>
-                <a:lumOff val="35000"/>
-              </a:schemeClr>
-            </a:solidFill>
-          </a:ln>
-        </p:spPr>
-        <p:style>
-          <a:lnRef idx="2">
-            <a:schemeClr val="accent1">
-              <a:shade val="15000"/>
-            </a:schemeClr>
-          </a:lnRef>
-          <a:fillRef idx="1">
-            <a:schemeClr val="accent1"/>
-          </a:fillRef>
-          <a:effectRef idx="0">
-            <a:schemeClr val="accent1"/>
-          </a:effectRef>
-          <a:fontRef idx="minor">
-            <a:schemeClr val="lt1"/>
-          </a:fontRef>
-        </p:style>
-        <p:txBody>
-          <a:bodyPr rtlCol="0" anchor="ctr"/>
-          <a:lstStyle/>
-          <a:p>
-            <a:pPr algn="ctr"/>
-            <a:endParaRPr lang="en-US"/>
-          </a:p>
-        </p:txBody>
-      </p:sp>
-      <p:sp>
-        <p:nvSpPr>
-          <p:cNvPr id="20" name="Oval 19">
-            <a:extLst>
-              <a:ext uri="{FF2B5EF4-FFF2-40B4-BE49-F238E27FC236}">
-                <a16:creationId xmlns:a16="http://schemas.microsoft.com/office/drawing/2014/main" id="{0B954F3C-1BB9-6575-AF37-B701C140BB8E}"/>
-              </a:ext>
-            </a:extLst>
-          </p:cNvPr>
-          <p:cNvSpPr/>
-          <p:nvPr/>
-        </p:nvSpPr>
-        <p:spPr>
-          <a:xfrm>
-            <a:off x="5868388" y="5195452"/>
-            <a:ext cx="316675" cy="306779"/>
-          </a:xfrm>
-          <a:prstGeom prst="ellipse">
-            <a:avLst/>
-          </a:prstGeom>
-          <a:solidFill>
-            <a:schemeClr val="accent2"/>
-          </a:solidFill>
-          <a:ln w="28575">
-            <a:solidFill>
-              <a:schemeClr val="tx1"/>
-            </a:solidFill>
-          </a:ln>
-        </p:spPr>
-        <p:style>
-          <a:lnRef idx="2">
-            <a:schemeClr val="accent1">
-              <a:shade val="15000"/>
-            </a:schemeClr>
-          </a:lnRef>
-          <a:fillRef idx="1">
-            <a:schemeClr val="accent1"/>
-          </a:fillRef>
-          <a:effectRef idx="0">
-            <a:schemeClr val="accent1"/>
-          </a:effectRef>
-          <a:fontRef idx="minor">
-            <a:schemeClr val="lt1"/>
-          </a:fontRef>
-        </p:style>
-        <p:txBody>
-          <a:bodyPr rtlCol="0" anchor="ctr"/>
-          <a:lstStyle/>
-          <a:p>
-            <a:pPr algn="ctr"/>
-            <a:endParaRPr lang="en-US" sz="1050" dirty="0"/>
-          </a:p>
-        </p:txBody>
-      </p:sp>
-      <p:sp>
-        <p:nvSpPr>
-          <p:cNvPr id="21" name="Arrow: Right 20">
-            <a:extLst>
-              <a:ext uri="{FF2B5EF4-FFF2-40B4-BE49-F238E27FC236}">
-                <a16:creationId xmlns:a16="http://schemas.microsoft.com/office/drawing/2014/main" id="{154355D1-64EC-1469-1DE3-BEEC86A5E789}"/>
-              </a:ext>
-            </a:extLst>
-          </p:cNvPr>
-          <p:cNvSpPr/>
-          <p:nvPr/>
-        </p:nvSpPr>
-        <p:spPr>
-          <a:xfrm>
-            <a:off x="7204363" y="5413168"/>
-            <a:ext cx="1187532" cy="108857"/>
-          </a:xfrm>
-          <a:prstGeom prst="rightArrow">
-            <a:avLst/>
-          </a:prstGeom>
-          <a:solidFill>
-            <a:schemeClr val="tx1">
-              <a:lumMod val="50000"/>
-              <a:lumOff val="50000"/>
-            </a:schemeClr>
-          </a:solidFill>
-          <a:ln>
-            <a:solidFill>
-              <a:schemeClr val="tx1">
-                <a:lumMod val="65000"/>
-                <a:lumOff val="35000"/>
-              </a:schemeClr>
-            </a:solidFill>
-          </a:ln>
-        </p:spPr>
-        <p:style>
-          <a:lnRef idx="2">
-            <a:schemeClr val="accent1">
-              <a:shade val="15000"/>
-            </a:schemeClr>
-          </a:lnRef>
-          <a:fillRef idx="1">
-            <a:schemeClr val="accent1"/>
-          </a:fillRef>
-          <a:effectRef idx="0">
-            <a:schemeClr val="accent1"/>
-          </a:effectRef>
-          <a:fontRef idx="minor">
-            <a:schemeClr val="lt1"/>
-          </a:fontRef>
-        </p:style>
-        <p:txBody>
-          <a:bodyPr rtlCol="0" anchor="ctr"/>
-          <a:lstStyle/>
-          <a:p>
-            <a:pPr algn="ctr"/>
-            <a:endParaRPr lang="en-US"/>
-          </a:p>
-        </p:txBody>
-      </p:sp>
-      <p:sp>
-        <p:nvSpPr>
-          <p:cNvPr id="22" name="TextBox 21">
-            <a:extLst>
-              <a:ext uri="{FF2B5EF4-FFF2-40B4-BE49-F238E27FC236}">
-                <a16:creationId xmlns:a16="http://schemas.microsoft.com/office/drawing/2014/main" id="{D0F6CB6F-6F2B-1E28-6A4C-3ED264CACD07}"/>
-              </a:ext>
-            </a:extLst>
-          </p:cNvPr>
-          <p:cNvSpPr txBox="1"/>
-          <p:nvPr/>
-        </p:nvSpPr>
-        <p:spPr>
-          <a:xfrm>
-            <a:off x="7689272" y="5160284"/>
-            <a:ext cx="880753" cy="369332"/>
-          </a:xfrm>
-          <a:prstGeom prst="rect">
-            <a:avLst/>
-          </a:prstGeom>
-          <a:noFill/>
-        </p:spPr>
-        <p:txBody>
-          <a:bodyPr rot="0" spcFirstLastPara="0" vertOverflow="overflow" horzOverflow="overflow" vert="horz" wrap="square" lIns="91440" tIns="45720" rIns="91440" bIns="45720" numCol="1" spcCol="0" rtlCol="0" fromWordArt="0" anchor="t" anchorCtr="0" forceAA="0" compatLnSpc="1">
-            <a:prstTxWarp prst="textNoShape">
-              <a:avLst/>
-            </a:prstTxWarp>
-            <a:spAutoFit/>
-          </a:bodyPr>
-          <a:lstStyle/>
-          <a:p>
-            <a:pPr algn="l"/>
-            <a:r>
-              <a:rPr lang="en-US" dirty="0"/>
-              <a:t>Clone</a:t>
-            </a:r>
-          </a:p>
-        </p:txBody>
-      </p:sp>
-      <p:sp>
-        <p:nvSpPr>
-          <p:cNvPr id="23" name="Oval 22">
-            <a:extLst>
-              <a:ext uri="{FF2B5EF4-FFF2-40B4-BE49-F238E27FC236}">
-                <a16:creationId xmlns:a16="http://schemas.microsoft.com/office/drawing/2014/main" id="{A73DF116-4849-E4EE-CDED-CEA42E01FD8D}"/>
-              </a:ext>
-            </a:extLst>
-          </p:cNvPr>
-          <p:cNvSpPr/>
-          <p:nvPr/>
-        </p:nvSpPr>
-        <p:spPr>
-          <a:xfrm>
-            <a:off x="8827322" y="5195452"/>
-            <a:ext cx="316675" cy="306779"/>
-          </a:xfrm>
-          <a:prstGeom prst="ellipse">
-            <a:avLst/>
-          </a:prstGeom>
-          <a:solidFill>
-            <a:schemeClr val="accent2"/>
-          </a:solidFill>
-          <a:ln w="28575">
-            <a:solidFill>
-              <a:schemeClr val="tx1"/>
-            </a:solidFill>
-          </a:ln>
-        </p:spPr>
-        <p:style>
-          <a:lnRef idx="2">
-            <a:schemeClr val="accent1">
-              <a:shade val="15000"/>
-            </a:schemeClr>
-          </a:lnRef>
-          <a:fillRef idx="1">
-            <a:schemeClr val="accent1"/>
-          </a:fillRef>
-          <a:effectRef idx="0">
-            <a:schemeClr val="accent1"/>
-          </a:effectRef>
-          <a:fontRef idx="minor">
-            <a:schemeClr val="lt1"/>
-          </a:fontRef>
-        </p:style>
-        <p:txBody>
-          <a:bodyPr rtlCol="0" anchor="ctr"/>
-          <a:lstStyle/>
-          <a:p>
-            <a:pPr algn="ctr"/>
-            <a:endParaRPr lang="en-US" sz="1050" dirty="0"/>
-          </a:p>
-        </p:txBody>
-      </p:sp>
-      <p:cxnSp>
-        <p:nvCxnSpPr>
-          <p:cNvPr id="24" name="Straight Arrow Connector 23">
-            <a:extLst>
-              <a:ext uri="{FF2B5EF4-FFF2-40B4-BE49-F238E27FC236}">
-                <a16:creationId xmlns:a16="http://schemas.microsoft.com/office/drawing/2014/main" id="{6343334C-D7E2-68CF-DDF0-1828EBF6B6C0}"/>
-              </a:ext>
-            </a:extLst>
-          </p:cNvPr>
-          <p:cNvCxnSpPr/>
-          <p:nvPr/>
-        </p:nvCxnSpPr>
-        <p:spPr>
-          <a:xfrm>
-            <a:off x="6067425" y="3400424"/>
-            <a:ext cx="914400" cy="914400"/>
-          </a:xfrm>
-          <a:prstGeom prst="straightConnector1">
-            <a:avLst/>
-          </a:prstGeom>
-        </p:spPr>
-        <p:style>
-          <a:lnRef idx="1">
-            <a:schemeClr val="accent1"/>
-          </a:lnRef>
-          <a:fillRef idx="0">
-            <a:schemeClr val="accent1"/>
-          </a:fillRef>
-          <a:effectRef idx="0">
-            <a:schemeClr val="accent1"/>
-          </a:effectRef>
-          <a:fontRef idx="minor">
-            <a:schemeClr val="tx1"/>
-          </a:fontRef>
-        </p:style>
-      </p:cxnSp>
-      <p:cxnSp>
-        <p:nvCxnSpPr>
-          <p:cNvPr id="25" name="Straight Arrow Connector 24">
-            <a:extLst>
-              <a:ext uri="{FF2B5EF4-FFF2-40B4-BE49-F238E27FC236}">
-                <a16:creationId xmlns:a16="http://schemas.microsoft.com/office/drawing/2014/main" id="{C57ED69A-FF80-2D3B-870D-A3B0B3F61E5A}"/>
-              </a:ext>
-            </a:extLst>
-          </p:cNvPr>
-          <p:cNvCxnSpPr/>
-          <p:nvPr/>
-        </p:nvCxnSpPr>
-        <p:spPr>
-          <a:xfrm>
-            <a:off x="8981209" y="4849585"/>
-            <a:ext cx="3959" cy="340426"/>
-          </a:xfrm>
-          <a:prstGeom prst="straightConnector1">
-            <a:avLst/>
-          </a:prstGeom>
-          <a:ln w="28575">
-            <a:solidFill>
-              <a:schemeClr val="tx1"/>
-            </a:solidFill>
-          </a:ln>
-        </p:spPr>
-        <p:style>
-          <a:lnRef idx="1">
-            <a:schemeClr val="accent1"/>
-          </a:lnRef>
-          <a:fillRef idx="0">
-            <a:schemeClr val="accent1"/>
-          </a:fillRef>
-          <a:effectRef idx="0">
-            <a:schemeClr val="accent1"/>
-          </a:effectRef>
-          <a:fontRef idx="minor">
-            <a:schemeClr val="tx1"/>
-          </a:fontRef>
-        </p:style>
-      </p:cxnSp>
-      <p:sp>
-        <p:nvSpPr>
-          <p:cNvPr id="26" name="Oval 25">
-            <a:extLst>
-              <a:ext uri="{FF2B5EF4-FFF2-40B4-BE49-F238E27FC236}">
-                <a16:creationId xmlns:a16="http://schemas.microsoft.com/office/drawing/2014/main" id="{BA2080D3-98D3-F41B-6BB8-F2CAE66D2367}"/>
-              </a:ext>
-            </a:extLst>
-          </p:cNvPr>
-          <p:cNvSpPr/>
-          <p:nvPr/>
-        </p:nvSpPr>
-        <p:spPr>
-          <a:xfrm>
-            <a:off x="8827322" y="4542308"/>
-            <a:ext cx="316675" cy="306779"/>
-          </a:xfrm>
-          <a:prstGeom prst="ellipse">
-            <a:avLst/>
-          </a:prstGeom>
-          <a:solidFill>
-            <a:schemeClr val="accent6"/>
-          </a:solidFill>
-          <a:ln w="28575">
-            <a:solidFill>
-              <a:schemeClr val="tx1"/>
-            </a:solidFill>
-          </a:ln>
-        </p:spPr>
-        <p:style>
-          <a:lnRef idx="2">
-            <a:schemeClr val="accent1">
-              <a:shade val="15000"/>
-            </a:schemeClr>
-          </a:lnRef>
-          <a:fillRef idx="1">
-            <a:schemeClr val="accent1"/>
-          </a:fillRef>
-          <a:effectRef idx="0">
-            <a:schemeClr val="accent1"/>
-          </a:effectRef>
-          <a:fontRef idx="minor">
-            <a:schemeClr val="lt1"/>
-          </a:fontRef>
-        </p:style>
-        <p:txBody>
-          <a:bodyPr rtlCol="0" anchor="ctr"/>
-          <a:lstStyle/>
-          <a:p>
-            <a:pPr algn="ctr"/>
-            <a:endParaRPr lang="en-US" sz="1050" dirty="0"/>
-          </a:p>
-        </p:txBody>
-      </p:sp>
-      <p:sp>
-        <p:nvSpPr>
-          <p:cNvPr id="27" name="Arrow: Right 26">
-            <a:extLst>
-              <a:ext uri="{FF2B5EF4-FFF2-40B4-BE49-F238E27FC236}">
-                <a16:creationId xmlns:a16="http://schemas.microsoft.com/office/drawing/2014/main" id="{4894C886-0EB1-1A38-9349-1F738A87BAEE}"/>
-              </a:ext>
-            </a:extLst>
-          </p:cNvPr>
-          <p:cNvSpPr/>
-          <p:nvPr/>
-        </p:nvSpPr>
-        <p:spPr>
-          <a:xfrm rot="10800000">
-            <a:off x="7204363" y="4641271"/>
-            <a:ext cx="1187532" cy="108857"/>
-          </a:xfrm>
-          <a:prstGeom prst="rightArrow">
-            <a:avLst/>
-          </a:prstGeom>
-          <a:solidFill>
-            <a:schemeClr val="tx1">
-              <a:lumMod val="50000"/>
-              <a:lumOff val="50000"/>
-            </a:schemeClr>
-          </a:solidFill>
-          <a:ln>
-            <a:solidFill>
-              <a:schemeClr val="tx1">
-                <a:lumMod val="65000"/>
-                <a:lumOff val="35000"/>
-              </a:schemeClr>
-            </a:solidFill>
-          </a:ln>
-        </p:spPr>
-        <p:style>
-          <a:lnRef idx="2">
-            <a:schemeClr val="accent1">
-              <a:shade val="15000"/>
-            </a:schemeClr>
-          </a:lnRef>
-          <a:fillRef idx="1">
-            <a:schemeClr val="accent1"/>
-          </a:fillRef>
-          <a:effectRef idx="0">
-            <a:schemeClr val="accent1"/>
-          </a:effectRef>
-          <a:fontRef idx="minor">
-            <a:schemeClr val="lt1"/>
-          </a:fontRef>
-        </p:style>
-        <p:txBody>
-          <a:bodyPr rtlCol="0" anchor="ctr"/>
-          <a:lstStyle/>
-          <a:p>
-            <a:pPr algn="ctr"/>
-            <a:endParaRPr lang="en-US"/>
-          </a:p>
-        </p:txBody>
-      </p:sp>
-      <p:cxnSp>
-        <p:nvCxnSpPr>
-          <p:cNvPr id="28" name="Straight Arrow Connector 27">
-            <a:extLst>
-              <a:ext uri="{FF2B5EF4-FFF2-40B4-BE49-F238E27FC236}">
-                <a16:creationId xmlns:a16="http://schemas.microsoft.com/office/drawing/2014/main" id="{19BCC02A-12F2-97E0-F4D5-BCC39D8558A5}"/>
-              </a:ext>
-            </a:extLst>
-          </p:cNvPr>
-          <p:cNvCxnSpPr>
-            <a:cxnSpLocks/>
-          </p:cNvCxnSpPr>
-          <p:nvPr/>
-        </p:nvCxnSpPr>
-        <p:spPr>
-          <a:xfrm>
-            <a:off x="6022274" y="4839689"/>
-            <a:ext cx="3959" cy="340426"/>
-          </a:xfrm>
-          <a:prstGeom prst="straightConnector1">
-            <a:avLst/>
-          </a:prstGeom>
-          <a:ln w="28575">
-            <a:solidFill>
-              <a:schemeClr val="tx1"/>
-            </a:solidFill>
-          </a:ln>
-        </p:spPr>
-        <p:style>
-          <a:lnRef idx="1">
-            <a:schemeClr val="accent1"/>
-          </a:lnRef>
-          <a:fillRef idx="0">
-            <a:schemeClr val="accent1"/>
-          </a:fillRef>
-          <a:effectRef idx="0">
-            <a:schemeClr val="accent1"/>
-          </a:effectRef>
-          <a:fontRef idx="minor">
-            <a:schemeClr val="tx1"/>
-          </a:fontRef>
-        </p:style>
-      </p:cxnSp>
-      <p:sp>
-        <p:nvSpPr>
-          <p:cNvPr id="29" name="Oval 28">
-            <a:extLst>
-              <a:ext uri="{FF2B5EF4-FFF2-40B4-BE49-F238E27FC236}">
-                <a16:creationId xmlns:a16="http://schemas.microsoft.com/office/drawing/2014/main" id="{45042CF6-C9A9-5B9D-0AC6-B64349082C96}"/>
-              </a:ext>
-            </a:extLst>
-          </p:cNvPr>
-          <p:cNvSpPr/>
-          <p:nvPr/>
-        </p:nvSpPr>
-        <p:spPr>
-          <a:xfrm>
-            <a:off x="5868387" y="4532412"/>
-            <a:ext cx="316675" cy="306779"/>
-          </a:xfrm>
-          <a:prstGeom prst="ellipse">
-            <a:avLst/>
-          </a:prstGeom>
-          <a:solidFill>
-            <a:schemeClr val="accent6"/>
-          </a:solidFill>
-          <a:ln w="28575">
-            <a:solidFill>
-              <a:schemeClr val="tx1"/>
-            </a:solidFill>
-          </a:ln>
-        </p:spPr>
-        <p:style>
-          <a:lnRef idx="2">
-            <a:schemeClr val="accent1">
-              <a:shade val="15000"/>
-            </a:schemeClr>
-          </a:lnRef>
-          <a:fillRef idx="1">
-            <a:schemeClr val="accent1"/>
-          </a:fillRef>
-          <a:effectRef idx="0">
-            <a:schemeClr val="accent1"/>
-          </a:effectRef>
-          <a:fontRef idx="minor">
-            <a:schemeClr val="lt1"/>
-          </a:fontRef>
-        </p:style>
-        <p:txBody>
-          <a:bodyPr rtlCol="0" anchor="ctr"/>
-          <a:lstStyle/>
-          <a:p>
-            <a:pPr algn="ctr"/>
-            <a:endParaRPr lang="en-US" sz="1050" dirty="0"/>
-          </a:p>
-        </p:txBody>
-      </p:sp>
-      <p:sp>
-        <p:nvSpPr>
-          <p:cNvPr id="34" name="TextBox 33">
-            <a:extLst>
-              <a:ext uri="{FF2B5EF4-FFF2-40B4-BE49-F238E27FC236}">
-                <a16:creationId xmlns:a16="http://schemas.microsoft.com/office/drawing/2014/main" id="{FED01DF6-C0BC-E1A5-2A37-337AAA5A4F71}"/>
-              </a:ext>
-            </a:extLst>
-          </p:cNvPr>
-          <p:cNvSpPr txBox="1"/>
-          <p:nvPr/>
-        </p:nvSpPr>
-        <p:spPr>
-          <a:xfrm>
-            <a:off x="7649688" y="4398285"/>
-            <a:ext cx="880753" cy="369332"/>
-          </a:xfrm>
-          <a:prstGeom prst="rect">
-            <a:avLst/>
-          </a:prstGeom>
-          <a:noFill/>
-        </p:spPr>
-        <p:txBody>
-          <a:bodyPr rot="0" spcFirstLastPara="0" vertOverflow="overflow" horzOverflow="overflow" vert="horz" wrap="square" lIns="91440" tIns="45720" rIns="91440" bIns="45720" numCol="1" spcCol="0" rtlCol="0" fromWordArt="0" anchor="t" anchorCtr="0" forceAA="0" compatLnSpc="1">
-            <a:prstTxWarp prst="textNoShape">
-              <a:avLst/>
-            </a:prstTxWarp>
-            <a:spAutoFit/>
-          </a:bodyPr>
-          <a:lstStyle/>
-          <a:p>
-            <a:pPr algn="l"/>
-            <a:r>
-              <a:rPr lang="en-US" dirty="0"/>
-              <a:t>Push</a:t>
-            </a:r>
-          </a:p>
-        </p:txBody>
-      </p:sp>
-      <p:cxnSp>
-        <p:nvCxnSpPr>
-          <p:cNvPr id="35" name="Straight Arrow Connector 34">
-            <a:extLst>
-              <a:ext uri="{FF2B5EF4-FFF2-40B4-BE49-F238E27FC236}">
-                <a16:creationId xmlns:a16="http://schemas.microsoft.com/office/drawing/2014/main" id="{8F390208-1651-034E-E50D-E004E6F9F9DF}"/>
-              </a:ext>
-            </a:extLst>
-          </p:cNvPr>
-          <p:cNvCxnSpPr>
-            <a:cxnSpLocks/>
-          </p:cNvCxnSpPr>
-          <p:nvPr/>
-        </p:nvCxnSpPr>
-        <p:spPr>
-          <a:xfrm>
-            <a:off x="8971312" y="4186546"/>
-            <a:ext cx="3959" cy="340426"/>
-          </a:xfrm>
-          <a:prstGeom prst="straightConnector1">
-            <a:avLst/>
-          </a:prstGeom>
-          <a:ln w="28575">
-            <a:solidFill>
-              <a:schemeClr val="tx1"/>
-            </a:solidFill>
-          </a:ln>
-        </p:spPr>
-        <p:style>
-          <a:lnRef idx="1">
-            <a:schemeClr val="accent1"/>
-          </a:lnRef>
-          <a:fillRef idx="0">
-            <a:schemeClr val="accent1"/>
-          </a:fillRef>
-          <a:effectRef idx="0">
-            <a:schemeClr val="accent1"/>
-          </a:effectRef>
-          <a:fontRef idx="minor">
-            <a:schemeClr val="tx1"/>
-          </a:fontRef>
-        </p:style>
-      </p:cxnSp>
-      <p:sp>
-        <p:nvSpPr>
-          <p:cNvPr id="3" name="Oval 2">
-            <a:extLst>
-              <a:ext uri="{FF2B5EF4-FFF2-40B4-BE49-F238E27FC236}">
-                <a16:creationId xmlns:a16="http://schemas.microsoft.com/office/drawing/2014/main" id="{31DB1D91-61AA-EE20-3A6A-EE9E2E0FD4A8}"/>
-              </a:ext>
-            </a:extLst>
-          </p:cNvPr>
-          <p:cNvSpPr/>
-          <p:nvPr/>
-        </p:nvSpPr>
-        <p:spPr>
-          <a:xfrm>
-            <a:off x="8825672" y="3888340"/>
-            <a:ext cx="316675" cy="306779"/>
-          </a:xfrm>
-          <a:prstGeom prst="ellipse">
-            <a:avLst/>
-          </a:prstGeom>
-          <a:solidFill>
-            <a:schemeClr val="accent6"/>
-          </a:solidFill>
-          <a:ln w="28575">
-            <a:solidFill>
-              <a:schemeClr val="tx1"/>
-            </a:solidFill>
-            <a:prstDash val="dash"/>
-          </a:ln>
-        </p:spPr>
-        <p:style>
-          <a:lnRef idx="2">
-            <a:schemeClr val="accent1">
-              <a:shade val="15000"/>
-            </a:schemeClr>
-          </a:lnRef>
-          <a:fillRef idx="1">
-            <a:schemeClr val="accent1"/>
-          </a:fillRef>
-          <a:effectRef idx="0">
-            <a:schemeClr val="accent1"/>
-          </a:effectRef>
-          <a:fontRef idx="minor">
-            <a:schemeClr val="lt1"/>
-          </a:fontRef>
-        </p:style>
-        <p:txBody>
-          <a:bodyPr rtlCol="0" anchor="ctr"/>
-          <a:lstStyle/>
-          <a:p>
-            <a:pPr algn="ctr"/>
-            <a:endParaRPr lang="en-US" sz="1050" dirty="0"/>
-          </a:p>
-        </p:txBody>
-      </p:sp>
-      <p:sp>
-        <p:nvSpPr>
-          <p:cNvPr id="30" name="Arrow: Right 29">
-            <a:extLst>
-              <a:ext uri="{FF2B5EF4-FFF2-40B4-BE49-F238E27FC236}">
-                <a16:creationId xmlns:a16="http://schemas.microsoft.com/office/drawing/2014/main" id="{780CCDD8-C974-370F-F296-F9952DB43715}"/>
-              </a:ext>
-            </a:extLst>
-          </p:cNvPr>
-          <p:cNvSpPr/>
-          <p:nvPr/>
-        </p:nvSpPr>
-        <p:spPr>
-          <a:xfrm>
-            <a:off x="7204362" y="4242953"/>
-            <a:ext cx="1187532" cy="108857"/>
-          </a:xfrm>
-          <a:prstGeom prst="rightArrow">
-            <a:avLst/>
-          </a:prstGeom>
-          <a:solidFill>
-            <a:schemeClr val="tx1">
-              <a:lumMod val="50000"/>
-              <a:lumOff val="50000"/>
-            </a:schemeClr>
-          </a:solidFill>
-          <a:ln>
-            <a:solidFill>
-              <a:schemeClr val="tx1">
-                <a:lumMod val="65000"/>
-                <a:lumOff val="35000"/>
-              </a:schemeClr>
-            </a:solidFill>
-          </a:ln>
-        </p:spPr>
-        <p:style>
-          <a:lnRef idx="2">
-            <a:schemeClr val="accent1">
-              <a:shade val="15000"/>
-            </a:schemeClr>
-          </a:lnRef>
-          <a:fillRef idx="1">
-            <a:schemeClr val="accent1"/>
-          </a:fillRef>
-          <a:effectRef idx="0">
-            <a:schemeClr val="accent1"/>
-          </a:effectRef>
-          <a:fontRef idx="minor">
-            <a:schemeClr val="lt1"/>
-          </a:fontRef>
-        </p:style>
-        <p:txBody>
-          <a:bodyPr rtlCol="0" anchor="ctr"/>
-          <a:lstStyle/>
-          <a:p>
-            <a:pPr algn="ctr"/>
-            <a:endParaRPr lang="en-US"/>
-          </a:p>
-        </p:txBody>
-      </p:sp>
-      <p:sp>
-        <p:nvSpPr>
-          <p:cNvPr id="32" name="TextBox 31">
-            <a:extLst>
-              <a:ext uri="{FF2B5EF4-FFF2-40B4-BE49-F238E27FC236}">
-                <a16:creationId xmlns:a16="http://schemas.microsoft.com/office/drawing/2014/main" id="{2D9A434D-12AF-C356-49D9-7B59483AE14E}"/>
-              </a:ext>
-            </a:extLst>
-          </p:cNvPr>
-          <p:cNvSpPr txBox="1"/>
-          <p:nvPr/>
-        </p:nvSpPr>
-        <p:spPr>
-          <a:xfrm>
-            <a:off x="7689271" y="3990069"/>
-            <a:ext cx="880753" cy="369332"/>
-          </a:xfrm>
-          <a:prstGeom prst="rect">
-            <a:avLst/>
-          </a:prstGeom>
-          <a:noFill/>
-        </p:spPr>
-        <p:txBody>
-          <a:bodyPr rot="0" spcFirstLastPara="0" vertOverflow="overflow" horzOverflow="overflow" vert="horz" wrap="square" lIns="91440" tIns="45720" rIns="91440" bIns="45720" numCol="1" spcCol="0" rtlCol="0" fromWordArt="0" anchor="t" anchorCtr="0" forceAA="0" compatLnSpc="1">
-            <a:prstTxWarp prst="textNoShape">
-              <a:avLst/>
-            </a:prstTxWarp>
-            <a:spAutoFit/>
-          </a:bodyPr>
-          <a:lstStyle/>
-          <a:p>
-            <a:pPr algn="l"/>
-            <a:r>
-              <a:rPr lang="en-US" b="1" dirty="0">
-                <a:solidFill>
-                  <a:srgbClr val="FF0000"/>
-                </a:solidFill>
-              </a:rPr>
-              <a:t>Pull</a:t>
-            </a:r>
-          </a:p>
-        </p:txBody>
-      </p:sp>
-    </p:spTree>
-    <p:extLst>
-      <p:ext uri="{BB962C8B-B14F-4D97-AF65-F5344CB8AC3E}">
-        <p14:creationId xmlns:p14="http://schemas.microsoft.com/office/powerpoint/2010/main" val="2214607124"/>
       </p:ext>
     </p:extLst>
   </p:cSld>
@@ -41725,10 +40347,10 @@
       </p:cxnSp>
       <p:sp>
         <p:nvSpPr>
-          <p:cNvPr id="36" name="Oval 35">
+          <p:cNvPr id="3" name="Oval 2">
             <a:extLst>
               <a:ext uri="{FF2B5EF4-FFF2-40B4-BE49-F238E27FC236}">
-                <a16:creationId xmlns:a16="http://schemas.microsoft.com/office/drawing/2014/main" id="{FD25E7BD-4E5C-1051-3013-F7BB6C771EA6}"/>
+                <a16:creationId xmlns:a16="http://schemas.microsoft.com/office/drawing/2014/main" id="{31DB1D91-61AA-EE20-3A6A-EE9E2E0FD4A8}"/>
               </a:ext>
             </a:extLst>
           </p:cNvPr>
@@ -41737,7 +40359,7 @@
         </p:nvSpPr>
         <p:spPr>
           <a:xfrm>
-            <a:off x="8817426" y="3879269"/>
+            <a:off x="8825672" y="3888340"/>
             <a:ext cx="316675" cy="306779"/>
           </a:xfrm>
           <a:prstGeom prst="ellipse">
@@ -41750,6 +40372,7 @@
             <a:solidFill>
               <a:schemeClr val="tx1"/>
             </a:solidFill>
+            <a:prstDash val="dash"/>
           </a:ln>
         </p:spPr>
         <p:style>
@@ -41779,10 +40402,10 @@
       </p:sp>
       <p:sp>
         <p:nvSpPr>
-          <p:cNvPr id="37" name="Arrow: Right 36">
+          <p:cNvPr id="30" name="Arrow: Right 29">
             <a:extLst>
               <a:ext uri="{FF2B5EF4-FFF2-40B4-BE49-F238E27FC236}">
-                <a16:creationId xmlns:a16="http://schemas.microsoft.com/office/drawing/2014/main" id="{77122E9F-3376-5334-D1AE-1C3D0C993A65}"/>
+                <a16:creationId xmlns:a16="http://schemas.microsoft.com/office/drawing/2014/main" id="{780CCDD8-C974-370F-F296-F9952DB43715}"/>
               </a:ext>
             </a:extLst>
           </p:cNvPr>
@@ -41790,8 +40413,8 @@
           <p:nvPr/>
         </p:nvSpPr>
         <p:spPr>
-          <a:xfrm rot="10800000">
-            <a:off x="7204363" y="3998024"/>
+          <a:xfrm>
+            <a:off x="7204362" y="4242953"/>
             <a:ext cx="1187532" cy="108857"/>
           </a:xfrm>
           <a:prstGeom prst="rightArrow">
@@ -41839,10 +40462,10 @@
       </p:sp>
       <p:sp>
         <p:nvSpPr>
-          <p:cNvPr id="38" name="TextBox 37">
+          <p:cNvPr id="32" name="TextBox 31">
             <a:extLst>
               <a:ext uri="{FF2B5EF4-FFF2-40B4-BE49-F238E27FC236}">
-                <a16:creationId xmlns:a16="http://schemas.microsoft.com/office/drawing/2014/main" id="{9B2A9283-F6AB-EDB0-6F62-F73BCAF586AF}"/>
+                <a16:creationId xmlns:a16="http://schemas.microsoft.com/office/drawing/2014/main" id="{2D9A434D-12AF-C356-49D9-7B59483AE14E}"/>
               </a:ext>
             </a:extLst>
           </p:cNvPr>
@@ -41851,7 +40474,7 @@
         </p:nvSpPr>
         <p:spPr>
           <a:xfrm>
-            <a:off x="7649688" y="3755038"/>
+            <a:off x="7689271" y="3990069"/>
             <a:ext cx="880753" cy="369332"/>
           </a:xfrm>
           <a:prstGeom prst="rect">
@@ -41875,202 +40498,6 @@
                   <a:srgbClr val="FF0000"/>
                 </a:solidFill>
               </a:rPr>
-              <a:t>Push</a:t>
-            </a:r>
-          </a:p>
-        </p:txBody>
-      </p:sp>
-      <p:cxnSp>
-        <p:nvCxnSpPr>
-          <p:cNvPr id="39" name="Straight Arrow Connector 38">
-            <a:extLst>
-              <a:ext uri="{FF2B5EF4-FFF2-40B4-BE49-F238E27FC236}">
-                <a16:creationId xmlns:a16="http://schemas.microsoft.com/office/drawing/2014/main" id="{31C12884-DFCE-2F32-D534-20047C489633}"/>
-              </a:ext>
-            </a:extLst>
-          </p:cNvPr>
-          <p:cNvCxnSpPr>
-            <a:cxnSpLocks/>
-          </p:cNvCxnSpPr>
-          <p:nvPr/>
-        </p:nvCxnSpPr>
-        <p:spPr>
-          <a:xfrm>
-            <a:off x="6022273" y="4206338"/>
-            <a:ext cx="3959" cy="340426"/>
-          </a:xfrm>
-          <a:prstGeom prst="straightConnector1">
-            <a:avLst/>
-          </a:prstGeom>
-          <a:ln w="28575">
-            <a:solidFill>
-              <a:schemeClr val="tx1"/>
-            </a:solidFill>
-          </a:ln>
-        </p:spPr>
-        <p:style>
-          <a:lnRef idx="1">
-            <a:schemeClr val="accent1"/>
-          </a:lnRef>
-          <a:fillRef idx="0">
-            <a:schemeClr val="accent1"/>
-          </a:fillRef>
-          <a:effectRef idx="0">
-            <a:schemeClr val="accent1"/>
-          </a:effectRef>
-          <a:fontRef idx="minor">
-            <a:schemeClr val="tx1"/>
-          </a:fontRef>
-        </p:style>
-      </p:cxnSp>
-      <p:sp>
-        <p:nvSpPr>
-          <p:cNvPr id="40" name="Oval 39">
-            <a:extLst>
-              <a:ext uri="{FF2B5EF4-FFF2-40B4-BE49-F238E27FC236}">
-                <a16:creationId xmlns:a16="http://schemas.microsoft.com/office/drawing/2014/main" id="{7BFA9C6D-1C90-709B-5955-D9A08C88C2CC}"/>
-              </a:ext>
-            </a:extLst>
-          </p:cNvPr>
-          <p:cNvSpPr/>
-          <p:nvPr/>
-        </p:nvSpPr>
-        <p:spPr>
-          <a:xfrm>
-            <a:off x="5868387" y="3899061"/>
-            <a:ext cx="316675" cy="306779"/>
-          </a:xfrm>
-          <a:prstGeom prst="ellipse">
-            <a:avLst/>
-          </a:prstGeom>
-          <a:solidFill>
-            <a:schemeClr val="accent6"/>
-          </a:solidFill>
-          <a:ln w="28575">
-            <a:solidFill>
-              <a:schemeClr val="tx1"/>
-            </a:solidFill>
-          </a:ln>
-        </p:spPr>
-        <p:style>
-          <a:lnRef idx="2">
-            <a:schemeClr val="accent1">
-              <a:shade val="15000"/>
-            </a:schemeClr>
-          </a:lnRef>
-          <a:fillRef idx="1">
-            <a:schemeClr val="accent1"/>
-          </a:fillRef>
-          <a:effectRef idx="0">
-            <a:schemeClr val="accent1"/>
-          </a:effectRef>
-          <a:fontRef idx="minor">
-            <a:schemeClr val="lt1"/>
-          </a:fontRef>
-        </p:style>
-        <p:txBody>
-          <a:bodyPr rtlCol="0" anchor="ctr"/>
-          <a:lstStyle/>
-          <a:p>
-            <a:pPr algn="ctr"/>
-            <a:endParaRPr lang="en-US" sz="1050" dirty="0"/>
-          </a:p>
-        </p:txBody>
-      </p:sp>
-      <p:sp>
-        <p:nvSpPr>
-          <p:cNvPr id="30" name="Arrow: Right 29">
-            <a:extLst>
-              <a:ext uri="{FF2B5EF4-FFF2-40B4-BE49-F238E27FC236}">
-                <a16:creationId xmlns:a16="http://schemas.microsoft.com/office/drawing/2014/main" id="{0742F199-A00A-B775-ED3A-72951A96C02B}"/>
-              </a:ext>
-            </a:extLst>
-          </p:cNvPr>
-          <p:cNvSpPr/>
-          <p:nvPr/>
-        </p:nvSpPr>
-        <p:spPr>
-          <a:xfrm>
-            <a:off x="7204362" y="4242953"/>
-            <a:ext cx="1187532" cy="108857"/>
-          </a:xfrm>
-          <a:prstGeom prst="rightArrow">
-            <a:avLst/>
-          </a:prstGeom>
-          <a:solidFill>
-            <a:schemeClr val="tx1">
-              <a:lumMod val="50000"/>
-              <a:lumOff val="50000"/>
-            </a:schemeClr>
-          </a:solidFill>
-          <a:ln>
-            <a:solidFill>
-              <a:schemeClr val="tx1">
-                <a:lumMod val="65000"/>
-                <a:lumOff val="35000"/>
-              </a:schemeClr>
-            </a:solidFill>
-          </a:ln>
-        </p:spPr>
-        <p:style>
-          <a:lnRef idx="2">
-            <a:schemeClr val="accent1">
-              <a:shade val="15000"/>
-            </a:schemeClr>
-          </a:lnRef>
-          <a:fillRef idx="1">
-            <a:schemeClr val="accent1"/>
-          </a:fillRef>
-          <a:effectRef idx="0">
-            <a:schemeClr val="accent1"/>
-          </a:effectRef>
-          <a:fontRef idx="minor">
-            <a:schemeClr val="lt1"/>
-          </a:fontRef>
-        </p:style>
-        <p:txBody>
-          <a:bodyPr rtlCol="0" anchor="ctr"/>
-          <a:lstStyle/>
-          <a:p>
-            <a:pPr algn="ctr"/>
-            <a:endParaRPr lang="en-US"/>
-          </a:p>
-        </p:txBody>
-      </p:sp>
-      <p:sp>
-        <p:nvSpPr>
-          <p:cNvPr id="33" name="TextBox 32">
-            <a:extLst>
-              <a:ext uri="{FF2B5EF4-FFF2-40B4-BE49-F238E27FC236}">
-                <a16:creationId xmlns:a16="http://schemas.microsoft.com/office/drawing/2014/main" id="{2C790D98-435B-DBFE-AF77-2A8166BD168D}"/>
-              </a:ext>
-            </a:extLst>
-          </p:cNvPr>
-          <p:cNvSpPr txBox="1"/>
-          <p:nvPr/>
-        </p:nvSpPr>
-        <p:spPr>
-          <a:xfrm>
-            <a:off x="7689271" y="4001792"/>
-            <a:ext cx="880753" cy="369332"/>
-          </a:xfrm>
-          <a:prstGeom prst="rect">
-            <a:avLst/>
-          </a:prstGeom>
-          <a:noFill/>
-        </p:spPr>
-        <p:txBody>
-          <a:bodyPr rot="0" spcFirstLastPara="0" vertOverflow="overflow" horzOverflow="overflow" vert="horz" wrap="square" lIns="91440" tIns="45720" rIns="91440" bIns="45720" numCol="1" spcCol="0" rtlCol="0" fromWordArt="0" anchor="t" anchorCtr="0" forceAA="0" compatLnSpc="1">
-            <a:prstTxWarp prst="textNoShape">
-              <a:avLst/>
-            </a:prstTxWarp>
-            <a:spAutoFit/>
-          </a:bodyPr>
-          <a:lstStyle/>
-          <a:p>
-            <a:pPr algn="l"/>
-            <a:r>
-              <a:rPr lang="en-US" dirty="0"/>
               <a:t>Pull</a:t>
             </a:r>
           </a:p>
@@ -42079,7 +40506,7 @@
     </p:spTree>
     <p:extLst>
       <p:ext uri="{BB962C8B-B14F-4D97-AF65-F5344CB8AC3E}">
-        <p14:creationId xmlns:p14="http://schemas.microsoft.com/office/powerpoint/2010/main" val="835620314"/>
+        <p14:creationId xmlns:p14="http://schemas.microsoft.com/office/powerpoint/2010/main" val="2214607124"/>
       </p:ext>
     </p:extLst>
   </p:cSld>
@@ -42666,6 +41093,45 @@
           </a:p>
         </p:txBody>
       </p:sp>
+      <p:sp>
+        <p:nvSpPr>
+          <p:cNvPr id="16" name="TextBox 15">
+            <a:extLst>
+              <a:ext uri="{FF2B5EF4-FFF2-40B4-BE49-F238E27FC236}">
+                <a16:creationId xmlns:a16="http://schemas.microsoft.com/office/drawing/2014/main" id="{13B498D3-B2E4-86A2-89C4-5E3DFA260A74}"/>
+              </a:ext>
+            </a:extLst>
+          </p:cNvPr>
+          <p:cNvSpPr txBox="1"/>
+          <p:nvPr/>
+        </p:nvSpPr>
+        <p:spPr>
+          <a:xfrm>
+            <a:off x="3681350" y="5160285"/>
+            <a:ext cx="880753" cy="369332"/>
+          </a:xfrm>
+          <a:prstGeom prst="rect">
+            <a:avLst/>
+          </a:prstGeom>
+          <a:noFill/>
+        </p:spPr>
+        <p:txBody>
+          <a:bodyPr rot="0" spcFirstLastPara="0" vertOverflow="overflow" horzOverflow="overflow" vert="horz" wrap="square" lIns="91440" tIns="45720" rIns="91440" bIns="45720" numCol="1" spcCol="0" rtlCol="0" fromWordArt="0" anchor="t" anchorCtr="0" forceAA="0" compatLnSpc="1">
+            <a:prstTxWarp prst="textNoShape">
+              <a:avLst/>
+            </a:prstTxWarp>
+            <a:spAutoFit/>
+          </a:bodyPr>
+          <a:lstStyle/>
+          <a:p>
+            <a:pPr algn="l"/>
+            <a:r>
+              <a:rPr lang="en-US" dirty="0"/>
+              <a:t>Clone</a:t>
+            </a:r>
+          </a:p>
+        </p:txBody>
+      </p:sp>
       <p:cxnSp>
         <p:nvCxnSpPr>
           <p:cNvPr id="17" name="Straight Arrow Connector 16">
@@ -42746,10 +41212,10 @@
       </p:cxnSp>
       <p:sp>
         <p:nvSpPr>
-          <p:cNvPr id="20" name="Oval 19">
+          <p:cNvPr id="19" name="Arrow: Right 18">
             <a:extLst>
               <a:ext uri="{FF2B5EF4-FFF2-40B4-BE49-F238E27FC236}">
-                <a16:creationId xmlns:a16="http://schemas.microsoft.com/office/drawing/2014/main" id="{0B954F3C-1BB9-6575-AF37-B701C140BB8E}"/>
+                <a16:creationId xmlns:a16="http://schemas.microsoft.com/office/drawing/2014/main" id="{1AD23FAA-99D8-275F-3924-E19E9B309A27}"/>
               </a:ext>
             </a:extLst>
           </p:cNvPr>
@@ -42757,62 +41223,8 @@
           <p:nvPr/>
         </p:nvSpPr>
         <p:spPr>
-          <a:xfrm>
-            <a:off x="5868388" y="5195452"/>
-            <a:ext cx="316675" cy="306779"/>
-          </a:xfrm>
-          <a:prstGeom prst="ellipse">
-            <a:avLst/>
-          </a:prstGeom>
-          <a:solidFill>
-            <a:schemeClr val="accent2"/>
-          </a:solidFill>
-          <a:ln w="28575">
-            <a:solidFill>
-              <a:schemeClr val="tx1"/>
-            </a:solidFill>
-          </a:ln>
-        </p:spPr>
-        <p:style>
-          <a:lnRef idx="2">
-            <a:schemeClr val="accent1">
-              <a:shade val="15000"/>
-            </a:schemeClr>
-          </a:lnRef>
-          <a:fillRef idx="1">
-            <a:schemeClr val="accent1"/>
-          </a:fillRef>
-          <a:effectRef idx="0">
-            <a:schemeClr val="accent1"/>
-          </a:effectRef>
-          <a:fontRef idx="minor">
-            <a:schemeClr val="lt1"/>
-          </a:fontRef>
-        </p:style>
-        <p:txBody>
-          <a:bodyPr rtlCol="0" anchor="ctr"/>
-          <a:lstStyle/>
-          <a:p>
-            <a:pPr algn="ctr"/>
-            <a:endParaRPr lang="en-US" sz="1050" dirty="0"/>
-          </a:p>
-        </p:txBody>
-      </p:sp>
-      <p:sp>
-        <p:nvSpPr>
-          <p:cNvPr id="21" name="Arrow: Right 20">
-            <a:extLst>
-              <a:ext uri="{FF2B5EF4-FFF2-40B4-BE49-F238E27FC236}">
-                <a16:creationId xmlns:a16="http://schemas.microsoft.com/office/drawing/2014/main" id="{154355D1-64EC-1469-1DE3-BEEC86A5E789}"/>
-              </a:ext>
-            </a:extLst>
-          </p:cNvPr>
-          <p:cNvSpPr/>
-          <p:nvPr/>
-        </p:nvSpPr>
-        <p:spPr>
-          <a:xfrm>
-            <a:off x="7204363" y="5413168"/>
+          <a:xfrm rot="10800000">
+            <a:off x="3572493" y="5413168"/>
             <a:ext cx="1187532" cy="108857"/>
           </a:xfrm>
           <a:prstGeom prst="rightArrow">
@@ -42860,6 +41272,120 @@
       </p:sp>
       <p:sp>
         <p:nvSpPr>
+          <p:cNvPr id="20" name="Oval 19">
+            <a:extLst>
+              <a:ext uri="{FF2B5EF4-FFF2-40B4-BE49-F238E27FC236}">
+                <a16:creationId xmlns:a16="http://schemas.microsoft.com/office/drawing/2014/main" id="{0B954F3C-1BB9-6575-AF37-B701C140BB8E}"/>
+              </a:ext>
+            </a:extLst>
+          </p:cNvPr>
+          <p:cNvSpPr/>
+          <p:nvPr/>
+        </p:nvSpPr>
+        <p:spPr>
+          <a:xfrm>
+            <a:off x="5868388" y="5195452"/>
+            <a:ext cx="316675" cy="306779"/>
+          </a:xfrm>
+          <a:prstGeom prst="ellipse">
+            <a:avLst/>
+          </a:prstGeom>
+          <a:solidFill>
+            <a:schemeClr val="accent2"/>
+          </a:solidFill>
+          <a:ln w="28575">
+            <a:solidFill>
+              <a:schemeClr val="tx1"/>
+            </a:solidFill>
+          </a:ln>
+        </p:spPr>
+        <p:style>
+          <a:lnRef idx="2">
+            <a:schemeClr val="accent1">
+              <a:shade val="15000"/>
+            </a:schemeClr>
+          </a:lnRef>
+          <a:fillRef idx="1">
+            <a:schemeClr val="accent1"/>
+          </a:fillRef>
+          <a:effectRef idx="0">
+            <a:schemeClr val="accent1"/>
+          </a:effectRef>
+          <a:fontRef idx="minor">
+            <a:schemeClr val="lt1"/>
+          </a:fontRef>
+        </p:style>
+        <p:txBody>
+          <a:bodyPr rtlCol="0" anchor="ctr"/>
+          <a:lstStyle/>
+          <a:p>
+            <a:pPr algn="ctr"/>
+            <a:endParaRPr lang="en-US" sz="1050" dirty="0"/>
+          </a:p>
+        </p:txBody>
+      </p:sp>
+      <p:sp>
+        <p:nvSpPr>
+          <p:cNvPr id="21" name="Arrow: Right 20">
+            <a:extLst>
+              <a:ext uri="{FF2B5EF4-FFF2-40B4-BE49-F238E27FC236}">
+                <a16:creationId xmlns:a16="http://schemas.microsoft.com/office/drawing/2014/main" id="{154355D1-64EC-1469-1DE3-BEEC86A5E789}"/>
+              </a:ext>
+            </a:extLst>
+          </p:cNvPr>
+          <p:cNvSpPr/>
+          <p:nvPr/>
+        </p:nvSpPr>
+        <p:spPr>
+          <a:xfrm>
+            <a:off x="7204363" y="5413168"/>
+            <a:ext cx="1187532" cy="108857"/>
+          </a:xfrm>
+          <a:prstGeom prst="rightArrow">
+            <a:avLst/>
+          </a:prstGeom>
+          <a:solidFill>
+            <a:schemeClr val="tx1">
+              <a:lumMod val="50000"/>
+              <a:lumOff val="50000"/>
+            </a:schemeClr>
+          </a:solidFill>
+          <a:ln>
+            <a:solidFill>
+              <a:schemeClr val="tx1">
+                <a:lumMod val="65000"/>
+                <a:lumOff val="35000"/>
+              </a:schemeClr>
+            </a:solidFill>
+          </a:ln>
+        </p:spPr>
+        <p:style>
+          <a:lnRef idx="2">
+            <a:schemeClr val="accent1">
+              <a:shade val="15000"/>
+            </a:schemeClr>
+          </a:lnRef>
+          <a:fillRef idx="1">
+            <a:schemeClr val="accent1"/>
+          </a:fillRef>
+          <a:effectRef idx="0">
+            <a:schemeClr val="accent1"/>
+          </a:effectRef>
+          <a:fontRef idx="minor">
+            <a:schemeClr val="lt1"/>
+          </a:fontRef>
+        </p:style>
+        <p:txBody>
+          <a:bodyPr rtlCol="0" anchor="ctr"/>
+          <a:lstStyle/>
+          <a:p>
+            <a:pPr algn="ctr"/>
+            <a:endParaRPr lang="en-US"/>
+          </a:p>
+        </p:txBody>
+      </p:sp>
+      <p:sp>
+        <p:nvSpPr>
           <p:cNvPr id="22" name="TextBox 21">
             <a:extLst>
               <a:ext uri="{FF2B5EF4-FFF2-40B4-BE49-F238E27FC236}">
@@ -42892,7 +41418,7 @@
             <a:pPr algn="l"/>
             <a:r>
               <a:rPr lang="en-US" dirty="0"/>
-              <a:t>Pull</a:t>
+              <a:t>Clone</a:t>
             </a:r>
           </a:p>
         </p:txBody>
@@ -43253,7 +41779,7 @@
         </p:nvSpPr>
         <p:spPr>
           <a:xfrm>
-            <a:off x="7649688" y="4386562"/>
+            <a:off x="7649688" y="4398285"/>
             <a:ext cx="880753" cy="369332"/>
           </a:xfrm>
           <a:prstGeom prst="rect">
@@ -43468,7 +41994,11 @@
           <a:p>
             <a:pPr algn="l"/>
             <a:r>
-              <a:rPr lang="en-US" dirty="0"/>
+              <a:rPr lang="en-US" b="1" dirty="0">
+                <a:solidFill>
+                  <a:srgbClr val="FF0000"/>
+                </a:solidFill>
+              </a:rPr>
               <a:t>Push</a:t>
             </a:r>
           </a:p>
@@ -43571,55 +42101,12 @@
           </a:p>
         </p:txBody>
       </p:sp>
-      <p:cxnSp>
-        <p:nvCxnSpPr>
-          <p:cNvPr id="41" name="Straight Arrow Connector 40">
+      <p:sp>
+        <p:nvSpPr>
+          <p:cNvPr id="30" name="Arrow: Right 29">
             <a:extLst>
               <a:ext uri="{FF2B5EF4-FFF2-40B4-BE49-F238E27FC236}">
-                <a16:creationId xmlns:a16="http://schemas.microsoft.com/office/drawing/2014/main" id="{EF5F47B2-9314-690E-8A47-604564D7660D}"/>
-              </a:ext>
-            </a:extLst>
-          </p:cNvPr>
-          <p:cNvCxnSpPr>
-            <a:cxnSpLocks/>
-          </p:cNvCxnSpPr>
-          <p:nvPr/>
-        </p:nvCxnSpPr>
-        <p:spPr>
-          <a:xfrm flipH="1">
-            <a:off x="3047505" y="4206338"/>
-            <a:ext cx="15833" cy="993569"/>
-          </a:xfrm>
-          <a:prstGeom prst="straightConnector1">
-            <a:avLst/>
-          </a:prstGeom>
-          <a:ln w="28575">
-            <a:solidFill>
-              <a:schemeClr val="tx1"/>
-            </a:solidFill>
-          </a:ln>
-        </p:spPr>
-        <p:style>
-          <a:lnRef idx="1">
-            <a:schemeClr val="accent1"/>
-          </a:lnRef>
-          <a:fillRef idx="0">
-            <a:schemeClr val="accent1"/>
-          </a:fillRef>
-          <a:effectRef idx="0">
-            <a:schemeClr val="accent1"/>
-          </a:effectRef>
-          <a:fontRef idx="minor">
-            <a:schemeClr val="tx1"/>
-          </a:fontRef>
-        </p:style>
-      </p:cxnSp>
-      <p:sp>
-        <p:nvSpPr>
-          <p:cNvPr id="42" name="Arrow: Right 41">
-            <a:extLst>
-              <a:ext uri="{FF2B5EF4-FFF2-40B4-BE49-F238E27FC236}">
-                <a16:creationId xmlns:a16="http://schemas.microsoft.com/office/drawing/2014/main" id="{F5C0086B-119F-9CD0-C7DE-457C48BB8CF5}"/>
+                <a16:creationId xmlns:a16="http://schemas.microsoft.com/office/drawing/2014/main" id="{0742F199-A00A-B775-ED3A-72951A96C02B}"/>
               </a:ext>
             </a:extLst>
           </p:cNvPr>
@@ -43627,8 +42114,8 @@
           <p:nvPr/>
         </p:nvSpPr>
         <p:spPr>
-          <a:xfrm rot="10800000">
-            <a:off x="3572492" y="4007920"/>
+          <a:xfrm>
+            <a:off x="7204362" y="4242953"/>
             <a:ext cx="1187532" cy="108857"/>
           </a:xfrm>
           <a:prstGeom prst="rightArrow">
@@ -43676,10 +42163,10 @@
       </p:sp>
       <p:sp>
         <p:nvSpPr>
-          <p:cNvPr id="43" name="TextBox 42">
+          <p:cNvPr id="33" name="TextBox 32">
             <a:extLst>
               <a:ext uri="{FF2B5EF4-FFF2-40B4-BE49-F238E27FC236}">
-                <a16:creationId xmlns:a16="http://schemas.microsoft.com/office/drawing/2014/main" id="{47658C52-1584-DACC-3C91-50552932B76F}"/>
+                <a16:creationId xmlns:a16="http://schemas.microsoft.com/office/drawing/2014/main" id="{2C790D98-435B-DBFE-AF77-2A8166BD168D}"/>
               </a:ext>
             </a:extLst>
           </p:cNvPr>
@@ -43688,7 +42175,7 @@
         </p:nvSpPr>
         <p:spPr>
           <a:xfrm>
-            <a:off x="3681349" y="3755037"/>
+            <a:off x="7689271" y="4001792"/>
             <a:ext cx="880753" cy="369332"/>
           </a:xfrm>
           <a:prstGeom prst="rect">
@@ -43707,390 +42194,16 @@
           <a:p>
             <a:pPr algn="l"/>
             <a:r>
-              <a:rPr lang="en-US" b="1" dirty="0">
-                <a:solidFill>
-                  <a:srgbClr val="FF0000"/>
-                </a:solidFill>
-              </a:rPr>
-              <a:t>Pull</a:t>
-            </a:r>
-          </a:p>
-        </p:txBody>
-      </p:sp>
-      <p:sp>
-        <p:nvSpPr>
-          <p:cNvPr id="44" name="Oval 43">
-            <a:extLst>
-              <a:ext uri="{FF2B5EF4-FFF2-40B4-BE49-F238E27FC236}">
-                <a16:creationId xmlns:a16="http://schemas.microsoft.com/office/drawing/2014/main" id="{8CEF99AA-B862-F924-FA17-C3DD7E1A53A7}"/>
-              </a:ext>
-            </a:extLst>
-          </p:cNvPr>
-          <p:cNvSpPr/>
-          <p:nvPr/>
-        </p:nvSpPr>
-        <p:spPr>
-          <a:xfrm>
-            <a:off x="2889659" y="3899061"/>
-            <a:ext cx="316675" cy="306779"/>
-          </a:xfrm>
-          <a:prstGeom prst="ellipse">
-            <a:avLst/>
-          </a:prstGeom>
-          <a:solidFill>
-            <a:schemeClr val="accent6"/>
-          </a:solidFill>
-          <a:ln w="28575">
-            <a:solidFill>
-              <a:schemeClr val="tx1"/>
-            </a:solidFill>
-          </a:ln>
-        </p:spPr>
-        <p:style>
-          <a:lnRef idx="2">
-            <a:schemeClr val="accent1">
-              <a:shade val="15000"/>
-            </a:schemeClr>
-          </a:lnRef>
-          <a:fillRef idx="1">
-            <a:schemeClr val="accent1"/>
-          </a:fillRef>
-          <a:effectRef idx="0">
-            <a:schemeClr val="accent1"/>
-          </a:effectRef>
-          <a:fontRef idx="minor">
-            <a:schemeClr val="lt1"/>
-          </a:fontRef>
-        </p:style>
-        <p:txBody>
-          <a:bodyPr rtlCol="0" anchor="ctr"/>
-          <a:lstStyle/>
-          <a:p>
-            <a:pPr algn="ctr"/>
-            <a:endParaRPr lang="en-US" sz="1050" dirty="0"/>
-          </a:p>
-        </p:txBody>
-      </p:sp>
-      <p:sp>
-        <p:nvSpPr>
-          <p:cNvPr id="11" name="Rectangle: Rounded Corners 10">
-            <a:extLst>
-              <a:ext uri="{FF2B5EF4-FFF2-40B4-BE49-F238E27FC236}">
-                <a16:creationId xmlns:a16="http://schemas.microsoft.com/office/drawing/2014/main" id="{D2C6EEE6-04D7-A6C4-F24F-16C7D618F69B}"/>
-              </a:ext>
-            </a:extLst>
-          </p:cNvPr>
-          <p:cNvSpPr/>
-          <p:nvPr/>
-        </p:nvSpPr>
-        <p:spPr>
-          <a:xfrm>
-            <a:off x="545934" y="3847110"/>
-            <a:ext cx="1895928" cy="393369"/>
-          </a:xfrm>
-          <a:prstGeom prst="roundRect">
-            <a:avLst/>
-          </a:prstGeom>
-          <a:solidFill>
-            <a:schemeClr val="bg2">
-              <a:lumMod val="75000"/>
-            </a:schemeClr>
-          </a:solidFill>
-          <a:ln>
-            <a:solidFill>
-              <a:schemeClr val="tx1">
-                <a:lumMod val="65000"/>
-                <a:lumOff val="35000"/>
-              </a:schemeClr>
-            </a:solidFill>
-          </a:ln>
-        </p:spPr>
-        <p:style>
-          <a:lnRef idx="2">
-            <a:schemeClr val="accent1">
-              <a:shade val="15000"/>
-            </a:schemeClr>
-          </a:lnRef>
-          <a:fillRef idx="1">
-            <a:schemeClr val="accent1"/>
-          </a:fillRef>
-          <a:effectRef idx="0">
-            <a:schemeClr val="accent1"/>
-          </a:effectRef>
-          <a:fontRef idx="minor">
-            <a:schemeClr val="lt1"/>
-          </a:fontRef>
-        </p:style>
-        <p:txBody>
-          <a:bodyPr lIns="91440" tIns="45720" rIns="91440" bIns="45720" rtlCol="0" anchor="ctr"/>
-          <a:lstStyle/>
-          <a:p>
-            <a:pPr algn="ctr"/>
-            <a:r>
-              <a:rPr lang="en-US" dirty="0">
-                <a:solidFill>
-                  <a:schemeClr val="tx1"/>
-                </a:solidFill>
-              </a:rPr>
-              <a:t>Updated Project</a:t>
-            </a:r>
-          </a:p>
-        </p:txBody>
-      </p:sp>
-      <p:sp>
-        <p:nvSpPr>
-          <p:cNvPr id="31" name="Arrow: Right 30">
-            <a:extLst>
-              <a:ext uri="{FF2B5EF4-FFF2-40B4-BE49-F238E27FC236}">
-                <a16:creationId xmlns:a16="http://schemas.microsoft.com/office/drawing/2014/main" id="{FE31CFFE-7BE0-07FD-62AF-F346A9E1A006}"/>
-              </a:ext>
-            </a:extLst>
-          </p:cNvPr>
-          <p:cNvSpPr/>
-          <p:nvPr/>
-        </p:nvSpPr>
-        <p:spPr>
-          <a:xfrm>
-            <a:off x="2437740" y="3994723"/>
-            <a:ext cx="370623" cy="112704"/>
-          </a:xfrm>
-          <a:prstGeom prst="rightArrow">
-            <a:avLst/>
-          </a:prstGeom>
-          <a:solidFill>
-            <a:schemeClr val="tx1">
-              <a:lumMod val="75000"/>
-              <a:lumOff val="25000"/>
-            </a:schemeClr>
-          </a:solidFill>
-        </p:spPr>
-        <p:style>
-          <a:lnRef idx="2">
-            <a:schemeClr val="accent1">
-              <a:shade val="15000"/>
-            </a:schemeClr>
-          </a:lnRef>
-          <a:fillRef idx="1">
-            <a:schemeClr val="accent1"/>
-          </a:fillRef>
-          <a:effectRef idx="0">
-            <a:schemeClr val="accent1"/>
-          </a:effectRef>
-          <a:fontRef idx="minor">
-            <a:schemeClr val="lt1"/>
-          </a:fontRef>
-        </p:style>
-        <p:txBody>
-          <a:bodyPr rtlCol="0" anchor="ctr"/>
-          <a:lstStyle/>
-          <a:p>
-            <a:pPr algn="ctr"/>
-            <a:endParaRPr lang="en-US"/>
-          </a:p>
-        </p:txBody>
-      </p:sp>
-      <p:sp>
-        <p:nvSpPr>
-          <p:cNvPr id="30" name="Arrow: Right 29">
-            <a:extLst>
-              <a:ext uri="{FF2B5EF4-FFF2-40B4-BE49-F238E27FC236}">
-                <a16:creationId xmlns:a16="http://schemas.microsoft.com/office/drawing/2014/main" id="{227C203D-EB05-EC53-EFA8-441EBEBC694E}"/>
-              </a:ext>
-            </a:extLst>
-          </p:cNvPr>
-          <p:cNvSpPr/>
-          <p:nvPr/>
-        </p:nvSpPr>
-        <p:spPr>
-          <a:xfrm>
-            <a:off x="7204362" y="4242953"/>
-            <a:ext cx="1187532" cy="108857"/>
-          </a:xfrm>
-          <a:prstGeom prst="rightArrow">
-            <a:avLst/>
-          </a:prstGeom>
-          <a:solidFill>
-            <a:schemeClr val="tx1">
-              <a:lumMod val="50000"/>
-              <a:lumOff val="50000"/>
-            </a:schemeClr>
-          </a:solidFill>
-          <a:ln>
-            <a:solidFill>
-              <a:schemeClr val="tx1">
-                <a:lumMod val="65000"/>
-                <a:lumOff val="35000"/>
-              </a:schemeClr>
-            </a:solidFill>
-          </a:ln>
-        </p:spPr>
-        <p:style>
-          <a:lnRef idx="2">
-            <a:schemeClr val="accent1">
-              <a:shade val="15000"/>
-            </a:schemeClr>
-          </a:lnRef>
-          <a:fillRef idx="1">
-            <a:schemeClr val="accent1"/>
-          </a:fillRef>
-          <a:effectRef idx="0">
-            <a:schemeClr val="accent1"/>
-          </a:effectRef>
-          <a:fontRef idx="minor">
-            <a:schemeClr val="lt1"/>
-          </a:fontRef>
-        </p:style>
-        <p:txBody>
-          <a:bodyPr rtlCol="0" anchor="ctr"/>
-          <a:lstStyle/>
-          <a:p>
-            <a:pPr algn="ctr"/>
-            <a:endParaRPr lang="en-US"/>
-          </a:p>
-        </p:txBody>
-      </p:sp>
-      <p:sp>
-        <p:nvSpPr>
-          <p:cNvPr id="33" name="TextBox 32">
-            <a:extLst>
-              <a:ext uri="{FF2B5EF4-FFF2-40B4-BE49-F238E27FC236}">
-                <a16:creationId xmlns:a16="http://schemas.microsoft.com/office/drawing/2014/main" id="{DCB4D81D-8833-CCC4-721C-FF7DE13A28AF}"/>
-              </a:ext>
-            </a:extLst>
-          </p:cNvPr>
-          <p:cNvSpPr txBox="1"/>
-          <p:nvPr/>
-        </p:nvSpPr>
-        <p:spPr>
-          <a:xfrm>
-            <a:off x="7689271" y="4001792"/>
-            <a:ext cx="880753" cy="369332"/>
-          </a:xfrm>
-          <a:prstGeom prst="rect">
-            <a:avLst/>
-          </a:prstGeom>
-          <a:noFill/>
-        </p:spPr>
-        <p:txBody>
-          <a:bodyPr rot="0" spcFirstLastPara="0" vertOverflow="overflow" horzOverflow="overflow" vert="horz" wrap="square" lIns="91440" tIns="45720" rIns="91440" bIns="45720" numCol="1" spcCol="0" rtlCol="0" fromWordArt="0" anchor="t" anchorCtr="0" forceAA="0" compatLnSpc="1">
-            <a:prstTxWarp prst="textNoShape">
-              <a:avLst/>
-            </a:prstTxWarp>
-            <a:spAutoFit/>
-          </a:bodyPr>
-          <a:lstStyle/>
-          <a:p>
-            <a:pPr algn="l"/>
-            <a:r>
               <a:rPr lang="en-US" dirty="0"/>
               <a:t>Pull</a:t>
             </a:r>
           </a:p>
         </p:txBody>
       </p:sp>
-      <p:sp>
-        <p:nvSpPr>
-          <p:cNvPr id="3" name="TextBox 2">
-            <a:extLst>
-              <a:ext uri="{FF2B5EF4-FFF2-40B4-BE49-F238E27FC236}">
-                <a16:creationId xmlns:a16="http://schemas.microsoft.com/office/drawing/2014/main" id="{2379BAD0-CC8E-BCFC-AEF6-5F2859531A83}"/>
-              </a:ext>
-            </a:extLst>
-          </p:cNvPr>
-          <p:cNvSpPr txBox="1"/>
-          <p:nvPr/>
-        </p:nvSpPr>
-        <p:spPr>
-          <a:xfrm>
-            <a:off x="3681350" y="5160285"/>
-            <a:ext cx="880753" cy="369332"/>
-          </a:xfrm>
-          <a:prstGeom prst="rect">
-            <a:avLst/>
-          </a:prstGeom>
-          <a:noFill/>
-        </p:spPr>
-        <p:txBody>
-          <a:bodyPr rot="0" spcFirstLastPara="0" vertOverflow="overflow" horzOverflow="overflow" vert="horz" wrap="square" lIns="91440" tIns="45720" rIns="91440" bIns="45720" numCol="1" spcCol="0" rtlCol="0" fromWordArt="0" anchor="t" anchorCtr="0" forceAA="0" compatLnSpc="1">
-            <a:prstTxWarp prst="textNoShape">
-              <a:avLst/>
-            </a:prstTxWarp>
-            <a:spAutoFit/>
-          </a:bodyPr>
-          <a:lstStyle/>
-          <a:p>
-            <a:pPr algn="l"/>
-            <a:r>
-              <a:rPr lang="en-US" dirty="0"/>
-              <a:t>Clone</a:t>
-            </a:r>
-          </a:p>
-        </p:txBody>
-      </p:sp>
-      <p:sp>
-        <p:nvSpPr>
-          <p:cNvPr id="32" name="Arrow: Right 18">
-            <a:extLst>
-              <a:ext uri="{FF2B5EF4-FFF2-40B4-BE49-F238E27FC236}">
-                <a16:creationId xmlns:a16="http://schemas.microsoft.com/office/drawing/2014/main" id="{4B8836E1-F8EB-57C0-296D-6E1C91831C6B}"/>
-              </a:ext>
-            </a:extLst>
-          </p:cNvPr>
-          <p:cNvSpPr/>
-          <p:nvPr/>
-        </p:nvSpPr>
-        <p:spPr>
-          <a:xfrm rot="10800000">
-            <a:off x="3572493" y="5413168"/>
-            <a:ext cx="1187532" cy="108857"/>
-          </a:xfrm>
-          <a:prstGeom prst="rightArrow">
-            <a:avLst/>
-          </a:prstGeom>
-          <a:solidFill>
-            <a:schemeClr val="tx1">
-              <a:lumMod val="50000"/>
-              <a:lumOff val="50000"/>
-            </a:schemeClr>
-          </a:solidFill>
-          <a:ln>
-            <a:solidFill>
-              <a:schemeClr val="tx1">
-                <a:lumMod val="65000"/>
-                <a:lumOff val="35000"/>
-              </a:schemeClr>
-            </a:solidFill>
-          </a:ln>
-        </p:spPr>
-        <p:style>
-          <a:lnRef idx="2">
-            <a:schemeClr val="accent1">
-              <a:shade val="15000"/>
-            </a:schemeClr>
-          </a:lnRef>
-          <a:fillRef idx="1">
-            <a:schemeClr val="accent1"/>
-          </a:fillRef>
-          <a:effectRef idx="0">
-            <a:schemeClr val="accent1"/>
-          </a:effectRef>
-          <a:fontRef idx="minor">
-            <a:schemeClr val="lt1"/>
-          </a:fontRef>
-        </p:style>
-        <p:txBody>
-          <a:bodyPr rtlCol="0" anchor="ctr"/>
-          <a:lstStyle/>
-          <a:p>
-            <a:pPr algn="ctr"/>
-            <a:endParaRPr lang="en-US"/>
-          </a:p>
-        </p:txBody>
-      </p:sp>
     </p:spTree>
     <p:extLst>
       <p:ext uri="{BB962C8B-B14F-4D97-AF65-F5344CB8AC3E}">
-        <p14:creationId xmlns:p14="http://schemas.microsoft.com/office/powerpoint/2010/main" val="1852888919"/>
+        <p14:creationId xmlns:p14="http://schemas.microsoft.com/office/powerpoint/2010/main" val="835620314"/>
       </p:ext>
     </p:extLst>
   </p:cSld>
@@ -45264,7 +43377,7 @@
         </p:nvSpPr>
         <p:spPr>
           <a:xfrm>
-            <a:off x="7649688" y="4398285"/>
+            <a:off x="7649688" y="4386562"/>
             <a:ext cx="880753" cy="369332"/>
           </a:xfrm>
           <a:prstGeom prst="rect">
@@ -45699,6 +43812,2017 @@
         </p:nvSpPr>
         <p:spPr>
           <a:xfrm>
+            <a:off x="3681349" y="3755037"/>
+            <a:ext cx="880753" cy="369332"/>
+          </a:xfrm>
+          <a:prstGeom prst="rect">
+            <a:avLst/>
+          </a:prstGeom>
+          <a:noFill/>
+        </p:spPr>
+        <p:txBody>
+          <a:bodyPr rot="0" spcFirstLastPara="0" vertOverflow="overflow" horzOverflow="overflow" vert="horz" wrap="square" lIns="91440" tIns="45720" rIns="91440" bIns="45720" numCol="1" spcCol="0" rtlCol="0" fromWordArt="0" anchor="t" anchorCtr="0" forceAA="0" compatLnSpc="1">
+            <a:prstTxWarp prst="textNoShape">
+              <a:avLst/>
+            </a:prstTxWarp>
+            <a:spAutoFit/>
+          </a:bodyPr>
+          <a:lstStyle/>
+          <a:p>
+            <a:pPr algn="l"/>
+            <a:r>
+              <a:rPr lang="en-US" b="1" dirty="0">
+                <a:solidFill>
+                  <a:srgbClr val="FF0000"/>
+                </a:solidFill>
+              </a:rPr>
+              <a:t>Pull</a:t>
+            </a:r>
+          </a:p>
+        </p:txBody>
+      </p:sp>
+      <p:sp>
+        <p:nvSpPr>
+          <p:cNvPr id="44" name="Oval 43">
+            <a:extLst>
+              <a:ext uri="{FF2B5EF4-FFF2-40B4-BE49-F238E27FC236}">
+                <a16:creationId xmlns:a16="http://schemas.microsoft.com/office/drawing/2014/main" id="{8CEF99AA-B862-F924-FA17-C3DD7E1A53A7}"/>
+              </a:ext>
+            </a:extLst>
+          </p:cNvPr>
+          <p:cNvSpPr/>
+          <p:nvPr/>
+        </p:nvSpPr>
+        <p:spPr>
+          <a:xfrm>
+            <a:off x="2889659" y="3899061"/>
+            <a:ext cx="316675" cy="306779"/>
+          </a:xfrm>
+          <a:prstGeom prst="ellipse">
+            <a:avLst/>
+          </a:prstGeom>
+          <a:solidFill>
+            <a:schemeClr val="accent6"/>
+          </a:solidFill>
+          <a:ln w="28575">
+            <a:solidFill>
+              <a:schemeClr val="tx1"/>
+            </a:solidFill>
+          </a:ln>
+        </p:spPr>
+        <p:style>
+          <a:lnRef idx="2">
+            <a:schemeClr val="accent1">
+              <a:shade val="15000"/>
+            </a:schemeClr>
+          </a:lnRef>
+          <a:fillRef idx="1">
+            <a:schemeClr val="accent1"/>
+          </a:fillRef>
+          <a:effectRef idx="0">
+            <a:schemeClr val="accent1"/>
+          </a:effectRef>
+          <a:fontRef idx="minor">
+            <a:schemeClr val="lt1"/>
+          </a:fontRef>
+        </p:style>
+        <p:txBody>
+          <a:bodyPr rtlCol="0" anchor="ctr"/>
+          <a:lstStyle/>
+          <a:p>
+            <a:pPr algn="ctr"/>
+            <a:endParaRPr lang="en-US" sz="1050" dirty="0"/>
+          </a:p>
+        </p:txBody>
+      </p:sp>
+      <p:sp>
+        <p:nvSpPr>
+          <p:cNvPr id="11" name="Rectangle: Rounded Corners 10">
+            <a:extLst>
+              <a:ext uri="{FF2B5EF4-FFF2-40B4-BE49-F238E27FC236}">
+                <a16:creationId xmlns:a16="http://schemas.microsoft.com/office/drawing/2014/main" id="{D2C6EEE6-04D7-A6C4-F24F-16C7D618F69B}"/>
+              </a:ext>
+            </a:extLst>
+          </p:cNvPr>
+          <p:cNvSpPr/>
+          <p:nvPr/>
+        </p:nvSpPr>
+        <p:spPr>
+          <a:xfrm>
+            <a:off x="545934" y="3847110"/>
+            <a:ext cx="1895928" cy="393369"/>
+          </a:xfrm>
+          <a:prstGeom prst="roundRect">
+            <a:avLst/>
+          </a:prstGeom>
+          <a:solidFill>
+            <a:schemeClr val="bg2">
+              <a:lumMod val="75000"/>
+            </a:schemeClr>
+          </a:solidFill>
+          <a:ln>
+            <a:solidFill>
+              <a:schemeClr val="tx1">
+                <a:lumMod val="65000"/>
+                <a:lumOff val="35000"/>
+              </a:schemeClr>
+            </a:solidFill>
+          </a:ln>
+        </p:spPr>
+        <p:style>
+          <a:lnRef idx="2">
+            <a:schemeClr val="accent1">
+              <a:shade val="15000"/>
+            </a:schemeClr>
+          </a:lnRef>
+          <a:fillRef idx="1">
+            <a:schemeClr val="accent1"/>
+          </a:fillRef>
+          <a:effectRef idx="0">
+            <a:schemeClr val="accent1"/>
+          </a:effectRef>
+          <a:fontRef idx="minor">
+            <a:schemeClr val="lt1"/>
+          </a:fontRef>
+        </p:style>
+        <p:txBody>
+          <a:bodyPr lIns="91440" tIns="45720" rIns="91440" bIns="45720" rtlCol="0" anchor="ctr"/>
+          <a:lstStyle/>
+          <a:p>
+            <a:pPr algn="ctr"/>
+            <a:r>
+              <a:rPr lang="en-US" dirty="0">
+                <a:solidFill>
+                  <a:schemeClr val="tx1"/>
+                </a:solidFill>
+              </a:rPr>
+              <a:t>Updated Project</a:t>
+            </a:r>
+          </a:p>
+        </p:txBody>
+      </p:sp>
+      <p:sp>
+        <p:nvSpPr>
+          <p:cNvPr id="31" name="Arrow: Right 30">
+            <a:extLst>
+              <a:ext uri="{FF2B5EF4-FFF2-40B4-BE49-F238E27FC236}">
+                <a16:creationId xmlns:a16="http://schemas.microsoft.com/office/drawing/2014/main" id="{FE31CFFE-7BE0-07FD-62AF-F346A9E1A006}"/>
+              </a:ext>
+            </a:extLst>
+          </p:cNvPr>
+          <p:cNvSpPr/>
+          <p:nvPr/>
+        </p:nvSpPr>
+        <p:spPr>
+          <a:xfrm>
+            <a:off x="2437740" y="3994723"/>
+            <a:ext cx="370623" cy="112704"/>
+          </a:xfrm>
+          <a:prstGeom prst="rightArrow">
+            <a:avLst/>
+          </a:prstGeom>
+          <a:solidFill>
+            <a:schemeClr val="tx1">
+              <a:lumMod val="75000"/>
+              <a:lumOff val="25000"/>
+            </a:schemeClr>
+          </a:solidFill>
+        </p:spPr>
+        <p:style>
+          <a:lnRef idx="2">
+            <a:schemeClr val="accent1">
+              <a:shade val="15000"/>
+            </a:schemeClr>
+          </a:lnRef>
+          <a:fillRef idx="1">
+            <a:schemeClr val="accent1"/>
+          </a:fillRef>
+          <a:effectRef idx="0">
+            <a:schemeClr val="accent1"/>
+          </a:effectRef>
+          <a:fontRef idx="minor">
+            <a:schemeClr val="lt1"/>
+          </a:fontRef>
+        </p:style>
+        <p:txBody>
+          <a:bodyPr rtlCol="0" anchor="ctr"/>
+          <a:lstStyle/>
+          <a:p>
+            <a:pPr algn="ctr"/>
+            <a:endParaRPr lang="en-US"/>
+          </a:p>
+        </p:txBody>
+      </p:sp>
+      <p:sp>
+        <p:nvSpPr>
+          <p:cNvPr id="30" name="Arrow: Right 29">
+            <a:extLst>
+              <a:ext uri="{FF2B5EF4-FFF2-40B4-BE49-F238E27FC236}">
+                <a16:creationId xmlns:a16="http://schemas.microsoft.com/office/drawing/2014/main" id="{227C203D-EB05-EC53-EFA8-441EBEBC694E}"/>
+              </a:ext>
+            </a:extLst>
+          </p:cNvPr>
+          <p:cNvSpPr/>
+          <p:nvPr/>
+        </p:nvSpPr>
+        <p:spPr>
+          <a:xfrm>
+            <a:off x="7204362" y="4242953"/>
+            <a:ext cx="1187532" cy="108857"/>
+          </a:xfrm>
+          <a:prstGeom prst="rightArrow">
+            <a:avLst/>
+          </a:prstGeom>
+          <a:solidFill>
+            <a:schemeClr val="tx1">
+              <a:lumMod val="50000"/>
+              <a:lumOff val="50000"/>
+            </a:schemeClr>
+          </a:solidFill>
+          <a:ln>
+            <a:solidFill>
+              <a:schemeClr val="tx1">
+                <a:lumMod val="65000"/>
+                <a:lumOff val="35000"/>
+              </a:schemeClr>
+            </a:solidFill>
+          </a:ln>
+        </p:spPr>
+        <p:style>
+          <a:lnRef idx="2">
+            <a:schemeClr val="accent1">
+              <a:shade val="15000"/>
+            </a:schemeClr>
+          </a:lnRef>
+          <a:fillRef idx="1">
+            <a:schemeClr val="accent1"/>
+          </a:fillRef>
+          <a:effectRef idx="0">
+            <a:schemeClr val="accent1"/>
+          </a:effectRef>
+          <a:fontRef idx="minor">
+            <a:schemeClr val="lt1"/>
+          </a:fontRef>
+        </p:style>
+        <p:txBody>
+          <a:bodyPr rtlCol="0" anchor="ctr"/>
+          <a:lstStyle/>
+          <a:p>
+            <a:pPr algn="ctr"/>
+            <a:endParaRPr lang="en-US"/>
+          </a:p>
+        </p:txBody>
+      </p:sp>
+      <p:sp>
+        <p:nvSpPr>
+          <p:cNvPr id="33" name="TextBox 32">
+            <a:extLst>
+              <a:ext uri="{FF2B5EF4-FFF2-40B4-BE49-F238E27FC236}">
+                <a16:creationId xmlns:a16="http://schemas.microsoft.com/office/drawing/2014/main" id="{DCB4D81D-8833-CCC4-721C-FF7DE13A28AF}"/>
+              </a:ext>
+            </a:extLst>
+          </p:cNvPr>
+          <p:cNvSpPr txBox="1"/>
+          <p:nvPr/>
+        </p:nvSpPr>
+        <p:spPr>
+          <a:xfrm>
+            <a:off x="7689271" y="4001792"/>
+            <a:ext cx="880753" cy="369332"/>
+          </a:xfrm>
+          <a:prstGeom prst="rect">
+            <a:avLst/>
+          </a:prstGeom>
+          <a:noFill/>
+        </p:spPr>
+        <p:txBody>
+          <a:bodyPr rot="0" spcFirstLastPara="0" vertOverflow="overflow" horzOverflow="overflow" vert="horz" wrap="square" lIns="91440" tIns="45720" rIns="91440" bIns="45720" numCol="1" spcCol="0" rtlCol="0" fromWordArt="0" anchor="t" anchorCtr="0" forceAA="0" compatLnSpc="1">
+            <a:prstTxWarp prst="textNoShape">
+              <a:avLst/>
+            </a:prstTxWarp>
+            <a:spAutoFit/>
+          </a:bodyPr>
+          <a:lstStyle/>
+          <a:p>
+            <a:pPr algn="l"/>
+            <a:r>
+              <a:rPr lang="en-US" dirty="0"/>
+              <a:t>Pull</a:t>
+            </a:r>
+          </a:p>
+        </p:txBody>
+      </p:sp>
+      <p:sp>
+        <p:nvSpPr>
+          <p:cNvPr id="3" name="TextBox 2">
+            <a:extLst>
+              <a:ext uri="{FF2B5EF4-FFF2-40B4-BE49-F238E27FC236}">
+                <a16:creationId xmlns:a16="http://schemas.microsoft.com/office/drawing/2014/main" id="{2379BAD0-CC8E-BCFC-AEF6-5F2859531A83}"/>
+              </a:ext>
+            </a:extLst>
+          </p:cNvPr>
+          <p:cNvSpPr txBox="1"/>
+          <p:nvPr/>
+        </p:nvSpPr>
+        <p:spPr>
+          <a:xfrm>
+            <a:off x="3681350" y="5160285"/>
+            <a:ext cx="880753" cy="369332"/>
+          </a:xfrm>
+          <a:prstGeom prst="rect">
+            <a:avLst/>
+          </a:prstGeom>
+          <a:noFill/>
+        </p:spPr>
+        <p:txBody>
+          <a:bodyPr rot="0" spcFirstLastPara="0" vertOverflow="overflow" horzOverflow="overflow" vert="horz" wrap="square" lIns="91440" tIns="45720" rIns="91440" bIns="45720" numCol="1" spcCol="0" rtlCol="0" fromWordArt="0" anchor="t" anchorCtr="0" forceAA="0" compatLnSpc="1">
+            <a:prstTxWarp prst="textNoShape">
+              <a:avLst/>
+            </a:prstTxWarp>
+            <a:spAutoFit/>
+          </a:bodyPr>
+          <a:lstStyle/>
+          <a:p>
+            <a:pPr algn="l"/>
+            <a:r>
+              <a:rPr lang="en-US" dirty="0"/>
+              <a:t>Clone</a:t>
+            </a:r>
+          </a:p>
+        </p:txBody>
+      </p:sp>
+      <p:sp>
+        <p:nvSpPr>
+          <p:cNvPr id="32" name="Arrow: Right 18">
+            <a:extLst>
+              <a:ext uri="{FF2B5EF4-FFF2-40B4-BE49-F238E27FC236}">
+                <a16:creationId xmlns:a16="http://schemas.microsoft.com/office/drawing/2014/main" id="{4B8836E1-F8EB-57C0-296D-6E1C91831C6B}"/>
+              </a:ext>
+            </a:extLst>
+          </p:cNvPr>
+          <p:cNvSpPr/>
+          <p:nvPr/>
+        </p:nvSpPr>
+        <p:spPr>
+          <a:xfrm rot="10800000">
+            <a:off x="3572493" y="5413168"/>
+            <a:ext cx="1187532" cy="108857"/>
+          </a:xfrm>
+          <a:prstGeom prst="rightArrow">
+            <a:avLst/>
+          </a:prstGeom>
+          <a:solidFill>
+            <a:schemeClr val="tx1">
+              <a:lumMod val="50000"/>
+              <a:lumOff val="50000"/>
+            </a:schemeClr>
+          </a:solidFill>
+          <a:ln>
+            <a:solidFill>
+              <a:schemeClr val="tx1">
+                <a:lumMod val="65000"/>
+                <a:lumOff val="35000"/>
+              </a:schemeClr>
+            </a:solidFill>
+          </a:ln>
+        </p:spPr>
+        <p:style>
+          <a:lnRef idx="2">
+            <a:schemeClr val="accent1">
+              <a:shade val="15000"/>
+            </a:schemeClr>
+          </a:lnRef>
+          <a:fillRef idx="1">
+            <a:schemeClr val="accent1"/>
+          </a:fillRef>
+          <a:effectRef idx="0">
+            <a:schemeClr val="accent1"/>
+          </a:effectRef>
+          <a:fontRef idx="minor">
+            <a:schemeClr val="lt1"/>
+          </a:fontRef>
+        </p:style>
+        <p:txBody>
+          <a:bodyPr rtlCol="0" anchor="ctr"/>
+          <a:lstStyle/>
+          <a:p>
+            <a:pPr algn="ctr"/>
+            <a:endParaRPr lang="en-US"/>
+          </a:p>
+        </p:txBody>
+      </p:sp>
+    </p:spTree>
+    <p:extLst>
+      <p:ext uri="{BB962C8B-B14F-4D97-AF65-F5344CB8AC3E}">
+        <p14:creationId xmlns:p14="http://schemas.microsoft.com/office/powerpoint/2010/main" val="1852888919"/>
+      </p:ext>
+    </p:extLst>
+  </p:cSld>
+  <p:clrMapOvr>
+    <a:masterClrMapping/>
+  </p:clrMapOvr>
+</p:sld>
+</file>
+
+<file path=ppt/slides/slide43.xml><?xml version="1.0" encoding="utf-8"?>
+<p:sld xmlns:a="http://schemas.openxmlformats.org/drawingml/2006/main" xmlns:r="http://schemas.openxmlformats.org/officeDocument/2006/relationships" xmlns:p="http://schemas.openxmlformats.org/presentationml/2006/main">
+  <p:cSld>
+    <p:spTree>
+      <p:nvGrpSpPr>
+        <p:cNvPr id="1" name=""/>
+        <p:cNvGrpSpPr/>
+        <p:nvPr/>
+      </p:nvGrpSpPr>
+      <p:grpSpPr>
+        <a:xfrm>
+          <a:off x="0" y="0"/>
+          <a:ext cx="0" cy="0"/>
+          <a:chOff x="0" y="0"/>
+          <a:chExt cx="0" cy="0"/>
+        </a:xfrm>
+      </p:grpSpPr>
+      <p:sp>
+        <p:nvSpPr>
+          <p:cNvPr id="2" name="Title 1">
+            <a:extLst>
+              <a:ext uri="{FF2B5EF4-FFF2-40B4-BE49-F238E27FC236}">
+                <a16:creationId xmlns:a16="http://schemas.microsoft.com/office/drawing/2014/main" id="{FAAD90EA-0606-ADF6-EEB1-1D60F634590D}"/>
+              </a:ext>
+            </a:extLst>
+          </p:cNvPr>
+          <p:cNvSpPr>
+            <a:spLocks noGrp="1"/>
+          </p:cNvSpPr>
+          <p:nvPr>
+            <p:ph type="title"/>
+          </p:nvPr>
+        </p:nvSpPr>
+        <p:spPr>
+          <a:xfrm>
+            <a:off x="1322318" y="268360"/>
+            <a:ext cx="7288282" cy="1309697"/>
+          </a:xfrm>
+        </p:spPr>
+        <p:txBody>
+          <a:bodyPr/>
+          <a:lstStyle/>
+          <a:p>
+            <a:r>
+              <a:rPr lang="en-US"/>
+              <a:t>Remote Location – Collaboration</a:t>
+            </a:r>
+          </a:p>
+        </p:txBody>
+      </p:sp>
+      <p:sp>
+        <p:nvSpPr>
+          <p:cNvPr id="4" name="Slide Number Placeholder 3">
+            <a:extLst>
+              <a:ext uri="{FF2B5EF4-FFF2-40B4-BE49-F238E27FC236}">
+                <a16:creationId xmlns:a16="http://schemas.microsoft.com/office/drawing/2014/main" id="{01C5B620-761D-0755-B45C-EC6E174BCDA4}"/>
+              </a:ext>
+            </a:extLst>
+          </p:cNvPr>
+          <p:cNvSpPr>
+            <a:spLocks noGrp="1"/>
+          </p:cNvSpPr>
+          <p:nvPr>
+            <p:ph type="sldNum" sz="quarter" idx="12"/>
+          </p:nvPr>
+        </p:nvSpPr>
+        <p:spPr/>
+        <p:txBody>
+          <a:bodyPr/>
+          <a:lstStyle/>
+          <a:p>
+            <a:fld id="{A49DFD55-3C28-40EF-9E31-A92D2E4017FF}" type="slidenum">
+              <a:rPr lang="en-US" smtClean="0"/>
+              <a:pPr/>
+              <a:t>43</a:t>
+            </a:fld>
+            <a:endParaRPr lang="en-US" dirty="0"/>
+          </a:p>
+        </p:txBody>
+      </p:sp>
+      <p:sp>
+        <p:nvSpPr>
+          <p:cNvPr id="5" name="Rectangle 4">
+            <a:extLst>
+              <a:ext uri="{FF2B5EF4-FFF2-40B4-BE49-F238E27FC236}">
+                <a16:creationId xmlns:a16="http://schemas.microsoft.com/office/drawing/2014/main" id="{EFF26061-5B82-41BC-813D-FAD6ED8B8855}"/>
+              </a:ext>
+            </a:extLst>
+          </p:cNvPr>
+          <p:cNvSpPr/>
+          <p:nvPr/>
+        </p:nvSpPr>
+        <p:spPr>
+          <a:xfrm>
+            <a:off x="1830779" y="2642259"/>
+            <a:ext cx="2444337" cy="405740"/>
+          </a:xfrm>
+          <a:prstGeom prst="rect">
+            <a:avLst/>
+          </a:prstGeom>
+          <a:solidFill>
+            <a:srgbClr val="ED7D31"/>
+          </a:solidFill>
+          <a:ln>
+            <a:solidFill>
+              <a:schemeClr val="accent2">
+                <a:lumMod val="50000"/>
+              </a:schemeClr>
+            </a:solidFill>
+          </a:ln>
+        </p:spPr>
+        <p:style>
+          <a:lnRef idx="2">
+            <a:schemeClr val="accent2"/>
+          </a:lnRef>
+          <a:fillRef idx="1">
+            <a:schemeClr val="lt1"/>
+          </a:fillRef>
+          <a:effectRef idx="0">
+            <a:schemeClr val="accent2"/>
+          </a:effectRef>
+          <a:fontRef idx="minor">
+            <a:schemeClr val="dk1"/>
+          </a:fontRef>
+        </p:style>
+        <p:txBody>
+          <a:bodyPr rtlCol="0" anchor="ctr"/>
+          <a:lstStyle/>
+          <a:p>
+            <a:pPr algn="ctr"/>
+            <a:r>
+              <a:rPr lang="en-US" dirty="0"/>
+              <a:t>Emily's Computer</a:t>
+            </a:r>
+          </a:p>
+        </p:txBody>
+      </p:sp>
+      <p:sp>
+        <p:nvSpPr>
+          <p:cNvPr id="6" name="Rectangle 5">
+            <a:extLst>
+              <a:ext uri="{FF2B5EF4-FFF2-40B4-BE49-F238E27FC236}">
+                <a16:creationId xmlns:a16="http://schemas.microsoft.com/office/drawing/2014/main" id="{AACC7DA0-E928-D398-C174-69C0F9DC3D9C}"/>
+              </a:ext>
+            </a:extLst>
+          </p:cNvPr>
+          <p:cNvSpPr/>
+          <p:nvPr/>
+        </p:nvSpPr>
+        <p:spPr>
+          <a:xfrm>
+            <a:off x="4760025" y="2642259"/>
+            <a:ext cx="2444337" cy="405740"/>
+          </a:xfrm>
+          <a:prstGeom prst="rect">
+            <a:avLst/>
+          </a:prstGeom>
+          <a:solidFill>
+            <a:schemeClr val="accent5"/>
+          </a:solidFill>
+          <a:ln>
+            <a:solidFill>
+              <a:schemeClr val="accent5">
+                <a:lumMod val="50000"/>
+              </a:schemeClr>
+            </a:solidFill>
+          </a:ln>
+        </p:spPr>
+        <p:style>
+          <a:lnRef idx="2">
+            <a:schemeClr val="accent2"/>
+          </a:lnRef>
+          <a:fillRef idx="1">
+            <a:schemeClr val="lt1"/>
+          </a:fillRef>
+          <a:effectRef idx="0">
+            <a:schemeClr val="accent2"/>
+          </a:effectRef>
+          <a:fontRef idx="minor">
+            <a:schemeClr val="dk1"/>
+          </a:fontRef>
+        </p:style>
+        <p:txBody>
+          <a:bodyPr lIns="91440" tIns="45720" rIns="91440" bIns="45720" rtlCol="0" anchor="ctr"/>
+          <a:lstStyle/>
+          <a:p>
+            <a:pPr algn="ctr"/>
+            <a:r>
+              <a:rPr lang="en-US" dirty="0"/>
+              <a:t>Remote</a:t>
+            </a:r>
+          </a:p>
+        </p:txBody>
+      </p:sp>
+      <p:sp>
+        <p:nvSpPr>
+          <p:cNvPr id="7" name="Rectangle 6">
+            <a:extLst>
+              <a:ext uri="{FF2B5EF4-FFF2-40B4-BE49-F238E27FC236}">
+                <a16:creationId xmlns:a16="http://schemas.microsoft.com/office/drawing/2014/main" id="{2ABC7BF7-B0F1-BBD5-2915-A4C5347CDF60}"/>
+              </a:ext>
+            </a:extLst>
+          </p:cNvPr>
+          <p:cNvSpPr/>
+          <p:nvPr/>
+        </p:nvSpPr>
+        <p:spPr>
+          <a:xfrm>
+            <a:off x="7689272" y="2642258"/>
+            <a:ext cx="2444337" cy="405740"/>
+          </a:xfrm>
+          <a:prstGeom prst="rect">
+            <a:avLst/>
+          </a:prstGeom>
+          <a:solidFill>
+            <a:schemeClr val="accent6"/>
+          </a:solidFill>
+          <a:ln>
+            <a:solidFill>
+              <a:schemeClr val="accent6">
+                <a:lumMod val="50000"/>
+              </a:schemeClr>
+            </a:solidFill>
+          </a:ln>
+        </p:spPr>
+        <p:style>
+          <a:lnRef idx="2">
+            <a:schemeClr val="accent2"/>
+          </a:lnRef>
+          <a:fillRef idx="1">
+            <a:schemeClr val="lt1"/>
+          </a:fillRef>
+          <a:effectRef idx="0">
+            <a:schemeClr val="accent2"/>
+          </a:effectRef>
+          <a:fontRef idx="minor">
+            <a:schemeClr val="dk1"/>
+          </a:fontRef>
+        </p:style>
+        <p:txBody>
+          <a:bodyPr lIns="91440" tIns="45720" rIns="91440" bIns="45720" rtlCol="0" anchor="ctr"/>
+          <a:lstStyle/>
+          <a:p>
+            <a:pPr algn="ctr"/>
+            <a:r>
+              <a:rPr lang="en-US" dirty="0"/>
+              <a:t>Bob's Computer</a:t>
+            </a:r>
+          </a:p>
+        </p:txBody>
+      </p:sp>
+      <p:sp>
+        <p:nvSpPr>
+          <p:cNvPr id="8" name="Rectangle 7">
+            <a:extLst>
+              <a:ext uri="{FF2B5EF4-FFF2-40B4-BE49-F238E27FC236}">
+                <a16:creationId xmlns:a16="http://schemas.microsoft.com/office/drawing/2014/main" id="{A9D41B4D-15F8-F227-92B3-4DE3CA28FFFB}"/>
+              </a:ext>
+            </a:extLst>
+          </p:cNvPr>
+          <p:cNvSpPr/>
+          <p:nvPr/>
+        </p:nvSpPr>
+        <p:spPr>
+          <a:xfrm>
+            <a:off x="1830779" y="3047999"/>
+            <a:ext cx="2444337" cy="2770909"/>
+          </a:xfrm>
+          <a:prstGeom prst="rect">
+            <a:avLst/>
+          </a:prstGeom>
+          <a:solidFill>
+            <a:schemeClr val="accent2">
+              <a:lumMod val="20000"/>
+              <a:lumOff val="80000"/>
+            </a:schemeClr>
+          </a:solidFill>
+          <a:ln>
+            <a:solidFill>
+              <a:schemeClr val="accent2"/>
+            </a:solidFill>
+          </a:ln>
+        </p:spPr>
+        <p:style>
+          <a:lnRef idx="2">
+            <a:schemeClr val="accent1">
+              <a:shade val="15000"/>
+            </a:schemeClr>
+          </a:lnRef>
+          <a:fillRef idx="1">
+            <a:schemeClr val="accent1"/>
+          </a:fillRef>
+          <a:effectRef idx="0">
+            <a:schemeClr val="accent1"/>
+          </a:effectRef>
+          <a:fontRef idx="minor">
+            <a:schemeClr val="lt1"/>
+          </a:fontRef>
+        </p:style>
+        <p:txBody>
+          <a:bodyPr rtlCol="0" anchor="ctr"/>
+          <a:lstStyle/>
+          <a:p>
+            <a:pPr algn="ctr"/>
+            <a:endParaRPr lang="en-US"/>
+          </a:p>
+        </p:txBody>
+      </p:sp>
+      <p:sp>
+        <p:nvSpPr>
+          <p:cNvPr id="9" name="Rectangle 8">
+            <a:extLst>
+              <a:ext uri="{FF2B5EF4-FFF2-40B4-BE49-F238E27FC236}">
+                <a16:creationId xmlns:a16="http://schemas.microsoft.com/office/drawing/2014/main" id="{0C5016A2-D29B-AF9F-14F9-63D7EE1C9852}"/>
+              </a:ext>
+            </a:extLst>
+          </p:cNvPr>
+          <p:cNvSpPr/>
+          <p:nvPr/>
+        </p:nvSpPr>
+        <p:spPr>
+          <a:xfrm>
+            <a:off x="4760025" y="3047999"/>
+            <a:ext cx="2444337" cy="2770909"/>
+          </a:xfrm>
+          <a:prstGeom prst="rect">
+            <a:avLst/>
+          </a:prstGeom>
+          <a:solidFill>
+            <a:schemeClr val="accent5">
+              <a:lumMod val="20000"/>
+              <a:lumOff val="80000"/>
+            </a:schemeClr>
+          </a:solidFill>
+          <a:ln>
+            <a:solidFill>
+              <a:schemeClr val="accent5"/>
+            </a:solidFill>
+          </a:ln>
+        </p:spPr>
+        <p:style>
+          <a:lnRef idx="2">
+            <a:schemeClr val="accent1">
+              <a:shade val="15000"/>
+            </a:schemeClr>
+          </a:lnRef>
+          <a:fillRef idx="1">
+            <a:schemeClr val="accent1"/>
+          </a:fillRef>
+          <a:effectRef idx="0">
+            <a:schemeClr val="accent1"/>
+          </a:effectRef>
+          <a:fontRef idx="minor">
+            <a:schemeClr val="lt1"/>
+          </a:fontRef>
+        </p:style>
+        <p:txBody>
+          <a:bodyPr rtlCol="0" anchor="ctr"/>
+          <a:lstStyle/>
+          <a:p>
+            <a:pPr algn="ctr"/>
+            <a:endParaRPr lang="en-US"/>
+          </a:p>
+        </p:txBody>
+      </p:sp>
+      <p:sp>
+        <p:nvSpPr>
+          <p:cNvPr id="10" name="Rectangle 9">
+            <a:extLst>
+              <a:ext uri="{FF2B5EF4-FFF2-40B4-BE49-F238E27FC236}">
+                <a16:creationId xmlns:a16="http://schemas.microsoft.com/office/drawing/2014/main" id="{73C6E68B-D029-B38A-C9FA-FBFDAABA1B2B}"/>
+              </a:ext>
+            </a:extLst>
+          </p:cNvPr>
+          <p:cNvSpPr/>
+          <p:nvPr/>
+        </p:nvSpPr>
+        <p:spPr>
+          <a:xfrm>
+            <a:off x="7689272" y="3047998"/>
+            <a:ext cx="2444337" cy="2770909"/>
+          </a:xfrm>
+          <a:prstGeom prst="rect">
+            <a:avLst/>
+          </a:prstGeom>
+          <a:solidFill>
+            <a:schemeClr val="accent6">
+              <a:lumMod val="20000"/>
+              <a:lumOff val="80000"/>
+            </a:schemeClr>
+          </a:solidFill>
+          <a:ln>
+            <a:solidFill>
+              <a:schemeClr val="accent6"/>
+            </a:solidFill>
+          </a:ln>
+        </p:spPr>
+        <p:style>
+          <a:lnRef idx="2">
+            <a:schemeClr val="accent1">
+              <a:shade val="15000"/>
+            </a:schemeClr>
+          </a:lnRef>
+          <a:fillRef idx="1">
+            <a:schemeClr val="accent1"/>
+          </a:fillRef>
+          <a:effectRef idx="0">
+            <a:schemeClr val="accent1"/>
+          </a:effectRef>
+          <a:fontRef idx="minor">
+            <a:schemeClr val="lt1"/>
+          </a:fontRef>
+        </p:style>
+        <p:txBody>
+          <a:bodyPr rtlCol="0" anchor="ctr"/>
+          <a:lstStyle/>
+          <a:p>
+            <a:pPr algn="ctr"/>
+            <a:endParaRPr lang="en-US"/>
+          </a:p>
+        </p:txBody>
+      </p:sp>
+      <p:pic>
+        <p:nvPicPr>
+          <p:cNvPr id="12" name="Picture 11" descr="A black and white cat logo&#10;&#10;Description automatically generated">
+            <a:extLst>
+              <a:ext uri="{FF2B5EF4-FFF2-40B4-BE49-F238E27FC236}">
+                <a16:creationId xmlns:a16="http://schemas.microsoft.com/office/drawing/2014/main" id="{872C3379-C831-3ECE-9789-22B4141308F5}"/>
+              </a:ext>
+            </a:extLst>
+          </p:cNvPr>
+          <p:cNvPicPr>
+            <a:picLocks noChangeAspect="1"/>
+          </p:cNvPicPr>
+          <p:nvPr/>
+        </p:nvPicPr>
+        <p:blipFill>
+          <a:blip r:embed="rId2"/>
+          <a:srcRect t="-817" r="3030" b="712"/>
+          <a:stretch/>
+        </p:blipFill>
+        <p:spPr>
+          <a:xfrm>
+            <a:off x="5767467" y="2051462"/>
+            <a:ext cx="513997" cy="587273"/>
+          </a:xfrm>
+          <a:prstGeom prst="rect">
+            <a:avLst/>
+          </a:prstGeom>
+        </p:spPr>
+      </p:pic>
+      <p:pic>
+        <p:nvPicPr>
+          <p:cNvPr id="13" name="Graphic 12" descr="Programmer male with solid fill">
+            <a:extLst>
+              <a:ext uri="{FF2B5EF4-FFF2-40B4-BE49-F238E27FC236}">
+                <a16:creationId xmlns:a16="http://schemas.microsoft.com/office/drawing/2014/main" id="{6556EB63-E7C2-EB51-C73A-70A615DBE238}"/>
+              </a:ext>
+            </a:extLst>
+          </p:cNvPr>
+          <p:cNvPicPr>
+            <a:picLocks noChangeAspect="1"/>
+          </p:cNvPicPr>
+          <p:nvPr/>
+        </p:nvPicPr>
+        <p:blipFill>
+          <a:blip r:embed="rId3">
+            <a:extLst>
+              <a:ext uri="{96DAC541-7B7A-43D3-8B79-37D633B846F1}">
+                <asvg:svgBlip xmlns:asvg="http://schemas.microsoft.com/office/drawing/2016/SVG/main" r:embed="rId4"/>
+              </a:ext>
+            </a:extLst>
+          </a:blip>
+          <a:stretch>
+            <a:fillRect/>
+          </a:stretch>
+        </p:blipFill>
+        <p:spPr>
+          <a:xfrm>
+            <a:off x="9537865" y="2051462"/>
+            <a:ext cx="597725" cy="587829"/>
+          </a:xfrm>
+          <a:prstGeom prst="rect">
+            <a:avLst/>
+          </a:prstGeom>
+        </p:spPr>
+      </p:pic>
+      <p:pic>
+        <p:nvPicPr>
+          <p:cNvPr id="14" name="Graphic 13" descr="Programmer female with solid fill">
+            <a:extLst>
+              <a:ext uri="{FF2B5EF4-FFF2-40B4-BE49-F238E27FC236}">
+                <a16:creationId xmlns:a16="http://schemas.microsoft.com/office/drawing/2014/main" id="{8783A3AD-04F7-56FE-255A-926F8377175A}"/>
+              </a:ext>
+            </a:extLst>
+          </p:cNvPr>
+          <p:cNvPicPr>
+            <a:picLocks noChangeAspect="1"/>
+          </p:cNvPicPr>
+          <p:nvPr/>
+        </p:nvPicPr>
+        <p:blipFill>
+          <a:blip r:embed="rId5">
+            <a:extLst>
+              <a:ext uri="{96DAC541-7B7A-43D3-8B79-37D633B846F1}">
+                <asvg:svgBlip xmlns:asvg="http://schemas.microsoft.com/office/drawing/2016/SVG/main" r:embed="rId6"/>
+              </a:ext>
+            </a:extLst>
+          </a:blip>
+          <a:stretch>
+            <a:fillRect/>
+          </a:stretch>
+        </p:blipFill>
+        <p:spPr>
+          <a:xfrm>
+            <a:off x="1833129" y="2045896"/>
+            <a:ext cx="508660" cy="597725"/>
+          </a:xfrm>
+          <a:prstGeom prst="rect">
+            <a:avLst/>
+          </a:prstGeom>
+        </p:spPr>
+      </p:pic>
+      <p:sp>
+        <p:nvSpPr>
+          <p:cNvPr id="15" name="Oval 14">
+            <a:extLst>
+              <a:ext uri="{FF2B5EF4-FFF2-40B4-BE49-F238E27FC236}">
+                <a16:creationId xmlns:a16="http://schemas.microsoft.com/office/drawing/2014/main" id="{5A9A9504-0517-1FCA-E425-4910305EEB12}"/>
+              </a:ext>
+            </a:extLst>
+          </p:cNvPr>
+          <p:cNvSpPr/>
+          <p:nvPr/>
+        </p:nvSpPr>
+        <p:spPr>
+          <a:xfrm>
+            <a:off x="2889661" y="5215245"/>
+            <a:ext cx="316675" cy="306779"/>
+          </a:xfrm>
+          <a:prstGeom prst="ellipse">
+            <a:avLst/>
+          </a:prstGeom>
+          <a:solidFill>
+            <a:schemeClr val="accent2"/>
+          </a:solidFill>
+          <a:ln w="28575">
+            <a:solidFill>
+              <a:schemeClr val="tx1"/>
+            </a:solidFill>
+          </a:ln>
+        </p:spPr>
+        <p:style>
+          <a:lnRef idx="2">
+            <a:schemeClr val="accent1">
+              <a:shade val="15000"/>
+            </a:schemeClr>
+          </a:lnRef>
+          <a:fillRef idx="1">
+            <a:schemeClr val="accent1"/>
+          </a:fillRef>
+          <a:effectRef idx="0">
+            <a:schemeClr val="accent1"/>
+          </a:effectRef>
+          <a:fontRef idx="minor">
+            <a:schemeClr val="lt1"/>
+          </a:fontRef>
+        </p:style>
+        <p:txBody>
+          <a:bodyPr rtlCol="0" anchor="ctr"/>
+          <a:lstStyle/>
+          <a:p>
+            <a:pPr algn="ctr"/>
+            <a:endParaRPr lang="en-US" sz="1050" dirty="0"/>
+          </a:p>
+        </p:txBody>
+      </p:sp>
+      <p:cxnSp>
+        <p:nvCxnSpPr>
+          <p:cNvPr id="17" name="Straight Arrow Connector 16">
+            <a:extLst>
+              <a:ext uri="{FF2B5EF4-FFF2-40B4-BE49-F238E27FC236}">
+                <a16:creationId xmlns:a16="http://schemas.microsoft.com/office/drawing/2014/main" id="{FF09FA98-9DA6-200C-31E4-9A7DD94F72B8}"/>
+              </a:ext>
+            </a:extLst>
+          </p:cNvPr>
+          <p:cNvCxnSpPr/>
+          <p:nvPr/>
+        </p:nvCxnSpPr>
+        <p:spPr>
+          <a:xfrm>
+            <a:off x="5781675" y="3114674"/>
+            <a:ext cx="914400" cy="914400"/>
+          </a:xfrm>
+          <a:prstGeom prst="straightConnector1">
+            <a:avLst/>
+          </a:prstGeom>
+          <a:ln>
+            <a:tailEnd type="triangle"/>
+          </a:ln>
+        </p:spPr>
+        <p:style>
+          <a:lnRef idx="1">
+            <a:schemeClr val="accent1"/>
+          </a:lnRef>
+          <a:fillRef idx="0">
+            <a:schemeClr val="accent1"/>
+          </a:fillRef>
+          <a:effectRef idx="0">
+            <a:schemeClr val="accent1"/>
+          </a:effectRef>
+          <a:fontRef idx="minor">
+            <a:schemeClr val="tx1"/>
+          </a:fontRef>
+        </p:style>
+      </p:cxnSp>
+      <p:cxnSp>
+        <p:nvCxnSpPr>
+          <p:cNvPr id="18" name="Straight Arrow Connector 17">
+            <a:extLst>
+              <a:ext uri="{FF2B5EF4-FFF2-40B4-BE49-F238E27FC236}">
+                <a16:creationId xmlns:a16="http://schemas.microsoft.com/office/drawing/2014/main" id="{1CBCC57E-FAB1-B085-DA70-2B9BA9AA3A26}"/>
+              </a:ext>
+            </a:extLst>
+          </p:cNvPr>
+          <p:cNvCxnSpPr/>
+          <p:nvPr/>
+        </p:nvCxnSpPr>
+        <p:spPr>
+          <a:xfrm>
+            <a:off x="5924550" y="3257549"/>
+            <a:ext cx="914400" cy="914400"/>
+          </a:xfrm>
+          <a:prstGeom prst="straightConnector1">
+            <a:avLst/>
+          </a:prstGeom>
+          <a:ln>
+            <a:tailEnd type="triangle"/>
+          </a:ln>
+        </p:spPr>
+        <p:style>
+          <a:lnRef idx="1">
+            <a:schemeClr val="accent1"/>
+          </a:lnRef>
+          <a:fillRef idx="0">
+            <a:schemeClr val="accent1"/>
+          </a:fillRef>
+          <a:effectRef idx="0">
+            <a:schemeClr val="accent1"/>
+          </a:effectRef>
+          <a:fontRef idx="minor">
+            <a:schemeClr val="tx1"/>
+          </a:fontRef>
+        </p:style>
+      </p:cxnSp>
+      <p:sp>
+        <p:nvSpPr>
+          <p:cNvPr id="20" name="Oval 19">
+            <a:extLst>
+              <a:ext uri="{FF2B5EF4-FFF2-40B4-BE49-F238E27FC236}">
+                <a16:creationId xmlns:a16="http://schemas.microsoft.com/office/drawing/2014/main" id="{0B954F3C-1BB9-6575-AF37-B701C140BB8E}"/>
+              </a:ext>
+            </a:extLst>
+          </p:cNvPr>
+          <p:cNvSpPr/>
+          <p:nvPr/>
+        </p:nvSpPr>
+        <p:spPr>
+          <a:xfrm>
+            <a:off x="5868388" y="5195452"/>
+            <a:ext cx="316675" cy="306779"/>
+          </a:xfrm>
+          <a:prstGeom prst="ellipse">
+            <a:avLst/>
+          </a:prstGeom>
+          <a:solidFill>
+            <a:schemeClr val="accent2"/>
+          </a:solidFill>
+          <a:ln w="28575">
+            <a:solidFill>
+              <a:schemeClr val="tx1"/>
+            </a:solidFill>
+          </a:ln>
+        </p:spPr>
+        <p:style>
+          <a:lnRef idx="2">
+            <a:schemeClr val="accent1">
+              <a:shade val="15000"/>
+            </a:schemeClr>
+          </a:lnRef>
+          <a:fillRef idx="1">
+            <a:schemeClr val="accent1"/>
+          </a:fillRef>
+          <a:effectRef idx="0">
+            <a:schemeClr val="accent1"/>
+          </a:effectRef>
+          <a:fontRef idx="minor">
+            <a:schemeClr val="lt1"/>
+          </a:fontRef>
+        </p:style>
+        <p:txBody>
+          <a:bodyPr rtlCol="0" anchor="ctr"/>
+          <a:lstStyle/>
+          <a:p>
+            <a:pPr algn="ctr"/>
+            <a:endParaRPr lang="en-US" sz="1050" dirty="0"/>
+          </a:p>
+        </p:txBody>
+      </p:sp>
+      <p:sp>
+        <p:nvSpPr>
+          <p:cNvPr id="21" name="Arrow: Right 20">
+            <a:extLst>
+              <a:ext uri="{FF2B5EF4-FFF2-40B4-BE49-F238E27FC236}">
+                <a16:creationId xmlns:a16="http://schemas.microsoft.com/office/drawing/2014/main" id="{154355D1-64EC-1469-1DE3-BEEC86A5E789}"/>
+              </a:ext>
+            </a:extLst>
+          </p:cNvPr>
+          <p:cNvSpPr/>
+          <p:nvPr/>
+        </p:nvSpPr>
+        <p:spPr>
+          <a:xfrm>
+            <a:off x="7204363" y="5413168"/>
+            <a:ext cx="1187532" cy="108857"/>
+          </a:xfrm>
+          <a:prstGeom prst="rightArrow">
+            <a:avLst/>
+          </a:prstGeom>
+          <a:solidFill>
+            <a:schemeClr val="tx1">
+              <a:lumMod val="50000"/>
+              <a:lumOff val="50000"/>
+            </a:schemeClr>
+          </a:solidFill>
+          <a:ln>
+            <a:solidFill>
+              <a:schemeClr val="tx1">
+                <a:lumMod val="65000"/>
+                <a:lumOff val="35000"/>
+              </a:schemeClr>
+            </a:solidFill>
+          </a:ln>
+        </p:spPr>
+        <p:style>
+          <a:lnRef idx="2">
+            <a:schemeClr val="accent1">
+              <a:shade val="15000"/>
+            </a:schemeClr>
+          </a:lnRef>
+          <a:fillRef idx="1">
+            <a:schemeClr val="accent1"/>
+          </a:fillRef>
+          <a:effectRef idx="0">
+            <a:schemeClr val="accent1"/>
+          </a:effectRef>
+          <a:fontRef idx="minor">
+            <a:schemeClr val="lt1"/>
+          </a:fontRef>
+        </p:style>
+        <p:txBody>
+          <a:bodyPr rtlCol="0" anchor="ctr"/>
+          <a:lstStyle/>
+          <a:p>
+            <a:pPr algn="ctr"/>
+            <a:endParaRPr lang="en-US"/>
+          </a:p>
+        </p:txBody>
+      </p:sp>
+      <p:sp>
+        <p:nvSpPr>
+          <p:cNvPr id="22" name="TextBox 21">
+            <a:extLst>
+              <a:ext uri="{FF2B5EF4-FFF2-40B4-BE49-F238E27FC236}">
+                <a16:creationId xmlns:a16="http://schemas.microsoft.com/office/drawing/2014/main" id="{D0F6CB6F-6F2B-1E28-6A4C-3ED264CACD07}"/>
+              </a:ext>
+            </a:extLst>
+          </p:cNvPr>
+          <p:cNvSpPr txBox="1"/>
+          <p:nvPr/>
+        </p:nvSpPr>
+        <p:spPr>
+          <a:xfrm>
+            <a:off x="7689272" y="5160284"/>
+            <a:ext cx="880753" cy="369332"/>
+          </a:xfrm>
+          <a:prstGeom prst="rect">
+            <a:avLst/>
+          </a:prstGeom>
+          <a:noFill/>
+        </p:spPr>
+        <p:txBody>
+          <a:bodyPr rot="0" spcFirstLastPara="0" vertOverflow="overflow" horzOverflow="overflow" vert="horz" wrap="square" lIns="91440" tIns="45720" rIns="91440" bIns="45720" numCol="1" spcCol="0" rtlCol="0" fromWordArt="0" anchor="t" anchorCtr="0" forceAA="0" compatLnSpc="1">
+            <a:prstTxWarp prst="textNoShape">
+              <a:avLst/>
+            </a:prstTxWarp>
+            <a:spAutoFit/>
+          </a:bodyPr>
+          <a:lstStyle/>
+          <a:p>
+            <a:pPr algn="l"/>
+            <a:r>
+              <a:rPr lang="en-US" dirty="0"/>
+              <a:t>Pull</a:t>
+            </a:r>
+          </a:p>
+        </p:txBody>
+      </p:sp>
+      <p:sp>
+        <p:nvSpPr>
+          <p:cNvPr id="23" name="Oval 22">
+            <a:extLst>
+              <a:ext uri="{FF2B5EF4-FFF2-40B4-BE49-F238E27FC236}">
+                <a16:creationId xmlns:a16="http://schemas.microsoft.com/office/drawing/2014/main" id="{A73DF116-4849-E4EE-CDED-CEA42E01FD8D}"/>
+              </a:ext>
+            </a:extLst>
+          </p:cNvPr>
+          <p:cNvSpPr/>
+          <p:nvPr/>
+        </p:nvSpPr>
+        <p:spPr>
+          <a:xfrm>
+            <a:off x="8827322" y="5195452"/>
+            <a:ext cx="316675" cy="306779"/>
+          </a:xfrm>
+          <a:prstGeom prst="ellipse">
+            <a:avLst/>
+          </a:prstGeom>
+          <a:solidFill>
+            <a:schemeClr val="accent2"/>
+          </a:solidFill>
+          <a:ln w="28575">
+            <a:solidFill>
+              <a:schemeClr val="tx1"/>
+            </a:solidFill>
+          </a:ln>
+        </p:spPr>
+        <p:style>
+          <a:lnRef idx="2">
+            <a:schemeClr val="accent1">
+              <a:shade val="15000"/>
+            </a:schemeClr>
+          </a:lnRef>
+          <a:fillRef idx="1">
+            <a:schemeClr val="accent1"/>
+          </a:fillRef>
+          <a:effectRef idx="0">
+            <a:schemeClr val="accent1"/>
+          </a:effectRef>
+          <a:fontRef idx="minor">
+            <a:schemeClr val="lt1"/>
+          </a:fontRef>
+        </p:style>
+        <p:txBody>
+          <a:bodyPr rtlCol="0" anchor="ctr"/>
+          <a:lstStyle/>
+          <a:p>
+            <a:pPr algn="ctr"/>
+            <a:endParaRPr lang="en-US" sz="1050" dirty="0"/>
+          </a:p>
+        </p:txBody>
+      </p:sp>
+      <p:cxnSp>
+        <p:nvCxnSpPr>
+          <p:cNvPr id="24" name="Straight Arrow Connector 23">
+            <a:extLst>
+              <a:ext uri="{FF2B5EF4-FFF2-40B4-BE49-F238E27FC236}">
+                <a16:creationId xmlns:a16="http://schemas.microsoft.com/office/drawing/2014/main" id="{6343334C-D7E2-68CF-DDF0-1828EBF6B6C0}"/>
+              </a:ext>
+            </a:extLst>
+          </p:cNvPr>
+          <p:cNvCxnSpPr/>
+          <p:nvPr/>
+        </p:nvCxnSpPr>
+        <p:spPr>
+          <a:xfrm>
+            <a:off x="6067425" y="3400424"/>
+            <a:ext cx="914400" cy="914400"/>
+          </a:xfrm>
+          <a:prstGeom prst="straightConnector1">
+            <a:avLst/>
+          </a:prstGeom>
+        </p:spPr>
+        <p:style>
+          <a:lnRef idx="1">
+            <a:schemeClr val="accent1"/>
+          </a:lnRef>
+          <a:fillRef idx="0">
+            <a:schemeClr val="accent1"/>
+          </a:fillRef>
+          <a:effectRef idx="0">
+            <a:schemeClr val="accent1"/>
+          </a:effectRef>
+          <a:fontRef idx="minor">
+            <a:schemeClr val="tx1"/>
+          </a:fontRef>
+        </p:style>
+      </p:cxnSp>
+      <p:cxnSp>
+        <p:nvCxnSpPr>
+          <p:cNvPr id="25" name="Straight Arrow Connector 24">
+            <a:extLst>
+              <a:ext uri="{FF2B5EF4-FFF2-40B4-BE49-F238E27FC236}">
+                <a16:creationId xmlns:a16="http://schemas.microsoft.com/office/drawing/2014/main" id="{C57ED69A-FF80-2D3B-870D-A3B0B3F61E5A}"/>
+              </a:ext>
+            </a:extLst>
+          </p:cNvPr>
+          <p:cNvCxnSpPr/>
+          <p:nvPr/>
+        </p:nvCxnSpPr>
+        <p:spPr>
+          <a:xfrm>
+            <a:off x="8981209" y="4849585"/>
+            <a:ext cx="3959" cy="340426"/>
+          </a:xfrm>
+          <a:prstGeom prst="straightConnector1">
+            <a:avLst/>
+          </a:prstGeom>
+          <a:ln w="28575">
+            <a:solidFill>
+              <a:schemeClr val="tx1"/>
+            </a:solidFill>
+          </a:ln>
+        </p:spPr>
+        <p:style>
+          <a:lnRef idx="1">
+            <a:schemeClr val="accent1"/>
+          </a:lnRef>
+          <a:fillRef idx="0">
+            <a:schemeClr val="accent1"/>
+          </a:fillRef>
+          <a:effectRef idx="0">
+            <a:schemeClr val="accent1"/>
+          </a:effectRef>
+          <a:fontRef idx="minor">
+            <a:schemeClr val="tx1"/>
+          </a:fontRef>
+        </p:style>
+      </p:cxnSp>
+      <p:sp>
+        <p:nvSpPr>
+          <p:cNvPr id="26" name="Oval 25">
+            <a:extLst>
+              <a:ext uri="{FF2B5EF4-FFF2-40B4-BE49-F238E27FC236}">
+                <a16:creationId xmlns:a16="http://schemas.microsoft.com/office/drawing/2014/main" id="{BA2080D3-98D3-F41B-6BB8-F2CAE66D2367}"/>
+              </a:ext>
+            </a:extLst>
+          </p:cNvPr>
+          <p:cNvSpPr/>
+          <p:nvPr/>
+        </p:nvSpPr>
+        <p:spPr>
+          <a:xfrm>
+            <a:off x="8827322" y="4542308"/>
+            <a:ext cx="316675" cy="306779"/>
+          </a:xfrm>
+          <a:prstGeom prst="ellipse">
+            <a:avLst/>
+          </a:prstGeom>
+          <a:solidFill>
+            <a:schemeClr val="accent6"/>
+          </a:solidFill>
+          <a:ln w="28575">
+            <a:solidFill>
+              <a:schemeClr val="tx1"/>
+            </a:solidFill>
+          </a:ln>
+        </p:spPr>
+        <p:style>
+          <a:lnRef idx="2">
+            <a:schemeClr val="accent1">
+              <a:shade val="15000"/>
+            </a:schemeClr>
+          </a:lnRef>
+          <a:fillRef idx="1">
+            <a:schemeClr val="accent1"/>
+          </a:fillRef>
+          <a:effectRef idx="0">
+            <a:schemeClr val="accent1"/>
+          </a:effectRef>
+          <a:fontRef idx="minor">
+            <a:schemeClr val="lt1"/>
+          </a:fontRef>
+        </p:style>
+        <p:txBody>
+          <a:bodyPr rtlCol="0" anchor="ctr"/>
+          <a:lstStyle/>
+          <a:p>
+            <a:pPr algn="ctr"/>
+            <a:endParaRPr lang="en-US" sz="1050" dirty="0"/>
+          </a:p>
+        </p:txBody>
+      </p:sp>
+      <p:sp>
+        <p:nvSpPr>
+          <p:cNvPr id="27" name="Arrow: Right 26">
+            <a:extLst>
+              <a:ext uri="{FF2B5EF4-FFF2-40B4-BE49-F238E27FC236}">
+                <a16:creationId xmlns:a16="http://schemas.microsoft.com/office/drawing/2014/main" id="{4894C886-0EB1-1A38-9349-1F738A87BAEE}"/>
+              </a:ext>
+            </a:extLst>
+          </p:cNvPr>
+          <p:cNvSpPr/>
+          <p:nvPr/>
+        </p:nvSpPr>
+        <p:spPr>
+          <a:xfrm rot="10800000">
+            <a:off x="7204363" y="4641271"/>
+            <a:ext cx="1187532" cy="108857"/>
+          </a:xfrm>
+          <a:prstGeom prst="rightArrow">
+            <a:avLst/>
+          </a:prstGeom>
+          <a:solidFill>
+            <a:schemeClr val="tx1">
+              <a:lumMod val="50000"/>
+              <a:lumOff val="50000"/>
+            </a:schemeClr>
+          </a:solidFill>
+          <a:ln>
+            <a:solidFill>
+              <a:schemeClr val="tx1">
+                <a:lumMod val="65000"/>
+                <a:lumOff val="35000"/>
+              </a:schemeClr>
+            </a:solidFill>
+          </a:ln>
+        </p:spPr>
+        <p:style>
+          <a:lnRef idx="2">
+            <a:schemeClr val="accent1">
+              <a:shade val="15000"/>
+            </a:schemeClr>
+          </a:lnRef>
+          <a:fillRef idx="1">
+            <a:schemeClr val="accent1"/>
+          </a:fillRef>
+          <a:effectRef idx="0">
+            <a:schemeClr val="accent1"/>
+          </a:effectRef>
+          <a:fontRef idx="minor">
+            <a:schemeClr val="lt1"/>
+          </a:fontRef>
+        </p:style>
+        <p:txBody>
+          <a:bodyPr rtlCol="0" anchor="ctr"/>
+          <a:lstStyle/>
+          <a:p>
+            <a:pPr algn="ctr"/>
+            <a:endParaRPr lang="en-US"/>
+          </a:p>
+        </p:txBody>
+      </p:sp>
+      <p:cxnSp>
+        <p:nvCxnSpPr>
+          <p:cNvPr id="28" name="Straight Arrow Connector 27">
+            <a:extLst>
+              <a:ext uri="{FF2B5EF4-FFF2-40B4-BE49-F238E27FC236}">
+                <a16:creationId xmlns:a16="http://schemas.microsoft.com/office/drawing/2014/main" id="{19BCC02A-12F2-97E0-F4D5-BCC39D8558A5}"/>
+              </a:ext>
+            </a:extLst>
+          </p:cNvPr>
+          <p:cNvCxnSpPr>
+            <a:cxnSpLocks/>
+          </p:cNvCxnSpPr>
+          <p:nvPr/>
+        </p:nvCxnSpPr>
+        <p:spPr>
+          <a:xfrm>
+            <a:off x="6022274" y="4839689"/>
+            <a:ext cx="3959" cy="340426"/>
+          </a:xfrm>
+          <a:prstGeom prst="straightConnector1">
+            <a:avLst/>
+          </a:prstGeom>
+          <a:ln w="28575">
+            <a:solidFill>
+              <a:schemeClr val="tx1"/>
+            </a:solidFill>
+          </a:ln>
+        </p:spPr>
+        <p:style>
+          <a:lnRef idx="1">
+            <a:schemeClr val="accent1"/>
+          </a:lnRef>
+          <a:fillRef idx="0">
+            <a:schemeClr val="accent1"/>
+          </a:fillRef>
+          <a:effectRef idx="0">
+            <a:schemeClr val="accent1"/>
+          </a:effectRef>
+          <a:fontRef idx="minor">
+            <a:schemeClr val="tx1"/>
+          </a:fontRef>
+        </p:style>
+      </p:cxnSp>
+      <p:sp>
+        <p:nvSpPr>
+          <p:cNvPr id="29" name="Oval 28">
+            <a:extLst>
+              <a:ext uri="{FF2B5EF4-FFF2-40B4-BE49-F238E27FC236}">
+                <a16:creationId xmlns:a16="http://schemas.microsoft.com/office/drawing/2014/main" id="{45042CF6-C9A9-5B9D-0AC6-B64349082C96}"/>
+              </a:ext>
+            </a:extLst>
+          </p:cNvPr>
+          <p:cNvSpPr/>
+          <p:nvPr/>
+        </p:nvSpPr>
+        <p:spPr>
+          <a:xfrm>
+            <a:off x="5868387" y="4532412"/>
+            <a:ext cx="316675" cy="306779"/>
+          </a:xfrm>
+          <a:prstGeom prst="ellipse">
+            <a:avLst/>
+          </a:prstGeom>
+          <a:solidFill>
+            <a:schemeClr val="accent6"/>
+          </a:solidFill>
+          <a:ln w="28575">
+            <a:solidFill>
+              <a:schemeClr val="tx1"/>
+            </a:solidFill>
+          </a:ln>
+        </p:spPr>
+        <p:style>
+          <a:lnRef idx="2">
+            <a:schemeClr val="accent1">
+              <a:shade val="15000"/>
+            </a:schemeClr>
+          </a:lnRef>
+          <a:fillRef idx="1">
+            <a:schemeClr val="accent1"/>
+          </a:fillRef>
+          <a:effectRef idx="0">
+            <a:schemeClr val="accent1"/>
+          </a:effectRef>
+          <a:fontRef idx="minor">
+            <a:schemeClr val="lt1"/>
+          </a:fontRef>
+        </p:style>
+        <p:txBody>
+          <a:bodyPr rtlCol="0" anchor="ctr"/>
+          <a:lstStyle/>
+          <a:p>
+            <a:pPr algn="ctr"/>
+            <a:endParaRPr lang="en-US" sz="1050" dirty="0"/>
+          </a:p>
+        </p:txBody>
+      </p:sp>
+      <p:sp>
+        <p:nvSpPr>
+          <p:cNvPr id="34" name="TextBox 33">
+            <a:extLst>
+              <a:ext uri="{FF2B5EF4-FFF2-40B4-BE49-F238E27FC236}">
+                <a16:creationId xmlns:a16="http://schemas.microsoft.com/office/drawing/2014/main" id="{FED01DF6-C0BC-E1A5-2A37-337AAA5A4F71}"/>
+              </a:ext>
+            </a:extLst>
+          </p:cNvPr>
+          <p:cNvSpPr txBox="1"/>
+          <p:nvPr/>
+        </p:nvSpPr>
+        <p:spPr>
+          <a:xfrm>
+            <a:off x="7649688" y="4398285"/>
+            <a:ext cx="880753" cy="369332"/>
+          </a:xfrm>
+          <a:prstGeom prst="rect">
+            <a:avLst/>
+          </a:prstGeom>
+          <a:noFill/>
+        </p:spPr>
+        <p:txBody>
+          <a:bodyPr rot="0" spcFirstLastPara="0" vertOverflow="overflow" horzOverflow="overflow" vert="horz" wrap="square" lIns="91440" tIns="45720" rIns="91440" bIns="45720" numCol="1" spcCol="0" rtlCol="0" fromWordArt="0" anchor="t" anchorCtr="0" forceAA="0" compatLnSpc="1">
+            <a:prstTxWarp prst="textNoShape">
+              <a:avLst/>
+            </a:prstTxWarp>
+            <a:spAutoFit/>
+          </a:bodyPr>
+          <a:lstStyle/>
+          <a:p>
+            <a:pPr algn="l"/>
+            <a:r>
+              <a:rPr lang="en-US" dirty="0"/>
+              <a:t>Push</a:t>
+            </a:r>
+          </a:p>
+        </p:txBody>
+      </p:sp>
+      <p:cxnSp>
+        <p:nvCxnSpPr>
+          <p:cNvPr id="35" name="Straight Arrow Connector 34">
+            <a:extLst>
+              <a:ext uri="{FF2B5EF4-FFF2-40B4-BE49-F238E27FC236}">
+                <a16:creationId xmlns:a16="http://schemas.microsoft.com/office/drawing/2014/main" id="{8F390208-1651-034E-E50D-E004E6F9F9DF}"/>
+              </a:ext>
+            </a:extLst>
+          </p:cNvPr>
+          <p:cNvCxnSpPr>
+            <a:cxnSpLocks/>
+          </p:cNvCxnSpPr>
+          <p:nvPr/>
+        </p:nvCxnSpPr>
+        <p:spPr>
+          <a:xfrm>
+            <a:off x="8971312" y="4186546"/>
+            <a:ext cx="3959" cy="340426"/>
+          </a:xfrm>
+          <a:prstGeom prst="straightConnector1">
+            <a:avLst/>
+          </a:prstGeom>
+          <a:ln w="28575">
+            <a:solidFill>
+              <a:schemeClr val="tx1"/>
+            </a:solidFill>
+          </a:ln>
+        </p:spPr>
+        <p:style>
+          <a:lnRef idx="1">
+            <a:schemeClr val="accent1"/>
+          </a:lnRef>
+          <a:fillRef idx="0">
+            <a:schemeClr val="accent1"/>
+          </a:fillRef>
+          <a:effectRef idx="0">
+            <a:schemeClr val="accent1"/>
+          </a:effectRef>
+          <a:fontRef idx="minor">
+            <a:schemeClr val="tx1"/>
+          </a:fontRef>
+        </p:style>
+      </p:cxnSp>
+      <p:sp>
+        <p:nvSpPr>
+          <p:cNvPr id="36" name="Oval 35">
+            <a:extLst>
+              <a:ext uri="{FF2B5EF4-FFF2-40B4-BE49-F238E27FC236}">
+                <a16:creationId xmlns:a16="http://schemas.microsoft.com/office/drawing/2014/main" id="{FD25E7BD-4E5C-1051-3013-F7BB6C771EA6}"/>
+              </a:ext>
+            </a:extLst>
+          </p:cNvPr>
+          <p:cNvSpPr/>
+          <p:nvPr/>
+        </p:nvSpPr>
+        <p:spPr>
+          <a:xfrm>
+            <a:off x="8817426" y="3879269"/>
+            <a:ext cx="316675" cy="306779"/>
+          </a:xfrm>
+          <a:prstGeom prst="ellipse">
+            <a:avLst/>
+          </a:prstGeom>
+          <a:solidFill>
+            <a:schemeClr val="accent6"/>
+          </a:solidFill>
+          <a:ln w="28575">
+            <a:solidFill>
+              <a:schemeClr val="tx1"/>
+            </a:solidFill>
+          </a:ln>
+        </p:spPr>
+        <p:style>
+          <a:lnRef idx="2">
+            <a:schemeClr val="accent1">
+              <a:shade val="15000"/>
+            </a:schemeClr>
+          </a:lnRef>
+          <a:fillRef idx="1">
+            <a:schemeClr val="accent1"/>
+          </a:fillRef>
+          <a:effectRef idx="0">
+            <a:schemeClr val="accent1"/>
+          </a:effectRef>
+          <a:fontRef idx="minor">
+            <a:schemeClr val="lt1"/>
+          </a:fontRef>
+        </p:style>
+        <p:txBody>
+          <a:bodyPr rtlCol="0" anchor="ctr"/>
+          <a:lstStyle/>
+          <a:p>
+            <a:pPr algn="ctr"/>
+            <a:endParaRPr lang="en-US" sz="1050" dirty="0"/>
+          </a:p>
+        </p:txBody>
+      </p:sp>
+      <p:sp>
+        <p:nvSpPr>
+          <p:cNvPr id="37" name="Arrow: Right 36">
+            <a:extLst>
+              <a:ext uri="{FF2B5EF4-FFF2-40B4-BE49-F238E27FC236}">
+                <a16:creationId xmlns:a16="http://schemas.microsoft.com/office/drawing/2014/main" id="{77122E9F-3376-5334-D1AE-1C3D0C993A65}"/>
+              </a:ext>
+            </a:extLst>
+          </p:cNvPr>
+          <p:cNvSpPr/>
+          <p:nvPr/>
+        </p:nvSpPr>
+        <p:spPr>
+          <a:xfrm rot="10800000">
+            <a:off x="7204363" y="3998024"/>
+            <a:ext cx="1187532" cy="108857"/>
+          </a:xfrm>
+          <a:prstGeom prst="rightArrow">
+            <a:avLst/>
+          </a:prstGeom>
+          <a:solidFill>
+            <a:schemeClr val="tx1">
+              <a:lumMod val="50000"/>
+              <a:lumOff val="50000"/>
+            </a:schemeClr>
+          </a:solidFill>
+          <a:ln>
+            <a:solidFill>
+              <a:schemeClr val="tx1">
+                <a:lumMod val="65000"/>
+                <a:lumOff val="35000"/>
+              </a:schemeClr>
+            </a:solidFill>
+          </a:ln>
+        </p:spPr>
+        <p:style>
+          <a:lnRef idx="2">
+            <a:schemeClr val="accent1">
+              <a:shade val="15000"/>
+            </a:schemeClr>
+          </a:lnRef>
+          <a:fillRef idx="1">
+            <a:schemeClr val="accent1"/>
+          </a:fillRef>
+          <a:effectRef idx="0">
+            <a:schemeClr val="accent1"/>
+          </a:effectRef>
+          <a:fontRef idx="minor">
+            <a:schemeClr val="lt1"/>
+          </a:fontRef>
+        </p:style>
+        <p:txBody>
+          <a:bodyPr rtlCol="0" anchor="ctr"/>
+          <a:lstStyle/>
+          <a:p>
+            <a:pPr algn="ctr"/>
+            <a:endParaRPr lang="en-US"/>
+          </a:p>
+        </p:txBody>
+      </p:sp>
+      <p:sp>
+        <p:nvSpPr>
+          <p:cNvPr id="38" name="TextBox 37">
+            <a:extLst>
+              <a:ext uri="{FF2B5EF4-FFF2-40B4-BE49-F238E27FC236}">
+                <a16:creationId xmlns:a16="http://schemas.microsoft.com/office/drawing/2014/main" id="{9B2A9283-F6AB-EDB0-6F62-F73BCAF586AF}"/>
+              </a:ext>
+            </a:extLst>
+          </p:cNvPr>
+          <p:cNvSpPr txBox="1"/>
+          <p:nvPr/>
+        </p:nvSpPr>
+        <p:spPr>
+          <a:xfrm>
+            <a:off x="7649688" y="3755038"/>
+            <a:ext cx="880753" cy="369332"/>
+          </a:xfrm>
+          <a:prstGeom prst="rect">
+            <a:avLst/>
+          </a:prstGeom>
+          <a:noFill/>
+        </p:spPr>
+        <p:txBody>
+          <a:bodyPr rot="0" spcFirstLastPara="0" vertOverflow="overflow" horzOverflow="overflow" vert="horz" wrap="square" lIns="91440" tIns="45720" rIns="91440" bIns="45720" numCol="1" spcCol="0" rtlCol="0" fromWordArt="0" anchor="t" anchorCtr="0" forceAA="0" compatLnSpc="1">
+            <a:prstTxWarp prst="textNoShape">
+              <a:avLst/>
+            </a:prstTxWarp>
+            <a:spAutoFit/>
+          </a:bodyPr>
+          <a:lstStyle/>
+          <a:p>
+            <a:pPr algn="l"/>
+            <a:r>
+              <a:rPr lang="en-US" dirty="0"/>
+              <a:t>Push</a:t>
+            </a:r>
+          </a:p>
+        </p:txBody>
+      </p:sp>
+      <p:cxnSp>
+        <p:nvCxnSpPr>
+          <p:cNvPr id="39" name="Straight Arrow Connector 38">
+            <a:extLst>
+              <a:ext uri="{FF2B5EF4-FFF2-40B4-BE49-F238E27FC236}">
+                <a16:creationId xmlns:a16="http://schemas.microsoft.com/office/drawing/2014/main" id="{31C12884-DFCE-2F32-D534-20047C489633}"/>
+              </a:ext>
+            </a:extLst>
+          </p:cNvPr>
+          <p:cNvCxnSpPr>
+            <a:cxnSpLocks/>
+          </p:cNvCxnSpPr>
+          <p:nvPr/>
+        </p:nvCxnSpPr>
+        <p:spPr>
+          <a:xfrm>
+            <a:off x="6022273" y="4206338"/>
+            <a:ext cx="3959" cy="340426"/>
+          </a:xfrm>
+          <a:prstGeom prst="straightConnector1">
+            <a:avLst/>
+          </a:prstGeom>
+          <a:ln w="28575">
+            <a:solidFill>
+              <a:schemeClr val="tx1"/>
+            </a:solidFill>
+          </a:ln>
+        </p:spPr>
+        <p:style>
+          <a:lnRef idx="1">
+            <a:schemeClr val="accent1"/>
+          </a:lnRef>
+          <a:fillRef idx="0">
+            <a:schemeClr val="accent1"/>
+          </a:fillRef>
+          <a:effectRef idx="0">
+            <a:schemeClr val="accent1"/>
+          </a:effectRef>
+          <a:fontRef idx="minor">
+            <a:schemeClr val="tx1"/>
+          </a:fontRef>
+        </p:style>
+      </p:cxnSp>
+      <p:sp>
+        <p:nvSpPr>
+          <p:cNvPr id="40" name="Oval 39">
+            <a:extLst>
+              <a:ext uri="{FF2B5EF4-FFF2-40B4-BE49-F238E27FC236}">
+                <a16:creationId xmlns:a16="http://schemas.microsoft.com/office/drawing/2014/main" id="{7BFA9C6D-1C90-709B-5955-D9A08C88C2CC}"/>
+              </a:ext>
+            </a:extLst>
+          </p:cNvPr>
+          <p:cNvSpPr/>
+          <p:nvPr/>
+        </p:nvSpPr>
+        <p:spPr>
+          <a:xfrm>
+            <a:off x="5868387" y="3899061"/>
+            <a:ext cx="316675" cy="306779"/>
+          </a:xfrm>
+          <a:prstGeom prst="ellipse">
+            <a:avLst/>
+          </a:prstGeom>
+          <a:solidFill>
+            <a:schemeClr val="accent6"/>
+          </a:solidFill>
+          <a:ln w="28575">
+            <a:solidFill>
+              <a:schemeClr val="tx1"/>
+            </a:solidFill>
+          </a:ln>
+        </p:spPr>
+        <p:style>
+          <a:lnRef idx="2">
+            <a:schemeClr val="accent1">
+              <a:shade val="15000"/>
+            </a:schemeClr>
+          </a:lnRef>
+          <a:fillRef idx="1">
+            <a:schemeClr val="accent1"/>
+          </a:fillRef>
+          <a:effectRef idx="0">
+            <a:schemeClr val="accent1"/>
+          </a:effectRef>
+          <a:fontRef idx="minor">
+            <a:schemeClr val="lt1"/>
+          </a:fontRef>
+        </p:style>
+        <p:txBody>
+          <a:bodyPr rtlCol="0" anchor="ctr"/>
+          <a:lstStyle/>
+          <a:p>
+            <a:pPr algn="ctr"/>
+            <a:endParaRPr lang="en-US" sz="1050" dirty="0"/>
+          </a:p>
+        </p:txBody>
+      </p:sp>
+      <p:cxnSp>
+        <p:nvCxnSpPr>
+          <p:cNvPr id="41" name="Straight Arrow Connector 40">
+            <a:extLst>
+              <a:ext uri="{FF2B5EF4-FFF2-40B4-BE49-F238E27FC236}">
+                <a16:creationId xmlns:a16="http://schemas.microsoft.com/office/drawing/2014/main" id="{EF5F47B2-9314-690E-8A47-604564D7660D}"/>
+              </a:ext>
+            </a:extLst>
+          </p:cNvPr>
+          <p:cNvCxnSpPr>
+            <a:cxnSpLocks/>
+          </p:cNvCxnSpPr>
+          <p:nvPr/>
+        </p:nvCxnSpPr>
+        <p:spPr>
+          <a:xfrm flipH="1">
+            <a:off x="3047505" y="4206338"/>
+            <a:ext cx="15833" cy="993569"/>
+          </a:xfrm>
+          <a:prstGeom prst="straightConnector1">
+            <a:avLst/>
+          </a:prstGeom>
+          <a:ln w="28575">
+            <a:solidFill>
+              <a:schemeClr val="tx1"/>
+            </a:solidFill>
+          </a:ln>
+        </p:spPr>
+        <p:style>
+          <a:lnRef idx="1">
+            <a:schemeClr val="accent1"/>
+          </a:lnRef>
+          <a:fillRef idx="0">
+            <a:schemeClr val="accent1"/>
+          </a:fillRef>
+          <a:effectRef idx="0">
+            <a:schemeClr val="accent1"/>
+          </a:effectRef>
+          <a:fontRef idx="minor">
+            <a:schemeClr val="tx1"/>
+          </a:fontRef>
+        </p:style>
+      </p:cxnSp>
+      <p:sp>
+        <p:nvSpPr>
+          <p:cNvPr id="42" name="Arrow: Right 41">
+            <a:extLst>
+              <a:ext uri="{FF2B5EF4-FFF2-40B4-BE49-F238E27FC236}">
+                <a16:creationId xmlns:a16="http://schemas.microsoft.com/office/drawing/2014/main" id="{F5C0086B-119F-9CD0-C7DE-457C48BB8CF5}"/>
+              </a:ext>
+            </a:extLst>
+          </p:cNvPr>
+          <p:cNvSpPr/>
+          <p:nvPr/>
+        </p:nvSpPr>
+        <p:spPr>
+          <a:xfrm rot="10800000">
+            <a:off x="3572492" y="4007920"/>
+            <a:ext cx="1187532" cy="108857"/>
+          </a:xfrm>
+          <a:prstGeom prst="rightArrow">
+            <a:avLst/>
+          </a:prstGeom>
+          <a:solidFill>
+            <a:schemeClr val="tx1">
+              <a:lumMod val="50000"/>
+              <a:lumOff val="50000"/>
+            </a:schemeClr>
+          </a:solidFill>
+          <a:ln>
+            <a:solidFill>
+              <a:schemeClr val="tx1">
+                <a:lumMod val="65000"/>
+                <a:lumOff val="35000"/>
+              </a:schemeClr>
+            </a:solidFill>
+          </a:ln>
+        </p:spPr>
+        <p:style>
+          <a:lnRef idx="2">
+            <a:schemeClr val="accent1">
+              <a:shade val="15000"/>
+            </a:schemeClr>
+          </a:lnRef>
+          <a:fillRef idx="1">
+            <a:schemeClr val="accent1"/>
+          </a:fillRef>
+          <a:effectRef idx="0">
+            <a:schemeClr val="accent1"/>
+          </a:effectRef>
+          <a:fontRef idx="minor">
+            <a:schemeClr val="lt1"/>
+          </a:fontRef>
+        </p:style>
+        <p:txBody>
+          <a:bodyPr rtlCol="0" anchor="ctr"/>
+          <a:lstStyle/>
+          <a:p>
+            <a:pPr algn="ctr"/>
+            <a:endParaRPr lang="en-US"/>
+          </a:p>
+        </p:txBody>
+      </p:sp>
+      <p:sp>
+        <p:nvSpPr>
+          <p:cNvPr id="43" name="TextBox 42">
+            <a:extLst>
+              <a:ext uri="{FF2B5EF4-FFF2-40B4-BE49-F238E27FC236}">
+                <a16:creationId xmlns:a16="http://schemas.microsoft.com/office/drawing/2014/main" id="{47658C52-1584-DACC-3C91-50552932B76F}"/>
+              </a:ext>
+            </a:extLst>
+          </p:cNvPr>
+          <p:cNvSpPr txBox="1"/>
+          <p:nvPr/>
+        </p:nvSpPr>
+        <p:spPr>
+          <a:xfrm>
             <a:off x="3681349" y="3766760"/>
             <a:ext cx="880753" cy="369332"/>
           </a:xfrm>
@@ -46205,7 +46329,7 @@
 </p:sld>
 </file>
 
-<file path=ppt/slides/slide43.xml><?xml version="1.0" encoding="utf-8"?>
+<file path=ppt/slides/slide44.xml><?xml version="1.0" encoding="utf-8"?>
 <p:sld xmlns:a="http://schemas.openxmlformats.org/drawingml/2006/main" xmlns:r="http://schemas.openxmlformats.org/officeDocument/2006/relationships" xmlns:p="http://schemas.openxmlformats.org/presentationml/2006/main">
   <p:cSld>
     <p:spTree>
@@ -46388,7 +46512,7 @@
 </p:sld>
 </file>
 
-<file path=ppt/slides/slide44.xml><?xml version="1.0" encoding="utf-8"?>
+<file path=ppt/slides/slide45.xml><?xml version="1.0" encoding="utf-8"?>
 <p:sld xmlns:a="http://schemas.openxmlformats.org/drawingml/2006/main" xmlns:r="http://schemas.openxmlformats.org/officeDocument/2006/relationships" xmlns:p="http://schemas.openxmlformats.org/presentationml/2006/main">
   <p:cSld>
     <p:spTree>
@@ -46496,7 +46620,7 @@
             <a:fld id="{A49DFD55-3C28-40EF-9E31-A92D2E4017FF}" type="slidenum">
               <a:rPr lang="en-US" smtClean="0"/>
               <a:pPr/>
-              <a:t>44</a:t>
+              <a:t>45</a:t>
             </a:fld>
             <a:endParaRPr lang="en-US" dirty="0"/>
           </a:p>
@@ -46624,163 +46748,6 @@
     <p:extLst>
       <p:ext uri="{BB962C8B-B14F-4D97-AF65-F5344CB8AC3E}">
         <p14:creationId xmlns:p14="http://schemas.microsoft.com/office/powerpoint/2010/main" val="252811515"/>
-      </p:ext>
-    </p:extLst>
-  </p:cSld>
-  <p:clrMapOvr>
-    <a:masterClrMapping/>
-  </p:clrMapOvr>
-</p:sld>
-</file>
-
-<file path=ppt/slides/slide45.xml><?xml version="1.0" encoding="utf-8"?>
-<p:sld xmlns:a="http://schemas.openxmlformats.org/drawingml/2006/main" xmlns:r="http://schemas.openxmlformats.org/officeDocument/2006/relationships" xmlns:p="http://schemas.openxmlformats.org/presentationml/2006/main">
-  <p:cSld>
-    <p:spTree>
-      <p:nvGrpSpPr>
-        <p:cNvPr id="1" name=""/>
-        <p:cNvGrpSpPr/>
-        <p:nvPr/>
-      </p:nvGrpSpPr>
-      <p:grpSpPr>
-        <a:xfrm>
-          <a:off x="0" y="0"/>
-          <a:ext cx="0" cy="0"/>
-          <a:chOff x="0" y="0"/>
-          <a:chExt cx="0" cy="0"/>
-        </a:xfrm>
-      </p:grpSpPr>
-      <p:sp>
-        <p:nvSpPr>
-          <p:cNvPr id="2" name="Title 1">
-            <a:extLst>
-              <a:ext uri="{FF2B5EF4-FFF2-40B4-BE49-F238E27FC236}">
-                <a16:creationId xmlns:a16="http://schemas.microsoft.com/office/drawing/2014/main" id="{34F8AD4F-FDC9-C61C-0944-6E1E5EB5A8EF}"/>
-              </a:ext>
-            </a:extLst>
-          </p:cNvPr>
-          <p:cNvSpPr>
-            <a:spLocks noGrp="1"/>
-          </p:cNvSpPr>
-          <p:nvPr>
-            <p:ph type="title"/>
-          </p:nvPr>
-        </p:nvSpPr>
-        <p:spPr/>
-        <p:txBody>
-          <a:bodyPr/>
-          <a:lstStyle/>
-          <a:p>
-            <a:r>
-              <a:rPr lang="en-US" dirty="0"/>
-              <a:t>Collaborate</a:t>
-            </a:r>
-          </a:p>
-        </p:txBody>
-      </p:sp>
-      <p:sp>
-        <p:nvSpPr>
-          <p:cNvPr id="3" name="Content Placeholder 2">
-            <a:extLst>
-              <a:ext uri="{FF2B5EF4-FFF2-40B4-BE49-F238E27FC236}">
-                <a16:creationId xmlns:a16="http://schemas.microsoft.com/office/drawing/2014/main" id="{8855B9C7-CF46-89C4-2348-DEFE37EBFF24}"/>
-              </a:ext>
-            </a:extLst>
-          </p:cNvPr>
-          <p:cNvSpPr>
-            <a:spLocks noGrp="1"/>
-          </p:cNvSpPr>
-          <p:nvPr>
-            <p:ph sz="half" idx="2"/>
-          </p:nvPr>
-        </p:nvSpPr>
-        <p:spPr/>
-        <p:txBody>
-          <a:bodyPr/>
-          <a:lstStyle/>
-          <a:p>
-            <a:pPr marL="285750" indent="-285750">
-              <a:buFont typeface="Arial" panose="020B0604020202020204" pitchFamily="34" charset="0"/>
-              <a:buChar char="•"/>
-            </a:pPr>
-            <a:r>
-              <a:rPr lang="en-US" b="0" dirty="0"/>
-              <a:t>Follow the 3_collaborate.md file in the Practice folder</a:t>
-            </a:r>
-          </a:p>
-          <a:p>
-            <a:pPr marL="285750" indent="-285750">
-              <a:buFont typeface="Arial" panose="020B0604020202020204" pitchFamily="34" charset="0"/>
-              <a:buChar char="•"/>
-            </a:pPr>
-            <a:r>
-              <a:rPr lang="en-US" b="0" dirty="0"/>
-              <a:t>Add a collaborator to your repository </a:t>
-            </a:r>
-          </a:p>
-          <a:p>
-            <a:pPr marL="285750" indent="-285750">
-              <a:buFont typeface="Arial" panose="020B0604020202020204" pitchFamily="34" charset="0"/>
-              <a:buChar char="•"/>
-            </a:pPr>
-            <a:r>
-              <a:rPr lang="en-US" b="0" dirty="0"/>
-              <a:t>Make conflicting edits</a:t>
-            </a:r>
-          </a:p>
-          <a:p>
-            <a:pPr marL="285750" indent="-285750">
-              <a:buFont typeface="Arial" panose="020B0604020202020204" pitchFamily="34" charset="0"/>
-              <a:buChar char="•"/>
-            </a:pPr>
-            <a:r>
-              <a:rPr lang="en-US" b="0" dirty="0"/>
-              <a:t>Resolve conflicts </a:t>
-            </a:r>
-          </a:p>
-          <a:p>
-            <a:pPr marL="285750" indent="-285750">
-              <a:buFont typeface="Arial" panose="020B0604020202020204" pitchFamily="34" charset="0"/>
-              <a:buChar char="•"/>
-            </a:pPr>
-            <a:endParaRPr lang="en-US" b="0" dirty="0"/>
-          </a:p>
-        </p:txBody>
-      </p:sp>
-      <p:sp>
-        <p:nvSpPr>
-          <p:cNvPr id="4" name="Slide Number Placeholder 3">
-            <a:extLst>
-              <a:ext uri="{FF2B5EF4-FFF2-40B4-BE49-F238E27FC236}">
-                <a16:creationId xmlns:a16="http://schemas.microsoft.com/office/drawing/2014/main" id="{F5646221-298C-9C94-2F08-63C04A209938}"/>
-              </a:ext>
-            </a:extLst>
-          </p:cNvPr>
-          <p:cNvSpPr>
-            <a:spLocks noGrp="1"/>
-          </p:cNvSpPr>
-          <p:nvPr>
-            <p:ph type="sldNum" sz="quarter" idx="12"/>
-          </p:nvPr>
-        </p:nvSpPr>
-        <p:spPr/>
-        <p:txBody>
-          <a:bodyPr/>
-          <a:lstStyle/>
-          <a:p>
-            <a:fld id="{A49DFD55-3C28-40EF-9E31-A92D2E4017FF}" type="slidenum">
-              <a:rPr lang="en-US" smtClean="0"/>
-              <a:pPr/>
-              <a:t>45</a:t>
-            </a:fld>
-            <a:endParaRPr lang="en-US" dirty="0"/>
-          </a:p>
-        </p:txBody>
-      </p:sp>
-    </p:spTree>
-    <p:extLst>
-      <p:ext uri="{BB962C8B-B14F-4D97-AF65-F5344CB8AC3E}">
-        <p14:creationId xmlns:p14="http://schemas.microsoft.com/office/powerpoint/2010/main" val="3364195716"/>
       </p:ext>
     </p:extLst>
   </p:cSld>
@@ -46812,6 +46779,163 @@
           <p:cNvPr id="2" name="Title 1">
             <a:extLst>
               <a:ext uri="{FF2B5EF4-FFF2-40B4-BE49-F238E27FC236}">
+                <a16:creationId xmlns:a16="http://schemas.microsoft.com/office/drawing/2014/main" id="{34F8AD4F-FDC9-C61C-0944-6E1E5EB5A8EF}"/>
+              </a:ext>
+            </a:extLst>
+          </p:cNvPr>
+          <p:cNvSpPr>
+            <a:spLocks noGrp="1"/>
+          </p:cNvSpPr>
+          <p:nvPr>
+            <p:ph type="title"/>
+          </p:nvPr>
+        </p:nvSpPr>
+        <p:spPr/>
+        <p:txBody>
+          <a:bodyPr/>
+          <a:lstStyle/>
+          <a:p>
+            <a:r>
+              <a:rPr lang="en-US" dirty="0"/>
+              <a:t>Collaborate</a:t>
+            </a:r>
+          </a:p>
+        </p:txBody>
+      </p:sp>
+      <p:sp>
+        <p:nvSpPr>
+          <p:cNvPr id="3" name="Content Placeholder 2">
+            <a:extLst>
+              <a:ext uri="{FF2B5EF4-FFF2-40B4-BE49-F238E27FC236}">
+                <a16:creationId xmlns:a16="http://schemas.microsoft.com/office/drawing/2014/main" id="{8855B9C7-CF46-89C4-2348-DEFE37EBFF24}"/>
+              </a:ext>
+            </a:extLst>
+          </p:cNvPr>
+          <p:cNvSpPr>
+            <a:spLocks noGrp="1"/>
+          </p:cNvSpPr>
+          <p:nvPr>
+            <p:ph sz="half" idx="2"/>
+          </p:nvPr>
+        </p:nvSpPr>
+        <p:spPr/>
+        <p:txBody>
+          <a:bodyPr/>
+          <a:lstStyle/>
+          <a:p>
+            <a:pPr marL="285750" indent="-285750">
+              <a:buFont typeface="Arial" panose="020B0604020202020204" pitchFamily="34" charset="0"/>
+              <a:buChar char="•"/>
+            </a:pPr>
+            <a:r>
+              <a:rPr lang="en-US" b="0" dirty="0"/>
+              <a:t>Follow the 3_collaborate.md file in the Practice folder</a:t>
+            </a:r>
+          </a:p>
+          <a:p>
+            <a:pPr marL="285750" indent="-285750">
+              <a:buFont typeface="Arial" panose="020B0604020202020204" pitchFamily="34" charset="0"/>
+              <a:buChar char="•"/>
+            </a:pPr>
+            <a:r>
+              <a:rPr lang="en-US" b="0" dirty="0"/>
+              <a:t>Add a collaborator to your repository </a:t>
+            </a:r>
+          </a:p>
+          <a:p>
+            <a:pPr marL="285750" indent="-285750">
+              <a:buFont typeface="Arial" panose="020B0604020202020204" pitchFamily="34" charset="0"/>
+              <a:buChar char="•"/>
+            </a:pPr>
+            <a:r>
+              <a:rPr lang="en-US" b="0" dirty="0"/>
+              <a:t>Make conflicting edits</a:t>
+            </a:r>
+          </a:p>
+          <a:p>
+            <a:pPr marL="285750" indent="-285750">
+              <a:buFont typeface="Arial" panose="020B0604020202020204" pitchFamily="34" charset="0"/>
+              <a:buChar char="•"/>
+            </a:pPr>
+            <a:r>
+              <a:rPr lang="en-US" b="0" dirty="0"/>
+              <a:t>Resolve conflicts </a:t>
+            </a:r>
+          </a:p>
+          <a:p>
+            <a:pPr marL="285750" indent="-285750">
+              <a:buFont typeface="Arial" panose="020B0604020202020204" pitchFamily="34" charset="0"/>
+              <a:buChar char="•"/>
+            </a:pPr>
+            <a:endParaRPr lang="en-US" b="0" dirty="0"/>
+          </a:p>
+        </p:txBody>
+      </p:sp>
+      <p:sp>
+        <p:nvSpPr>
+          <p:cNvPr id="4" name="Slide Number Placeholder 3">
+            <a:extLst>
+              <a:ext uri="{FF2B5EF4-FFF2-40B4-BE49-F238E27FC236}">
+                <a16:creationId xmlns:a16="http://schemas.microsoft.com/office/drawing/2014/main" id="{F5646221-298C-9C94-2F08-63C04A209938}"/>
+              </a:ext>
+            </a:extLst>
+          </p:cNvPr>
+          <p:cNvSpPr>
+            <a:spLocks noGrp="1"/>
+          </p:cNvSpPr>
+          <p:nvPr>
+            <p:ph type="sldNum" sz="quarter" idx="12"/>
+          </p:nvPr>
+        </p:nvSpPr>
+        <p:spPr/>
+        <p:txBody>
+          <a:bodyPr/>
+          <a:lstStyle/>
+          <a:p>
+            <a:fld id="{A49DFD55-3C28-40EF-9E31-A92D2E4017FF}" type="slidenum">
+              <a:rPr lang="en-US" smtClean="0"/>
+              <a:pPr/>
+              <a:t>46</a:t>
+            </a:fld>
+            <a:endParaRPr lang="en-US" dirty="0"/>
+          </a:p>
+        </p:txBody>
+      </p:sp>
+    </p:spTree>
+    <p:extLst>
+      <p:ext uri="{BB962C8B-B14F-4D97-AF65-F5344CB8AC3E}">
+        <p14:creationId xmlns:p14="http://schemas.microsoft.com/office/powerpoint/2010/main" val="3364195716"/>
+      </p:ext>
+    </p:extLst>
+  </p:cSld>
+  <p:clrMapOvr>
+    <a:masterClrMapping/>
+  </p:clrMapOvr>
+</p:sld>
+</file>
+
+<file path=ppt/slides/slide47.xml><?xml version="1.0" encoding="utf-8"?>
+<p:sld xmlns:a="http://schemas.openxmlformats.org/drawingml/2006/main" xmlns:r="http://schemas.openxmlformats.org/officeDocument/2006/relationships" xmlns:p="http://schemas.openxmlformats.org/presentationml/2006/main">
+  <p:cSld>
+    <p:spTree>
+      <p:nvGrpSpPr>
+        <p:cNvPr id="1" name=""/>
+        <p:cNvGrpSpPr/>
+        <p:nvPr/>
+      </p:nvGrpSpPr>
+      <p:grpSpPr>
+        <a:xfrm>
+          <a:off x="0" y="0"/>
+          <a:ext cx="0" cy="0"/>
+          <a:chOff x="0" y="0"/>
+          <a:chExt cx="0" cy="0"/>
+        </a:xfrm>
+      </p:grpSpPr>
+      <p:sp>
+        <p:nvSpPr>
+          <p:cNvPr id="2" name="Title 1">
+            <a:extLst>
+              <a:ext uri="{FF2B5EF4-FFF2-40B4-BE49-F238E27FC236}">
                 <a16:creationId xmlns:a16="http://schemas.microsoft.com/office/drawing/2014/main" id="{566C97BE-403B-122E-90D1-2788978A0B6F}"/>
               </a:ext>
             </a:extLst>
@@ -46853,7 +46977,7 @@
 </p:sld>
 </file>
 
-<file path=ppt/slides/slide47.xml><?xml version="1.0" encoding="utf-8"?>
+<file path=ppt/slides/slide48.xml><?xml version="1.0" encoding="utf-8"?>
 <p:sld xmlns:a="http://schemas.openxmlformats.org/drawingml/2006/main" xmlns:r="http://schemas.openxmlformats.org/officeDocument/2006/relationships" xmlns:p="http://schemas.openxmlformats.org/presentationml/2006/main">
   <p:cSld>
     <p:spTree>
@@ -47121,7 +47245,7 @@
                 </a:solidFill>
                 <a:latin typeface="Tenorite"/>
               </a:rPr>
-              <a:t>47</a:t>
+              <a:t>48</a:t>
             </a:fld>
             <a:endParaRPr lang="en-US" sz="900" b="0" strike="noStrike" spc="-1">
               <a:latin typeface="Times New Roman"/>
@@ -47137,7 +47261,7 @@
 </p:sld>
 </file>
 
-<file path=ppt/slides/slide48.xml><?xml version="1.0" encoding="utf-8"?>
+<file path=ppt/slides/slide49.xml><?xml version="1.0" encoding="utf-8"?>
 <p:sld xmlns:a="http://schemas.openxmlformats.org/drawingml/2006/main" xmlns:r="http://schemas.openxmlformats.org/officeDocument/2006/relationships" xmlns:p="http://schemas.openxmlformats.org/presentationml/2006/main">
   <p:cSld>
     <p:spTree>
@@ -47393,7 +47517,7 @@
                 </a:solidFill>
                 <a:latin typeface="Tenorite"/>
               </a:rPr>
-              <a:t>48</a:t>
+              <a:t>49</a:t>
             </a:fld>
             <a:endParaRPr lang="en-US" sz="900" b="0" strike="noStrike" spc="-1">
               <a:latin typeface="Times New Roman"/>

--- a/Day_1.pptx
+++ b/Day_1.pptx
@@ -576,7 +576,7 @@
         <p:spPr>
           <a:xfrm>
             <a:off x="685800" y="1143000"/>
-            <a:ext cx="5486040" cy="3085920"/>
+            <a:ext cx="5486400" cy="3086100"/>
           </a:xfrm>
           <a:prstGeom prst="rect">
             <a:avLst/>
@@ -16505,7 +16505,7 @@
         <p:spPr>
           <a:xfrm>
             <a:off x="9296280" y="5457600"/>
-            <a:ext cx="2742840" cy="639720"/>
+            <a:ext cx="2742840" cy="646331"/>
           </a:xfrm>
           <a:prstGeom prst="rect">
             <a:avLst/>
@@ -16540,7 +16540,7 @@
               <a:buNone/>
             </a:pPr>
             <a:r>
-              <a:rPr lang="en-US" sz="1800" b="0" strike="noStrike" spc="-1">
+              <a:rPr lang="en-US" sz="1800" b="0" strike="noStrike" spc="-1" dirty="0">
                 <a:solidFill>
                   <a:srgbClr val="000000"/>
                 </a:solidFill>
@@ -16548,7 +16548,7 @@
               </a:rPr>
               <a:t>Cassandra Hui</a:t>
             </a:r>
-            <a:endParaRPr lang="en-US" sz="1800" b="0" strike="noStrike" spc="-1">
+            <a:endParaRPr lang="en-US" sz="1800" b="0" strike="noStrike" spc="-1" dirty="0">
               <a:latin typeface="Arial"/>
             </a:endParaRPr>
           </a:p>
@@ -16560,15 +16560,24 @@
               <a:buNone/>
             </a:pPr>
             <a:r>
-              <a:rPr lang="en-US" sz="1800" b="0" strike="noStrike" spc="-1">
+              <a:rPr lang="en-US" spc="-1" dirty="0">
                 <a:solidFill>
                   <a:srgbClr val="000000"/>
                 </a:solidFill>
                 <a:latin typeface="Tenorite"/>
               </a:rPr>
-              <a:t>18 November 2024</a:t>
+              <a:t>25</a:t>
             </a:r>
-            <a:endParaRPr lang="en-US" sz="1800" b="0" strike="noStrike" spc="-1">
+            <a:r>
+              <a:rPr lang="en-US" sz="1800" b="0" strike="noStrike" spc="-1" dirty="0">
+                <a:solidFill>
+                  <a:srgbClr val="000000"/>
+                </a:solidFill>
+                <a:latin typeface="Tenorite"/>
+              </a:rPr>
+              <a:t> November 2024</a:t>
+            </a:r>
+            <a:endParaRPr lang="en-US" sz="1800" b="0" strike="noStrike" spc="-1" dirty="0">
               <a:latin typeface="Arial"/>
             </a:endParaRPr>
           </a:p>

--- a/Day_1.pptx
+++ b/Day_1.pptx
@@ -16,11 +16,11 @@
     <p:sldId id="258" r:id="rId7"/>
     <p:sldId id="320" r:id="rId8"/>
     <p:sldId id="259" r:id="rId9"/>
-    <p:sldId id="321" r:id="rId10"/>
-    <p:sldId id="322" r:id="rId11"/>
-    <p:sldId id="323" r:id="rId12"/>
-    <p:sldId id="324" r:id="rId13"/>
-    <p:sldId id="325" r:id="rId14"/>
+    <p:sldId id="341" r:id="rId10"/>
+    <p:sldId id="342" r:id="rId11"/>
+    <p:sldId id="343" r:id="rId12"/>
+    <p:sldId id="344" r:id="rId13"/>
+    <p:sldId id="345" r:id="rId14"/>
     <p:sldId id="260" r:id="rId15"/>
     <p:sldId id="261" r:id="rId16"/>
     <p:sldId id="262" r:id="rId17"/>
@@ -694,7 +694,7 @@
         <p:cNvPr id="1" name="">
           <a:extLst>
             <a:ext uri="{FF2B5EF4-FFF2-40B4-BE49-F238E27FC236}">
-              <a16:creationId xmlns:a16="http://schemas.microsoft.com/office/drawing/2014/main" id="{326D2D45-986A-C512-6854-2912BF873F80}"/>
+              <a16:creationId xmlns:a16="http://schemas.microsoft.com/office/drawing/2014/main" id="{10A91D1E-18CF-8B66-2C09-221008885B9A}"/>
             </a:ext>
           </a:extLst>
         </p:cNvPr>
@@ -714,7 +714,7 @@
           <p:cNvPr id="452" name="PlaceHolder 1">
             <a:extLst>
               <a:ext uri="{FF2B5EF4-FFF2-40B4-BE49-F238E27FC236}">
-                <a16:creationId xmlns:a16="http://schemas.microsoft.com/office/drawing/2014/main" id="{6452A54E-9FE7-6BA1-A373-F797DA00FC56}"/>
+                <a16:creationId xmlns:a16="http://schemas.microsoft.com/office/drawing/2014/main" id="{A3AC463D-9BBA-F425-FB70-022FFBC684FD}"/>
               </a:ext>
             </a:extLst>
           </p:cNvPr>
@@ -743,7 +743,7 @@
           <p:cNvPr id="453" name="PlaceHolder 2">
             <a:extLst>
               <a:ext uri="{FF2B5EF4-FFF2-40B4-BE49-F238E27FC236}">
-                <a16:creationId xmlns:a16="http://schemas.microsoft.com/office/drawing/2014/main" id="{EF4DAB38-B55F-295D-D783-CB75913C388F}"/>
+                <a16:creationId xmlns:a16="http://schemas.microsoft.com/office/drawing/2014/main" id="{467D79CD-DC70-2051-C91F-5C2CE774BCF0}"/>
               </a:ext>
             </a:extLst>
           </p:cNvPr>
@@ -784,7 +784,7 @@
           <p:cNvPr id="454" name="PlaceHolder 3">
             <a:extLst>
               <a:ext uri="{FF2B5EF4-FFF2-40B4-BE49-F238E27FC236}">
-                <a16:creationId xmlns:a16="http://schemas.microsoft.com/office/drawing/2014/main" id="{14FED670-DAC4-9801-AE8D-99383A5B9F3C}"/>
+                <a16:creationId xmlns:a16="http://schemas.microsoft.com/office/drawing/2014/main" id="{CCEDA1AE-C461-4F3B-0D9F-091659F71B5A}"/>
               </a:ext>
             </a:extLst>
           </p:cNvPr>
@@ -845,7 +845,7 @@
     </p:spTree>
     <p:extLst>
       <p:ext uri="{BB962C8B-B14F-4D97-AF65-F5344CB8AC3E}">
-        <p14:creationId xmlns:p14="http://schemas.microsoft.com/office/powerpoint/2010/main" val="2086233993"/>
+        <p14:creationId xmlns:p14="http://schemas.microsoft.com/office/powerpoint/2010/main" val="690390510"/>
       </p:ext>
     </p:extLst>
   </p:cSld>
@@ -3843,7 +3843,7 @@
         <p:cNvPr id="1" name="">
           <a:extLst>
             <a:ext uri="{FF2B5EF4-FFF2-40B4-BE49-F238E27FC236}">
-              <a16:creationId xmlns:a16="http://schemas.microsoft.com/office/drawing/2014/main" id="{926B89D6-3918-DB72-5A59-8EC1B42743AF}"/>
+              <a16:creationId xmlns:a16="http://schemas.microsoft.com/office/drawing/2014/main" id="{8FD5DC1E-99C5-FCAA-1B8E-70D385B5A52D}"/>
             </a:ext>
           </a:extLst>
         </p:cNvPr>
@@ -3863,7 +3863,7 @@
           <p:cNvPr id="452" name="PlaceHolder 1">
             <a:extLst>
               <a:ext uri="{FF2B5EF4-FFF2-40B4-BE49-F238E27FC236}">
-                <a16:creationId xmlns:a16="http://schemas.microsoft.com/office/drawing/2014/main" id="{8A582C6F-FF5E-EA1D-528F-65EEEA506BA4}"/>
+                <a16:creationId xmlns:a16="http://schemas.microsoft.com/office/drawing/2014/main" id="{A09DC863-6346-3201-1B93-6339677AF606}"/>
               </a:ext>
             </a:extLst>
           </p:cNvPr>
@@ -3892,7 +3892,7 @@
           <p:cNvPr id="453" name="PlaceHolder 2">
             <a:extLst>
               <a:ext uri="{FF2B5EF4-FFF2-40B4-BE49-F238E27FC236}">
-                <a16:creationId xmlns:a16="http://schemas.microsoft.com/office/drawing/2014/main" id="{CB659F50-DD87-644B-8C55-9442B0F59075}"/>
+                <a16:creationId xmlns:a16="http://schemas.microsoft.com/office/drawing/2014/main" id="{21758599-C3D9-0B7F-B746-760741E40E3C}"/>
               </a:ext>
             </a:extLst>
           </p:cNvPr>
@@ -3933,7 +3933,7 @@
           <p:cNvPr id="454" name="PlaceHolder 3">
             <a:extLst>
               <a:ext uri="{FF2B5EF4-FFF2-40B4-BE49-F238E27FC236}">
-                <a16:creationId xmlns:a16="http://schemas.microsoft.com/office/drawing/2014/main" id="{B3FAF24F-AF18-81E6-A94A-CBEA586B6D2C}"/>
+                <a16:creationId xmlns:a16="http://schemas.microsoft.com/office/drawing/2014/main" id="{896AB2EA-8E3A-2337-B63E-B5C87130F635}"/>
               </a:ext>
             </a:extLst>
           </p:cNvPr>
@@ -3994,7 +3994,7 @@
     </p:spTree>
     <p:extLst>
       <p:ext uri="{BB962C8B-B14F-4D97-AF65-F5344CB8AC3E}">
-        <p14:creationId xmlns:p14="http://schemas.microsoft.com/office/powerpoint/2010/main" val="4162225193"/>
+        <p14:creationId xmlns:p14="http://schemas.microsoft.com/office/powerpoint/2010/main" val="892432217"/>
       </p:ext>
     </p:extLst>
   </p:cSld>
@@ -4012,7 +4012,7 @@
         <p:cNvPr id="1" name="">
           <a:extLst>
             <a:ext uri="{FF2B5EF4-FFF2-40B4-BE49-F238E27FC236}">
-              <a16:creationId xmlns:a16="http://schemas.microsoft.com/office/drawing/2014/main" id="{D2B1FAF6-D606-901D-6E46-A80CCDE664E7}"/>
+              <a16:creationId xmlns:a16="http://schemas.microsoft.com/office/drawing/2014/main" id="{18D0839F-EA0A-87A4-7110-D79301980C70}"/>
             </a:ext>
           </a:extLst>
         </p:cNvPr>
@@ -4032,7 +4032,7 @@
           <p:cNvPr id="452" name="PlaceHolder 1">
             <a:extLst>
               <a:ext uri="{FF2B5EF4-FFF2-40B4-BE49-F238E27FC236}">
-                <a16:creationId xmlns:a16="http://schemas.microsoft.com/office/drawing/2014/main" id="{FC55AF05-279B-B660-F94F-8C0FF669646D}"/>
+                <a16:creationId xmlns:a16="http://schemas.microsoft.com/office/drawing/2014/main" id="{618C9368-B0F6-30CC-1682-D10E7022F7DA}"/>
               </a:ext>
             </a:extLst>
           </p:cNvPr>
@@ -4061,7 +4061,7 @@
           <p:cNvPr id="453" name="PlaceHolder 2">
             <a:extLst>
               <a:ext uri="{FF2B5EF4-FFF2-40B4-BE49-F238E27FC236}">
-                <a16:creationId xmlns:a16="http://schemas.microsoft.com/office/drawing/2014/main" id="{5372C50D-C425-A0F7-6214-09AC2A1F3BBB}"/>
+                <a16:creationId xmlns:a16="http://schemas.microsoft.com/office/drawing/2014/main" id="{2CF920AB-4D0D-F1A2-549A-9994AD198AFA}"/>
               </a:ext>
             </a:extLst>
           </p:cNvPr>
@@ -4102,7 +4102,7 @@
           <p:cNvPr id="454" name="PlaceHolder 3">
             <a:extLst>
               <a:ext uri="{FF2B5EF4-FFF2-40B4-BE49-F238E27FC236}">
-                <a16:creationId xmlns:a16="http://schemas.microsoft.com/office/drawing/2014/main" id="{271AB4A6-4DBA-DE3A-7904-24E9F03B61EC}"/>
+                <a16:creationId xmlns:a16="http://schemas.microsoft.com/office/drawing/2014/main" id="{F7A1CE95-5E21-876D-AC2E-855E82D1ABAE}"/>
               </a:ext>
             </a:extLst>
           </p:cNvPr>
@@ -4163,7 +4163,7 @@
     </p:spTree>
     <p:extLst>
       <p:ext uri="{BB962C8B-B14F-4D97-AF65-F5344CB8AC3E}">
-        <p14:creationId xmlns:p14="http://schemas.microsoft.com/office/powerpoint/2010/main" val="2559698669"/>
+        <p14:creationId xmlns:p14="http://schemas.microsoft.com/office/powerpoint/2010/main" val="17125938"/>
       </p:ext>
     </p:extLst>
   </p:cSld>
@@ -4181,7 +4181,7 @@
         <p:cNvPr id="1" name="">
           <a:extLst>
             <a:ext uri="{FF2B5EF4-FFF2-40B4-BE49-F238E27FC236}">
-              <a16:creationId xmlns:a16="http://schemas.microsoft.com/office/drawing/2014/main" id="{68A3363F-945F-8116-E0DC-EA65430C92DC}"/>
+              <a16:creationId xmlns:a16="http://schemas.microsoft.com/office/drawing/2014/main" id="{8FC93294-A054-C2EF-DCEB-95393A3127D7}"/>
             </a:ext>
           </a:extLst>
         </p:cNvPr>
@@ -4201,7 +4201,7 @@
           <p:cNvPr id="452" name="PlaceHolder 1">
             <a:extLst>
               <a:ext uri="{FF2B5EF4-FFF2-40B4-BE49-F238E27FC236}">
-                <a16:creationId xmlns:a16="http://schemas.microsoft.com/office/drawing/2014/main" id="{87D174F5-8AE4-E130-4878-4D6F8CDE7380}"/>
+                <a16:creationId xmlns:a16="http://schemas.microsoft.com/office/drawing/2014/main" id="{649EDF88-999B-F777-127D-53F34DF659C7}"/>
               </a:ext>
             </a:extLst>
           </p:cNvPr>
@@ -4230,7 +4230,7 @@
           <p:cNvPr id="453" name="PlaceHolder 2">
             <a:extLst>
               <a:ext uri="{FF2B5EF4-FFF2-40B4-BE49-F238E27FC236}">
-                <a16:creationId xmlns:a16="http://schemas.microsoft.com/office/drawing/2014/main" id="{449228A1-7919-2012-E894-419678A4A487}"/>
+                <a16:creationId xmlns:a16="http://schemas.microsoft.com/office/drawing/2014/main" id="{7453032E-37BF-1839-7AC9-790ACB14AAF0}"/>
               </a:ext>
             </a:extLst>
           </p:cNvPr>
@@ -4271,7 +4271,7 @@
           <p:cNvPr id="454" name="PlaceHolder 3">
             <a:extLst>
               <a:ext uri="{FF2B5EF4-FFF2-40B4-BE49-F238E27FC236}">
-                <a16:creationId xmlns:a16="http://schemas.microsoft.com/office/drawing/2014/main" id="{09028F26-E3FD-4495-0975-9A3DA59149D7}"/>
+                <a16:creationId xmlns:a16="http://schemas.microsoft.com/office/drawing/2014/main" id="{659CDB4F-A4FF-60EE-342B-6D1E34C9C11F}"/>
               </a:ext>
             </a:extLst>
           </p:cNvPr>
@@ -4332,7 +4332,7 @@
     </p:spTree>
     <p:extLst>
       <p:ext uri="{BB962C8B-B14F-4D97-AF65-F5344CB8AC3E}">
-        <p14:creationId xmlns:p14="http://schemas.microsoft.com/office/powerpoint/2010/main" val="993714473"/>
+        <p14:creationId xmlns:p14="http://schemas.microsoft.com/office/powerpoint/2010/main" val="661032418"/>
       </p:ext>
     </p:extLst>
   </p:cSld>
@@ -4350,7 +4350,7 @@
         <p:cNvPr id="1" name="">
           <a:extLst>
             <a:ext uri="{FF2B5EF4-FFF2-40B4-BE49-F238E27FC236}">
-              <a16:creationId xmlns:a16="http://schemas.microsoft.com/office/drawing/2014/main" id="{A02632E9-64F8-83FE-A295-24A256043D06}"/>
+              <a16:creationId xmlns:a16="http://schemas.microsoft.com/office/drawing/2014/main" id="{FE5042CE-4176-3DB8-E602-FCF1F062B0CA}"/>
             </a:ext>
           </a:extLst>
         </p:cNvPr>
@@ -4370,7 +4370,7 @@
           <p:cNvPr id="452" name="PlaceHolder 1">
             <a:extLst>
               <a:ext uri="{FF2B5EF4-FFF2-40B4-BE49-F238E27FC236}">
-                <a16:creationId xmlns:a16="http://schemas.microsoft.com/office/drawing/2014/main" id="{6055B439-AB62-C855-EF6D-DA8B63C3BB35}"/>
+                <a16:creationId xmlns:a16="http://schemas.microsoft.com/office/drawing/2014/main" id="{1B9657DD-D8F0-421A-D4E3-CC35A719A7DA}"/>
               </a:ext>
             </a:extLst>
           </p:cNvPr>
@@ -4399,7 +4399,7 @@
           <p:cNvPr id="453" name="PlaceHolder 2">
             <a:extLst>
               <a:ext uri="{FF2B5EF4-FFF2-40B4-BE49-F238E27FC236}">
-                <a16:creationId xmlns:a16="http://schemas.microsoft.com/office/drawing/2014/main" id="{3983CC62-1826-3503-0061-36DAB463164C}"/>
+                <a16:creationId xmlns:a16="http://schemas.microsoft.com/office/drawing/2014/main" id="{A72881B1-F8B3-034F-66BF-9916384B5C74}"/>
               </a:ext>
             </a:extLst>
           </p:cNvPr>
@@ -4440,7 +4440,7 @@
           <p:cNvPr id="454" name="PlaceHolder 3">
             <a:extLst>
               <a:ext uri="{FF2B5EF4-FFF2-40B4-BE49-F238E27FC236}">
-                <a16:creationId xmlns:a16="http://schemas.microsoft.com/office/drawing/2014/main" id="{63BD3C55-26AC-CD60-A375-F33AB4C9DC19}"/>
+                <a16:creationId xmlns:a16="http://schemas.microsoft.com/office/drawing/2014/main" id="{BECCCEE5-FAAE-AF64-A121-D8D98C596FFC}"/>
               </a:ext>
             </a:extLst>
           </p:cNvPr>
@@ -4501,7 +4501,7 @@
     </p:spTree>
     <p:extLst>
       <p:ext uri="{BB962C8B-B14F-4D97-AF65-F5344CB8AC3E}">
-        <p14:creationId xmlns:p14="http://schemas.microsoft.com/office/powerpoint/2010/main" val="3135199411"/>
+        <p14:creationId xmlns:p14="http://schemas.microsoft.com/office/powerpoint/2010/main" val="950422278"/>
       </p:ext>
     </p:extLst>
   </p:cSld>
@@ -16764,7 +16764,7 @@
         <p:cNvPr id="1" name="">
           <a:extLst>
             <a:ext uri="{FF2B5EF4-FFF2-40B4-BE49-F238E27FC236}">
-              <a16:creationId xmlns:a16="http://schemas.microsoft.com/office/drawing/2014/main" id="{2F85DCBF-FB92-87D5-2A9E-49E46B81F0E9}"/>
+              <a16:creationId xmlns:a16="http://schemas.microsoft.com/office/drawing/2014/main" id="{8AF1CE2C-A6A7-1BD1-A55E-2FEF8D678DBE}"/>
             </a:ext>
           </a:extLst>
         </p:cNvPr>
@@ -16784,7 +16784,7 @@
           <p:cNvPr id="225" name="PlaceHolder 1">
             <a:extLst>
               <a:ext uri="{FF2B5EF4-FFF2-40B4-BE49-F238E27FC236}">
-                <a16:creationId xmlns:a16="http://schemas.microsoft.com/office/drawing/2014/main" id="{DD4DD5CF-8D2A-18A3-16C3-079ACA7FD3E2}"/>
+                <a16:creationId xmlns:a16="http://schemas.microsoft.com/office/drawing/2014/main" id="{41CD1C21-D840-650F-E42C-7935DEC7A1BE}"/>
               </a:ext>
             </a:extLst>
           </p:cNvPr>
@@ -16844,7 +16844,7 @@
           <p:cNvPr id="226" name="PlaceHolder 2">
             <a:extLst>
               <a:ext uri="{FF2B5EF4-FFF2-40B4-BE49-F238E27FC236}">
-                <a16:creationId xmlns:a16="http://schemas.microsoft.com/office/drawing/2014/main" id="{0744F305-75B6-E647-7A1D-8AB94BC4A9D6}"/>
+                <a16:creationId xmlns:a16="http://schemas.microsoft.com/office/drawing/2014/main" id="{96C9C126-A3C8-3C08-7FFE-6BA4AC1FA52F}"/>
               </a:ext>
             </a:extLst>
           </p:cNvPr>
@@ -16857,8 +16857,8 @@
         </p:nvSpPr>
         <p:spPr>
           <a:xfrm>
-            <a:off x="1322280" y="2763000"/>
-            <a:ext cx="3646080" cy="3406680"/>
+            <a:off x="275573" y="2388960"/>
+            <a:ext cx="4692787" cy="4200840"/>
           </a:xfrm>
           <a:prstGeom prst="rect">
             <a:avLst/>
@@ -16870,7 +16870,7 @@
         </p:spPr>
         <p:txBody>
           <a:bodyPr anchor="t">
-            <a:normAutofit/>
+            <a:normAutofit lnSpcReduction="10000"/>
           </a:bodyPr>
           <a:lstStyle/>
           <a:p>
@@ -16888,7 +16888,7 @@
               <a:buChar char="•"/>
             </a:pPr>
             <a:r>
-              <a:rPr lang="en-US" sz="1800" b="0" strike="noStrike" spc="49" dirty="0">
+              <a:rPr lang="en-US" b="0" strike="noStrike" spc="49" dirty="0">
                 <a:solidFill>
                   <a:srgbClr val="000000"/>
                 </a:solidFill>
@@ -16898,7 +16898,7 @@
               <a:t>Git is a version </a:t>
             </a:r>
             <a:r>
-              <a:rPr lang="en-US" sz="1800" spc="49" dirty="0">
+              <a:rPr lang="en-US" spc="49" dirty="0">
                 <a:solidFill>
                   <a:srgbClr val="000000"/>
                 </a:solidFill>
@@ -16908,7 +16908,7 @@
               <a:t>c</a:t>
             </a:r>
             <a:r>
-              <a:rPr lang="en-US" sz="1800" b="0" strike="noStrike" spc="49" dirty="0">
+              <a:rPr lang="en-US" b="0" strike="noStrike" spc="49" dirty="0">
                 <a:solidFill>
                   <a:srgbClr val="000000"/>
                 </a:solidFill>
@@ -16933,7 +16933,7 @@
               <a:buChar char="•"/>
             </a:pPr>
             <a:r>
-              <a:rPr lang="en-US" sz="1800" spc="49" dirty="0">
+              <a:rPr lang="en-US" spc="49" dirty="0">
                 <a:solidFill>
                   <a:srgbClr val="000000"/>
                 </a:solidFill>
@@ -16941,7 +16941,7 @@
               </a:rPr>
               <a:t>It tracks changes to files and allows collaboration</a:t>
             </a:r>
-            <a:endParaRPr lang="en-US" sz="1800" b="0" strike="noStrike" spc="-1" dirty="0">
+            <a:endParaRPr lang="en-US" b="0" strike="noStrike" spc="-1" dirty="0">
               <a:solidFill>
                 <a:srgbClr val="000000"/>
               </a:solidFill>
@@ -16963,7 +16963,7 @@
               <a:buChar char="•"/>
             </a:pPr>
             <a:r>
-              <a:rPr lang="en-US" sz="1800" b="0" strike="noStrike" spc="49" dirty="0">
+              <a:rPr lang="en-US" b="0" strike="noStrike" spc="49" dirty="0">
                 <a:solidFill>
                   <a:srgbClr val="000000"/>
                 </a:solidFill>
@@ -16988,7 +16988,7 @@
               <a:buChar char="•"/>
             </a:pPr>
             <a:r>
-              <a:rPr lang="en-US" sz="1800" b="0" strike="noStrike" spc="49" dirty="0">
+              <a:rPr lang="en-US" b="0" strike="noStrike" spc="49" dirty="0">
                 <a:solidFill>
                   <a:srgbClr val="000000"/>
                 </a:solidFill>
@@ -16997,7 +16997,7 @@
               </a:rPr>
               <a:t>Commits create “snapshots” of the entire project, not just the differences</a:t>
             </a:r>
-            <a:endParaRPr lang="en-US" sz="1800" b="0" strike="noStrike" spc="-1" dirty="0">
+            <a:endParaRPr lang="en-US" b="0" strike="noStrike" spc="-1" dirty="0">
               <a:solidFill>
                 <a:srgbClr val="000000"/>
               </a:solidFill>
@@ -17019,7 +17019,7 @@
               <a:buChar char="•"/>
             </a:pPr>
             <a:r>
-              <a:rPr lang="en-US" sz="1800" b="0" strike="noStrike" spc="49" dirty="0">
+              <a:rPr lang="en-US" b="0" strike="noStrike" spc="49" dirty="0">
                 <a:solidFill>
                   <a:srgbClr val="000000"/>
                 </a:solidFill>
@@ -17028,7 +17028,7 @@
               </a:rPr>
               <a:t>Can be stored in a remote location</a:t>
             </a:r>
-            <a:endParaRPr lang="en-US" sz="1800" b="0" strike="noStrike" spc="-1" dirty="0">
+            <a:endParaRPr lang="en-US" b="0" strike="noStrike" spc="-1" dirty="0">
               <a:solidFill>
                 <a:srgbClr val="000000"/>
               </a:solidFill>
@@ -17042,7 +17042,7 @@
           <p:cNvPr id="227" name="PlaceHolder 3">
             <a:extLst>
               <a:ext uri="{FF2B5EF4-FFF2-40B4-BE49-F238E27FC236}">
-                <a16:creationId xmlns:a16="http://schemas.microsoft.com/office/drawing/2014/main" id="{757F3131-73FD-DEF4-9F5B-8C0D51FE35B9}"/>
+                <a16:creationId xmlns:a16="http://schemas.microsoft.com/office/drawing/2014/main" id="{47352189-BC25-483C-7D34-8223879686B3}"/>
               </a:ext>
             </a:extLst>
           </p:cNvPr>
@@ -17111,7 +17111,7 @@
           <p:cNvPr id="228" name="Picture 3" descr="Git">
             <a:extLst>
               <a:ext uri="{FF2B5EF4-FFF2-40B4-BE49-F238E27FC236}">
-                <a16:creationId xmlns:a16="http://schemas.microsoft.com/office/drawing/2014/main" id="{EBCDF507-458E-3393-89E1-E1DD17904D10}"/>
+                <a16:creationId xmlns:a16="http://schemas.microsoft.com/office/drawing/2014/main" id="{99023D7C-BF8D-B3D3-81C7-18E89CA2A12E}"/>
               </a:ext>
             </a:extLst>
           </p:cNvPr>
@@ -17140,7 +17140,7 @@
           <p:cNvPr id="229" name="Picture 4" descr="A screenshot of a diagram&#10;&#10;Description automatically generated">
             <a:extLst>
               <a:ext uri="{FF2B5EF4-FFF2-40B4-BE49-F238E27FC236}">
-                <a16:creationId xmlns:a16="http://schemas.microsoft.com/office/drawing/2014/main" id="{552A6015-A504-DE67-BA8A-F69AEE20EFF3}"/>
+                <a16:creationId xmlns:a16="http://schemas.microsoft.com/office/drawing/2014/main" id="{F44B5DB2-F0C9-A55B-964C-CE16A59348EB}"/>
               </a:ext>
             </a:extLst>
           </p:cNvPr>
@@ -17169,7 +17169,7 @@
           <p:cNvPr id="2" name="Rectangle 1">
             <a:extLst>
               <a:ext uri="{FF2B5EF4-FFF2-40B4-BE49-F238E27FC236}">
-                <a16:creationId xmlns:a16="http://schemas.microsoft.com/office/drawing/2014/main" id="{C5A65254-5245-AF25-9FF8-5B27D7E8CF78}"/>
+                <a16:creationId xmlns:a16="http://schemas.microsoft.com/office/drawing/2014/main" id="{7348DB64-3022-5B10-BD46-14ECBF833EA4}"/>
               </a:ext>
             </a:extLst>
           </p:cNvPr>
@@ -17178,7 +17178,7 @@
         </p:nvSpPr>
         <p:spPr>
           <a:xfrm>
-            <a:off x="10243927" y="3187080"/>
+            <a:off x="10334111" y="3187080"/>
             <a:ext cx="1232452" cy="2723390"/>
           </a:xfrm>
           <a:prstGeom prst="rect">
@@ -17219,7 +17219,7 @@
     </p:spTree>
     <p:extLst>
       <p:ext uri="{BB962C8B-B14F-4D97-AF65-F5344CB8AC3E}">
-        <p14:creationId xmlns:p14="http://schemas.microsoft.com/office/powerpoint/2010/main" val="1465448543"/>
+        <p14:creationId xmlns:p14="http://schemas.microsoft.com/office/powerpoint/2010/main" val="2739739185"/>
       </p:ext>
     </p:extLst>
   </p:cSld>
@@ -17259,7 +17259,7 @@
         <p:spPr>
           <a:xfrm>
             <a:off x="1322280" y="1130940"/>
-            <a:ext cx="7287840" cy="2120760"/>
+            <a:ext cx="7287840" cy="1263420"/>
           </a:xfrm>
           <a:prstGeom prst="rect">
             <a:avLst/>
@@ -17311,8 +17311,8 @@
         </p:nvSpPr>
         <p:spPr>
           <a:xfrm>
-            <a:off x="526850" y="3601800"/>
-            <a:ext cx="3645370" cy="2441191"/>
+            <a:off x="526850" y="2794140"/>
+            <a:ext cx="3645370" cy="3927060"/>
           </a:xfrm>
           <a:prstGeom prst="rect">
             <a:avLst/>
@@ -17342,7 +17342,7 @@
               <a:buChar char="•"/>
             </a:pPr>
             <a:r>
-              <a:rPr lang="en-US" sz="1800" b="0" strike="noStrike" spc="49" dirty="0">
+              <a:rPr lang="en-US" b="0" strike="noStrike" spc="49" dirty="0">
                 <a:solidFill>
                   <a:srgbClr val="000000"/>
                 </a:solidFill>
@@ -17367,7 +17367,7 @@
               <a:buChar char="•"/>
             </a:pPr>
             <a:r>
-              <a:rPr lang="en-US" sz="1800" b="0" strike="noStrike" spc="49" dirty="0">
+              <a:rPr lang="en-US" b="0" strike="noStrike" spc="49" dirty="0">
                 <a:solidFill>
                   <a:srgbClr val="000000"/>
                 </a:solidFill>
@@ -17376,7 +17376,7 @@
               </a:rPr>
               <a:t>Online (Remote) and free</a:t>
             </a:r>
-            <a:endParaRPr lang="en-US" sz="1800" b="0" strike="noStrike" spc="-1" dirty="0">
+            <a:endParaRPr lang="en-US" b="0" strike="noStrike" spc="-1" dirty="0">
               <a:solidFill>
                 <a:srgbClr val="000000"/>
               </a:solidFill>
@@ -17398,7 +17398,7 @@
               <a:buChar char="•"/>
             </a:pPr>
             <a:r>
-              <a:rPr lang="en-US" sz="1800" b="0" strike="noStrike" spc="49" dirty="0">
+              <a:rPr lang="en-US" b="0" strike="noStrike" spc="49" dirty="0">
                 <a:solidFill>
                   <a:srgbClr val="000000"/>
                 </a:solidFill>
@@ -17407,7 +17407,7 @@
               </a:rPr>
               <a:t>Collaboration</a:t>
             </a:r>
-            <a:endParaRPr lang="en-US" sz="1800" b="0" strike="noStrike" spc="-1" dirty="0">
+            <a:endParaRPr lang="en-US" b="0" strike="noStrike" spc="-1" dirty="0">
               <a:solidFill>
                 <a:srgbClr val="000000"/>
               </a:solidFill>
@@ -17429,7 +17429,7 @@
               <a:buChar char="•"/>
             </a:pPr>
             <a:r>
-              <a:rPr lang="en-US" sz="1800" b="0" strike="noStrike" spc="49" dirty="0">
+              <a:rPr lang="en-US" b="0" strike="noStrike" spc="49" dirty="0">
                 <a:solidFill>
                   <a:srgbClr val="000000"/>
                 </a:solidFill>
@@ -17438,7 +17438,7 @@
               </a:rPr>
               <a:t>Find other repositories (Course Materials)</a:t>
             </a:r>
-            <a:endParaRPr lang="en-US" sz="1800" b="0" strike="noStrike" spc="-1" dirty="0">
+            <a:endParaRPr lang="en-US" b="0" strike="noStrike" spc="-1" dirty="0">
               <a:solidFill>
                 <a:srgbClr val="000000"/>
               </a:solidFill>
@@ -17460,7 +17460,7 @@
               <a:buChar char="•"/>
             </a:pPr>
             <a:r>
-              <a:rPr lang="en-US" sz="1800" b="0" strike="noStrike" spc="49" dirty="0">
+              <a:rPr lang="en-US" b="0" strike="noStrike" spc="49" dirty="0">
                 <a:solidFill>
                   <a:srgbClr val="000000"/>
                 </a:solidFill>
@@ -17469,7 +17469,7 @@
               </a:rPr>
               <a:t>Personal Portfolio</a:t>
             </a:r>
-            <a:endParaRPr lang="en-US" sz="1800" b="0" strike="noStrike" spc="-1" dirty="0">
+            <a:endParaRPr lang="en-US" b="0" strike="noStrike" spc="-1" dirty="0">
               <a:solidFill>
                 <a:srgbClr val="000000"/>
               </a:solidFill>
@@ -17486,7 +17486,7 @@
               </a:spcBef>
               <a:buNone/>
             </a:pPr>
-            <a:endParaRPr lang="en-US" sz="1800" b="0" strike="noStrike" spc="-1" dirty="0">
+            <a:endParaRPr lang="en-US" sz="2400" b="0" strike="noStrike" spc="-1" dirty="0">
               <a:solidFill>
                 <a:srgbClr val="000000"/>
               </a:solidFill>
@@ -17503,7 +17503,7 @@
               </a:spcBef>
               <a:buNone/>
             </a:pPr>
-            <a:endParaRPr lang="en-US" sz="1800" b="0" strike="noStrike" spc="-1" dirty="0">
+            <a:endParaRPr lang="en-US" sz="2400" b="0" strike="noStrike" spc="-1" dirty="0">
               <a:solidFill>
                 <a:srgbClr val="000000"/>
               </a:solidFill>
@@ -17520,7 +17520,7 @@
               </a:spcBef>
               <a:buNone/>
             </a:pPr>
-            <a:endParaRPr lang="en-US" sz="1800" b="0" strike="noStrike" spc="-1" dirty="0">
+            <a:endParaRPr lang="en-US" sz="2400" b="0" strike="noStrike" spc="-1" dirty="0">
               <a:solidFill>
                 <a:srgbClr val="000000"/>
               </a:solidFill>
@@ -17604,8 +17604,8 @@
         </p:blipFill>
         <p:spPr>
           <a:xfrm>
-            <a:off x="4823280" y="0"/>
-            <a:ext cx="7371000" cy="6857640"/>
+            <a:off x="4966200" y="0"/>
+            <a:ext cx="9149997" cy="8809463"/>
           </a:xfrm>
           <a:prstGeom prst="rect">
             <a:avLst/>
@@ -17623,8 +17623,8 @@
         </p:nvSpPr>
         <p:spPr>
           <a:xfrm>
-            <a:off x="5492160" y="663120"/>
-            <a:ext cx="1253160" cy="226440"/>
+            <a:off x="5860150" y="904500"/>
+            <a:ext cx="1477352" cy="226440"/>
           </a:xfrm>
           <a:prstGeom prst="rect">
             <a:avLst/>
@@ -17666,7 +17666,7 @@
         </p:nvSpPr>
         <p:spPr>
           <a:xfrm>
-            <a:off x="4413600" y="643320"/>
+            <a:off x="4561657" y="904500"/>
             <a:ext cx="385560" cy="266760"/>
           </a:xfrm>
           <a:prstGeom prst="rightArrow">
@@ -17714,31 +17714,30 @@
         </p:nvSpPr>
         <p:spPr>
           <a:xfrm>
-            <a:off x="2554920" y="588960"/>
-            <a:ext cx="1933560" cy="639720"/>
-          </a:xfrm>
-          <a:prstGeom prst="rect">
-            <a:avLst/>
-          </a:prstGeom>
-          <a:noFill/>
-          <a:ln w="0">
-            <a:noFill/>
-          </a:ln>
+            <a:off x="2205680" y="821446"/>
+            <a:ext cx="2381852" cy="461665"/>
+          </a:xfrm>
+          <a:prstGeom prst="rect">
+            <a:avLst/>
+          </a:prstGeom>
+          <a:ln/>
         </p:spPr>
         <p:style>
-          <a:lnRef idx="0">
-            <a:scrgbClr r="0" g="0" b="0"/>
+          <a:lnRef idx="2">
+            <a:schemeClr val="dk1"/>
           </a:lnRef>
-          <a:fillRef idx="0">
-            <a:scrgbClr r="0" g="0" b="0"/>
+          <a:fillRef idx="1">
+            <a:schemeClr val="lt1"/>
           </a:fillRef>
           <a:effectRef idx="0">
-            <a:scrgbClr r="0" g="0" b="0"/>
+            <a:schemeClr val="dk1"/>
           </a:effectRef>
-          <a:fontRef idx="minor"/>
+          <a:fontRef idx="minor">
+            <a:schemeClr val="dk1"/>
+          </a:fontRef>
         </p:style>
         <p:txBody>
-          <a:bodyPr vertOverflow="overflow" horzOverflow="overflow" numCol="1" spcCol="0" anchor="t">
+          <a:bodyPr vertOverflow="overflow" horzOverflow="overflow" wrap="square" numCol="1" spcCol="0" anchor="t">
             <a:spAutoFit/>
           </a:bodyPr>
           <a:lstStyle/>
@@ -17750,7 +17749,7 @@
               <a:buNone/>
             </a:pPr>
             <a:r>
-              <a:rPr lang="en-US" sz="1800" b="1" strike="noStrike" spc="-1">
+              <a:rPr lang="en-US" sz="2400" b="1" strike="noStrike" spc="-1" dirty="0">
                 <a:solidFill>
                   <a:srgbClr val="000000"/>
                 </a:solidFill>
@@ -17758,7 +17757,7 @@
               </a:rPr>
               <a:t>User/Repository </a:t>
             </a:r>
-            <a:endParaRPr lang="en-US" sz="1800" b="0" strike="noStrike" spc="-1">
+            <a:endParaRPr lang="en-US" sz="2400" b="0" strike="noStrike" spc="-1" dirty="0">
               <a:latin typeface="Arial"/>
             </a:endParaRPr>
           </a:p>
@@ -17772,8 +17771,8 @@
         </p:nvSpPr>
         <p:spPr>
           <a:xfrm>
-            <a:off x="5074920" y="2540880"/>
-            <a:ext cx="1253160" cy="1060920"/>
+            <a:off x="5208406" y="3240505"/>
+            <a:ext cx="1477351" cy="1376100"/>
           </a:xfrm>
           <a:prstGeom prst="rect">
             <a:avLst/>
@@ -17815,7 +17814,7 @@
         </p:nvSpPr>
         <p:spPr>
           <a:xfrm>
-            <a:off x="4404600" y="3153960"/>
+            <a:off x="4566420" y="3753360"/>
             <a:ext cx="385560" cy="266760"/>
           </a:xfrm>
           <a:prstGeom prst="rightArrow">
@@ -17863,31 +17862,30 @@
         </p:nvSpPr>
         <p:spPr>
           <a:xfrm>
-            <a:off x="3429000" y="3081960"/>
-            <a:ext cx="1059120" cy="366120"/>
-          </a:xfrm>
-          <a:prstGeom prst="rect">
-            <a:avLst/>
-          </a:prstGeom>
-          <a:noFill/>
-          <a:ln w="0">
-            <a:noFill/>
-          </a:ln>
+            <a:off x="3785977" y="3655907"/>
+            <a:ext cx="801555" cy="461665"/>
+          </a:xfrm>
+          <a:prstGeom prst="rect">
+            <a:avLst/>
+          </a:prstGeom>
+          <a:ln/>
         </p:spPr>
         <p:style>
-          <a:lnRef idx="0">
-            <a:scrgbClr r="0" g="0" b="0"/>
+          <a:lnRef idx="2">
+            <a:schemeClr val="dk1"/>
           </a:lnRef>
-          <a:fillRef idx="0">
-            <a:scrgbClr r="0" g="0" b="0"/>
+          <a:fillRef idx="1">
+            <a:schemeClr val="lt1"/>
           </a:fillRef>
           <a:effectRef idx="0">
-            <a:scrgbClr r="0" g="0" b="0"/>
+            <a:schemeClr val="dk1"/>
           </a:effectRef>
-          <a:fontRef idx="minor"/>
+          <a:fontRef idx="minor">
+            <a:schemeClr val="dk1"/>
+          </a:fontRef>
         </p:style>
         <p:txBody>
-          <a:bodyPr vertOverflow="overflow" horzOverflow="overflow" numCol="1" spcCol="0" anchor="t">
+          <a:bodyPr vertOverflow="overflow" horzOverflow="overflow" wrap="square" numCol="1" spcCol="0" anchor="t">
             <a:spAutoFit/>
           </a:bodyPr>
           <a:lstStyle/>
@@ -17899,15 +17897,24 @@
               <a:buNone/>
             </a:pPr>
             <a:r>
-              <a:rPr lang="en-US" sz="1800" b="1" strike="noStrike" spc="-1">
+              <a:rPr lang="en-US" sz="2400" b="1" strike="noStrike" spc="-1" dirty="0">
                 <a:solidFill>
                   <a:srgbClr val="000000"/>
                 </a:solidFill>
                 <a:latin typeface="Tenorite"/>
               </a:rPr>
-              <a:t>Files </a:t>
+              <a:t>Files</a:t>
             </a:r>
-            <a:endParaRPr lang="en-US" sz="1800" b="0" strike="noStrike" spc="-1">
+            <a:r>
+              <a:rPr lang="en-US" sz="1800" b="1" strike="noStrike" spc="-1" dirty="0">
+                <a:solidFill>
+                  <a:srgbClr val="000000"/>
+                </a:solidFill>
+                <a:latin typeface="Tenorite"/>
+              </a:rPr>
+              <a:t> </a:t>
+            </a:r>
+            <a:endParaRPr lang="en-US" sz="1800" b="0" strike="noStrike" spc="-1" dirty="0">
               <a:latin typeface="Arial"/>
             </a:endParaRPr>
           </a:p>
@@ -17925,7 +17932,7 @@
         </p:blipFill>
         <p:spPr>
           <a:xfrm>
-            <a:off x="249650" y="2794140"/>
+            <a:off x="448920" y="1942370"/>
             <a:ext cx="554400" cy="554400"/>
           </a:xfrm>
           <a:prstGeom prst="rect">
@@ -18026,8 +18033,8 @@
         </p:nvSpPr>
         <p:spPr>
           <a:xfrm>
-            <a:off x="1322280" y="2472840"/>
-            <a:ext cx="6924960" cy="3696840"/>
+            <a:off x="1322279" y="2141951"/>
+            <a:ext cx="8097293" cy="4447849"/>
           </a:xfrm>
           <a:prstGeom prst="rect">
             <a:avLst/>
@@ -18057,7 +18064,7 @@
               <a:buChar char="•"/>
             </a:pPr>
             <a:r>
-              <a:rPr lang="en-US" sz="1800" b="1" strike="noStrike" spc="49" dirty="0">
+              <a:rPr lang="en-US" b="1" strike="noStrike" spc="49" dirty="0">
                 <a:solidFill>
                   <a:srgbClr val="000000"/>
                 </a:solidFill>
@@ -18066,7 +18073,7 @@
               <a:t>Repository:</a:t>
             </a:r>
             <a:r>
-              <a:rPr lang="en-US" sz="1800" b="0" strike="noStrike" spc="49" dirty="0">
+              <a:rPr lang="en-US" b="0" strike="noStrike" spc="49" dirty="0">
                 <a:solidFill>
                   <a:srgbClr val="000000"/>
                 </a:solidFill>
@@ -18074,7 +18081,7 @@
               </a:rPr>
               <a:t> A file of files</a:t>
             </a:r>
-            <a:endParaRPr lang="en-US" sz="1800" b="0" strike="noStrike" spc="-1" dirty="0">
+            <a:endParaRPr lang="en-US" b="0" strike="noStrike" spc="-1" dirty="0">
               <a:solidFill>
                 <a:srgbClr val="000000"/>
               </a:solidFill>
@@ -18096,7 +18103,7 @@
               <a:buChar char="•"/>
             </a:pPr>
             <a:r>
-              <a:rPr lang="en-US" sz="1800" b="1" strike="noStrike" spc="49" dirty="0">
+              <a:rPr lang="en-US" b="1" strike="noStrike" spc="49" dirty="0">
                 <a:solidFill>
                   <a:srgbClr val="000000"/>
                 </a:solidFill>
@@ -18105,7 +18112,7 @@
               <a:t>Clone:</a:t>
             </a:r>
             <a:r>
-              <a:rPr lang="en-US" sz="1800" b="0" strike="noStrike" spc="49" dirty="0">
+              <a:rPr lang="en-US" b="0" strike="noStrike" spc="49" dirty="0">
                 <a:solidFill>
                   <a:srgbClr val="000000"/>
                 </a:solidFill>
@@ -18113,7 +18120,7 @@
               </a:rPr>
               <a:t> Create an exact copy of your repository on your local computer</a:t>
             </a:r>
-            <a:endParaRPr lang="en-US" sz="1800" b="0" strike="noStrike" spc="-1" dirty="0">
+            <a:endParaRPr lang="en-US" b="0" strike="noStrike" spc="-1" dirty="0">
               <a:solidFill>
                 <a:srgbClr val="000000"/>
               </a:solidFill>
@@ -18135,7 +18142,7 @@
               <a:buChar char="•"/>
             </a:pPr>
             <a:r>
-              <a:rPr lang="en-US" sz="1800" b="1" strike="noStrike" spc="49" dirty="0">
+              <a:rPr lang="en-US" b="1" strike="noStrike" spc="49" dirty="0">
                 <a:solidFill>
                   <a:srgbClr val="000000"/>
                 </a:solidFill>
@@ -18144,7 +18151,7 @@
               <a:t>Pull:</a:t>
             </a:r>
             <a:r>
-              <a:rPr lang="en-US" sz="1800" b="0" strike="noStrike" spc="49" dirty="0">
+              <a:rPr lang="en-US" b="0" strike="noStrike" spc="49" dirty="0">
                 <a:solidFill>
                   <a:srgbClr val="000000"/>
                 </a:solidFill>
@@ -18152,7 +18159,7 @@
               </a:rPr>
               <a:t> Pulls new content from a remote repository</a:t>
             </a:r>
-            <a:endParaRPr lang="en-US" sz="1800" b="0" strike="noStrike" spc="-1" dirty="0">
+            <a:endParaRPr lang="en-US" b="0" strike="noStrike" spc="-1" dirty="0">
               <a:solidFill>
                 <a:srgbClr val="000000"/>
               </a:solidFill>
@@ -18174,7 +18181,7 @@
               <a:buChar char="•"/>
             </a:pPr>
             <a:r>
-              <a:rPr lang="en-US" sz="1800" b="1" strike="noStrike" spc="49" dirty="0">
+              <a:rPr lang="en-US" b="1" strike="noStrike" spc="49" dirty="0">
                 <a:solidFill>
                   <a:srgbClr val="000000"/>
                 </a:solidFill>
@@ -18183,7 +18190,7 @@
               <a:t>Push:</a:t>
             </a:r>
             <a:r>
-              <a:rPr lang="en-US" sz="1800" b="0" strike="noStrike" spc="49" dirty="0">
+              <a:rPr lang="en-US" b="0" strike="noStrike" spc="49" dirty="0">
                 <a:solidFill>
                   <a:srgbClr val="000000"/>
                 </a:solidFill>
@@ -18191,7 +18198,7 @@
               </a:rPr>
               <a:t> Pushes new content from your local computer to a remote</a:t>
             </a:r>
-            <a:endParaRPr lang="en-US" sz="1800" b="0" strike="noStrike" spc="-1" dirty="0">
+            <a:endParaRPr lang="en-US" b="0" strike="noStrike" spc="-1" dirty="0">
               <a:solidFill>
                 <a:srgbClr val="000000"/>
               </a:solidFill>
@@ -18213,7 +18220,7 @@
               <a:buChar char="•"/>
             </a:pPr>
             <a:r>
-              <a:rPr lang="en-US" sz="1800" b="1" strike="noStrike" spc="49" dirty="0">
+              <a:rPr lang="en-US" b="1" strike="noStrike" spc="49" dirty="0">
                 <a:solidFill>
                   <a:srgbClr val="000000"/>
                 </a:solidFill>
@@ -18222,7 +18229,7 @@
               <a:t>Branching:</a:t>
             </a:r>
             <a:r>
-              <a:rPr lang="en-US" sz="1800" b="0" strike="noStrike" spc="49" dirty="0">
+              <a:rPr lang="en-US" b="0" strike="noStrike" spc="49" dirty="0">
                 <a:solidFill>
                   <a:srgbClr val="000000"/>
                 </a:solidFill>
@@ -18231,7 +18238,7 @@
               <a:t> Duplicates an exact copy a repository in the same repository and allows you to make changes without altering the main-</a:t>
             </a:r>
             <a:r>
-              <a:rPr lang="en-US" sz="1800" b="1" strike="noStrike" spc="49" dirty="0">
+              <a:rPr lang="en-US" b="1" strike="noStrike" spc="49" dirty="0">
                 <a:solidFill>
                   <a:srgbClr val="000000"/>
                 </a:solidFill>
@@ -18239,7 +18246,7 @@
               </a:rPr>
               <a:t>Covered Next Session</a:t>
             </a:r>
-            <a:endParaRPr lang="en-US" sz="1800" b="0" strike="noStrike" spc="-1" dirty="0">
+            <a:endParaRPr lang="en-US" b="0" strike="noStrike" spc="-1" dirty="0">
               <a:solidFill>
                 <a:srgbClr val="000000"/>
               </a:solidFill>
@@ -18261,7 +18268,7 @@
               <a:buChar char="•"/>
             </a:pPr>
             <a:r>
-              <a:rPr lang="en-US" sz="1800" b="1" strike="noStrike" spc="49" dirty="0">
+              <a:rPr lang="en-US" b="1" strike="noStrike" spc="49" dirty="0">
                 <a:solidFill>
                   <a:srgbClr val="000000"/>
                 </a:solidFill>
@@ -18270,7 +18277,7 @@
               <a:t>GitHub Pages: </a:t>
             </a:r>
             <a:r>
-              <a:rPr lang="en-US" sz="1800" b="0" strike="noStrike" spc="49" dirty="0">
+              <a:rPr lang="en-US" b="0" strike="noStrike" spc="49" dirty="0">
                 <a:solidFill>
                   <a:srgbClr val="000000"/>
                 </a:solidFill>
@@ -18279,7 +18286,7 @@
               <a:t>A static site hosting service (website)-</a:t>
             </a:r>
             <a:r>
-              <a:rPr lang="en-US" sz="1800" b="1" strike="noStrike" spc="49" dirty="0">
+              <a:rPr lang="en-US" b="1" strike="noStrike" spc="49" dirty="0">
                 <a:solidFill>
                   <a:srgbClr val="000000"/>
                 </a:solidFill>
@@ -18287,7 +18294,7 @@
               </a:rPr>
               <a:t>Covered Next Session</a:t>
             </a:r>
-            <a:endParaRPr lang="en-US" sz="1800" b="0" strike="noStrike" spc="-1" dirty="0">
+            <a:endParaRPr lang="en-US" b="0" strike="noStrike" spc="-1" dirty="0">
               <a:solidFill>
                 <a:srgbClr val="000000"/>
               </a:solidFill>
@@ -18304,7 +18311,7 @@
               </a:spcBef>
               <a:buNone/>
             </a:pPr>
-            <a:endParaRPr lang="en-US" sz="1800" b="0" strike="noStrike" spc="-1" dirty="0">
+            <a:endParaRPr lang="en-US" sz="2400" b="0" strike="noStrike" spc="-1" dirty="0">
               <a:solidFill>
                 <a:srgbClr val="000000"/>
               </a:solidFill>
@@ -18497,7 +18504,7 @@
               </a:tabLst>
             </a:pPr>
             <a:r>
-              <a:rPr lang="en-US" sz="1800" b="1" strike="noStrike" spc="49">
+              <a:rPr lang="en-US" sz="2400" b="1" strike="noStrike" spc="49" dirty="0">
                 <a:solidFill>
                   <a:srgbClr val="000000"/>
                 </a:solidFill>
@@ -18505,7 +18512,7 @@
               </a:rPr>
               <a:t>A file of files</a:t>
             </a:r>
-            <a:endParaRPr lang="en-US" sz="1800" b="0" strike="noStrike" spc="-1">
+            <a:endParaRPr lang="en-US" sz="2400" b="0" strike="noStrike" spc="-1" dirty="0">
               <a:solidFill>
                 <a:srgbClr val="000000"/>
               </a:solidFill>
@@ -18530,7 +18537,7 @@
               </a:tabLst>
             </a:pPr>
             <a:r>
-              <a:rPr lang="en-US" sz="1800" b="0" strike="noStrike" spc="49">
+              <a:rPr lang="en-US" b="0" strike="noStrike" spc="49" dirty="0">
                 <a:solidFill>
                   <a:srgbClr val="000000"/>
                 </a:solidFill>
@@ -18539,7 +18546,7 @@
               </a:rPr>
               <a:t>Location where items are stored</a:t>
             </a:r>
-            <a:endParaRPr lang="en-US" sz="1800" b="0" strike="noStrike" spc="-1">
+            <a:endParaRPr lang="en-US" b="0" strike="noStrike" spc="-1" dirty="0">
               <a:solidFill>
                 <a:srgbClr val="000000"/>
               </a:solidFill>
@@ -18564,7 +18571,7 @@
               </a:tabLst>
             </a:pPr>
             <a:r>
-              <a:rPr lang="en-US" sz="1800" b="0" strike="noStrike" spc="49">
+              <a:rPr lang="en-US" b="0" strike="noStrike" spc="49" dirty="0">
                 <a:solidFill>
                   <a:srgbClr val="000000"/>
                 </a:solidFill>
@@ -18573,7 +18580,7 @@
               </a:rPr>
               <a:t>This can be on: </a:t>
             </a:r>
-            <a:endParaRPr lang="en-US" sz="1800" b="0" strike="noStrike" spc="-1">
+            <a:endParaRPr lang="en-US" b="0" strike="noStrike" spc="-1" dirty="0">
               <a:solidFill>
                 <a:srgbClr val="000000"/>
               </a:solidFill>
@@ -18598,7 +18605,7 @@
               </a:tabLst>
             </a:pPr>
             <a:r>
-              <a:rPr lang="en-US" sz="1800" b="0" strike="noStrike" spc="49">
+              <a:rPr lang="en-US" sz="2400" b="0" strike="noStrike" spc="49" dirty="0">
                 <a:solidFill>
                   <a:srgbClr val="000000"/>
                 </a:solidFill>
@@ -18607,7 +18614,7 @@
               </a:rPr>
               <a:t>Your personal computer</a:t>
             </a:r>
-            <a:endParaRPr lang="en-US" sz="1800" b="0" strike="noStrike" spc="-1">
+            <a:endParaRPr lang="en-US" sz="2400" b="0" strike="noStrike" spc="-1" dirty="0">
               <a:solidFill>
                 <a:srgbClr val="000000"/>
               </a:solidFill>
@@ -18632,7 +18639,7 @@
               </a:tabLst>
             </a:pPr>
             <a:r>
-              <a:rPr lang="en-US" sz="1800" b="0" strike="noStrike" spc="49">
+              <a:rPr lang="en-US" sz="2400" b="0" strike="noStrike" spc="49" dirty="0">
                 <a:solidFill>
                   <a:srgbClr val="000000"/>
                 </a:solidFill>
@@ -18641,7 +18648,7 @@
               </a:rPr>
               <a:t>Remote location </a:t>
             </a:r>
-            <a:endParaRPr lang="en-US" sz="1800" b="0" strike="noStrike" spc="-1">
+            <a:endParaRPr lang="en-US" sz="2400" b="0" strike="noStrike" spc="-1" dirty="0">
               <a:solidFill>
                 <a:srgbClr val="000000"/>
               </a:solidFill>
@@ -18666,7 +18673,7 @@
               </a:tabLst>
             </a:pPr>
             <a:r>
-              <a:rPr lang="en-US" sz="1800" b="0" strike="noStrike" spc="49">
+              <a:rPr lang="en-US" sz="2400" b="0" strike="noStrike" spc="49" dirty="0">
                 <a:solidFill>
                   <a:srgbClr val="000000"/>
                 </a:solidFill>
@@ -18675,7 +18682,7 @@
               </a:rPr>
               <a:t>Both</a:t>
             </a:r>
-            <a:endParaRPr lang="en-US" sz="1800" b="0" strike="noStrike" spc="-1">
+            <a:endParaRPr lang="en-US" sz="2400" b="0" strike="noStrike" spc="-1" dirty="0">
               <a:solidFill>
                 <a:srgbClr val="000000"/>
               </a:solidFill>
@@ -27423,7 +27430,7 @@
         <p:spPr>
           <a:xfrm>
             <a:off x="1322280" y="268200"/>
-            <a:ext cx="7287840" cy="2120760"/>
+            <a:ext cx="7287840" cy="1234923"/>
           </a:xfrm>
           <a:prstGeom prst="rect">
             <a:avLst/>
@@ -27542,8 +27549,8 @@
         </p:nvSpPr>
         <p:spPr>
           <a:xfrm>
-            <a:off x="1355411" y="2769627"/>
-            <a:ext cx="9882431" cy="3710685"/>
+            <a:off x="1355411" y="1866378"/>
+            <a:ext cx="9882431" cy="4854822"/>
           </a:xfrm>
           <a:prstGeom prst="rect">
             <a:avLst/>
@@ -27555,7 +27562,7 @@
         </p:spPr>
         <p:txBody>
           <a:bodyPr anchor="t">
-            <a:normAutofit/>
+            <a:normAutofit fontScale="92500" lnSpcReduction="10000"/>
           </a:bodyPr>
           <a:lstStyle>
             <a:lvl1pPr marL="228600" indent="-228600" algn="l" defTabSz="914400" rtl="0" eaLnBrk="1" latinLnBrk="0" hangingPunct="1">
@@ -27728,7 +27735,7 @@
               </a:spcBef>
             </a:pPr>
             <a:r>
-              <a:rPr lang="en-US" sz="2000" b="1" dirty="0">
+              <a:rPr lang="en-US" sz="3200" b="1" dirty="0">
                 <a:solidFill>
                   <a:srgbClr val="0E0E0E"/>
                 </a:solidFill>
@@ -27737,7 +27744,7 @@
               </a:rPr>
               <a:t>Visibility Options:</a:t>
             </a:r>
-            <a:endParaRPr lang="en-US" sz="2000" dirty="0">
+            <a:endParaRPr lang="en-US" sz="3200" dirty="0">
               <a:solidFill>
                 <a:srgbClr val="0E0E0E"/>
               </a:solidFill>
@@ -27752,7 +27759,7 @@
               </a:spcBef>
             </a:pPr>
             <a:r>
-              <a:rPr lang="en-US" sz="1600" b="1" dirty="0">
+              <a:rPr lang="en-US" b="1" dirty="0">
                 <a:solidFill>
                   <a:srgbClr val="0E0E0E"/>
                 </a:solidFill>
@@ -27762,7 +27769,7 @@
               <a:t>Public:</a:t>
             </a:r>
             <a:r>
-              <a:rPr lang="en-US" sz="1600" dirty="0">
+              <a:rPr lang="en-US" dirty="0">
                 <a:solidFill>
                   <a:srgbClr val="0E0E0E"/>
                 </a:solidFill>
@@ -27779,7 +27786,7 @@
               </a:spcBef>
             </a:pPr>
             <a:r>
-              <a:rPr lang="en-US" sz="1600" b="1" dirty="0">
+              <a:rPr lang="en-US" b="1" dirty="0">
                 <a:solidFill>
                   <a:srgbClr val="0E0E0E"/>
                 </a:solidFill>
@@ -27789,7 +27796,7 @@
               <a:t>Private:</a:t>
             </a:r>
             <a:r>
-              <a:rPr lang="en-US" sz="1600" dirty="0">
+              <a:rPr lang="en-US" dirty="0">
                 <a:solidFill>
                   <a:srgbClr val="0E0E0E"/>
                 </a:solidFill>
@@ -27806,7 +27813,7 @@
               </a:spcBef>
             </a:pPr>
             <a:r>
-              <a:rPr lang="en-US" sz="2000" b="1" dirty="0">
+              <a:rPr lang="en-US" sz="3200" b="1" dirty="0">
                 <a:solidFill>
                   <a:srgbClr val="0E0E0E"/>
                 </a:solidFill>
@@ -27816,7 +27823,7 @@
               <a:t>Initialize: </a:t>
             </a:r>
             <a:r>
-              <a:rPr lang="en-US" sz="2000" dirty="0">
+              <a:rPr lang="en-US" sz="3200" dirty="0">
                 <a:solidFill>
                   <a:srgbClr val="0E0E0E"/>
                 </a:solidFill>
@@ -27825,7 +27832,7 @@
               </a:rPr>
               <a:t>Initializing a repository means setting up a new project folder (repository) for Git to start tracking changes. You can do this on your local computer or when setting up your repository online by adding selected files:</a:t>
             </a:r>
-            <a:endParaRPr lang="en-US" sz="2000" b="1" dirty="0">
+            <a:endParaRPr lang="en-US" sz="3200" b="1" dirty="0">
               <a:solidFill>
                 <a:srgbClr val="0E0E0E"/>
               </a:solidFill>
@@ -27839,7 +27846,7 @@
               </a:spcBef>
             </a:pPr>
             <a:r>
-              <a:rPr lang="en-US" sz="1600" b="1" dirty="0">
+              <a:rPr lang="en-US" b="1" dirty="0">
                 <a:solidFill>
                   <a:srgbClr val="0E0E0E"/>
                 </a:solidFill>
@@ -27848,7 +27855,7 @@
               <a:t>Add a</a:t>
             </a:r>
             <a:r>
-              <a:rPr lang="en-US" sz="1600" b="1" dirty="0">
+              <a:rPr lang="en-US" b="1" dirty="0">
                 <a:solidFill>
                   <a:srgbClr val="0E0E0E"/>
                 </a:solidFill>
@@ -27858,7 +27865,7 @@
               <a:t> README:</a:t>
             </a:r>
             <a:r>
-              <a:rPr lang="en-US" sz="1600" dirty="0">
+              <a:rPr lang="en-US" dirty="0">
                 <a:solidFill>
                   <a:srgbClr val="0E0E0E"/>
                 </a:solidFill>
@@ -27868,7 +27875,7 @@
               <a:t> Automatically adds a </a:t>
             </a:r>
             <a:r>
-              <a:rPr lang="en-US" sz="1600" dirty="0" err="1">
+              <a:rPr lang="en-US" dirty="0" err="1">
                 <a:solidFill>
                   <a:srgbClr val="0E0E0E"/>
                 </a:solidFill>
@@ -27878,7 +27885,7 @@
               <a:t>README.md</a:t>
             </a:r>
             <a:r>
-              <a:rPr lang="en-US" sz="1600" dirty="0">
+              <a:rPr lang="en-US" dirty="0">
                 <a:solidFill>
                   <a:srgbClr val="0E0E0E"/>
                 </a:solidFill>
@@ -27895,7 +27902,7 @@
               </a:spcBef>
             </a:pPr>
             <a:r>
-              <a:rPr lang="en-US" sz="1600" b="1" dirty="0">
+              <a:rPr lang="en-US" b="1" dirty="0">
                 <a:solidFill>
                   <a:srgbClr val="0E0E0E"/>
                 </a:solidFill>
@@ -27905,7 +27912,7 @@
               <a:t>Add a .</a:t>
             </a:r>
             <a:r>
-              <a:rPr lang="en-US" sz="1600" b="1" dirty="0" err="1">
+              <a:rPr lang="en-US" b="1" dirty="0" err="1">
                 <a:solidFill>
                   <a:srgbClr val="0E0E0E"/>
                 </a:solidFill>
@@ -27915,7 +27922,7 @@
               <a:t>gitignore</a:t>
             </a:r>
             <a:r>
-              <a:rPr lang="en-US" sz="1600" b="1" dirty="0">
+              <a:rPr lang="en-US" b="1" dirty="0">
                 <a:solidFill>
                   <a:srgbClr val="0E0E0E"/>
                 </a:solidFill>
@@ -27925,7 +27932,7 @@
               <a:t> File:</a:t>
             </a:r>
             <a:r>
-              <a:rPr lang="en-US" sz="1600" dirty="0">
+              <a:rPr lang="en-US" dirty="0">
                 <a:solidFill>
                   <a:srgbClr val="0E0E0E"/>
                 </a:solidFill>
@@ -27942,7 +27949,7 @@
               </a:spcBef>
             </a:pPr>
             <a:r>
-              <a:rPr lang="en-US" sz="1600" b="1" dirty="0">
+              <a:rPr lang="en-US" b="1" dirty="0">
                 <a:solidFill>
                   <a:srgbClr val="0E0E0E"/>
                 </a:solidFill>
@@ -27952,7 +27959,7 @@
               <a:t>Add a License:</a:t>
             </a:r>
             <a:r>
-              <a:rPr lang="en-US" sz="1600" dirty="0">
+              <a:rPr lang="en-US" dirty="0">
                 <a:solidFill>
                   <a:srgbClr val="0E0E0E"/>
                 </a:solidFill>
@@ -28014,7 +28021,7 @@
         <p:spPr>
           <a:xfrm>
             <a:off x="803385" y="-477360"/>
-            <a:ext cx="7287840" cy="2120760"/>
+            <a:ext cx="7287840" cy="1479960"/>
           </a:xfrm>
           <a:prstGeom prst="rect">
             <a:avLst/>
@@ -28056,228 +28063,6 @@
       </p:sp>
       <p:sp>
         <p:nvSpPr>
-          <p:cNvPr id="414" name="PlaceHolder 2">
-            <a:extLst>
-              <a:ext uri="{FF2B5EF4-FFF2-40B4-BE49-F238E27FC236}">
-                <a16:creationId xmlns:a16="http://schemas.microsoft.com/office/drawing/2014/main" id="{1E4E4F98-9014-419D-55D0-1B8ECC8D103B}"/>
-              </a:ext>
-            </a:extLst>
-          </p:cNvPr>
-          <p:cNvSpPr>
-            <a:spLocks noGrp="1"/>
-          </p:cNvSpPr>
-          <p:nvPr>
-            <p:ph/>
-          </p:nvPr>
-        </p:nvSpPr>
-        <p:spPr>
-          <a:xfrm>
-            <a:off x="434385" y="2388960"/>
-            <a:ext cx="4012920" cy="4332240"/>
-          </a:xfrm>
-          <a:prstGeom prst="rect">
-            <a:avLst/>
-          </a:prstGeom>
-          <a:noFill/>
-          <a:ln w="0">
-            <a:noFill/>
-          </a:ln>
-        </p:spPr>
-        <p:txBody>
-          <a:bodyPr anchor="t">
-            <a:normAutofit/>
-          </a:bodyPr>
-          <a:lstStyle/>
-          <a:p>
-            <a:pPr marL="280440" lvl="2" indent="0">
-              <a:lnSpc>
-                <a:spcPct val="100000"/>
-              </a:lnSpc>
-              <a:spcBef>
-                <a:spcPts val="1001"/>
-              </a:spcBef>
-              <a:buClr>
-                <a:srgbClr val="000000"/>
-              </a:buClr>
-              <a:buNone/>
-            </a:pPr>
-            <a:r>
-              <a:rPr lang="en-US" b="1" strike="noStrike" spc="49" dirty="0" err="1">
-                <a:solidFill>
-                  <a:srgbClr val="000000"/>
-                </a:solidFill>
-                <a:latin typeface="Tenorite" pitchFamily="2" charset="0"/>
-                <a:ea typeface="Tenorite"/>
-              </a:rPr>
-              <a:t>README.md</a:t>
-            </a:r>
-            <a:endParaRPr lang="en-US" b="1" strike="noStrike" spc="49" dirty="0">
-              <a:solidFill>
-                <a:srgbClr val="000000"/>
-              </a:solidFill>
-              <a:latin typeface="Tenorite" pitchFamily="2" charset="0"/>
-              <a:ea typeface="Tenorite"/>
-            </a:endParaRPr>
-          </a:p>
-          <a:p>
-            <a:r>
-              <a:rPr lang="en-US" sz="1800" b="1" dirty="0">
-                <a:solidFill>
-                  <a:srgbClr val="0E0E0E"/>
-                </a:solidFill>
-                <a:effectLst/>
-                <a:latin typeface="Tenorite" pitchFamily="2" charset="0"/>
-              </a:rPr>
-              <a:t>Purpose: </a:t>
-            </a:r>
-            <a:r>
-              <a:rPr lang="en-US" sz="1800" dirty="0">
-                <a:solidFill>
-                  <a:srgbClr val="0E0E0E"/>
-                </a:solidFill>
-                <a:effectLst/>
-                <a:latin typeface="Tenorite" pitchFamily="2" charset="0"/>
-              </a:rPr>
-              <a:t>Provides a description of the repository and its purpose.</a:t>
-            </a:r>
-          </a:p>
-          <a:p>
-            <a:pPr>
-              <a:spcBef>
-                <a:spcPts val="900"/>
-              </a:spcBef>
-            </a:pPr>
-            <a:r>
-              <a:rPr lang="en-US" sz="1800" b="1" dirty="0">
-                <a:solidFill>
-                  <a:srgbClr val="0E0E0E"/>
-                </a:solidFill>
-                <a:effectLst/>
-                <a:latin typeface="Tenorite" pitchFamily="2" charset="0"/>
-              </a:rPr>
-              <a:t>Why It’s Important: </a:t>
-            </a:r>
-            <a:r>
-              <a:rPr lang="en-US" sz="1800" dirty="0">
-                <a:solidFill>
-                  <a:srgbClr val="0E0E0E"/>
-                </a:solidFill>
-                <a:effectLst/>
-                <a:latin typeface="Tenorite" pitchFamily="2" charset="0"/>
-              </a:rPr>
-              <a:t>Helps others (and you!) understand what the project is about and how to use it.</a:t>
-            </a:r>
-          </a:p>
-          <a:p>
-            <a:pPr>
-              <a:spcBef>
-                <a:spcPts val="900"/>
-              </a:spcBef>
-            </a:pPr>
-            <a:r>
-              <a:rPr lang="en-US" sz="1800" b="1" dirty="0">
-                <a:solidFill>
-                  <a:srgbClr val="0E0E0E"/>
-                </a:solidFill>
-                <a:effectLst/>
-                <a:latin typeface="Tenorite" pitchFamily="2" charset="0"/>
-              </a:rPr>
-              <a:t>What to Include:</a:t>
-            </a:r>
-          </a:p>
-          <a:p>
-            <a:pPr lvl="1">
-              <a:spcBef>
-                <a:spcPts val="900"/>
-              </a:spcBef>
-            </a:pPr>
-            <a:r>
-              <a:rPr lang="en-US" sz="1800" dirty="0">
-                <a:solidFill>
-                  <a:srgbClr val="0E0E0E"/>
-                </a:solidFill>
-                <a:effectLst/>
-                <a:latin typeface="Tenorite" pitchFamily="2" charset="0"/>
-              </a:rPr>
-              <a:t>Project title and description.</a:t>
-            </a:r>
-          </a:p>
-          <a:p>
-            <a:pPr lvl="1">
-              <a:spcBef>
-                <a:spcPts val="900"/>
-              </a:spcBef>
-            </a:pPr>
-            <a:r>
-              <a:rPr lang="en-US" sz="1800" dirty="0">
-                <a:solidFill>
-                  <a:srgbClr val="0E0E0E"/>
-                </a:solidFill>
-                <a:effectLst/>
-                <a:latin typeface="Tenorite" pitchFamily="2" charset="0"/>
-              </a:rPr>
-              <a:t>Installation instructions.</a:t>
-            </a:r>
-          </a:p>
-          <a:p>
-            <a:pPr lvl="1">
-              <a:spcBef>
-                <a:spcPts val="900"/>
-              </a:spcBef>
-            </a:pPr>
-            <a:r>
-              <a:rPr lang="en-US" sz="1800" dirty="0">
-                <a:solidFill>
-                  <a:srgbClr val="0E0E0E"/>
-                </a:solidFill>
-                <a:effectLst/>
-                <a:latin typeface="Tenorite" pitchFamily="2" charset="0"/>
-              </a:rPr>
-              <a:t>Usage examples.</a:t>
-            </a:r>
-          </a:p>
-          <a:p>
-            <a:pPr lvl="1">
-              <a:spcBef>
-                <a:spcPts val="900"/>
-              </a:spcBef>
-            </a:pPr>
-            <a:r>
-              <a:rPr lang="en-US" sz="1800" dirty="0">
-                <a:solidFill>
-                  <a:srgbClr val="0E0E0E"/>
-                </a:solidFill>
-                <a:effectLst/>
-                <a:latin typeface="Tenorite" pitchFamily="2" charset="0"/>
-              </a:rPr>
-              <a:t>Contact information or links.</a:t>
-            </a:r>
-          </a:p>
-          <a:p>
-            <a:pPr marL="280440" lvl="2" indent="0">
-              <a:lnSpc>
-                <a:spcPct val="100000"/>
-              </a:lnSpc>
-              <a:spcBef>
-                <a:spcPts val="1001"/>
-              </a:spcBef>
-              <a:buClr>
-                <a:srgbClr val="000000"/>
-              </a:buClr>
-              <a:buNone/>
-            </a:pPr>
-            <a:endParaRPr lang="en-US" sz="1800" strike="noStrike" spc="49" dirty="0">
-              <a:solidFill>
-                <a:srgbClr val="000000"/>
-              </a:solidFill>
-              <a:latin typeface="Tenorite" pitchFamily="2" charset="0"/>
-              <a:ea typeface="Tenorite"/>
-            </a:endParaRPr>
-          </a:p>
-        </p:txBody>
-      </p:sp>
-      <p:sp>
-        <p:nvSpPr>
           <p:cNvPr id="415" name="PlaceHolder 3">
             <a:extLst>
               <a:ext uri="{FF2B5EF4-FFF2-40B4-BE49-F238E27FC236}">
@@ -28363,8 +28148,8 @@
         </p:blipFill>
         <p:spPr>
           <a:xfrm>
-            <a:off x="4348440" y="897840"/>
-            <a:ext cx="7772040" cy="4817880"/>
+            <a:off x="0" y="0"/>
+            <a:ext cx="10094070" cy="6141787"/>
           </a:xfrm>
           <a:prstGeom prst="rect">
             <a:avLst/>
@@ -28374,6 +28159,239 @@
           </a:ln>
         </p:spPr>
       </p:pic>
+      <p:sp>
+        <p:nvSpPr>
+          <p:cNvPr id="414" name="PlaceHolder 2">
+            <a:extLst>
+              <a:ext uri="{FF2B5EF4-FFF2-40B4-BE49-F238E27FC236}">
+                <a16:creationId xmlns:a16="http://schemas.microsoft.com/office/drawing/2014/main" id="{1E4E4F98-9014-419D-55D0-1B8ECC8D103B}"/>
+              </a:ext>
+            </a:extLst>
+          </p:cNvPr>
+          <p:cNvSpPr>
+            <a:spLocks noGrp="1"/>
+          </p:cNvSpPr>
+          <p:nvPr>
+            <p:ph/>
+          </p:nvPr>
+        </p:nvSpPr>
+        <p:spPr>
+          <a:xfrm>
+            <a:off x="7404101" y="2463800"/>
+            <a:ext cx="4787900" cy="4394200"/>
+          </a:xfrm>
+          <a:prstGeom prst="rect">
+            <a:avLst/>
+          </a:prstGeom>
+          <a:ln/>
+        </p:spPr>
+        <p:style>
+          <a:lnRef idx="2">
+            <a:schemeClr val="dk1"/>
+          </a:lnRef>
+          <a:fillRef idx="1">
+            <a:schemeClr val="lt1"/>
+          </a:fillRef>
+          <a:effectRef idx="0">
+            <a:schemeClr val="dk1"/>
+          </a:effectRef>
+          <a:fontRef idx="minor">
+            <a:schemeClr val="dk1"/>
+          </a:fontRef>
+        </p:style>
+        <p:txBody>
+          <a:bodyPr anchor="t">
+            <a:normAutofit fontScale="92500"/>
+          </a:bodyPr>
+          <a:lstStyle/>
+          <a:p>
+            <a:pPr marL="280440" lvl="2" indent="0">
+              <a:lnSpc>
+                <a:spcPct val="100000"/>
+              </a:lnSpc>
+              <a:spcBef>
+                <a:spcPts val="1001"/>
+              </a:spcBef>
+              <a:buClr>
+                <a:srgbClr val="000000"/>
+              </a:buClr>
+              <a:buNone/>
+            </a:pPr>
+            <a:r>
+              <a:rPr lang="en-US" sz="2800" b="1" strike="noStrike" spc="49" dirty="0" err="1">
+                <a:solidFill>
+                  <a:srgbClr val="000000"/>
+                </a:solidFill>
+                <a:latin typeface="Tenorite" pitchFamily="2" charset="0"/>
+                <a:ea typeface="Tenorite"/>
+              </a:rPr>
+              <a:t>README.md</a:t>
+            </a:r>
+            <a:endParaRPr lang="en-US" sz="2800" b="1" strike="noStrike" spc="49" dirty="0">
+              <a:solidFill>
+                <a:srgbClr val="000000"/>
+              </a:solidFill>
+              <a:latin typeface="Tenorite" pitchFamily="2" charset="0"/>
+              <a:ea typeface="Tenorite"/>
+            </a:endParaRPr>
+          </a:p>
+          <a:p>
+            <a:r>
+              <a:rPr lang="en-US" sz="2400" b="1" dirty="0">
+                <a:solidFill>
+                  <a:srgbClr val="0E0E0E"/>
+                </a:solidFill>
+                <a:effectLst/>
+                <a:latin typeface="Tenorite" pitchFamily="2" charset="0"/>
+              </a:rPr>
+              <a:t>Purpose: </a:t>
+            </a:r>
+            <a:r>
+              <a:rPr lang="en-US" sz="2400" dirty="0">
+                <a:solidFill>
+                  <a:srgbClr val="0E0E0E"/>
+                </a:solidFill>
+                <a:effectLst/>
+                <a:latin typeface="Tenorite" pitchFamily="2" charset="0"/>
+              </a:rPr>
+              <a:t>Provides a description of the repository and its purpose.</a:t>
+            </a:r>
+          </a:p>
+          <a:p>
+            <a:pPr>
+              <a:spcBef>
+                <a:spcPts val="900"/>
+              </a:spcBef>
+            </a:pPr>
+            <a:r>
+              <a:rPr lang="en-US" sz="2400" b="1" dirty="0">
+                <a:solidFill>
+                  <a:srgbClr val="0E0E0E"/>
+                </a:solidFill>
+                <a:effectLst/>
+                <a:latin typeface="Tenorite" pitchFamily="2" charset="0"/>
+              </a:rPr>
+              <a:t>Why It’s Important: </a:t>
+            </a:r>
+            <a:r>
+              <a:rPr lang="en-US" sz="2400" dirty="0">
+                <a:solidFill>
+                  <a:srgbClr val="0E0E0E"/>
+                </a:solidFill>
+                <a:effectLst/>
+                <a:latin typeface="Tenorite" pitchFamily="2" charset="0"/>
+              </a:rPr>
+              <a:t>Helps others (and you!) understand what the project is about and how to use it.</a:t>
+            </a:r>
+          </a:p>
+          <a:p>
+            <a:pPr>
+              <a:spcBef>
+                <a:spcPts val="900"/>
+              </a:spcBef>
+            </a:pPr>
+            <a:r>
+              <a:rPr lang="en-US" sz="2400" b="1" dirty="0">
+                <a:solidFill>
+                  <a:srgbClr val="0E0E0E"/>
+                </a:solidFill>
+                <a:effectLst/>
+                <a:latin typeface="Tenorite" pitchFamily="2" charset="0"/>
+              </a:rPr>
+              <a:t>What to Include:</a:t>
+            </a:r>
+          </a:p>
+          <a:p>
+            <a:pPr lvl="1">
+              <a:spcBef>
+                <a:spcPts val="900"/>
+              </a:spcBef>
+            </a:pPr>
+            <a:r>
+              <a:rPr lang="en-US" dirty="0">
+                <a:solidFill>
+                  <a:srgbClr val="0E0E0E"/>
+                </a:solidFill>
+                <a:effectLst/>
+                <a:latin typeface="Tenorite" pitchFamily="2" charset="0"/>
+              </a:rPr>
+              <a:t>Project title and description.</a:t>
+            </a:r>
+          </a:p>
+          <a:p>
+            <a:pPr lvl="1">
+              <a:spcBef>
+                <a:spcPts val="900"/>
+              </a:spcBef>
+            </a:pPr>
+            <a:r>
+              <a:rPr lang="en-US" dirty="0">
+                <a:solidFill>
+                  <a:srgbClr val="0E0E0E"/>
+                </a:solidFill>
+                <a:effectLst/>
+                <a:latin typeface="Tenorite" pitchFamily="2" charset="0"/>
+              </a:rPr>
+              <a:t>Installation instructions.</a:t>
+            </a:r>
+          </a:p>
+          <a:p>
+            <a:pPr lvl="1">
+              <a:spcBef>
+                <a:spcPts val="900"/>
+              </a:spcBef>
+            </a:pPr>
+            <a:r>
+              <a:rPr lang="en-US" dirty="0">
+                <a:solidFill>
+                  <a:srgbClr val="0E0E0E"/>
+                </a:solidFill>
+                <a:effectLst/>
+                <a:latin typeface="Tenorite" pitchFamily="2" charset="0"/>
+              </a:rPr>
+              <a:t>Usage examples.</a:t>
+            </a:r>
+          </a:p>
+          <a:p>
+            <a:pPr lvl="1">
+              <a:spcBef>
+                <a:spcPts val="900"/>
+              </a:spcBef>
+            </a:pPr>
+            <a:r>
+              <a:rPr lang="en-US" dirty="0">
+                <a:solidFill>
+                  <a:srgbClr val="0E0E0E"/>
+                </a:solidFill>
+                <a:effectLst/>
+                <a:latin typeface="Tenorite" pitchFamily="2" charset="0"/>
+              </a:rPr>
+              <a:t>Contact information or links.</a:t>
+            </a:r>
+          </a:p>
+          <a:p>
+            <a:pPr marL="280440" lvl="2" indent="0">
+              <a:lnSpc>
+                <a:spcPct val="100000"/>
+              </a:lnSpc>
+              <a:spcBef>
+                <a:spcPts val="1001"/>
+              </a:spcBef>
+              <a:buClr>
+                <a:srgbClr val="000000"/>
+              </a:buClr>
+              <a:buNone/>
+            </a:pPr>
+            <a:endParaRPr lang="en-US" sz="2400" strike="noStrike" spc="49" dirty="0">
+              <a:solidFill>
+                <a:srgbClr val="000000"/>
+              </a:solidFill>
+              <a:latin typeface="Tenorite" pitchFamily="2" charset="0"/>
+              <a:ea typeface="Tenorite"/>
+            </a:endParaRPr>
+          </a:p>
+        </p:txBody>
+      </p:sp>
     </p:spTree>
     <p:extLst>
       <p:ext uri="{BB962C8B-B14F-4D97-AF65-F5344CB8AC3E}">
@@ -28417,7 +28435,7 @@
         <p:spPr>
           <a:xfrm>
             <a:off x="1322280" y="268200"/>
-            <a:ext cx="7287840" cy="2120760"/>
+            <a:ext cx="7287840" cy="884195"/>
           </a:xfrm>
           <a:prstGeom prst="rect">
             <a:avLst/>
@@ -28440,7 +28458,7 @@
               <a:buNone/>
             </a:pPr>
             <a:r>
-              <a:rPr lang="en-US" sz="2800" b="0" strike="noStrike" cap="all" spc="148">
+              <a:rPr lang="en-US" sz="2800" b="0" strike="noStrike" cap="all" spc="148" dirty="0">
                 <a:solidFill>
                   <a:srgbClr val="000000"/>
                 </a:solidFill>
@@ -28448,7 +28466,7 @@
               </a:rPr>
               <a:t>GitHub</a:t>
             </a:r>
-            <a:endParaRPr lang="en-US" sz="2800" b="0" strike="noStrike" spc="-1">
+            <a:endParaRPr lang="en-US" sz="2800" b="0" strike="noStrike" spc="-1" dirty="0">
               <a:solidFill>
                 <a:srgbClr val="000000"/>
               </a:solidFill>
@@ -28469,8 +28487,8 @@
         </p:nvSpPr>
         <p:spPr>
           <a:xfrm>
-            <a:off x="1322280" y="2763000"/>
-            <a:ext cx="4012920" cy="3958200"/>
+            <a:off x="400833" y="1540701"/>
+            <a:ext cx="4934367" cy="5180499"/>
           </a:xfrm>
           <a:prstGeom prst="rect">
             <a:avLst/>
@@ -28482,7 +28500,7 @@
         </p:spPr>
         <p:txBody>
           <a:bodyPr anchor="t">
-            <a:normAutofit fontScale="70000" lnSpcReduction="20000"/>
+            <a:normAutofit fontScale="92500" lnSpcReduction="10000"/>
           </a:bodyPr>
           <a:lstStyle/>
           <a:p>
@@ -28809,8 +28827,8 @@
         </p:blipFill>
         <p:spPr>
           <a:xfrm>
-            <a:off x="5605560" y="2028240"/>
-            <a:ext cx="4764600" cy="2200320"/>
+            <a:off x="5694460" y="1540701"/>
+            <a:ext cx="6497540" cy="2975560"/>
           </a:xfrm>
           <a:prstGeom prst="rect">
             <a:avLst/>
@@ -28858,7 +28876,7 @@
         <p:spPr>
           <a:xfrm>
             <a:off x="1322280" y="268200"/>
-            <a:ext cx="7287840" cy="2120760"/>
+            <a:ext cx="7287840" cy="883800"/>
           </a:xfrm>
           <a:prstGeom prst="rect">
             <a:avLst/>
@@ -28881,7 +28899,7 @@
               <a:buNone/>
             </a:pPr>
             <a:r>
-              <a:rPr lang="en-US" sz="2800" b="0" strike="noStrike" cap="all" spc="148">
+              <a:rPr lang="en-US" sz="2800" b="0" strike="noStrike" cap="all" spc="148" dirty="0">
                 <a:solidFill>
                   <a:srgbClr val="000000"/>
                 </a:solidFill>
@@ -28889,7 +28907,7 @@
               </a:rPr>
               <a:t>GitHub</a:t>
             </a:r>
-            <a:endParaRPr lang="en-US" sz="2800" b="0" strike="noStrike" spc="-1">
+            <a:endParaRPr lang="en-US" sz="2800" b="0" strike="noStrike" spc="-1" dirty="0">
               <a:solidFill>
                 <a:srgbClr val="000000"/>
               </a:solidFill>
@@ -28910,8 +28928,8 @@
         </p:nvSpPr>
         <p:spPr>
           <a:xfrm>
-            <a:off x="945240" y="2763000"/>
-            <a:ext cx="3667440" cy="3593520"/>
+            <a:off x="501041" y="1802520"/>
+            <a:ext cx="4111639" cy="4554000"/>
           </a:xfrm>
           <a:prstGeom prst="rect">
             <a:avLst/>
@@ -28940,7 +28958,7 @@
               <a:buNone/>
             </a:pPr>
             <a:r>
-              <a:rPr lang="en-US" b="1" strike="noStrike" spc="-1" dirty="0">
+              <a:rPr lang="en-US" sz="2800" b="1" strike="noStrike" spc="-1" dirty="0">
                 <a:solidFill>
                   <a:srgbClr val="000000"/>
                 </a:solidFill>
@@ -28962,7 +28980,7 @@
               </a:buClr>
               <a:buNone/>
             </a:pPr>
-            <a:endParaRPr lang="en-US" b="1" strike="noStrike" spc="-1" dirty="0">
+            <a:endParaRPr lang="en-US" sz="2800" b="1" strike="noStrike" spc="-1" dirty="0">
               <a:solidFill>
                 <a:srgbClr val="000000"/>
               </a:solidFill>
@@ -28971,7 +28989,7 @@
           </a:p>
           <a:p>
             <a:r>
-              <a:rPr lang="en-US" sz="1800" b="1" dirty="0">
+              <a:rPr lang="en-US" sz="2400" b="1" dirty="0">
                 <a:solidFill>
                   <a:srgbClr val="0E0E0E"/>
                 </a:solidFill>
@@ -28981,7 +28999,7 @@
               <a:t>Purpose:</a:t>
             </a:r>
             <a:r>
-              <a:rPr lang="en-US" sz="1800" dirty="0">
+              <a:rPr lang="en-US" sz="2400" dirty="0">
                 <a:solidFill>
                   <a:srgbClr val="0E0E0E"/>
                 </a:solidFill>
@@ -28998,7 +29016,7 @@
               </a:spcBef>
             </a:pPr>
             <a:r>
-              <a:rPr lang="en-US" sz="1800" b="1" dirty="0">
+              <a:rPr lang="en-US" sz="2400" b="1" dirty="0">
                 <a:solidFill>
                   <a:srgbClr val="0E0E0E"/>
                 </a:solidFill>
@@ -29008,7 +29026,7 @@
               <a:t>Why It’s Important:</a:t>
             </a:r>
             <a:r>
-              <a:rPr lang="en-US" sz="1800" dirty="0">
+              <a:rPr lang="en-US" sz="2400" dirty="0">
                 <a:solidFill>
                   <a:srgbClr val="0E0E0E"/>
                 </a:solidFill>
@@ -29031,7 +29049,7 @@
               </a:buClr>
               <a:buNone/>
             </a:pPr>
-            <a:endParaRPr lang="en-US" b="1" strike="noStrike" spc="-1" dirty="0">
+            <a:endParaRPr lang="en-US" sz="2800" b="1" strike="noStrike" spc="-1" dirty="0">
               <a:solidFill>
                 <a:srgbClr val="000000"/>
               </a:solidFill>
@@ -29116,7 +29134,7 @@
         <p:spPr>
           <a:xfrm>
             <a:off x="4612680" y="1152000"/>
-            <a:ext cx="6634080" cy="4554000"/>
+            <a:ext cx="7579320" cy="5299600"/>
           </a:xfrm>
           <a:prstGeom prst="rect">
             <a:avLst/>
@@ -29248,7 +29266,7 @@
         <p:spPr>
           <a:xfrm>
             <a:off x="3603927" y="0"/>
-            <a:ext cx="4179240" cy="1524240"/>
+            <a:ext cx="4179240" cy="914400"/>
           </a:xfrm>
         </p:spPr>
         <p:txBody>
@@ -29284,7 +29302,7 @@
         </p:blipFill>
         <p:spPr>
           <a:xfrm>
-            <a:off x="6776001" y="458817"/>
+            <a:off x="8905426" y="0"/>
             <a:ext cx="2933700" cy="635000"/>
           </a:xfrm>
           <a:prstGeom prst="rect">
@@ -29314,8 +29332,8 @@
         </p:blipFill>
         <p:spPr>
           <a:xfrm>
-            <a:off x="1658400" y="1093817"/>
-            <a:ext cx="8875199" cy="5764183"/>
+            <a:off x="0" y="914400"/>
+            <a:ext cx="12163550" cy="7899871"/>
           </a:xfrm>
           <a:prstGeom prst="rect">
             <a:avLst/>
@@ -29365,7 +29383,7 @@
         <p:spPr>
           <a:xfrm>
             <a:off x="1322280" y="268200"/>
-            <a:ext cx="7851960" cy="2120760"/>
+            <a:ext cx="7851960" cy="1059559"/>
           </a:xfrm>
           <a:prstGeom prst="rect">
             <a:avLst/>
@@ -29388,16 +29406,26 @@
               <a:buNone/>
             </a:pPr>
             <a:r>
-              <a:rPr lang="en-US" sz="2800" b="0" strike="noStrike" cap="all" spc="148">
+              <a:rPr lang="en-US" sz="2800" b="0" strike="noStrike" cap="all" spc="148" dirty="0" err="1">
                 <a:solidFill>
                   <a:srgbClr val="000000"/>
                 </a:solidFill>
                 <a:latin typeface="Tenorite"/>
                 <a:ea typeface="Tenorite"/>
               </a:rPr>
-              <a:t>Hands-ON: Create a GitHub Repository</a:t>
+              <a:t>Hands-ON</a:t>
             </a:r>
-            <a:endParaRPr lang="en-US" sz="2800" b="0" strike="noStrike" spc="-1">
+            <a:r>
+              <a:rPr lang="en-US" sz="2800" b="0" strike="noStrike" cap="all" spc="148" dirty="0">
+                <a:solidFill>
+                  <a:srgbClr val="000000"/>
+                </a:solidFill>
+                <a:latin typeface="Tenorite"/>
+                <a:ea typeface="Tenorite"/>
+              </a:rPr>
+              <a:t>: Create a GitHub Repository</a:t>
+            </a:r>
+            <a:endParaRPr lang="en-US" sz="2800" b="0" strike="noStrike" spc="-1" dirty="0">
               <a:solidFill>
                 <a:srgbClr val="000000"/>
               </a:solidFill>
@@ -29448,7 +29476,7 @@
               </a:tabLst>
             </a:pPr>
             <a:r>
-              <a:rPr lang="en-US" sz="1800" b="1" strike="noStrike" spc="49" dirty="0">
+              <a:rPr lang="en-US" sz="2400" b="1" strike="noStrike" spc="49" dirty="0">
                 <a:solidFill>
                   <a:srgbClr val="000000"/>
                 </a:solidFill>
@@ -29456,7 +29484,7 @@
               </a:rPr>
               <a:t>Test Repository</a:t>
             </a:r>
-            <a:endParaRPr lang="en-US" sz="1800" b="0" strike="noStrike" spc="-1" dirty="0">
+            <a:endParaRPr lang="en-US" sz="2400" b="0" strike="noStrike" spc="-1" dirty="0">
               <a:solidFill>
                 <a:srgbClr val="000000"/>
               </a:solidFill>
@@ -29481,7 +29509,7 @@
               </a:tabLst>
             </a:pPr>
             <a:r>
-              <a:rPr lang="en-US" sz="1800" b="0" strike="noStrike" spc="49" dirty="0">
+              <a:rPr lang="en-US" b="0" strike="noStrike" spc="49" dirty="0">
                 <a:solidFill>
                   <a:srgbClr val="000000"/>
                 </a:solidFill>
@@ -29490,7 +29518,7 @@
               </a:rPr>
               <a:t>Follow 1_setup.md in the Practice folder</a:t>
             </a:r>
-            <a:endParaRPr lang="en-US" sz="1800" b="0" strike="noStrike" spc="-1" dirty="0">
+            <a:endParaRPr lang="en-US" b="0" strike="noStrike" spc="-1" dirty="0">
               <a:solidFill>
                 <a:srgbClr val="000000"/>
               </a:solidFill>
@@ -29515,7 +29543,7 @@
               </a:tabLst>
             </a:pPr>
             <a:r>
-              <a:rPr lang="en-US" sz="1800" b="0" strike="noStrike" spc="49" dirty="0">
+              <a:rPr lang="en-US" b="0" strike="noStrike" spc="49" dirty="0">
                 <a:solidFill>
                   <a:srgbClr val="000000"/>
                 </a:solidFill>
@@ -29524,7 +29552,7 @@
               </a:rPr>
               <a:t>Create repository</a:t>
             </a:r>
-            <a:endParaRPr lang="en-US" sz="1800" b="0" strike="noStrike" spc="-1" dirty="0">
+            <a:endParaRPr lang="en-US" b="0" strike="noStrike" spc="-1" dirty="0">
               <a:solidFill>
                 <a:srgbClr val="000000"/>
               </a:solidFill>
@@ -29549,7 +29577,7 @@
               </a:tabLst>
             </a:pPr>
             <a:r>
-              <a:rPr lang="en-US" sz="1800" b="0" strike="noStrike" spc="49" dirty="0">
+              <a:rPr lang="en-US" b="0" strike="noStrike" spc="49" dirty="0">
                 <a:solidFill>
                   <a:srgbClr val="000000"/>
                 </a:solidFill>
@@ -29558,7 +29586,7 @@
               </a:rPr>
               <a:t>Add a file</a:t>
             </a:r>
-            <a:endParaRPr lang="en-US" sz="1800" b="0" strike="noStrike" spc="-1" dirty="0">
+            <a:endParaRPr lang="en-US" b="0" strike="noStrike" spc="-1" dirty="0">
               <a:solidFill>
                 <a:srgbClr val="000000"/>
               </a:solidFill>
@@ -29583,7 +29611,7 @@
               </a:tabLst>
             </a:pPr>
             <a:r>
-              <a:rPr lang="en-US" sz="1800" b="0" strike="noStrike" spc="49" dirty="0">
+              <a:rPr lang="en-US" b="0" strike="noStrike" spc="49" dirty="0">
                 <a:solidFill>
                   <a:srgbClr val="000000"/>
                 </a:solidFill>
@@ -29593,7 +29621,7 @@
               <a:t>Update </a:t>
             </a:r>
             <a:r>
-              <a:rPr lang="en-US" sz="1800" b="0" strike="noStrike" spc="49" dirty="0" err="1">
+              <a:rPr lang="en-US" b="0" strike="noStrike" spc="49" dirty="0" err="1">
                 <a:solidFill>
                   <a:srgbClr val="000000"/>
                 </a:solidFill>
@@ -29790,7 +29818,7 @@
         <p:spPr>
           <a:xfrm>
             <a:off x="1322280" y="268200"/>
-            <a:ext cx="7851960" cy="2120760"/>
+            <a:ext cx="7851960" cy="946825"/>
           </a:xfrm>
           <a:prstGeom prst="rect">
             <a:avLst/>
@@ -29813,7 +29841,7 @@
               <a:buNone/>
             </a:pPr>
             <a:r>
-              <a:rPr lang="en-US" sz="2800" b="0" strike="noStrike" cap="all" spc="148">
+              <a:rPr lang="en-US" sz="2800" b="0" strike="noStrike" cap="all" spc="148" dirty="0">
                 <a:solidFill>
                   <a:srgbClr val="000000"/>
                 </a:solidFill>
@@ -29822,7 +29850,7 @@
               </a:rPr>
               <a:t>What is Cloning?</a:t>
             </a:r>
-            <a:endParaRPr lang="en-US" sz="2800" b="0" strike="noStrike" spc="-1">
+            <a:endParaRPr lang="en-US" sz="2800" b="0" strike="noStrike" spc="-1" dirty="0">
               <a:solidFill>
                 <a:srgbClr val="000000"/>
               </a:solidFill>
@@ -29843,8 +29871,8 @@
         </p:nvSpPr>
         <p:spPr>
           <a:xfrm>
-            <a:off x="1322280" y="2763000"/>
-            <a:ext cx="7287840" cy="3406680"/>
+            <a:off x="1322279" y="2016690"/>
+            <a:ext cx="8172449" cy="4152990"/>
           </a:xfrm>
           <a:prstGeom prst="rect">
             <a:avLst/>
@@ -29873,7 +29901,7 @@
               </a:tabLst>
             </a:pPr>
             <a:r>
-              <a:rPr lang="en-US" sz="1800" b="1" strike="noStrike" spc="49">
+              <a:rPr lang="en-US" sz="2400" b="1" strike="noStrike" spc="49" dirty="0">
                 <a:solidFill>
                   <a:srgbClr val="000000"/>
                 </a:solidFill>
@@ -29881,7 +29909,7 @@
               </a:rPr>
               <a:t>Create an exact copy of your repository on your local computer</a:t>
             </a:r>
-            <a:endParaRPr lang="en-US" sz="1800" b="0" strike="noStrike" spc="-1">
+            <a:endParaRPr lang="en-US" sz="2400" b="0" strike="noStrike" spc="-1" dirty="0">
               <a:solidFill>
                 <a:srgbClr val="000000"/>
               </a:solidFill>
@@ -29906,7 +29934,7 @@
               </a:tabLst>
             </a:pPr>
             <a:r>
-              <a:rPr lang="en-US" sz="1800" b="0" strike="noStrike" spc="49">
+              <a:rPr lang="en-US" b="0" strike="noStrike" spc="49" dirty="0">
                 <a:solidFill>
                   <a:srgbClr val="000000"/>
                 </a:solidFill>
@@ -29915,7 +29943,7 @@
               </a:rPr>
               <a:t>This can be done:</a:t>
             </a:r>
-            <a:endParaRPr lang="en-US" sz="1800" b="0" strike="noStrike" spc="-1">
+            <a:endParaRPr lang="en-US" b="0" strike="noStrike" spc="-1" dirty="0">
               <a:solidFill>
                 <a:srgbClr val="000000"/>
               </a:solidFill>
@@ -29940,7 +29968,7 @@
               </a:tabLst>
             </a:pPr>
             <a:r>
-              <a:rPr lang="en-US" sz="1800" b="0" strike="noStrike" spc="49">
+              <a:rPr lang="en-US" sz="2400" b="0" strike="noStrike" spc="49" dirty="0">
                 <a:solidFill>
                   <a:srgbClr val="000000"/>
                 </a:solidFill>
@@ -29949,7 +29977,7 @@
               </a:rPr>
               <a:t>On the command line</a:t>
             </a:r>
-            <a:endParaRPr lang="en-US" sz="1800" b="0" strike="noStrike" spc="-1">
+            <a:endParaRPr lang="en-US" sz="2400" b="0" strike="noStrike" spc="-1" dirty="0">
               <a:solidFill>
                 <a:srgbClr val="000000"/>
               </a:solidFill>
@@ -29974,7 +30002,7 @@
               </a:tabLst>
             </a:pPr>
             <a:r>
-              <a:rPr lang="en-US" sz="1800" b="0" strike="noStrike" spc="49">
+              <a:rPr lang="en-US" sz="2400" b="0" strike="noStrike" spc="49" dirty="0">
                 <a:solidFill>
                   <a:srgbClr val="000000"/>
                 </a:solidFill>
@@ -29983,7 +30011,7 @@
               </a:rPr>
               <a:t>With GitHub Desktop</a:t>
             </a:r>
-            <a:endParaRPr lang="en-US" sz="1800" b="0" strike="noStrike" spc="-1">
+            <a:endParaRPr lang="en-US" sz="2400" b="0" strike="noStrike" spc="-1" dirty="0">
               <a:solidFill>
                 <a:srgbClr val="000000"/>
               </a:solidFill>
@@ -30008,7 +30036,7 @@
               </a:tabLst>
             </a:pPr>
             <a:r>
-              <a:rPr lang="en-US" sz="1800" b="0" strike="noStrike" spc="49">
+              <a:rPr lang="en-US" b="0" strike="noStrike" spc="49" dirty="0">
                 <a:solidFill>
                   <a:srgbClr val="000000"/>
                 </a:solidFill>
@@ -30017,7 +30045,7 @@
               </a:rPr>
               <a:t>You can work from your local computer and update your repository:</a:t>
             </a:r>
-            <a:endParaRPr lang="en-US" sz="1800" b="0" strike="noStrike" spc="-1">
+            <a:endParaRPr lang="en-US" b="0" strike="noStrike" spc="-1" dirty="0">
               <a:solidFill>
                 <a:srgbClr val="000000"/>
               </a:solidFill>
@@ -30042,7 +30070,7 @@
               </a:tabLst>
             </a:pPr>
             <a:r>
-              <a:rPr lang="en-US" sz="1800" b="0" strike="noStrike" spc="49">
+              <a:rPr lang="en-US" sz="2400" b="0" strike="noStrike" spc="49" dirty="0">
                 <a:solidFill>
                   <a:srgbClr val="000000"/>
                 </a:solidFill>
@@ -30051,7 +30079,7 @@
               </a:rPr>
               <a:t>Push to move new work to a remote location</a:t>
             </a:r>
-            <a:endParaRPr lang="en-US" sz="1800" b="0" strike="noStrike" spc="-1">
+            <a:endParaRPr lang="en-US" sz="2400" b="0" strike="noStrike" spc="-1" dirty="0">
               <a:solidFill>
                 <a:srgbClr val="000000"/>
               </a:solidFill>
@@ -30076,7 +30104,7 @@
               </a:tabLst>
             </a:pPr>
             <a:r>
-              <a:rPr lang="en-US" sz="1800" b="0" strike="noStrike" spc="49">
+              <a:rPr lang="en-US" sz="2400" b="0" strike="noStrike" spc="49" dirty="0">
                 <a:solidFill>
                   <a:srgbClr val="000000"/>
                 </a:solidFill>
@@ -30085,7 +30113,7 @@
               </a:rPr>
               <a:t>Pull to bring new work to your local computer</a:t>
             </a:r>
-            <a:endParaRPr lang="en-US" sz="1800" b="0" strike="noStrike" spc="-1">
+            <a:endParaRPr lang="en-US" sz="2400" b="0" strike="noStrike" spc="-1" dirty="0">
               <a:solidFill>
                 <a:srgbClr val="000000"/>
               </a:solidFill>
@@ -30195,7 +30223,7 @@
         <p:spPr>
           <a:xfrm>
             <a:off x="1322280" y="268200"/>
-            <a:ext cx="7287840" cy="2120760"/>
+            <a:ext cx="7287840" cy="1034507"/>
           </a:xfrm>
           <a:prstGeom prst="rect">
             <a:avLst/>
@@ -30218,7 +30246,7 @@
               <a:buNone/>
             </a:pPr>
             <a:r>
-              <a:rPr lang="en-US" sz="2800" b="0" strike="noStrike" cap="all" spc="148">
+              <a:rPr lang="en-US" sz="2800" b="0" strike="noStrike" cap="all" spc="148" dirty="0">
                 <a:solidFill>
                   <a:srgbClr val="000000"/>
                 </a:solidFill>
@@ -30227,7 +30255,7 @@
               </a:rPr>
               <a:t>Hands-On: Cloning</a:t>
             </a:r>
-            <a:endParaRPr lang="en-US" sz="2800" b="0" strike="noStrike" spc="-1">
+            <a:endParaRPr lang="en-US" sz="2800" b="0" strike="noStrike" spc="-1" dirty="0">
               <a:solidFill>
                 <a:srgbClr val="000000"/>
               </a:solidFill>
@@ -30248,8 +30276,8 @@
         </p:nvSpPr>
         <p:spPr>
           <a:xfrm>
-            <a:off x="1322280" y="2763000"/>
-            <a:ext cx="7287840" cy="3406680"/>
+            <a:off x="1322280" y="1954060"/>
+            <a:ext cx="7287840" cy="4215620"/>
           </a:xfrm>
           <a:prstGeom prst="rect">
             <a:avLst/>
@@ -30278,7 +30306,7 @@
               </a:tabLst>
             </a:pPr>
             <a:r>
-              <a:rPr lang="en-US" sz="1800" b="1" strike="noStrike" spc="49" dirty="0">
+              <a:rPr lang="en-US" sz="2400" b="1" strike="noStrike" spc="49" dirty="0">
                 <a:solidFill>
                   <a:srgbClr val="000000"/>
                 </a:solidFill>
@@ -30286,7 +30314,7 @@
               </a:rPr>
               <a:t>Working on your local computer</a:t>
             </a:r>
-            <a:endParaRPr lang="en-US" sz="1800" b="0" strike="noStrike" spc="-1" dirty="0">
+            <a:endParaRPr lang="en-US" sz="2400" b="0" strike="noStrike" spc="-1" dirty="0">
               <a:solidFill>
                 <a:srgbClr val="000000"/>
               </a:solidFill>
@@ -30311,7 +30339,7 @@
               </a:tabLst>
             </a:pPr>
             <a:r>
-              <a:rPr lang="en-US" sz="1800" b="0" strike="noStrike" spc="49" dirty="0">
+              <a:rPr lang="en-US" b="0" strike="noStrike" spc="49" dirty="0">
                 <a:solidFill>
                   <a:srgbClr val="000000"/>
                 </a:solidFill>
@@ -30320,7 +30348,7 @@
               </a:rPr>
               <a:t>Follow 2_cloning.md in the Practice folder</a:t>
             </a:r>
-            <a:endParaRPr lang="en-US" sz="1800" b="0" strike="noStrike" spc="-1" dirty="0">
+            <a:endParaRPr lang="en-US" b="0" strike="noStrike" spc="-1" dirty="0">
               <a:solidFill>
                 <a:srgbClr val="000000"/>
               </a:solidFill>
@@ -30345,7 +30373,7 @@
               </a:tabLst>
             </a:pPr>
             <a:r>
-              <a:rPr lang="en-US" sz="1800" b="0" strike="noStrike" spc="49" dirty="0">
+              <a:rPr lang="en-US" b="0" strike="noStrike" spc="49" dirty="0">
                 <a:solidFill>
                   <a:srgbClr val="000000"/>
                 </a:solidFill>
@@ -30354,7 +30382,7 @@
               </a:rPr>
               <a:t>Download GitHub Desktop</a:t>
             </a:r>
-            <a:endParaRPr lang="en-US" sz="1800" b="0" strike="noStrike" spc="-1" dirty="0">
+            <a:endParaRPr lang="en-US" b="0" strike="noStrike" spc="-1" dirty="0">
               <a:solidFill>
                 <a:srgbClr val="000000"/>
               </a:solidFill>
@@ -30379,7 +30407,7 @@
               </a:tabLst>
             </a:pPr>
             <a:r>
-              <a:rPr lang="en-US" sz="1800" b="0" strike="noStrike" spc="49" dirty="0">
+              <a:rPr lang="en-US" b="0" strike="noStrike" spc="49" dirty="0">
                 <a:solidFill>
                   <a:srgbClr val="000000"/>
                 </a:solidFill>
@@ -30388,7 +30416,7 @@
               </a:rPr>
               <a:t>Clone your repository</a:t>
             </a:r>
-            <a:endParaRPr lang="en-US" sz="1800" b="0" strike="noStrike" spc="-1" dirty="0">
+            <a:endParaRPr lang="en-US" b="0" strike="noStrike" spc="-1" dirty="0">
               <a:solidFill>
                 <a:srgbClr val="000000"/>
               </a:solidFill>
@@ -30413,7 +30441,7 @@
               </a:tabLst>
             </a:pPr>
             <a:r>
-              <a:rPr lang="en-US" sz="1800" b="0" strike="noStrike" spc="49" dirty="0">
+              <a:rPr lang="en-US" b="0" strike="noStrike" spc="49" dirty="0">
                 <a:solidFill>
                   <a:srgbClr val="000000"/>
                 </a:solidFill>
@@ -30422,7 +30450,7 @@
               </a:rPr>
               <a:t>Edit/add files</a:t>
             </a:r>
-            <a:endParaRPr lang="en-US" sz="1800" b="0" strike="noStrike" spc="-1" dirty="0">
+            <a:endParaRPr lang="en-US" b="0" strike="noStrike" spc="-1" dirty="0">
               <a:solidFill>
                 <a:srgbClr val="000000"/>
               </a:solidFill>
@@ -30447,7 +30475,7 @@
               </a:tabLst>
             </a:pPr>
             <a:r>
-              <a:rPr lang="en-US" sz="1800" b="0" strike="noStrike" spc="49" dirty="0">
+              <a:rPr lang="en-US" b="0" strike="noStrike" spc="49" dirty="0">
                 <a:solidFill>
                   <a:srgbClr val="000000"/>
                 </a:solidFill>
@@ -30456,7 +30484,7 @@
               </a:rPr>
               <a:t>Push </a:t>
             </a:r>
-            <a:endParaRPr lang="en-US" sz="1800" b="0" strike="noStrike" spc="-1" dirty="0">
+            <a:endParaRPr lang="en-US" b="0" strike="noStrike" spc="-1" dirty="0">
               <a:solidFill>
                 <a:srgbClr val="000000"/>
               </a:solidFill>
@@ -30476,7 +30504,7 @@
                 <a:tab pos="0" algn="l"/>
               </a:tabLst>
             </a:pPr>
-            <a:endParaRPr lang="en-US" sz="1800" b="0" strike="noStrike" spc="-1" dirty="0">
+            <a:endParaRPr lang="en-US" sz="2400" b="0" strike="noStrike" spc="-1" dirty="0">
               <a:solidFill>
                 <a:srgbClr val="000000"/>
               </a:solidFill>
@@ -30651,7 +30679,7 @@
         </p:spPr>
         <p:txBody>
           <a:bodyPr anchor="t">
-            <a:normAutofit/>
+            <a:normAutofit lnSpcReduction="10000"/>
           </a:bodyPr>
           <a:lstStyle/>
           <a:p>
@@ -30669,7 +30697,7 @@
               <a:buChar char="•"/>
             </a:pPr>
             <a:r>
-              <a:rPr lang="en-US" sz="1800" b="0" strike="noStrike" spc="49" dirty="0">
+              <a:rPr lang="en-US" sz="2400" b="0" strike="noStrike" spc="49" dirty="0">
                 <a:solidFill>
                   <a:srgbClr val="000000"/>
                 </a:solidFill>
@@ -30678,7 +30706,7 @@
               </a:rPr>
               <a:t>A system that records your files over time.</a:t>
             </a:r>
-            <a:endParaRPr lang="en-US" sz="1800" b="0" strike="noStrike" spc="-1" dirty="0">
+            <a:endParaRPr lang="en-US" sz="2400" b="0" strike="noStrike" spc="-1" dirty="0">
               <a:solidFill>
                 <a:srgbClr val="000000"/>
               </a:solidFill>
@@ -30692,7 +30720,7 @@
               </a:spcBef>
             </a:pPr>
             <a:r>
-              <a:rPr lang="en-US" sz="1800" b="1" dirty="0">
+              <a:rPr lang="en-US" sz="2400" b="1" dirty="0">
                 <a:solidFill>
                   <a:srgbClr val="0E0E0E"/>
                 </a:solidFill>
@@ -30702,7 +30730,7 @@
               <a:t>Collaboration:</a:t>
             </a:r>
             <a:r>
-              <a:rPr lang="en-US" sz="1800" dirty="0">
+              <a:rPr lang="en-US" sz="2400" dirty="0">
                 <a:solidFill>
                   <a:srgbClr val="0E0E0E"/>
                 </a:solidFill>
@@ -30719,7 +30747,7 @@
               </a:spcBef>
             </a:pPr>
             <a:r>
-              <a:rPr lang="en-US" sz="1800" b="1" dirty="0">
+              <a:rPr lang="en-US" sz="2400" b="1" dirty="0">
                 <a:solidFill>
                   <a:srgbClr val="0E0E0E"/>
                 </a:solidFill>
@@ -30729,7 +30757,7 @@
               <a:t>History Tracking:</a:t>
             </a:r>
             <a:r>
-              <a:rPr lang="en-US" sz="1800" dirty="0">
+              <a:rPr lang="en-US" sz="2400" dirty="0">
                 <a:solidFill>
                   <a:srgbClr val="0E0E0E"/>
                 </a:solidFill>
@@ -30752,7 +30780,7 @@
                 <a:tab pos="0" algn="l"/>
               </a:tabLst>
             </a:pPr>
-            <a:endParaRPr lang="en-US" sz="1800" b="0" strike="noStrike" spc="-1" dirty="0">
+            <a:endParaRPr lang="en-US" sz="2400" b="0" strike="noStrike" spc="-1" dirty="0">
               <a:solidFill>
                 <a:srgbClr val="000000"/>
               </a:solidFill>
@@ -30766,7 +30794,7 @@
               </a:spcBef>
             </a:pPr>
             <a:r>
-              <a:rPr lang="en-US" sz="1800" b="0" strike="noStrike" spc="49" dirty="0">
+              <a:rPr lang="en-US" sz="2400" b="0" strike="noStrike" spc="49" dirty="0">
                 <a:solidFill>
                   <a:srgbClr val="000000"/>
                 </a:solidFill>
@@ -30776,7 +30804,7 @@
               <a:t>Example: </a:t>
             </a:r>
             <a:r>
-              <a:rPr lang="en-US" sz="1800" dirty="0">
+              <a:rPr lang="en-US" sz="2400" dirty="0">
                 <a:solidFill>
                   <a:srgbClr val="0E0E0E"/>
                 </a:solidFill>
@@ -30799,7 +30827,7 @@
                 <a:tab pos="0" algn="l"/>
               </a:tabLst>
             </a:pPr>
-            <a:endParaRPr lang="en-US" sz="1800" b="0" strike="noStrike" spc="-1" dirty="0">
+            <a:endParaRPr lang="en-US" sz="2400" b="0" strike="noStrike" spc="-1" dirty="0">
               <a:solidFill>
                 <a:srgbClr val="000000"/>
               </a:solidFill>
@@ -32641,7 +32669,7 @@
         </p:nvSpPr>
         <p:spPr>
           <a:xfrm>
-            <a:off x="3681350" y="5160285"/>
+            <a:off x="3681350" y="5135233"/>
             <a:ext cx="880753" cy="369332"/>
           </a:xfrm>
           <a:prstGeom prst="rect">
@@ -33502,7 +33530,7 @@
         </p:nvSpPr>
         <p:spPr>
           <a:xfrm>
-            <a:off x="3681350" y="5160285"/>
+            <a:off x="3681350" y="5135233"/>
             <a:ext cx="880753" cy="369332"/>
           </a:xfrm>
           <a:prstGeom prst="rect">
@@ -34359,7 +34387,7 @@
         </p:nvSpPr>
         <p:spPr>
           <a:xfrm>
-            <a:off x="3681350" y="5160285"/>
+            <a:off x="3681350" y="5135233"/>
             <a:ext cx="880753" cy="369332"/>
           </a:xfrm>
           <a:prstGeom prst="rect">
@@ -34650,7 +34678,7 @@
         </p:nvSpPr>
         <p:spPr>
           <a:xfrm>
-            <a:off x="7689272" y="5160284"/>
+            <a:off x="7689272" y="5135232"/>
             <a:ext cx="880753" cy="369332"/>
           </a:xfrm>
           <a:prstGeom prst="rect">
@@ -35373,7 +35401,7 @@
         </p:nvSpPr>
         <p:spPr>
           <a:xfrm>
-            <a:off x="3681350" y="5160285"/>
+            <a:off x="3681350" y="5135233"/>
             <a:ext cx="880753" cy="369332"/>
           </a:xfrm>
           <a:prstGeom prst="rect">
@@ -35664,7 +35692,7 @@
         </p:nvSpPr>
         <p:spPr>
           <a:xfrm>
-            <a:off x="7689272" y="5160284"/>
+            <a:off x="7689272" y="5135232"/>
             <a:ext cx="880753" cy="369332"/>
           </a:xfrm>
           <a:prstGeom prst="rect">
@@ -36479,7 +36507,7 @@
         </p:nvSpPr>
         <p:spPr>
           <a:xfrm>
-            <a:off x="3681350" y="5160285"/>
+            <a:off x="3681350" y="5135233"/>
             <a:ext cx="880753" cy="369332"/>
           </a:xfrm>
           <a:prstGeom prst="rect">
@@ -36770,7 +36798,7 @@
         </p:nvSpPr>
         <p:spPr>
           <a:xfrm>
-            <a:off x="7689272" y="5160284"/>
+            <a:off x="7689272" y="5135232"/>
             <a:ext cx="880753" cy="369332"/>
           </a:xfrm>
           <a:prstGeom prst="rect">
@@ -37151,7 +37179,7 @@
         </p:nvSpPr>
         <p:spPr>
           <a:xfrm>
-            <a:off x="7649688" y="4386562"/>
+            <a:off x="7649688" y="4348984"/>
             <a:ext cx="880753" cy="369332"/>
           </a:xfrm>
           <a:prstGeom prst="rect">
@@ -37902,7 +37930,7 @@
         </p:nvSpPr>
         <p:spPr>
           <a:xfrm>
-            <a:off x="3681350" y="5160285"/>
+            <a:off x="3681350" y="5135233"/>
             <a:ext cx="880753" cy="369332"/>
           </a:xfrm>
           <a:prstGeom prst="rect">
@@ -38193,7 +38221,7 @@
         </p:nvSpPr>
         <p:spPr>
           <a:xfrm>
-            <a:off x="7689272" y="5160284"/>
+            <a:off x="7689272" y="5135232"/>
             <a:ext cx="880753" cy="369332"/>
           </a:xfrm>
           <a:prstGeom prst="rect">
@@ -38574,7 +38602,7 @@
         </p:nvSpPr>
         <p:spPr>
           <a:xfrm>
-            <a:off x="7649688" y="4398285"/>
+            <a:off x="7649688" y="4360707"/>
             <a:ext cx="880753" cy="369332"/>
           </a:xfrm>
           <a:prstGeom prst="rect">
@@ -38716,7 +38744,7 @@
         </p:nvSpPr>
         <p:spPr>
           <a:xfrm>
-            <a:off x="7689271" y="3990069"/>
+            <a:off x="7689271" y="3965017"/>
             <a:ext cx="880753" cy="369332"/>
           </a:xfrm>
           <a:prstGeom prst="rect">
@@ -38888,7 +38916,7 @@
               </a:tabLst>
             </a:pPr>
             <a:r>
-              <a:rPr lang="en-US" sz="1800" b="0" strike="noStrike" spc="49" dirty="0">
+              <a:rPr lang="en-US" sz="2400" b="0" strike="noStrike" spc="49" dirty="0">
                 <a:solidFill>
                   <a:srgbClr val="000000"/>
                 </a:solidFill>
@@ -38897,7 +38925,7 @@
               </a:rPr>
               <a:t>Example: Google Docs</a:t>
             </a:r>
-            <a:endParaRPr lang="en-US" sz="1800" b="0" strike="noStrike" spc="-1" dirty="0">
+            <a:endParaRPr lang="en-US" sz="2400" b="0" strike="noStrike" spc="-1" dirty="0">
               <a:solidFill>
                 <a:srgbClr val="000000"/>
               </a:solidFill>
@@ -39614,7 +39642,7 @@
         </p:nvSpPr>
         <p:spPr>
           <a:xfrm>
-            <a:off x="3681350" y="5160285"/>
+            <a:off x="3681350" y="5135233"/>
             <a:ext cx="880753" cy="369332"/>
           </a:xfrm>
           <a:prstGeom prst="rect">
@@ -39905,7 +39933,7 @@
         </p:nvSpPr>
         <p:spPr>
           <a:xfrm>
-            <a:off x="7689272" y="5160284"/>
+            <a:off x="7689272" y="5135232"/>
             <a:ext cx="880753" cy="369332"/>
           </a:xfrm>
           <a:prstGeom prst="rect">
@@ -40286,7 +40314,7 @@
         </p:nvSpPr>
         <p:spPr>
           <a:xfrm>
-            <a:off x="7649688" y="4398285"/>
+            <a:off x="7649688" y="4360707"/>
             <a:ext cx="880753" cy="369332"/>
           </a:xfrm>
           <a:prstGeom prst="rect">
@@ -40483,7 +40511,7 @@
         </p:nvSpPr>
         <p:spPr>
           <a:xfrm>
-            <a:off x="7689271" y="3990069"/>
+            <a:off x="7689271" y="3965017"/>
             <a:ext cx="880753" cy="369332"/>
           </a:xfrm>
           <a:prstGeom prst="rect">
@@ -41116,7 +41144,7 @@
         </p:nvSpPr>
         <p:spPr>
           <a:xfrm>
-            <a:off x="3681350" y="5160285"/>
+            <a:off x="3681350" y="5135233"/>
             <a:ext cx="880753" cy="369332"/>
           </a:xfrm>
           <a:prstGeom prst="rect">
@@ -41407,7 +41435,7 @@
         </p:nvSpPr>
         <p:spPr>
           <a:xfrm>
-            <a:off x="7689272" y="5160284"/>
+            <a:off x="7689272" y="5135232"/>
             <a:ext cx="880753" cy="369332"/>
           </a:xfrm>
           <a:prstGeom prst="rect">
@@ -41788,7 +41816,7 @@
         </p:nvSpPr>
         <p:spPr>
           <a:xfrm>
-            <a:off x="7649688" y="4398285"/>
+            <a:off x="7649688" y="4360707"/>
             <a:ext cx="880753" cy="369332"/>
           </a:xfrm>
           <a:prstGeom prst="rect">
@@ -41924,7 +41952,7 @@
         </p:nvSpPr>
         <p:spPr>
           <a:xfrm rot="10800000">
-            <a:off x="7204363" y="3998024"/>
+            <a:off x="7204363" y="3985498"/>
             <a:ext cx="1187532" cy="108857"/>
           </a:xfrm>
           <a:prstGeom prst="rightArrow">
@@ -41984,7 +42012,7 @@
         </p:nvSpPr>
         <p:spPr>
           <a:xfrm>
-            <a:off x="7649688" y="3755038"/>
+            <a:off x="7649688" y="3704934"/>
             <a:ext cx="880753" cy="369332"/>
           </a:xfrm>
           <a:prstGeom prst="rect">
@@ -42184,7 +42212,7 @@
         </p:nvSpPr>
         <p:spPr>
           <a:xfrm>
-            <a:off x="7689271" y="4001792"/>
+            <a:off x="7689271" y="3976740"/>
             <a:ext cx="880753" cy="369332"/>
           </a:xfrm>
           <a:prstGeom prst="rect">
@@ -43005,7 +43033,7 @@
         </p:nvSpPr>
         <p:spPr>
           <a:xfrm>
-            <a:off x="7689272" y="5160284"/>
+            <a:off x="7689272" y="5122706"/>
             <a:ext cx="880753" cy="369332"/>
           </a:xfrm>
           <a:prstGeom prst="rect">
@@ -43025,7 +43053,7 @@
             <a:pPr algn="l"/>
             <a:r>
               <a:rPr lang="en-US" dirty="0"/>
-              <a:t>Pull</a:t>
+              <a:t>Clone</a:t>
             </a:r>
           </a:p>
         </p:txBody>
@@ -43386,7 +43414,7 @@
         </p:nvSpPr>
         <p:spPr>
           <a:xfrm>
-            <a:off x="7649688" y="4386562"/>
+            <a:off x="7649688" y="4361510"/>
             <a:ext cx="880753" cy="369332"/>
           </a:xfrm>
           <a:prstGeom prst="rect">
@@ -43522,7 +43550,7 @@
         </p:nvSpPr>
         <p:spPr>
           <a:xfrm rot="10800000">
-            <a:off x="7204363" y="3998024"/>
+            <a:off x="7204363" y="3985498"/>
             <a:ext cx="1187532" cy="108857"/>
           </a:xfrm>
           <a:prstGeom prst="rightArrow">
@@ -43582,7 +43610,7 @@
         </p:nvSpPr>
         <p:spPr>
           <a:xfrm>
-            <a:off x="7649688" y="3755038"/>
+            <a:off x="7649688" y="3704934"/>
             <a:ext cx="880753" cy="369332"/>
           </a:xfrm>
           <a:prstGeom prst="rect">
@@ -43821,7 +43849,7 @@
         </p:nvSpPr>
         <p:spPr>
           <a:xfrm>
-            <a:off x="3681349" y="3755037"/>
+            <a:off x="3681349" y="3729985"/>
             <a:ext cx="880753" cy="369332"/>
           </a:xfrm>
           <a:prstGeom prst="rect">
@@ -44096,7 +44124,7 @@
         </p:nvSpPr>
         <p:spPr>
           <a:xfrm>
-            <a:off x="7689271" y="4001792"/>
+            <a:off x="7689271" y="3976740"/>
             <a:ext cx="880753" cy="369332"/>
           </a:xfrm>
           <a:prstGeom prst="rect">
@@ -44135,7 +44163,7 @@
         </p:nvSpPr>
         <p:spPr>
           <a:xfrm>
-            <a:off x="3681350" y="5160285"/>
+            <a:off x="3681350" y="5135233"/>
             <a:ext cx="880753" cy="369332"/>
           </a:xfrm>
           <a:prstGeom prst="rect">
@@ -45016,7 +45044,7 @@
         </p:nvSpPr>
         <p:spPr>
           <a:xfrm>
-            <a:off x="7689272" y="5160284"/>
+            <a:off x="7689272" y="5135232"/>
             <a:ext cx="880753" cy="369332"/>
           </a:xfrm>
           <a:prstGeom prst="rect">
@@ -45036,7 +45064,7 @@
             <a:pPr algn="l"/>
             <a:r>
               <a:rPr lang="en-US" dirty="0"/>
-              <a:t>Pull</a:t>
+              <a:t>Clone</a:t>
             </a:r>
           </a:p>
         </p:txBody>
@@ -45397,7 +45425,7 @@
         </p:nvSpPr>
         <p:spPr>
           <a:xfrm>
-            <a:off x="7649688" y="4398285"/>
+            <a:off x="7649688" y="4373233"/>
             <a:ext cx="880753" cy="369332"/>
           </a:xfrm>
           <a:prstGeom prst="rect">
@@ -45533,7 +45561,7 @@
         </p:nvSpPr>
         <p:spPr>
           <a:xfrm rot="10800000">
-            <a:off x="7204363" y="3998024"/>
+            <a:off x="7204363" y="3985498"/>
             <a:ext cx="1187532" cy="108857"/>
           </a:xfrm>
           <a:prstGeom prst="rightArrow">
@@ -45593,7 +45621,7 @@
         </p:nvSpPr>
         <p:spPr>
           <a:xfrm>
-            <a:off x="7649688" y="3755038"/>
+            <a:off x="7649688" y="3704934"/>
             <a:ext cx="880753" cy="369332"/>
           </a:xfrm>
           <a:prstGeom prst="rect">
@@ -45832,7 +45860,7 @@
         </p:nvSpPr>
         <p:spPr>
           <a:xfrm>
-            <a:off x="3681349" y="3766760"/>
+            <a:off x="3681349" y="3741708"/>
             <a:ext cx="880753" cy="369332"/>
           </a:xfrm>
           <a:prstGeom prst="rect">
@@ -46201,7 +46229,7 @@
         </p:nvSpPr>
         <p:spPr>
           <a:xfrm>
-            <a:off x="7689271" y="4001792"/>
+            <a:off x="7689271" y="3976740"/>
             <a:ext cx="880753" cy="369332"/>
           </a:xfrm>
           <a:prstGeom prst="rect">
@@ -46240,7 +46268,7 @@
         </p:nvSpPr>
         <p:spPr>
           <a:xfrm>
-            <a:off x="3681350" y="5172008"/>
+            <a:off x="3681350" y="5146956"/>
             <a:ext cx="880753" cy="369332"/>
           </a:xfrm>
           <a:prstGeom prst="rect">
@@ -46371,7 +46399,12 @@
             <p:ph type="title"/>
           </p:nvPr>
         </p:nvSpPr>
-        <p:spPr/>
+        <p:spPr>
+          <a:xfrm>
+            <a:off x="1322318" y="268360"/>
+            <a:ext cx="7288282" cy="1197185"/>
+          </a:xfrm>
+        </p:spPr>
         <p:txBody>
           <a:bodyPr/>
           <a:lstStyle/>
@@ -46399,7 +46432,12 @@
             <p:ph sz="half" idx="2"/>
           </p:nvPr>
         </p:nvSpPr>
-        <p:spPr/>
+        <p:spPr>
+          <a:xfrm>
+            <a:off x="1322388" y="1916482"/>
+            <a:ext cx="8047080" cy="4534422"/>
+          </a:xfrm>
+        </p:spPr>
         <p:txBody>
           <a:bodyPr>
             <a:normAutofit/>
@@ -46411,7 +46449,7 @@
               <a:buChar char="•"/>
             </a:pPr>
             <a:r>
-              <a:rPr lang="en-US" b="1" dirty="0">
+              <a:rPr lang="en-US" sz="2400" b="1" dirty="0">
                 <a:solidFill>
                   <a:srgbClr val="0E0E0E"/>
                 </a:solidFill>
@@ -46421,7 +46459,7 @@
               <a:t>Share and Work Together: </a:t>
             </a:r>
             <a:r>
-              <a:rPr lang="en-US" b="0" dirty="0">
+              <a:rPr lang="en-US" sz="2400" b="0" dirty="0">
                 <a:solidFill>
                   <a:srgbClr val="0E0E0E"/>
                 </a:solidFill>
@@ -46440,7 +46478,7 @@
               <a:buChar char="•"/>
             </a:pPr>
             <a:r>
-              <a:rPr lang="en-US" b="1" dirty="0">
+              <a:rPr lang="en-US" sz="2400" b="1" dirty="0">
                 <a:solidFill>
                   <a:srgbClr val="0E0E0E"/>
                 </a:solidFill>
@@ -46450,7 +46488,7 @@
               <a:t>Syncing is Key:</a:t>
             </a:r>
             <a:r>
-              <a:rPr lang="en-US" dirty="0">
+              <a:rPr lang="en-US" sz="2400" dirty="0">
                 <a:solidFill>
                   <a:srgbClr val="0E0E0E"/>
                 </a:solidFill>
@@ -46460,7 +46498,7 @@
               <a:t> </a:t>
             </a:r>
             <a:r>
-              <a:rPr lang="en-US" b="0" dirty="0">
+              <a:rPr lang="en-US" sz="2400" b="0" dirty="0">
                 <a:solidFill>
                   <a:srgbClr val="0E0E0E"/>
                 </a:solidFill>
@@ -46476,7 +46514,7 @@
               <a:buChar char="•"/>
             </a:pPr>
             <a:r>
-              <a:rPr lang="en-US" b="1" dirty="0">
+              <a:rPr lang="en-US" sz="2400" b="1" dirty="0">
                 <a:solidFill>
                   <a:srgbClr val="0E0E0E"/>
                 </a:solidFill>
@@ -46486,7 +46524,7 @@
               <a:t>Track and Communicate Changes:</a:t>
             </a:r>
             <a:r>
-              <a:rPr lang="en-US" b="1" dirty="0">
+              <a:rPr lang="en-US" sz="2400" b="1" dirty="0">
                 <a:solidFill>
                   <a:srgbClr val="0E0E0E"/>
                 </a:solidFill>
@@ -46495,7 +46533,7 @@
               <a:t> </a:t>
             </a:r>
             <a:r>
-              <a:rPr lang="en-US" b="0" dirty="0">
+              <a:rPr lang="en-US" sz="2400" b="0" dirty="0">
                 <a:solidFill>
                   <a:srgbClr val="0E0E0E"/>
                 </a:solidFill>
@@ -46504,7 +46542,7 @@
               </a:rPr>
               <a:t>Use clear commit messages to describe your updates so everyone understands what’s been changed and why. </a:t>
             </a:r>
-            <a:endParaRPr lang="en-US" dirty="0"/>
+            <a:endParaRPr lang="en-US" sz="2400" dirty="0"/>
           </a:p>
         </p:txBody>
       </p:sp>
@@ -46557,7 +46595,7 @@
         <p:spPr>
           <a:xfrm>
             <a:off x="1322318" y="268360"/>
-            <a:ext cx="2137727" cy="1229136"/>
+            <a:ext cx="2137727" cy="871508"/>
           </a:xfrm>
         </p:spPr>
         <p:txBody>
@@ -46595,8 +46633,8 @@
         </p:blipFill>
         <p:spPr>
           <a:xfrm>
-            <a:off x="3585594" y="599415"/>
-            <a:ext cx="8606406" cy="5906761"/>
+            <a:off x="4633565" y="0"/>
+            <a:ext cx="9992402" cy="6858000"/>
           </a:xfrm>
         </p:spPr>
       </p:pic>
@@ -46649,8 +46687,8 @@
         </p:nvSpPr>
         <p:spPr>
           <a:xfrm>
-            <a:off x="461218" y="1762784"/>
-            <a:ext cx="3124376" cy="4593565"/>
+            <a:off x="448692" y="1360570"/>
+            <a:ext cx="4073204" cy="5178341"/>
           </a:xfrm>
           <a:prstGeom prst="rect">
             <a:avLst/>
@@ -46664,7 +46702,7 @@
           <a:lstStyle/>
           <a:p>
             <a:r>
-              <a:rPr lang="en-US" b="1" dirty="0">
+              <a:rPr lang="en-US" sz="2200" b="1" dirty="0">
                 <a:solidFill>
                   <a:srgbClr val="0E0E0E"/>
                 </a:solidFill>
@@ -46673,7 +46711,7 @@
               </a:rPr>
               <a:t>What Are Conflicts?</a:t>
             </a:r>
-            <a:endParaRPr lang="en-US" dirty="0">
+            <a:endParaRPr lang="en-US" sz="2200" dirty="0">
               <a:solidFill>
                 <a:srgbClr val="0E0E0E"/>
               </a:solidFill>
@@ -46688,7 +46726,7 @@
               </a:spcBef>
             </a:pPr>
             <a:r>
-              <a:rPr lang="en-US" dirty="0">
+              <a:rPr lang="en-US" sz="2200" dirty="0">
                 <a:solidFill>
                   <a:srgbClr val="0E0E0E"/>
                 </a:solidFill>
@@ -46700,7 +46738,7 @@
           </a:p>
           <a:p>
             <a:r>
-              <a:rPr lang="en-US" b="1" dirty="0">
+              <a:rPr lang="en-US" sz="2200" b="1" dirty="0">
                 <a:solidFill>
                   <a:srgbClr val="0E0E0E"/>
                 </a:solidFill>
@@ -46709,7 +46747,7 @@
               </a:rPr>
               <a:t>How to Resolve Conflicts?</a:t>
             </a:r>
-            <a:endParaRPr lang="en-US" dirty="0">
+            <a:endParaRPr lang="en-US" sz="2200" dirty="0">
               <a:solidFill>
                 <a:srgbClr val="0E0E0E"/>
               </a:solidFill>
@@ -46724,7 +46762,7 @@
               </a:spcBef>
             </a:pPr>
             <a:r>
-              <a:rPr lang="en-US" dirty="0">
+              <a:rPr lang="en-US" sz="2200" dirty="0">
                 <a:solidFill>
                   <a:srgbClr val="0E0E0E"/>
                 </a:solidFill>
@@ -46741,7 +46779,7 @@
               </a:spcBef>
             </a:pPr>
             <a:r>
-              <a:rPr lang="en-US" dirty="0">
+              <a:rPr lang="en-US" sz="2200" dirty="0">
                 <a:solidFill>
                   <a:srgbClr val="0E0E0E"/>
                 </a:solidFill>
@@ -46799,7 +46837,12 @@
             <p:ph type="title"/>
           </p:nvPr>
         </p:nvSpPr>
-        <p:spPr/>
+        <p:spPr>
+          <a:xfrm>
+            <a:off x="1322318" y="268360"/>
+            <a:ext cx="7288282" cy="984243"/>
+          </a:xfrm>
+        </p:spPr>
         <p:txBody>
           <a:bodyPr/>
           <a:lstStyle/>
@@ -46829,7 +46872,9 @@
         </p:nvSpPr>
         <p:spPr/>
         <p:txBody>
-          <a:bodyPr/>
+          <a:bodyPr>
+            <a:normAutofit/>
+          </a:bodyPr>
           <a:lstStyle/>
           <a:p>
             <a:pPr marL="285750" indent="-285750">
@@ -46837,7 +46882,7 @@
               <a:buChar char="•"/>
             </a:pPr>
             <a:r>
-              <a:rPr lang="en-US" b="0" dirty="0"/>
+              <a:rPr lang="en-US" sz="2400" b="0" dirty="0"/>
               <a:t>Follow the 3_collaborate.md file in the Practice folder</a:t>
             </a:r>
           </a:p>
@@ -46847,7 +46892,7 @@
               <a:buChar char="•"/>
             </a:pPr>
             <a:r>
-              <a:rPr lang="en-US" b="0" dirty="0"/>
+              <a:rPr lang="en-US" sz="2400" b="0" dirty="0"/>
               <a:t>Add a collaborator to your repository </a:t>
             </a:r>
           </a:p>
@@ -46857,7 +46902,7 @@
               <a:buChar char="•"/>
             </a:pPr>
             <a:r>
-              <a:rPr lang="en-US" b="0" dirty="0"/>
+              <a:rPr lang="en-US" sz="2400" b="0" dirty="0"/>
               <a:t>Make conflicting edits</a:t>
             </a:r>
           </a:p>
@@ -46867,7 +46912,7 @@
               <a:buChar char="•"/>
             </a:pPr>
             <a:r>
-              <a:rPr lang="en-US" b="0" dirty="0"/>
+              <a:rPr lang="en-US" sz="2400" b="0" dirty="0"/>
               <a:t>Resolve conflicts </a:t>
             </a:r>
           </a:p>
@@ -46876,7 +46921,7 @@
               <a:buFont typeface="Arial" panose="020B0604020202020204" pitchFamily="34" charset="0"/>
               <a:buChar char="•"/>
             </a:pPr>
-            <a:endParaRPr lang="en-US" b="0" dirty="0"/>
+            <a:endParaRPr lang="en-US" sz="2400" b="0" dirty="0"/>
           </a:p>
         </p:txBody>
       </p:sp>
@@ -47039,7 +47084,7 @@
               <a:buNone/>
             </a:pPr>
             <a:r>
-              <a:rPr lang="en-US" sz="2800" b="0" strike="noStrike" cap="all" spc="148">
+              <a:rPr lang="en-US" sz="2800" b="0" strike="noStrike" cap="all" spc="148" dirty="0">
                 <a:solidFill>
                   <a:srgbClr val="000000"/>
                 </a:solidFill>
@@ -47048,7 +47093,7 @@
               </a:rPr>
               <a:t>Next Session:</a:t>
             </a:r>
-            <a:endParaRPr lang="en-US" sz="2800" b="0" strike="noStrike" spc="-1">
+            <a:endParaRPr lang="en-US" sz="2800" b="0" strike="noStrike" spc="-1" dirty="0">
               <a:solidFill>
                 <a:srgbClr val="000000"/>
               </a:solidFill>
@@ -47100,7 +47145,7 @@
               <a:buChar char="•"/>
             </a:pPr>
             <a:r>
-              <a:rPr lang="en-US" b="1" strike="noStrike" spc="49" dirty="0">
+              <a:rPr lang="en-US" sz="2800" b="1" strike="noStrike" spc="49" dirty="0">
                 <a:solidFill>
                   <a:srgbClr val="000000"/>
                 </a:solidFill>
@@ -47125,7 +47170,7 @@
               <a:buChar char="•"/>
             </a:pPr>
             <a:r>
-              <a:rPr lang="en-US" sz="1800" b="0" strike="noStrike" spc="49" dirty="0">
+              <a:rPr lang="en-US" b="0" strike="noStrike" spc="49" dirty="0">
                 <a:solidFill>
                   <a:srgbClr val="000000"/>
                 </a:solidFill>
@@ -47150,7 +47195,7 @@
               <a:buChar char="•"/>
             </a:pPr>
             <a:r>
-              <a:rPr lang="en-US" b="1" strike="noStrike" spc="49" dirty="0">
+              <a:rPr lang="en-US" sz="2800" b="1" strike="noStrike" spc="49" dirty="0">
                 <a:solidFill>
                   <a:srgbClr val="000000"/>
                 </a:solidFill>
@@ -47159,7 +47204,7 @@
               </a:rPr>
               <a:t>Create your own personal website:</a:t>
             </a:r>
-            <a:endParaRPr lang="en-US" b="1" spc="-1" dirty="0">
+            <a:endParaRPr lang="en-US" sz="2800" b="1" spc="-1" dirty="0">
               <a:solidFill>
                 <a:srgbClr val="000000"/>
               </a:solidFill>
@@ -47181,7 +47226,7 @@
               <a:buChar char="•"/>
             </a:pPr>
             <a:r>
-              <a:rPr lang="en-US" sz="1800" b="0" strike="noStrike" spc="49" dirty="0">
+              <a:rPr lang="en-US" b="0" strike="noStrike" spc="49" dirty="0">
                 <a:solidFill>
                   <a:srgbClr val="000000"/>
                 </a:solidFill>
@@ -47190,7 +47235,7 @@
               </a:rPr>
               <a:t>Creating a GitHub Pages site</a:t>
             </a:r>
-            <a:endParaRPr lang="en-US" sz="1800" b="0" strike="noStrike" spc="-1" dirty="0">
+            <a:endParaRPr lang="en-US" b="0" strike="noStrike" spc="-1" dirty="0">
               <a:solidFill>
                 <a:srgbClr val="000000"/>
               </a:solidFill>
@@ -47625,8 +47670,8 @@
         </p:nvSpPr>
         <p:spPr>
           <a:xfrm>
-            <a:off x="1322280" y="2763000"/>
-            <a:ext cx="3646080" cy="3406680"/>
+            <a:off x="275573" y="2388960"/>
+            <a:ext cx="4692787" cy="4200840"/>
           </a:xfrm>
           <a:prstGeom prst="rect">
             <a:avLst/>
@@ -47638,7 +47683,7 @@
         </p:spPr>
         <p:txBody>
           <a:bodyPr anchor="t">
-            <a:normAutofit/>
+            <a:normAutofit lnSpcReduction="10000"/>
           </a:bodyPr>
           <a:lstStyle/>
           <a:p>
@@ -47656,7 +47701,7 @@
               <a:buChar char="•"/>
             </a:pPr>
             <a:r>
-              <a:rPr lang="en-US" sz="1800" b="0" strike="noStrike" spc="49" dirty="0">
+              <a:rPr lang="en-US" b="0" strike="noStrike" spc="49" dirty="0">
                 <a:solidFill>
                   <a:srgbClr val="000000"/>
                 </a:solidFill>
@@ -47666,7 +47711,7 @@
               <a:t>Git is a version </a:t>
             </a:r>
             <a:r>
-              <a:rPr lang="en-US" sz="1800" spc="49" dirty="0">
+              <a:rPr lang="en-US" spc="49" dirty="0">
                 <a:solidFill>
                   <a:srgbClr val="000000"/>
                 </a:solidFill>
@@ -47676,7 +47721,7 @@
               <a:t>c</a:t>
             </a:r>
             <a:r>
-              <a:rPr lang="en-US" sz="1800" b="0" strike="noStrike" spc="49" dirty="0">
+              <a:rPr lang="en-US" b="0" strike="noStrike" spc="49" dirty="0">
                 <a:solidFill>
                   <a:srgbClr val="000000"/>
                 </a:solidFill>
@@ -47701,7 +47746,7 @@
               <a:buChar char="•"/>
             </a:pPr>
             <a:r>
-              <a:rPr lang="en-US" sz="1800" spc="49" dirty="0">
+              <a:rPr lang="en-US" spc="49" dirty="0">
                 <a:solidFill>
                   <a:srgbClr val="000000"/>
                 </a:solidFill>
@@ -47709,7 +47754,7 @@
               </a:rPr>
               <a:t>It tracks changes to files and allows collaboration</a:t>
             </a:r>
-            <a:endParaRPr lang="en-US" sz="1800" b="0" strike="noStrike" spc="-1" dirty="0">
+            <a:endParaRPr lang="en-US" b="0" strike="noStrike" spc="-1" dirty="0">
               <a:solidFill>
                 <a:srgbClr val="000000"/>
               </a:solidFill>
@@ -47731,7 +47776,7 @@
               <a:buChar char="•"/>
             </a:pPr>
             <a:r>
-              <a:rPr lang="en-US" sz="1800" b="0" strike="noStrike" spc="49" dirty="0">
+              <a:rPr lang="en-US" b="0" strike="noStrike" spc="49" dirty="0">
                 <a:solidFill>
                   <a:srgbClr val="000000"/>
                 </a:solidFill>
@@ -47756,7 +47801,7 @@
               <a:buChar char="•"/>
             </a:pPr>
             <a:r>
-              <a:rPr lang="en-US" sz="1800" b="0" strike="noStrike" spc="49" dirty="0">
+              <a:rPr lang="en-US" b="0" strike="noStrike" spc="49" dirty="0">
                 <a:solidFill>
                   <a:srgbClr val="000000"/>
                 </a:solidFill>
@@ -47765,7 +47810,7 @@
               </a:rPr>
               <a:t>Commits create “snapshots” of the entire project, not just the differences</a:t>
             </a:r>
-            <a:endParaRPr lang="en-US" sz="1800" b="0" strike="noStrike" spc="-1" dirty="0">
+            <a:endParaRPr lang="en-US" b="0" strike="noStrike" spc="-1" dirty="0">
               <a:solidFill>
                 <a:srgbClr val="000000"/>
               </a:solidFill>
@@ -47787,7 +47832,7 @@
               <a:buChar char="•"/>
             </a:pPr>
             <a:r>
-              <a:rPr lang="en-US" sz="1800" b="0" strike="noStrike" spc="49" dirty="0">
+              <a:rPr lang="en-US" b="0" strike="noStrike" spc="49" dirty="0">
                 <a:solidFill>
                   <a:srgbClr val="000000"/>
                 </a:solidFill>
@@ -47796,7 +47841,7 @@
               </a:rPr>
               <a:t>Can be stored in a remote location</a:t>
             </a:r>
-            <a:endParaRPr lang="en-US" sz="1800" b="0" strike="noStrike" spc="-1" dirty="0">
+            <a:endParaRPr lang="en-US" b="0" strike="noStrike" spc="-1" dirty="0">
               <a:solidFill>
                 <a:srgbClr val="000000"/>
               </a:solidFill>
@@ -47930,7 +47975,7 @@
         <p:cNvPr id="1" name="">
           <a:extLst>
             <a:ext uri="{FF2B5EF4-FFF2-40B4-BE49-F238E27FC236}">
-              <a16:creationId xmlns:a16="http://schemas.microsoft.com/office/drawing/2014/main" id="{773EA2AC-D9CB-C650-4D27-23230C09BBD7}"/>
+              <a16:creationId xmlns:a16="http://schemas.microsoft.com/office/drawing/2014/main" id="{7683C836-C36F-EB5F-8D34-97336370B231}"/>
             </a:ext>
           </a:extLst>
         </p:cNvPr>
@@ -47950,7 +47995,7 @@
           <p:cNvPr id="225" name="PlaceHolder 1">
             <a:extLst>
               <a:ext uri="{FF2B5EF4-FFF2-40B4-BE49-F238E27FC236}">
-                <a16:creationId xmlns:a16="http://schemas.microsoft.com/office/drawing/2014/main" id="{E8A5A4EE-ABB6-8746-C557-8CE22EBE33A9}"/>
+                <a16:creationId xmlns:a16="http://schemas.microsoft.com/office/drawing/2014/main" id="{68303623-D4CA-69DF-DD1E-522EED2CC88C}"/>
               </a:ext>
             </a:extLst>
           </p:cNvPr>
@@ -48010,7 +48055,7 @@
           <p:cNvPr id="226" name="PlaceHolder 2">
             <a:extLst>
               <a:ext uri="{FF2B5EF4-FFF2-40B4-BE49-F238E27FC236}">
-                <a16:creationId xmlns:a16="http://schemas.microsoft.com/office/drawing/2014/main" id="{E7A283B0-4EEC-A605-802B-A616E7439AA9}"/>
+                <a16:creationId xmlns:a16="http://schemas.microsoft.com/office/drawing/2014/main" id="{FBB90492-B950-FB9A-A58C-AF18A661C0B9}"/>
               </a:ext>
             </a:extLst>
           </p:cNvPr>
@@ -48023,8 +48068,8 @@
         </p:nvSpPr>
         <p:spPr>
           <a:xfrm>
-            <a:off x="1322280" y="2763000"/>
-            <a:ext cx="3646080" cy="3406680"/>
+            <a:off x="275573" y="2388960"/>
+            <a:ext cx="4692787" cy="4200840"/>
           </a:xfrm>
           <a:prstGeom prst="rect">
             <a:avLst/>
@@ -48036,7 +48081,7 @@
         </p:spPr>
         <p:txBody>
           <a:bodyPr anchor="t">
-            <a:normAutofit/>
+            <a:normAutofit lnSpcReduction="10000"/>
           </a:bodyPr>
           <a:lstStyle/>
           <a:p>
@@ -48054,7 +48099,7 @@
               <a:buChar char="•"/>
             </a:pPr>
             <a:r>
-              <a:rPr lang="en-US" sz="1800" b="0" strike="noStrike" spc="49" dirty="0">
+              <a:rPr lang="en-US" b="0" strike="noStrike" spc="49" dirty="0">
                 <a:solidFill>
                   <a:srgbClr val="000000"/>
                 </a:solidFill>
@@ -48064,7 +48109,7 @@
               <a:t>Git is a version </a:t>
             </a:r>
             <a:r>
-              <a:rPr lang="en-US" sz="1800" spc="49" dirty="0">
+              <a:rPr lang="en-US" spc="49" dirty="0">
                 <a:solidFill>
                   <a:srgbClr val="000000"/>
                 </a:solidFill>
@@ -48074,7 +48119,7 @@
               <a:t>c</a:t>
             </a:r>
             <a:r>
-              <a:rPr lang="en-US" sz="1800" b="0" strike="noStrike" spc="49" dirty="0">
+              <a:rPr lang="en-US" b="0" strike="noStrike" spc="49" dirty="0">
                 <a:solidFill>
                   <a:srgbClr val="000000"/>
                 </a:solidFill>
@@ -48099,7 +48144,7 @@
               <a:buChar char="•"/>
             </a:pPr>
             <a:r>
-              <a:rPr lang="en-US" sz="1800" spc="49" dirty="0">
+              <a:rPr lang="en-US" spc="49" dirty="0">
                 <a:solidFill>
                   <a:srgbClr val="000000"/>
                 </a:solidFill>
@@ -48107,7 +48152,7 @@
               </a:rPr>
               <a:t>It tracks changes to files and allows collaboration</a:t>
             </a:r>
-            <a:endParaRPr lang="en-US" sz="1800" b="0" strike="noStrike" spc="-1" dirty="0">
+            <a:endParaRPr lang="en-US" b="0" strike="noStrike" spc="-1" dirty="0">
               <a:solidFill>
                 <a:srgbClr val="000000"/>
               </a:solidFill>
@@ -48129,7 +48174,7 @@
               <a:buChar char="•"/>
             </a:pPr>
             <a:r>
-              <a:rPr lang="en-US" sz="1800" b="0" strike="noStrike" spc="49" dirty="0">
+              <a:rPr lang="en-US" b="0" strike="noStrike" spc="49" dirty="0">
                 <a:solidFill>
                   <a:srgbClr val="000000"/>
                 </a:solidFill>
@@ -48154,7 +48199,7 @@
               <a:buChar char="•"/>
             </a:pPr>
             <a:r>
-              <a:rPr lang="en-US" sz="1800" b="0" strike="noStrike" spc="49" dirty="0">
+              <a:rPr lang="en-US" b="0" strike="noStrike" spc="49" dirty="0">
                 <a:solidFill>
                   <a:srgbClr val="000000"/>
                 </a:solidFill>
@@ -48163,7 +48208,7 @@
               </a:rPr>
               <a:t>Commits create “snapshots” of the entire project, not just the differences</a:t>
             </a:r>
-            <a:endParaRPr lang="en-US" sz="1800" b="0" strike="noStrike" spc="-1" dirty="0">
+            <a:endParaRPr lang="en-US" b="0" strike="noStrike" spc="-1" dirty="0">
               <a:solidFill>
                 <a:srgbClr val="000000"/>
               </a:solidFill>
@@ -48185,7 +48230,7 @@
               <a:buChar char="•"/>
             </a:pPr>
             <a:r>
-              <a:rPr lang="en-US" sz="1800" b="0" strike="noStrike" spc="49" dirty="0">
+              <a:rPr lang="en-US" b="0" strike="noStrike" spc="49" dirty="0">
                 <a:solidFill>
                   <a:srgbClr val="000000"/>
                 </a:solidFill>
@@ -48194,7 +48239,7 @@
               </a:rPr>
               <a:t>Can be stored in a remote location</a:t>
             </a:r>
-            <a:endParaRPr lang="en-US" sz="1800" b="0" strike="noStrike" spc="-1" dirty="0">
+            <a:endParaRPr lang="en-US" b="0" strike="noStrike" spc="-1" dirty="0">
               <a:solidFill>
                 <a:srgbClr val="000000"/>
               </a:solidFill>
@@ -48208,7 +48253,7 @@
           <p:cNvPr id="227" name="PlaceHolder 3">
             <a:extLst>
               <a:ext uri="{FF2B5EF4-FFF2-40B4-BE49-F238E27FC236}">
-                <a16:creationId xmlns:a16="http://schemas.microsoft.com/office/drawing/2014/main" id="{30A63230-373B-26D4-23BE-7CA528D6383A}"/>
+                <a16:creationId xmlns:a16="http://schemas.microsoft.com/office/drawing/2014/main" id="{AB892D7B-DEA5-7E95-6F25-4B76B503DD34}"/>
               </a:ext>
             </a:extLst>
           </p:cNvPr>
@@ -48277,7 +48322,7 @@
           <p:cNvPr id="228" name="Picture 3" descr="Git">
             <a:extLst>
               <a:ext uri="{FF2B5EF4-FFF2-40B4-BE49-F238E27FC236}">
-                <a16:creationId xmlns:a16="http://schemas.microsoft.com/office/drawing/2014/main" id="{400C6D78-0E21-F77F-22D4-6127FDD77FF5}"/>
+                <a16:creationId xmlns:a16="http://schemas.microsoft.com/office/drawing/2014/main" id="{63D208B9-A483-5D5F-6618-7C2F175751BD}"/>
               </a:ext>
             </a:extLst>
           </p:cNvPr>
@@ -48306,7 +48351,7 @@
           <p:cNvPr id="229" name="Picture 4" descr="A screenshot of a diagram&#10;&#10;Description automatically generated">
             <a:extLst>
               <a:ext uri="{FF2B5EF4-FFF2-40B4-BE49-F238E27FC236}">
-                <a16:creationId xmlns:a16="http://schemas.microsoft.com/office/drawing/2014/main" id="{6F2A33ED-2D0F-F693-9F60-B6BFFDCECD14}"/>
+                <a16:creationId xmlns:a16="http://schemas.microsoft.com/office/drawing/2014/main" id="{8C172EC4-AF54-E67B-1733-CFA8846E3AA9}"/>
               </a:ext>
             </a:extLst>
           </p:cNvPr>
@@ -48335,7 +48380,7 @@
           <p:cNvPr id="2" name="Rectangle 1">
             <a:extLst>
               <a:ext uri="{FF2B5EF4-FFF2-40B4-BE49-F238E27FC236}">
-                <a16:creationId xmlns:a16="http://schemas.microsoft.com/office/drawing/2014/main" id="{C8158883-8AA6-029F-11F0-E57A51647FB5}"/>
+                <a16:creationId xmlns:a16="http://schemas.microsoft.com/office/drawing/2014/main" id="{5D2D8374-1385-FEC3-64E7-9C7C97698B3F}"/>
               </a:ext>
             </a:extLst>
           </p:cNvPr>
@@ -48385,7 +48430,7 @@
     </p:spTree>
     <p:extLst>
       <p:ext uri="{BB962C8B-B14F-4D97-AF65-F5344CB8AC3E}">
-        <p14:creationId xmlns:p14="http://schemas.microsoft.com/office/powerpoint/2010/main" val="2988268199"/>
+        <p14:creationId xmlns:p14="http://schemas.microsoft.com/office/powerpoint/2010/main" val="3396096368"/>
       </p:ext>
     </p:extLst>
   </p:cSld>
@@ -48403,7 +48448,7 @@
         <p:cNvPr id="1" name="">
           <a:extLst>
             <a:ext uri="{FF2B5EF4-FFF2-40B4-BE49-F238E27FC236}">
-              <a16:creationId xmlns:a16="http://schemas.microsoft.com/office/drawing/2014/main" id="{ABEF3080-57B8-D298-C020-37405D428A60}"/>
+              <a16:creationId xmlns:a16="http://schemas.microsoft.com/office/drawing/2014/main" id="{5B1D476F-F071-88E8-1501-9DA964370E6B}"/>
             </a:ext>
           </a:extLst>
         </p:cNvPr>
@@ -48423,7 +48468,7 @@
           <p:cNvPr id="225" name="PlaceHolder 1">
             <a:extLst>
               <a:ext uri="{FF2B5EF4-FFF2-40B4-BE49-F238E27FC236}">
-                <a16:creationId xmlns:a16="http://schemas.microsoft.com/office/drawing/2014/main" id="{03247D5A-54D5-0C77-FF0D-CA2AC795F939}"/>
+                <a16:creationId xmlns:a16="http://schemas.microsoft.com/office/drawing/2014/main" id="{ABCC43E2-D00A-DC93-1A18-EB213DF37506}"/>
               </a:ext>
             </a:extLst>
           </p:cNvPr>
@@ -48483,7 +48528,7 @@
           <p:cNvPr id="226" name="PlaceHolder 2">
             <a:extLst>
               <a:ext uri="{FF2B5EF4-FFF2-40B4-BE49-F238E27FC236}">
-                <a16:creationId xmlns:a16="http://schemas.microsoft.com/office/drawing/2014/main" id="{5DD89529-DADB-A556-ABBD-C36936EA1CC3}"/>
+                <a16:creationId xmlns:a16="http://schemas.microsoft.com/office/drawing/2014/main" id="{675D79F8-5AAC-8EB1-55A4-965F6BA7354D}"/>
               </a:ext>
             </a:extLst>
           </p:cNvPr>
@@ -48496,8 +48541,8 @@
         </p:nvSpPr>
         <p:spPr>
           <a:xfrm>
-            <a:off x="1322280" y="2763000"/>
-            <a:ext cx="3646080" cy="3406680"/>
+            <a:off x="275573" y="2388960"/>
+            <a:ext cx="4692787" cy="4200840"/>
           </a:xfrm>
           <a:prstGeom prst="rect">
             <a:avLst/>
@@ -48509,7 +48554,7 @@
         </p:spPr>
         <p:txBody>
           <a:bodyPr anchor="t">
-            <a:normAutofit/>
+            <a:normAutofit lnSpcReduction="10000"/>
           </a:bodyPr>
           <a:lstStyle/>
           <a:p>
@@ -48527,7 +48572,7 @@
               <a:buChar char="•"/>
             </a:pPr>
             <a:r>
-              <a:rPr lang="en-US" sz="1800" b="0" strike="noStrike" spc="49" dirty="0">
+              <a:rPr lang="en-US" b="0" strike="noStrike" spc="49" dirty="0">
                 <a:solidFill>
                   <a:srgbClr val="000000"/>
                 </a:solidFill>
@@ -48537,7 +48582,7 @@
               <a:t>Git is a version </a:t>
             </a:r>
             <a:r>
-              <a:rPr lang="en-US" sz="1800" spc="49" dirty="0">
+              <a:rPr lang="en-US" spc="49" dirty="0">
                 <a:solidFill>
                   <a:srgbClr val="000000"/>
                 </a:solidFill>
@@ -48547,7 +48592,7 @@
               <a:t>c</a:t>
             </a:r>
             <a:r>
-              <a:rPr lang="en-US" sz="1800" b="0" strike="noStrike" spc="49" dirty="0">
+              <a:rPr lang="en-US" b="0" strike="noStrike" spc="49" dirty="0">
                 <a:solidFill>
                   <a:srgbClr val="000000"/>
                 </a:solidFill>
@@ -48572,7 +48617,7 @@
               <a:buChar char="•"/>
             </a:pPr>
             <a:r>
-              <a:rPr lang="en-US" sz="1800" spc="49" dirty="0">
+              <a:rPr lang="en-US" spc="49" dirty="0">
                 <a:solidFill>
                   <a:srgbClr val="000000"/>
                 </a:solidFill>
@@ -48580,7 +48625,7 @@
               </a:rPr>
               <a:t>It tracks changes to files and allows collaboration</a:t>
             </a:r>
-            <a:endParaRPr lang="en-US" sz="1800" b="0" strike="noStrike" spc="-1" dirty="0">
+            <a:endParaRPr lang="en-US" b="0" strike="noStrike" spc="-1" dirty="0">
               <a:solidFill>
                 <a:srgbClr val="000000"/>
               </a:solidFill>
@@ -48602,7 +48647,7 @@
               <a:buChar char="•"/>
             </a:pPr>
             <a:r>
-              <a:rPr lang="en-US" sz="1800" b="0" strike="noStrike" spc="49" dirty="0">
+              <a:rPr lang="en-US" b="0" strike="noStrike" spc="49" dirty="0">
                 <a:solidFill>
                   <a:srgbClr val="000000"/>
                 </a:solidFill>
@@ -48627,7 +48672,7 @@
               <a:buChar char="•"/>
             </a:pPr>
             <a:r>
-              <a:rPr lang="en-US" sz="1800" b="0" strike="noStrike" spc="49" dirty="0">
+              <a:rPr lang="en-US" b="0" strike="noStrike" spc="49" dirty="0">
                 <a:solidFill>
                   <a:srgbClr val="000000"/>
                 </a:solidFill>
@@ -48636,7 +48681,7 @@
               </a:rPr>
               <a:t>Commits create “snapshots” of the entire project, not just the differences</a:t>
             </a:r>
-            <a:endParaRPr lang="en-US" sz="1800" b="0" strike="noStrike" spc="-1" dirty="0">
+            <a:endParaRPr lang="en-US" b="0" strike="noStrike" spc="-1" dirty="0">
               <a:solidFill>
                 <a:srgbClr val="000000"/>
               </a:solidFill>
@@ -48658,7 +48703,7 @@
               <a:buChar char="•"/>
             </a:pPr>
             <a:r>
-              <a:rPr lang="en-US" sz="1800" b="0" strike="noStrike" spc="49" dirty="0">
+              <a:rPr lang="en-US" b="0" strike="noStrike" spc="49" dirty="0">
                 <a:solidFill>
                   <a:srgbClr val="000000"/>
                 </a:solidFill>
@@ -48667,7 +48712,7 @@
               </a:rPr>
               <a:t>Can be stored in a remote location</a:t>
             </a:r>
-            <a:endParaRPr lang="en-US" sz="1800" b="0" strike="noStrike" spc="-1" dirty="0">
+            <a:endParaRPr lang="en-US" b="0" strike="noStrike" spc="-1" dirty="0">
               <a:solidFill>
                 <a:srgbClr val="000000"/>
               </a:solidFill>
@@ -48681,7 +48726,7 @@
           <p:cNvPr id="227" name="PlaceHolder 3">
             <a:extLst>
               <a:ext uri="{FF2B5EF4-FFF2-40B4-BE49-F238E27FC236}">
-                <a16:creationId xmlns:a16="http://schemas.microsoft.com/office/drawing/2014/main" id="{490D6FB8-DB46-62B9-2D76-CF400122819F}"/>
+                <a16:creationId xmlns:a16="http://schemas.microsoft.com/office/drawing/2014/main" id="{7F4E35E7-2D97-AB06-AA00-2B2E383046AD}"/>
               </a:ext>
             </a:extLst>
           </p:cNvPr>
@@ -48750,7 +48795,7 @@
           <p:cNvPr id="228" name="Picture 3" descr="Git">
             <a:extLst>
               <a:ext uri="{FF2B5EF4-FFF2-40B4-BE49-F238E27FC236}">
-                <a16:creationId xmlns:a16="http://schemas.microsoft.com/office/drawing/2014/main" id="{D707B0C5-CFBD-D872-B2CA-F9513F78A483}"/>
+                <a16:creationId xmlns:a16="http://schemas.microsoft.com/office/drawing/2014/main" id="{32E771D0-0E27-8E55-10C4-07D3F021B74B}"/>
               </a:ext>
             </a:extLst>
           </p:cNvPr>
@@ -48779,7 +48824,7 @@
           <p:cNvPr id="229" name="Picture 4" descr="A screenshot of a diagram&#10;&#10;Description automatically generated">
             <a:extLst>
               <a:ext uri="{FF2B5EF4-FFF2-40B4-BE49-F238E27FC236}">
-                <a16:creationId xmlns:a16="http://schemas.microsoft.com/office/drawing/2014/main" id="{762AAD00-D262-3B71-5AE5-A3AB95A9B270}"/>
+                <a16:creationId xmlns:a16="http://schemas.microsoft.com/office/drawing/2014/main" id="{493AF4BF-0E4F-1668-0877-6837F4B9CA30}"/>
               </a:ext>
             </a:extLst>
           </p:cNvPr>
@@ -48808,7 +48853,7 @@
           <p:cNvPr id="2" name="Rectangle 1">
             <a:extLst>
               <a:ext uri="{FF2B5EF4-FFF2-40B4-BE49-F238E27FC236}">
-                <a16:creationId xmlns:a16="http://schemas.microsoft.com/office/drawing/2014/main" id="{A90F2BD0-4435-091B-F976-B298FAB0ABDB}"/>
+                <a16:creationId xmlns:a16="http://schemas.microsoft.com/office/drawing/2014/main" id="{83CC1F38-23C4-FC21-45AA-73753E636248}"/>
               </a:ext>
             </a:extLst>
           </p:cNvPr>
@@ -48817,7 +48862,7 @@
         </p:nvSpPr>
         <p:spPr>
           <a:xfrm>
-            <a:off x="6374296" y="3187080"/>
+            <a:off x="6422580" y="3187080"/>
             <a:ext cx="1232452" cy="2723390"/>
           </a:xfrm>
           <a:prstGeom prst="rect">
@@ -48858,7 +48903,7 @@
     </p:spTree>
     <p:extLst>
       <p:ext uri="{BB962C8B-B14F-4D97-AF65-F5344CB8AC3E}">
-        <p14:creationId xmlns:p14="http://schemas.microsoft.com/office/powerpoint/2010/main" val="71283188"/>
+        <p14:creationId xmlns:p14="http://schemas.microsoft.com/office/powerpoint/2010/main" val="553804680"/>
       </p:ext>
     </p:extLst>
   </p:cSld>
@@ -48876,7 +48921,7 @@
         <p:cNvPr id="1" name="">
           <a:extLst>
             <a:ext uri="{FF2B5EF4-FFF2-40B4-BE49-F238E27FC236}">
-              <a16:creationId xmlns:a16="http://schemas.microsoft.com/office/drawing/2014/main" id="{B8882E6E-879D-746F-7561-D80497AAEA2F}"/>
+              <a16:creationId xmlns:a16="http://schemas.microsoft.com/office/drawing/2014/main" id="{548C4882-C016-FA56-48DB-0A12A2089F9F}"/>
             </a:ext>
           </a:extLst>
         </p:cNvPr>
@@ -48896,7 +48941,7 @@
           <p:cNvPr id="225" name="PlaceHolder 1">
             <a:extLst>
               <a:ext uri="{FF2B5EF4-FFF2-40B4-BE49-F238E27FC236}">
-                <a16:creationId xmlns:a16="http://schemas.microsoft.com/office/drawing/2014/main" id="{503E5D5D-1CD9-D300-4257-A0E31116D604}"/>
+                <a16:creationId xmlns:a16="http://schemas.microsoft.com/office/drawing/2014/main" id="{A3A44F66-FDB7-BFDD-418F-D3091D358A58}"/>
               </a:ext>
             </a:extLst>
           </p:cNvPr>
@@ -48956,7 +49001,7 @@
           <p:cNvPr id="226" name="PlaceHolder 2">
             <a:extLst>
               <a:ext uri="{FF2B5EF4-FFF2-40B4-BE49-F238E27FC236}">
-                <a16:creationId xmlns:a16="http://schemas.microsoft.com/office/drawing/2014/main" id="{74CA814F-399D-0C62-7928-8CBDEBBCC3BB}"/>
+                <a16:creationId xmlns:a16="http://schemas.microsoft.com/office/drawing/2014/main" id="{6A2DEDFE-DCEB-AB6D-72B3-44A7BC950701}"/>
               </a:ext>
             </a:extLst>
           </p:cNvPr>
@@ -48969,8 +49014,8 @@
         </p:nvSpPr>
         <p:spPr>
           <a:xfrm>
-            <a:off x="1322280" y="2763000"/>
-            <a:ext cx="3646080" cy="3406680"/>
+            <a:off x="275573" y="2388960"/>
+            <a:ext cx="4692787" cy="4200840"/>
           </a:xfrm>
           <a:prstGeom prst="rect">
             <a:avLst/>
@@ -48982,7 +49027,7 @@
         </p:spPr>
         <p:txBody>
           <a:bodyPr anchor="t">
-            <a:normAutofit/>
+            <a:normAutofit lnSpcReduction="10000"/>
           </a:bodyPr>
           <a:lstStyle/>
           <a:p>
@@ -49000,7 +49045,7 @@
               <a:buChar char="•"/>
             </a:pPr>
             <a:r>
-              <a:rPr lang="en-US" sz="1800" b="0" strike="noStrike" spc="49" dirty="0">
+              <a:rPr lang="en-US" b="0" strike="noStrike" spc="49" dirty="0">
                 <a:solidFill>
                   <a:srgbClr val="000000"/>
                 </a:solidFill>
@@ -49010,7 +49055,7 @@
               <a:t>Git is a version </a:t>
             </a:r>
             <a:r>
-              <a:rPr lang="en-US" sz="1800" spc="49" dirty="0">
+              <a:rPr lang="en-US" spc="49" dirty="0">
                 <a:solidFill>
                   <a:srgbClr val="000000"/>
                 </a:solidFill>
@@ -49020,7 +49065,7 @@
               <a:t>c</a:t>
             </a:r>
             <a:r>
-              <a:rPr lang="en-US" sz="1800" b="0" strike="noStrike" spc="49" dirty="0">
+              <a:rPr lang="en-US" b="0" strike="noStrike" spc="49" dirty="0">
                 <a:solidFill>
                   <a:srgbClr val="000000"/>
                 </a:solidFill>
@@ -49045,7 +49090,7 @@
               <a:buChar char="•"/>
             </a:pPr>
             <a:r>
-              <a:rPr lang="en-US" sz="1800" spc="49" dirty="0">
+              <a:rPr lang="en-US" spc="49" dirty="0">
                 <a:solidFill>
                   <a:srgbClr val="000000"/>
                 </a:solidFill>
@@ -49053,7 +49098,7 @@
               </a:rPr>
               <a:t>It tracks changes to files and allows collaboration</a:t>
             </a:r>
-            <a:endParaRPr lang="en-US" sz="1800" b="0" strike="noStrike" spc="-1" dirty="0">
+            <a:endParaRPr lang="en-US" b="0" strike="noStrike" spc="-1" dirty="0">
               <a:solidFill>
                 <a:srgbClr val="000000"/>
               </a:solidFill>
@@ -49075,7 +49120,7 @@
               <a:buChar char="•"/>
             </a:pPr>
             <a:r>
-              <a:rPr lang="en-US" sz="1800" b="0" strike="noStrike" spc="49" dirty="0">
+              <a:rPr lang="en-US" b="0" strike="noStrike" spc="49" dirty="0">
                 <a:solidFill>
                   <a:srgbClr val="000000"/>
                 </a:solidFill>
@@ -49100,7 +49145,7 @@
               <a:buChar char="•"/>
             </a:pPr>
             <a:r>
-              <a:rPr lang="en-US" sz="1800" b="0" strike="noStrike" spc="49" dirty="0">
+              <a:rPr lang="en-US" b="0" strike="noStrike" spc="49" dirty="0">
                 <a:solidFill>
                   <a:srgbClr val="000000"/>
                 </a:solidFill>
@@ -49109,7 +49154,7 @@
               </a:rPr>
               <a:t>Commits create “snapshots” of the entire project, not just the differences</a:t>
             </a:r>
-            <a:endParaRPr lang="en-US" sz="1800" b="0" strike="noStrike" spc="-1" dirty="0">
+            <a:endParaRPr lang="en-US" b="0" strike="noStrike" spc="-1" dirty="0">
               <a:solidFill>
                 <a:srgbClr val="000000"/>
               </a:solidFill>
@@ -49131,7 +49176,7 @@
               <a:buChar char="•"/>
             </a:pPr>
             <a:r>
-              <a:rPr lang="en-US" sz="1800" b="0" strike="noStrike" spc="49" dirty="0">
+              <a:rPr lang="en-US" b="0" strike="noStrike" spc="49" dirty="0">
                 <a:solidFill>
                   <a:srgbClr val="000000"/>
                 </a:solidFill>
@@ -49140,7 +49185,7 @@
               </a:rPr>
               <a:t>Can be stored in a remote location</a:t>
             </a:r>
-            <a:endParaRPr lang="en-US" sz="1800" b="0" strike="noStrike" spc="-1" dirty="0">
+            <a:endParaRPr lang="en-US" b="0" strike="noStrike" spc="-1" dirty="0">
               <a:solidFill>
                 <a:srgbClr val="000000"/>
               </a:solidFill>
@@ -49154,7 +49199,7 @@
           <p:cNvPr id="227" name="PlaceHolder 3">
             <a:extLst>
               <a:ext uri="{FF2B5EF4-FFF2-40B4-BE49-F238E27FC236}">
-                <a16:creationId xmlns:a16="http://schemas.microsoft.com/office/drawing/2014/main" id="{1607DCEB-C023-F61A-6E49-CFF922C42397}"/>
+                <a16:creationId xmlns:a16="http://schemas.microsoft.com/office/drawing/2014/main" id="{BAC65308-5993-4AD5-B79B-B41A56BBD492}"/>
               </a:ext>
             </a:extLst>
           </p:cNvPr>
@@ -49223,7 +49268,7 @@
           <p:cNvPr id="228" name="Picture 3" descr="Git">
             <a:extLst>
               <a:ext uri="{FF2B5EF4-FFF2-40B4-BE49-F238E27FC236}">
-                <a16:creationId xmlns:a16="http://schemas.microsoft.com/office/drawing/2014/main" id="{3BE93DD8-98E1-1D64-4707-FF63B1926B91}"/>
+                <a16:creationId xmlns:a16="http://schemas.microsoft.com/office/drawing/2014/main" id="{524C319A-3E52-C094-3D97-B77D21BEF7DC}"/>
               </a:ext>
             </a:extLst>
           </p:cNvPr>
@@ -49252,7 +49297,7 @@
           <p:cNvPr id="229" name="Picture 4" descr="A screenshot of a diagram&#10;&#10;Description automatically generated">
             <a:extLst>
               <a:ext uri="{FF2B5EF4-FFF2-40B4-BE49-F238E27FC236}">
-                <a16:creationId xmlns:a16="http://schemas.microsoft.com/office/drawing/2014/main" id="{30299316-6FDC-9A65-06CD-146298BBD016}"/>
+                <a16:creationId xmlns:a16="http://schemas.microsoft.com/office/drawing/2014/main" id="{1B2AAB2A-2963-BE6E-43DF-7874757DE2AF}"/>
               </a:ext>
             </a:extLst>
           </p:cNvPr>
@@ -49281,7 +49326,7 @@
           <p:cNvPr id="2" name="Rectangle 1">
             <a:extLst>
               <a:ext uri="{FF2B5EF4-FFF2-40B4-BE49-F238E27FC236}">
-                <a16:creationId xmlns:a16="http://schemas.microsoft.com/office/drawing/2014/main" id="{81021394-175B-52E6-B267-91205F9F3EE2}"/>
+                <a16:creationId xmlns:a16="http://schemas.microsoft.com/office/drawing/2014/main" id="{659166EB-7B21-2F4E-153D-47ABEFF54337}"/>
               </a:ext>
             </a:extLst>
           </p:cNvPr>
@@ -49290,7 +49335,7 @@
         </p:nvSpPr>
         <p:spPr>
           <a:xfrm>
-            <a:off x="7659755" y="3187080"/>
+            <a:off x="7734694" y="3187080"/>
             <a:ext cx="1232452" cy="2723390"/>
           </a:xfrm>
           <a:prstGeom prst="rect">
@@ -49331,7 +49376,7 @@
     </p:spTree>
     <p:extLst>
       <p:ext uri="{BB962C8B-B14F-4D97-AF65-F5344CB8AC3E}">
-        <p14:creationId xmlns:p14="http://schemas.microsoft.com/office/powerpoint/2010/main" val="1582185415"/>
+        <p14:creationId xmlns:p14="http://schemas.microsoft.com/office/powerpoint/2010/main" val="109220680"/>
       </p:ext>
     </p:extLst>
   </p:cSld>
@@ -49349,7 +49394,7 @@
         <p:cNvPr id="1" name="">
           <a:extLst>
             <a:ext uri="{FF2B5EF4-FFF2-40B4-BE49-F238E27FC236}">
-              <a16:creationId xmlns:a16="http://schemas.microsoft.com/office/drawing/2014/main" id="{A9BED621-950D-BA2C-012B-3681A3985CAD}"/>
+              <a16:creationId xmlns:a16="http://schemas.microsoft.com/office/drawing/2014/main" id="{BC3CA4F1-02BA-EB53-795C-AFFD4FCE8B31}"/>
             </a:ext>
           </a:extLst>
         </p:cNvPr>
@@ -49369,7 +49414,7 @@
           <p:cNvPr id="225" name="PlaceHolder 1">
             <a:extLst>
               <a:ext uri="{FF2B5EF4-FFF2-40B4-BE49-F238E27FC236}">
-                <a16:creationId xmlns:a16="http://schemas.microsoft.com/office/drawing/2014/main" id="{DAEA32AE-A942-EBF5-05DA-1EF4E18D744E}"/>
+                <a16:creationId xmlns:a16="http://schemas.microsoft.com/office/drawing/2014/main" id="{6643E5F8-6249-69B8-8864-A66AF377F916}"/>
               </a:ext>
             </a:extLst>
           </p:cNvPr>
@@ -49429,7 +49474,7 @@
           <p:cNvPr id="226" name="PlaceHolder 2">
             <a:extLst>
               <a:ext uri="{FF2B5EF4-FFF2-40B4-BE49-F238E27FC236}">
-                <a16:creationId xmlns:a16="http://schemas.microsoft.com/office/drawing/2014/main" id="{5D6EF7D1-735C-8FC0-7D90-2B74B1F8EAA5}"/>
+                <a16:creationId xmlns:a16="http://schemas.microsoft.com/office/drawing/2014/main" id="{E16B395B-A6C5-6347-75C3-746339F9CF19}"/>
               </a:ext>
             </a:extLst>
           </p:cNvPr>
@@ -49442,8 +49487,8 @@
         </p:nvSpPr>
         <p:spPr>
           <a:xfrm>
-            <a:off x="1322280" y="2763000"/>
-            <a:ext cx="3646080" cy="3406680"/>
+            <a:off x="275573" y="2388960"/>
+            <a:ext cx="4692787" cy="4200840"/>
           </a:xfrm>
           <a:prstGeom prst="rect">
             <a:avLst/>
@@ -49455,7 +49500,7 @@
         </p:spPr>
         <p:txBody>
           <a:bodyPr anchor="t">
-            <a:normAutofit/>
+            <a:normAutofit lnSpcReduction="10000"/>
           </a:bodyPr>
           <a:lstStyle/>
           <a:p>
@@ -49473,7 +49518,7 @@
               <a:buChar char="•"/>
             </a:pPr>
             <a:r>
-              <a:rPr lang="en-US" sz="1800" b="0" strike="noStrike" spc="49" dirty="0">
+              <a:rPr lang="en-US" b="0" strike="noStrike" spc="49" dirty="0">
                 <a:solidFill>
                   <a:srgbClr val="000000"/>
                 </a:solidFill>
@@ -49483,7 +49528,7 @@
               <a:t>Git is a version </a:t>
             </a:r>
             <a:r>
-              <a:rPr lang="en-US" sz="1800" spc="49" dirty="0">
+              <a:rPr lang="en-US" spc="49" dirty="0">
                 <a:solidFill>
                   <a:srgbClr val="000000"/>
                 </a:solidFill>
@@ -49493,7 +49538,7 @@
               <a:t>c</a:t>
             </a:r>
             <a:r>
-              <a:rPr lang="en-US" sz="1800" b="0" strike="noStrike" spc="49" dirty="0">
+              <a:rPr lang="en-US" b="0" strike="noStrike" spc="49" dirty="0">
                 <a:solidFill>
                   <a:srgbClr val="000000"/>
                 </a:solidFill>
@@ -49518,7 +49563,7 @@
               <a:buChar char="•"/>
             </a:pPr>
             <a:r>
-              <a:rPr lang="en-US" sz="1800" spc="49" dirty="0">
+              <a:rPr lang="en-US" spc="49" dirty="0">
                 <a:solidFill>
                   <a:srgbClr val="000000"/>
                 </a:solidFill>
@@ -49526,7 +49571,7 @@
               </a:rPr>
               <a:t>It tracks changes to files and allows collaboration</a:t>
             </a:r>
-            <a:endParaRPr lang="en-US" sz="1800" b="0" strike="noStrike" spc="-1" dirty="0">
+            <a:endParaRPr lang="en-US" b="0" strike="noStrike" spc="-1" dirty="0">
               <a:solidFill>
                 <a:srgbClr val="000000"/>
               </a:solidFill>
@@ -49548,7 +49593,7 @@
               <a:buChar char="•"/>
             </a:pPr>
             <a:r>
-              <a:rPr lang="en-US" sz="1800" b="0" strike="noStrike" spc="49" dirty="0">
+              <a:rPr lang="en-US" b="0" strike="noStrike" spc="49" dirty="0">
                 <a:solidFill>
                   <a:srgbClr val="000000"/>
                 </a:solidFill>
@@ -49573,7 +49618,7 @@
               <a:buChar char="•"/>
             </a:pPr>
             <a:r>
-              <a:rPr lang="en-US" sz="1800" b="0" strike="noStrike" spc="49" dirty="0">
+              <a:rPr lang="en-US" b="0" strike="noStrike" spc="49" dirty="0">
                 <a:solidFill>
                   <a:srgbClr val="000000"/>
                 </a:solidFill>
@@ -49582,7 +49627,7 @@
               </a:rPr>
               <a:t>Commits create “snapshots” of the entire project, not just the differences</a:t>
             </a:r>
-            <a:endParaRPr lang="en-US" sz="1800" b="0" strike="noStrike" spc="-1" dirty="0">
+            <a:endParaRPr lang="en-US" b="0" strike="noStrike" spc="-1" dirty="0">
               <a:solidFill>
                 <a:srgbClr val="000000"/>
               </a:solidFill>
@@ -49604,7 +49649,7 @@
               <a:buChar char="•"/>
             </a:pPr>
             <a:r>
-              <a:rPr lang="en-US" sz="1800" b="0" strike="noStrike" spc="49" dirty="0">
+              <a:rPr lang="en-US" b="0" strike="noStrike" spc="49" dirty="0">
                 <a:solidFill>
                   <a:srgbClr val="000000"/>
                 </a:solidFill>
@@ -49613,7 +49658,7 @@
               </a:rPr>
               <a:t>Can be stored in a remote location</a:t>
             </a:r>
-            <a:endParaRPr lang="en-US" sz="1800" b="0" strike="noStrike" spc="-1" dirty="0">
+            <a:endParaRPr lang="en-US" b="0" strike="noStrike" spc="-1" dirty="0">
               <a:solidFill>
                 <a:srgbClr val="000000"/>
               </a:solidFill>
@@ -49627,7 +49672,7 @@
           <p:cNvPr id="227" name="PlaceHolder 3">
             <a:extLst>
               <a:ext uri="{FF2B5EF4-FFF2-40B4-BE49-F238E27FC236}">
-                <a16:creationId xmlns:a16="http://schemas.microsoft.com/office/drawing/2014/main" id="{DB64755D-4AAB-47C3-BABF-3F60F8DE1359}"/>
+                <a16:creationId xmlns:a16="http://schemas.microsoft.com/office/drawing/2014/main" id="{4C0FF6BC-31C6-6BB5-5223-25D95EAFB391}"/>
               </a:ext>
             </a:extLst>
           </p:cNvPr>
@@ -49696,7 +49741,7 @@
           <p:cNvPr id="228" name="Picture 3" descr="Git">
             <a:extLst>
               <a:ext uri="{FF2B5EF4-FFF2-40B4-BE49-F238E27FC236}">
-                <a16:creationId xmlns:a16="http://schemas.microsoft.com/office/drawing/2014/main" id="{464A140D-C0DC-250F-542F-C68D4223EA4B}"/>
+                <a16:creationId xmlns:a16="http://schemas.microsoft.com/office/drawing/2014/main" id="{86436075-C55A-B1E8-A3B6-7B6BE7C95270}"/>
               </a:ext>
             </a:extLst>
           </p:cNvPr>
@@ -49725,7 +49770,7 @@
           <p:cNvPr id="229" name="Picture 4" descr="A screenshot of a diagram&#10;&#10;Description automatically generated">
             <a:extLst>
               <a:ext uri="{FF2B5EF4-FFF2-40B4-BE49-F238E27FC236}">
-                <a16:creationId xmlns:a16="http://schemas.microsoft.com/office/drawing/2014/main" id="{55CFC68E-646A-5A55-8A66-4AEECEA21FB5}"/>
+                <a16:creationId xmlns:a16="http://schemas.microsoft.com/office/drawing/2014/main" id="{9C73AF84-EB46-FA03-5031-5A25904BE6D0}"/>
               </a:ext>
             </a:extLst>
           </p:cNvPr>
@@ -49754,7 +49799,7 @@
           <p:cNvPr id="2" name="Rectangle 1">
             <a:extLst>
               <a:ext uri="{FF2B5EF4-FFF2-40B4-BE49-F238E27FC236}">
-                <a16:creationId xmlns:a16="http://schemas.microsoft.com/office/drawing/2014/main" id="{CAF778D0-9E5A-50F2-4C4B-F8A6CC13877B}"/>
+                <a16:creationId xmlns:a16="http://schemas.microsoft.com/office/drawing/2014/main" id="{17FC14BC-A00F-81DB-3567-EBFF3E9CC60C}"/>
               </a:ext>
             </a:extLst>
           </p:cNvPr>
@@ -49763,7 +49808,7 @@
         </p:nvSpPr>
         <p:spPr>
           <a:xfrm>
-            <a:off x="8958467" y="3187080"/>
+            <a:off x="9039881" y="3187080"/>
             <a:ext cx="1232452" cy="2723390"/>
           </a:xfrm>
           <a:prstGeom prst="rect">
@@ -49804,7 +49849,7 @@
     </p:spTree>
     <p:extLst>
       <p:ext uri="{BB962C8B-B14F-4D97-AF65-F5344CB8AC3E}">
-        <p14:creationId xmlns:p14="http://schemas.microsoft.com/office/powerpoint/2010/main" val="1750598797"/>
+        <p14:creationId xmlns:p14="http://schemas.microsoft.com/office/powerpoint/2010/main" val="166818798"/>
       </p:ext>
     </p:extLst>
   </p:cSld>
